--- a/workshop/images/architecture.pptx
+++ b/workshop/images/architecture.pptx
@@ -5,15 +5,16 @@
     <p:sldMasterId id="2147483648" r:id="rId1"/>
   </p:sldMasterIdLst>
   <p:notesMasterIdLst>
-    <p:notesMasterId r:id="rId8"/>
+    <p:notesMasterId r:id="rId9"/>
   </p:notesMasterIdLst>
   <p:sldIdLst>
     <p:sldId id="365" r:id="rId2"/>
     <p:sldId id="366" r:id="rId3"/>
     <p:sldId id="371" r:id="rId4"/>
-    <p:sldId id="368" r:id="rId5"/>
-    <p:sldId id="369" r:id="rId6"/>
-    <p:sldId id="370" r:id="rId7"/>
+    <p:sldId id="372" r:id="rId5"/>
+    <p:sldId id="368" r:id="rId6"/>
+    <p:sldId id="369" r:id="rId7"/>
+    <p:sldId id="370" r:id="rId8"/>
   </p:sldIdLst>
   <p:sldSz cx="10058400" cy="7772400"/>
   <p:notesSz cx="6858000" cy="9144000"/>
@@ -555,7 +556,7 @@
           </a:ln>
           <a:extLst>
             <a:ext uri="{C572A759-6A51-4108-AA02-DFA0A04FC94B}">
-              <ma14:wrappingTextBoxFlag xmlns="" xmlns:ma14="http://schemas.microsoft.com/office/mac/drawingml/2011/main" val="1"/>
+              <ma14:wrappingTextBoxFlag xmlns:ma14="http://schemas.microsoft.com/office/mac/drawingml/2011/main" xmlns="" val="1"/>
             </a:ext>
           </a:extLst>
         </p:spPr>
@@ -608,7 +609,7 @@
           </a:ln>
           <a:extLst>
             <a:ext uri="{C572A759-6A51-4108-AA02-DFA0A04FC94B}">
-              <ma14:wrappingTextBoxFlag xmlns="" xmlns:ma14="http://schemas.microsoft.com/office/mac/drawingml/2011/main" val="1"/>
+              <ma14:wrappingTextBoxFlag xmlns:ma14="http://schemas.microsoft.com/office/mac/drawingml/2011/main" xmlns="" val="1"/>
             </a:ext>
           </a:extLst>
         </p:spPr>
@@ -656,7 +657,7 @@
           </a:ln>
           <a:extLst>
             <a:ext uri="{C572A759-6A51-4108-AA02-DFA0A04FC94B}">
-              <ma14:wrappingTextBoxFlag xmlns="" xmlns:ma14="http://schemas.microsoft.com/office/mac/drawingml/2011/main" val="1"/>
+              <ma14:wrappingTextBoxFlag xmlns:ma14="http://schemas.microsoft.com/office/mac/drawingml/2011/main" xmlns="" val="1"/>
             </a:ext>
           </a:extLst>
         </p:spPr>
@@ -820,7 +821,7 @@
           </a:ln>
           <a:extLst>
             <a:ext uri="{C572A759-6A51-4108-AA02-DFA0A04FC94B}">
-              <ma14:wrappingTextBoxFlag xmlns="" xmlns:ma14="http://schemas.microsoft.com/office/mac/drawingml/2011/main" val="1"/>
+              <ma14:wrappingTextBoxFlag xmlns:ma14="http://schemas.microsoft.com/office/mac/drawingml/2011/main" xmlns="" val="1"/>
             </a:ext>
           </a:extLst>
         </p:spPr>
@@ -873,7 +874,7 @@
           </a:ln>
           <a:extLst>
             <a:ext uri="{C572A759-6A51-4108-AA02-DFA0A04FC94B}">
-              <ma14:wrappingTextBoxFlag xmlns="" xmlns:ma14="http://schemas.microsoft.com/office/mac/drawingml/2011/main" val="1"/>
+              <ma14:wrappingTextBoxFlag xmlns:ma14="http://schemas.microsoft.com/office/mac/drawingml/2011/main" xmlns="" val="1"/>
             </a:ext>
           </a:extLst>
         </p:spPr>
@@ -921,7 +922,7 @@
           </a:ln>
           <a:extLst>
             <a:ext uri="{C572A759-6A51-4108-AA02-DFA0A04FC94B}">
-              <ma14:wrappingTextBoxFlag xmlns="" xmlns:ma14="http://schemas.microsoft.com/office/mac/drawingml/2011/main" val="1"/>
+              <ma14:wrappingTextBoxFlag xmlns:ma14="http://schemas.microsoft.com/office/mac/drawingml/2011/main" xmlns="" val="1"/>
             </a:ext>
           </a:extLst>
         </p:spPr>
@@ -1111,7 +1112,7 @@
           </a:ln>
           <a:extLst>
             <a:ext uri="{C572A759-6A51-4108-AA02-DFA0A04FC94B}">
-              <ma14:wrappingTextBoxFlag xmlns="" xmlns:ma14="http://schemas.microsoft.com/office/mac/drawingml/2011/main" val="1"/>
+              <ma14:wrappingTextBoxFlag xmlns:ma14="http://schemas.microsoft.com/office/mac/drawingml/2011/main" xmlns="" val="1"/>
             </a:ext>
           </a:extLst>
         </p:spPr>
@@ -1249,7 +1250,7 @@
           </a:ln>
           <a:extLst>
             <a:ext uri="{C572A759-6A51-4108-AA02-DFA0A04FC94B}">
-              <ma14:wrappingTextBoxFlag xmlns="" xmlns:ma14="http://schemas.microsoft.com/office/mac/drawingml/2011/main" val="1"/>
+              <ma14:wrappingTextBoxFlag xmlns:ma14="http://schemas.microsoft.com/office/mac/drawingml/2011/main" xmlns="" val="1"/>
             </a:ext>
           </a:extLst>
         </p:spPr>
@@ -1302,7 +1303,7 @@
           </a:ln>
           <a:extLst>
             <a:ext uri="{C572A759-6A51-4108-AA02-DFA0A04FC94B}">
-              <ma14:wrappingTextBoxFlag xmlns="" xmlns:ma14="http://schemas.microsoft.com/office/mac/drawingml/2011/main" val="1"/>
+              <ma14:wrappingTextBoxFlag xmlns:ma14="http://schemas.microsoft.com/office/mac/drawingml/2011/main" xmlns="" val="1"/>
             </a:ext>
           </a:extLst>
         </p:spPr>
@@ -2235,7 +2236,7 @@
           </a:ln>
           <a:extLst>
             <a:ext uri="{C572A759-6A51-4108-AA02-DFA0A04FC94B}">
-              <ma14:wrappingTextBoxFlag xmlns="" xmlns:ma14="http://schemas.microsoft.com/office/mac/drawingml/2011/main" val="1"/>
+              <ma14:wrappingTextBoxFlag xmlns:ma14="http://schemas.microsoft.com/office/mac/drawingml/2011/main" xmlns="" val="1"/>
             </a:ext>
           </a:extLst>
         </p:spPr>
@@ -2288,7 +2289,7 @@
           </a:ln>
           <a:extLst>
             <a:ext uri="{C572A759-6A51-4108-AA02-DFA0A04FC94B}">
-              <ma14:wrappingTextBoxFlag xmlns="" xmlns:ma14="http://schemas.microsoft.com/office/mac/drawingml/2011/main" val="1"/>
+              <ma14:wrappingTextBoxFlag xmlns:ma14="http://schemas.microsoft.com/office/mac/drawingml/2011/main" xmlns="" val="1"/>
             </a:ext>
           </a:extLst>
         </p:spPr>
@@ -2336,7 +2337,7 @@
           </a:ln>
           <a:extLst>
             <a:ext uri="{C572A759-6A51-4108-AA02-DFA0A04FC94B}">
-              <ma14:wrappingTextBoxFlag xmlns="" xmlns:ma14="http://schemas.microsoft.com/office/mac/drawingml/2011/main" val="1"/>
+              <ma14:wrappingTextBoxFlag xmlns:ma14="http://schemas.microsoft.com/office/mac/drawingml/2011/main" xmlns="" val="1"/>
             </a:ext>
           </a:extLst>
         </p:spPr>
@@ -2436,7 +2437,7 @@
           </a:ln>
           <a:extLst>
             <a:ext uri="{C572A759-6A51-4108-AA02-DFA0A04FC94B}">
-              <ma14:wrappingTextBoxFlag xmlns="" xmlns:ma14="http://schemas.microsoft.com/office/mac/drawingml/2011/main" val="1"/>
+              <ma14:wrappingTextBoxFlag xmlns:ma14="http://schemas.microsoft.com/office/mac/drawingml/2011/main" xmlns="" val="1"/>
             </a:ext>
           </a:extLst>
         </p:spPr>
@@ -2479,7 +2480,7 @@
           </a:ln>
           <a:extLst>
             <a:ext uri="{C572A759-6A51-4108-AA02-DFA0A04FC94B}">
-              <ma14:wrappingTextBoxFlag xmlns="" xmlns:ma14="http://schemas.microsoft.com/office/mac/drawingml/2011/main" val="1"/>
+              <ma14:wrappingTextBoxFlag xmlns:ma14="http://schemas.microsoft.com/office/mac/drawingml/2011/main" xmlns="" val="1"/>
             </a:ext>
           </a:extLst>
         </p:spPr>
@@ -6217,20 +6218,19 @@
           <p:cNvPr id="176" name="Straight Arrow Connector 62"/>
           <p:cNvCxnSpPr>
             <a:cxnSpLocks/>
-            <a:endCxn id="216" idx="3"/>
           </p:cNvCxnSpPr>
           <p:nvPr/>
         </p:nvCxnSpPr>
         <p:spPr>
-          <a:xfrm flipH="1" flipV="1">
-            <a:off x="4150946" y="2135550"/>
-            <a:ext cx="1771451" cy="24863"/>
+          <a:xfrm flipH="1">
+            <a:off x="3819210" y="2124984"/>
+            <a:ext cx="1800263" cy="726814"/>
           </a:xfrm>
           <a:prstGeom prst="straightConnector1">
             <a:avLst/>
           </a:prstGeom>
           <a:noFill/>
-          <a:ln w="12700" cap="flat" cmpd="sng">
+          <a:ln w="38100" cap="flat" cmpd="sng">
             <a:solidFill>
               <a:schemeClr val="bg1">
                 <a:lumMod val="85000"/>
@@ -6261,20 +6261,19 @@
           <p:cNvPr id="189" name="Straight Arrow Connector 62"/>
           <p:cNvCxnSpPr>
             <a:cxnSpLocks/>
-            <a:stCxn id="216" idx="3"/>
           </p:cNvCxnSpPr>
           <p:nvPr/>
         </p:nvCxnSpPr>
         <p:spPr>
           <a:xfrm>
-            <a:off x="4150946" y="2135550"/>
-            <a:ext cx="1795300" cy="1442421"/>
+            <a:off x="3766211" y="2897742"/>
+            <a:ext cx="1775799" cy="555124"/>
           </a:xfrm>
           <a:prstGeom prst="straightConnector1">
             <a:avLst/>
           </a:prstGeom>
           <a:noFill/>
-          <a:ln w="12700" cap="flat" cmpd="sng">
+          <a:ln w="38100" cap="flat" cmpd="sng">
             <a:solidFill>
               <a:schemeClr val="bg1">
                 <a:lumMod val="85000"/>
@@ -6342,7 +6341,7 @@
         </p:nvSpPr>
         <p:spPr>
           <a:xfrm>
-            <a:off x="1979114" y="781579"/>
+            <a:off x="1495605" y="804577"/>
             <a:ext cx="5676030" cy="246221"/>
           </a:xfrm>
           <a:prstGeom prst="rect">
@@ -6353,7 +6352,7 @@
           </a:ln>
           <a:extLst>
             <a:ext uri="{C572A759-6A51-4108-AA02-DFA0A04FC94B}">
-              <ma14:wrappingTextBoxFlag xmlns="" xmlns:ma14="http://schemas.microsoft.com/office/mac/drawingml/2011/main" val="1"/>
+              <ma14:wrappingTextBoxFlag xmlns:ma14="http://schemas.microsoft.com/office/mac/drawingml/2011/main" xmlns="" val="1"/>
             </a:ext>
           </a:extLst>
         </p:spPr>
@@ -6495,7 +6494,7 @@
         </p:blipFill>
         <p:spPr>
           <a:xfrm>
-            <a:off x="3255007" y="1705499"/>
+            <a:off x="3294635" y="2454718"/>
             <a:ext cx="895939" cy="860102"/>
           </a:xfrm>
           <a:prstGeom prst="rect">
@@ -6522,7 +6521,7 @@
           </a:ln>
           <a:extLst>
             <a:ext uri="{C572A759-6A51-4108-AA02-DFA0A04FC94B}">
-              <ma14:wrappingTextBoxFlag xmlns="" xmlns:ma14="http://schemas.microsoft.com/office/mac/drawingml/2011/main" val="1"/>
+              <ma14:wrappingTextBoxFlag xmlns:ma14="http://schemas.microsoft.com/office/mac/drawingml/2011/main" xmlns="" val="1"/>
             </a:ext>
           </a:extLst>
         </p:spPr>
@@ -6579,8 +6578,8 @@
         </p:nvSpPr>
         <p:spPr>
           <a:xfrm>
-            <a:off x="2961332" y="2494251"/>
-            <a:ext cx="1506878" cy="448679"/>
+            <a:off x="3027693" y="3341900"/>
+            <a:ext cx="1506878" cy="264013"/>
           </a:xfrm>
           <a:prstGeom prst="rect">
             <a:avLst/>
@@ -6634,49 +6633,7 @@
                 <a:latin typeface="Arial"/>
                 <a:cs typeface="Arial"/>
               </a:rPr>
-              <a:t>Web-API</a:t>
-            </a:r>
-            <a:endParaRPr kumimoji="0" lang="en-US" sz="1200" b="0" i="0" u="none" strike="noStrike" cap="none" spc="0" normalizeH="0" baseline="0" dirty="0">
-              <a:ln>
-                <a:noFill/>
-              </a:ln>
-              <a:solidFill>
-                <a:srgbClr val="000000"/>
-              </a:solidFill>
-              <a:effectLst/>
-              <a:uFillTx/>
-              <a:latin typeface="Arial"/>
-              <a:ea typeface="+mn-ea"/>
-              <a:cs typeface="Arial"/>
-              <a:sym typeface="Helvetica Light"/>
-            </a:endParaRPr>
-          </a:p>
-          <a:p>
-            <a:pPr marL="0" marR="0" indent="0" defTabSz="584200" rtl="0" fontAlgn="auto" latinLnBrk="1" hangingPunct="0">
-              <a:lnSpc>
-                <a:spcPct val="100000"/>
-              </a:lnSpc>
-              <a:spcBef>
-                <a:spcPts val="0"/>
-              </a:spcBef>
-              <a:spcAft>
-                <a:spcPts val="0"/>
-              </a:spcAft>
-              <a:buClrTx/>
-              <a:buSzTx/>
-              <a:buFontTx/>
-              <a:buNone/>
-              <a:tabLst/>
-            </a:pPr>
-            <a:r>
-              <a:rPr lang="en-US" sz="1200" dirty="0">
-                <a:solidFill>
-                  <a:srgbClr val="000000"/>
-                </a:solidFill>
-                <a:latin typeface="Arial"/>
-                <a:cs typeface="Arial"/>
-              </a:rPr>
-              <a:t>v1</a:t>
+              <a:t>Web-API v1</a:t>
             </a:r>
             <a:endParaRPr kumimoji="0" lang="en-US" sz="1200" b="0" i="0" u="none" strike="noStrike" cap="none" spc="0" normalizeH="0" baseline="0" dirty="0">
               <a:ln>
@@ -6801,9 +6758,7 @@
             <p:nvPr/>
           </p:nvPicPr>
           <p:blipFill>
-            <a:blip r:embed="rId4">
-              <a:extLst/>
-            </a:blip>
+            <a:blip r:embed="rId4"/>
             <a:srcRect l="19624" t="23468" r="19624" b="23468"/>
             <a:stretch>
               <a:fillRect/>
@@ -6841,7 +6796,7 @@
         </p:blipFill>
         <p:spPr>
           <a:xfrm>
-            <a:off x="3084928" y="1407112"/>
+            <a:off x="3083904" y="2169120"/>
             <a:ext cx="831816" cy="524254"/>
           </a:xfrm>
           <a:prstGeom prst="rect">
@@ -6935,14 +6890,14 @@
         </p:nvCxnSpPr>
         <p:spPr>
           <a:xfrm flipV="1">
-            <a:off x="2142836" y="2135550"/>
-            <a:ext cx="1112171" cy="1215070"/>
+            <a:off x="1881524" y="2884769"/>
+            <a:ext cx="1413111" cy="629078"/>
           </a:xfrm>
           <a:prstGeom prst="straightConnector1">
             <a:avLst/>
           </a:prstGeom>
           <a:noFill/>
-          <a:ln w="12700" cap="flat" cmpd="sng">
+          <a:ln w="38100" cap="flat" cmpd="sng">
             <a:solidFill>
               <a:schemeClr val="bg1">
                 <a:lumMod val="85000"/>
@@ -7069,7 +7024,7 @@
         </p:blipFill>
         <p:spPr>
           <a:xfrm>
-            <a:off x="5227279" y="2872394"/>
+            <a:off x="5172464" y="2847595"/>
             <a:ext cx="695118" cy="425181"/>
           </a:xfrm>
           <a:prstGeom prst="rect">
@@ -7085,7 +7040,7 @@
         </p:nvSpPr>
         <p:spPr>
           <a:xfrm>
-            <a:off x="2996444" y="5679606"/>
+            <a:off x="3125542" y="4900870"/>
             <a:ext cx="1365428" cy="264013"/>
           </a:xfrm>
           <a:prstGeom prst="rect">
@@ -7140,14 +7095,14 @@
         </p:nvCxnSpPr>
         <p:spPr>
           <a:xfrm>
-            <a:off x="2102902" y="3967369"/>
-            <a:ext cx="1249890" cy="1279001"/>
+            <a:off x="2113030" y="3848018"/>
+            <a:ext cx="1387255" cy="656414"/>
           </a:xfrm>
           <a:prstGeom prst="straightConnector1">
             <a:avLst/>
           </a:prstGeom>
           <a:noFill/>
-          <a:ln w="12700" cap="flat" cmpd="sng">
+          <a:ln w="38100" cap="flat" cmpd="sng">
             <a:solidFill>
               <a:schemeClr val="bg1">
                 <a:lumMod val="85000"/>
@@ -7189,7 +7144,7 @@
         </p:blipFill>
         <p:spPr>
           <a:xfrm>
-            <a:off x="3193422" y="4710185"/>
+            <a:off x="3322520" y="3931449"/>
             <a:ext cx="307414" cy="348208"/>
           </a:xfrm>
           <a:prstGeom prst="rect">
@@ -7205,7 +7160,7 @@
         </p:nvGrpSpPr>
         <p:grpSpPr>
           <a:xfrm>
-            <a:off x="3347757" y="4959873"/>
+            <a:off x="3476855" y="4181137"/>
             <a:ext cx="707235" cy="707233"/>
             <a:chOff x="555452" y="2050875"/>
             <a:chExt cx="707235" cy="707233"/>
@@ -7303,9 +7258,7 @@
             <p:nvPr/>
           </p:nvPicPr>
           <p:blipFill>
-            <a:blip r:embed="rId8">
-              <a:extLst/>
-            </a:blip>
+            <a:blip r:embed="rId8"/>
             <a:srcRect l="21704" t="15445" r="21704" b="15445"/>
             <a:stretch>
               <a:fillRect/>
@@ -7587,9 +7540,7 @@
             <p:nvPr/>
           </p:nvPicPr>
           <p:blipFill>
-            <a:blip r:embed="rId10">
-              <a:extLst/>
-            </a:blip>
+            <a:blip r:embed="rId10"/>
             <a:srcRect l="17032" t="20462" r="17032" b="20462"/>
             <a:stretch>
               <a:fillRect/>
@@ -7687,7 +7638,7 @@
             <a:avLst/>
           </a:prstGeom>
           <a:noFill/>
-          <a:ln w="12700" cap="flat" cmpd="sng">
+          <a:ln w="38100" cap="flat" cmpd="sng">
             <a:solidFill>
               <a:schemeClr val="bg1">
                 <a:lumMod val="85000"/>
@@ -7797,7 +7748,7 @@
           </a:ln>
           <a:extLst>
             <a:ext uri="{C572A759-6A51-4108-AA02-DFA0A04FC94B}">
-              <ma14:wrappingTextBoxFlag xmlns="" xmlns:ma14="http://schemas.microsoft.com/office/mac/drawingml/2011/main" val="1"/>
+              <ma14:wrappingTextBoxFlag xmlns:ma14="http://schemas.microsoft.com/office/mac/drawingml/2011/main" xmlns="" val="1"/>
             </a:ext>
           </a:extLst>
         </p:spPr>
@@ -7966,7 +7917,7 @@
           </a:ln>
           <a:extLst>
             <a:ext uri="{C572A759-6A51-4108-AA02-DFA0A04FC94B}">
-              <ma14:wrappingTextBoxFlag xmlns="" xmlns:ma14="http://schemas.microsoft.com/office/mac/drawingml/2011/main" val="1"/>
+              <ma14:wrappingTextBoxFlag xmlns:ma14="http://schemas.microsoft.com/office/mac/drawingml/2011/main" xmlns="" val="1"/>
             </a:ext>
           </a:extLst>
         </p:spPr>
@@ -8245,9 +8196,7 @@
             <p:nvPr/>
           </p:nvPicPr>
           <p:blipFill>
-            <a:blip r:embed="rId4">
-              <a:extLst/>
-            </a:blip>
+            <a:blip r:embed="rId4"/>
             <a:srcRect l="19624" t="23468" r="19624" b="23468"/>
             <a:stretch>
               <a:fillRect/>
@@ -8387,7 +8336,7 @@
             <a:avLst/>
           </a:prstGeom>
           <a:noFill/>
-          <a:ln w="12700" cap="flat" cmpd="sng">
+          <a:ln w="38100" cap="flat" cmpd="sng">
             <a:solidFill>
               <a:schemeClr val="bg1">
                 <a:lumMod val="85000"/>
@@ -8593,7 +8542,7 @@
             <a:avLst/>
           </a:prstGeom>
           <a:noFill/>
-          <a:ln w="12700" cap="flat" cmpd="sng">
+          <a:ln w="38100" cap="flat" cmpd="sng">
             <a:solidFill>
               <a:schemeClr val="bg1">
                 <a:lumMod val="85000"/>
@@ -8749,9 +8698,7 @@
             <p:nvPr/>
           </p:nvPicPr>
           <p:blipFill>
-            <a:blip r:embed="rId8">
-              <a:extLst/>
-            </a:blip>
+            <a:blip r:embed="rId8"/>
             <a:srcRect l="21704" t="15445" r="21704" b="15445"/>
             <a:stretch>
               <a:fillRect/>
@@ -9033,9 +8980,7 @@
             <p:nvPr/>
           </p:nvPicPr>
           <p:blipFill>
-            <a:blip r:embed="rId10">
-              <a:extLst/>
-            </a:blip>
+            <a:blip r:embed="rId10"/>
             <a:srcRect l="17032" t="20462" r="17032" b="20462"/>
             <a:stretch>
               <a:fillRect/>
@@ -9129,7 +9074,7 @@
             <a:avLst/>
           </a:prstGeom>
           <a:noFill/>
-          <a:ln w="12700" cap="flat" cmpd="sng">
+          <a:ln w="38100" cap="flat" cmpd="sng">
             <a:solidFill>
               <a:schemeClr val="bg1">
                 <a:lumMod val="85000"/>
@@ -9174,7 +9119,7 @@
             <a:avLst/>
           </a:prstGeom>
           <a:noFill/>
-          <a:ln w="12700" cap="flat" cmpd="sng">
+          <a:ln w="38100" cap="flat" cmpd="sng">
             <a:solidFill>
               <a:schemeClr val="bg1">
                 <a:lumMod val="85000"/>
@@ -9223,7 +9168,7 @@
             <a:avLst/>
           </a:prstGeom>
           <a:noFill/>
-          <a:ln w="12700" cap="flat" cmpd="sng">
+          <a:ln w="38100" cap="flat" cmpd="sng">
             <a:solidFill>
               <a:schemeClr val="bg1">
                 <a:lumMod val="85000"/>
@@ -10153,7 +10098,7 @@
             <a:avLst/>
           </a:prstGeom>
           <a:noFill/>
-          <a:ln w="12700" cap="flat" cmpd="sng">
+          <a:ln w="38100" cap="flat" cmpd="sng">
             <a:solidFill>
               <a:schemeClr val="bg1">
                 <a:lumMod val="85000"/>
@@ -10204,7 +10149,7 @@
             <a:avLst/>
           </a:prstGeom>
           <a:noFill/>
-          <a:ln w="12700" cap="flat" cmpd="sng">
+          <a:ln w="38100" cap="flat" cmpd="sng">
             <a:solidFill>
               <a:schemeClr val="bg1">
                 <a:lumMod val="85000"/>
@@ -10376,7 +10321,7 @@
             <a:avLst/>
           </a:prstGeom>
           <a:noFill/>
-          <a:ln w="12700" cap="flat" cmpd="sng">
+          <a:ln w="38100" cap="flat" cmpd="sng">
             <a:solidFill>
               <a:schemeClr val="bg1">
                 <a:lumMod val="85000"/>
@@ -10426,7 +10371,7 @@
             <a:avLst/>
           </a:prstGeom>
           <a:noFill/>
-          <a:ln w="12700" cap="flat" cmpd="sng">
+          <a:ln w="38100" cap="flat" cmpd="sng">
             <a:solidFill>
               <a:schemeClr val="bg1">
                 <a:lumMod val="85000"/>
@@ -10573,10 +10518,170 @@
           </a:p>
         </p:txBody>
       </p:sp>
+      <p:sp>
+        <p:nvSpPr>
+          <p:cNvPr id="2" name="Oval 1">
+            <a:extLst>
+              <a:ext uri="{FF2B5EF4-FFF2-40B4-BE49-F238E27FC236}">
+                <a16:creationId xmlns:a16="http://schemas.microsoft.com/office/drawing/2014/main" id="{9825C41F-19C7-CC43-B595-B530D8750F43}"/>
+              </a:ext>
+            </a:extLst>
+          </p:cNvPr>
+          <p:cNvSpPr/>
+          <p:nvPr/>
+        </p:nvSpPr>
+        <p:spPr>
+          <a:xfrm>
+            <a:off x="3005263" y="1607304"/>
+            <a:ext cx="1373230" cy="847452"/>
+          </a:xfrm>
+          <a:prstGeom prst="ellipse">
+            <a:avLst/>
+          </a:prstGeom>
+          <a:ln w="38100">
+            <a:solidFill>
+              <a:schemeClr val="accent5"/>
+            </a:solidFill>
+            <a:miter lim="400000"/>
+          </a:ln>
+        </p:spPr>
+        <p:txBody>
+          <a:bodyPr lIns="0" tIns="0" rIns="0" bIns="0" rtlCol="0" anchor="ctr"/>
+          <a:lstStyle/>
+          <a:p>
+            <a:pPr algn="ctr"/>
+            <a:endParaRPr lang="en-US" sz="1800">
+              <a:solidFill>
+                <a:srgbClr val="4277BB"/>
+              </a:solidFill>
+            </a:endParaRPr>
+          </a:p>
+        </p:txBody>
+      </p:sp>
+      <p:sp>
+        <p:nvSpPr>
+          <p:cNvPr id="59" name="Oval 58">
+            <a:extLst>
+              <a:ext uri="{FF2B5EF4-FFF2-40B4-BE49-F238E27FC236}">
+                <a16:creationId xmlns:a16="http://schemas.microsoft.com/office/drawing/2014/main" id="{B5545E49-2E3F-2249-828D-BE0433DD4285}"/>
+              </a:ext>
+            </a:extLst>
+          </p:cNvPr>
+          <p:cNvSpPr/>
+          <p:nvPr/>
+        </p:nvSpPr>
+        <p:spPr>
+          <a:xfrm>
+            <a:off x="3091700" y="4853064"/>
+            <a:ext cx="1373230" cy="847452"/>
+          </a:xfrm>
+          <a:prstGeom prst="ellipse">
+            <a:avLst/>
+          </a:prstGeom>
+          <a:ln w="38100">
+            <a:solidFill>
+              <a:schemeClr val="accent5"/>
+            </a:solidFill>
+            <a:miter lim="400000"/>
+          </a:ln>
+        </p:spPr>
+        <p:txBody>
+          <a:bodyPr lIns="0" tIns="0" rIns="0" bIns="0" rtlCol="0" anchor="ctr"/>
+          <a:lstStyle/>
+          <a:p>
+            <a:pPr algn="ctr"/>
+            <a:endParaRPr lang="en-US" sz="1800">
+              <a:solidFill>
+                <a:srgbClr val="4277BB"/>
+              </a:solidFill>
+            </a:endParaRPr>
+          </a:p>
+        </p:txBody>
+      </p:sp>
+      <p:sp>
+        <p:nvSpPr>
+          <p:cNvPr id="60" name="Oval 59">
+            <a:extLst>
+              <a:ext uri="{FF2B5EF4-FFF2-40B4-BE49-F238E27FC236}">
+                <a16:creationId xmlns:a16="http://schemas.microsoft.com/office/drawing/2014/main" id="{515DA369-DFF7-B54E-8AAC-8B242FB71950}"/>
+              </a:ext>
+            </a:extLst>
+          </p:cNvPr>
+          <p:cNvSpPr/>
+          <p:nvPr/>
+        </p:nvSpPr>
+        <p:spPr>
+          <a:xfrm>
+            <a:off x="5964013" y="3416327"/>
+            <a:ext cx="1373230" cy="847452"/>
+          </a:xfrm>
+          <a:prstGeom prst="ellipse">
+            <a:avLst/>
+          </a:prstGeom>
+          <a:ln w="38100">
+            <a:solidFill>
+              <a:schemeClr val="accent5"/>
+            </a:solidFill>
+            <a:miter lim="400000"/>
+          </a:ln>
+        </p:spPr>
+        <p:txBody>
+          <a:bodyPr lIns="0" tIns="0" rIns="0" bIns="0" rtlCol="0" anchor="ctr"/>
+          <a:lstStyle/>
+          <a:p>
+            <a:pPr algn="ctr"/>
+            <a:endParaRPr lang="en-US" sz="1800">
+              <a:solidFill>
+                <a:srgbClr val="4277BB"/>
+              </a:solidFill>
+            </a:endParaRPr>
+          </a:p>
+        </p:txBody>
+      </p:sp>
+      <p:sp>
+        <p:nvSpPr>
+          <p:cNvPr id="61" name="Oval 60">
+            <a:extLst>
+              <a:ext uri="{FF2B5EF4-FFF2-40B4-BE49-F238E27FC236}">
+                <a16:creationId xmlns:a16="http://schemas.microsoft.com/office/drawing/2014/main" id="{4A276066-E42A-2441-BF91-7D4C224B2D3A}"/>
+              </a:ext>
+            </a:extLst>
+          </p:cNvPr>
+          <p:cNvSpPr/>
+          <p:nvPr/>
+        </p:nvSpPr>
+        <p:spPr>
+          <a:xfrm>
+            <a:off x="5956765" y="1658636"/>
+            <a:ext cx="1373230" cy="847452"/>
+          </a:xfrm>
+          <a:prstGeom prst="ellipse">
+            <a:avLst/>
+          </a:prstGeom>
+          <a:ln w="38100">
+            <a:solidFill>
+              <a:schemeClr val="accent5"/>
+            </a:solidFill>
+            <a:miter lim="400000"/>
+          </a:ln>
+        </p:spPr>
+        <p:txBody>
+          <a:bodyPr lIns="0" tIns="0" rIns="0" bIns="0" rtlCol="0" anchor="ctr"/>
+          <a:lstStyle/>
+          <a:p>
+            <a:pPr algn="ctr"/>
+            <a:endParaRPr lang="en-US" sz="1800">
+              <a:solidFill>
+                <a:srgbClr val="4277BB"/>
+              </a:solidFill>
+            </a:endParaRPr>
+          </a:p>
+        </p:txBody>
+      </p:sp>
     </p:spTree>
     <p:extLst>
       <p:ext uri="{BB962C8B-B14F-4D97-AF65-F5344CB8AC3E}">
-        <p14:creationId xmlns:p14="http://schemas.microsoft.com/office/powerpoint/2010/main" val="2920113245"/>
+        <p14:creationId xmlns:p14="http://schemas.microsoft.com/office/powerpoint/2010/main" val="4081162028"/>
       </p:ext>
     </p:extLst>
   </p:cSld>
@@ -10604,194 +10709,6 @@
           <a:chExt cx="0" cy="0"/>
         </a:xfrm>
       </p:grpSpPr>
-      <p:cxnSp>
-        <p:nvCxnSpPr>
-          <p:cNvPr id="176" name="Straight Arrow Connector 62"/>
-          <p:cNvCxnSpPr>
-            <a:cxnSpLocks/>
-            <a:endCxn id="216" idx="3"/>
-          </p:cNvCxnSpPr>
-          <p:nvPr/>
-        </p:nvCxnSpPr>
-        <p:spPr>
-          <a:xfrm flipH="1" flipV="1">
-            <a:off x="4150946" y="2135550"/>
-            <a:ext cx="1771451" cy="24863"/>
-          </a:xfrm>
-          <a:prstGeom prst="straightConnector1">
-            <a:avLst/>
-          </a:prstGeom>
-          <a:noFill/>
-          <a:ln w="12700" cap="flat" cmpd="sng">
-            <a:solidFill>
-              <a:schemeClr val="bg1">
-                <a:lumMod val="85000"/>
-              </a:schemeClr>
-            </a:solidFill>
-            <a:prstDash val="solid"/>
-            <a:miter lim="400000"/>
-            <a:headEnd type="none"/>
-            <a:tailEnd type="none"/>
-          </a:ln>
-          <a:effectLst/>
-        </p:spPr>
-        <p:style>
-          <a:lnRef idx="0">
-            <a:scrgbClr r="0" g="0" b="0"/>
-          </a:lnRef>
-          <a:fillRef idx="0">
-            <a:scrgbClr r="0" g="0" b="0"/>
-          </a:fillRef>
-          <a:effectRef idx="0">
-            <a:scrgbClr r="0" g="0" b="0"/>
-          </a:effectRef>
-          <a:fontRef idx="none"/>
-        </p:style>
-      </p:cxnSp>
-      <p:cxnSp>
-        <p:nvCxnSpPr>
-          <p:cNvPr id="40" name="Straight Arrow Connector 62">
-            <a:extLst>
-              <a:ext uri="{FF2B5EF4-FFF2-40B4-BE49-F238E27FC236}">
-                <a16:creationId xmlns:a16="http://schemas.microsoft.com/office/drawing/2014/main" id="{7B023E2D-265B-F240-A125-F9C874733F83}"/>
-              </a:ext>
-            </a:extLst>
-          </p:cNvPr>
-          <p:cNvCxnSpPr>
-            <a:cxnSpLocks/>
-            <a:stCxn id="34" idx="3"/>
-          </p:cNvCxnSpPr>
-          <p:nvPr/>
-        </p:nvCxnSpPr>
-        <p:spPr>
-          <a:xfrm flipV="1">
-            <a:off x="4144630" y="2135550"/>
-            <a:ext cx="1839176" cy="1442422"/>
-          </a:xfrm>
-          <a:prstGeom prst="straightConnector1">
-            <a:avLst/>
-          </a:prstGeom>
-          <a:noFill/>
-          <a:ln w="12700" cap="flat" cmpd="sng">
-            <a:solidFill>
-              <a:schemeClr val="bg1">
-                <a:lumMod val="85000"/>
-              </a:schemeClr>
-            </a:solidFill>
-            <a:prstDash val="solid"/>
-            <a:miter lim="400000"/>
-            <a:headEnd type="none"/>
-            <a:tailEnd type="none"/>
-          </a:ln>
-          <a:effectLst/>
-        </p:spPr>
-        <p:style>
-          <a:lnRef idx="0">
-            <a:scrgbClr r="0" g="0" b="0"/>
-          </a:lnRef>
-          <a:fillRef idx="0">
-            <a:scrgbClr r="0" g="0" b="0"/>
-          </a:fillRef>
-          <a:effectRef idx="0">
-            <a:scrgbClr r="0" g="0" b="0"/>
-          </a:effectRef>
-          <a:fontRef idx="none"/>
-        </p:style>
-      </p:cxnSp>
-      <p:cxnSp>
-        <p:nvCxnSpPr>
-          <p:cNvPr id="189" name="Straight Arrow Connector 62"/>
-          <p:cNvCxnSpPr>
-            <a:cxnSpLocks/>
-            <a:stCxn id="216" idx="3"/>
-          </p:cNvCxnSpPr>
-          <p:nvPr/>
-        </p:nvCxnSpPr>
-        <p:spPr>
-          <a:xfrm>
-            <a:off x="4150946" y="2135550"/>
-            <a:ext cx="1795300" cy="1442421"/>
-          </a:xfrm>
-          <a:prstGeom prst="straightConnector1">
-            <a:avLst/>
-          </a:prstGeom>
-          <a:noFill/>
-          <a:ln w="12700" cap="flat" cmpd="sng">
-            <a:solidFill>
-              <a:schemeClr val="bg1">
-                <a:lumMod val="85000"/>
-              </a:schemeClr>
-            </a:solidFill>
-            <a:prstDash val="solid"/>
-            <a:miter lim="400000"/>
-            <a:headEnd type="none"/>
-            <a:tailEnd type="none"/>
-          </a:ln>
-          <a:effectLst/>
-        </p:spPr>
-        <p:style>
-          <a:lnRef idx="0">
-            <a:scrgbClr r="0" g="0" b="0"/>
-          </a:lnRef>
-          <a:fillRef idx="0">
-            <a:scrgbClr r="0" g="0" b="0"/>
-          </a:fillRef>
-          <a:effectRef idx="0">
-            <a:scrgbClr r="0" g="0" b="0"/>
-          </a:effectRef>
-          <a:fontRef idx="none"/>
-        </p:style>
-      </p:cxnSp>
-      <p:cxnSp>
-        <p:nvCxnSpPr>
-          <p:cNvPr id="45" name="Straight Arrow Connector 62">
-            <a:extLst>
-              <a:ext uri="{FF2B5EF4-FFF2-40B4-BE49-F238E27FC236}">
-                <a16:creationId xmlns:a16="http://schemas.microsoft.com/office/drawing/2014/main" id="{7EF09460-0275-DC45-A79F-7FCF290FE086}"/>
-              </a:ext>
-            </a:extLst>
-          </p:cNvPr>
-          <p:cNvCxnSpPr>
-            <a:cxnSpLocks/>
-            <a:endCxn id="34" idx="1"/>
-          </p:cNvCxnSpPr>
-          <p:nvPr/>
-        </p:nvCxnSpPr>
-        <p:spPr>
-          <a:xfrm flipV="1">
-            <a:off x="1884810" y="3577972"/>
-            <a:ext cx="1363881" cy="14446"/>
-          </a:xfrm>
-          <a:prstGeom prst="straightConnector1">
-            <a:avLst/>
-          </a:prstGeom>
-          <a:noFill/>
-          <a:ln w="12700" cap="flat" cmpd="sng">
-            <a:solidFill>
-              <a:schemeClr val="bg1">
-                <a:lumMod val="85000"/>
-              </a:schemeClr>
-            </a:solidFill>
-            <a:prstDash val="solid"/>
-            <a:miter lim="400000"/>
-            <a:headEnd type="none"/>
-            <a:tailEnd type="none"/>
-          </a:ln>
-          <a:effectLst/>
-        </p:spPr>
-        <p:style>
-          <a:lnRef idx="0">
-            <a:scrgbClr r="0" g="0" b="0"/>
-          </a:lnRef>
-          <a:fillRef idx="0">
-            <a:scrgbClr r="0" g="0" b="0"/>
-          </a:fillRef>
-          <a:effectRef idx="0">
-            <a:scrgbClr r="0" g="0" b="0"/>
-          </a:effectRef>
-          <a:fontRef idx="none"/>
-        </p:style>
-      </p:cxnSp>
       <p:sp>
         <p:nvSpPr>
           <p:cNvPr id="148" name="Shape 62"/>
@@ -10845,7 +10762,7 @@
           </a:ln>
           <a:extLst>
             <a:ext uri="{C572A759-6A51-4108-AA02-DFA0A04FC94B}">
-              <ma14:wrappingTextBoxFlag xmlns="" xmlns:ma14="http://schemas.microsoft.com/office/mac/drawingml/2011/main" val="1"/>
+              <ma14:wrappingTextBoxFlag xmlns:ma14="http://schemas.microsoft.com/office/mac/drawingml/2011/main" xmlns="" val="1"/>
             </a:ext>
           </a:extLst>
         </p:spPr>
@@ -10987,7 +10904,7 @@
         </p:blipFill>
         <p:spPr>
           <a:xfrm>
-            <a:off x="3255007" y="1705499"/>
+            <a:off x="4717032" y="1658636"/>
             <a:ext cx="895939" cy="860102"/>
           </a:xfrm>
           <a:prstGeom prst="rect">
@@ -11014,7 +10931,7 @@
           </a:ln>
           <a:extLst>
             <a:ext uri="{C572A759-6A51-4108-AA02-DFA0A04FC94B}">
-              <ma14:wrappingTextBoxFlag xmlns="" xmlns:ma14="http://schemas.microsoft.com/office/mac/drawingml/2011/main" val="1"/>
+              <ma14:wrappingTextBoxFlag xmlns:ma14="http://schemas.microsoft.com/office/mac/drawingml/2011/main" xmlns="" val="1"/>
             </a:ext>
           </a:extLst>
         </p:spPr>
@@ -11071,7 +10988,7 @@
         </p:nvSpPr>
         <p:spPr>
           <a:xfrm>
-            <a:off x="2961332" y="2494251"/>
+            <a:off x="4302692" y="2470658"/>
             <a:ext cx="1506878" cy="448679"/>
           </a:xfrm>
           <a:prstGeom prst="rect">
@@ -11119,7 +11036,7 @@
               <a:tabLst/>
             </a:pPr>
             <a:r>
-              <a:rPr lang="en-US" sz="1200" dirty="0">
+              <a:rPr lang="en-US" sz="1200" b="1" dirty="0">
                 <a:solidFill>
                   <a:srgbClr val="000000"/>
                 </a:solidFill>
@@ -11128,7 +11045,7 @@
               </a:rPr>
               <a:t>Web-API</a:t>
             </a:r>
-            <a:endParaRPr kumimoji="0" lang="en-US" sz="1200" b="0" i="0" u="none" strike="noStrike" cap="none" spc="0" normalizeH="0" baseline="0" dirty="0">
+            <a:endParaRPr kumimoji="0" lang="en-US" sz="1200" b="1" i="0" u="none" strike="noStrike" cap="none" spc="0" normalizeH="0" baseline="0" dirty="0">
               <a:ln>
                 <a:noFill/>
               </a:ln>
@@ -11161,7 +11078,7 @@
               <a:tabLst/>
             </a:pPr>
             <a:r>
-              <a:rPr lang="en-US" sz="1200" dirty="0">
+              <a:rPr lang="en-US" sz="1200" b="1" dirty="0">
                 <a:solidFill>
                   <a:srgbClr val="000000"/>
                 </a:solidFill>
@@ -11170,7 +11087,7 @@
               </a:rPr>
               <a:t>v1</a:t>
             </a:r>
-            <a:endParaRPr kumimoji="0" lang="en-US" sz="1200" b="0" i="0" u="none" strike="noStrike" cap="none" spc="0" normalizeH="0" baseline="0" dirty="0">
+            <a:endParaRPr kumimoji="0" lang="en-US" sz="1200" b="1" i="0" u="none" strike="noStrike" cap="none" spc="0" normalizeH="0" baseline="0" dirty="0">
               <a:ln>
                 <a:noFill/>
               </a:ln>
@@ -11195,7 +11112,7 @@
         </p:nvGrpSpPr>
         <p:grpSpPr>
           <a:xfrm>
-            <a:off x="5597870" y="3165843"/>
+            <a:off x="7772415" y="3335049"/>
             <a:ext cx="707233" cy="707233"/>
             <a:chOff x="394759" y="4656919"/>
             <a:chExt cx="707233" cy="707233"/>
@@ -11293,9 +11210,7 @@
             <p:nvPr/>
           </p:nvPicPr>
           <p:blipFill>
-            <a:blip r:embed="rId4">
-              <a:extLst/>
-            </a:blip>
+            <a:blip r:embed="rId4"/>
             <a:srcRect l="19624" t="23468" r="19624" b="23468"/>
             <a:stretch>
               <a:fillRect/>
@@ -11333,7 +11248,7 @@
         </p:blipFill>
         <p:spPr>
           <a:xfrm>
-            <a:off x="3084928" y="1407112"/>
+            <a:off x="4493184" y="1348557"/>
             <a:ext cx="831816" cy="524254"/>
           </a:xfrm>
           <a:prstGeom prst="rect">
@@ -11349,7 +11264,7 @@
         </p:nvSpPr>
         <p:spPr>
           <a:xfrm>
-            <a:off x="5207811" y="2470326"/>
+            <a:off x="7376857" y="2454756"/>
             <a:ext cx="1506878" cy="264013"/>
           </a:xfrm>
           <a:prstGeom prst="rect">
@@ -11421,20 +11336,21 @@
           <p:cNvPr id="92" name="Straight Arrow Connector 62"/>
           <p:cNvCxnSpPr>
             <a:cxnSpLocks/>
-            <a:endCxn id="216" idx="1"/>
+            <a:stCxn id="44" idx="3"/>
+            <a:endCxn id="36" idx="1"/>
           </p:cNvCxnSpPr>
           <p:nvPr/>
         </p:nvCxnSpPr>
         <p:spPr>
-          <a:xfrm flipV="1">
-            <a:off x="2142836" y="2135550"/>
-            <a:ext cx="1112171" cy="1215070"/>
+          <a:xfrm>
+            <a:off x="4109481" y="2060323"/>
+            <a:ext cx="325276" cy="11455"/>
           </a:xfrm>
           <a:prstGeom prst="straightConnector1">
             <a:avLst/>
           </a:prstGeom>
           <a:noFill/>
-          <a:ln w="12700" cap="flat" cmpd="sng">
+          <a:ln w="38100" cap="flat" cmpd="sng">
             <a:solidFill>
               <a:schemeClr val="bg1">
                 <a:lumMod val="85000"/>
@@ -11468,7 +11384,7 @@
         </p:nvSpPr>
         <p:spPr>
           <a:xfrm>
-            <a:off x="5188085" y="3859630"/>
+            <a:off x="7362630" y="4028836"/>
             <a:ext cx="1506878" cy="264013"/>
           </a:xfrm>
           <a:prstGeom prst="rect">
@@ -11561,7 +11477,7 @@
         </p:blipFill>
         <p:spPr>
           <a:xfrm>
-            <a:off x="5227279" y="2872394"/>
+            <a:off x="7401824" y="3041600"/>
             <a:ext cx="695118" cy="425181"/>
           </a:xfrm>
           <a:prstGeom prst="rect">
@@ -11577,7 +11493,7 @@
         </p:nvSpPr>
         <p:spPr>
           <a:xfrm>
-            <a:off x="2996444" y="5679606"/>
+            <a:off x="4378493" y="5621297"/>
             <a:ext cx="1365428" cy="264013"/>
           </a:xfrm>
           <a:prstGeom prst="rect">
@@ -11610,7 +11526,7 @@
           <a:p>
             <a:pPr rtl="0" latinLnBrk="1" hangingPunct="0"/>
             <a:r>
-              <a:rPr lang="en-US" sz="1200" dirty="0">
+              <a:rPr lang="en-US" sz="1200" b="1" dirty="0">
                 <a:solidFill>
                   <a:srgbClr val="000000"/>
                 </a:solidFill>
@@ -11627,19 +11543,20 @@
           <p:cNvPr id="118" name="Straight Arrow Connector 62"/>
           <p:cNvCxnSpPr>
             <a:cxnSpLocks/>
+            <a:endCxn id="73" idx="1"/>
           </p:cNvCxnSpPr>
           <p:nvPr/>
         </p:nvCxnSpPr>
         <p:spPr>
           <a:xfrm>
-            <a:off x="2102902" y="3967369"/>
-            <a:ext cx="1249890" cy="1279001"/>
+            <a:off x="2146294" y="3901855"/>
+            <a:ext cx="1198162" cy="1375454"/>
           </a:xfrm>
           <a:prstGeom prst="straightConnector1">
             <a:avLst/>
           </a:prstGeom>
           <a:noFill/>
-          <a:ln w="12700" cap="flat" cmpd="sng">
+          <a:ln w="38100" cap="flat" cmpd="sng">
             <a:solidFill>
               <a:schemeClr val="bg1">
                 <a:lumMod val="85000"/>
@@ -11681,7 +11598,7 @@
         </p:blipFill>
         <p:spPr>
           <a:xfrm>
-            <a:off x="3193422" y="4710185"/>
+            <a:off x="4584683" y="4650728"/>
             <a:ext cx="307414" cy="348208"/>
           </a:xfrm>
           <a:prstGeom prst="rect">
@@ -11697,7 +11614,7 @@
         </p:nvGrpSpPr>
         <p:grpSpPr>
           <a:xfrm>
-            <a:off x="3347757" y="4959873"/>
+            <a:off x="4729806" y="4901564"/>
             <a:ext cx="707235" cy="707233"/>
             <a:chOff x="555452" y="2050875"/>
             <a:chExt cx="707235" cy="707233"/>
@@ -11795,9 +11712,7 @@
             <p:nvPr/>
           </p:nvPicPr>
           <p:blipFill>
-            <a:blip r:embed="rId8">
-              <a:extLst/>
-            </a:blip>
+            <a:blip r:embed="rId8"/>
             <a:srcRect l="21704" t="15445" r="21704" b="15445"/>
             <a:stretch>
               <a:fillRect/>
@@ -11835,7 +11750,7 @@
         </p:blipFill>
         <p:spPr>
           <a:xfrm>
-            <a:off x="5229846" y="1407112"/>
+            <a:off x="7413647" y="1375988"/>
             <a:ext cx="831816" cy="524254"/>
           </a:xfrm>
           <a:prstGeom prst="rect">
@@ -11851,7 +11766,7 @@
         </p:nvGrpSpPr>
         <p:grpSpPr>
           <a:xfrm>
-            <a:off x="5597870" y="1773737"/>
+            <a:off x="7766916" y="1758167"/>
             <a:ext cx="707233" cy="707233"/>
             <a:chOff x="600270" y="3372960"/>
             <a:chExt cx="707233" cy="707233"/>
@@ -11981,7 +11896,7 @@
         </p:nvGrpSpPr>
         <p:grpSpPr>
           <a:xfrm>
-            <a:off x="1500579" y="3260135"/>
+            <a:off x="1528581" y="3254190"/>
             <a:ext cx="707233" cy="707234"/>
             <a:chOff x="3587103" y="3636248"/>
             <a:chExt cx="707233" cy="707234"/>
@@ -12079,9 +11994,7 @@
             <p:nvPr/>
           </p:nvPicPr>
           <p:blipFill>
-            <a:blip r:embed="rId10">
-              <a:extLst/>
-            </a:blip>
+            <a:blip r:embed="rId10"/>
             <a:srcRect l="17032" t="20462" r="17032" b="20462"/>
             <a:stretch>
               <a:fillRect/>
@@ -12158,28 +12071,24 @@
       </p:sp>
       <p:cxnSp>
         <p:nvCxnSpPr>
-          <p:cNvPr id="96" name="Straight Arrow Connector 62">
-            <a:extLst>
-              <a:ext uri="{FF2B5EF4-FFF2-40B4-BE49-F238E27FC236}">
-                <a16:creationId xmlns:a16="http://schemas.microsoft.com/office/drawing/2014/main" id="{81F8C912-EC3D-B144-A560-0B420356B8C0}"/>
-              </a:ext>
-            </a:extLst>
-          </p:cNvPr>
+          <p:cNvPr id="176" name="Straight Arrow Connector 62"/>
           <p:cNvCxnSpPr>
             <a:cxnSpLocks/>
+            <a:stCxn id="48" idx="1"/>
+            <a:endCxn id="36" idx="3"/>
           </p:cNvCxnSpPr>
           <p:nvPr/>
         </p:nvCxnSpPr>
         <p:spPr>
-          <a:xfrm>
-            <a:off x="1021545" y="3598116"/>
-            <a:ext cx="474060" cy="5975"/>
+          <a:xfrm flipH="1">
+            <a:off x="5684646" y="2063140"/>
+            <a:ext cx="484031" cy="8638"/>
           </a:xfrm>
           <a:prstGeom prst="straightConnector1">
             <a:avLst/>
           </a:prstGeom>
           <a:noFill/>
-          <a:ln w="12700" cap="flat" cmpd="sng">
+          <a:ln w="38100" cap="flat" cmpd="sng">
             <a:solidFill>
               <a:schemeClr val="bg1">
                 <a:lumMod val="85000"/>
@@ -12205,72 +12114,146 @@
           <a:fontRef idx="none"/>
         </p:style>
       </p:cxnSp>
-      <p:pic>
-        <p:nvPicPr>
-          <p:cNvPr id="34" name="Picture 33">
+      <p:cxnSp>
+        <p:nvCxnSpPr>
+          <p:cNvPr id="189" name="Straight Arrow Connector 62"/>
+          <p:cNvCxnSpPr>
+            <a:cxnSpLocks/>
+            <a:stCxn id="36" idx="3"/>
+            <a:endCxn id="53" idx="1"/>
+          </p:cNvCxnSpPr>
+          <p:nvPr/>
+        </p:nvCxnSpPr>
+        <p:spPr>
+          <a:xfrm>
+            <a:off x="5684646" y="2071778"/>
+            <a:ext cx="531543" cy="1759637"/>
+          </a:xfrm>
+          <a:prstGeom prst="straightConnector1">
+            <a:avLst/>
+          </a:prstGeom>
+          <a:noFill/>
+          <a:ln w="38100" cap="flat" cmpd="sng">
+            <a:solidFill>
+              <a:schemeClr val="bg1">
+                <a:lumMod val="85000"/>
+              </a:schemeClr>
+            </a:solidFill>
+            <a:prstDash val="solid"/>
+            <a:miter lim="400000"/>
+            <a:headEnd type="none"/>
+            <a:tailEnd type="none"/>
+          </a:ln>
+          <a:effectLst/>
+        </p:spPr>
+        <p:style>
+          <a:lnRef idx="0">
+            <a:scrgbClr r="0" g="0" b="0"/>
+          </a:lnRef>
+          <a:fillRef idx="0">
+            <a:scrgbClr r="0" g="0" b="0"/>
+          </a:fillRef>
+          <a:effectRef idx="0">
+            <a:scrgbClr r="0" g="0" b="0"/>
+          </a:effectRef>
+          <a:fontRef idx="none"/>
+        </p:style>
+      </p:cxnSp>
+      <p:cxnSp>
+        <p:nvCxnSpPr>
+          <p:cNvPr id="96" name="Straight Arrow Connector 62">
             <a:extLst>
               <a:ext uri="{FF2B5EF4-FFF2-40B4-BE49-F238E27FC236}">
-                <a16:creationId xmlns:a16="http://schemas.microsoft.com/office/drawing/2014/main" id="{A4CBD815-6D30-A940-9C6D-42FEB89DA3B3}"/>
+                <a16:creationId xmlns:a16="http://schemas.microsoft.com/office/drawing/2014/main" id="{81F8C912-EC3D-B144-A560-0B420356B8C0}"/>
               </a:ext>
             </a:extLst>
           </p:cNvPr>
-          <p:cNvPicPr>
-            <a:picLocks noChangeAspect="1"/>
-          </p:cNvPicPr>
-          <p:nvPr/>
-        </p:nvPicPr>
-        <p:blipFill>
-          <a:blip r:embed="rId3"/>
-          <a:stretch>
-            <a:fillRect/>
-          </a:stretch>
-        </p:blipFill>
-        <p:spPr>
-          <a:xfrm>
-            <a:off x="3248691" y="3147921"/>
-            <a:ext cx="895939" cy="860102"/>
-          </a:xfrm>
-          <a:prstGeom prst="rect">
-            <a:avLst/>
-          </a:prstGeom>
-        </p:spPr>
-      </p:pic>
-      <p:pic>
-        <p:nvPicPr>
-          <p:cNvPr id="35" name="Picture 34">
+          <p:cNvCxnSpPr>
+            <a:cxnSpLocks/>
+          </p:cNvCxnSpPr>
+          <p:nvPr/>
+        </p:nvCxnSpPr>
+        <p:spPr>
+          <a:xfrm>
+            <a:off x="1021545" y="3598116"/>
+            <a:ext cx="474060" cy="5975"/>
+          </a:xfrm>
+          <a:prstGeom prst="straightConnector1">
+            <a:avLst/>
+          </a:prstGeom>
+          <a:noFill/>
+          <a:ln w="38100" cap="flat" cmpd="sng">
+            <a:solidFill>
+              <a:schemeClr val="bg1">
+                <a:lumMod val="85000"/>
+              </a:schemeClr>
+            </a:solidFill>
+            <a:prstDash val="solid"/>
+            <a:miter lim="400000"/>
+            <a:headEnd type="none"/>
+            <a:tailEnd type="none"/>
+          </a:ln>
+          <a:effectLst/>
+        </p:spPr>
+        <p:style>
+          <a:lnRef idx="0">
+            <a:scrgbClr r="0" g="0" b="0"/>
+          </a:lnRef>
+          <a:fillRef idx="0">
+            <a:scrgbClr r="0" g="0" b="0"/>
+          </a:fillRef>
+          <a:effectRef idx="0">
+            <a:scrgbClr r="0" g="0" b="0"/>
+          </a:effectRef>
+          <a:fontRef idx="none"/>
+        </p:style>
+      </p:cxnSp>
+      <p:sp>
+        <p:nvSpPr>
+          <p:cNvPr id="34" name="Rounded Rectangle 33">
             <a:extLst>
               <a:ext uri="{FF2B5EF4-FFF2-40B4-BE49-F238E27FC236}">
-                <a16:creationId xmlns:a16="http://schemas.microsoft.com/office/drawing/2014/main" id="{FB193398-1FDA-1348-A3D2-296DC26E93C3}"/>
+                <a16:creationId xmlns:a16="http://schemas.microsoft.com/office/drawing/2014/main" id="{8BAC3C49-9ED5-CD4C-8607-DD5A92388BEC}"/>
               </a:ext>
             </a:extLst>
           </p:cNvPr>
-          <p:cNvPicPr>
-            <a:picLocks noChangeAspect="1"/>
-          </p:cNvPicPr>
-          <p:nvPr/>
-        </p:nvPicPr>
-        <p:blipFill>
-          <a:blip r:embed="rId5"/>
-          <a:stretch>
-            <a:fillRect/>
-          </a:stretch>
-        </p:blipFill>
-        <p:spPr>
-          <a:xfrm>
-            <a:off x="3026308" y="2864389"/>
-            <a:ext cx="831816" cy="524254"/>
-          </a:xfrm>
-          <a:prstGeom prst="rect">
-            <a:avLst/>
-          </a:prstGeom>
-        </p:spPr>
-      </p:pic>
+          <p:cNvSpPr/>
+          <p:nvPr/>
+        </p:nvSpPr>
+        <p:spPr>
+          <a:xfrm>
+            <a:off x="4490891" y="4546026"/>
+            <a:ext cx="1131660" cy="1462566"/>
+          </a:xfrm>
+          <a:prstGeom prst="roundRect">
+            <a:avLst/>
+          </a:prstGeom>
+          <a:ln w="25400">
+            <a:solidFill>
+              <a:srgbClr val="4277BB"/>
+            </a:solidFill>
+            <a:miter lim="400000"/>
+          </a:ln>
+        </p:spPr>
+        <p:txBody>
+          <a:bodyPr lIns="0" tIns="0" rIns="0" bIns="0" rtlCol="0" anchor="ctr"/>
+          <a:lstStyle/>
+          <a:p>
+            <a:pPr algn="ctr"/>
+            <a:endParaRPr lang="en-US" sz="1800">
+              <a:solidFill>
+                <a:srgbClr val="4277BB"/>
+              </a:solidFill>
+            </a:endParaRPr>
+          </a:p>
+        </p:txBody>
+      </p:sp>
       <p:sp>
         <p:nvSpPr>
-          <p:cNvPr id="36" name="TextBox 35">
+          <p:cNvPr id="35" name="TextBox 34">
             <a:extLst>
               <a:ext uri="{FF2B5EF4-FFF2-40B4-BE49-F238E27FC236}">
-                <a16:creationId xmlns:a16="http://schemas.microsoft.com/office/drawing/2014/main" id="{52134947-5515-E041-A6AE-3139B95DE3F1}"/>
+                <a16:creationId xmlns:a16="http://schemas.microsoft.com/office/drawing/2014/main" id="{05107674-BDD5-874B-8656-7431E59AE5D7}"/>
               </a:ext>
             </a:extLst>
           </p:cNvPr>
@@ -12279,8 +12262,8 @@
         </p:nvSpPr>
         <p:spPr>
           <a:xfrm>
-            <a:off x="2973557" y="3893182"/>
-            <a:ext cx="1506878" cy="448679"/>
+            <a:off x="5005572" y="4559863"/>
+            <a:ext cx="718946" cy="325569"/>
           </a:xfrm>
           <a:prstGeom prst="rect">
             <a:avLst/>
@@ -12310,7 +12293,7 @@
           </a:bodyPr>
           <a:lstStyle/>
           <a:p>
-            <a:pPr marL="0" marR="0" indent="0" defTabSz="584200" rtl="0" fontAlgn="auto" latinLnBrk="1" hangingPunct="0">
+            <a:pPr marL="0" marR="0" indent="0" algn="ctr" defTabSz="584200" rtl="0" fontAlgn="auto" latinLnBrk="1" hangingPunct="0">
               <a:lnSpc>
                 <a:spcPct val="100000"/>
               </a:lnSpc>
@@ -12327,32 +12310,119 @@
               <a:tabLst/>
             </a:pPr>
             <a:r>
-              <a:rPr lang="en-US" sz="1200" dirty="0">
+              <a:rPr lang="en-US" sz="1600" dirty="0">
                 <a:solidFill>
                   <a:srgbClr val="000000"/>
                 </a:solidFill>
-                <a:latin typeface="Arial"/>
-                <a:cs typeface="Arial"/>
               </a:rPr>
-              <a:t>Web-API</a:t>
+              <a:t>P</a:t>
             </a:r>
-            <a:endParaRPr kumimoji="0" lang="en-US" sz="1200" b="0" i="0" u="none" strike="noStrike" cap="none" spc="0" normalizeH="0" baseline="0" dirty="0">
-              <a:ln>
-                <a:noFill/>
-              </a:ln>
+            <a:r>
+              <a:rPr kumimoji="0" lang="en-US" sz="1600" b="0" i="0" u="none" strike="noStrike" cap="none" spc="0" normalizeH="0" baseline="0" dirty="0">
+                <a:ln>
+                  <a:noFill/>
+                </a:ln>
+                <a:solidFill>
+                  <a:srgbClr val="000000"/>
+                </a:solidFill>
+                <a:effectLst/>
+                <a:uFillTx/>
+                <a:latin typeface="+mn-lt"/>
+                <a:ea typeface="+mn-ea"/>
+                <a:cs typeface="+mn-cs"/>
+                <a:sym typeface="Helvetica Light"/>
+              </a:rPr>
+              <a:t>od</a:t>
+            </a:r>
+          </a:p>
+        </p:txBody>
+      </p:sp>
+      <p:sp>
+        <p:nvSpPr>
+          <p:cNvPr id="36" name="Rounded Rectangle 35">
+            <a:extLst>
+              <a:ext uri="{FF2B5EF4-FFF2-40B4-BE49-F238E27FC236}">
+                <a16:creationId xmlns:a16="http://schemas.microsoft.com/office/drawing/2014/main" id="{6CCD3F0C-4F41-564D-8B7B-3E2C695AFF5E}"/>
+              </a:ext>
+            </a:extLst>
+          </p:cNvPr>
+          <p:cNvSpPr/>
+          <p:nvPr/>
+        </p:nvSpPr>
+        <p:spPr>
+          <a:xfrm>
+            <a:off x="4434757" y="1247489"/>
+            <a:ext cx="1249889" cy="1648578"/>
+          </a:xfrm>
+          <a:prstGeom prst="roundRect">
+            <a:avLst/>
+          </a:prstGeom>
+          <a:ln w="25400">
+            <a:solidFill>
+              <a:srgbClr val="4277BB"/>
+            </a:solidFill>
+            <a:miter lim="400000"/>
+          </a:ln>
+        </p:spPr>
+        <p:txBody>
+          <a:bodyPr lIns="0" tIns="0" rIns="0" bIns="0" rtlCol="0" anchor="ctr"/>
+          <a:lstStyle/>
+          <a:p>
+            <a:pPr algn="ctr"/>
+            <a:endParaRPr lang="en-US" sz="1800">
               <a:solidFill>
-                <a:srgbClr val="000000"/>
+                <a:srgbClr val="4277BB"/>
               </a:solidFill>
-              <a:effectLst/>
-              <a:uFillTx/>
-              <a:latin typeface="Arial"/>
-              <a:ea typeface="+mn-ea"/>
-              <a:cs typeface="Arial"/>
-              <a:sym typeface="Helvetica Light"/>
             </a:endParaRPr>
           </a:p>
+        </p:txBody>
+      </p:sp>
+      <p:sp>
+        <p:nvSpPr>
+          <p:cNvPr id="37" name="TextBox 36">
+            <a:extLst>
+              <a:ext uri="{FF2B5EF4-FFF2-40B4-BE49-F238E27FC236}">
+                <a16:creationId xmlns:a16="http://schemas.microsoft.com/office/drawing/2014/main" id="{51A3CD7D-D502-A34E-BAB0-2BFD2C1D8290}"/>
+              </a:ext>
+            </a:extLst>
+          </p:cNvPr>
+          <p:cNvSpPr txBox="1"/>
+          <p:nvPr/>
+        </p:nvSpPr>
+        <p:spPr>
+          <a:xfrm>
+            <a:off x="4940226" y="1283177"/>
+            <a:ext cx="794057" cy="325569"/>
+          </a:xfrm>
+          <a:prstGeom prst="rect">
+            <a:avLst/>
+          </a:prstGeom>
+          <a:noFill/>
+          <a:ln w="3175" cap="flat">
+            <a:noFill/>
+            <a:miter lim="400000"/>
+          </a:ln>
+          <a:effectLst/>
+        </p:spPr>
+        <p:style>
+          <a:lnRef idx="0">
+            <a:scrgbClr r="0" g="0" b="0"/>
+          </a:lnRef>
+          <a:fillRef idx="0">
+            <a:scrgbClr r="0" g="0" b="0"/>
+          </a:fillRef>
+          <a:effectRef idx="0">
+            <a:scrgbClr r="0" g="0" b="0"/>
+          </a:effectRef>
+          <a:fontRef idx="none"/>
+        </p:style>
+        <p:txBody>
+          <a:bodyPr rot="0" spcFirstLastPara="1" vertOverflow="overflow" horzOverflow="overflow" vert="horz" wrap="square" lIns="39290" tIns="39290" rIns="39290" bIns="39290" numCol="1" spcCol="38100" rtlCol="0" anchor="ctr">
+            <a:spAutoFit/>
+          </a:bodyPr>
+          <a:lstStyle/>
           <a:p>
-            <a:pPr marL="0" marR="0" indent="0" defTabSz="584200" rtl="0" fontAlgn="auto" latinLnBrk="1" hangingPunct="0">
+            <a:pPr marL="0" marR="0" indent="0" algn="ctr" defTabSz="584200" rtl="0" fontAlgn="auto" latinLnBrk="1" hangingPunct="0">
               <a:lnSpc>
                 <a:spcPct val="100000"/>
               </a:lnSpc>
@@ -12369,57 +12439,680 @@
               <a:tabLst/>
             </a:pPr>
             <a:r>
-              <a:rPr lang="en-US" sz="1200" dirty="0">
+              <a:rPr lang="en-US" sz="1600" b="1" dirty="0">
                 <a:solidFill>
-                  <a:srgbClr val="000000"/>
+                  <a:schemeClr val="accent1"/>
                 </a:solidFill>
-                <a:latin typeface="Arial"/>
-                <a:cs typeface="Arial"/>
               </a:rPr>
-              <a:t>v2</a:t>
+              <a:t>P</a:t>
             </a:r>
-            <a:endParaRPr kumimoji="0" lang="en-US" sz="1200" b="0" i="0" u="none" strike="noStrike" cap="none" spc="0" normalizeH="0" baseline="0" dirty="0">
-              <a:ln>
-                <a:noFill/>
-              </a:ln>
+            <a:r>
+              <a:rPr kumimoji="0" lang="en-US" sz="1600" b="1" i="0" u="none" strike="noStrike" cap="none" spc="0" normalizeH="0" baseline="0" dirty="0">
+                <a:ln>
+                  <a:noFill/>
+                </a:ln>
+                <a:solidFill>
+                  <a:schemeClr val="accent1"/>
+                </a:solidFill>
+                <a:effectLst/>
+                <a:uFillTx/>
+                <a:latin typeface="+mn-lt"/>
+                <a:ea typeface="+mn-ea"/>
+                <a:cs typeface="+mn-cs"/>
+                <a:sym typeface="Helvetica Light"/>
+              </a:rPr>
+              <a:t>od</a:t>
+            </a:r>
+          </a:p>
+        </p:txBody>
+      </p:sp>
+      <p:sp>
+        <p:nvSpPr>
+          <p:cNvPr id="38" name="Rounded Rectangle 37">
+            <a:extLst>
+              <a:ext uri="{FF2B5EF4-FFF2-40B4-BE49-F238E27FC236}">
+                <a16:creationId xmlns:a16="http://schemas.microsoft.com/office/drawing/2014/main" id="{916EDD0B-00B2-BC4A-8ECB-5683B8EAFE75}"/>
+              </a:ext>
+            </a:extLst>
+          </p:cNvPr>
+          <p:cNvSpPr/>
+          <p:nvPr/>
+        </p:nvSpPr>
+        <p:spPr>
+          <a:xfrm>
+            <a:off x="7337243" y="1247489"/>
+            <a:ext cx="1415477" cy="1641270"/>
+          </a:xfrm>
+          <a:prstGeom prst="roundRect">
+            <a:avLst/>
+          </a:prstGeom>
+          <a:ln w="25400">
+            <a:solidFill>
+              <a:srgbClr val="4277BB"/>
+            </a:solidFill>
+            <a:miter lim="400000"/>
+          </a:ln>
+        </p:spPr>
+        <p:txBody>
+          <a:bodyPr lIns="0" tIns="0" rIns="0" bIns="0" rtlCol="0" anchor="ctr"/>
+          <a:lstStyle/>
+          <a:p>
+            <a:pPr algn="ctr"/>
+            <a:endParaRPr lang="en-US" sz="1800">
               <a:solidFill>
-                <a:srgbClr val="000000"/>
+                <a:srgbClr val="4277BB"/>
               </a:solidFill>
-              <a:effectLst/>
-              <a:uFillTx/>
-              <a:latin typeface="Arial"/>
-              <a:ea typeface="+mn-ea"/>
-              <a:cs typeface="Arial"/>
-              <a:sym typeface="Helvetica Light"/>
             </a:endParaRPr>
+          </a:p>
+        </p:txBody>
+      </p:sp>
+      <p:sp>
+        <p:nvSpPr>
+          <p:cNvPr id="39" name="TextBox 38">
+            <a:extLst>
+              <a:ext uri="{FF2B5EF4-FFF2-40B4-BE49-F238E27FC236}">
+                <a16:creationId xmlns:a16="http://schemas.microsoft.com/office/drawing/2014/main" id="{29113AF0-D8ED-A74E-951D-02E9CFB44B10}"/>
+              </a:ext>
+            </a:extLst>
+          </p:cNvPr>
+          <p:cNvSpPr txBox="1"/>
+          <p:nvPr/>
+        </p:nvSpPr>
+        <p:spPr>
+          <a:xfrm>
+            <a:off x="7842712" y="1283178"/>
+            <a:ext cx="899255" cy="324126"/>
+          </a:xfrm>
+          <a:prstGeom prst="rect">
+            <a:avLst/>
+          </a:prstGeom>
+          <a:noFill/>
+          <a:ln w="3175" cap="flat">
+            <a:noFill/>
+            <a:miter lim="400000"/>
+          </a:ln>
+          <a:effectLst/>
+        </p:spPr>
+        <p:style>
+          <a:lnRef idx="0">
+            <a:scrgbClr r="0" g="0" b="0"/>
+          </a:lnRef>
+          <a:fillRef idx="0">
+            <a:scrgbClr r="0" g="0" b="0"/>
+          </a:fillRef>
+          <a:effectRef idx="0">
+            <a:scrgbClr r="0" g="0" b="0"/>
+          </a:effectRef>
+          <a:fontRef idx="none"/>
+        </p:style>
+        <p:txBody>
+          <a:bodyPr rot="0" spcFirstLastPara="1" vertOverflow="overflow" horzOverflow="overflow" vert="horz" wrap="square" lIns="39290" tIns="39290" rIns="39290" bIns="39290" numCol="1" spcCol="38100" rtlCol="0" anchor="ctr">
+            <a:spAutoFit/>
+          </a:bodyPr>
+          <a:lstStyle/>
+          <a:p>
+            <a:pPr marL="0" marR="0" indent="0" algn="ctr" defTabSz="584200" rtl="0" fontAlgn="auto" latinLnBrk="1" hangingPunct="0">
+              <a:lnSpc>
+                <a:spcPct val="100000"/>
+              </a:lnSpc>
+              <a:spcBef>
+                <a:spcPts val="0"/>
+              </a:spcBef>
+              <a:spcAft>
+                <a:spcPts val="0"/>
+              </a:spcAft>
+              <a:buClrTx/>
+              <a:buSzTx/>
+              <a:buFontTx/>
+              <a:buNone/>
+              <a:tabLst/>
+            </a:pPr>
+            <a:r>
+              <a:rPr lang="en-US" sz="1600" b="1" dirty="0">
+                <a:solidFill>
+                  <a:schemeClr val="accent1"/>
+                </a:solidFill>
+              </a:rPr>
+              <a:t>P</a:t>
+            </a:r>
+            <a:r>
+              <a:rPr kumimoji="0" lang="en-US" sz="1600" b="1" i="0" u="none" strike="noStrike" cap="none" spc="0" normalizeH="0" baseline="0" dirty="0">
+                <a:ln>
+                  <a:noFill/>
+                </a:ln>
+                <a:solidFill>
+                  <a:schemeClr val="accent1"/>
+                </a:solidFill>
+                <a:effectLst/>
+                <a:uFillTx/>
+                <a:latin typeface="+mn-lt"/>
+                <a:ea typeface="+mn-ea"/>
+                <a:cs typeface="+mn-cs"/>
+                <a:sym typeface="Helvetica Light"/>
+              </a:rPr>
+              <a:t>od</a:t>
+            </a:r>
+          </a:p>
+        </p:txBody>
+      </p:sp>
+      <p:sp>
+        <p:nvSpPr>
+          <p:cNvPr id="40" name="Rounded Rectangle 39">
+            <a:extLst>
+              <a:ext uri="{FF2B5EF4-FFF2-40B4-BE49-F238E27FC236}">
+                <a16:creationId xmlns:a16="http://schemas.microsoft.com/office/drawing/2014/main" id="{AEA7B091-0FA0-3445-B16A-C3CBF0979BC0}"/>
+              </a:ext>
+            </a:extLst>
+          </p:cNvPr>
+          <p:cNvSpPr/>
+          <p:nvPr/>
+        </p:nvSpPr>
+        <p:spPr>
+          <a:xfrm>
+            <a:off x="7362624" y="3019737"/>
+            <a:ext cx="1415477" cy="1641270"/>
+          </a:xfrm>
+          <a:prstGeom prst="roundRect">
+            <a:avLst/>
+          </a:prstGeom>
+          <a:ln w="25400">
+            <a:solidFill>
+              <a:srgbClr val="4277BB"/>
+            </a:solidFill>
+            <a:miter lim="400000"/>
+          </a:ln>
+        </p:spPr>
+        <p:txBody>
+          <a:bodyPr lIns="0" tIns="0" rIns="0" bIns="0" rtlCol="0" anchor="ctr"/>
+          <a:lstStyle/>
+          <a:p>
+            <a:pPr algn="ctr"/>
+            <a:endParaRPr lang="en-US" sz="1800">
+              <a:solidFill>
+                <a:srgbClr val="4277BB"/>
+              </a:solidFill>
+            </a:endParaRPr>
+          </a:p>
+        </p:txBody>
+      </p:sp>
+      <p:sp>
+        <p:nvSpPr>
+          <p:cNvPr id="41" name="TextBox 40">
+            <a:extLst>
+              <a:ext uri="{FF2B5EF4-FFF2-40B4-BE49-F238E27FC236}">
+                <a16:creationId xmlns:a16="http://schemas.microsoft.com/office/drawing/2014/main" id="{AAFE4AE7-D79C-BA4D-9B71-203811D4F9C8}"/>
+              </a:ext>
+            </a:extLst>
+          </p:cNvPr>
+          <p:cNvSpPr txBox="1"/>
+          <p:nvPr/>
+        </p:nvSpPr>
+        <p:spPr>
+          <a:xfrm>
+            <a:off x="7893635" y="3044344"/>
+            <a:ext cx="899255" cy="324126"/>
+          </a:xfrm>
+          <a:prstGeom prst="rect">
+            <a:avLst/>
+          </a:prstGeom>
+          <a:noFill/>
+          <a:ln w="3175" cap="flat">
+            <a:noFill/>
+            <a:miter lim="400000"/>
+          </a:ln>
+          <a:effectLst/>
+        </p:spPr>
+        <p:style>
+          <a:lnRef idx="0">
+            <a:scrgbClr r="0" g="0" b="0"/>
+          </a:lnRef>
+          <a:fillRef idx="0">
+            <a:scrgbClr r="0" g="0" b="0"/>
+          </a:fillRef>
+          <a:effectRef idx="0">
+            <a:scrgbClr r="0" g="0" b="0"/>
+          </a:effectRef>
+          <a:fontRef idx="none"/>
+        </p:style>
+        <p:txBody>
+          <a:bodyPr rot="0" spcFirstLastPara="1" vertOverflow="overflow" horzOverflow="overflow" vert="horz" wrap="square" lIns="39290" tIns="39290" rIns="39290" bIns="39290" numCol="1" spcCol="38100" rtlCol="0" anchor="ctr">
+            <a:spAutoFit/>
+          </a:bodyPr>
+          <a:lstStyle/>
+          <a:p>
+            <a:pPr marL="0" marR="0" indent="0" algn="ctr" defTabSz="584200" rtl="0" fontAlgn="auto" latinLnBrk="1" hangingPunct="0">
+              <a:lnSpc>
+                <a:spcPct val="100000"/>
+              </a:lnSpc>
+              <a:spcBef>
+                <a:spcPts val="0"/>
+              </a:spcBef>
+              <a:spcAft>
+                <a:spcPts val="0"/>
+              </a:spcAft>
+              <a:buClrTx/>
+              <a:buSzTx/>
+              <a:buFontTx/>
+              <a:buNone/>
+              <a:tabLst/>
+            </a:pPr>
+            <a:r>
+              <a:rPr lang="en-US" sz="1600" b="1" dirty="0">
+                <a:solidFill>
+                  <a:schemeClr val="accent1"/>
+                </a:solidFill>
+              </a:rPr>
+              <a:t>P</a:t>
+            </a:r>
+            <a:r>
+              <a:rPr kumimoji="0" lang="en-US" sz="1600" b="1" i="0" u="none" strike="noStrike" cap="none" spc="0" normalizeH="0" baseline="0" dirty="0">
+                <a:ln>
+                  <a:noFill/>
+                </a:ln>
+                <a:solidFill>
+                  <a:schemeClr val="accent1"/>
+                </a:solidFill>
+                <a:effectLst/>
+                <a:uFillTx/>
+                <a:latin typeface="+mn-lt"/>
+                <a:ea typeface="+mn-ea"/>
+                <a:cs typeface="+mn-cs"/>
+                <a:sym typeface="Helvetica Light"/>
+              </a:rPr>
+              <a:t>od</a:t>
+            </a:r>
+          </a:p>
+        </p:txBody>
+      </p:sp>
+      <p:sp>
+        <p:nvSpPr>
+          <p:cNvPr id="44" name="Rounded Rectangle 43">
+            <a:extLst>
+              <a:ext uri="{FF2B5EF4-FFF2-40B4-BE49-F238E27FC236}">
+                <a16:creationId xmlns:a16="http://schemas.microsoft.com/office/drawing/2014/main" id="{95B39A73-5D9D-8C48-A130-32E4823DF77E}"/>
+              </a:ext>
+            </a:extLst>
+          </p:cNvPr>
+          <p:cNvSpPr/>
+          <p:nvPr/>
+        </p:nvSpPr>
+        <p:spPr>
+          <a:xfrm>
+            <a:off x="3277633" y="1888857"/>
+            <a:ext cx="831848" cy="342931"/>
+          </a:xfrm>
+          <a:prstGeom prst="roundRect">
+            <a:avLst/>
+          </a:prstGeom>
+          <a:ln w="25400">
+            <a:solidFill>
+              <a:srgbClr val="4277BB"/>
+            </a:solidFill>
+            <a:miter lim="400000"/>
+          </a:ln>
+        </p:spPr>
+        <p:txBody>
+          <a:bodyPr lIns="0" tIns="0" rIns="0" bIns="0" rtlCol="0" anchor="ctr"/>
+          <a:lstStyle/>
+          <a:p>
+            <a:pPr algn="ctr"/>
+            <a:endParaRPr lang="en-US" sz="1800">
+              <a:solidFill>
+                <a:srgbClr val="4277BB"/>
+              </a:solidFill>
+            </a:endParaRPr>
+          </a:p>
+        </p:txBody>
+      </p:sp>
+      <p:sp>
+        <p:nvSpPr>
+          <p:cNvPr id="4" name="TextBox 3">
+            <a:extLst>
+              <a:ext uri="{FF2B5EF4-FFF2-40B4-BE49-F238E27FC236}">
+                <a16:creationId xmlns:a16="http://schemas.microsoft.com/office/drawing/2014/main" id="{931E1882-0731-B141-AF25-0667DEB8CB2B}"/>
+              </a:ext>
+            </a:extLst>
+          </p:cNvPr>
+          <p:cNvSpPr txBox="1"/>
+          <p:nvPr/>
+        </p:nvSpPr>
+        <p:spPr>
+          <a:xfrm>
+            <a:off x="3409924" y="1939771"/>
+            <a:ext cx="573072" cy="264013"/>
+          </a:xfrm>
+          <a:prstGeom prst="rect">
+            <a:avLst/>
+          </a:prstGeom>
+          <a:noFill/>
+          <a:ln w="3175" cap="flat">
+            <a:noFill/>
+            <a:miter lim="400000"/>
+          </a:ln>
+          <a:effectLst/>
+        </p:spPr>
+        <p:style>
+          <a:lnRef idx="0">
+            <a:scrgbClr r="0" g="0" b="0"/>
+          </a:lnRef>
+          <a:fillRef idx="0">
+            <a:scrgbClr r="0" g="0" b="0"/>
+          </a:fillRef>
+          <a:effectRef idx="0">
+            <a:scrgbClr r="0" g="0" b="0"/>
+          </a:effectRef>
+          <a:fontRef idx="none"/>
+        </p:style>
+        <p:txBody>
+          <a:bodyPr rot="0" spcFirstLastPara="1" vertOverflow="overflow" horzOverflow="overflow" vert="horz" wrap="none" lIns="39290" tIns="39290" rIns="39290" bIns="39290" numCol="1" spcCol="38100" rtlCol="0" anchor="ctr">
+            <a:spAutoFit/>
+          </a:bodyPr>
+          <a:lstStyle/>
+          <a:p>
+            <a:pPr marL="0" marR="0" indent="0" algn="ctr" defTabSz="584200" rtl="0" fontAlgn="auto" latinLnBrk="1" hangingPunct="0">
+              <a:lnSpc>
+                <a:spcPct val="100000"/>
+              </a:lnSpc>
+              <a:spcBef>
+                <a:spcPts val="0"/>
+              </a:spcBef>
+              <a:spcAft>
+                <a:spcPts val="0"/>
+              </a:spcAft>
+              <a:buClrTx/>
+              <a:buSzTx/>
+              <a:buFontTx/>
+              <a:buNone/>
+              <a:tabLst/>
+            </a:pPr>
+            <a:r>
+              <a:rPr kumimoji="0" lang="en-US" sz="1200" b="1" i="0" u="none" strike="noStrike" cap="none" spc="0" normalizeH="0" baseline="0" dirty="0">
+                <a:ln>
+                  <a:noFill/>
+                </a:ln>
+                <a:solidFill>
+                  <a:schemeClr val="accent1"/>
+                </a:solidFill>
+                <a:effectLst/>
+                <a:uFillTx/>
+                <a:latin typeface="+mn-lt"/>
+                <a:ea typeface="+mn-ea"/>
+                <a:cs typeface="+mn-cs"/>
+                <a:sym typeface="Helvetica Light"/>
+              </a:rPr>
+              <a:t>service</a:t>
+            </a:r>
+          </a:p>
+        </p:txBody>
+      </p:sp>
+      <p:sp>
+        <p:nvSpPr>
+          <p:cNvPr id="48" name="Rounded Rectangle 47">
+            <a:extLst>
+              <a:ext uri="{FF2B5EF4-FFF2-40B4-BE49-F238E27FC236}">
+                <a16:creationId xmlns:a16="http://schemas.microsoft.com/office/drawing/2014/main" id="{BBCBE24C-731C-434D-93E8-48BE0B897162}"/>
+              </a:ext>
+            </a:extLst>
+          </p:cNvPr>
+          <p:cNvSpPr/>
+          <p:nvPr/>
+        </p:nvSpPr>
+        <p:spPr>
+          <a:xfrm>
+            <a:off x="6168677" y="1891674"/>
+            <a:ext cx="831848" cy="342931"/>
+          </a:xfrm>
+          <a:prstGeom prst="roundRect">
+            <a:avLst/>
+          </a:prstGeom>
+          <a:ln w="25400">
+            <a:solidFill>
+              <a:srgbClr val="4277BB"/>
+            </a:solidFill>
+            <a:miter lim="400000"/>
+          </a:ln>
+        </p:spPr>
+        <p:txBody>
+          <a:bodyPr lIns="0" tIns="0" rIns="0" bIns="0" rtlCol="0" anchor="ctr"/>
+          <a:lstStyle/>
+          <a:p>
+            <a:pPr algn="ctr"/>
+            <a:endParaRPr lang="en-US" sz="1800">
+              <a:solidFill>
+                <a:srgbClr val="4277BB"/>
+              </a:solidFill>
+            </a:endParaRPr>
+          </a:p>
+        </p:txBody>
+      </p:sp>
+      <p:sp>
+        <p:nvSpPr>
+          <p:cNvPr id="52" name="TextBox 51">
+            <a:extLst>
+              <a:ext uri="{FF2B5EF4-FFF2-40B4-BE49-F238E27FC236}">
+                <a16:creationId xmlns:a16="http://schemas.microsoft.com/office/drawing/2014/main" id="{0D8CA553-EBBD-2347-BDD9-82929E130DAD}"/>
+              </a:ext>
+            </a:extLst>
+          </p:cNvPr>
+          <p:cNvSpPr txBox="1"/>
+          <p:nvPr/>
+        </p:nvSpPr>
+        <p:spPr>
+          <a:xfrm>
+            <a:off x="6309332" y="1933222"/>
+            <a:ext cx="573072" cy="264013"/>
+          </a:xfrm>
+          <a:prstGeom prst="rect">
+            <a:avLst/>
+          </a:prstGeom>
+          <a:noFill/>
+          <a:ln w="3175" cap="flat">
+            <a:noFill/>
+            <a:miter lim="400000"/>
+          </a:ln>
+          <a:effectLst/>
+        </p:spPr>
+        <p:style>
+          <a:lnRef idx="0">
+            <a:scrgbClr r="0" g="0" b="0"/>
+          </a:lnRef>
+          <a:fillRef idx="0">
+            <a:scrgbClr r="0" g="0" b="0"/>
+          </a:fillRef>
+          <a:effectRef idx="0">
+            <a:scrgbClr r="0" g="0" b="0"/>
+          </a:effectRef>
+          <a:fontRef idx="none"/>
+        </p:style>
+        <p:txBody>
+          <a:bodyPr rot="0" spcFirstLastPara="1" vertOverflow="overflow" horzOverflow="overflow" vert="horz" wrap="none" lIns="39290" tIns="39290" rIns="39290" bIns="39290" numCol="1" spcCol="38100" rtlCol="0" anchor="ctr">
+            <a:spAutoFit/>
+          </a:bodyPr>
+          <a:lstStyle/>
+          <a:p>
+            <a:pPr marL="0" marR="0" indent="0" algn="ctr" defTabSz="584200" rtl="0" fontAlgn="auto" latinLnBrk="1" hangingPunct="0">
+              <a:lnSpc>
+                <a:spcPct val="100000"/>
+              </a:lnSpc>
+              <a:spcBef>
+                <a:spcPts val="0"/>
+              </a:spcBef>
+              <a:spcAft>
+                <a:spcPts val="0"/>
+              </a:spcAft>
+              <a:buClrTx/>
+              <a:buSzTx/>
+              <a:buFontTx/>
+              <a:buNone/>
+              <a:tabLst/>
+            </a:pPr>
+            <a:r>
+              <a:rPr kumimoji="0" lang="en-US" sz="1200" b="1" i="0" u="none" strike="noStrike" cap="none" spc="0" normalizeH="0" baseline="0" dirty="0">
+                <a:ln>
+                  <a:noFill/>
+                </a:ln>
+                <a:solidFill>
+                  <a:schemeClr val="accent1"/>
+                </a:solidFill>
+                <a:effectLst/>
+                <a:uFillTx/>
+                <a:latin typeface="+mn-lt"/>
+                <a:ea typeface="+mn-ea"/>
+                <a:cs typeface="+mn-cs"/>
+                <a:sym typeface="Helvetica Light"/>
+              </a:rPr>
+              <a:t>service</a:t>
+            </a:r>
+          </a:p>
+        </p:txBody>
+      </p:sp>
+      <p:sp>
+        <p:nvSpPr>
+          <p:cNvPr id="53" name="Rounded Rectangle 52">
+            <a:extLst>
+              <a:ext uri="{FF2B5EF4-FFF2-40B4-BE49-F238E27FC236}">
+                <a16:creationId xmlns:a16="http://schemas.microsoft.com/office/drawing/2014/main" id="{FBB65F82-0A19-834A-80F2-BAB853EF2BA0}"/>
+              </a:ext>
+            </a:extLst>
+          </p:cNvPr>
+          <p:cNvSpPr/>
+          <p:nvPr/>
+        </p:nvSpPr>
+        <p:spPr>
+          <a:xfrm>
+            <a:off x="6216189" y="3659949"/>
+            <a:ext cx="831848" cy="342931"/>
+          </a:xfrm>
+          <a:prstGeom prst="roundRect">
+            <a:avLst/>
+          </a:prstGeom>
+          <a:ln w="25400">
+            <a:solidFill>
+              <a:srgbClr val="4277BB"/>
+            </a:solidFill>
+            <a:miter lim="400000"/>
+          </a:ln>
+        </p:spPr>
+        <p:txBody>
+          <a:bodyPr lIns="0" tIns="0" rIns="0" bIns="0" rtlCol="0" anchor="ctr"/>
+          <a:lstStyle/>
+          <a:p>
+            <a:pPr algn="ctr"/>
+            <a:endParaRPr lang="en-US" sz="1800">
+              <a:solidFill>
+                <a:srgbClr val="4277BB"/>
+              </a:solidFill>
+            </a:endParaRPr>
+          </a:p>
+        </p:txBody>
+      </p:sp>
+      <p:sp>
+        <p:nvSpPr>
+          <p:cNvPr id="54" name="TextBox 53">
+            <a:extLst>
+              <a:ext uri="{FF2B5EF4-FFF2-40B4-BE49-F238E27FC236}">
+                <a16:creationId xmlns:a16="http://schemas.microsoft.com/office/drawing/2014/main" id="{215AFEAC-7962-9D4A-A3DE-E081BD173064}"/>
+              </a:ext>
+            </a:extLst>
+          </p:cNvPr>
+          <p:cNvSpPr txBox="1"/>
+          <p:nvPr/>
+        </p:nvSpPr>
+        <p:spPr>
+          <a:xfrm>
+            <a:off x="6356844" y="3701497"/>
+            <a:ext cx="573072" cy="264013"/>
+          </a:xfrm>
+          <a:prstGeom prst="rect">
+            <a:avLst/>
+          </a:prstGeom>
+          <a:noFill/>
+          <a:ln w="3175" cap="flat">
+            <a:noFill/>
+            <a:miter lim="400000"/>
+          </a:ln>
+          <a:effectLst/>
+        </p:spPr>
+        <p:style>
+          <a:lnRef idx="0">
+            <a:scrgbClr r="0" g="0" b="0"/>
+          </a:lnRef>
+          <a:fillRef idx="0">
+            <a:scrgbClr r="0" g="0" b="0"/>
+          </a:fillRef>
+          <a:effectRef idx="0">
+            <a:scrgbClr r="0" g="0" b="0"/>
+          </a:effectRef>
+          <a:fontRef idx="none"/>
+        </p:style>
+        <p:txBody>
+          <a:bodyPr rot="0" spcFirstLastPara="1" vertOverflow="overflow" horzOverflow="overflow" vert="horz" wrap="none" lIns="39290" tIns="39290" rIns="39290" bIns="39290" numCol="1" spcCol="38100" rtlCol="0" anchor="ctr">
+            <a:spAutoFit/>
+          </a:bodyPr>
+          <a:lstStyle/>
+          <a:p>
+            <a:pPr marL="0" marR="0" indent="0" algn="ctr" defTabSz="584200" rtl="0" fontAlgn="auto" latinLnBrk="1" hangingPunct="0">
+              <a:lnSpc>
+                <a:spcPct val="100000"/>
+              </a:lnSpc>
+              <a:spcBef>
+                <a:spcPts val="0"/>
+              </a:spcBef>
+              <a:spcAft>
+                <a:spcPts val="0"/>
+              </a:spcAft>
+              <a:buClrTx/>
+              <a:buSzTx/>
+              <a:buFontTx/>
+              <a:buNone/>
+              <a:tabLst/>
+            </a:pPr>
+            <a:r>
+              <a:rPr kumimoji="0" lang="en-US" sz="1200" b="1" i="0" u="none" strike="noStrike" cap="none" spc="0" normalizeH="0" baseline="0" dirty="0">
+                <a:ln>
+                  <a:noFill/>
+                </a:ln>
+                <a:solidFill>
+                  <a:schemeClr val="accent1"/>
+                </a:solidFill>
+                <a:effectLst/>
+                <a:uFillTx/>
+                <a:latin typeface="+mn-lt"/>
+                <a:ea typeface="+mn-ea"/>
+                <a:cs typeface="+mn-cs"/>
+                <a:sym typeface="Helvetica Light"/>
+              </a:rPr>
+              <a:t>service</a:t>
+            </a:r>
           </a:p>
         </p:txBody>
       </p:sp>
       <p:cxnSp>
         <p:nvCxnSpPr>
-          <p:cNvPr id="37" name="Straight Arrow Connector 62">
+          <p:cNvPr id="58" name="Straight Arrow Connector 62">
             <a:extLst>
               <a:ext uri="{FF2B5EF4-FFF2-40B4-BE49-F238E27FC236}">
-                <a16:creationId xmlns:a16="http://schemas.microsoft.com/office/drawing/2014/main" id="{37D7CE5B-5073-5B42-9DA9-863545A03E03}"/>
+                <a16:creationId xmlns:a16="http://schemas.microsoft.com/office/drawing/2014/main" id="{9ADB458C-945C-2848-8D38-BECB8789ADFE}"/>
               </a:ext>
             </a:extLst>
           </p:cNvPr>
           <p:cNvCxnSpPr>
             <a:cxnSpLocks/>
-            <a:stCxn id="34" idx="3"/>
+            <a:stCxn id="53" idx="3"/>
+            <a:endCxn id="40" idx="1"/>
           </p:cNvCxnSpPr>
           <p:nvPr/>
         </p:nvCxnSpPr>
         <p:spPr>
           <a:xfrm>
-            <a:off x="4144630" y="3577972"/>
-            <a:ext cx="1429391" cy="0"/>
+            <a:off x="7048037" y="3831415"/>
+            <a:ext cx="314587" cy="8957"/>
           </a:xfrm>
           <a:prstGeom prst="straightConnector1">
             <a:avLst/>
           </a:prstGeom>
           <a:noFill/>
-          <a:ln w="12700" cap="flat" cmpd="sng">
+          <a:ln w="38100" cap="flat" cmpd="sng">
             <a:solidFill>
               <a:schemeClr val="bg1">
                 <a:lumMod val="85000"/>
@@ -12445,10 +13138,404 @@
           <a:fontRef idx="none"/>
         </p:style>
       </p:cxnSp>
+      <p:cxnSp>
+        <p:nvCxnSpPr>
+          <p:cNvPr id="69" name="Straight Arrow Connector 62">
+            <a:extLst>
+              <a:ext uri="{FF2B5EF4-FFF2-40B4-BE49-F238E27FC236}">
+                <a16:creationId xmlns:a16="http://schemas.microsoft.com/office/drawing/2014/main" id="{8F06BE0A-95F2-514A-B629-56865BF2F0CA}"/>
+              </a:ext>
+            </a:extLst>
+          </p:cNvPr>
+          <p:cNvCxnSpPr>
+            <a:cxnSpLocks/>
+            <a:stCxn id="48" idx="3"/>
+            <a:endCxn id="38" idx="1"/>
+          </p:cNvCxnSpPr>
+          <p:nvPr/>
+        </p:nvCxnSpPr>
+        <p:spPr>
+          <a:xfrm>
+            <a:off x="7000525" y="2063140"/>
+            <a:ext cx="336718" cy="4984"/>
+          </a:xfrm>
+          <a:prstGeom prst="straightConnector1">
+            <a:avLst/>
+          </a:prstGeom>
+          <a:noFill/>
+          <a:ln w="38100" cap="flat" cmpd="sng">
+            <a:solidFill>
+              <a:schemeClr val="bg1">
+                <a:lumMod val="85000"/>
+              </a:schemeClr>
+            </a:solidFill>
+            <a:prstDash val="solid"/>
+            <a:miter lim="400000"/>
+            <a:headEnd type="none"/>
+            <a:tailEnd type="none"/>
+          </a:ln>
+          <a:effectLst/>
+        </p:spPr>
+        <p:style>
+          <a:lnRef idx="0">
+            <a:scrgbClr r="0" g="0" b="0"/>
+          </a:lnRef>
+          <a:fillRef idx="0">
+            <a:scrgbClr r="0" g="0" b="0"/>
+          </a:fillRef>
+          <a:effectRef idx="0">
+            <a:scrgbClr r="0" g="0" b="0"/>
+          </a:effectRef>
+          <a:fontRef idx="none"/>
+        </p:style>
+      </p:cxnSp>
+      <p:sp>
+        <p:nvSpPr>
+          <p:cNvPr id="73" name="Rounded Rectangle 72">
+            <a:extLst>
+              <a:ext uri="{FF2B5EF4-FFF2-40B4-BE49-F238E27FC236}">
+                <a16:creationId xmlns:a16="http://schemas.microsoft.com/office/drawing/2014/main" id="{5672D612-F7EE-EE44-A62E-8BB3C2071FD5}"/>
+              </a:ext>
+            </a:extLst>
+          </p:cNvPr>
+          <p:cNvSpPr/>
+          <p:nvPr/>
+        </p:nvSpPr>
+        <p:spPr>
+          <a:xfrm>
+            <a:off x="3344456" y="5105843"/>
+            <a:ext cx="831848" cy="342931"/>
+          </a:xfrm>
+          <a:prstGeom prst="roundRect">
+            <a:avLst/>
+          </a:prstGeom>
+          <a:ln w="25400">
+            <a:solidFill>
+              <a:srgbClr val="4277BB"/>
+            </a:solidFill>
+            <a:miter lim="400000"/>
+          </a:ln>
+        </p:spPr>
+        <p:txBody>
+          <a:bodyPr lIns="0" tIns="0" rIns="0" bIns="0" rtlCol="0" anchor="ctr"/>
+          <a:lstStyle/>
+          <a:p>
+            <a:pPr algn="ctr"/>
+            <a:endParaRPr lang="en-US" sz="1800">
+              <a:solidFill>
+                <a:srgbClr val="4277BB"/>
+              </a:solidFill>
+            </a:endParaRPr>
+          </a:p>
+        </p:txBody>
+      </p:sp>
+      <p:sp>
+        <p:nvSpPr>
+          <p:cNvPr id="75" name="TextBox 74">
+            <a:extLst>
+              <a:ext uri="{FF2B5EF4-FFF2-40B4-BE49-F238E27FC236}">
+                <a16:creationId xmlns:a16="http://schemas.microsoft.com/office/drawing/2014/main" id="{2AEF3128-06C6-5747-9E6F-ED9843315AC5}"/>
+              </a:ext>
+            </a:extLst>
+          </p:cNvPr>
+          <p:cNvSpPr txBox="1"/>
+          <p:nvPr/>
+        </p:nvSpPr>
+        <p:spPr>
+          <a:xfrm>
+            <a:off x="3485111" y="5147391"/>
+            <a:ext cx="573072" cy="264013"/>
+          </a:xfrm>
+          <a:prstGeom prst="rect">
+            <a:avLst/>
+          </a:prstGeom>
+          <a:noFill/>
+          <a:ln w="3175" cap="flat">
+            <a:noFill/>
+            <a:miter lim="400000"/>
+          </a:ln>
+          <a:effectLst/>
+        </p:spPr>
+        <p:style>
+          <a:lnRef idx="0">
+            <a:scrgbClr r="0" g="0" b="0"/>
+          </a:lnRef>
+          <a:fillRef idx="0">
+            <a:scrgbClr r="0" g="0" b="0"/>
+          </a:fillRef>
+          <a:effectRef idx="0">
+            <a:scrgbClr r="0" g="0" b="0"/>
+          </a:effectRef>
+          <a:fontRef idx="none"/>
+        </p:style>
+        <p:txBody>
+          <a:bodyPr rot="0" spcFirstLastPara="1" vertOverflow="overflow" horzOverflow="overflow" vert="horz" wrap="square" lIns="39290" tIns="39290" rIns="39290" bIns="39290" numCol="1" spcCol="38100" rtlCol="0" anchor="ctr">
+            <a:spAutoFit/>
+          </a:bodyPr>
+          <a:lstStyle/>
+          <a:p>
+            <a:pPr marL="0" marR="0" indent="0" algn="ctr" defTabSz="584200" rtl="0" fontAlgn="auto" latinLnBrk="1" hangingPunct="0">
+              <a:lnSpc>
+                <a:spcPct val="100000"/>
+              </a:lnSpc>
+              <a:spcBef>
+                <a:spcPts val="0"/>
+              </a:spcBef>
+              <a:spcAft>
+                <a:spcPts val="0"/>
+              </a:spcAft>
+              <a:buClrTx/>
+              <a:buSzTx/>
+              <a:buFontTx/>
+              <a:buNone/>
+              <a:tabLst/>
+            </a:pPr>
+            <a:r>
+              <a:rPr kumimoji="0" lang="en-US" sz="1200" b="1" i="0" u="none" strike="noStrike" cap="none" spc="0" normalizeH="0" baseline="0" dirty="0">
+                <a:ln>
+                  <a:noFill/>
+                </a:ln>
+                <a:solidFill>
+                  <a:schemeClr val="accent1"/>
+                </a:solidFill>
+                <a:effectLst/>
+                <a:uFillTx/>
+                <a:latin typeface="+mn-lt"/>
+                <a:ea typeface="+mn-ea"/>
+                <a:cs typeface="+mn-cs"/>
+                <a:sym typeface="Helvetica Light"/>
+              </a:rPr>
+              <a:t>service</a:t>
+            </a:r>
+          </a:p>
+        </p:txBody>
+      </p:sp>
+      <p:cxnSp>
+        <p:nvCxnSpPr>
+          <p:cNvPr id="77" name="Straight Arrow Connector 62">
+            <a:extLst>
+              <a:ext uri="{FF2B5EF4-FFF2-40B4-BE49-F238E27FC236}">
+                <a16:creationId xmlns:a16="http://schemas.microsoft.com/office/drawing/2014/main" id="{6A2103CA-7F4F-D948-B388-670BF4525838}"/>
+              </a:ext>
+            </a:extLst>
+          </p:cNvPr>
+          <p:cNvCxnSpPr>
+            <a:cxnSpLocks/>
+            <a:stCxn id="73" idx="3"/>
+            <a:endCxn id="34" idx="1"/>
+          </p:cNvCxnSpPr>
+          <p:nvPr/>
+        </p:nvCxnSpPr>
+        <p:spPr>
+          <a:xfrm>
+            <a:off x="4176304" y="5277309"/>
+            <a:ext cx="314587" cy="0"/>
+          </a:xfrm>
+          <a:prstGeom prst="straightConnector1">
+            <a:avLst/>
+          </a:prstGeom>
+          <a:noFill/>
+          <a:ln w="38100" cap="flat" cmpd="sng">
+            <a:solidFill>
+              <a:schemeClr val="bg1">
+                <a:lumMod val="85000"/>
+              </a:schemeClr>
+            </a:solidFill>
+            <a:prstDash val="solid"/>
+            <a:miter lim="400000"/>
+            <a:headEnd type="none"/>
+            <a:tailEnd type="none"/>
+          </a:ln>
+          <a:effectLst/>
+        </p:spPr>
+        <p:style>
+          <a:lnRef idx="0">
+            <a:scrgbClr r="0" g="0" b="0"/>
+          </a:lnRef>
+          <a:fillRef idx="0">
+            <a:scrgbClr r="0" g="0" b="0"/>
+          </a:fillRef>
+          <a:effectRef idx="0">
+            <a:scrgbClr r="0" g="0" b="0"/>
+          </a:effectRef>
+          <a:fontRef idx="none"/>
+        </p:style>
+      </p:cxnSp>
+      <p:cxnSp>
+        <p:nvCxnSpPr>
+          <p:cNvPr id="83" name="Straight Arrow Connector 62">
+            <a:extLst>
+              <a:ext uri="{FF2B5EF4-FFF2-40B4-BE49-F238E27FC236}">
+                <a16:creationId xmlns:a16="http://schemas.microsoft.com/office/drawing/2014/main" id="{F6FA548B-D011-C449-A9EB-BDE792745991}"/>
+              </a:ext>
+            </a:extLst>
+          </p:cNvPr>
+          <p:cNvCxnSpPr>
+            <a:cxnSpLocks/>
+            <a:endCxn id="44" idx="1"/>
+          </p:cNvCxnSpPr>
+          <p:nvPr/>
+        </p:nvCxnSpPr>
+        <p:spPr>
+          <a:xfrm flipV="1">
+            <a:off x="2162726" y="2060323"/>
+            <a:ext cx="1114907" cy="1375454"/>
+          </a:xfrm>
+          <a:prstGeom prst="straightConnector1">
+            <a:avLst/>
+          </a:prstGeom>
+          <a:noFill/>
+          <a:ln w="38100" cap="flat" cmpd="sng">
+            <a:solidFill>
+              <a:schemeClr val="bg1">
+                <a:lumMod val="85000"/>
+              </a:schemeClr>
+            </a:solidFill>
+            <a:prstDash val="solid"/>
+            <a:miter lim="400000"/>
+            <a:headEnd type="none"/>
+            <a:tailEnd type="none"/>
+          </a:ln>
+          <a:effectLst/>
+        </p:spPr>
+        <p:style>
+          <a:lnRef idx="0">
+            <a:scrgbClr r="0" g="0" b="0"/>
+          </a:lnRef>
+          <a:fillRef idx="0">
+            <a:scrgbClr r="0" g="0" b="0"/>
+          </a:fillRef>
+          <a:effectRef idx="0">
+            <a:scrgbClr r="0" g="0" b="0"/>
+          </a:effectRef>
+          <a:fontRef idx="none"/>
+        </p:style>
+      </p:cxnSp>
+      <p:sp>
+        <p:nvSpPr>
+          <p:cNvPr id="86" name="Rounded Rectangle 85">
+            <a:extLst>
+              <a:ext uri="{FF2B5EF4-FFF2-40B4-BE49-F238E27FC236}">
+                <a16:creationId xmlns:a16="http://schemas.microsoft.com/office/drawing/2014/main" id="{AE84CE69-F372-0E4C-9BDB-9D80AA6CBF35}"/>
+              </a:ext>
+            </a:extLst>
+          </p:cNvPr>
+          <p:cNvSpPr/>
+          <p:nvPr/>
+        </p:nvSpPr>
+        <p:spPr>
+          <a:xfrm>
+            <a:off x="1280300" y="2820253"/>
+            <a:ext cx="1176994" cy="1725773"/>
+          </a:xfrm>
+          <a:prstGeom prst="roundRect">
+            <a:avLst/>
+          </a:prstGeom>
+          <a:ln w="25400">
+            <a:solidFill>
+              <a:srgbClr val="4277BB"/>
+            </a:solidFill>
+            <a:miter lim="400000"/>
+          </a:ln>
+        </p:spPr>
+        <p:txBody>
+          <a:bodyPr lIns="0" tIns="0" rIns="0" bIns="0" rtlCol="0" anchor="ctr"/>
+          <a:lstStyle/>
+          <a:p>
+            <a:pPr algn="ctr"/>
+            <a:endParaRPr lang="en-US" sz="1800">
+              <a:solidFill>
+                <a:srgbClr val="4277BB"/>
+              </a:solidFill>
+            </a:endParaRPr>
+          </a:p>
+        </p:txBody>
+      </p:sp>
+      <p:sp>
+        <p:nvSpPr>
+          <p:cNvPr id="87" name="TextBox 86">
+            <a:extLst>
+              <a:ext uri="{FF2B5EF4-FFF2-40B4-BE49-F238E27FC236}">
+                <a16:creationId xmlns:a16="http://schemas.microsoft.com/office/drawing/2014/main" id="{AC897504-ED60-2C47-97E6-8D90848F9B30}"/>
+              </a:ext>
+            </a:extLst>
+          </p:cNvPr>
+          <p:cNvSpPr txBox="1"/>
+          <p:nvPr/>
+        </p:nvSpPr>
+        <p:spPr>
+          <a:xfrm>
+            <a:off x="1385290" y="2893452"/>
+            <a:ext cx="1042753" cy="264013"/>
+          </a:xfrm>
+          <a:prstGeom prst="rect">
+            <a:avLst/>
+          </a:prstGeom>
+          <a:noFill/>
+          <a:ln w="3175" cap="flat">
+            <a:noFill/>
+            <a:miter lim="400000"/>
+          </a:ln>
+          <a:effectLst/>
+        </p:spPr>
+        <p:style>
+          <a:lnRef idx="0">
+            <a:scrgbClr r="0" g="0" b="0"/>
+          </a:lnRef>
+          <a:fillRef idx="0">
+            <a:scrgbClr r="0" g="0" b="0"/>
+          </a:fillRef>
+          <a:effectRef idx="0">
+            <a:scrgbClr r="0" g="0" b="0"/>
+          </a:effectRef>
+          <a:fontRef idx="none"/>
+        </p:style>
+        <p:txBody>
+          <a:bodyPr rot="0" spcFirstLastPara="1" vertOverflow="overflow" horzOverflow="overflow" vert="horz" wrap="none" lIns="39290" tIns="39290" rIns="39290" bIns="39290" numCol="1" spcCol="38100" rtlCol="0" anchor="ctr">
+            <a:spAutoFit/>
+          </a:bodyPr>
+          <a:lstStyle/>
+          <a:p>
+            <a:pPr marL="0" marR="0" indent="0" algn="ctr" defTabSz="584200" rtl="0" fontAlgn="auto" latinLnBrk="1" hangingPunct="0">
+              <a:lnSpc>
+                <a:spcPct val="100000"/>
+              </a:lnSpc>
+              <a:spcBef>
+                <a:spcPts val="0"/>
+              </a:spcBef>
+              <a:spcAft>
+                <a:spcPts val="0"/>
+              </a:spcAft>
+              <a:buClrTx/>
+              <a:buSzTx/>
+              <a:buFontTx/>
+              <a:buNone/>
+              <a:tabLst/>
+            </a:pPr>
+            <a:r>
+              <a:rPr kumimoji="0" lang="en-US" sz="1200" b="1" i="0" u="none" strike="noStrike" cap="none" spc="0" normalizeH="0" baseline="0" dirty="0">
+                <a:ln>
+                  <a:noFill/>
+                </a:ln>
+                <a:solidFill>
+                  <a:schemeClr val="accent1"/>
+                </a:solidFill>
+                <a:effectLst/>
+                <a:uFillTx/>
+                <a:latin typeface="+mn-lt"/>
+                <a:ea typeface="+mn-ea"/>
+                <a:cs typeface="+mn-cs"/>
+                <a:sym typeface="Helvetica Light"/>
+              </a:rPr>
+              <a:t>Virtual service</a:t>
+            </a:r>
+          </a:p>
+        </p:txBody>
+      </p:sp>
     </p:spTree>
     <p:extLst>
       <p:ext uri="{BB962C8B-B14F-4D97-AF65-F5344CB8AC3E}">
-        <p14:creationId xmlns:p14="http://schemas.microsoft.com/office/powerpoint/2010/main" val="3500178729"/>
+        <p14:creationId xmlns:p14="http://schemas.microsoft.com/office/powerpoint/2010/main" val="2920113245"/>
       </p:ext>
     </p:extLst>
   </p:cSld>
@@ -12494,7 +13581,7 @@
             <a:avLst/>
           </a:prstGeom>
           <a:noFill/>
-          <a:ln w="12700" cap="flat" cmpd="sng">
+          <a:ln w="38100" cap="flat" cmpd="sng">
             <a:solidFill>
               <a:schemeClr val="bg1">
                 <a:lumMod val="85000"/>
@@ -12544,7 +13631,7 @@
             <a:avLst/>
           </a:prstGeom>
           <a:noFill/>
-          <a:ln w="12700" cap="flat" cmpd="sng">
+          <a:ln w="38100" cap="flat" cmpd="sng">
             <a:solidFill>
               <a:schemeClr val="bg1">
                 <a:lumMod val="85000"/>
@@ -12588,7 +13675,7 @@
             <a:avLst/>
           </a:prstGeom>
           <a:noFill/>
-          <a:ln w="12700" cap="flat" cmpd="sng">
+          <a:ln w="38100" cap="flat" cmpd="sng">
             <a:solidFill>
               <a:schemeClr val="bg1">
                 <a:lumMod val="85000"/>
@@ -12638,7 +13725,7 @@
             <a:avLst/>
           </a:prstGeom>
           <a:noFill/>
-          <a:ln w="12700" cap="flat" cmpd="sng">
+          <a:ln w="38100" cap="flat" cmpd="sng">
             <a:solidFill>
               <a:schemeClr val="bg1">
                 <a:lumMod val="85000"/>
@@ -12717,7 +13804,7 @@
           </a:ln>
           <a:extLst>
             <a:ext uri="{C572A759-6A51-4108-AA02-DFA0A04FC94B}">
-              <ma14:wrappingTextBoxFlag xmlns="" xmlns:ma14="http://schemas.microsoft.com/office/mac/drawingml/2011/main" val="1"/>
+              <ma14:wrappingTextBoxFlag xmlns:ma14="http://schemas.microsoft.com/office/mac/drawingml/2011/main" xmlns="" val="1"/>
             </a:ext>
           </a:extLst>
         </p:spPr>
@@ -12886,7 +13973,7 @@
           </a:ln>
           <a:extLst>
             <a:ext uri="{C572A759-6A51-4108-AA02-DFA0A04FC94B}">
-              <ma14:wrappingTextBoxFlag xmlns="" xmlns:ma14="http://schemas.microsoft.com/office/mac/drawingml/2011/main" val="1"/>
+              <ma14:wrappingTextBoxFlag xmlns:ma14="http://schemas.microsoft.com/office/mac/drawingml/2011/main" xmlns="" val="1"/>
             </a:ext>
           </a:extLst>
         </p:spPr>
@@ -13165,9 +14252,7 @@
             <p:nvPr/>
           </p:nvPicPr>
           <p:blipFill>
-            <a:blip r:embed="rId4">
-              <a:extLst/>
-            </a:blip>
+            <a:blip r:embed="rId4"/>
             <a:srcRect l="19624" t="23468" r="19624" b="23468"/>
             <a:stretch>
               <a:fillRect/>
@@ -13306,7 +14391,7 @@
             <a:avLst/>
           </a:prstGeom>
           <a:noFill/>
-          <a:ln w="12700" cap="flat" cmpd="sng">
+          <a:ln w="38100" cap="flat" cmpd="sng">
             <a:solidFill>
               <a:schemeClr val="bg1">
                 <a:lumMod val="85000"/>
@@ -13511,7 +14596,7 @@
             <a:avLst/>
           </a:prstGeom>
           <a:noFill/>
-          <a:ln w="12700" cap="flat" cmpd="sng">
+          <a:ln w="38100" cap="flat" cmpd="sng">
             <a:solidFill>
               <a:schemeClr val="bg1">
                 <a:lumMod val="85000"/>
@@ -13667,9 +14752,7 @@
             <p:nvPr/>
           </p:nvPicPr>
           <p:blipFill>
-            <a:blip r:embed="rId8">
-              <a:extLst/>
-            </a:blip>
+            <a:blip r:embed="rId8"/>
             <a:srcRect l="21704" t="15445" r="21704" b="15445"/>
             <a:stretch>
               <a:fillRect/>
@@ -13951,9 +15034,1873 @@
             <p:nvPr/>
           </p:nvPicPr>
           <p:blipFill>
-            <a:blip r:embed="rId10">
-              <a:extLst/>
+            <a:blip r:embed="rId10"/>
+            <a:srcRect l="17032" t="20462" r="17032" b="20462"/>
+            <a:stretch>
+              <a:fillRect/>
+            </a:stretch>
+          </p:blipFill>
+          <p:spPr>
+            <a:xfrm>
+              <a:off x="3723113" y="3770499"/>
+              <a:ext cx="466313" cy="417807"/>
+            </a:xfrm>
+            <a:prstGeom prst="rect">
+              <a:avLst/>
+            </a:prstGeom>
+            <a:ln w="3175" cap="flat">
+              <a:noFill/>
+              <a:miter lim="400000"/>
+            </a:ln>
+            <a:effectLst/>
+          </p:spPr>
+        </p:pic>
+      </p:grpSp>
+      <p:sp>
+        <p:nvSpPr>
+          <p:cNvPr id="68" name="TextBox 67"/>
+          <p:cNvSpPr txBox="1"/>
+          <p:nvPr/>
+        </p:nvSpPr>
+        <p:spPr>
+          <a:xfrm>
+            <a:off x="1238976" y="4052430"/>
+            <a:ext cx="1218324" cy="264013"/>
+          </a:xfrm>
+          <a:prstGeom prst="rect">
+            <a:avLst/>
+          </a:prstGeom>
+          <a:noFill/>
+          <a:ln w="3175" cap="flat">
+            <a:noFill/>
+            <a:miter lim="400000"/>
+          </a:ln>
+          <a:effectLst/>
+        </p:spPr>
+        <p:style>
+          <a:lnRef idx="0">
+            <a:scrgbClr r="0" g="0" b="0"/>
+          </a:lnRef>
+          <a:fillRef idx="0">
+            <a:scrgbClr r="0" g="0" b="0"/>
+          </a:fillRef>
+          <a:effectRef idx="0">
+            <a:scrgbClr r="0" g="0" b="0"/>
+          </a:effectRef>
+          <a:fontRef idx="none"/>
+        </p:style>
+        <p:txBody>
+          <a:bodyPr rot="0" spcFirstLastPara="1" vertOverflow="overflow" horzOverflow="overflow" vert="horz" wrap="square" lIns="39290" tIns="39290" rIns="39290" bIns="39290" numCol="1" spcCol="38100" rtlCol="0" anchor="ctr">
+            <a:spAutoFit/>
+          </a:bodyPr>
+          <a:lstStyle/>
+          <a:p>
+            <a:pPr rtl="0" latinLnBrk="1" hangingPunct="0"/>
+            <a:r>
+              <a:rPr lang="en-US" sz="1200" dirty="0">
+                <a:solidFill>
+                  <a:srgbClr val="000000"/>
+                </a:solidFill>
+                <a:latin typeface="Arial"/>
+                <a:cs typeface="Arial"/>
+              </a:rPr>
+              <a:t>Ingress</a:t>
+            </a:r>
+          </a:p>
+        </p:txBody>
+      </p:sp>
+      <p:cxnSp>
+        <p:nvCxnSpPr>
+          <p:cNvPr id="96" name="Straight Arrow Connector 62">
+            <a:extLst>
+              <a:ext uri="{FF2B5EF4-FFF2-40B4-BE49-F238E27FC236}">
+                <a16:creationId xmlns:a16="http://schemas.microsoft.com/office/drawing/2014/main" id="{81F8C912-EC3D-B144-A560-0B420356B8C0}"/>
+              </a:ext>
+            </a:extLst>
+          </p:cNvPr>
+          <p:cNvCxnSpPr>
+            <a:cxnSpLocks/>
+          </p:cNvCxnSpPr>
+          <p:nvPr/>
+        </p:nvCxnSpPr>
+        <p:spPr>
+          <a:xfrm>
+            <a:off x="1021545" y="3598116"/>
+            <a:ext cx="474060" cy="5975"/>
+          </a:xfrm>
+          <a:prstGeom prst="straightConnector1">
+            <a:avLst/>
+          </a:prstGeom>
+          <a:noFill/>
+          <a:ln w="38100" cap="flat" cmpd="sng">
+            <a:solidFill>
+              <a:schemeClr val="bg1">
+                <a:lumMod val="85000"/>
+              </a:schemeClr>
+            </a:solidFill>
+            <a:prstDash val="solid"/>
+            <a:miter lim="400000"/>
+            <a:headEnd type="none"/>
+            <a:tailEnd type="none"/>
+          </a:ln>
+          <a:effectLst/>
+        </p:spPr>
+        <p:style>
+          <a:lnRef idx="0">
+            <a:scrgbClr r="0" g="0" b="0"/>
+          </a:lnRef>
+          <a:fillRef idx="0">
+            <a:scrgbClr r="0" g="0" b="0"/>
+          </a:fillRef>
+          <a:effectRef idx="0">
+            <a:scrgbClr r="0" g="0" b="0"/>
+          </a:effectRef>
+          <a:fontRef idx="none"/>
+        </p:style>
+      </p:cxnSp>
+      <p:pic>
+        <p:nvPicPr>
+          <p:cNvPr id="34" name="Picture 33">
+            <a:extLst>
+              <a:ext uri="{FF2B5EF4-FFF2-40B4-BE49-F238E27FC236}">
+                <a16:creationId xmlns:a16="http://schemas.microsoft.com/office/drawing/2014/main" id="{A4CBD815-6D30-A940-9C6D-42FEB89DA3B3}"/>
+              </a:ext>
+            </a:extLst>
+          </p:cNvPr>
+          <p:cNvPicPr>
+            <a:picLocks noChangeAspect="1"/>
+          </p:cNvPicPr>
+          <p:nvPr/>
+        </p:nvPicPr>
+        <p:blipFill>
+          <a:blip r:embed="rId3"/>
+          <a:stretch>
+            <a:fillRect/>
+          </a:stretch>
+        </p:blipFill>
+        <p:spPr>
+          <a:xfrm>
+            <a:off x="3248691" y="3147921"/>
+            <a:ext cx="895939" cy="860102"/>
+          </a:xfrm>
+          <a:prstGeom prst="rect">
+            <a:avLst/>
+          </a:prstGeom>
+        </p:spPr>
+      </p:pic>
+      <p:pic>
+        <p:nvPicPr>
+          <p:cNvPr id="35" name="Picture 34">
+            <a:extLst>
+              <a:ext uri="{FF2B5EF4-FFF2-40B4-BE49-F238E27FC236}">
+                <a16:creationId xmlns:a16="http://schemas.microsoft.com/office/drawing/2014/main" id="{FB193398-1FDA-1348-A3D2-296DC26E93C3}"/>
+              </a:ext>
+            </a:extLst>
+          </p:cNvPr>
+          <p:cNvPicPr>
+            <a:picLocks noChangeAspect="1"/>
+          </p:cNvPicPr>
+          <p:nvPr/>
+        </p:nvPicPr>
+        <p:blipFill>
+          <a:blip r:embed="rId5"/>
+          <a:stretch>
+            <a:fillRect/>
+          </a:stretch>
+        </p:blipFill>
+        <p:spPr>
+          <a:xfrm>
+            <a:off x="3026308" y="2864389"/>
+            <a:ext cx="831816" cy="524254"/>
+          </a:xfrm>
+          <a:prstGeom prst="rect">
+            <a:avLst/>
+          </a:prstGeom>
+        </p:spPr>
+      </p:pic>
+      <p:sp>
+        <p:nvSpPr>
+          <p:cNvPr id="36" name="TextBox 35">
+            <a:extLst>
+              <a:ext uri="{FF2B5EF4-FFF2-40B4-BE49-F238E27FC236}">
+                <a16:creationId xmlns:a16="http://schemas.microsoft.com/office/drawing/2014/main" id="{52134947-5515-E041-A6AE-3139B95DE3F1}"/>
+              </a:ext>
+            </a:extLst>
+          </p:cNvPr>
+          <p:cNvSpPr txBox="1"/>
+          <p:nvPr/>
+        </p:nvSpPr>
+        <p:spPr>
+          <a:xfrm>
+            <a:off x="2973557" y="3893182"/>
+            <a:ext cx="1506878" cy="448679"/>
+          </a:xfrm>
+          <a:prstGeom prst="rect">
+            <a:avLst/>
+          </a:prstGeom>
+          <a:noFill/>
+          <a:ln w="3175" cap="flat">
+            <a:noFill/>
+            <a:miter lim="400000"/>
+          </a:ln>
+          <a:effectLst/>
+        </p:spPr>
+        <p:style>
+          <a:lnRef idx="0">
+            <a:scrgbClr r="0" g="0" b="0"/>
+          </a:lnRef>
+          <a:fillRef idx="0">
+            <a:scrgbClr r="0" g="0" b="0"/>
+          </a:fillRef>
+          <a:effectRef idx="0">
+            <a:scrgbClr r="0" g="0" b="0"/>
+          </a:effectRef>
+          <a:fontRef idx="none"/>
+        </p:style>
+        <p:txBody>
+          <a:bodyPr rot="0" spcFirstLastPara="1" vertOverflow="overflow" horzOverflow="overflow" vert="horz" wrap="square" lIns="39290" tIns="39290" rIns="39290" bIns="39290" numCol="1" spcCol="38100" rtlCol="0" anchor="ctr">
+            <a:spAutoFit/>
+          </a:bodyPr>
+          <a:lstStyle/>
+          <a:p>
+            <a:pPr marL="0" marR="0" indent="0" defTabSz="584200" rtl="0" fontAlgn="auto" latinLnBrk="1" hangingPunct="0">
+              <a:lnSpc>
+                <a:spcPct val="100000"/>
+              </a:lnSpc>
+              <a:spcBef>
+                <a:spcPts val="0"/>
+              </a:spcBef>
+              <a:spcAft>
+                <a:spcPts val="0"/>
+              </a:spcAft>
+              <a:buClrTx/>
+              <a:buSzTx/>
+              <a:buFontTx/>
+              <a:buNone/>
+              <a:tabLst/>
+            </a:pPr>
+            <a:r>
+              <a:rPr lang="en-US" sz="1200" dirty="0">
+                <a:solidFill>
+                  <a:srgbClr val="000000"/>
+                </a:solidFill>
+                <a:latin typeface="Arial"/>
+                <a:cs typeface="Arial"/>
+              </a:rPr>
+              <a:t>Web-API</a:t>
+            </a:r>
+            <a:endParaRPr kumimoji="0" lang="en-US" sz="1200" b="0" i="0" u="none" strike="noStrike" cap="none" spc="0" normalizeH="0" baseline="0" dirty="0">
+              <a:ln>
+                <a:noFill/>
+              </a:ln>
+              <a:solidFill>
+                <a:srgbClr val="000000"/>
+              </a:solidFill>
+              <a:effectLst/>
+              <a:uFillTx/>
+              <a:latin typeface="Arial"/>
+              <a:ea typeface="+mn-ea"/>
+              <a:cs typeface="Arial"/>
+              <a:sym typeface="Helvetica Light"/>
+            </a:endParaRPr>
+          </a:p>
+          <a:p>
+            <a:pPr marL="0" marR="0" indent="0" defTabSz="584200" rtl="0" fontAlgn="auto" latinLnBrk="1" hangingPunct="0">
+              <a:lnSpc>
+                <a:spcPct val="100000"/>
+              </a:lnSpc>
+              <a:spcBef>
+                <a:spcPts val="0"/>
+              </a:spcBef>
+              <a:spcAft>
+                <a:spcPts val="0"/>
+              </a:spcAft>
+              <a:buClrTx/>
+              <a:buSzTx/>
+              <a:buFontTx/>
+              <a:buNone/>
+              <a:tabLst/>
+            </a:pPr>
+            <a:r>
+              <a:rPr lang="en-US" sz="1200" dirty="0">
+                <a:solidFill>
+                  <a:srgbClr val="000000"/>
+                </a:solidFill>
+                <a:latin typeface="Arial"/>
+                <a:cs typeface="Arial"/>
+              </a:rPr>
+              <a:t>v2</a:t>
+            </a:r>
+            <a:endParaRPr kumimoji="0" lang="en-US" sz="1200" b="0" i="0" u="none" strike="noStrike" cap="none" spc="0" normalizeH="0" baseline="0" dirty="0">
+              <a:ln>
+                <a:noFill/>
+              </a:ln>
+              <a:solidFill>
+                <a:srgbClr val="000000"/>
+              </a:solidFill>
+              <a:effectLst/>
+              <a:uFillTx/>
+              <a:latin typeface="Arial"/>
+              <a:ea typeface="+mn-ea"/>
+              <a:cs typeface="Arial"/>
+              <a:sym typeface="Helvetica Light"/>
+            </a:endParaRPr>
+          </a:p>
+        </p:txBody>
+      </p:sp>
+      <p:cxnSp>
+        <p:nvCxnSpPr>
+          <p:cNvPr id="37" name="Straight Arrow Connector 62">
+            <a:extLst>
+              <a:ext uri="{FF2B5EF4-FFF2-40B4-BE49-F238E27FC236}">
+                <a16:creationId xmlns:a16="http://schemas.microsoft.com/office/drawing/2014/main" id="{37D7CE5B-5073-5B42-9DA9-863545A03E03}"/>
+              </a:ext>
+            </a:extLst>
+          </p:cNvPr>
+          <p:cNvCxnSpPr>
+            <a:cxnSpLocks/>
+            <a:stCxn id="34" idx="3"/>
+          </p:cNvCxnSpPr>
+          <p:nvPr/>
+        </p:nvCxnSpPr>
+        <p:spPr>
+          <a:xfrm>
+            <a:off x="4144630" y="3577972"/>
+            <a:ext cx="1429391" cy="0"/>
+          </a:xfrm>
+          <a:prstGeom prst="straightConnector1">
+            <a:avLst/>
+          </a:prstGeom>
+          <a:noFill/>
+          <a:ln w="38100" cap="flat" cmpd="sng">
+            <a:solidFill>
+              <a:schemeClr val="bg1">
+                <a:lumMod val="85000"/>
+              </a:schemeClr>
+            </a:solidFill>
+            <a:prstDash val="solid"/>
+            <a:miter lim="400000"/>
+            <a:headEnd type="none"/>
+            <a:tailEnd type="none"/>
+          </a:ln>
+          <a:effectLst/>
+        </p:spPr>
+        <p:style>
+          <a:lnRef idx="0">
+            <a:scrgbClr r="0" g="0" b="0"/>
+          </a:lnRef>
+          <a:fillRef idx="0">
+            <a:scrgbClr r="0" g="0" b="0"/>
+          </a:fillRef>
+          <a:effectRef idx="0">
+            <a:scrgbClr r="0" g="0" b="0"/>
+          </a:effectRef>
+          <a:fontRef idx="none"/>
+        </p:style>
+      </p:cxnSp>
+    </p:spTree>
+    <p:extLst>
+      <p:ext uri="{BB962C8B-B14F-4D97-AF65-F5344CB8AC3E}">
+        <p14:creationId xmlns:p14="http://schemas.microsoft.com/office/powerpoint/2010/main" val="3500178729"/>
+      </p:ext>
+    </p:extLst>
+  </p:cSld>
+  <p:clrMapOvr>
+    <a:masterClrMapping/>
+  </p:clrMapOvr>
+  <p:transition spd="med"/>
+</p:sld>
+</file>
+
+<file path=ppt/slides/slide7.xml><?xml version="1.0" encoding="utf-8"?>
+<p:sld xmlns:a="http://schemas.openxmlformats.org/drawingml/2006/main" xmlns:r="http://schemas.openxmlformats.org/officeDocument/2006/relationships" xmlns:p="http://schemas.openxmlformats.org/presentationml/2006/main">
+  <p:cSld>
+    <p:spTree>
+      <p:nvGrpSpPr>
+        <p:cNvPr id="1" name=""/>
+        <p:cNvGrpSpPr/>
+        <p:nvPr/>
+      </p:nvGrpSpPr>
+      <p:grpSpPr>
+        <a:xfrm>
+          <a:off x="0" y="0"/>
+          <a:ext cx="0" cy="0"/>
+          <a:chOff x="0" y="0"/>
+          <a:chExt cx="0" cy="0"/>
+        </a:xfrm>
+      </p:grpSpPr>
+      <p:cxnSp>
+        <p:nvCxnSpPr>
+          <p:cNvPr id="176" name="Straight Arrow Connector 62"/>
+          <p:cNvCxnSpPr>
+            <a:cxnSpLocks/>
+            <a:endCxn id="216" idx="3"/>
+          </p:cNvCxnSpPr>
+          <p:nvPr/>
+        </p:nvCxnSpPr>
+        <p:spPr>
+          <a:xfrm flipH="1" flipV="1">
+            <a:off x="4150946" y="2135550"/>
+            <a:ext cx="1771451" cy="24863"/>
+          </a:xfrm>
+          <a:prstGeom prst="straightConnector1">
+            <a:avLst/>
+          </a:prstGeom>
+          <a:noFill/>
+          <a:ln w="12700" cap="flat" cmpd="sng">
+            <a:solidFill>
+              <a:schemeClr val="bg1">
+                <a:lumMod val="85000"/>
+              </a:schemeClr>
+            </a:solidFill>
+            <a:prstDash val="solid"/>
+            <a:miter lim="400000"/>
+            <a:headEnd type="none"/>
+            <a:tailEnd type="none"/>
+          </a:ln>
+          <a:effectLst/>
+        </p:spPr>
+        <p:style>
+          <a:lnRef idx="0">
+            <a:scrgbClr r="0" g="0" b="0"/>
+          </a:lnRef>
+          <a:fillRef idx="0">
+            <a:scrgbClr r="0" g="0" b="0"/>
+          </a:fillRef>
+          <a:effectRef idx="0">
+            <a:scrgbClr r="0" g="0" b="0"/>
+          </a:effectRef>
+          <a:fontRef idx="none"/>
+        </p:style>
+      </p:cxnSp>
+      <p:cxnSp>
+        <p:nvCxnSpPr>
+          <p:cNvPr id="40" name="Straight Arrow Connector 62">
+            <a:extLst>
+              <a:ext uri="{FF2B5EF4-FFF2-40B4-BE49-F238E27FC236}">
+                <a16:creationId xmlns:a16="http://schemas.microsoft.com/office/drawing/2014/main" id="{7B023E2D-265B-F240-A125-F9C874733F83}"/>
+              </a:ext>
+            </a:extLst>
+          </p:cNvPr>
+          <p:cNvCxnSpPr>
+            <a:cxnSpLocks/>
+            <a:stCxn id="34" idx="3"/>
+          </p:cNvCxnSpPr>
+          <p:nvPr/>
+        </p:nvCxnSpPr>
+        <p:spPr>
+          <a:xfrm flipV="1">
+            <a:off x="4144630" y="2135550"/>
+            <a:ext cx="1839176" cy="1442422"/>
+          </a:xfrm>
+          <a:prstGeom prst="straightConnector1">
+            <a:avLst/>
+          </a:prstGeom>
+          <a:noFill/>
+          <a:ln w="12700" cap="flat" cmpd="sng">
+            <a:solidFill>
+              <a:schemeClr val="bg1">
+                <a:lumMod val="85000"/>
+              </a:schemeClr>
+            </a:solidFill>
+            <a:prstDash val="solid"/>
+            <a:miter lim="400000"/>
+            <a:headEnd type="none"/>
+            <a:tailEnd type="none"/>
+          </a:ln>
+          <a:effectLst/>
+        </p:spPr>
+        <p:style>
+          <a:lnRef idx="0">
+            <a:scrgbClr r="0" g="0" b="0"/>
+          </a:lnRef>
+          <a:fillRef idx="0">
+            <a:scrgbClr r="0" g="0" b="0"/>
+          </a:fillRef>
+          <a:effectRef idx="0">
+            <a:scrgbClr r="0" g="0" b="0"/>
+          </a:effectRef>
+          <a:fontRef idx="none"/>
+        </p:style>
+      </p:cxnSp>
+      <p:cxnSp>
+        <p:nvCxnSpPr>
+          <p:cNvPr id="189" name="Straight Arrow Connector 62"/>
+          <p:cNvCxnSpPr>
+            <a:cxnSpLocks/>
+            <a:stCxn id="216" idx="3"/>
+          </p:cNvCxnSpPr>
+          <p:nvPr/>
+        </p:nvCxnSpPr>
+        <p:spPr>
+          <a:xfrm>
+            <a:off x="4150946" y="2135550"/>
+            <a:ext cx="1795300" cy="1442421"/>
+          </a:xfrm>
+          <a:prstGeom prst="straightConnector1">
+            <a:avLst/>
+          </a:prstGeom>
+          <a:noFill/>
+          <a:ln w="12700" cap="flat" cmpd="sng">
+            <a:solidFill>
+              <a:schemeClr val="bg1">
+                <a:lumMod val="85000"/>
+              </a:schemeClr>
+            </a:solidFill>
+            <a:prstDash val="solid"/>
+            <a:miter lim="400000"/>
+            <a:headEnd type="none"/>
+            <a:tailEnd type="none"/>
+          </a:ln>
+          <a:effectLst/>
+        </p:spPr>
+        <p:style>
+          <a:lnRef idx="0">
+            <a:scrgbClr r="0" g="0" b="0"/>
+          </a:lnRef>
+          <a:fillRef idx="0">
+            <a:scrgbClr r="0" g="0" b="0"/>
+          </a:fillRef>
+          <a:effectRef idx="0">
+            <a:scrgbClr r="0" g="0" b="0"/>
+          </a:effectRef>
+          <a:fontRef idx="none"/>
+        </p:style>
+      </p:cxnSp>
+      <p:cxnSp>
+        <p:nvCxnSpPr>
+          <p:cNvPr id="45" name="Straight Arrow Connector 62">
+            <a:extLst>
+              <a:ext uri="{FF2B5EF4-FFF2-40B4-BE49-F238E27FC236}">
+                <a16:creationId xmlns:a16="http://schemas.microsoft.com/office/drawing/2014/main" id="{7EF09460-0275-DC45-A79F-7FCF290FE086}"/>
+              </a:ext>
+            </a:extLst>
+          </p:cNvPr>
+          <p:cNvCxnSpPr>
+            <a:cxnSpLocks/>
+            <a:endCxn id="34" idx="1"/>
+          </p:cNvCxnSpPr>
+          <p:nvPr/>
+        </p:nvCxnSpPr>
+        <p:spPr>
+          <a:xfrm flipV="1">
+            <a:off x="1884810" y="3577972"/>
+            <a:ext cx="1363881" cy="14446"/>
+          </a:xfrm>
+          <a:prstGeom prst="straightConnector1">
+            <a:avLst/>
+          </a:prstGeom>
+          <a:noFill/>
+          <a:ln w="12700" cap="flat" cmpd="sng">
+            <a:solidFill>
+              <a:schemeClr val="bg1">
+                <a:lumMod val="85000"/>
+              </a:schemeClr>
+            </a:solidFill>
+            <a:prstDash val="solid"/>
+            <a:miter lim="400000"/>
+            <a:headEnd type="none"/>
+            <a:tailEnd type="none"/>
+          </a:ln>
+          <a:effectLst/>
+        </p:spPr>
+        <p:style>
+          <a:lnRef idx="0">
+            <a:scrgbClr r="0" g="0" b="0"/>
+          </a:lnRef>
+          <a:fillRef idx="0">
+            <a:scrgbClr r="0" g="0" b="0"/>
+          </a:fillRef>
+          <a:effectRef idx="0">
+            <a:scrgbClr r="0" g="0" b="0"/>
+          </a:effectRef>
+          <a:fontRef idx="none"/>
+        </p:style>
+      </p:cxnSp>
+      <p:sp>
+        <p:nvSpPr>
+          <p:cNvPr id="148" name="Shape 62"/>
+          <p:cNvSpPr/>
+          <p:nvPr/>
+        </p:nvSpPr>
+        <p:spPr>
+          <a:xfrm flipV="1">
+            <a:off x="1848138" y="776062"/>
+            <a:ext cx="0" cy="6667098"/>
+          </a:xfrm>
+          <a:prstGeom prst="line">
+            <a:avLst/>
+          </a:prstGeom>
+          <a:ln w="25400">
+            <a:solidFill>
+              <a:schemeClr val="bg1">
+                <a:lumMod val="85000"/>
+              </a:schemeClr>
+            </a:solidFill>
+            <a:miter lim="400000"/>
+          </a:ln>
+        </p:spPr>
+        <p:txBody>
+          <a:bodyPr lIns="0" tIns="0" rIns="0" bIns="0" anchor="ctr"/>
+          <a:lstStyle/>
+          <a:p>
+            <a:pPr lvl="0">
+              <a:defRPr sz="1800"/>
+            </a:pPr>
+            <a:endParaRPr/>
+          </a:p>
+        </p:txBody>
+      </p:sp>
+      <p:sp>
+        <p:nvSpPr>
+          <p:cNvPr id="210" name="Shape 64"/>
+          <p:cNvSpPr/>
+          <p:nvPr/>
+        </p:nvSpPr>
+        <p:spPr>
+          <a:xfrm>
+            <a:off x="1979114" y="781579"/>
+            <a:ext cx="5676030" cy="246221"/>
+          </a:xfrm>
+          <a:prstGeom prst="rect">
+            <a:avLst/>
+          </a:prstGeom>
+          <a:ln w="3175">
+            <a:miter lim="400000"/>
+          </a:ln>
+          <a:extLst>
+            <a:ext uri="{C572A759-6A51-4108-AA02-DFA0A04FC94B}">
+              <ma14:wrappingTextBoxFlag xmlns:ma14="http://schemas.microsoft.com/office/mac/drawingml/2011/main" xmlns="" val="1"/>
+            </a:ext>
+          </a:extLst>
+        </p:spPr>
+        <p:txBody>
+          <a:bodyPr wrap="square" lIns="0" tIns="0" rIns="0" bIns="0">
+            <a:spAutoFit/>
+          </a:bodyPr>
+          <a:lstStyle>
+            <a:lvl1pPr algn="l">
+              <a:defRPr sz="1000" b="1">
+                <a:solidFill>
+                  <a:srgbClr val="4277BB"/>
+                </a:solidFill>
+                <a:latin typeface="Helvetica"/>
+                <a:ea typeface="Helvetica"/>
+                <a:cs typeface="Helvetica"/>
+                <a:sym typeface="Helvetica"/>
+              </a:defRPr>
+            </a:lvl1pPr>
+          </a:lstStyle>
+          <a:p>
+            <a:pPr lvl="0" algn="ctr">
+              <a:defRPr sz="1800" b="0">
+                <a:solidFill>
+                  <a:srgbClr val="000000"/>
+                </a:solidFill>
+              </a:defRPr>
+            </a:pPr>
+            <a:r>
+              <a:rPr lang="de-DE" sz="1600" b="1" dirty="0">
+                <a:solidFill>
+                  <a:srgbClr val="000000"/>
+                </a:solidFill>
+                <a:latin typeface="Arial"/>
+                <a:cs typeface="Arial"/>
+              </a:rPr>
+              <a:t>Kubernetes with Istio</a:t>
+            </a:r>
+            <a:endParaRPr sz="1600" dirty="0">
+              <a:solidFill>
+                <a:srgbClr val="000000"/>
+              </a:solidFill>
+              <a:latin typeface="Arial"/>
+              <a:cs typeface="Arial"/>
+            </a:endParaRPr>
+          </a:p>
+        </p:txBody>
+      </p:sp>
+      <p:pic>
+        <p:nvPicPr>
+          <p:cNvPr id="211" name="Picture 210"/>
+          <p:cNvPicPr>
+            <a:picLocks noChangeAspect="1"/>
+          </p:cNvPicPr>
+          <p:nvPr/>
+        </p:nvPicPr>
+        <p:blipFill>
+          <a:blip r:embed="rId2"/>
+          <a:stretch>
+            <a:fillRect/>
+          </a:stretch>
+        </p:blipFill>
+        <p:spPr>
+          <a:xfrm>
+            <a:off x="275704" y="3280190"/>
+            <a:ext cx="803034" cy="701972"/>
+          </a:xfrm>
+          <a:prstGeom prst="rect">
+            <a:avLst/>
+          </a:prstGeom>
+        </p:spPr>
+      </p:pic>
+      <p:sp>
+        <p:nvSpPr>
+          <p:cNvPr id="212" name="TextBox 211"/>
+          <p:cNvSpPr txBox="1"/>
+          <p:nvPr/>
+        </p:nvSpPr>
+        <p:spPr>
+          <a:xfrm>
+            <a:off x="91289" y="3989911"/>
+            <a:ext cx="1181319" cy="264013"/>
+          </a:xfrm>
+          <a:prstGeom prst="rect">
+            <a:avLst/>
+          </a:prstGeom>
+          <a:noFill/>
+          <a:ln w="3175" cap="flat">
+            <a:noFill/>
+            <a:miter lim="400000"/>
+          </a:ln>
+          <a:effectLst/>
+        </p:spPr>
+        <p:style>
+          <a:lnRef idx="0">
+            <a:scrgbClr r="0" g="0" b="0"/>
+          </a:lnRef>
+          <a:fillRef idx="0">
+            <a:scrgbClr r="0" g="0" b="0"/>
+          </a:fillRef>
+          <a:effectRef idx="0">
+            <a:scrgbClr r="0" g="0" b="0"/>
+          </a:effectRef>
+          <a:fontRef idx="none"/>
+        </p:style>
+        <p:txBody>
+          <a:bodyPr rot="0" spcFirstLastPara="1" vertOverflow="overflow" horzOverflow="overflow" vert="horz" wrap="square" lIns="39290" tIns="39290" rIns="39290" bIns="39290" numCol="1" spcCol="38100" rtlCol="0" anchor="ctr">
+            <a:spAutoFit/>
+          </a:bodyPr>
+          <a:lstStyle/>
+          <a:p>
+            <a:pPr rtl="0" latinLnBrk="1" hangingPunct="0"/>
+            <a:r>
+              <a:rPr lang="en-US" sz="1200" dirty="0">
+                <a:solidFill>
+                  <a:srgbClr val="000000"/>
+                </a:solidFill>
+                <a:latin typeface="Arial"/>
+                <a:cs typeface="Arial"/>
+              </a:rPr>
+              <a:t>Web-App</a:t>
+            </a:r>
+          </a:p>
+        </p:txBody>
+      </p:sp>
+      <p:pic>
+        <p:nvPicPr>
+          <p:cNvPr id="216" name="Picture 215"/>
+          <p:cNvPicPr>
+            <a:picLocks noChangeAspect="1"/>
+          </p:cNvPicPr>
+          <p:nvPr/>
+        </p:nvPicPr>
+        <p:blipFill>
+          <a:blip r:embed="rId3"/>
+          <a:stretch>
+            <a:fillRect/>
+          </a:stretch>
+        </p:blipFill>
+        <p:spPr>
+          <a:xfrm>
+            <a:off x="3255007" y="1705499"/>
+            <a:ext cx="895939" cy="860102"/>
+          </a:xfrm>
+          <a:prstGeom prst="rect">
+            <a:avLst/>
+          </a:prstGeom>
+        </p:spPr>
+      </p:pic>
+      <p:sp>
+        <p:nvSpPr>
+          <p:cNvPr id="57" name="Shape 64"/>
+          <p:cNvSpPr/>
+          <p:nvPr/>
+        </p:nvSpPr>
+        <p:spPr>
+          <a:xfrm>
+            <a:off x="82313" y="788870"/>
+            <a:ext cx="1716821" cy="246221"/>
+          </a:xfrm>
+          <a:prstGeom prst="rect">
+            <a:avLst/>
+          </a:prstGeom>
+          <a:ln w="3175">
+            <a:miter lim="400000"/>
+          </a:ln>
+          <a:extLst>
+            <a:ext uri="{C572A759-6A51-4108-AA02-DFA0A04FC94B}">
+              <ma14:wrappingTextBoxFlag xmlns:ma14="http://schemas.microsoft.com/office/mac/drawingml/2011/main" xmlns="" val="1"/>
+            </a:ext>
+          </a:extLst>
+        </p:spPr>
+        <p:txBody>
+          <a:bodyPr wrap="square" lIns="0" tIns="0" rIns="0" bIns="0">
+            <a:spAutoFit/>
+          </a:bodyPr>
+          <a:lstStyle>
+            <a:lvl1pPr algn="l">
+              <a:defRPr sz="1000" b="1">
+                <a:solidFill>
+                  <a:srgbClr val="4277BB"/>
+                </a:solidFill>
+                <a:latin typeface="Helvetica"/>
+                <a:ea typeface="Helvetica"/>
+                <a:cs typeface="Helvetica"/>
+                <a:sym typeface="Helvetica"/>
+              </a:defRPr>
+            </a:lvl1pPr>
+          </a:lstStyle>
+          <a:p>
+            <a:pPr lvl="0" algn="ctr">
+              <a:defRPr sz="1800" b="0">
+                <a:solidFill>
+                  <a:srgbClr val="000000"/>
+                </a:solidFill>
+              </a:defRPr>
+            </a:pPr>
+            <a:r>
+              <a:rPr lang="de-DE" sz="1600" b="1" dirty="0">
+                <a:solidFill>
+                  <a:srgbClr val="000000"/>
+                </a:solidFill>
+                <a:latin typeface="Arial"/>
+                <a:cs typeface="Arial"/>
+              </a:rPr>
+              <a:t>Browser</a:t>
+            </a:r>
+            <a:endParaRPr sz="1600" dirty="0">
+              <a:solidFill>
+                <a:srgbClr val="000000"/>
+              </a:solidFill>
+              <a:latin typeface="Arial"/>
+              <a:cs typeface="Arial"/>
+            </a:endParaRPr>
+          </a:p>
+        </p:txBody>
+      </p:sp>
+      <p:sp>
+        <p:nvSpPr>
+          <p:cNvPr id="64" name="TextBox 63"/>
+          <p:cNvSpPr txBox="1"/>
+          <p:nvPr/>
+        </p:nvSpPr>
+        <p:spPr>
+          <a:xfrm>
+            <a:off x="2961332" y="2494251"/>
+            <a:ext cx="1506878" cy="448679"/>
+          </a:xfrm>
+          <a:prstGeom prst="rect">
+            <a:avLst/>
+          </a:prstGeom>
+          <a:noFill/>
+          <a:ln w="3175" cap="flat">
+            <a:noFill/>
+            <a:miter lim="400000"/>
+          </a:ln>
+          <a:effectLst/>
+        </p:spPr>
+        <p:style>
+          <a:lnRef idx="0">
+            <a:scrgbClr r="0" g="0" b="0"/>
+          </a:lnRef>
+          <a:fillRef idx="0">
+            <a:scrgbClr r="0" g="0" b="0"/>
+          </a:fillRef>
+          <a:effectRef idx="0">
+            <a:scrgbClr r="0" g="0" b="0"/>
+          </a:effectRef>
+          <a:fontRef idx="none"/>
+        </p:style>
+        <p:txBody>
+          <a:bodyPr rot="0" spcFirstLastPara="1" vertOverflow="overflow" horzOverflow="overflow" vert="horz" wrap="square" lIns="39290" tIns="39290" rIns="39290" bIns="39290" numCol="1" spcCol="38100" rtlCol="0" anchor="ctr">
+            <a:spAutoFit/>
+          </a:bodyPr>
+          <a:lstStyle/>
+          <a:p>
+            <a:pPr marL="0" marR="0" indent="0" defTabSz="584200" rtl="0" fontAlgn="auto" latinLnBrk="1" hangingPunct="0">
+              <a:lnSpc>
+                <a:spcPct val="100000"/>
+              </a:lnSpc>
+              <a:spcBef>
+                <a:spcPts val="0"/>
+              </a:spcBef>
+              <a:spcAft>
+                <a:spcPts val="0"/>
+              </a:spcAft>
+              <a:buClrTx/>
+              <a:buSzTx/>
+              <a:buFontTx/>
+              <a:buNone/>
+              <a:tabLst/>
+            </a:pPr>
+            <a:r>
+              <a:rPr lang="en-US" sz="1200" dirty="0">
+                <a:solidFill>
+                  <a:srgbClr val="000000"/>
+                </a:solidFill>
+                <a:latin typeface="Arial"/>
+                <a:cs typeface="Arial"/>
+              </a:rPr>
+              <a:t>Web-API</a:t>
+            </a:r>
+            <a:endParaRPr kumimoji="0" lang="en-US" sz="1200" b="0" i="0" u="none" strike="noStrike" cap="none" spc="0" normalizeH="0" baseline="0" dirty="0">
+              <a:ln>
+                <a:noFill/>
+              </a:ln>
+              <a:solidFill>
+                <a:srgbClr val="000000"/>
+              </a:solidFill>
+              <a:effectLst/>
+              <a:uFillTx/>
+              <a:latin typeface="Arial"/>
+              <a:ea typeface="+mn-ea"/>
+              <a:cs typeface="Arial"/>
+              <a:sym typeface="Helvetica Light"/>
+            </a:endParaRPr>
+          </a:p>
+          <a:p>
+            <a:pPr marL="0" marR="0" indent="0" defTabSz="584200" rtl="0" fontAlgn="auto" latinLnBrk="1" hangingPunct="0">
+              <a:lnSpc>
+                <a:spcPct val="100000"/>
+              </a:lnSpc>
+              <a:spcBef>
+                <a:spcPts val="0"/>
+              </a:spcBef>
+              <a:spcAft>
+                <a:spcPts val="0"/>
+              </a:spcAft>
+              <a:buClrTx/>
+              <a:buSzTx/>
+              <a:buFontTx/>
+              <a:buNone/>
+              <a:tabLst/>
+            </a:pPr>
+            <a:r>
+              <a:rPr lang="en-US" sz="1200" dirty="0">
+                <a:solidFill>
+                  <a:srgbClr val="000000"/>
+                </a:solidFill>
+                <a:latin typeface="Arial"/>
+                <a:cs typeface="Arial"/>
+              </a:rPr>
+              <a:t>v1</a:t>
+            </a:r>
+            <a:endParaRPr kumimoji="0" lang="en-US" sz="1200" b="0" i="0" u="none" strike="noStrike" cap="none" spc="0" normalizeH="0" baseline="0" dirty="0">
+              <a:ln>
+                <a:noFill/>
+              </a:ln>
+              <a:solidFill>
+                <a:srgbClr val="000000"/>
+              </a:solidFill>
+              <a:effectLst/>
+              <a:uFillTx/>
+              <a:latin typeface="Arial"/>
+              <a:ea typeface="+mn-ea"/>
+              <a:cs typeface="Arial"/>
+              <a:sym typeface="Helvetica Light"/>
+            </a:endParaRPr>
+          </a:p>
+        </p:txBody>
+      </p:sp>
+      <p:grpSp>
+        <p:nvGrpSpPr>
+          <p:cNvPr id="9" name="Group 8"/>
+          <p:cNvGrpSpPr/>
+          <p:nvPr/>
+        </p:nvGrpSpPr>
+        <p:grpSpPr>
+          <a:xfrm>
+            <a:off x="5597870" y="3165843"/>
+            <a:ext cx="707233" cy="707233"/>
+            <a:chOff x="394759" y="4656919"/>
+            <a:chExt cx="707233" cy="707233"/>
+          </a:xfrm>
+        </p:grpSpPr>
+        <p:sp>
+          <p:nvSpPr>
+            <p:cNvPr id="72" name="Shape 272"/>
+            <p:cNvSpPr/>
+            <p:nvPr/>
+          </p:nvSpPr>
+          <p:spPr>
+            <a:xfrm>
+              <a:off x="394759" y="4656919"/>
+              <a:ext cx="707233" cy="707233"/>
+            </a:xfrm>
+            <a:custGeom>
+              <a:avLst/>
+              <a:gdLst/>
+              <a:ahLst/>
+              <a:cxnLst>
+                <a:cxn ang="0">
+                  <a:pos x="wd2" y="hd2"/>
+                </a:cxn>
+                <a:cxn ang="5400000">
+                  <a:pos x="wd2" y="hd2"/>
+                </a:cxn>
+                <a:cxn ang="10800000">
+                  <a:pos x="wd2" y="hd2"/>
+                </a:cxn>
+                <a:cxn ang="16200000">
+                  <a:pos x="wd2" y="hd2"/>
+                </a:cxn>
+              </a:cxnLst>
+              <a:rect l="0" t="0" r="r" b="b"/>
+              <a:pathLst>
+                <a:path w="19679" h="19679" extrusionOk="0">
+                  <a:moveTo>
+                    <a:pt x="16796" y="2882"/>
+                  </a:moveTo>
+                  <a:cubicBezTo>
+                    <a:pt x="20639" y="6724"/>
+                    <a:pt x="20639" y="12954"/>
+                    <a:pt x="16796" y="16796"/>
+                  </a:cubicBezTo>
+                  <a:cubicBezTo>
+                    <a:pt x="12954" y="20639"/>
+                    <a:pt x="6724" y="20639"/>
+                    <a:pt x="2882" y="16796"/>
+                  </a:cubicBezTo>
+                  <a:cubicBezTo>
+                    <a:pt x="-961" y="12954"/>
+                    <a:pt x="-961" y="6724"/>
+                    <a:pt x="2882" y="2882"/>
+                  </a:cubicBezTo>
+                  <a:cubicBezTo>
+                    <a:pt x="6724" y="-961"/>
+                    <a:pt x="12954" y="-961"/>
+                    <a:pt x="16796" y="2882"/>
+                  </a:cubicBezTo>
+                  <a:close/>
+                </a:path>
+              </a:pathLst>
+            </a:custGeom>
+            <a:solidFill>
+              <a:srgbClr val="8DC53F"/>
+            </a:solidFill>
+            <a:ln w="3175" cap="flat">
+              <a:noFill/>
+              <a:miter lim="400000"/>
+            </a:ln>
+            <a:effectLst/>
+          </p:spPr>
+          <p:txBody>
+            <a:bodyPr wrap="square" lIns="0" tIns="0" rIns="0" bIns="0" numCol="1" anchor="ctr">
+              <a:noAutofit/>
+            </a:bodyPr>
+            <a:lstStyle/>
+            <a:p>
+              <a:pPr lvl="0">
+                <a:defRPr sz="1800">
+                  <a:solidFill>
+                    <a:srgbClr val="FFFFFF"/>
+                  </a:solidFill>
+                </a:defRPr>
+              </a:pPr>
+              <a:endParaRPr/>
+            </a:p>
+          </p:txBody>
+        </p:sp>
+        <p:pic>
+          <p:nvPicPr>
+            <p:cNvPr id="74" name="_-13.png"/>
+            <p:cNvPicPr/>
+            <p:nvPr/>
+          </p:nvPicPr>
+          <p:blipFill>
+            <a:blip r:embed="rId4"/>
+            <a:srcRect l="19624" t="23468" r="19624" b="23468"/>
+            <a:stretch>
+              <a:fillRect/>
+            </a:stretch>
+          </p:blipFill>
+          <p:spPr>
+            <a:xfrm>
+              <a:off x="535947" y="4822892"/>
+              <a:ext cx="429660" cy="375287"/>
+            </a:xfrm>
+            <a:prstGeom prst="rect">
+              <a:avLst/>
+            </a:prstGeom>
+            <a:ln w="3175" cap="flat">
+              <a:noFill/>
+              <a:miter lim="400000"/>
+            </a:ln>
+            <a:effectLst/>
+          </p:spPr>
+        </p:pic>
+      </p:grpSp>
+      <p:pic>
+        <p:nvPicPr>
+          <p:cNvPr id="78" name="Picture 77"/>
+          <p:cNvPicPr>
+            <a:picLocks noChangeAspect="1"/>
+          </p:cNvPicPr>
+          <p:nvPr/>
+        </p:nvPicPr>
+        <p:blipFill>
+          <a:blip r:embed="rId5"/>
+          <a:stretch>
+            <a:fillRect/>
+          </a:stretch>
+        </p:blipFill>
+        <p:spPr>
+          <a:xfrm>
+            <a:off x="3084928" y="1407112"/>
+            <a:ext cx="831816" cy="524254"/>
+          </a:xfrm>
+          <a:prstGeom prst="rect">
+            <a:avLst/>
+          </a:prstGeom>
+        </p:spPr>
+      </p:pic>
+      <p:sp>
+        <p:nvSpPr>
+          <p:cNvPr id="80" name="TextBox 79"/>
+          <p:cNvSpPr txBox="1"/>
+          <p:nvPr/>
+        </p:nvSpPr>
+        <p:spPr>
+          <a:xfrm>
+            <a:off x="5207811" y="2470326"/>
+            <a:ext cx="1506878" cy="264013"/>
+          </a:xfrm>
+          <a:prstGeom prst="rect">
+            <a:avLst/>
+          </a:prstGeom>
+          <a:noFill/>
+          <a:ln w="3175" cap="flat">
+            <a:noFill/>
+            <a:miter lim="400000"/>
+          </a:ln>
+          <a:effectLst/>
+        </p:spPr>
+        <p:style>
+          <a:lnRef idx="0">
+            <a:scrgbClr r="0" g="0" b="0"/>
+          </a:lnRef>
+          <a:fillRef idx="0">
+            <a:scrgbClr r="0" g="0" b="0"/>
+          </a:fillRef>
+          <a:effectRef idx="0">
+            <a:scrgbClr r="0" g="0" b="0"/>
+          </a:effectRef>
+          <a:fontRef idx="none"/>
+        </p:style>
+        <p:txBody>
+          <a:bodyPr rot="0" spcFirstLastPara="1" vertOverflow="overflow" horzOverflow="overflow" vert="horz" wrap="square" lIns="39290" tIns="39290" rIns="39290" bIns="39290" numCol="1" spcCol="38100" rtlCol="0" anchor="ctr">
+            <a:spAutoFit/>
+          </a:bodyPr>
+          <a:lstStyle/>
+          <a:p>
+            <a:pPr marL="0" marR="0" indent="0" defTabSz="584200" rtl="0" fontAlgn="auto" latinLnBrk="1" hangingPunct="0">
+              <a:lnSpc>
+                <a:spcPct val="100000"/>
+              </a:lnSpc>
+              <a:spcBef>
+                <a:spcPts val="0"/>
+              </a:spcBef>
+              <a:spcAft>
+                <a:spcPts val="0"/>
+              </a:spcAft>
+              <a:buClrTx/>
+              <a:buSzTx/>
+              <a:buFontTx/>
+              <a:buNone/>
+              <a:tabLst/>
+            </a:pPr>
+            <a:r>
+              <a:rPr kumimoji="0" lang="en-US" sz="1200" b="0" i="0" u="none" strike="noStrike" cap="none" spc="0" normalizeH="0" baseline="0" dirty="0">
+                <a:ln>
+                  <a:noFill/>
+                </a:ln>
+                <a:solidFill>
+                  <a:srgbClr val="000000"/>
+                </a:solidFill>
+                <a:effectLst/>
+                <a:uFillTx/>
+                <a:latin typeface="Arial"/>
+                <a:ea typeface="+mn-ea"/>
+                <a:cs typeface="Arial"/>
+                <a:sym typeface="Helvetica Light"/>
+              </a:rPr>
+              <a:t>Articles</a:t>
+            </a:r>
+          </a:p>
+        </p:txBody>
+      </p:sp>
+      <p:cxnSp>
+        <p:nvCxnSpPr>
+          <p:cNvPr id="92" name="Straight Arrow Connector 62"/>
+          <p:cNvCxnSpPr>
+            <a:cxnSpLocks/>
+            <a:endCxn id="216" idx="1"/>
+          </p:cNvCxnSpPr>
+          <p:nvPr/>
+        </p:nvCxnSpPr>
+        <p:spPr>
+          <a:xfrm flipV="1">
+            <a:off x="2142836" y="2135550"/>
+            <a:ext cx="1112171" cy="1215070"/>
+          </a:xfrm>
+          <a:prstGeom prst="straightConnector1">
+            <a:avLst/>
+          </a:prstGeom>
+          <a:noFill/>
+          <a:ln w="12700" cap="flat" cmpd="sng">
+            <a:solidFill>
+              <a:schemeClr val="bg1">
+                <a:lumMod val="85000"/>
+              </a:schemeClr>
+            </a:solidFill>
+            <a:prstDash val="solid"/>
+            <a:miter lim="400000"/>
+            <a:headEnd type="none"/>
+            <a:tailEnd type="none"/>
+          </a:ln>
+          <a:effectLst/>
+        </p:spPr>
+        <p:style>
+          <a:lnRef idx="0">
+            <a:scrgbClr r="0" g="0" b="0"/>
+          </a:lnRef>
+          <a:fillRef idx="0">
+            <a:scrgbClr r="0" g="0" b="0"/>
+          </a:fillRef>
+          <a:effectRef idx="0">
+            <a:scrgbClr r="0" g="0" b="0"/>
+          </a:effectRef>
+          <a:fontRef idx="none"/>
+        </p:style>
+      </p:cxnSp>
+      <p:sp>
+        <p:nvSpPr>
+          <p:cNvPr id="106" name="TextBox 105"/>
+          <p:cNvSpPr txBox="1"/>
+          <p:nvPr/>
+        </p:nvSpPr>
+        <p:spPr>
+          <a:xfrm>
+            <a:off x="5188085" y="3859630"/>
+            <a:ext cx="1506878" cy="264013"/>
+          </a:xfrm>
+          <a:prstGeom prst="rect">
+            <a:avLst/>
+          </a:prstGeom>
+          <a:noFill/>
+          <a:ln w="3175" cap="flat">
+            <a:noFill/>
+            <a:miter lim="400000"/>
+          </a:ln>
+          <a:effectLst/>
+        </p:spPr>
+        <p:style>
+          <a:lnRef idx="0">
+            <a:scrgbClr r="0" g="0" b="0"/>
+          </a:lnRef>
+          <a:fillRef idx="0">
+            <a:scrgbClr r="0" g="0" b="0"/>
+          </a:fillRef>
+          <a:effectRef idx="0">
+            <a:scrgbClr r="0" g="0" b="0"/>
+          </a:effectRef>
+          <a:fontRef idx="none"/>
+        </p:style>
+        <p:txBody>
+          <a:bodyPr rot="0" spcFirstLastPara="1" vertOverflow="overflow" horzOverflow="overflow" vert="horz" wrap="square" lIns="39290" tIns="39290" rIns="39290" bIns="39290" numCol="1" spcCol="38100" rtlCol="0" anchor="ctr">
+            <a:spAutoFit/>
+          </a:bodyPr>
+          <a:lstStyle/>
+          <a:p>
+            <a:pPr marL="0" marR="0" indent="0" defTabSz="584200" rtl="0" fontAlgn="auto" latinLnBrk="1" hangingPunct="0">
+              <a:lnSpc>
+                <a:spcPct val="100000"/>
+              </a:lnSpc>
+              <a:spcBef>
+                <a:spcPts val="0"/>
+              </a:spcBef>
+              <a:spcAft>
+                <a:spcPts val="0"/>
+              </a:spcAft>
+              <a:buClrTx/>
+              <a:buSzTx/>
+              <a:buFontTx/>
+              <a:buNone/>
+              <a:tabLst/>
+            </a:pPr>
+            <a:r>
+              <a:rPr lang="en-US" sz="1200" dirty="0">
+                <a:solidFill>
+                  <a:srgbClr val="000000"/>
+                </a:solidFill>
+                <a:latin typeface="Arial"/>
+                <a:cs typeface="Arial"/>
+              </a:rPr>
+              <a:t>A</a:t>
+            </a:r>
+            <a:r>
+              <a:rPr kumimoji="0" lang="en-US" sz="1200" b="0" i="0" u="none" strike="noStrike" cap="none" spc="0" normalizeH="0" baseline="0" dirty="0">
+                <a:ln>
+                  <a:noFill/>
+                </a:ln>
+                <a:solidFill>
+                  <a:srgbClr val="000000"/>
+                </a:solidFill>
+                <a:effectLst/>
+                <a:uFillTx/>
+                <a:latin typeface="Arial"/>
+                <a:ea typeface="+mn-ea"/>
+                <a:cs typeface="Arial"/>
+                <a:sym typeface="Helvetica Light"/>
+              </a:rPr>
+              <a:t>uthors</a:t>
+            </a:r>
+          </a:p>
+        </p:txBody>
+      </p:sp>
+      <p:pic>
+        <p:nvPicPr>
+          <p:cNvPr id="107" name="Picture 106"/>
+          <p:cNvPicPr>
+            <a:picLocks noChangeAspect="1"/>
+          </p:cNvPicPr>
+          <p:nvPr/>
+        </p:nvPicPr>
+        <p:blipFill>
+          <a:blip r:embed="rId6"/>
+          <a:stretch>
+            <a:fillRect/>
+          </a:stretch>
+        </p:blipFill>
+        <p:spPr>
+          <a:xfrm>
+            <a:off x="5227279" y="2872394"/>
+            <a:ext cx="695118" cy="425181"/>
+          </a:xfrm>
+          <a:prstGeom prst="rect">
+            <a:avLst/>
+          </a:prstGeom>
+        </p:spPr>
+      </p:pic>
+      <p:sp>
+        <p:nvSpPr>
+          <p:cNvPr id="117" name="TextBox 116"/>
+          <p:cNvSpPr txBox="1"/>
+          <p:nvPr/>
+        </p:nvSpPr>
+        <p:spPr>
+          <a:xfrm>
+            <a:off x="2996444" y="5679606"/>
+            <a:ext cx="1365428" cy="264013"/>
+          </a:xfrm>
+          <a:prstGeom prst="rect">
+            <a:avLst/>
+          </a:prstGeom>
+          <a:noFill/>
+          <a:ln w="3175" cap="flat">
+            <a:noFill/>
+            <a:miter lim="400000"/>
+          </a:ln>
+          <a:effectLst/>
+        </p:spPr>
+        <p:style>
+          <a:lnRef idx="0">
+            <a:scrgbClr r="0" g="0" b="0"/>
+          </a:lnRef>
+          <a:fillRef idx="0">
+            <a:scrgbClr r="0" g="0" b="0"/>
+          </a:fillRef>
+          <a:effectRef idx="0">
+            <a:scrgbClr r="0" g="0" b="0"/>
+          </a:effectRef>
+          <a:fontRef idx="none"/>
+        </p:style>
+        <p:txBody>
+          <a:bodyPr rot="0" spcFirstLastPara="1" vertOverflow="overflow" horzOverflow="overflow" vert="horz" wrap="square" lIns="39290" tIns="39290" rIns="39290" bIns="39290" numCol="1" spcCol="38100" rtlCol="0" anchor="ctr">
+            <a:spAutoFit/>
+          </a:bodyPr>
+          <a:lstStyle/>
+          <a:p>
+            <a:pPr rtl="0" latinLnBrk="1" hangingPunct="0"/>
+            <a:r>
+              <a:rPr lang="en-US" sz="1200" dirty="0">
+                <a:solidFill>
+                  <a:srgbClr val="000000"/>
+                </a:solidFill>
+                <a:latin typeface="Arial"/>
+                <a:cs typeface="Arial"/>
+              </a:rPr>
+              <a:t>Web-App</a:t>
+            </a:r>
+          </a:p>
+        </p:txBody>
+      </p:sp>
+      <p:cxnSp>
+        <p:nvCxnSpPr>
+          <p:cNvPr id="118" name="Straight Arrow Connector 62"/>
+          <p:cNvCxnSpPr>
+            <a:cxnSpLocks/>
+          </p:cNvCxnSpPr>
+          <p:nvPr/>
+        </p:nvCxnSpPr>
+        <p:spPr>
+          <a:xfrm>
+            <a:off x="2102902" y="3967369"/>
+            <a:ext cx="1249890" cy="1279001"/>
+          </a:xfrm>
+          <a:prstGeom prst="straightConnector1">
+            <a:avLst/>
+          </a:prstGeom>
+          <a:noFill/>
+          <a:ln w="12700" cap="flat" cmpd="sng">
+            <a:solidFill>
+              <a:schemeClr val="bg1">
+                <a:lumMod val="85000"/>
+              </a:schemeClr>
+            </a:solidFill>
+            <a:prstDash val="solid"/>
+            <a:miter lim="400000"/>
+            <a:headEnd type="none"/>
+            <a:tailEnd type="none"/>
+          </a:ln>
+          <a:effectLst/>
+        </p:spPr>
+        <p:style>
+          <a:lnRef idx="0">
+            <a:scrgbClr r="0" g="0" b="0"/>
+          </a:lnRef>
+          <a:fillRef idx="0">
+            <a:scrgbClr r="0" g="0" b="0"/>
+          </a:fillRef>
+          <a:effectRef idx="0">
+            <a:scrgbClr r="0" g="0" b="0"/>
+          </a:effectRef>
+          <a:fontRef idx="none"/>
+        </p:style>
+      </p:cxnSp>
+      <p:pic>
+        <p:nvPicPr>
+          <p:cNvPr id="232" name="Picture 231"/>
+          <p:cNvPicPr>
+            <a:picLocks noChangeAspect="1"/>
+          </p:cNvPicPr>
+          <p:nvPr/>
+        </p:nvPicPr>
+        <p:blipFill>
+          <a:blip r:embed="rId7"/>
+          <a:stretch>
+            <a:fillRect/>
+          </a:stretch>
+        </p:blipFill>
+        <p:spPr>
+          <a:xfrm>
+            <a:off x="3193422" y="4710185"/>
+            <a:ext cx="307414" cy="348208"/>
+          </a:xfrm>
+          <a:prstGeom prst="rect">
+            <a:avLst/>
+          </a:prstGeom>
+        </p:spPr>
+      </p:pic>
+      <p:grpSp>
+        <p:nvGrpSpPr>
+          <p:cNvPr id="22" name="Group 21"/>
+          <p:cNvGrpSpPr/>
+          <p:nvPr/>
+        </p:nvGrpSpPr>
+        <p:grpSpPr>
+          <a:xfrm>
+            <a:off x="3347757" y="4959873"/>
+            <a:ext cx="707235" cy="707233"/>
+            <a:chOff x="555452" y="2050875"/>
+            <a:chExt cx="707235" cy="707233"/>
+          </a:xfrm>
+        </p:grpSpPr>
+        <p:sp>
+          <p:nvSpPr>
+            <p:cNvPr id="110" name="Shape 339"/>
+            <p:cNvSpPr/>
+            <p:nvPr/>
+          </p:nvSpPr>
+          <p:spPr>
+            <a:xfrm>
+              <a:off x="555452" y="2050875"/>
+              <a:ext cx="707235" cy="707233"/>
+            </a:xfrm>
+            <a:custGeom>
+              <a:avLst/>
+              <a:gdLst/>
+              <a:ahLst/>
+              <a:cxnLst>
+                <a:cxn ang="0">
+                  <a:pos x="wd2" y="hd2"/>
+                </a:cxn>
+                <a:cxn ang="5400000">
+                  <a:pos x="wd2" y="hd2"/>
+                </a:cxn>
+                <a:cxn ang="10800000">
+                  <a:pos x="wd2" y="hd2"/>
+                </a:cxn>
+                <a:cxn ang="16200000">
+                  <a:pos x="wd2" y="hd2"/>
+                </a:cxn>
+              </a:cxnLst>
+              <a:rect l="0" t="0" r="r" b="b"/>
+              <a:pathLst>
+                <a:path w="19679" h="19679" extrusionOk="0">
+                  <a:moveTo>
+                    <a:pt x="16796" y="2882"/>
+                  </a:moveTo>
+                  <a:cubicBezTo>
+                    <a:pt x="20639" y="6724"/>
+                    <a:pt x="20639" y="12954"/>
+                    <a:pt x="16796" y="16796"/>
+                  </a:cubicBezTo>
+                  <a:cubicBezTo>
+                    <a:pt x="12954" y="20639"/>
+                    <a:pt x="6724" y="20639"/>
+                    <a:pt x="2882" y="16796"/>
+                  </a:cubicBezTo>
+                  <a:cubicBezTo>
+                    <a:pt x="-961" y="12954"/>
+                    <a:pt x="-961" y="6724"/>
+                    <a:pt x="2882" y="2882"/>
+                  </a:cubicBezTo>
+                  <a:cubicBezTo>
+                    <a:pt x="6724" y="-961"/>
+                    <a:pt x="12954" y="-961"/>
+                    <a:pt x="16796" y="2882"/>
+                  </a:cubicBezTo>
+                  <a:close/>
+                </a:path>
+              </a:pathLst>
+            </a:custGeom>
+            <a:solidFill>
+              <a:srgbClr val="325C80"/>
+            </a:solidFill>
+            <a:ln w="3175" cap="flat">
+              <a:noFill/>
+              <a:miter lim="400000"/>
+            </a:ln>
+            <a:effectLst/>
+          </p:spPr>
+          <p:txBody>
+            <a:bodyPr wrap="square" lIns="0" tIns="0" rIns="0" bIns="0" numCol="1" anchor="ctr">
+              <a:noAutofit/>
+            </a:bodyPr>
+            <a:lstStyle/>
+            <a:p>
+              <a:pPr lvl="0">
+                <a:defRPr sz="1800">
+                  <a:solidFill>
+                    <a:srgbClr val="FFFFFF"/>
+                  </a:solidFill>
+                </a:defRPr>
+              </a:pPr>
+              <a:endParaRPr/>
+            </a:p>
+          </p:txBody>
+        </p:sp>
+        <p:pic>
+          <p:nvPicPr>
+            <p:cNvPr id="111" name="_-41.png"/>
+            <p:cNvPicPr/>
+            <p:nvPr/>
+          </p:nvPicPr>
+          <p:blipFill>
+            <a:blip r:embed="rId8"/>
+            <a:srcRect l="21704" t="15445" r="21704" b="15445"/>
+            <a:stretch>
+              <a:fillRect/>
+            </a:stretch>
+          </p:blipFill>
+          <p:spPr>
+            <a:xfrm>
+              <a:off x="712289" y="2169320"/>
+              <a:ext cx="400239" cy="488767"/>
+            </a:xfrm>
+            <a:prstGeom prst="rect">
+              <a:avLst/>
+            </a:prstGeom>
+            <a:ln w="3175" cap="flat">
+              <a:noFill/>
+              <a:miter lim="400000"/>
+            </a:ln>
+            <a:effectLst/>
+          </p:spPr>
+        </p:pic>
+      </p:grpSp>
+      <p:pic>
+        <p:nvPicPr>
+          <p:cNvPr id="84" name="Picture 83"/>
+          <p:cNvPicPr>
+            <a:picLocks noChangeAspect="1"/>
+          </p:cNvPicPr>
+          <p:nvPr/>
+        </p:nvPicPr>
+        <p:blipFill>
+          <a:blip r:embed="rId5"/>
+          <a:stretch>
+            <a:fillRect/>
+          </a:stretch>
+        </p:blipFill>
+        <p:spPr>
+          <a:xfrm>
+            <a:off x="5229846" y="1407112"/>
+            <a:ext cx="831816" cy="524254"/>
+          </a:xfrm>
+          <a:prstGeom prst="rect">
+            <a:avLst/>
+          </a:prstGeom>
+        </p:spPr>
+      </p:pic>
+      <p:grpSp>
+        <p:nvGrpSpPr>
+          <p:cNvPr id="63" name="Group 62"/>
+          <p:cNvGrpSpPr/>
+          <p:nvPr/>
+        </p:nvGrpSpPr>
+        <p:grpSpPr>
+          <a:xfrm>
+            <a:off x="5597870" y="1773737"/>
+            <a:ext cx="707233" cy="707233"/>
+            <a:chOff x="600270" y="3372960"/>
+            <a:chExt cx="707233" cy="707233"/>
+          </a:xfrm>
+        </p:grpSpPr>
+        <p:sp>
+          <p:nvSpPr>
+            <p:cNvPr id="70" name="Shape 298"/>
+            <p:cNvSpPr/>
+            <p:nvPr/>
+          </p:nvSpPr>
+          <p:spPr>
+            <a:xfrm>
+              <a:off x="600270" y="3372960"/>
+              <a:ext cx="707233" cy="707233"/>
+            </a:xfrm>
+            <a:custGeom>
+              <a:avLst/>
+              <a:gdLst/>
+              <a:ahLst/>
+              <a:cxnLst>
+                <a:cxn ang="0">
+                  <a:pos x="wd2" y="hd2"/>
+                </a:cxn>
+                <a:cxn ang="5400000">
+                  <a:pos x="wd2" y="hd2"/>
+                </a:cxn>
+                <a:cxn ang="10800000">
+                  <a:pos x="wd2" y="hd2"/>
+                </a:cxn>
+                <a:cxn ang="16200000">
+                  <a:pos x="wd2" y="hd2"/>
+                </a:cxn>
+              </a:cxnLst>
+              <a:rect l="0" t="0" r="r" b="b"/>
+              <a:pathLst>
+                <a:path w="19679" h="19679" extrusionOk="0">
+                  <a:moveTo>
+                    <a:pt x="16796" y="2882"/>
+                  </a:moveTo>
+                  <a:cubicBezTo>
+                    <a:pt x="20639" y="6724"/>
+                    <a:pt x="20639" y="12954"/>
+                    <a:pt x="16796" y="16796"/>
+                  </a:cubicBezTo>
+                  <a:cubicBezTo>
+                    <a:pt x="12954" y="20639"/>
+                    <a:pt x="6724" y="20639"/>
+                    <a:pt x="2882" y="16796"/>
+                  </a:cubicBezTo>
+                  <a:cubicBezTo>
+                    <a:pt x="-961" y="12954"/>
+                    <a:pt x="-961" y="6724"/>
+                    <a:pt x="2882" y="2882"/>
+                  </a:cubicBezTo>
+                  <a:cubicBezTo>
+                    <a:pt x="6724" y="-961"/>
+                    <a:pt x="12954" y="-961"/>
+                    <a:pt x="16796" y="2882"/>
+                  </a:cubicBezTo>
+                  <a:close/>
+                </a:path>
+              </a:pathLst>
+            </a:custGeom>
+            <a:solidFill>
+              <a:srgbClr val="8BC831"/>
+            </a:solidFill>
+            <a:ln w="3175" cap="flat">
+              <a:noFill/>
+              <a:miter lim="400000"/>
+            </a:ln>
+            <a:effectLst/>
+          </p:spPr>
+          <p:txBody>
+            <a:bodyPr wrap="square" lIns="0" tIns="0" rIns="0" bIns="0" numCol="1" anchor="ctr">
+              <a:noAutofit/>
+            </a:bodyPr>
+            <a:lstStyle/>
+            <a:p>
+              <a:pPr lvl="0">
+                <a:defRPr sz="1800">
+                  <a:solidFill>
+                    <a:srgbClr val="FFFFFF"/>
+                  </a:solidFill>
+                </a:defRPr>
+              </a:pPr>
+              <a:endParaRPr/>
+            </a:p>
+          </p:txBody>
+        </p:sp>
+        <p:pic>
+          <p:nvPicPr>
+            <p:cNvPr id="76" name="Picture 75"/>
+            <p:cNvPicPr>
+              <a:picLocks noChangeAspect="1"/>
+            </p:cNvPicPr>
+            <p:nvPr/>
+          </p:nvPicPr>
+          <p:blipFill>
+            <a:blip r:embed="rId9">
+              <a:extLst>
+                <a:ext uri="{28A0092B-C50C-407E-A947-70E740481C1C}">
+                  <a14:useLocalDpi xmlns:a14="http://schemas.microsoft.com/office/drawing/2010/main" val="0"/>
+                </a:ext>
+              </a:extLst>
             </a:blip>
+            <a:stretch>
+              <a:fillRect/>
+            </a:stretch>
+          </p:blipFill>
+          <p:spPr>
+            <a:xfrm>
+              <a:off x="805885" y="3465709"/>
+              <a:ext cx="292608" cy="445008"/>
+            </a:xfrm>
+            <a:prstGeom prst="rect">
+              <a:avLst/>
+            </a:prstGeom>
+          </p:spPr>
+        </p:pic>
+      </p:grpSp>
+      <p:grpSp>
+        <p:nvGrpSpPr>
+          <p:cNvPr id="65" name="Group 64"/>
+          <p:cNvGrpSpPr/>
+          <p:nvPr/>
+        </p:nvGrpSpPr>
+        <p:grpSpPr>
+          <a:xfrm>
+            <a:off x="1500579" y="3260135"/>
+            <a:ext cx="707233" cy="707234"/>
+            <a:chOff x="3587103" y="3636248"/>
+            <a:chExt cx="707233" cy="707234"/>
+          </a:xfrm>
+        </p:grpSpPr>
+        <p:sp>
+          <p:nvSpPr>
+            <p:cNvPr id="66" name="Shape 529"/>
+            <p:cNvSpPr/>
+            <p:nvPr/>
+          </p:nvSpPr>
+          <p:spPr>
+            <a:xfrm>
+              <a:off x="3587103" y="3636248"/>
+              <a:ext cx="707233" cy="707234"/>
+            </a:xfrm>
+            <a:custGeom>
+              <a:avLst/>
+              <a:gdLst/>
+              <a:ahLst/>
+              <a:cxnLst>
+                <a:cxn ang="0">
+                  <a:pos x="wd2" y="hd2"/>
+                </a:cxn>
+                <a:cxn ang="5400000">
+                  <a:pos x="wd2" y="hd2"/>
+                </a:cxn>
+                <a:cxn ang="10800000">
+                  <a:pos x="wd2" y="hd2"/>
+                </a:cxn>
+                <a:cxn ang="16200000">
+                  <a:pos x="wd2" y="hd2"/>
+                </a:cxn>
+              </a:cxnLst>
+              <a:rect l="0" t="0" r="r" b="b"/>
+              <a:pathLst>
+                <a:path w="19679" h="19679" extrusionOk="0">
+                  <a:moveTo>
+                    <a:pt x="16796" y="2882"/>
+                  </a:moveTo>
+                  <a:cubicBezTo>
+                    <a:pt x="20639" y="6724"/>
+                    <a:pt x="20639" y="12954"/>
+                    <a:pt x="16796" y="16796"/>
+                  </a:cubicBezTo>
+                  <a:cubicBezTo>
+                    <a:pt x="12954" y="20639"/>
+                    <a:pt x="6724" y="20639"/>
+                    <a:pt x="2882" y="16796"/>
+                  </a:cubicBezTo>
+                  <a:cubicBezTo>
+                    <a:pt x="-961" y="12954"/>
+                    <a:pt x="-961" y="6724"/>
+                    <a:pt x="2882" y="2882"/>
+                  </a:cubicBezTo>
+                  <a:cubicBezTo>
+                    <a:pt x="6724" y="-961"/>
+                    <a:pt x="12954" y="-961"/>
+                    <a:pt x="16796" y="2882"/>
+                  </a:cubicBezTo>
+                  <a:close/>
+                </a:path>
+              </a:pathLst>
+            </a:custGeom>
+            <a:solidFill>
+              <a:srgbClr val="196970"/>
+            </a:solidFill>
+            <a:ln w="3175" cap="flat">
+              <a:noFill/>
+              <a:miter lim="400000"/>
+            </a:ln>
+            <a:effectLst/>
+          </p:spPr>
+          <p:txBody>
+            <a:bodyPr wrap="square" lIns="0" tIns="0" rIns="0" bIns="0" numCol="1" anchor="ctr">
+              <a:noAutofit/>
+            </a:bodyPr>
+            <a:lstStyle/>
+            <a:p>
+              <a:pPr lvl="0">
+                <a:defRPr sz="1800">
+                  <a:solidFill>
+                    <a:srgbClr val="FFFFFF"/>
+                  </a:solidFill>
+                </a:defRPr>
+              </a:pPr>
+              <a:endParaRPr/>
+            </a:p>
+          </p:txBody>
+        </p:sp>
+        <p:pic>
+          <p:nvPicPr>
+            <p:cNvPr id="67" name="_-47.png"/>
+            <p:cNvPicPr/>
+            <p:nvPr/>
+          </p:nvPicPr>
+          <p:blipFill>
+            <a:blip r:embed="rId10"/>
             <a:srcRect l="17032" t="20462" r="17032" b="20462"/>
             <a:stretch>
               <a:fillRect/>

--- a/workshop/images/architecture.pptx
+++ b/workshop/images/architecture.pptx
@@ -9043,6 +9043,16 @@
           <a:p>
             <a:pPr rtl="0" latinLnBrk="1" hangingPunct="0"/>
             <a:r>
+              <a:rPr lang="en-US" sz="1200" dirty="0" err="1">
+                <a:solidFill>
+                  <a:srgbClr val="000000"/>
+                </a:solidFill>
+                <a:latin typeface="Arial"/>
+                <a:cs typeface="Arial"/>
+              </a:rPr>
+              <a:t>Istio</a:t>
+            </a:r>
+            <a:r>
               <a:rPr lang="en-US" sz="1200" dirty="0">
                 <a:solidFill>
                   <a:srgbClr val="000000"/>
@@ -9050,7 +9060,7 @@
                 <a:latin typeface="Arial"/>
                 <a:cs typeface="Arial"/>
               </a:rPr>
-              <a:t>Ingress</a:t>
+              <a:t> Ingress</a:t>
             </a:r>
           </a:p>
         </p:txBody>

--- a/workshop/images/architecture.pptx
+++ b/workshop/images/architecture.pptx
@@ -2904,7 +2904,7 @@
           <a:lstStyle/>
           <a:p>
             <a:pPr algn="ctr"/>
-            <a:endParaRPr lang="en-US" sz="1800">
+            <a:endParaRPr lang="en-US" sz="1800" dirty="0">
               <a:solidFill>
                 <a:srgbClr val="4277BB"/>
               </a:solidFill>
@@ -2944,7 +2944,7 @@
           <a:lstStyle/>
           <a:p>
             <a:pPr algn="ctr"/>
-            <a:endParaRPr lang="en-US" sz="1800">
+            <a:endParaRPr lang="en-US" sz="1800" dirty="0">
               <a:solidFill>
                 <a:srgbClr val="4277BB"/>
               </a:solidFill>
@@ -3272,7 +3272,7 @@
               <a:tabLst/>
             </a:pPr>
             <a:r>
-              <a:rPr kumimoji="0" lang="en-US" sz="1600" b="1" i="0" u="none" strike="noStrike" cap="none" spc="0" normalizeH="0" baseline="0" dirty="0" err="1">
+              <a:rPr kumimoji="0" lang="en-US" sz="1600" b="1" i="0" u="none" strike="noStrike" cap="none" spc="0" normalizeH="0" baseline="0" dirty="0">
                 <a:ln>
                   <a:noFill/>
                 </a:ln>
@@ -3288,20 +3288,6 @@
               </a:rPr>
               <a:t>Istio</a:t>
             </a:r>
-            <a:endParaRPr kumimoji="0" lang="en-US" sz="1600" b="1" i="0" u="none" strike="noStrike" cap="none" spc="0" normalizeH="0" baseline="0" dirty="0">
-              <a:ln>
-                <a:noFill/>
-              </a:ln>
-              <a:solidFill>
-                <a:srgbClr val="000000"/>
-              </a:solidFill>
-              <a:effectLst/>
-              <a:uFillTx/>
-              <a:latin typeface="+mn-lt"/>
-              <a:ea typeface="+mn-ea"/>
-              <a:cs typeface="+mn-cs"/>
-              <a:sym typeface="Helvetica Light"/>
-            </a:endParaRPr>
           </a:p>
         </p:txBody>
       </p:sp>
@@ -3407,14 +3393,14 @@
               <a:tabLst/>
             </a:pPr>
             <a:r>
-              <a:rPr lang="en-US" sz="1600" b="1" dirty="0">
+              <a:rPr lang="en-US" sz="1600" b="1">
                 <a:solidFill>
                   <a:srgbClr val="000000"/>
                 </a:solidFill>
               </a:rPr>
               <a:t>Cluster</a:t>
             </a:r>
-            <a:endParaRPr kumimoji="0" lang="en-US" sz="1050" b="1" i="0" u="none" strike="noStrike" cap="none" spc="0" normalizeH="0" baseline="0" dirty="0">
+            <a:endParaRPr kumimoji="0" lang="en-US" sz="1050" b="1" i="0" u="none" strike="noStrike" cap="none" spc="0" normalizeH="0" baseline="0">
               <a:ln>
                 <a:noFill/>
               </a:ln>
@@ -3680,7 +3666,7 @@
               <a:tabLst/>
             </a:pPr>
             <a:r>
-              <a:rPr kumimoji="0" lang="en-US" sz="2800" b="1" i="0" u="none" strike="noStrike" cap="none" spc="0" normalizeH="0" baseline="0" dirty="0">
+              <a:rPr kumimoji="0" lang="en-US" sz="2800" b="1" i="0" u="none" strike="noStrike" cap="none" spc="0" normalizeH="0" baseline="0">
                 <a:ln>
                   <a:noFill/>
                 </a:ln>
@@ -3761,7 +3747,7 @@
               <a:tabLst/>
             </a:pPr>
             <a:r>
-              <a:rPr kumimoji="0" lang="en-US" sz="2800" b="1" i="0" u="none" strike="noStrike" cap="none" spc="0" normalizeH="0" baseline="0" dirty="0">
+              <a:rPr kumimoji="0" lang="en-US" sz="2800" b="1" i="0" u="none" strike="noStrike" cap="none" spc="0" normalizeH="0" baseline="0">
                 <a:ln>
                   <a:noFill/>
                 </a:ln>
@@ -3842,7 +3828,7 @@
               <a:tabLst/>
             </a:pPr>
             <a:r>
-              <a:rPr kumimoji="0" lang="en-US" sz="2000" b="1" i="0" u="none" strike="noStrike" cap="none" spc="0" normalizeH="0" baseline="0" dirty="0">
+              <a:rPr kumimoji="0" lang="en-US" sz="2000" b="1" i="0" u="none" strike="noStrike" cap="none" spc="0" normalizeH="0" baseline="0">
                 <a:ln>
                   <a:noFill/>
                 </a:ln>
@@ -3859,7 +3845,7 @@
               <a:t>Build</a:t>
             </a:r>
             <a:r>
-              <a:rPr kumimoji="0" lang="en-US" sz="2000" b="0" i="0" u="none" strike="noStrike" cap="none" spc="0" normalizeH="0" baseline="0" dirty="0">
+              <a:rPr kumimoji="0" lang="en-US" sz="2000" b="0" i="0" u="none" strike="noStrike" cap="none" spc="0" normalizeH="0" baseline="0">
                 <a:ln>
                   <a:noFill/>
                 </a:ln>
@@ -3894,7 +3880,7 @@
               <a:tabLst/>
             </a:pPr>
             <a:r>
-              <a:rPr kumimoji="0" lang="en-US" sz="2000" b="1" i="0" u="none" strike="noStrike" cap="none" spc="0" normalizeH="0" baseline="0" dirty="0">
+              <a:rPr kumimoji="0" lang="en-US" sz="2000" b="1" i="0" u="none" strike="noStrike" cap="none" spc="0" normalizeH="0" baseline="0">
                 <a:ln>
                   <a:noFill/>
                 </a:ln>
@@ -3911,7 +3897,7 @@
               <a:t>store</a:t>
             </a:r>
             <a:r>
-              <a:rPr kumimoji="0" lang="en-US" sz="2000" b="0" i="0" u="none" strike="noStrike" cap="none" spc="0" normalizeH="0" baseline="0" dirty="0">
+              <a:rPr kumimoji="0" lang="en-US" sz="2000" b="0" i="0" u="none" strike="noStrike" cap="none" spc="0" normalizeH="0" baseline="0">
                 <a:ln>
                   <a:noFill/>
                 </a:ln>
@@ -3928,7 +3914,7 @@
               <a:t> the </a:t>
             </a:r>
             <a:br>
-              <a:rPr kumimoji="0" lang="en-US" sz="2000" b="0" i="0" u="none" strike="noStrike" cap="none" spc="0" normalizeH="0" baseline="0" dirty="0">
+              <a:rPr kumimoji="0" lang="en-US" sz="2000" b="0" i="0" u="none" strike="noStrike" cap="none" spc="0" normalizeH="0" baseline="0">
                 <a:ln>
                   <a:noFill/>
                 </a:ln>
@@ -3944,7 +3930,7 @@
               </a:rPr>
             </a:br>
             <a:r>
-              <a:rPr kumimoji="0" lang="en-US" sz="2000" b="0" i="0" u="none" strike="noStrike" cap="none" spc="0" normalizeH="0" baseline="0" dirty="0">
+              <a:rPr kumimoji="0" lang="en-US" sz="2000" b="0" i="0" u="none" strike="noStrike" cap="none" spc="0" normalizeH="0" baseline="0">
                 <a:ln>
                   <a:noFill/>
                 </a:ln>
@@ -4282,7 +4268,7 @@
               <a:tabLst/>
             </a:pPr>
             <a:r>
-              <a:rPr kumimoji="0" lang="en-US" sz="1800" b="1" i="0" u="none" strike="noStrike" cap="none" spc="0" normalizeH="0" baseline="0" dirty="0">
+              <a:rPr kumimoji="0" lang="en-US" sz="1800" b="1" i="0" u="none" strike="noStrike" cap="none" spc="0" normalizeH="0" baseline="0">
                 <a:ln>
                   <a:noFill/>
                 </a:ln>
@@ -4299,7 +4285,7 @@
               <a:t>Java microservice container</a:t>
             </a:r>
             <a:br>
-              <a:rPr kumimoji="0" lang="en-US" sz="1800" b="1" i="0" u="none" strike="noStrike" cap="none" spc="0" normalizeH="0" baseline="0" dirty="0">
+              <a:rPr kumimoji="0" lang="en-US" sz="1800" b="1" i="0" u="none" strike="noStrike" cap="none" spc="0" normalizeH="0" baseline="0">
                 <a:ln>
                   <a:noFill/>
                 </a:ln>
@@ -4315,7 +4301,7 @@
               </a:rPr>
             </a:br>
             <a:r>
-              <a:rPr kumimoji="0" lang="en-US" sz="1800" b="1" i="0" u="none" strike="noStrike" cap="none" spc="0" normalizeH="0" baseline="0" dirty="0">
+              <a:rPr kumimoji="0" lang="en-US" sz="1800" b="1" i="0" u="none" strike="noStrike" cap="none" spc="0" normalizeH="0" baseline="0">
                 <a:ln>
                   <a:noFill/>
                 </a:ln>
@@ -4396,7 +4382,7 @@
               <a:tabLst/>
             </a:pPr>
             <a:r>
-              <a:rPr kumimoji="0" lang="en-US" sz="1600" b="1" i="0" u="none" strike="noStrike" cap="none" spc="0" normalizeH="0" baseline="0" dirty="0" err="1">
+              <a:rPr kumimoji="0" lang="en-US" sz="1600" b="1" i="0" u="none" strike="noStrike" cap="none" spc="0" normalizeH="0" baseline="0" err="1">
                 <a:ln>
                   <a:noFill/>
                 </a:ln>
@@ -4413,7 +4399,7 @@
               <a:t>Node.JS</a:t>
             </a:r>
             <a:r>
-              <a:rPr kumimoji="0" lang="en-US" sz="1600" b="1" i="0" u="none" strike="noStrike" cap="none" spc="0" normalizeH="0" baseline="0" dirty="0">
+              <a:rPr kumimoji="0" lang="en-US" sz="1600" b="1" i="0" u="none" strike="noStrike" cap="none" spc="0" normalizeH="0" baseline="0">
                 <a:ln>
                   <a:noFill/>
                 </a:ln>
@@ -4430,7 +4416,7 @@
               <a:t> microservice container</a:t>
             </a:r>
             <a:br>
-              <a:rPr kumimoji="0" lang="en-US" sz="1600" b="1" i="0" u="none" strike="noStrike" cap="none" spc="0" normalizeH="0" baseline="0" dirty="0">
+              <a:rPr kumimoji="0" lang="en-US" sz="1600" b="1" i="0" u="none" strike="noStrike" cap="none" spc="0" normalizeH="0" baseline="0">
                 <a:ln>
                   <a:noFill/>
                 </a:ln>
@@ -4445,7 +4431,7 @@
                 <a:sym typeface="Helvetica Light"/>
               </a:rPr>
             </a:br>
-            <a:endParaRPr kumimoji="0" lang="en-US" sz="1600" b="1" i="0" u="none" strike="noStrike" cap="none" spc="0" normalizeH="0" baseline="0" dirty="0">
+            <a:endParaRPr kumimoji="0" lang="en-US" sz="1600" b="1" i="0" u="none" strike="noStrike" cap="none" spc="0" normalizeH="0" baseline="0">
               <a:ln>
                 <a:noFill/>
               </a:ln>
@@ -4607,14 +4593,14 @@
               <a:tabLst/>
             </a:pPr>
             <a:r>
-              <a:rPr lang="en-US" sz="1800" dirty="0">
+              <a:rPr lang="en-US" sz="1800">
                 <a:solidFill>
                   <a:srgbClr val="000000"/>
                 </a:solidFill>
               </a:rPr>
               <a:t>push</a:t>
             </a:r>
-            <a:endParaRPr kumimoji="0" lang="en-US" sz="1800" b="0" i="0" u="none" strike="noStrike" cap="none" spc="0" normalizeH="0" baseline="0" dirty="0">
+            <a:endParaRPr kumimoji="0" lang="en-US" sz="1800" b="0" i="0" u="none" strike="noStrike" cap="none" spc="0" normalizeH="0" baseline="0">
               <a:ln>
                 <a:noFill/>
               </a:ln>
@@ -4753,7 +4739,7 @@
                 <a:tabLst/>
               </a:pPr>
               <a:r>
-                <a:rPr kumimoji="0" lang="en-US" sz="2800" b="0" i="0" u="none" strike="noStrike" cap="none" spc="0" normalizeH="0" baseline="0" dirty="0">
+                <a:rPr kumimoji="0" lang="en-US" sz="2800" b="0" i="0" u="none" strike="noStrike" cap="none" spc="0" normalizeH="0" baseline="0">
                   <a:ln>
                     <a:noFill/>
                   </a:ln>
@@ -4898,14 +4884,14 @@
                 <a:tabLst/>
               </a:pPr>
               <a:r>
-                <a:rPr lang="en-US" dirty="0">
+                <a:rPr lang="en-US">
                   <a:solidFill>
                     <a:srgbClr val="000000"/>
                   </a:solidFill>
                 </a:rPr>
                 <a:t>2</a:t>
               </a:r>
-              <a:endParaRPr kumimoji="0" lang="en-US" sz="2800" b="0" i="0" u="none" strike="noStrike" cap="none" spc="0" normalizeH="0" baseline="0" dirty="0">
+              <a:endParaRPr kumimoji="0" lang="en-US" sz="2800" b="0" i="0" u="none" strike="noStrike" cap="none" spc="0" normalizeH="0" baseline="0">
                 <a:ln>
                   <a:noFill/>
                 </a:ln>
@@ -5145,7 +5131,7 @@
               <a:tabLst/>
             </a:pPr>
             <a:r>
-              <a:rPr lang="en-US" sz="1600" dirty="0">
+              <a:rPr lang="en-US" sz="1600">
                 <a:solidFill>
                   <a:srgbClr val="000000"/>
                 </a:solidFill>
@@ -5153,7 +5139,7 @@
               <a:t>P</a:t>
             </a:r>
             <a:r>
-              <a:rPr kumimoji="0" lang="en-US" sz="1600" b="0" i="0" u="none" strike="noStrike" cap="none" spc="0" normalizeH="0" baseline="0" dirty="0">
+              <a:rPr kumimoji="0" lang="en-US" sz="1600" b="0" i="0" u="none" strike="noStrike" cap="none" spc="0" normalizeH="0" baseline="0">
                 <a:ln>
                   <a:noFill/>
                 </a:ln>
@@ -5234,7 +5220,7 @@
               <a:tabLst/>
             </a:pPr>
             <a:r>
-              <a:rPr lang="en-US" sz="1600" dirty="0">
+              <a:rPr lang="en-US" sz="1600">
                 <a:solidFill>
                   <a:srgbClr val="000000"/>
                 </a:solidFill>
@@ -5242,7 +5228,7 @@
               <a:t>P</a:t>
             </a:r>
             <a:r>
-              <a:rPr kumimoji="0" lang="en-US" sz="1600" b="0" i="0" u="none" strike="noStrike" cap="none" spc="0" normalizeH="0" baseline="0" dirty="0">
+              <a:rPr kumimoji="0" lang="en-US" sz="1600" b="0" i="0" u="none" strike="noStrike" cap="none" spc="0" normalizeH="0" baseline="0">
                 <a:ln>
                   <a:noFill/>
                 </a:ln>
@@ -5323,7 +5309,7 @@
               <a:tabLst/>
             </a:pPr>
             <a:r>
-              <a:rPr lang="en-US" sz="1600" dirty="0">
+              <a:rPr lang="en-US" sz="1600">
                 <a:solidFill>
                   <a:srgbClr val="000000"/>
                 </a:solidFill>
@@ -5331,7 +5317,7 @@
               <a:t>P</a:t>
             </a:r>
             <a:r>
-              <a:rPr kumimoji="0" lang="en-US" sz="1600" b="0" i="0" u="none" strike="noStrike" cap="none" spc="0" normalizeH="0" baseline="0" dirty="0">
+              <a:rPr kumimoji="0" lang="en-US" sz="1600" b="0" i="0" u="none" strike="noStrike" cap="none" spc="0" normalizeH="0" baseline="0">
                 <a:ln>
                   <a:noFill/>
                 </a:ln>
@@ -5412,7 +5398,7 @@
               <a:tabLst/>
             </a:pPr>
             <a:r>
-              <a:rPr kumimoji="0" lang="en-US" sz="1600" b="1" i="0" u="none" strike="noStrike" cap="none" spc="0" normalizeH="0" baseline="0" dirty="0">
+              <a:rPr kumimoji="0" lang="en-US" sz="1600" b="1" i="0" u="none" strike="noStrike" cap="none" spc="0" normalizeH="0" baseline="0">
                 <a:ln>
                   <a:noFill/>
                 </a:ln>
@@ -5429,7 +5415,7 @@
               <a:t>articles</a:t>
             </a:r>
             <a:br>
-              <a:rPr kumimoji="0" lang="en-US" sz="1600" b="1" i="0" u="none" strike="noStrike" cap="none" spc="0" normalizeH="0" baseline="0" dirty="0">
+              <a:rPr kumimoji="0" lang="en-US" sz="1600" b="1" i="0" u="none" strike="noStrike" cap="none" spc="0" normalizeH="0" baseline="0">
                 <a:ln>
                   <a:noFill/>
                 </a:ln>
@@ -5445,7 +5431,7 @@
               </a:rPr>
             </a:br>
             <a:r>
-              <a:rPr kumimoji="0" lang="en-US" sz="1050" b="1" i="0" u="none" strike="noStrike" cap="none" spc="0" normalizeH="0" baseline="0" dirty="0">
+              <a:rPr kumimoji="0" lang="en-US" sz="1050" b="1" i="0" u="none" strike="noStrike" cap="none" spc="0" normalizeH="0" baseline="0">
                 <a:ln>
                   <a:noFill/>
                 </a:ln>
@@ -5511,7 +5497,7 @@
           <a:p>
             <a:pPr rtl="0" latinLnBrk="1" hangingPunct="0"/>
             <a:r>
-              <a:rPr lang="en-US" sz="1600" b="1" dirty="0">
+              <a:rPr lang="en-US" sz="1600" b="1">
                 <a:solidFill>
                   <a:srgbClr val="000000"/>
                 </a:solidFill>
@@ -5519,14 +5505,14 @@
               <a:t>authors </a:t>
             </a:r>
             <a:r>
-              <a:rPr lang="en-US" sz="1050" b="1" dirty="0">
+              <a:rPr lang="en-US" sz="1050" b="1">
                 <a:solidFill>
                   <a:srgbClr val="000000"/>
                 </a:solidFill>
               </a:rPr>
               <a:t>micro-service</a:t>
             </a:r>
-            <a:endParaRPr kumimoji="0" lang="en-US" sz="1050" b="1" i="0" u="none" strike="noStrike" cap="none" spc="0" normalizeH="0" baseline="0" dirty="0">
+            <a:endParaRPr kumimoji="0" lang="en-US" sz="1050" b="1" i="0" u="none" strike="noStrike" cap="none" spc="0" normalizeH="0" baseline="0">
               <a:ln>
                 <a:noFill/>
               </a:ln>
@@ -5605,7 +5591,7 @@
               <a:tabLst/>
             </a:pPr>
             <a:r>
-              <a:rPr lang="en-US" sz="1600" b="1" dirty="0">
+              <a:rPr lang="en-US" sz="1600" b="1">
                 <a:solidFill>
                   <a:srgbClr val="000000"/>
                 </a:solidFill>
@@ -5613,7 +5599,7 @@
               <a:t>w</a:t>
             </a:r>
             <a:r>
-              <a:rPr kumimoji="0" lang="en-US" sz="1600" b="1" i="0" u="none" strike="noStrike" cap="none" spc="0" normalizeH="0" baseline="0" dirty="0">
+              <a:rPr kumimoji="0" lang="en-US" sz="1600" b="1" i="0" u="none" strike="noStrike" cap="none" spc="0" normalizeH="0" baseline="0">
                 <a:ln>
                   <a:noFill/>
                 </a:ln>
@@ -5633,14 +5619,14 @@
           <a:p>
             <a:pPr rtl="0" latinLnBrk="1" hangingPunct="0"/>
             <a:r>
-              <a:rPr lang="en-US" sz="1050" b="1" dirty="0">
+              <a:rPr lang="en-US" sz="1050" b="1">
                 <a:solidFill>
                   <a:srgbClr val="000000"/>
                 </a:solidFill>
               </a:rPr>
               <a:t>micro-service</a:t>
             </a:r>
-            <a:endParaRPr kumimoji="0" lang="en-US" sz="1050" b="1" i="0" u="none" strike="noStrike" cap="none" spc="0" normalizeH="0" baseline="0" dirty="0">
+            <a:endParaRPr kumimoji="0" lang="en-US" sz="1050" b="1" i="0" u="none" strike="noStrike" cap="none" spc="0" normalizeH="0" baseline="0">
               <a:ln>
                 <a:noFill/>
               </a:ln>
@@ -5881,14 +5867,14 @@
               <a:tabLst/>
             </a:pPr>
             <a:r>
-              <a:rPr lang="en-US" sz="1600" b="1" dirty="0">
+              <a:rPr lang="en-US" sz="1600" b="1">
                 <a:solidFill>
                   <a:srgbClr val="000000"/>
                 </a:solidFill>
               </a:rPr>
               <a:t>Cluster</a:t>
             </a:r>
-            <a:endParaRPr kumimoji="0" lang="en-US" sz="1050" b="1" i="0" u="none" strike="noStrike" cap="none" spc="0" normalizeH="0" baseline="0" dirty="0">
+            <a:endParaRPr kumimoji="0" lang="en-US" sz="1050" b="1" i="0" u="none" strike="noStrike" cap="none" spc="0" normalizeH="0" baseline="0">
               <a:ln>
                 <a:noFill/>
               </a:ln>
@@ -6073,7 +6059,7 @@
                 <a:tabLst/>
               </a:pPr>
               <a:r>
-                <a:rPr kumimoji="0" lang="en-US" sz="2800" b="0" i="0" u="none" strike="noStrike" cap="none" spc="0" normalizeH="0" baseline="0" dirty="0">
+                <a:rPr kumimoji="0" lang="en-US" sz="2800" b="0" i="0" u="none" strike="noStrike" cap="none" spc="0" normalizeH="0" baseline="0">
                   <a:ln>
                     <a:noFill/>
                   </a:ln>
@@ -6155,7 +6141,7 @@
               <a:tabLst/>
             </a:pPr>
             <a:r>
-              <a:rPr lang="en-US" sz="1800" dirty="0">
+              <a:rPr lang="en-US" sz="1800">
                 <a:solidFill>
                   <a:srgbClr val="000000"/>
                 </a:solidFill>
@@ -6163,7 +6149,7 @@
               <a:t>d</a:t>
             </a:r>
             <a:r>
-              <a:rPr kumimoji="0" lang="en-US" sz="1800" b="0" i="0" u="none" strike="noStrike" cap="none" spc="0" normalizeH="0" baseline="0" dirty="0">
+              <a:rPr kumimoji="0" lang="en-US" sz="1800" b="0" i="0" u="none" strike="noStrike" cap="none" spc="0" normalizeH="0" baseline="0">
                 <a:ln>
                   <a:noFill/>
                 </a:ln>
@@ -6382,7 +6368,7 @@
               </a:defRPr>
             </a:pPr>
             <a:r>
-              <a:rPr lang="de-DE" sz="1600" b="1" dirty="0">
+              <a:rPr lang="de-DE" sz="1600" b="1">
                 <a:solidFill>
                   <a:srgbClr val="000000"/>
                 </a:solidFill>
@@ -6391,7 +6377,7 @@
               </a:rPr>
               <a:t>Kubernetes with Istio</a:t>
             </a:r>
-            <a:endParaRPr sz="1600" dirty="0">
+            <a:endParaRPr sz="1600">
               <a:solidFill>
                 <a:srgbClr val="000000"/>
               </a:solidFill>
@@ -6466,7 +6452,7 @@
           <a:p>
             <a:pPr rtl="0" latinLnBrk="1" hangingPunct="0"/>
             <a:r>
-              <a:rPr lang="en-US" sz="1200" dirty="0">
+              <a:rPr lang="en-US" sz="1200">
                 <a:solidFill>
                   <a:srgbClr val="000000"/>
                 </a:solidFill>
@@ -6551,7 +6537,7 @@
               </a:defRPr>
             </a:pPr>
             <a:r>
-              <a:rPr lang="de-DE" sz="1600" b="1" dirty="0">
+              <a:rPr lang="de-DE" sz="1600" b="1">
                 <a:solidFill>
                   <a:srgbClr val="000000"/>
                 </a:solidFill>
@@ -6560,7 +6546,7 @@
               </a:rPr>
               <a:t>Browser</a:t>
             </a:r>
-            <a:endParaRPr sz="1600" dirty="0">
+            <a:endParaRPr sz="1600">
               <a:solidFill>
                 <a:srgbClr val="000000"/>
               </a:solidFill>
@@ -6626,7 +6612,7 @@
               <a:tabLst/>
             </a:pPr>
             <a:r>
-              <a:rPr lang="en-US" sz="1200" dirty="0">
+              <a:rPr lang="en-US" sz="1200">
                 <a:solidFill>
                   <a:srgbClr val="000000"/>
                 </a:solidFill>
@@ -6635,7 +6621,7 @@
               </a:rPr>
               <a:t>Web-API v1</a:t>
             </a:r>
-            <a:endParaRPr kumimoji="0" lang="en-US" sz="1200" b="0" i="0" u="none" strike="noStrike" cap="none" spc="0" normalizeH="0" baseline="0" dirty="0">
+            <a:endParaRPr kumimoji="0" lang="en-US" sz="1200" b="0" i="0" u="none" strike="noStrike" cap="none" spc="0" normalizeH="0" baseline="0">
               <a:ln>
                 <a:noFill/>
               </a:ln>
@@ -6860,7 +6846,7 @@
               <a:tabLst/>
             </a:pPr>
             <a:r>
-              <a:rPr kumimoji="0" lang="en-US" sz="1200" b="0" i="0" u="none" strike="noStrike" cap="none" spc="0" normalizeH="0" baseline="0" dirty="0">
+              <a:rPr kumimoji="0" lang="en-US" sz="1200" b="0" i="0" u="none" strike="noStrike" cap="none" spc="0" normalizeH="0" baseline="0">
                 <a:ln>
                   <a:noFill/>
                 </a:ln>
@@ -6979,7 +6965,7 @@
               <a:tabLst/>
             </a:pPr>
             <a:r>
-              <a:rPr lang="en-US" sz="1200" dirty="0">
+              <a:rPr lang="en-US" sz="1200">
                 <a:solidFill>
                   <a:srgbClr val="000000"/>
                 </a:solidFill>
@@ -6989,7 +6975,7 @@
               <a:t>A</a:t>
             </a:r>
             <a:r>
-              <a:rPr kumimoji="0" lang="en-US" sz="1200" b="0" i="0" u="none" strike="noStrike" cap="none" spc="0" normalizeH="0" baseline="0" dirty="0">
+              <a:rPr kumimoji="0" lang="en-US" sz="1200" b="0" i="0" u="none" strike="noStrike" cap="none" spc="0" normalizeH="0" baseline="0">
                 <a:ln>
                   <a:noFill/>
                 </a:ln>
@@ -7073,7 +7059,7 @@
           <a:p>
             <a:pPr rtl="0" latinLnBrk="1" hangingPunct="0"/>
             <a:r>
-              <a:rPr lang="en-US" sz="1200" dirty="0">
+              <a:rPr lang="en-US" sz="1200">
                 <a:solidFill>
                   <a:srgbClr val="000000"/>
                 </a:solidFill>
@@ -7610,7 +7596,7 @@
                 <a:latin typeface="Arial"/>
                 <a:cs typeface="Arial"/>
               </a:rPr>
-              <a:t>Ingress</a:t>
+              <a:t>Istio Ingress</a:t>
             </a:r>
           </a:p>
         </p:txBody>
@@ -7778,7 +7764,7 @@
               </a:defRPr>
             </a:pPr>
             <a:r>
-              <a:rPr lang="de-DE" sz="1600" b="1" dirty="0">
+              <a:rPr lang="de-DE" sz="1600" b="1">
                 <a:solidFill>
                   <a:srgbClr val="000000"/>
                 </a:solidFill>
@@ -7787,7 +7773,7 @@
               </a:rPr>
               <a:t>Kubernetes with Istio</a:t>
             </a:r>
-            <a:endParaRPr sz="1600" dirty="0">
+            <a:endParaRPr sz="1600">
               <a:solidFill>
                 <a:srgbClr val="000000"/>
               </a:solidFill>
@@ -7862,7 +7848,7 @@
           <a:p>
             <a:pPr rtl="0" latinLnBrk="1" hangingPunct="0"/>
             <a:r>
-              <a:rPr lang="en-US" sz="1200" dirty="0">
+              <a:rPr lang="en-US" sz="1200">
                 <a:solidFill>
                   <a:srgbClr val="000000"/>
                 </a:solidFill>
@@ -7947,7 +7933,7 @@
               </a:defRPr>
             </a:pPr>
             <a:r>
-              <a:rPr lang="de-DE" sz="1600" b="1" dirty="0">
+              <a:rPr lang="de-DE" sz="1600" b="1">
                 <a:solidFill>
                   <a:srgbClr val="000000"/>
                 </a:solidFill>
@@ -7956,7 +7942,7 @@
               </a:rPr>
               <a:t>Browser</a:t>
             </a:r>
-            <a:endParaRPr sz="1600" dirty="0">
+            <a:endParaRPr sz="1600">
               <a:solidFill>
                 <a:srgbClr val="000000"/>
               </a:solidFill>
@@ -8022,7 +8008,7 @@
               <a:tabLst/>
             </a:pPr>
             <a:r>
-              <a:rPr lang="en-US" sz="1200" b="1" dirty="0">
+              <a:rPr lang="en-US" sz="1200" b="1">
                 <a:solidFill>
                   <a:srgbClr val="000000"/>
                 </a:solidFill>
@@ -8031,7 +8017,7 @@
               </a:rPr>
               <a:t>Web-API</a:t>
             </a:r>
-            <a:endParaRPr kumimoji="0" lang="en-US" sz="1200" b="1" i="0" u="none" strike="noStrike" cap="none" spc="0" normalizeH="0" baseline="0" dirty="0">
+            <a:endParaRPr kumimoji="0" lang="en-US" sz="1200" b="1" i="0" u="none" strike="noStrike" cap="none" spc="0" normalizeH="0" baseline="0">
               <a:ln>
                 <a:noFill/>
               </a:ln>
@@ -8064,7 +8050,7 @@
               <a:tabLst/>
             </a:pPr>
             <a:r>
-              <a:rPr lang="en-US" sz="1200" b="1" dirty="0">
+              <a:rPr lang="en-US" sz="1200" b="1">
                 <a:solidFill>
                   <a:srgbClr val="000000"/>
                 </a:solidFill>
@@ -8073,7 +8059,7 @@
               </a:rPr>
               <a:t>v1</a:t>
             </a:r>
-            <a:endParaRPr kumimoji="0" lang="en-US" sz="1200" b="1" i="0" u="none" strike="noStrike" cap="none" spc="0" normalizeH="0" baseline="0" dirty="0">
+            <a:endParaRPr kumimoji="0" lang="en-US" sz="1200" b="1" i="0" u="none" strike="noStrike" cap="none" spc="0" normalizeH="0" baseline="0">
               <a:ln>
                 <a:noFill/>
               </a:ln>
@@ -8298,7 +8284,7 @@
               <a:tabLst/>
             </a:pPr>
             <a:r>
-              <a:rPr kumimoji="0" lang="en-US" sz="1200" b="0" i="0" u="none" strike="noStrike" cap="none" spc="0" normalizeH="0" baseline="0" dirty="0">
+              <a:rPr kumimoji="0" lang="en-US" sz="1200" b="0" i="0" u="none" strike="noStrike" cap="none" spc="0" normalizeH="0" baseline="0">
                 <a:ln>
                   <a:noFill/>
                 </a:ln>
@@ -8418,7 +8404,7 @@
               <a:tabLst/>
             </a:pPr>
             <a:r>
-              <a:rPr lang="en-US" sz="1200" dirty="0">
+              <a:rPr lang="en-US" sz="1200">
                 <a:solidFill>
                   <a:srgbClr val="000000"/>
                 </a:solidFill>
@@ -8428,7 +8414,7 @@
               <a:t>A</a:t>
             </a:r>
             <a:r>
-              <a:rPr kumimoji="0" lang="en-US" sz="1200" b="0" i="0" u="none" strike="noStrike" cap="none" spc="0" normalizeH="0" baseline="0" dirty="0">
+              <a:rPr kumimoji="0" lang="en-US" sz="1200" b="0" i="0" u="none" strike="noStrike" cap="none" spc="0" normalizeH="0" baseline="0">
                 <a:ln>
                   <a:noFill/>
                 </a:ln>
@@ -8512,7 +8498,7 @@
           <a:p>
             <a:pPr rtl="0" latinLnBrk="1" hangingPunct="0"/>
             <a:r>
-              <a:rPr lang="en-US" sz="1200" b="1" dirty="0">
+              <a:rPr lang="en-US" sz="1200" b="1">
                 <a:solidFill>
                   <a:srgbClr val="000000"/>
                 </a:solidFill>
@@ -9043,16 +9029,6 @@
           <a:p>
             <a:pPr rtl="0" latinLnBrk="1" hangingPunct="0"/>
             <a:r>
-              <a:rPr lang="en-US" sz="1200" dirty="0" err="1">
-                <a:solidFill>
-                  <a:srgbClr val="000000"/>
-                </a:solidFill>
-                <a:latin typeface="Arial"/>
-                <a:cs typeface="Arial"/>
-              </a:rPr>
-              <a:t>Istio</a:t>
-            </a:r>
-            <a:r>
               <a:rPr lang="en-US" sz="1200" dirty="0">
                 <a:solidFill>
                   <a:srgbClr val="000000"/>
@@ -9060,7 +9036,7 @@
                 <a:latin typeface="Arial"/>
                 <a:cs typeface="Arial"/>
               </a:rPr>
-              <a:t> Ingress</a:t>
+              <a:t>Istio Ingress</a:t>
             </a:r>
           </a:p>
         </p:txBody>
@@ -9236,7 +9212,7 @@
           <a:lstStyle/>
           <a:p>
             <a:pPr algn="ctr"/>
-            <a:endParaRPr lang="en-US" sz="1800">
+            <a:endParaRPr lang="en-US" sz="1800" dirty="0">
               <a:solidFill>
                 <a:srgbClr val="4277BB"/>
               </a:solidFill>
@@ -9365,7 +9341,7 @@
           <a:lstStyle/>
           <a:p>
             <a:pPr algn="ctr"/>
-            <a:endParaRPr lang="en-US" sz="1800">
+            <a:endParaRPr lang="en-US" sz="1800" dirty="0">
               <a:solidFill>
                 <a:srgbClr val="4277BB"/>
               </a:solidFill>
@@ -9494,7 +9470,7 @@
           <a:lstStyle/>
           <a:p>
             <a:pPr algn="ctr"/>
-            <a:endParaRPr lang="en-US" sz="1800">
+            <a:endParaRPr lang="en-US" sz="1800" dirty="0">
               <a:solidFill>
                 <a:srgbClr val="4277BB"/>
               </a:solidFill>
@@ -9623,7 +9599,7 @@
           <a:lstStyle/>
           <a:p>
             <a:pPr algn="ctr"/>
-            <a:endParaRPr lang="en-US" sz="1800">
+            <a:endParaRPr lang="en-US" sz="1800" dirty="0">
               <a:solidFill>
                 <a:srgbClr val="4277BB"/>
               </a:solidFill>
@@ -9752,7 +9728,7 @@
           <a:lstStyle/>
           <a:p>
             <a:pPr algn="ctr"/>
-            <a:endParaRPr lang="en-US" sz="1800">
+            <a:endParaRPr lang="en-US" sz="1800" dirty="0">
               <a:solidFill>
                 <a:srgbClr val="4277BB"/>
               </a:solidFill>
@@ -9873,7 +9849,7 @@
           <a:lstStyle/>
           <a:p>
             <a:pPr algn="ctr"/>
-            <a:endParaRPr lang="en-US" sz="1800">
+            <a:endParaRPr lang="en-US" sz="1800" dirty="0">
               <a:solidFill>
                 <a:srgbClr val="4277BB"/>
               </a:solidFill>
@@ -9994,7 +9970,7 @@
           <a:lstStyle/>
           <a:p>
             <a:pPr algn="ctr"/>
-            <a:endParaRPr lang="en-US" sz="1800">
+            <a:endParaRPr lang="en-US" sz="1800" dirty="0">
               <a:solidFill>
                 <a:srgbClr val="4277BB"/>
               </a:solidFill>
@@ -10217,7 +10193,7 @@
           <a:lstStyle/>
           <a:p>
             <a:pPr algn="ctr"/>
-            <a:endParaRPr lang="en-US" sz="1800">
+            <a:endParaRPr lang="en-US" sz="1800" dirty="0">
               <a:solidFill>
                 <a:srgbClr val="4277BB"/>
               </a:solidFill>
@@ -10439,7 +10415,7 @@
           <a:lstStyle/>
           <a:p>
             <a:pPr algn="ctr"/>
-            <a:endParaRPr lang="en-US" sz="1800">
+            <a:endParaRPr lang="en-US" sz="1800" dirty="0">
               <a:solidFill>
                 <a:srgbClr val="4277BB"/>
               </a:solidFill>
@@ -10560,7 +10536,7 @@
           <a:lstStyle/>
           <a:p>
             <a:pPr algn="ctr"/>
-            <a:endParaRPr lang="en-US" sz="1800">
+            <a:endParaRPr lang="en-US" sz="1800" dirty="0">
               <a:solidFill>
                 <a:srgbClr val="4277BB"/>
               </a:solidFill>
@@ -10600,7 +10576,7 @@
           <a:lstStyle/>
           <a:p>
             <a:pPr algn="ctr"/>
-            <a:endParaRPr lang="en-US" sz="1800">
+            <a:endParaRPr lang="en-US" sz="1800" dirty="0">
               <a:solidFill>
                 <a:srgbClr val="4277BB"/>
               </a:solidFill>
@@ -10640,7 +10616,7 @@
           <a:lstStyle/>
           <a:p>
             <a:pPr algn="ctr"/>
-            <a:endParaRPr lang="en-US" sz="1800">
+            <a:endParaRPr lang="en-US" sz="1800" dirty="0">
               <a:solidFill>
                 <a:srgbClr val="4277BB"/>
               </a:solidFill>
@@ -10680,7 +10656,7 @@
           <a:lstStyle/>
           <a:p>
             <a:pPr algn="ctr"/>
-            <a:endParaRPr lang="en-US" sz="1800">
+            <a:endParaRPr lang="en-US" sz="1800" dirty="0">
               <a:solidFill>
                 <a:srgbClr val="4277BB"/>
               </a:solidFill>
@@ -10749,7 +10725,7 @@
             <a:pPr lvl="0">
               <a:defRPr sz="1800"/>
             </a:pPr>
-            <a:endParaRPr/>
+            <a:endParaRPr dirty="0"/>
           </a:p>
         </p:txBody>
       </p:sp>
@@ -10802,6 +10778,16 @@
               </a:defRPr>
             </a:pPr>
             <a:r>
+              <a:rPr lang="en-US" sz="1600" b="1" dirty="0">
+                <a:solidFill>
+                  <a:srgbClr val="000000"/>
+                </a:solidFill>
+                <a:latin typeface="Arial"/>
+                <a:cs typeface="Arial"/>
+              </a:rPr>
+              <a:t>Kubernetes</a:t>
+            </a:r>
+            <a:r>
               <a:rPr lang="de-DE" sz="1600" b="1" dirty="0">
                 <a:solidFill>
                   <a:srgbClr val="000000"/>
@@ -10809,9 +10795,19 @@
                 <a:latin typeface="Arial"/>
                 <a:cs typeface="Arial"/>
               </a:rPr>
-              <a:t>Kubernetes with Istio</a:t>
+              <a:t> </a:t>
             </a:r>
-            <a:endParaRPr sz="1600" dirty="0">
+            <a:r>
+              <a:rPr lang="en-US" sz="1600" b="1" dirty="0">
+                <a:solidFill>
+                  <a:srgbClr val="000000"/>
+                </a:solidFill>
+                <a:latin typeface="Arial"/>
+                <a:cs typeface="Arial"/>
+              </a:rPr>
+              <a:t>with Istio</a:t>
+            </a:r>
+            <a:endParaRPr lang="en-US" sz="1600" dirty="0">
               <a:solidFill>
                 <a:srgbClr val="000000"/>
               </a:solidFill>
@@ -10886,7 +10882,7 @@
           <a:p>
             <a:pPr rtl="0" latinLnBrk="1" hangingPunct="0"/>
             <a:r>
-              <a:rPr lang="en-US" sz="1200" dirty="0">
+              <a:rPr lang="en-US" sz="1200">
                 <a:solidFill>
                   <a:srgbClr val="000000"/>
                 </a:solidFill>
@@ -10971,7 +10967,7 @@
               </a:defRPr>
             </a:pPr>
             <a:r>
-              <a:rPr lang="de-DE" sz="1600" b="1" dirty="0">
+              <a:rPr lang="de-DE" sz="1600" b="1">
                 <a:solidFill>
                   <a:srgbClr val="000000"/>
                 </a:solidFill>
@@ -10980,7 +10976,7 @@
               </a:rPr>
               <a:t>Browser</a:t>
             </a:r>
-            <a:endParaRPr sz="1600" dirty="0">
+            <a:endParaRPr sz="1600">
               <a:solidFill>
                 <a:srgbClr val="000000"/>
               </a:solidFill>
@@ -11046,7 +11042,7 @@
               <a:tabLst/>
             </a:pPr>
             <a:r>
-              <a:rPr lang="en-US" sz="1200" b="1" dirty="0">
+              <a:rPr lang="en-US" sz="1200" b="1">
                 <a:solidFill>
                   <a:srgbClr val="000000"/>
                 </a:solidFill>
@@ -11055,7 +11051,7 @@
               </a:rPr>
               <a:t>Web-API</a:t>
             </a:r>
-            <a:endParaRPr kumimoji="0" lang="en-US" sz="1200" b="1" i="0" u="none" strike="noStrike" cap="none" spc="0" normalizeH="0" baseline="0" dirty="0">
+            <a:endParaRPr kumimoji="0" lang="en-US" sz="1200" b="1" i="0" u="none" strike="noStrike" cap="none" spc="0" normalizeH="0" baseline="0">
               <a:ln>
                 <a:noFill/>
               </a:ln>
@@ -11088,7 +11084,7 @@
               <a:tabLst/>
             </a:pPr>
             <a:r>
-              <a:rPr lang="en-US" sz="1200" b="1" dirty="0">
+              <a:rPr lang="en-US" sz="1200" b="1">
                 <a:solidFill>
                   <a:srgbClr val="000000"/>
                 </a:solidFill>
@@ -11097,7 +11093,7 @@
               </a:rPr>
               <a:t>v1</a:t>
             </a:r>
-            <a:endParaRPr kumimoji="0" lang="en-US" sz="1200" b="1" i="0" u="none" strike="noStrike" cap="none" spc="0" normalizeH="0" baseline="0" dirty="0">
+            <a:endParaRPr kumimoji="0" lang="en-US" sz="1200" b="1" i="0" u="none" strike="noStrike" cap="none" spc="0" normalizeH="0" baseline="0">
               <a:ln>
                 <a:noFill/>
               </a:ln>
@@ -11322,7 +11318,7 @@
               <a:tabLst/>
             </a:pPr>
             <a:r>
-              <a:rPr kumimoji="0" lang="en-US" sz="1200" b="0" i="0" u="none" strike="noStrike" cap="none" spc="0" normalizeH="0" baseline="0" dirty="0">
+              <a:rPr kumimoji="0" lang="en-US" sz="1200" b="0" i="0" u="none" strike="noStrike" cap="none" spc="0" normalizeH="0" baseline="0">
                 <a:ln>
                   <a:noFill/>
                 </a:ln>
@@ -11442,7 +11438,7 @@
               <a:tabLst/>
             </a:pPr>
             <a:r>
-              <a:rPr lang="en-US" sz="1200" dirty="0">
+              <a:rPr lang="en-US" sz="1200">
                 <a:solidFill>
                   <a:srgbClr val="000000"/>
                 </a:solidFill>
@@ -11452,7 +11448,7 @@
               <a:t>A</a:t>
             </a:r>
             <a:r>
-              <a:rPr kumimoji="0" lang="en-US" sz="1200" b="0" i="0" u="none" strike="noStrike" cap="none" spc="0" normalizeH="0" baseline="0" dirty="0">
+              <a:rPr kumimoji="0" lang="en-US" sz="1200" b="0" i="0" u="none" strike="noStrike" cap="none" spc="0" normalizeH="0" baseline="0">
                 <a:ln>
                   <a:noFill/>
                 </a:ln>
@@ -11536,7 +11532,7 @@
           <a:p>
             <a:pPr rtl="0" latinLnBrk="1" hangingPunct="0"/>
             <a:r>
-              <a:rPr lang="en-US" sz="1200" b="1" dirty="0">
+              <a:rPr lang="en-US" sz="1200" b="1">
                 <a:solidFill>
                   <a:srgbClr val="000000"/>
                 </a:solidFill>
@@ -12067,7 +12063,7 @@
           <a:p>
             <a:pPr rtl="0" latinLnBrk="1" hangingPunct="0"/>
             <a:r>
-              <a:rPr lang="en-US" sz="1200" dirty="0">
+              <a:rPr lang="en-US" sz="1200">
                 <a:solidFill>
                   <a:srgbClr val="000000"/>
                 </a:solidFill>
@@ -12320,7 +12316,7 @@
               <a:tabLst/>
             </a:pPr>
             <a:r>
-              <a:rPr lang="en-US" sz="1600" dirty="0">
+              <a:rPr lang="en-US" sz="1600">
                 <a:solidFill>
                   <a:srgbClr val="000000"/>
                 </a:solidFill>
@@ -12328,7 +12324,7 @@
               <a:t>P</a:t>
             </a:r>
             <a:r>
-              <a:rPr kumimoji="0" lang="en-US" sz="1600" b="0" i="0" u="none" strike="noStrike" cap="none" spc="0" normalizeH="0" baseline="0" dirty="0">
+              <a:rPr kumimoji="0" lang="en-US" sz="1600" b="0" i="0" u="none" strike="noStrike" cap="none" spc="0" normalizeH="0" baseline="0">
                 <a:ln>
                   <a:noFill/>
                 </a:ln>
@@ -12449,7 +12445,7 @@
               <a:tabLst/>
             </a:pPr>
             <a:r>
-              <a:rPr lang="en-US" sz="1600" b="1" dirty="0">
+              <a:rPr lang="en-US" sz="1600" b="1">
                 <a:solidFill>
                   <a:schemeClr val="accent1"/>
                 </a:solidFill>
@@ -12457,7 +12453,7 @@
               <a:t>P</a:t>
             </a:r>
             <a:r>
-              <a:rPr kumimoji="0" lang="en-US" sz="1600" b="1" i="0" u="none" strike="noStrike" cap="none" spc="0" normalizeH="0" baseline="0" dirty="0">
+              <a:rPr kumimoji="0" lang="en-US" sz="1600" b="1" i="0" u="none" strike="noStrike" cap="none" spc="0" normalizeH="0" baseline="0">
                 <a:ln>
                   <a:noFill/>
                 </a:ln>
@@ -12578,7 +12574,7 @@
               <a:tabLst/>
             </a:pPr>
             <a:r>
-              <a:rPr lang="en-US" sz="1600" b="1" dirty="0">
+              <a:rPr lang="en-US" sz="1600" b="1">
                 <a:solidFill>
                   <a:schemeClr val="accent1"/>
                 </a:solidFill>
@@ -12586,7 +12582,7 @@
               <a:t>P</a:t>
             </a:r>
             <a:r>
-              <a:rPr kumimoji="0" lang="en-US" sz="1600" b="1" i="0" u="none" strike="noStrike" cap="none" spc="0" normalizeH="0" baseline="0" dirty="0">
+              <a:rPr kumimoji="0" lang="en-US" sz="1600" b="1" i="0" u="none" strike="noStrike" cap="none" spc="0" normalizeH="0" baseline="0">
                 <a:ln>
                   <a:noFill/>
                 </a:ln>
@@ -12707,7 +12703,7 @@
               <a:tabLst/>
             </a:pPr>
             <a:r>
-              <a:rPr lang="en-US" sz="1600" b="1" dirty="0">
+              <a:rPr lang="en-US" sz="1600" b="1">
                 <a:solidFill>
                   <a:schemeClr val="accent1"/>
                 </a:solidFill>
@@ -12715,7 +12711,7 @@
               <a:t>P</a:t>
             </a:r>
             <a:r>
-              <a:rPr kumimoji="0" lang="en-US" sz="1600" b="1" i="0" u="none" strike="noStrike" cap="none" spc="0" normalizeH="0" baseline="0" dirty="0">
+              <a:rPr kumimoji="0" lang="en-US" sz="1600" b="1" i="0" u="none" strike="noStrike" cap="none" spc="0" normalizeH="0" baseline="0">
                 <a:ln>
                   <a:noFill/>
                 </a:ln>
@@ -12836,7 +12832,7 @@
               <a:tabLst/>
             </a:pPr>
             <a:r>
-              <a:rPr kumimoji="0" lang="en-US" sz="1200" b="1" i="0" u="none" strike="noStrike" cap="none" spc="0" normalizeH="0" baseline="0" dirty="0">
+              <a:rPr kumimoji="0" lang="en-US" sz="1200" b="1" i="0" u="none" strike="noStrike" cap="none" spc="0" normalizeH="0" baseline="0">
                 <a:ln>
                   <a:noFill/>
                 </a:ln>
@@ -12957,7 +12953,7 @@
               <a:tabLst/>
             </a:pPr>
             <a:r>
-              <a:rPr kumimoji="0" lang="en-US" sz="1200" b="1" i="0" u="none" strike="noStrike" cap="none" spc="0" normalizeH="0" baseline="0" dirty="0">
+              <a:rPr kumimoji="0" lang="en-US" sz="1200" b="1" i="0" u="none" strike="noStrike" cap="none" spc="0" normalizeH="0" baseline="0">
                 <a:ln>
                   <a:noFill/>
                 </a:ln>
@@ -13078,7 +13074,7 @@
               <a:tabLst/>
             </a:pPr>
             <a:r>
-              <a:rPr kumimoji="0" lang="en-US" sz="1200" b="1" i="0" u="none" strike="noStrike" cap="none" spc="0" normalizeH="0" baseline="0" dirty="0">
+              <a:rPr kumimoji="0" lang="en-US" sz="1200" b="1" i="0" u="none" strike="noStrike" cap="none" spc="0" normalizeH="0" baseline="0">
                 <a:ln>
                   <a:noFill/>
                 </a:ln>
@@ -13301,7 +13297,7 @@
               <a:tabLst/>
             </a:pPr>
             <a:r>
-              <a:rPr kumimoji="0" lang="en-US" sz="1200" b="1" i="0" u="none" strike="noStrike" cap="none" spc="0" normalizeH="0" baseline="0" dirty="0">
+              <a:rPr kumimoji="0" lang="en-US" sz="1200" b="1" i="0" u="none" strike="noStrike" cap="none" spc="0" normalizeH="0" baseline="0">
                 <a:ln>
                   <a:noFill/>
                 </a:ln>
@@ -13523,7 +13519,7 @@
               <a:tabLst/>
             </a:pPr>
             <a:r>
-              <a:rPr kumimoji="0" lang="en-US" sz="1200" b="1" i="0" u="none" strike="noStrike" cap="none" spc="0" normalizeH="0" baseline="0" dirty="0">
+              <a:rPr kumimoji="0" lang="en-US" sz="1200" b="1" i="0" u="none" strike="noStrike" cap="none" spc="0" normalizeH="0" baseline="0">
                 <a:ln>
                   <a:noFill/>
                 </a:ln>
@@ -13844,7 +13840,7 @@
               </a:defRPr>
             </a:pPr>
             <a:r>
-              <a:rPr lang="de-DE" sz="1600" b="1" dirty="0">
+              <a:rPr lang="de-DE" sz="1600" b="1">
                 <a:solidFill>
                   <a:srgbClr val="000000"/>
                 </a:solidFill>
@@ -13853,7 +13849,7 @@
               </a:rPr>
               <a:t>Kubernetes with Istio</a:t>
             </a:r>
-            <a:endParaRPr sz="1600" dirty="0">
+            <a:endParaRPr sz="1600">
               <a:solidFill>
                 <a:srgbClr val="000000"/>
               </a:solidFill>
@@ -13928,7 +13924,7 @@
           <a:p>
             <a:pPr rtl="0" latinLnBrk="1" hangingPunct="0"/>
             <a:r>
-              <a:rPr lang="en-US" sz="1200" dirty="0">
+              <a:rPr lang="en-US" sz="1200">
                 <a:solidFill>
                   <a:srgbClr val="000000"/>
                 </a:solidFill>
@@ -14013,7 +14009,7 @@
               </a:defRPr>
             </a:pPr>
             <a:r>
-              <a:rPr lang="de-DE" sz="1600" b="1" dirty="0">
+              <a:rPr lang="de-DE" sz="1600" b="1">
                 <a:solidFill>
                   <a:srgbClr val="000000"/>
                 </a:solidFill>
@@ -14022,7 +14018,7 @@
               </a:rPr>
               <a:t>Browser</a:t>
             </a:r>
-            <a:endParaRPr sz="1600" dirty="0">
+            <a:endParaRPr sz="1600">
               <a:solidFill>
                 <a:srgbClr val="000000"/>
               </a:solidFill>
@@ -14088,7 +14084,7 @@
               <a:tabLst/>
             </a:pPr>
             <a:r>
-              <a:rPr lang="en-US" sz="1200" dirty="0">
+              <a:rPr lang="en-US" sz="1200">
                 <a:solidFill>
                   <a:srgbClr val="000000"/>
                 </a:solidFill>
@@ -14097,7 +14093,7 @@
               </a:rPr>
               <a:t>Web-API</a:t>
             </a:r>
-            <a:endParaRPr kumimoji="0" lang="en-US" sz="1200" b="0" i="0" u="none" strike="noStrike" cap="none" spc="0" normalizeH="0" baseline="0" dirty="0">
+            <a:endParaRPr kumimoji="0" lang="en-US" sz="1200" b="0" i="0" u="none" strike="noStrike" cap="none" spc="0" normalizeH="0" baseline="0">
               <a:ln>
                 <a:noFill/>
               </a:ln>
@@ -14130,7 +14126,7 @@
               <a:tabLst/>
             </a:pPr>
             <a:r>
-              <a:rPr lang="en-US" sz="1200" dirty="0">
+              <a:rPr lang="en-US" sz="1200">
                 <a:solidFill>
                   <a:srgbClr val="000000"/>
                 </a:solidFill>
@@ -14139,7 +14135,7 @@
               </a:rPr>
               <a:t>v1</a:t>
             </a:r>
-            <a:endParaRPr kumimoji="0" lang="en-US" sz="1200" b="0" i="0" u="none" strike="noStrike" cap="none" spc="0" normalizeH="0" baseline="0" dirty="0">
+            <a:endParaRPr kumimoji="0" lang="en-US" sz="1200" b="0" i="0" u="none" strike="noStrike" cap="none" spc="0" normalizeH="0" baseline="0">
               <a:ln>
                 <a:noFill/>
               </a:ln>
@@ -14364,7 +14360,7 @@
               <a:tabLst/>
             </a:pPr>
             <a:r>
-              <a:rPr kumimoji="0" lang="en-US" sz="1200" b="0" i="0" u="none" strike="noStrike" cap="none" spc="0" normalizeH="0" baseline="0" dirty="0">
+              <a:rPr kumimoji="0" lang="en-US" sz="1200" b="0" i="0" u="none" strike="noStrike" cap="none" spc="0" normalizeH="0" baseline="0">
                 <a:ln>
                   <a:noFill/>
                 </a:ln>
@@ -14483,7 +14479,7 @@
               <a:tabLst/>
             </a:pPr>
             <a:r>
-              <a:rPr lang="en-US" sz="1200" dirty="0">
+              <a:rPr lang="en-US" sz="1200">
                 <a:solidFill>
                   <a:srgbClr val="000000"/>
                 </a:solidFill>
@@ -14493,7 +14489,7 @@
               <a:t>A</a:t>
             </a:r>
             <a:r>
-              <a:rPr kumimoji="0" lang="en-US" sz="1200" b="0" i="0" u="none" strike="noStrike" cap="none" spc="0" normalizeH="0" baseline="0" dirty="0">
+              <a:rPr kumimoji="0" lang="en-US" sz="1200" b="0" i="0" u="none" strike="noStrike" cap="none" spc="0" normalizeH="0" baseline="0">
                 <a:ln>
                   <a:noFill/>
                 </a:ln>
@@ -14577,7 +14573,7 @@
           <a:p>
             <a:pPr rtl="0" latinLnBrk="1" hangingPunct="0"/>
             <a:r>
-              <a:rPr lang="en-US" sz="1200" dirty="0">
+              <a:rPr lang="en-US" sz="1200">
                 <a:solidFill>
                   <a:srgbClr val="000000"/>
                 </a:solidFill>
@@ -15107,7 +15103,7 @@
           <a:p>
             <a:pPr rtl="0" latinLnBrk="1" hangingPunct="0"/>
             <a:r>
-              <a:rPr lang="en-US" sz="1200" dirty="0">
+              <a:rPr lang="en-US" sz="1200">
                 <a:solidFill>
                   <a:srgbClr val="000000"/>
                 </a:solidFill>
@@ -15290,7 +15286,7 @@
               <a:tabLst/>
             </a:pPr>
             <a:r>
-              <a:rPr lang="en-US" sz="1200" dirty="0">
+              <a:rPr lang="en-US" sz="1200">
                 <a:solidFill>
                   <a:srgbClr val="000000"/>
                 </a:solidFill>
@@ -15299,7 +15295,7 @@
               </a:rPr>
               <a:t>Web-API</a:t>
             </a:r>
-            <a:endParaRPr kumimoji="0" lang="en-US" sz="1200" b="0" i="0" u="none" strike="noStrike" cap="none" spc="0" normalizeH="0" baseline="0" dirty="0">
+            <a:endParaRPr kumimoji="0" lang="en-US" sz="1200" b="0" i="0" u="none" strike="noStrike" cap="none" spc="0" normalizeH="0" baseline="0">
               <a:ln>
                 <a:noFill/>
               </a:ln>
@@ -15332,7 +15328,7 @@
               <a:tabLst/>
             </a:pPr>
             <a:r>
-              <a:rPr lang="en-US" sz="1200" dirty="0">
+              <a:rPr lang="en-US" sz="1200">
                 <a:solidFill>
                   <a:srgbClr val="000000"/>
                 </a:solidFill>
@@ -15341,7 +15337,7 @@
               </a:rPr>
               <a:t>v2</a:t>
             </a:r>
-            <a:endParaRPr kumimoji="0" lang="en-US" sz="1200" b="0" i="0" u="none" strike="noStrike" cap="none" spc="0" normalizeH="0" baseline="0" dirty="0">
+            <a:endParaRPr kumimoji="0" lang="en-US" sz="1200" b="0" i="0" u="none" strike="noStrike" cap="none" spc="0" normalizeH="0" baseline="0">
               <a:ln>
                 <a:noFill/>
               </a:ln>
@@ -15710,7 +15706,7 @@
               </a:defRPr>
             </a:pPr>
             <a:r>
-              <a:rPr lang="de-DE" sz="1600" b="1" dirty="0">
+              <a:rPr lang="de-DE" sz="1600" b="1">
                 <a:solidFill>
                   <a:srgbClr val="000000"/>
                 </a:solidFill>
@@ -15719,7 +15715,7 @@
               </a:rPr>
               <a:t>Kubernetes with Istio</a:t>
             </a:r>
-            <a:endParaRPr sz="1600" dirty="0">
+            <a:endParaRPr sz="1600">
               <a:solidFill>
                 <a:srgbClr val="000000"/>
               </a:solidFill>
@@ -15794,7 +15790,7 @@
           <a:p>
             <a:pPr rtl="0" latinLnBrk="1" hangingPunct="0"/>
             <a:r>
-              <a:rPr lang="en-US" sz="1200" dirty="0">
+              <a:rPr lang="en-US" sz="1200">
                 <a:solidFill>
                   <a:srgbClr val="000000"/>
                 </a:solidFill>
@@ -15879,7 +15875,7 @@
               </a:defRPr>
             </a:pPr>
             <a:r>
-              <a:rPr lang="de-DE" sz="1600" b="1" dirty="0">
+              <a:rPr lang="de-DE" sz="1600" b="1">
                 <a:solidFill>
                   <a:srgbClr val="000000"/>
                 </a:solidFill>
@@ -15888,7 +15884,7 @@
               </a:rPr>
               <a:t>Browser</a:t>
             </a:r>
-            <a:endParaRPr sz="1600" dirty="0">
+            <a:endParaRPr sz="1600">
               <a:solidFill>
                 <a:srgbClr val="000000"/>
               </a:solidFill>
@@ -15954,7 +15950,7 @@
               <a:tabLst/>
             </a:pPr>
             <a:r>
-              <a:rPr lang="en-US" sz="1200" dirty="0">
+              <a:rPr lang="en-US" sz="1200">
                 <a:solidFill>
                   <a:srgbClr val="000000"/>
                 </a:solidFill>
@@ -15963,7 +15959,7 @@
               </a:rPr>
               <a:t>Web-API</a:t>
             </a:r>
-            <a:endParaRPr kumimoji="0" lang="en-US" sz="1200" b="0" i="0" u="none" strike="noStrike" cap="none" spc="0" normalizeH="0" baseline="0" dirty="0">
+            <a:endParaRPr kumimoji="0" lang="en-US" sz="1200" b="0" i="0" u="none" strike="noStrike" cap="none" spc="0" normalizeH="0" baseline="0">
               <a:ln>
                 <a:noFill/>
               </a:ln>
@@ -15996,7 +15992,7 @@
               <a:tabLst/>
             </a:pPr>
             <a:r>
-              <a:rPr lang="en-US" sz="1200" dirty="0">
+              <a:rPr lang="en-US" sz="1200">
                 <a:solidFill>
                   <a:srgbClr val="000000"/>
                 </a:solidFill>
@@ -16005,7 +16001,7 @@
               </a:rPr>
               <a:t>v1</a:t>
             </a:r>
-            <a:endParaRPr kumimoji="0" lang="en-US" sz="1200" b="0" i="0" u="none" strike="noStrike" cap="none" spc="0" normalizeH="0" baseline="0" dirty="0">
+            <a:endParaRPr kumimoji="0" lang="en-US" sz="1200" b="0" i="0" u="none" strike="noStrike" cap="none" spc="0" normalizeH="0" baseline="0">
               <a:ln>
                 <a:noFill/>
               </a:ln>
@@ -16230,7 +16226,7 @@
               <a:tabLst/>
             </a:pPr>
             <a:r>
-              <a:rPr kumimoji="0" lang="en-US" sz="1200" b="0" i="0" u="none" strike="noStrike" cap="none" spc="0" normalizeH="0" baseline="0" dirty="0">
+              <a:rPr kumimoji="0" lang="en-US" sz="1200" b="0" i="0" u="none" strike="noStrike" cap="none" spc="0" normalizeH="0" baseline="0">
                 <a:ln>
                   <a:noFill/>
                 </a:ln>
@@ -16349,7 +16345,7 @@
               <a:tabLst/>
             </a:pPr>
             <a:r>
-              <a:rPr lang="en-US" sz="1200" dirty="0">
+              <a:rPr lang="en-US" sz="1200">
                 <a:solidFill>
                   <a:srgbClr val="000000"/>
                 </a:solidFill>
@@ -16359,7 +16355,7 @@
               <a:t>A</a:t>
             </a:r>
             <a:r>
-              <a:rPr kumimoji="0" lang="en-US" sz="1200" b="0" i="0" u="none" strike="noStrike" cap="none" spc="0" normalizeH="0" baseline="0" dirty="0">
+              <a:rPr kumimoji="0" lang="en-US" sz="1200" b="0" i="0" u="none" strike="noStrike" cap="none" spc="0" normalizeH="0" baseline="0">
                 <a:ln>
                   <a:noFill/>
                 </a:ln>
@@ -16443,7 +16439,7 @@
           <a:p>
             <a:pPr rtl="0" latinLnBrk="1" hangingPunct="0"/>
             <a:r>
-              <a:rPr lang="en-US" sz="1200" dirty="0">
+              <a:rPr lang="en-US" sz="1200">
                 <a:solidFill>
                   <a:srgbClr val="000000"/>
                 </a:solidFill>
@@ -16973,7 +16969,7 @@
           <a:p>
             <a:pPr rtl="0" latinLnBrk="1" hangingPunct="0"/>
             <a:r>
-              <a:rPr lang="en-US" sz="1200" dirty="0">
+              <a:rPr lang="en-US" sz="1200">
                 <a:solidFill>
                   <a:srgbClr val="000000"/>
                 </a:solidFill>
@@ -17156,7 +17152,7 @@
               <a:tabLst/>
             </a:pPr>
             <a:r>
-              <a:rPr lang="en-US" sz="1200" dirty="0">
+              <a:rPr lang="en-US" sz="1200">
                 <a:solidFill>
                   <a:srgbClr val="000000"/>
                 </a:solidFill>
@@ -17165,7 +17161,7 @@
               </a:rPr>
               <a:t>Web-API</a:t>
             </a:r>
-            <a:endParaRPr kumimoji="0" lang="en-US" sz="1200" b="0" i="0" u="none" strike="noStrike" cap="none" spc="0" normalizeH="0" baseline="0" dirty="0">
+            <a:endParaRPr kumimoji="0" lang="en-US" sz="1200" b="0" i="0" u="none" strike="noStrike" cap="none" spc="0" normalizeH="0" baseline="0">
               <a:ln>
                 <a:noFill/>
               </a:ln>
@@ -17198,7 +17194,7 @@
               <a:tabLst/>
             </a:pPr>
             <a:r>
-              <a:rPr lang="en-US" sz="1200" dirty="0">
+              <a:rPr lang="en-US" sz="1200">
                 <a:solidFill>
                   <a:srgbClr val="000000"/>
                 </a:solidFill>
@@ -17207,7 +17203,7 @@
               </a:rPr>
               <a:t>v2</a:t>
             </a:r>
-            <a:endParaRPr kumimoji="0" lang="en-US" sz="1200" b="0" i="0" u="none" strike="noStrike" cap="none" spc="0" normalizeH="0" baseline="0" dirty="0">
+            <a:endParaRPr kumimoji="0" lang="en-US" sz="1200" b="0" i="0" u="none" strike="noStrike" cap="none" spc="0" normalizeH="0" baseline="0">
               <a:ln>
                 <a:noFill/>
               </a:ln>

--- a/workshop/images/architecture.pptx
+++ b/workshop/images/architecture.pptx
@@ -5,7 +5,7 @@
     <p:sldMasterId id="2147483648" r:id="rId1"/>
   </p:sldMasterIdLst>
   <p:notesMasterIdLst>
-    <p:notesMasterId r:id="rId18"/>
+    <p:notesMasterId r:id="rId19"/>
   </p:notesMasterIdLst>
   <p:sldIdLst>
     <p:sldId id="365" r:id="rId2"/>
@@ -24,6 +24,7 @@
     <p:sldId id="375" r:id="rId15"/>
     <p:sldId id="379" r:id="rId16"/>
     <p:sldId id="370" r:id="rId17"/>
+    <p:sldId id="384" r:id="rId18"/>
   </p:sldIdLst>
   <p:sldSz cx="10058400" cy="7772400"/>
   <p:notesSz cx="6858000" cy="9144000"/>
@@ -17460,6 +17461,2073 @@
     <p:extLst>
       <p:ext uri="{BB962C8B-B14F-4D97-AF65-F5344CB8AC3E}">
         <p14:creationId xmlns:p14="http://schemas.microsoft.com/office/powerpoint/2010/main" val="781012550"/>
+      </p:ext>
+    </p:extLst>
+  </p:cSld>
+  <p:clrMapOvr>
+    <a:masterClrMapping/>
+  </p:clrMapOvr>
+  <p:transition spd="med"/>
+</p:sld>
+</file>
+
+<file path=ppt/slides/slide17.xml><?xml version="1.0" encoding="utf-8"?>
+<p:sld xmlns:a="http://schemas.openxmlformats.org/drawingml/2006/main" xmlns:r="http://schemas.openxmlformats.org/officeDocument/2006/relationships" xmlns:p="http://schemas.openxmlformats.org/presentationml/2006/main">
+  <p:cSld>
+    <p:spTree>
+      <p:nvGrpSpPr>
+        <p:cNvPr id="1" name=""/>
+        <p:cNvGrpSpPr/>
+        <p:nvPr/>
+      </p:nvGrpSpPr>
+      <p:grpSpPr>
+        <a:xfrm>
+          <a:off x="0" y="0"/>
+          <a:ext cx="0" cy="0"/>
+          <a:chOff x="0" y="0"/>
+          <a:chExt cx="0" cy="0"/>
+        </a:xfrm>
+      </p:grpSpPr>
+      <p:cxnSp>
+        <p:nvCxnSpPr>
+          <p:cNvPr id="29" name="Straight Connector 28">
+            <a:extLst>
+              <a:ext uri="{FF2B5EF4-FFF2-40B4-BE49-F238E27FC236}">
+                <a16:creationId xmlns:a16="http://schemas.microsoft.com/office/drawing/2014/main" id="{85D294E8-60CB-5543-A71F-DDBB27E90BE7}"/>
+              </a:ext>
+            </a:extLst>
+          </p:cNvPr>
+          <p:cNvCxnSpPr/>
+          <p:nvPr/>
+        </p:nvCxnSpPr>
+        <p:spPr>
+          <a:xfrm flipV="1">
+            <a:off x="360076" y="3429647"/>
+            <a:ext cx="9288856" cy="96674"/>
+          </a:xfrm>
+          <a:prstGeom prst="line">
+            <a:avLst/>
+          </a:prstGeom>
+          <a:noFill/>
+          <a:ln w="12700" cap="flat">
+            <a:solidFill>
+              <a:srgbClr val="000000"/>
+            </a:solidFill>
+            <a:prstDash val="solid"/>
+            <a:miter lim="400000"/>
+          </a:ln>
+          <a:effectLst/>
+        </p:spPr>
+        <p:style>
+          <a:lnRef idx="0">
+            <a:scrgbClr r="0" g="0" b="0"/>
+          </a:lnRef>
+          <a:fillRef idx="0">
+            <a:scrgbClr r="0" g="0" b="0"/>
+          </a:fillRef>
+          <a:effectRef idx="0">
+            <a:scrgbClr r="0" g="0" b="0"/>
+          </a:effectRef>
+          <a:fontRef idx="none"/>
+        </p:style>
+      </p:cxnSp>
+      <p:sp>
+        <p:nvSpPr>
+          <p:cNvPr id="6" name="Rounded Rectangle 5">
+            <a:extLst>
+              <a:ext uri="{FF2B5EF4-FFF2-40B4-BE49-F238E27FC236}">
+                <a16:creationId xmlns:a16="http://schemas.microsoft.com/office/drawing/2014/main" id="{6DDECBDE-463B-D642-8BCB-66C7D546A3FA}"/>
+              </a:ext>
+            </a:extLst>
+          </p:cNvPr>
+          <p:cNvSpPr/>
+          <p:nvPr/>
+        </p:nvSpPr>
+        <p:spPr>
+          <a:xfrm>
+            <a:off x="1877725" y="780377"/>
+            <a:ext cx="2171700" cy="2426676"/>
+          </a:xfrm>
+          <a:prstGeom prst="roundRect">
+            <a:avLst/>
+          </a:prstGeom>
+          <a:ln w="25400">
+            <a:solidFill>
+              <a:srgbClr val="4277BB"/>
+            </a:solidFill>
+            <a:miter lim="400000"/>
+          </a:ln>
+        </p:spPr>
+        <p:txBody>
+          <a:bodyPr lIns="0" tIns="0" rIns="0" bIns="0" rtlCol="0" anchor="ctr"/>
+          <a:lstStyle/>
+          <a:p>
+            <a:pPr algn="ctr"/>
+            <a:endParaRPr lang="en-US" sz="1800">
+              <a:solidFill>
+                <a:srgbClr val="4277BB"/>
+              </a:solidFill>
+            </a:endParaRPr>
+          </a:p>
+        </p:txBody>
+      </p:sp>
+      <p:pic>
+        <p:nvPicPr>
+          <p:cNvPr id="4" name="Picture 3">
+            <a:extLst>
+              <a:ext uri="{FF2B5EF4-FFF2-40B4-BE49-F238E27FC236}">
+                <a16:creationId xmlns:a16="http://schemas.microsoft.com/office/drawing/2014/main" id="{230E9969-4B67-3240-85AD-1302C355084D}"/>
+              </a:ext>
+            </a:extLst>
+          </p:cNvPr>
+          <p:cNvPicPr>
+            <a:picLocks noChangeAspect="1"/>
+          </p:cNvPicPr>
+          <p:nvPr/>
+        </p:nvPicPr>
+        <p:blipFill>
+          <a:blip r:embed="rId2"/>
+          <a:stretch>
+            <a:fillRect/>
+          </a:stretch>
+        </p:blipFill>
+        <p:spPr>
+          <a:xfrm>
+            <a:off x="1369725" y="479484"/>
+            <a:ext cx="1016000" cy="1270000"/>
+          </a:xfrm>
+          <a:prstGeom prst="rect">
+            <a:avLst/>
+          </a:prstGeom>
+        </p:spPr>
+      </p:pic>
+      <p:sp>
+        <p:nvSpPr>
+          <p:cNvPr id="26" name="Up Arrow 25">
+            <a:extLst>
+              <a:ext uri="{FF2B5EF4-FFF2-40B4-BE49-F238E27FC236}">
+                <a16:creationId xmlns:a16="http://schemas.microsoft.com/office/drawing/2014/main" id="{87EC2559-41E4-A34A-8EEB-D0B41C75B0A5}"/>
+              </a:ext>
+            </a:extLst>
+          </p:cNvPr>
+          <p:cNvSpPr/>
+          <p:nvPr/>
+        </p:nvSpPr>
+        <p:spPr>
+          <a:xfrm>
+            <a:off x="2711854" y="3270002"/>
+            <a:ext cx="393402" cy="1489179"/>
+          </a:xfrm>
+          <a:prstGeom prst="upArrow">
+            <a:avLst/>
+          </a:prstGeom>
+          <a:solidFill>
+            <a:srgbClr val="FFFFFF"/>
+          </a:solidFill>
+          <a:ln w="25400">
+            <a:solidFill>
+              <a:srgbClr val="4277BB"/>
+            </a:solidFill>
+            <a:miter lim="400000"/>
+          </a:ln>
+        </p:spPr>
+        <p:txBody>
+          <a:bodyPr lIns="0" tIns="0" rIns="0" bIns="0" rtlCol="0" anchor="ctr"/>
+          <a:lstStyle/>
+          <a:p>
+            <a:pPr algn="ctr"/>
+            <a:endParaRPr lang="en-US" sz="1800">
+              <a:solidFill>
+                <a:srgbClr val="4277BB"/>
+              </a:solidFill>
+            </a:endParaRPr>
+          </a:p>
+        </p:txBody>
+      </p:sp>
+      <p:sp>
+        <p:nvSpPr>
+          <p:cNvPr id="30" name="TextBox 29">
+            <a:extLst>
+              <a:ext uri="{FF2B5EF4-FFF2-40B4-BE49-F238E27FC236}">
+                <a16:creationId xmlns:a16="http://schemas.microsoft.com/office/drawing/2014/main" id="{B1A9F5A8-7BA0-CD46-85F6-161EBCEC3F57}"/>
+              </a:ext>
+            </a:extLst>
+          </p:cNvPr>
+          <p:cNvSpPr txBox="1"/>
+          <p:nvPr/>
+        </p:nvSpPr>
+        <p:spPr>
+          <a:xfrm>
+            <a:off x="107434" y="3549524"/>
+            <a:ext cx="1539684" cy="510235"/>
+          </a:xfrm>
+          <a:prstGeom prst="rect">
+            <a:avLst/>
+          </a:prstGeom>
+          <a:noFill/>
+          <a:ln w="3175" cap="flat">
+            <a:noFill/>
+            <a:miter lim="400000"/>
+          </a:ln>
+          <a:effectLst/>
+        </p:spPr>
+        <p:style>
+          <a:lnRef idx="0">
+            <a:scrgbClr r="0" g="0" b="0"/>
+          </a:lnRef>
+          <a:fillRef idx="0">
+            <a:scrgbClr r="0" g="0" b="0"/>
+          </a:fillRef>
+          <a:effectRef idx="0">
+            <a:scrgbClr r="0" g="0" b="0"/>
+          </a:effectRef>
+          <a:fontRef idx="none"/>
+        </p:style>
+        <p:txBody>
+          <a:bodyPr rot="0" spcFirstLastPara="1" vertOverflow="overflow" horzOverflow="overflow" vert="horz" wrap="none" lIns="39290" tIns="39290" rIns="39290" bIns="39290" numCol="1" spcCol="38100" rtlCol="0" anchor="ctr">
+            <a:spAutoFit/>
+          </a:bodyPr>
+          <a:lstStyle/>
+          <a:p>
+            <a:pPr marL="0" marR="0" indent="0" algn="ctr" defTabSz="584200" rtl="0" fontAlgn="auto" latinLnBrk="1" hangingPunct="0">
+              <a:lnSpc>
+                <a:spcPct val="100000"/>
+              </a:lnSpc>
+              <a:spcBef>
+                <a:spcPts val="0"/>
+              </a:spcBef>
+              <a:spcAft>
+                <a:spcPts val="0"/>
+              </a:spcAft>
+              <a:buClrTx/>
+              <a:buSzTx/>
+              <a:buFontTx/>
+              <a:buNone/>
+              <a:tabLst/>
+            </a:pPr>
+            <a:r>
+              <a:rPr kumimoji="0" lang="en-US" sz="2800" b="1" i="0" u="none" strike="noStrike" cap="none" spc="0" normalizeH="0" baseline="0">
+                <a:ln>
+                  <a:noFill/>
+                </a:ln>
+                <a:solidFill>
+                  <a:srgbClr val="000000"/>
+                </a:solidFill>
+                <a:effectLst/>
+                <a:uFillTx/>
+                <a:latin typeface="+mn-lt"/>
+                <a:ea typeface="+mn-ea"/>
+                <a:cs typeface="+mn-cs"/>
+                <a:sym typeface="Helvetica Light"/>
+              </a:rPr>
+              <a:t>Local PC</a:t>
+            </a:r>
+          </a:p>
+        </p:txBody>
+      </p:sp>
+      <p:sp>
+        <p:nvSpPr>
+          <p:cNvPr id="31" name="TextBox 30">
+            <a:extLst>
+              <a:ext uri="{FF2B5EF4-FFF2-40B4-BE49-F238E27FC236}">
+                <a16:creationId xmlns:a16="http://schemas.microsoft.com/office/drawing/2014/main" id="{C2FD3D45-3F06-9A4A-8497-DA1173D6B480}"/>
+              </a:ext>
+            </a:extLst>
+          </p:cNvPr>
+          <p:cNvSpPr txBox="1"/>
+          <p:nvPr/>
+        </p:nvSpPr>
+        <p:spPr>
+          <a:xfrm>
+            <a:off x="100797" y="59377"/>
+            <a:ext cx="1776928" cy="510235"/>
+          </a:xfrm>
+          <a:prstGeom prst="rect">
+            <a:avLst/>
+          </a:prstGeom>
+          <a:noFill/>
+          <a:ln w="3175" cap="flat">
+            <a:noFill/>
+            <a:miter lim="400000"/>
+          </a:ln>
+          <a:effectLst/>
+        </p:spPr>
+        <p:style>
+          <a:lnRef idx="0">
+            <a:scrgbClr r="0" g="0" b="0"/>
+          </a:lnRef>
+          <a:fillRef idx="0">
+            <a:scrgbClr r="0" g="0" b="0"/>
+          </a:fillRef>
+          <a:effectRef idx="0">
+            <a:scrgbClr r="0" g="0" b="0"/>
+          </a:effectRef>
+          <a:fontRef idx="none"/>
+        </p:style>
+        <p:txBody>
+          <a:bodyPr rot="0" spcFirstLastPara="1" vertOverflow="overflow" horzOverflow="overflow" vert="horz" wrap="none" lIns="39290" tIns="39290" rIns="39290" bIns="39290" numCol="1" spcCol="38100" rtlCol="0" anchor="ctr">
+            <a:spAutoFit/>
+          </a:bodyPr>
+          <a:lstStyle/>
+          <a:p>
+            <a:pPr marL="0" marR="0" indent="0" algn="ctr" defTabSz="584200" rtl="0" fontAlgn="auto" latinLnBrk="1" hangingPunct="0">
+              <a:lnSpc>
+                <a:spcPct val="100000"/>
+              </a:lnSpc>
+              <a:spcBef>
+                <a:spcPts val="0"/>
+              </a:spcBef>
+              <a:spcAft>
+                <a:spcPts val="0"/>
+              </a:spcAft>
+              <a:buClrTx/>
+              <a:buSzTx/>
+              <a:buFontTx/>
+              <a:buNone/>
+              <a:tabLst/>
+            </a:pPr>
+            <a:r>
+              <a:rPr kumimoji="0" lang="en-US" sz="2800" b="1" i="0" u="none" strike="noStrike" cap="none" spc="0" normalizeH="0" baseline="0">
+                <a:ln>
+                  <a:noFill/>
+                </a:ln>
+                <a:solidFill>
+                  <a:srgbClr val="000000"/>
+                </a:solidFill>
+                <a:effectLst/>
+                <a:uFillTx/>
+                <a:latin typeface="+mn-lt"/>
+                <a:ea typeface="+mn-ea"/>
+                <a:cs typeface="+mn-cs"/>
+                <a:sym typeface="Helvetica Light"/>
+              </a:rPr>
+              <a:t>IBM Cloud</a:t>
+            </a:r>
+          </a:p>
+        </p:txBody>
+      </p:sp>
+      <p:sp>
+        <p:nvSpPr>
+          <p:cNvPr id="32" name="TextBox 31">
+            <a:extLst>
+              <a:ext uri="{FF2B5EF4-FFF2-40B4-BE49-F238E27FC236}">
+                <a16:creationId xmlns:a16="http://schemas.microsoft.com/office/drawing/2014/main" id="{5DCE1792-0DF1-8342-A759-6D9ACC95A75B}"/>
+              </a:ext>
+            </a:extLst>
+          </p:cNvPr>
+          <p:cNvSpPr txBox="1"/>
+          <p:nvPr/>
+        </p:nvSpPr>
+        <p:spPr>
+          <a:xfrm>
+            <a:off x="2073742" y="996901"/>
+            <a:ext cx="1932419" cy="1002677"/>
+          </a:xfrm>
+          <a:prstGeom prst="rect">
+            <a:avLst/>
+          </a:prstGeom>
+          <a:noFill/>
+          <a:ln w="3175" cap="flat">
+            <a:noFill/>
+            <a:miter lim="400000"/>
+          </a:ln>
+          <a:effectLst/>
+        </p:spPr>
+        <p:style>
+          <a:lnRef idx="0">
+            <a:scrgbClr r="0" g="0" b="0"/>
+          </a:lnRef>
+          <a:fillRef idx="0">
+            <a:scrgbClr r="0" g="0" b="0"/>
+          </a:fillRef>
+          <a:effectRef idx="0">
+            <a:scrgbClr r="0" g="0" b="0"/>
+          </a:effectRef>
+          <a:fontRef idx="none"/>
+        </p:style>
+        <p:txBody>
+          <a:bodyPr rot="0" spcFirstLastPara="1" vertOverflow="overflow" horzOverflow="overflow" vert="horz" wrap="none" lIns="39290" tIns="39290" rIns="39290" bIns="39290" numCol="1" spcCol="38100" rtlCol="0" anchor="ctr">
+            <a:spAutoFit/>
+          </a:bodyPr>
+          <a:lstStyle/>
+          <a:p>
+            <a:pPr marL="0" marR="0" indent="0" algn="ctr" defTabSz="584200" rtl="0" fontAlgn="auto" latinLnBrk="1" hangingPunct="0">
+              <a:lnSpc>
+                <a:spcPct val="100000"/>
+              </a:lnSpc>
+              <a:spcBef>
+                <a:spcPts val="0"/>
+              </a:spcBef>
+              <a:spcAft>
+                <a:spcPts val="0"/>
+              </a:spcAft>
+              <a:buClrTx/>
+              <a:buSzTx/>
+              <a:buFontTx/>
+              <a:buNone/>
+              <a:tabLst/>
+            </a:pPr>
+            <a:r>
+              <a:rPr kumimoji="0" lang="en-US" sz="2000" b="1" i="0" u="none" strike="noStrike" cap="none" spc="0" normalizeH="0" baseline="0" dirty="0">
+                <a:ln>
+                  <a:noFill/>
+                </a:ln>
+                <a:solidFill>
+                  <a:srgbClr val="000000"/>
+                </a:solidFill>
+                <a:effectLst/>
+                <a:uFillTx/>
+                <a:latin typeface="+mn-lt"/>
+                <a:ea typeface="+mn-ea"/>
+                <a:cs typeface="+mn-cs"/>
+                <a:sym typeface="Helvetica Light"/>
+              </a:rPr>
+              <a:t>Build</a:t>
+            </a:r>
+            <a:r>
+              <a:rPr kumimoji="0" lang="en-US" sz="2000" b="0" i="0" u="none" strike="noStrike" cap="none" spc="0" normalizeH="0" baseline="0" dirty="0">
+                <a:ln>
+                  <a:noFill/>
+                </a:ln>
+                <a:solidFill>
+                  <a:srgbClr val="000000"/>
+                </a:solidFill>
+                <a:effectLst/>
+                <a:uFillTx/>
+                <a:latin typeface="+mn-lt"/>
+                <a:ea typeface="+mn-ea"/>
+                <a:cs typeface="+mn-cs"/>
+                <a:sym typeface="Helvetica Light"/>
+              </a:rPr>
+              <a:t> and </a:t>
+            </a:r>
+          </a:p>
+          <a:p>
+            <a:pPr marL="0" marR="0" indent="0" algn="ctr" defTabSz="584200" rtl="0" fontAlgn="auto" latinLnBrk="1" hangingPunct="0">
+              <a:lnSpc>
+                <a:spcPct val="100000"/>
+              </a:lnSpc>
+              <a:spcBef>
+                <a:spcPts val="0"/>
+              </a:spcBef>
+              <a:spcAft>
+                <a:spcPts val="0"/>
+              </a:spcAft>
+              <a:buClrTx/>
+              <a:buSzTx/>
+              <a:buFontTx/>
+              <a:buNone/>
+              <a:tabLst/>
+            </a:pPr>
+            <a:r>
+              <a:rPr kumimoji="0" lang="en-US" sz="2000" b="1" i="0" u="none" strike="noStrike" cap="none" spc="0" normalizeH="0" baseline="0" dirty="0">
+                <a:ln>
+                  <a:noFill/>
+                </a:ln>
+                <a:solidFill>
+                  <a:srgbClr val="000000"/>
+                </a:solidFill>
+                <a:effectLst/>
+                <a:uFillTx/>
+                <a:latin typeface="+mn-lt"/>
+                <a:ea typeface="+mn-ea"/>
+                <a:cs typeface="+mn-cs"/>
+                <a:sym typeface="Helvetica Light"/>
+              </a:rPr>
+              <a:t>store</a:t>
+            </a:r>
+            <a:r>
+              <a:rPr kumimoji="0" lang="en-US" sz="2000" b="0" i="0" u="none" strike="noStrike" cap="none" spc="0" normalizeH="0" baseline="0" dirty="0">
+                <a:ln>
+                  <a:noFill/>
+                </a:ln>
+                <a:solidFill>
+                  <a:srgbClr val="000000"/>
+                </a:solidFill>
+                <a:effectLst/>
+                <a:uFillTx/>
+                <a:latin typeface="+mn-lt"/>
+                <a:ea typeface="+mn-ea"/>
+                <a:cs typeface="+mn-cs"/>
+                <a:sym typeface="Helvetica Light"/>
+              </a:rPr>
+              <a:t> the </a:t>
+            </a:r>
+            <a:br>
+              <a:rPr kumimoji="0" lang="en-US" sz="2000" b="0" i="0" u="none" strike="noStrike" cap="none" spc="0" normalizeH="0" baseline="0" dirty="0">
+                <a:ln>
+                  <a:noFill/>
+                </a:ln>
+                <a:solidFill>
+                  <a:srgbClr val="000000"/>
+                </a:solidFill>
+                <a:effectLst/>
+                <a:uFillTx/>
+                <a:latin typeface="+mn-lt"/>
+                <a:ea typeface="+mn-ea"/>
+                <a:cs typeface="+mn-cs"/>
+                <a:sym typeface="Helvetica Light"/>
+              </a:rPr>
+            </a:br>
+            <a:r>
+              <a:rPr kumimoji="0" lang="en-US" sz="2000" b="0" i="0" u="none" strike="noStrike" cap="none" spc="0" normalizeH="0" baseline="0" dirty="0">
+                <a:ln>
+                  <a:noFill/>
+                </a:ln>
+                <a:solidFill>
+                  <a:srgbClr val="000000"/>
+                </a:solidFill>
+                <a:effectLst/>
+                <a:uFillTx/>
+                <a:latin typeface="+mn-lt"/>
+                <a:ea typeface="+mn-ea"/>
+                <a:cs typeface="+mn-cs"/>
+                <a:sym typeface="Helvetica Light"/>
+              </a:rPr>
+              <a:t>container image</a:t>
+            </a:r>
+          </a:p>
+        </p:txBody>
+      </p:sp>
+      <p:sp>
+        <p:nvSpPr>
+          <p:cNvPr id="45" name="Rounded Rectangle 44">
+            <a:extLst>
+              <a:ext uri="{FF2B5EF4-FFF2-40B4-BE49-F238E27FC236}">
+                <a16:creationId xmlns:a16="http://schemas.microsoft.com/office/drawing/2014/main" id="{5E87E884-F3FC-6348-84F8-02FFD5222877}"/>
+              </a:ext>
+            </a:extLst>
+          </p:cNvPr>
+          <p:cNvSpPr/>
+          <p:nvPr/>
+        </p:nvSpPr>
+        <p:spPr>
+          <a:xfrm>
+            <a:off x="1369725" y="4806294"/>
+            <a:ext cx="3278406" cy="2679040"/>
+          </a:xfrm>
+          <a:prstGeom prst="roundRect">
+            <a:avLst/>
+          </a:prstGeom>
+          <a:solidFill>
+            <a:schemeClr val="bg1"/>
+          </a:solidFill>
+          <a:ln w="25400">
+            <a:solidFill>
+              <a:srgbClr val="4277BB"/>
+            </a:solidFill>
+            <a:miter lim="400000"/>
+          </a:ln>
+        </p:spPr>
+        <p:txBody>
+          <a:bodyPr lIns="0" tIns="0" rIns="0" bIns="0" rtlCol="0" anchor="ctr"/>
+          <a:lstStyle/>
+          <a:p>
+            <a:pPr algn="ctr"/>
+            <a:endParaRPr lang="en-US" sz="1800">
+              <a:solidFill>
+                <a:srgbClr val="4277BB"/>
+              </a:solidFill>
+            </a:endParaRPr>
+          </a:p>
+        </p:txBody>
+      </p:sp>
+      <p:pic>
+        <p:nvPicPr>
+          <p:cNvPr id="46" name="Picture 45">
+            <a:extLst>
+              <a:ext uri="{FF2B5EF4-FFF2-40B4-BE49-F238E27FC236}">
+                <a16:creationId xmlns:a16="http://schemas.microsoft.com/office/drawing/2014/main" id="{E5DCF9D9-1C29-5A49-8F96-5B8B10F399EB}"/>
+              </a:ext>
+            </a:extLst>
+          </p:cNvPr>
+          <p:cNvPicPr>
+            <a:picLocks noChangeAspect="1"/>
+          </p:cNvPicPr>
+          <p:nvPr/>
+        </p:nvPicPr>
+        <p:blipFill>
+          <a:blip r:embed="rId3">
+            <a:extLst>
+              <a:ext uri="{28A0092B-C50C-407E-A947-70E740481C1C}">
+                <a14:useLocalDpi xmlns:a14="http://schemas.microsoft.com/office/drawing/2010/main" val="0"/>
+              </a:ext>
+            </a:extLst>
+          </a:blip>
+          <a:stretch>
+            <a:fillRect/>
+          </a:stretch>
+        </p:blipFill>
+        <p:spPr>
+          <a:xfrm>
+            <a:off x="860735" y="4082962"/>
+            <a:ext cx="1068266" cy="912477"/>
+          </a:xfrm>
+          <a:prstGeom prst="rect">
+            <a:avLst/>
+          </a:prstGeom>
+        </p:spPr>
+      </p:pic>
+      <p:pic>
+        <p:nvPicPr>
+          <p:cNvPr id="47" name="Picture 46">
+            <a:extLst>
+              <a:ext uri="{FF2B5EF4-FFF2-40B4-BE49-F238E27FC236}">
+                <a16:creationId xmlns:a16="http://schemas.microsoft.com/office/drawing/2014/main" id="{5C93D825-C27B-AF4B-A16D-E175E69A847D}"/>
+              </a:ext>
+            </a:extLst>
+          </p:cNvPr>
+          <p:cNvPicPr>
+            <a:picLocks noChangeAspect="1"/>
+          </p:cNvPicPr>
+          <p:nvPr/>
+        </p:nvPicPr>
+        <p:blipFill>
+          <a:blip r:embed="rId4">
+            <a:extLst>
+              <a:ext uri="{28A0092B-C50C-407E-A947-70E740481C1C}">
+                <a14:useLocalDpi xmlns:a14="http://schemas.microsoft.com/office/drawing/2010/main" val="0"/>
+              </a:ext>
+            </a:extLst>
+          </a:blip>
+          <a:stretch>
+            <a:fillRect/>
+          </a:stretch>
+        </p:blipFill>
+        <p:spPr>
+          <a:xfrm>
+            <a:off x="2443357" y="5898551"/>
+            <a:ext cx="991842" cy="374696"/>
+          </a:xfrm>
+          <a:prstGeom prst="rect">
+            <a:avLst/>
+          </a:prstGeom>
+        </p:spPr>
+      </p:pic>
+      <p:pic>
+        <p:nvPicPr>
+          <p:cNvPr id="48" name="Picture 47">
+            <a:extLst>
+              <a:ext uri="{FF2B5EF4-FFF2-40B4-BE49-F238E27FC236}">
+                <a16:creationId xmlns:a16="http://schemas.microsoft.com/office/drawing/2014/main" id="{A2AF9D1A-A61F-F140-AF53-F0953DD0AA58}"/>
+              </a:ext>
+            </a:extLst>
+          </p:cNvPr>
+          <p:cNvPicPr>
+            <a:picLocks noChangeAspect="1"/>
+          </p:cNvPicPr>
+          <p:nvPr/>
+        </p:nvPicPr>
+        <p:blipFill>
+          <a:blip r:embed="rId5">
+            <a:extLst>
+              <a:ext uri="{28A0092B-C50C-407E-A947-70E740481C1C}">
+                <a14:useLocalDpi xmlns:a14="http://schemas.microsoft.com/office/drawing/2010/main" val="0"/>
+              </a:ext>
+            </a:extLst>
+          </a:blip>
+          <a:stretch>
+            <a:fillRect/>
+          </a:stretch>
+        </p:blipFill>
+        <p:spPr>
+          <a:xfrm>
+            <a:off x="2089356" y="6320359"/>
+            <a:ext cx="1612860" cy="283796"/>
+          </a:xfrm>
+          <a:prstGeom prst="rect">
+            <a:avLst/>
+          </a:prstGeom>
+        </p:spPr>
+      </p:pic>
+      <p:pic>
+        <p:nvPicPr>
+          <p:cNvPr id="49" name="Picture 48">
+            <a:extLst>
+              <a:ext uri="{FF2B5EF4-FFF2-40B4-BE49-F238E27FC236}">
+                <a16:creationId xmlns:a16="http://schemas.microsoft.com/office/drawing/2014/main" id="{CDB9263C-7BD7-9047-91DE-F9300D178408}"/>
+              </a:ext>
+            </a:extLst>
+          </p:cNvPr>
+          <p:cNvPicPr>
+            <a:picLocks noChangeAspect="1"/>
+          </p:cNvPicPr>
+          <p:nvPr/>
+        </p:nvPicPr>
+        <p:blipFill>
+          <a:blip r:embed="rId6">
+            <a:extLst>
+              <a:ext uri="{28A0092B-C50C-407E-A947-70E740481C1C}">
+                <a14:useLocalDpi xmlns:a14="http://schemas.microsoft.com/office/drawing/2010/main" val="0"/>
+              </a:ext>
+            </a:extLst>
+          </a:blip>
+          <a:stretch>
+            <a:fillRect/>
+          </a:stretch>
+        </p:blipFill>
+        <p:spPr>
+          <a:xfrm>
+            <a:off x="2373347" y="6525466"/>
+            <a:ext cx="1131863" cy="603660"/>
+          </a:xfrm>
+          <a:prstGeom prst="rect">
+            <a:avLst/>
+          </a:prstGeom>
+        </p:spPr>
+      </p:pic>
+      <p:sp>
+        <p:nvSpPr>
+          <p:cNvPr id="51" name="TextBox 50">
+            <a:extLst>
+              <a:ext uri="{FF2B5EF4-FFF2-40B4-BE49-F238E27FC236}">
+                <a16:creationId xmlns:a16="http://schemas.microsoft.com/office/drawing/2014/main" id="{A51D1E4A-15B6-5948-AD9C-FF32924EF828}"/>
+              </a:ext>
+            </a:extLst>
+          </p:cNvPr>
+          <p:cNvSpPr txBox="1"/>
+          <p:nvPr/>
+        </p:nvSpPr>
+        <p:spPr>
+          <a:xfrm>
+            <a:off x="1438647" y="4908062"/>
+            <a:ext cx="3179556" cy="633345"/>
+          </a:xfrm>
+          <a:prstGeom prst="rect">
+            <a:avLst/>
+          </a:prstGeom>
+          <a:noFill/>
+          <a:ln w="3175" cap="flat">
+            <a:noFill/>
+            <a:miter lim="400000"/>
+          </a:ln>
+          <a:effectLst/>
+        </p:spPr>
+        <p:style>
+          <a:lnRef idx="0">
+            <a:scrgbClr r="0" g="0" b="0"/>
+          </a:lnRef>
+          <a:fillRef idx="0">
+            <a:scrgbClr r="0" g="0" b="0"/>
+          </a:fillRef>
+          <a:effectRef idx="0">
+            <a:scrgbClr r="0" g="0" b="0"/>
+          </a:effectRef>
+          <a:fontRef idx="none"/>
+        </p:style>
+        <p:txBody>
+          <a:bodyPr rot="0" spcFirstLastPara="1" vertOverflow="overflow" horzOverflow="overflow" vert="horz" wrap="square" lIns="39290" tIns="39290" rIns="39290" bIns="39290" numCol="1" spcCol="38100" rtlCol="0" anchor="ctr">
+            <a:spAutoFit/>
+          </a:bodyPr>
+          <a:lstStyle/>
+          <a:p>
+            <a:pPr marL="0" marR="0" indent="0" algn="ctr" defTabSz="584200" rtl="0" fontAlgn="auto" latinLnBrk="1" hangingPunct="0">
+              <a:lnSpc>
+                <a:spcPct val="100000"/>
+              </a:lnSpc>
+              <a:spcBef>
+                <a:spcPts val="0"/>
+              </a:spcBef>
+              <a:spcAft>
+                <a:spcPts val="0"/>
+              </a:spcAft>
+              <a:buClrTx/>
+              <a:buSzTx/>
+              <a:buFontTx/>
+              <a:buNone/>
+              <a:tabLst/>
+            </a:pPr>
+            <a:r>
+              <a:rPr kumimoji="0" lang="en-US" sz="1800" b="1" i="0" u="none" strike="noStrike" cap="none" spc="0" normalizeH="0" baseline="0" dirty="0">
+                <a:ln>
+                  <a:noFill/>
+                </a:ln>
+                <a:solidFill>
+                  <a:srgbClr val="000000"/>
+                </a:solidFill>
+                <a:effectLst/>
+                <a:uFillTx/>
+                <a:latin typeface="+mn-lt"/>
+                <a:ea typeface="+mn-ea"/>
+                <a:cs typeface="+mn-cs"/>
+                <a:sym typeface="Helvetica Light"/>
+              </a:rPr>
+              <a:t>Java microservice container</a:t>
+            </a:r>
+            <a:br>
+              <a:rPr kumimoji="0" lang="en-US" sz="1800" b="1" i="0" u="none" strike="noStrike" cap="none" spc="0" normalizeH="0" baseline="0" dirty="0">
+                <a:ln>
+                  <a:noFill/>
+                </a:ln>
+                <a:solidFill>
+                  <a:srgbClr val="000000"/>
+                </a:solidFill>
+                <a:effectLst/>
+                <a:uFillTx/>
+                <a:latin typeface="+mn-lt"/>
+                <a:ea typeface="+mn-ea"/>
+                <a:cs typeface="+mn-cs"/>
+                <a:sym typeface="Helvetica Light"/>
+              </a:rPr>
+            </a:br>
+            <a:r>
+              <a:rPr kumimoji="0" lang="en-US" sz="1800" b="1" i="0" u="none" strike="noStrike" cap="none" spc="0" normalizeH="0" baseline="0" dirty="0">
+                <a:ln>
+                  <a:noFill/>
+                </a:ln>
+                <a:solidFill>
+                  <a:srgbClr val="000000"/>
+                </a:solidFill>
+                <a:effectLst/>
+                <a:uFillTx/>
+                <a:latin typeface="+mn-lt"/>
+                <a:ea typeface="+mn-ea"/>
+                <a:cs typeface="+mn-cs"/>
+                <a:sym typeface="Helvetica Light"/>
+              </a:rPr>
+              <a:t>authors</a:t>
+            </a:r>
+          </a:p>
+        </p:txBody>
+      </p:sp>
+      <p:sp>
+        <p:nvSpPr>
+          <p:cNvPr id="57" name="Rounded Rectangle 56">
+            <a:extLst>
+              <a:ext uri="{FF2B5EF4-FFF2-40B4-BE49-F238E27FC236}">
+                <a16:creationId xmlns:a16="http://schemas.microsoft.com/office/drawing/2014/main" id="{C02F021C-4194-CC48-A129-DBFE731202BF}"/>
+              </a:ext>
+            </a:extLst>
+          </p:cNvPr>
+          <p:cNvSpPr/>
+          <p:nvPr/>
+        </p:nvSpPr>
+        <p:spPr>
+          <a:xfrm>
+            <a:off x="2759917" y="2172831"/>
+            <a:ext cx="844937" cy="856685"/>
+          </a:xfrm>
+          <a:prstGeom prst="roundRect">
+            <a:avLst/>
+          </a:prstGeom>
+          <a:ln w="25400">
+            <a:solidFill>
+              <a:srgbClr val="4277BB"/>
+            </a:solidFill>
+            <a:miter lim="400000"/>
+          </a:ln>
+        </p:spPr>
+        <p:txBody>
+          <a:bodyPr lIns="0" tIns="0" rIns="0" bIns="0" rtlCol="0" anchor="ctr"/>
+          <a:lstStyle/>
+          <a:p>
+            <a:pPr algn="ctr"/>
+            <a:endParaRPr lang="en-US" sz="1800">
+              <a:solidFill>
+                <a:srgbClr val="4277BB"/>
+              </a:solidFill>
+            </a:endParaRPr>
+          </a:p>
+        </p:txBody>
+      </p:sp>
+      <p:sp>
+        <p:nvSpPr>
+          <p:cNvPr id="58" name="Rounded Rectangle 57">
+            <a:extLst>
+              <a:ext uri="{FF2B5EF4-FFF2-40B4-BE49-F238E27FC236}">
+                <a16:creationId xmlns:a16="http://schemas.microsoft.com/office/drawing/2014/main" id="{74AC6CAB-6CF0-064E-82A7-C042A402770F}"/>
+              </a:ext>
+            </a:extLst>
+          </p:cNvPr>
+          <p:cNvSpPr/>
+          <p:nvPr/>
+        </p:nvSpPr>
+        <p:spPr>
+          <a:xfrm>
+            <a:off x="2453140" y="2288071"/>
+            <a:ext cx="844937" cy="856685"/>
+          </a:xfrm>
+          <a:prstGeom prst="roundRect">
+            <a:avLst/>
+          </a:prstGeom>
+          <a:solidFill>
+            <a:srgbClr val="FFFFFF"/>
+          </a:solidFill>
+          <a:ln w="25400">
+            <a:solidFill>
+              <a:srgbClr val="4277BB"/>
+            </a:solidFill>
+            <a:miter lim="400000"/>
+          </a:ln>
+        </p:spPr>
+        <p:txBody>
+          <a:bodyPr lIns="0" tIns="0" rIns="0" bIns="0" rtlCol="0" anchor="ctr"/>
+          <a:lstStyle/>
+          <a:p>
+            <a:pPr algn="ctr"/>
+            <a:endParaRPr lang="en-US" sz="1800">
+              <a:solidFill>
+                <a:srgbClr val="4277BB"/>
+              </a:solidFill>
+            </a:endParaRPr>
+          </a:p>
+        </p:txBody>
+      </p:sp>
+      <p:sp>
+        <p:nvSpPr>
+          <p:cNvPr id="53" name="TextBox 52">
+            <a:extLst>
+              <a:ext uri="{FF2B5EF4-FFF2-40B4-BE49-F238E27FC236}">
+                <a16:creationId xmlns:a16="http://schemas.microsoft.com/office/drawing/2014/main" id="{717480D1-DE4D-4140-93A1-82380660F575}"/>
+              </a:ext>
+            </a:extLst>
+          </p:cNvPr>
+          <p:cNvSpPr txBox="1"/>
+          <p:nvPr/>
+        </p:nvSpPr>
+        <p:spPr>
+          <a:xfrm>
+            <a:off x="3135105" y="3969430"/>
+            <a:ext cx="592309" cy="356346"/>
+          </a:xfrm>
+          <a:prstGeom prst="rect">
+            <a:avLst/>
+          </a:prstGeom>
+          <a:noFill/>
+          <a:ln w="3175" cap="flat">
+            <a:noFill/>
+            <a:miter lim="400000"/>
+          </a:ln>
+          <a:effectLst/>
+        </p:spPr>
+        <p:style>
+          <a:lnRef idx="0">
+            <a:scrgbClr r="0" g="0" b="0"/>
+          </a:lnRef>
+          <a:fillRef idx="0">
+            <a:scrgbClr r="0" g="0" b="0"/>
+          </a:fillRef>
+          <a:effectRef idx="0">
+            <a:scrgbClr r="0" g="0" b="0"/>
+          </a:effectRef>
+          <a:fontRef idx="none"/>
+        </p:style>
+        <p:txBody>
+          <a:bodyPr rot="0" spcFirstLastPara="1" vertOverflow="overflow" horzOverflow="overflow" vert="horz" wrap="none" lIns="39290" tIns="39290" rIns="39290" bIns="39290" numCol="1" spcCol="38100" rtlCol="0" anchor="ctr">
+            <a:spAutoFit/>
+          </a:bodyPr>
+          <a:lstStyle/>
+          <a:p>
+            <a:pPr marL="0" marR="0" indent="0" algn="ctr" defTabSz="584200" rtl="0" fontAlgn="auto" latinLnBrk="1" hangingPunct="0">
+              <a:lnSpc>
+                <a:spcPct val="100000"/>
+              </a:lnSpc>
+              <a:spcBef>
+                <a:spcPts val="0"/>
+              </a:spcBef>
+              <a:spcAft>
+                <a:spcPts val="0"/>
+              </a:spcAft>
+              <a:buClrTx/>
+              <a:buSzTx/>
+              <a:buFontTx/>
+              <a:buNone/>
+              <a:tabLst/>
+            </a:pPr>
+            <a:r>
+              <a:rPr lang="en-US" sz="1800" dirty="0">
+                <a:solidFill>
+                  <a:srgbClr val="000000"/>
+                </a:solidFill>
+              </a:rPr>
+              <a:t>push</a:t>
+            </a:r>
+            <a:endParaRPr kumimoji="0" lang="en-US" sz="1800" b="0" i="0" u="none" strike="noStrike" cap="none" spc="0" normalizeH="0" baseline="0" dirty="0">
+              <a:ln>
+                <a:noFill/>
+              </a:ln>
+              <a:solidFill>
+                <a:srgbClr val="000000"/>
+              </a:solidFill>
+              <a:effectLst/>
+              <a:uFillTx/>
+              <a:latin typeface="+mn-lt"/>
+              <a:ea typeface="+mn-ea"/>
+              <a:cs typeface="+mn-cs"/>
+              <a:sym typeface="Helvetica Light"/>
+            </a:endParaRPr>
+          </a:p>
+        </p:txBody>
+      </p:sp>
+      <p:grpSp>
+        <p:nvGrpSpPr>
+          <p:cNvPr id="8" name="Group 7">
+            <a:extLst>
+              <a:ext uri="{FF2B5EF4-FFF2-40B4-BE49-F238E27FC236}">
+                <a16:creationId xmlns:a16="http://schemas.microsoft.com/office/drawing/2014/main" id="{AB8F0388-398F-A846-A1A4-8F27D9C8118E}"/>
+              </a:ext>
+            </a:extLst>
+          </p:cNvPr>
+          <p:cNvGrpSpPr/>
+          <p:nvPr/>
+        </p:nvGrpSpPr>
+        <p:grpSpPr>
+          <a:xfrm>
+            <a:off x="3783793" y="3841915"/>
+            <a:ext cx="593382" cy="585967"/>
+            <a:chOff x="2338280" y="5620523"/>
+            <a:chExt cx="914400" cy="914400"/>
+          </a:xfrm>
+        </p:grpSpPr>
+        <p:sp>
+          <p:nvSpPr>
+            <p:cNvPr id="2" name="Oval 1">
+              <a:extLst>
+                <a:ext uri="{FF2B5EF4-FFF2-40B4-BE49-F238E27FC236}">
+                  <a16:creationId xmlns:a16="http://schemas.microsoft.com/office/drawing/2014/main" id="{45FB4D49-EFB9-8041-8771-977263BBB040}"/>
+                </a:ext>
+              </a:extLst>
+            </p:cNvPr>
+            <p:cNvSpPr/>
+            <p:nvPr/>
+          </p:nvSpPr>
+          <p:spPr>
+            <a:xfrm>
+              <a:off x="2338280" y="5620523"/>
+              <a:ext cx="914400" cy="914400"/>
+            </a:xfrm>
+            <a:prstGeom prst="ellipse">
+              <a:avLst/>
+            </a:prstGeom>
+            <a:ln w="25400">
+              <a:solidFill>
+                <a:srgbClr val="4277BB"/>
+              </a:solidFill>
+              <a:miter lim="400000"/>
+            </a:ln>
+          </p:spPr>
+          <p:txBody>
+            <a:bodyPr lIns="0" tIns="0" rIns="0" bIns="0" rtlCol="0" anchor="ctr"/>
+            <a:lstStyle/>
+            <a:p>
+              <a:pPr algn="ctr"/>
+              <a:endParaRPr lang="en-US" sz="1800">
+                <a:solidFill>
+                  <a:srgbClr val="4277BB"/>
+                </a:solidFill>
+              </a:endParaRPr>
+            </a:p>
+          </p:txBody>
+        </p:sp>
+        <p:sp>
+          <p:nvSpPr>
+            <p:cNvPr id="7" name="TextBox 6">
+              <a:extLst>
+                <a:ext uri="{FF2B5EF4-FFF2-40B4-BE49-F238E27FC236}">
+                  <a16:creationId xmlns:a16="http://schemas.microsoft.com/office/drawing/2014/main" id="{1828B872-4ED0-474E-A06F-94308E793CF7}"/>
+                </a:ext>
+              </a:extLst>
+            </p:cNvPr>
+            <p:cNvSpPr txBox="1"/>
+            <p:nvPr/>
+          </p:nvSpPr>
+          <p:spPr>
+            <a:xfrm>
+              <a:off x="2660556" y="5822605"/>
+              <a:ext cx="279723" cy="510235"/>
+            </a:xfrm>
+            <a:prstGeom prst="rect">
+              <a:avLst/>
+            </a:prstGeom>
+            <a:noFill/>
+            <a:ln w="3175" cap="flat">
+              <a:noFill/>
+              <a:miter lim="400000"/>
+            </a:ln>
+            <a:effectLst/>
+          </p:spPr>
+          <p:style>
+            <a:lnRef idx="0">
+              <a:scrgbClr r="0" g="0" b="0"/>
+            </a:lnRef>
+            <a:fillRef idx="0">
+              <a:scrgbClr r="0" g="0" b="0"/>
+            </a:fillRef>
+            <a:effectRef idx="0">
+              <a:scrgbClr r="0" g="0" b="0"/>
+            </a:effectRef>
+            <a:fontRef idx="none"/>
+          </p:style>
+          <p:txBody>
+            <a:bodyPr rot="0" spcFirstLastPara="1" vertOverflow="overflow" horzOverflow="overflow" vert="horz" wrap="none" lIns="39290" tIns="39290" rIns="39290" bIns="39290" numCol="1" spcCol="38100" rtlCol="0" anchor="ctr">
+              <a:spAutoFit/>
+            </a:bodyPr>
+            <a:lstStyle/>
+            <a:p>
+              <a:pPr marL="0" marR="0" indent="0" algn="ctr" defTabSz="584200" rtl="0" fontAlgn="auto" latinLnBrk="1" hangingPunct="0">
+                <a:lnSpc>
+                  <a:spcPct val="100000"/>
+                </a:lnSpc>
+                <a:spcBef>
+                  <a:spcPts val="0"/>
+                </a:spcBef>
+                <a:spcAft>
+                  <a:spcPts val="0"/>
+                </a:spcAft>
+                <a:buClrTx/>
+                <a:buSzTx/>
+                <a:buFontTx/>
+                <a:buNone/>
+                <a:tabLst/>
+              </a:pPr>
+              <a:r>
+                <a:rPr kumimoji="0" lang="en-US" sz="2800" b="0" i="0" u="none" strike="noStrike" cap="none" spc="0" normalizeH="0" baseline="0" dirty="0">
+                  <a:ln>
+                    <a:noFill/>
+                  </a:ln>
+                  <a:solidFill>
+                    <a:srgbClr val="000000"/>
+                  </a:solidFill>
+                  <a:effectLst/>
+                  <a:uFillTx/>
+                  <a:latin typeface="+mn-lt"/>
+                  <a:ea typeface="+mn-ea"/>
+                  <a:cs typeface="+mn-cs"/>
+                  <a:sym typeface="Helvetica Light"/>
+                </a:rPr>
+                <a:t>1</a:t>
+              </a:r>
+            </a:p>
+          </p:txBody>
+        </p:sp>
+      </p:grpSp>
+      <p:grpSp>
+        <p:nvGrpSpPr>
+          <p:cNvPr id="54" name="Group 53">
+            <a:extLst>
+              <a:ext uri="{FF2B5EF4-FFF2-40B4-BE49-F238E27FC236}">
+                <a16:creationId xmlns:a16="http://schemas.microsoft.com/office/drawing/2014/main" id="{E68F073C-26E6-BF41-AA89-397C0C0DF73C}"/>
+              </a:ext>
+            </a:extLst>
+          </p:cNvPr>
+          <p:cNvGrpSpPr/>
+          <p:nvPr/>
+        </p:nvGrpSpPr>
+        <p:grpSpPr>
+          <a:xfrm>
+            <a:off x="3727414" y="923347"/>
+            <a:ext cx="593382" cy="585967"/>
+            <a:chOff x="2338280" y="5620523"/>
+            <a:chExt cx="914400" cy="914400"/>
+          </a:xfrm>
+        </p:grpSpPr>
+        <p:sp>
+          <p:nvSpPr>
+            <p:cNvPr id="61" name="Oval 60">
+              <a:extLst>
+                <a:ext uri="{FF2B5EF4-FFF2-40B4-BE49-F238E27FC236}">
+                  <a16:creationId xmlns:a16="http://schemas.microsoft.com/office/drawing/2014/main" id="{F84D4B9F-5490-C045-8A74-3AF1B8781E0C}"/>
+                </a:ext>
+              </a:extLst>
+            </p:cNvPr>
+            <p:cNvSpPr/>
+            <p:nvPr/>
+          </p:nvSpPr>
+          <p:spPr>
+            <a:xfrm>
+              <a:off x="2338280" y="5620523"/>
+              <a:ext cx="914400" cy="914400"/>
+            </a:xfrm>
+            <a:prstGeom prst="ellipse">
+              <a:avLst/>
+            </a:prstGeom>
+            <a:solidFill>
+              <a:schemeClr val="bg1"/>
+            </a:solidFill>
+            <a:ln w="25400">
+              <a:solidFill>
+                <a:srgbClr val="4277BB"/>
+              </a:solidFill>
+              <a:miter lim="400000"/>
+            </a:ln>
+          </p:spPr>
+          <p:txBody>
+            <a:bodyPr lIns="0" tIns="0" rIns="0" bIns="0" rtlCol="0" anchor="ctr"/>
+            <a:lstStyle/>
+            <a:p>
+              <a:pPr algn="ctr"/>
+              <a:endParaRPr lang="en-US" sz="1800">
+                <a:solidFill>
+                  <a:srgbClr val="4277BB"/>
+                </a:solidFill>
+              </a:endParaRPr>
+            </a:p>
+          </p:txBody>
+        </p:sp>
+        <p:sp>
+          <p:nvSpPr>
+            <p:cNvPr id="62" name="TextBox 61">
+              <a:extLst>
+                <a:ext uri="{FF2B5EF4-FFF2-40B4-BE49-F238E27FC236}">
+                  <a16:creationId xmlns:a16="http://schemas.microsoft.com/office/drawing/2014/main" id="{8F4F9CA3-8686-8E45-A501-C4565CA25F65}"/>
+                </a:ext>
+              </a:extLst>
+            </p:cNvPr>
+            <p:cNvSpPr txBox="1"/>
+            <p:nvPr/>
+          </p:nvSpPr>
+          <p:spPr>
+            <a:xfrm>
+              <a:off x="2584892" y="5679611"/>
+              <a:ext cx="431052" cy="796220"/>
+            </a:xfrm>
+            <a:prstGeom prst="rect">
+              <a:avLst/>
+            </a:prstGeom>
+            <a:noFill/>
+            <a:ln w="3175" cap="flat">
+              <a:noFill/>
+              <a:miter lim="400000"/>
+            </a:ln>
+            <a:effectLst/>
+          </p:spPr>
+          <p:style>
+            <a:lnRef idx="0">
+              <a:scrgbClr r="0" g="0" b="0"/>
+            </a:lnRef>
+            <a:fillRef idx="0">
+              <a:scrgbClr r="0" g="0" b="0"/>
+            </a:fillRef>
+            <a:effectRef idx="0">
+              <a:scrgbClr r="0" g="0" b="0"/>
+            </a:effectRef>
+            <a:fontRef idx="none"/>
+          </p:style>
+          <p:txBody>
+            <a:bodyPr rot="0" spcFirstLastPara="1" vertOverflow="overflow" horzOverflow="overflow" vert="horz" wrap="none" lIns="39290" tIns="39290" rIns="39290" bIns="39290" numCol="1" spcCol="38100" rtlCol="0" anchor="ctr">
+              <a:spAutoFit/>
+            </a:bodyPr>
+            <a:lstStyle/>
+            <a:p>
+              <a:pPr marL="0" marR="0" indent="0" algn="ctr" defTabSz="584200" rtl="0" fontAlgn="auto" latinLnBrk="1" hangingPunct="0">
+                <a:lnSpc>
+                  <a:spcPct val="100000"/>
+                </a:lnSpc>
+                <a:spcBef>
+                  <a:spcPts val="0"/>
+                </a:spcBef>
+                <a:spcAft>
+                  <a:spcPts val="0"/>
+                </a:spcAft>
+                <a:buClrTx/>
+                <a:buSzTx/>
+                <a:buFontTx/>
+                <a:buNone/>
+                <a:tabLst/>
+              </a:pPr>
+              <a:r>
+                <a:rPr lang="en-US">
+                  <a:solidFill>
+                    <a:srgbClr val="000000"/>
+                  </a:solidFill>
+                </a:rPr>
+                <a:t>2</a:t>
+              </a:r>
+              <a:endParaRPr kumimoji="0" lang="en-US" sz="2800" b="0" i="0" u="none" strike="noStrike" cap="none" spc="0" normalizeH="0" baseline="0">
+                <a:ln>
+                  <a:noFill/>
+                </a:ln>
+                <a:solidFill>
+                  <a:srgbClr val="000000"/>
+                </a:solidFill>
+                <a:effectLst/>
+                <a:uFillTx/>
+                <a:latin typeface="+mn-lt"/>
+                <a:ea typeface="+mn-ea"/>
+                <a:cs typeface="+mn-cs"/>
+                <a:sym typeface="Helvetica Light"/>
+              </a:endParaRPr>
+            </a:p>
+          </p:txBody>
+        </p:sp>
+      </p:grpSp>
+      <p:sp>
+        <p:nvSpPr>
+          <p:cNvPr id="66" name="Rounded Rectangle 65">
+            <a:extLst>
+              <a:ext uri="{FF2B5EF4-FFF2-40B4-BE49-F238E27FC236}">
+                <a16:creationId xmlns:a16="http://schemas.microsoft.com/office/drawing/2014/main" id="{C4D50543-9EFD-2B42-9F96-9784F0AFD273}"/>
+              </a:ext>
+            </a:extLst>
+          </p:cNvPr>
+          <p:cNvSpPr/>
+          <p:nvPr/>
+        </p:nvSpPr>
+        <p:spPr>
+          <a:xfrm>
+            <a:off x="6021534" y="764170"/>
+            <a:ext cx="3697784" cy="2332892"/>
+          </a:xfrm>
+          <a:prstGeom prst="roundRect">
+            <a:avLst/>
+          </a:prstGeom>
+          <a:ln w="25400">
+            <a:solidFill>
+              <a:srgbClr val="4277BB"/>
+            </a:solidFill>
+            <a:miter lim="400000"/>
+          </a:ln>
+        </p:spPr>
+        <p:txBody>
+          <a:bodyPr lIns="0" tIns="0" rIns="0" bIns="0" rtlCol="0" anchor="ctr"/>
+          <a:lstStyle/>
+          <a:p>
+            <a:pPr algn="ctr"/>
+            <a:endParaRPr lang="en-US" sz="1800">
+              <a:solidFill>
+                <a:srgbClr val="4277BB"/>
+              </a:solidFill>
+            </a:endParaRPr>
+          </a:p>
+        </p:txBody>
+      </p:sp>
+      <p:sp>
+        <p:nvSpPr>
+          <p:cNvPr id="68" name="Rounded Rectangle 67">
+            <a:extLst>
+              <a:ext uri="{FF2B5EF4-FFF2-40B4-BE49-F238E27FC236}">
+                <a16:creationId xmlns:a16="http://schemas.microsoft.com/office/drawing/2014/main" id="{7D22E891-E651-C343-B98D-45B362624281}"/>
+              </a:ext>
+            </a:extLst>
+          </p:cNvPr>
+          <p:cNvSpPr/>
+          <p:nvPr/>
+        </p:nvSpPr>
+        <p:spPr>
+          <a:xfrm>
+            <a:off x="7422302" y="1631359"/>
+            <a:ext cx="946150" cy="1202094"/>
+          </a:xfrm>
+          <a:prstGeom prst="roundRect">
+            <a:avLst/>
+          </a:prstGeom>
+          <a:ln w="25400">
+            <a:solidFill>
+              <a:srgbClr val="4277BB"/>
+            </a:solidFill>
+            <a:miter lim="400000"/>
+          </a:ln>
+        </p:spPr>
+        <p:txBody>
+          <a:bodyPr lIns="0" tIns="0" rIns="0" bIns="0" rtlCol="0" anchor="ctr"/>
+          <a:lstStyle/>
+          <a:p>
+            <a:pPr algn="ctr"/>
+            <a:endParaRPr lang="en-US" sz="1800">
+              <a:solidFill>
+                <a:srgbClr val="4277BB"/>
+              </a:solidFill>
+            </a:endParaRPr>
+          </a:p>
+        </p:txBody>
+      </p:sp>
+      <p:sp>
+        <p:nvSpPr>
+          <p:cNvPr id="71" name="TextBox 70">
+            <a:extLst>
+              <a:ext uri="{FF2B5EF4-FFF2-40B4-BE49-F238E27FC236}">
+                <a16:creationId xmlns:a16="http://schemas.microsoft.com/office/drawing/2014/main" id="{8B311B05-6EBE-454F-B94C-E5CC8C1AE15B}"/>
+              </a:ext>
+            </a:extLst>
+          </p:cNvPr>
+          <p:cNvSpPr txBox="1"/>
+          <p:nvPr/>
+        </p:nvSpPr>
+        <p:spPr>
+          <a:xfrm>
+            <a:off x="7336692" y="1602114"/>
+            <a:ext cx="718946" cy="325569"/>
+          </a:xfrm>
+          <a:prstGeom prst="rect">
+            <a:avLst/>
+          </a:prstGeom>
+          <a:noFill/>
+          <a:ln w="3175" cap="flat">
+            <a:noFill/>
+            <a:miter lim="400000"/>
+          </a:ln>
+          <a:effectLst/>
+        </p:spPr>
+        <p:style>
+          <a:lnRef idx="0">
+            <a:scrgbClr r="0" g="0" b="0"/>
+          </a:lnRef>
+          <a:fillRef idx="0">
+            <a:scrgbClr r="0" g="0" b="0"/>
+          </a:fillRef>
+          <a:effectRef idx="0">
+            <a:scrgbClr r="0" g="0" b="0"/>
+          </a:effectRef>
+          <a:fontRef idx="none"/>
+        </p:style>
+        <p:txBody>
+          <a:bodyPr rot="0" spcFirstLastPara="1" vertOverflow="overflow" horzOverflow="overflow" vert="horz" wrap="square" lIns="39290" tIns="39290" rIns="39290" bIns="39290" numCol="1" spcCol="38100" rtlCol="0" anchor="ctr">
+            <a:spAutoFit/>
+          </a:bodyPr>
+          <a:lstStyle/>
+          <a:p>
+            <a:pPr marL="0" marR="0" indent="0" algn="ctr" defTabSz="584200" rtl="0" fontAlgn="auto" latinLnBrk="1" hangingPunct="0">
+              <a:lnSpc>
+                <a:spcPct val="100000"/>
+              </a:lnSpc>
+              <a:spcBef>
+                <a:spcPts val="0"/>
+              </a:spcBef>
+              <a:spcAft>
+                <a:spcPts val="0"/>
+              </a:spcAft>
+              <a:buClrTx/>
+              <a:buSzTx/>
+              <a:buFontTx/>
+              <a:buNone/>
+              <a:tabLst/>
+            </a:pPr>
+            <a:r>
+              <a:rPr lang="en-US" sz="1600">
+                <a:solidFill>
+                  <a:srgbClr val="000000"/>
+                </a:solidFill>
+              </a:rPr>
+              <a:t>P</a:t>
+            </a:r>
+            <a:r>
+              <a:rPr kumimoji="0" lang="en-US" sz="1600" b="0" i="0" u="none" strike="noStrike" cap="none" spc="0" normalizeH="0" baseline="0">
+                <a:ln>
+                  <a:noFill/>
+                </a:ln>
+                <a:solidFill>
+                  <a:srgbClr val="000000"/>
+                </a:solidFill>
+                <a:effectLst/>
+                <a:uFillTx/>
+                <a:latin typeface="+mn-lt"/>
+                <a:ea typeface="+mn-ea"/>
+                <a:cs typeface="+mn-cs"/>
+                <a:sym typeface="Helvetica Light"/>
+              </a:rPr>
+              <a:t>od</a:t>
+            </a:r>
+          </a:p>
+        </p:txBody>
+      </p:sp>
+      <p:sp>
+        <p:nvSpPr>
+          <p:cNvPr id="74" name="TextBox 73">
+            <a:extLst>
+              <a:ext uri="{FF2B5EF4-FFF2-40B4-BE49-F238E27FC236}">
+                <a16:creationId xmlns:a16="http://schemas.microsoft.com/office/drawing/2014/main" id="{9598825F-B14D-C748-AB12-175AD309F87E}"/>
+              </a:ext>
+            </a:extLst>
+          </p:cNvPr>
+          <p:cNvSpPr txBox="1"/>
+          <p:nvPr/>
+        </p:nvSpPr>
+        <p:spPr>
+          <a:xfrm>
+            <a:off x="7443386" y="1934505"/>
+            <a:ext cx="917210" cy="487151"/>
+          </a:xfrm>
+          <a:prstGeom prst="rect">
+            <a:avLst/>
+          </a:prstGeom>
+          <a:noFill/>
+          <a:ln w="3175" cap="flat">
+            <a:noFill/>
+            <a:miter lim="400000"/>
+          </a:ln>
+          <a:effectLst/>
+        </p:spPr>
+        <p:style>
+          <a:lnRef idx="0">
+            <a:scrgbClr r="0" g="0" b="0"/>
+          </a:lnRef>
+          <a:fillRef idx="0">
+            <a:scrgbClr r="0" g="0" b="0"/>
+          </a:fillRef>
+          <a:effectRef idx="0">
+            <a:scrgbClr r="0" g="0" b="0"/>
+          </a:effectRef>
+          <a:fontRef idx="none"/>
+        </p:style>
+        <p:txBody>
+          <a:bodyPr rot="0" spcFirstLastPara="1" vertOverflow="overflow" horzOverflow="overflow" vert="horz" wrap="square" lIns="39290" tIns="39290" rIns="39290" bIns="39290" numCol="1" spcCol="38100" rtlCol="0" anchor="ctr">
+            <a:spAutoFit/>
+          </a:bodyPr>
+          <a:lstStyle/>
+          <a:p>
+            <a:pPr rtl="0" latinLnBrk="1" hangingPunct="0"/>
+            <a:r>
+              <a:rPr lang="en-US" sz="1600" b="1" dirty="0">
+                <a:solidFill>
+                  <a:srgbClr val="000000"/>
+                </a:solidFill>
+              </a:rPr>
+              <a:t>authors </a:t>
+            </a:r>
+            <a:r>
+              <a:rPr lang="en-US" sz="1050" b="1" dirty="0">
+                <a:solidFill>
+                  <a:srgbClr val="000000"/>
+                </a:solidFill>
+              </a:rPr>
+              <a:t>microservice</a:t>
+            </a:r>
+            <a:endParaRPr kumimoji="0" lang="en-US" sz="1050" b="1" i="0" u="none" strike="noStrike" cap="none" spc="0" normalizeH="0" baseline="0" dirty="0">
+              <a:ln>
+                <a:noFill/>
+              </a:ln>
+              <a:solidFill>
+                <a:srgbClr val="000000"/>
+              </a:solidFill>
+              <a:effectLst/>
+              <a:uFillTx/>
+              <a:latin typeface="+mn-lt"/>
+              <a:ea typeface="+mn-ea"/>
+              <a:cs typeface="+mn-cs"/>
+              <a:sym typeface="Helvetica Light"/>
+            </a:endParaRPr>
+          </a:p>
+        </p:txBody>
+      </p:sp>
+      <p:pic>
+        <p:nvPicPr>
+          <p:cNvPr id="76" name="Picture 75">
+            <a:extLst>
+              <a:ext uri="{FF2B5EF4-FFF2-40B4-BE49-F238E27FC236}">
+                <a16:creationId xmlns:a16="http://schemas.microsoft.com/office/drawing/2014/main" id="{F85C06C8-3222-8644-8A74-8D8D1E49740C}"/>
+              </a:ext>
+            </a:extLst>
+          </p:cNvPr>
+          <p:cNvPicPr>
+            <a:picLocks noChangeAspect="1"/>
+          </p:cNvPicPr>
+          <p:nvPr/>
+        </p:nvPicPr>
+        <p:blipFill>
+          <a:blip r:embed="rId7">
+            <a:extLst>
+              <a:ext uri="{28A0092B-C50C-407E-A947-70E740481C1C}">
+                <a14:useLocalDpi xmlns:a14="http://schemas.microsoft.com/office/drawing/2010/main" val="0"/>
+              </a:ext>
+            </a:extLst>
+          </a:blip>
+          <a:stretch>
+            <a:fillRect/>
+          </a:stretch>
+        </p:blipFill>
+        <p:spPr>
+          <a:xfrm>
+            <a:off x="8861435" y="1154822"/>
+            <a:ext cx="452515" cy="452515"/>
+          </a:xfrm>
+          <a:prstGeom prst="rect">
+            <a:avLst/>
+          </a:prstGeom>
+        </p:spPr>
+      </p:pic>
+      <p:sp>
+        <p:nvSpPr>
+          <p:cNvPr id="77" name="TextBox 76">
+            <a:extLst>
+              <a:ext uri="{FF2B5EF4-FFF2-40B4-BE49-F238E27FC236}">
+                <a16:creationId xmlns:a16="http://schemas.microsoft.com/office/drawing/2014/main" id="{167E1B1A-4B2A-3849-876C-BB7C8DA5D2D1}"/>
+              </a:ext>
+            </a:extLst>
+          </p:cNvPr>
+          <p:cNvSpPr txBox="1"/>
+          <p:nvPr/>
+        </p:nvSpPr>
+        <p:spPr>
+          <a:xfrm>
+            <a:off x="8331050" y="1247772"/>
+            <a:ext cx="740965" cy="325569"/>
+          </a:xfrm>
+          <a:prstGeom prst="rect">
+            <a:avLst/>
+          </a:prstGeom>
+          <a:noFill/>
+          <a:ln w="3175" cap="flat">
+            <a:noFill/>
+            <a:miter lim="400000"/>
+          </a:ln>
+          <a:effectLst/>
+        </p:spPr>
+        <p:style>
+          <a:lnRef idx="0">
+            <a:scrgbClr r="0" g="0" b="0"/>
+          </a:lnRef>
+          <a:fillRef idx="0">
+            <a:scrgbClr r="0" g="0" b="0"/>
+          </a:fillRef>
+          <a:effectRef idx="0">
+            <a:scrgbClr r="0" g="0" b="0"/>
+          </a:effectRef>
+          <a:fontRef idx="none"/>
+        </p:style>
+        <p:txBody>
+          <a:bodyPr rot="0" spcFirstLastPara="1" vertOverflow="overflow" horzOverflow="overflow" vert="horz" wrap="square" lIns="39290" tIns="39290" rIns="39290" bIns="39290" numCol="1" spcCol="38100" rtlCol="0" anchor="ctr">
+            <a:spAutoFit/>
+          </a:bodyPr>
+          <a:lstStyle/>
+          <a:p>
+            <a:pPr marL="0" marR="0" indent="0" algn="ctr" defTabSz="584200" rtl="0" fontAlgn="auto" latinLnBrk="1" hangingPunct="0">
+              <a:lnSpc>
+                <a:spcPct val="100000"/>
+              </a:lnSpc>
+              <a:spcBef>
+                <a:spcPts val="0"/>
+              </a:spcBef>
+              <a:spcAft>
+                <a:spcPts val="0"/>
+              </a:spcAft>
+              <a:buClrTx/>
+              <a:buSzTx/>
+              <a:buFontTx/>
+              <a:buNone/>
+              <a:tabLst/>
+            </a:pPr>
+            <a:r>
+              <a:rPr lang="en-US" sz="1600" b="1" dirty="0">
+                <a:solidFill>
+                  <a:srgbClr val="000000"/>
+                </a:solidFill>
+              </a:rPr>
+              <a:t>ISTIO</a:t>
+            </a:r>
+            <a:endParaRPr kumimoji="0" lang="en-US" sz="1050" b="1" i="0" u="none" strike="noStrike" cap="none" spc="0" normalizeH="0" baseline="0" dirty="0">
+              <a:ln>
+                <a:noFill/>
+              </a:ln>
+              <a:solidFill>
+                <a:srgbClr val="000000"/>
+              </a:solidFill>
+              <a:effectLst/>
+              <a:uFillTx/>
+              <a:latin typeface="+mn-lt"/>
+              <a:ea typeface="+mn-ea"/>
+              <a:cs typeface="+mn-cs"/>
+              <a:sym typeface="Helvetica Light"/>
+            </a:endParaRPr>
+          </a:p>
+        </p:txBody>
+      </p:sp>
+      <p:sp>
+        <p:nvSpPr>
+          <p:cNvPr id="78" name="Rounded Rectangle 77">
+            <a:extLst>
+              <a:ext uri="{FF2B5EF4-FFF2-40B4-BE49-F238E27FC236}">
+                <a16:creationId xmlns:a16="http://schemas.microsoft.com/office/drawing/2014/main" id="{714F1710-3C67-B647-BA99-3320569DAACB}"/>
+              </a:ext>
+            </a:extLst>
+          </p:cNvPr>
+          <p:cNvSpPr/>
+          <p:nvPr/>
+        </p:nvSpPr>
+        <p:spPr>
+          <a:xfrm>
+            <a:off x="6294942" y="916570"/>
+            <a:ext cx="3251417" cy="2042658"/>
+          </a:xfrm>
+          <a:prstGeom prst="roundRect">
+            <a:avLst/>
+          </a:prstGeom>
+          <a:ln w="25400">
+            <a:solidFill>
+              <a:srgbClr val="4277BB"/>
+            </a:solidFill>
+            <a:miter lim="400000"/>
+          </a:ln>
+        </p:spPr>
+        <p:txBody>
+          <a:bodyPr lIns="0" tIns="0" rIns="0" bIns="0" rtlCol="0" anchor="ctr"/>
+          <a:lstStyle/>
+          <a:p>
+            <a:pPr algn="ctr"/>
+            <a:endParaRPr lang="en-US" sz="1800">
+              <a:solidFill>
+                <a:srgbClr val="4277BB"/>
+              </a:solidFill>
+            </a:endParaRPr>
+          </a:p>
+        </p:txBody>
+      </p:sp>
+      <p:sp>
+        <p:nvSpPr>
+          <p:cNvPr id="79" name="TextBox 78">
+            <a:extLst>
+              <a:ext uri="{FF2B5EF4-FFF2-40B4-BE49-F238E27FC236}">
+                <a16:creationId xmlns:a16="http://schemas.microsoft.com/office/drawing/2014/main" id="{58ED2E94-5A33-7D4C-A624-94C2B1A96506}"/>
+              </a:ext>
+            </a:extLst>
+          </p:cNvPr>
+          <p:cNvSpPr txBox="1"/>
+          <p:nvPr/>
+        </p:nvSpPr>
+        <p:spPr>
+          <a:xfrm>
+            <a:off x="6437107" y="974264"/>
+            <a:ext cx="740965" cy="325569"/>
+          </a:xfrm>
+          <a:prstGeom prst="rect">
+            <a:avLst/>
+          </a:prstGeom>
+          <a:noFill/>
+          <a:ln w="3175" cap="flat">
+            <a:noFill/>
+            <a:miter lim="400000"/>
+          </a:ln>
+          <a:effectLst/>
+        </p:spPr>
+        <p:style>
+          <a:lnRef idx="0">
+            <a:scrgbClr r="0" g="0" b="0"/>
+          </a:lnRef>
+          <a:fillRef idx="0">
+            <a:scrgbClr r="0" g="0" b="0"/>
+          </a:fillRef>
+          <a:effectRef idx="0">
+            <a:scrgbClr r="0" g="0" b="0"/>
+          </a:effectRef>
+          <a:fontRef idx="none"/>
+        </p:style>
+        <p:txBody>
+          <a:bodyPr rot="0" spcFirstLastPara="1" vertOverflow="overflow" horzOverflow="overflow" vert="horz" wrap="square" lIns="39290" tIns="39290" rIns="39290" bIns="39290" numCol="1" spcCol="38100" rtlCol="0" anchor="ctr">
+            <a:spAutoFit/>
+          </a:bodyPr>
+          <a:lstStyle/>
+          <a:p>
+            <a:pPr marL="0" marR="0" indent="0" algn="ctr" defTabSz="584200" rtl="0" fontAlgn="auto" latinLnBrk="1" hangingPunct="0">
+              <a:lnSpc>
+                <a:spcPct val="100000"/>
+              </a:lnSpc>
+              <a:spcBef>
+                <a:spcPts val="0"/>
+              </a:spcBef>
+              <a:spcAft>
+                <a:spcPts val="0"/>
+              </a:spcAft>
+              <a:buClrTx/>
+              <a:buSzTx/>
+              <a:buFontTx/>
+              <a:buNone/>
+              <a:tabLst/>
+            </a:pPr>
+            <a:r>
+              <a:rPr lang="en-US" sz="1600" b="1">
+                <a:solidFill>
+                  <a:srgbClr val="000000"/>
+                </a:solidFill>
+              </a:rPr>
+              <a:t>Cluster</a:t>
+            </a:r>
+            <a:endParaRPr kumimoji="0" lang="en-US" sz="1050" b="1" i="0" u="none" strike="noStrike" cap="none" spc="0" normalizeH="0" baseline="0">
+              <a:ln>
+                <a:noFill/>
+              </a:ln>
+              <a:solidFill>
+                <a:srgbClr val="000000"/>
+              </a:solidFill>
+              <a:effectLst/>
+              <a:uFillTx/>
+              <a:latin typeface="+mn-lt"/>
+              <a:ea typeface="+mn-ea"/>
+              <a:cs typeface="+mn-cs"/>
+              <a:sym typeface="Helvetica Light"/>
+            </a:endParaRPr>
+          </a:p>
+        </p:txBody>
+      </p:sp>
+      <p:sp>
+        <p:nvSpPr>
+          <p:cNvPr id="80" name="Up Arrow 79">
+            <a:extLst>
+              <a:ext uri="{FF2B5EF4-FFF2-40B4-BE49-F238E27FC236}">
+                <a16:creationId xmlns:a16="http://schemas.microsoft.com/office/drawing/2014/main" id="{3F6FBB19-8BB8-914A-B674-0EEAF163ABAD}"/>
+              </a:ext>
+            </a:extLst>
+          </p:cNvPr>
+          <p:cNvSpPr/>
+          <p:nvPr/>
+        </p:nvSpPr>
+        <p:spPr>
+          <a:xfrm rot="5400000">
+            <a:off x="4820022" y="915643"/>
+            <a:ext cx="393402" cy="2171702"/>
+          </a:xfrm>
+          <a:prstGeom prst="upArrow">
+            <a:avLst/>
+          </a:prstGeom>
+          <a:solidFill>
+            <a:srgbClr val="FFFFFF"/>
+          </a:solidFill>
+          <a:ln w="25400">
+            <a:solidFill>
+              <a:srgbClr val="4277BB"/>
+            </a:solidFill>
+            <a:miter lim="400000"/>
+          </a:ln>
+        </p:spPr>
+        <p:txBody>
+          <a:bodyPr lIns="0" tIns="0" rIns="0" bIns="0" rtlCol="0" anchor="ctr"/>
+          <a:lstStyle/>
+          <a:p>
+            <a:pPr algn="ctr"/>
+            <a:endParaRPr lang="en-US" sz="1800">
+              <a:solidFill>
+                <a:srgbClr val="4277BB"/>
+              </a:solidFill>
+            </a:endParaRPr>
+          </a:p>
+        </p:txBody>
+      </p:sp>
+      <p:grpSp>
+        <p:nvGrpSpPr>
+          <p:cNvPr id="81" name="Group 80">
+            <a:extLst>
+              <a:ext uri="{FF2B5EF4-FFF2-40B4-BE49-F238E27FC236}">
+                <a16:creationId xmlns:a16="http://schemas.microsoft.com/office/drawing/2014/main" id="{254E0D82-FE2E-5A40-BA5B-7656D6AF7083}"/>
+              </a:ext>
+            </a:extLst>
+          </p:cNvPr>
+          <p:cNvGrpSpPr/>
+          <p:nvPr/>
+        </p:nvGrpSpPr>
+        <p:grpSpPr>
+          <a:xfrm>
+            <a:off x="5283929" y="2188052"/>
+            <a:ext cx="593382" cy="585967"/>
+            <a:chOff x="2338280" y="5620523"/>
+            <a:chExt cx="914400" cy="914400"/>
+          </a:xfrm>
+        </p:grpSpPr>
+        <p:sp>
+          <p:nvSpPr>
+            <p:cNvPr id="82" name="Oval 81">
+              <a:extLst>
+                <a:ext uri="{FF2B5EF4-FFF2-40B4-BE49-F238E27FC236}">
+                  <a16:creationId xmlns:a16="http://schemas.microsoft.com/office/drawing/2014/main" id="{F3EDAA36-90A5-0847-8F03-F2087FC2CF0A}"/>
+                </a:ext>
+              </a:extLst>
+            </p:cNvPr>
+            <p:cNvSpPr/>
+            <p:nvPr/>
+          </p:nvSpPr>
+          <p:spPr>
+            <a:xfrm>
+              <a:off x="2338280" y="5620523"/>
+              <a:ext cx="914400" cy="914400"/>
+            </a:xfrm>
+            <a:prstGeom prst="ellipse">
+              <a:avLst/>
+            </a:prstGeom>
+            <a:solidFill>
+              <a:schemeClr val="bg1"/>
+            </a:solidFill>
+            <a:ln w="25400">
+              <a:solidFill>
+                <a:srgbClr val="4277BB"/>
+              </a:solidFill>
+              <a:miter lim="400000"/>
+            </a:ln>
+          </p:spPr>
+          <p:txBody>
+            <a:bodyPr lIns="0" tIns="0" rIns="0" bIns="0" rtlCol="0" anchor="ctr"/>
+            <a:lstStyle/>
+            <a:p>
+              <a:pPr algn="ctr"/>
+              <a:endParaRPr lang="en-US" sz="1800">
+                <a:solidFill>
+                  <a:srgbClr val="4277BB"/>
+                </a:solidFill>
+              </a:endParaRPr>
+            </a:p>
+          </p:txBody>
+        </p:sp>
+        <p:sp>
+          <p:nvSpPr>
+            <p:cNvPr id="83" name="TextBox 82">
+              <a:extLst>
+                <a:ext uri="{FF2B5EF4-FFF2-40B4-BE49-F238E27FC236}">
+                  <a16:creationId xmlns:a16="http://schemas.microsoft.com/office/drawing/2014/main" id="{93070522-BB63-974F-BDFB-55A0DBC2809E}"/>
+                </a:ext>
+              </a:extLst>
+            </p:cNvPr>
+            <p:cNvSpPr txBox="1"/>
+            <p:nvPr/>
+          </p:nvSpPr>
+          <p:spPr>
+            <a:xfrm>
+              <a:off x="2584892" y="5679611"/>
+              <a:ext cx="431052" cy="796220"/>
+            </a:xfrm>
+            <a:prstGeom prst="rect">
+              <a:avLst/>
+            </a:prstGeom>
+            <a:noFill/>
+            <a:ln w="3175" cap="flat">
+              <a:noFill/>
+              <a:miter lim="400000"/>
+            </a:ln>
+            <a:effectLst/>
+          </p:spPr>
+          <p:style>
+            <a:lnRef idx="0">
+              <a:scrgbClr r="0" g="0" b="0"/>
+            </a:lnRef>
+            <a:fillRef idx="0">
+              <a:scrgbClr r="0" g="0" b="0"/>
+            </a:fillRef>
+            <a:effectRef idx="0">
+              <a:scrgbClr r="0" g="0" b="0"/>
+            </a:effectRef>
+            <a:fontRef idx="none"/>
+          </p:style>
+          <p:txBody>
+            <a:bodyPr rot="0" spcFirstLastPara="1" vertOverflow="overflow" horzOverflow="overflow" vert="horz" wrap="none" lIns="39290" tIns="39290" rIns="39290" bIns="39290" numCol="1" spcCol="38100" rtlCol="0" anchor="ctr">
+              <a:spAutoFit/>
+            </a:bodyPr>
+            <a:lstStyle/>
+            <a:p>
+              <a:pPr marL="0" marR="0" indent="0" algn="ctr" defTabSz="584200" rtl="0" fontAlgn="auto" latinLnBrk="1" hangingPunct="0">
+                <a:lnSpc>
+                  <a:spcPct val="100000"/>
+                </a:lnSpc>
+                <a:spcBef>
+                  <a:spcPts val="0"/>
+                </a:spcBef>
+                <a:spcAft>
+                  <a:spcPts val="0"/>
+                </a:spcAft>
+                <a:buClrTx/>
+                <a:buSzTx/>
+                <a:buFontTx/>
+                <a:buNone/>
+                <a:tabLst/>
+              </a:pPr>
+              <a:r>
+                <a:rPr kumimoji="0" lang="en-US" sz="2800" b="0" i="0" u="none" strike="noStrike" cap="none" spc="0" normalizeH="0" baseline="0">
+                  <a:ln>
+                    <a:noFill/>
+                  </a:ln>
+                  <a:solidFill>
+                    <a:srgbClr val="000000"/>
+                  </a:solidFill>
+                  <a:effectLst/>
+                  <a:uFillTx/>
+                  <a:latin typeface="+mn-lt"/>
+                  <a:ea typeface="+mn-ea"/>
+                  <a:cs typeface="+mn-cs"/>
+                  <a:sym typeface="Helvetica Light"/>
+                </a:rPr>
+                <a:t>3</a:t>
+              </a:r>
+            </a:p>
+          </p:txBody>
+        </p:sp>
+      </p:grpSp>
+      <p:sp>
+        <p:nvSpPr>
+          <p:cNvPr id="84" name="TextBox 83">
+            <a:extLst>
+              <a:ext uri="{FF2B5EF4-FFF2-40B4-BE49-F238E27FC236}">
+                <a16:creationId xmlns:a16="http://schemas.microsoft.com/office/drawing/2014/main" id="{E94D88AD-7D12-1D41-AF31-64D7B80CD57E}"/>
+              </a:ext>
+            </a:extLst>
+          </p:cNvPr>
+          <p:cNvSpPr txBox="1"/>
+          <p:nvPr/>
+        </p:nvSpPr>
+        <p:spPr>
+          <a:xfrm>
+            <a:off x="4427148" y="2124689"/>
+            <a:ext cx="784669" cy="356346"/>
+          </a:xfrm>
+          <a:prstGeom prst="rect">
+            <a:avLst/>
+          </a:prstGeom>
+          <a:noFill/>
+          <a:ln w="3175" cap="flat">
+            <a:noFill/>
+            <a:miter lim="400000"/>
+          </a:ln>
+          <a:effectLst/>
+        </p:spPr>
+        <p:style>
+          <a:lnRef idx="0">
+            <a:scrgbClr r="0" g="0" b="0"/>
+          </a:lnRef>
+          <a:fillRef idx="0">
+            <a:scrgbClr r="0" g="0" b="0"/>
+          </a:fillRef>
+          <a:effectRef idx="0">
+            <a:scrgbClr r="0" g="0" b="0"/>
+          </a:effectRef>
+          <a:fontRef idx="none"/>
+        </p:style>
+        <p:txBody>
+          <a:bodyPr rot="0" spcFirstLastPara="1" vertOverflow="overflow" horzOverflow="overflow" vert="horz" wrap="none" lIns="39290" tIns="39290" rIns="39290" bIns="39290" numCol="1" spcCol="38100" rtlCol="0" anchor="ctr">
+            <a:spAutoFit/>
+          </a:bodyPr>
+          <a:lstStyle/>
+          <a:p>
+            <a:pPr marL="0" marR="0" indent="0" algn="ctr" defTabSz="584200" rtl="0" fontAlgn="auto" latinLnBrk="1" hangingPunct="0">
+              <a:lnSpc>
+                <a:spcPct val="100000"/>
+              </a:lnSpc>
+              <a:spcBef>
+                <a:spcPts val="0"/>
+              </a:spcBef>
+              <a:spcAft>
+                <a:spcPts val="0"/>
+              </a:spcAft>
+              <a:buClrTx/>
+              <a:buSzTx/>
+              <a:buFontTx/>
+              <a:buNone/>
+              <a:tabLst/>
+            </a:pPr>
+            <a:r>
+              <a:rPr lang="en-US" sz="1800">
+                <a:solidFill>
+                  <a:srgbClr val="000000"/>
+                </a:solidFill>
+              </a:rPr>
+              <a:t>d</a:t>
+            </a:r>
+            <a:r>
+              <a:rPr kumimoji="0" lang="en-US" sz="1800" b="0" i="0" u="none" strike="noStrike" cap="none" spc="0" normalizeH="0" baseline="0">
+                <a:ln>
+                  <a:noFill/>
+                </a:ln>
+                <a:solidFill>
+                  <a:srgbClr val="000000"/>
+                </a:solidFill>
+                <a:effectLst/>
+                <a:uFillTx/>
+                <a:latin typeface="+mn-lt"/>
+                <a:ea typeface="+mn-ea"/>
+                <a:cs typeface="+mn-cs"/>
+                <a:sym typeface="Helvetica Light"/>
+              </a:rPr>
+              <a:t>eploy</a:t>
+            </a:r>
+          </a:p>
+        </p:txBody>
+      </p:sp>
+    </p:spTree>
+    <p:extLst>
+      <p:ext uri="{BB962C8B-B14F-4D97-AF65-F5344CB8AC3E}">
+        <p14:creationId xmlns:p14="http://schemas.microsoft.com/office/powerpoint/2010/main" val="3089088982"/>
       </p:ext>
     </p:extLst>
   </p:cSld>

--- a/workshop/images/architecture.pptx
+++ b/workshop/images/architecture.pptx
@@ -5,26 +5,27 @@
     <p:sldMasterId id="2147483648" r:id="rId1"/>
   </p:sldMasterIdLst>
   <p:notesMasterIdLst>
-    <p:notesMasterId r:id="rId19"/>
+    <p:notesMasterId r:id="rId20"/>
   </p:notesMasterIdLst>
   <p:sldIdLst>
     <p:sldId id="365" r:id="rId2"/>
     <p:sldId id="366" r:id="rId3"/>
     <p:sldId id="371" r:id="rId4"/>
-    <p:sldId id="372" r:id="rId5"/>
-    <p:sldId id="368" r:id="rId6"/>
-    <p:sldId id="382" r:id="rId7"/>
-    <p:sldId id="383" r:id="rId8"/>
-    <p:sldId id="369" r:id="rId9"/>
-    <p:sldId id="374" r:id="rId10"/>
-    <p:sldId id="373" r:id="rId11"/>
-    <p:sldId id="378" r:id="rId12"/>
-    <p:sldId id="376" r:id="rId13"/>
-    <p:sldId id="381" r:id="rId14"/>
-    <p:sldId id="375" r:id="rId15"/>
-    <p:sldId id="379" r:id="rId16"/>
-    <p:sldId id="370" r:id="rId17"/>
-    <p:sldId id="384" r:id="rId18"/>
+    <p:sldId id="385" r:id="rId5"/>
+    <p:sldId id="372" r:id="rId6"/>
+    <p:sldId id="368" r:id="rId7"/>
+    <p:sldId id="382" r:id="rId8"/>
+    <p:sldId id="383" r:id="rId9"/>
+    <p:sldId id="369" r:id="rId10"/>
+    <p:sldId id="374" r:id="rId11"/>
+    <p:sldId id="373" r:id="rId12"/>
+    <p:sldId id="378" r:id="rId13"/>
+    <p:sldId id="376" r:id="rId14"/>
+    <p:sldId id="381" r:id="rId15"/>
+    <p:sldId id="375" r:id="rId16"/>
+    <p:sldId id="379" r:id="rId17"/>
+    <p:sldId id="370" r:id="rId18"/>
+    <p:sldId id="384" r:id="rId19"/>
   </p:sldIdLst>
   <p:sldSz cx="10058400" cy="7772400"/>
   <p:notesSz cx="6858000" cy="9144000"/>
@@ -5823,10 +5824,10 @@
       </p:cxnSp>
       <p:sp>
         <p:nvSpPr>
-          <p:cNvPr id="42" name="Oval 41">
+          <p:cNvPr id="3" name="Oval 2">
             <a:extLst>
               <a:ext uri="{FF2B5EF4-FFF2-40B4-BE49-F238E27FC236}">
-                <a16:creationId xmlns:a16="http://schemas.microsoft.com/office/drawing/2014/main" id="{AF34CE2F-AC1D-D547-BD99-1331BBCC011A}"/>
+                <a16:creationId xmlns:a16="http://schemas.microsoft.com/office/drawing/2014/main" id="{31B82196-6A10-CB49-A7F7-A254F3CF7437}"/>
               </a:ext>
             </a:extLst>
           </p:cNvPr>
@@ -5835,55 +5836,15 @@
         </p:nvSpPr>
         <p:spPr>
           <a:xfrm>
-            <a:off x="61181" y="2942930"/>
-            <a:ext cx="1354446" cy="1477874"/>
+            <a:off x="2643293" y="2863987"/>
+            <a:ext cx="2154932" cy="1477874"/>
           </a:xfrm>
           <a:prstGeom prst="ellipse">
             <a:avLst/>
           </a:prstGeom>
           <a:ln w="47625">
             <a:solidFill>
-              <a:srgbClr val="00B050"/>
-            </a:solidFill>
-            <a:miter lim="400000"/>
-          </a:ln>
-        </p:spPr>
-        <p:txBody>
-          <a:bodyPr lIns="0" tIns="0" rIns="0" bIns="0" rtlCol="0" anchor="ctr"/>
-          <a:lstStyle/>
-          <a:p>
-            <a:pPr algn="ctr"/>
-            <a:endParaRPr lang="en-US" sz="1800">
-              <a:solidFill>
-                <a:srgbClr val="4277BB"/>
-              </a:solidFill>
-            </a:endParaRPr>
-          </a:p>
-        </p:txBody>
-      </p:sp>
-      <p:sp>
-        <p:nvSpPr>
-          <p:cNvPr id="4" name="Notched Right Arrow 3">
-            <a:extLst>
-              <a:ext uri="{FF2B5EF4-FFF2-40B4-BE49-F238E27FC236}">
-                <a16:creationId xmlns:a16="http://schemas.microsoft.com/office/drawing/2014/main" id="{A5515A61-0518-2E44-89B4-7905E6A0A738}"/>
-              </a:ext>
-            </a:extLst>
-          </p:cNvPr>
-          <p:cNvSpPr/>
-          <p:nvPr/>
-        </p:nvSpPr>
-        <p:spPr>
-          <a:xfrm>
-            <a:off x="1115311" y="2754265"/>
-            <a:ext cx="615044" cy="377329"/>
-          </a:xfrm>
-          <a:prstGeom prst="notchedRightArrow">
-            <a:avLst/>
-          </a:prstGeom>
-          <a:ln w="25400">
-            <a:solidFill>
-              <a:schemeClr val="accent2"/>
+              <a:schemeClr val="accent5"/>
             </a:solidFill>
             <a:miter lim="400000"/>
           </a:ln>
@@ -5904,7 +5865,7 @@
     </p:spTree>
     <p:extLst>
       <p:ext uri="{BB962C8B-B14F-4D97-AF65-F5344CB8AC3E}">
-        <p14:creationId xmlns:p14="http://schemas.microsoft.com/office/powerpoint/2010/main" val="3404892805"/>
+        <p14:creationId xmlns:p14="http://schemas.microsoft.com/office/powerpoint/2010/main" val="3114323988"/>
       </p:ext>
     </p:extLst>
   </p:cSld>
@@ -7769,10 +7730,10 @@
       </p:cxnSp>
       <p:sp>
         <p:nvSpPr>
-          <p:cNvPr id="41" name="Oval 40">
+          <p:cNvPr id="42" name="Oval 41">
             <a:extLst>
               <a:ext uri="{FF2B5EF4-FFF2-40B4-BE49-F238E27FC236}">
-                <a16:creationId xmlns:a16="http://schemas.microsoft.com/office/drawing/2014/main" id="{3D7DB4F5-BCDE-1644-AB96-C6D761BDDC39}"/>
+                <a16:creationId xmlns:a16="http://schemas.microsoft.com/office/drawing/2014/main" id="{AF34CE2F-AC1D-D547-BD99-1331BBCC011A}"/>
               </a:ext>
             </a:extLst>
           </p:cNvPr>
@@ -7781,7 +7742,7 @@
         </p:nvSpPr>
         <p:spPr>
           <a:xfrm>
-            <a:off x="1140204" y="2986634"/>
+            <a:off x="61181" y="2942930"/>
             <a:ext cx="1354446" cy="1477874"/>
           </a:xfrm>
           <a:prstGeom prst="ellipse">
@@ -7809,10 +7770,10 @@
       </p:sp>
       <p:sp>
         <p:nvSpPr>
-          <p:cNvPr id="43" name="Notched Right Arrow 42">
+          <p:cNvPr id="4" name="Notched Right Arrow 3">
             <a:extLst>
               <a:ext uri="{FF2B5EF4-FFF2-40B4-BE49-F238E27FC236}">
-                <a16:creationId xmlns:a16="http://schemas.microsoft.com/office/drawing/2014/main" id="{7C06B448-4A7F-7546-85B9-4043DE363AEC}"/>
+                <a16:creationId xmlns:a16="http://schemas.microsoft.com/office/drawing/2014/main" id="{A5515A61-0518-2E44-89B4-7905E6A0A738}"/>
               </a:ext>
             </a:extLst>
           </p:cNvPr>
@@ -7821,7 +7782,7 @@
         </p:nvSpPr>
         <p:spPr>
           <a:xfrm>
-            <a:off x="2436556" y="3075786"/>
+            <a:off x="1115311" y="2754265"/>
             <a:ext cx="615044" cy="377329"/>
           </a:xfrm>
           <a:prstGeom prst="notchedRightArrow">
@@ -7850,7 +7811,7 @@
     </p:spTree>
     <p:extLst>
       <p:ext uri="{BB962C8B-B14F-4D97-AF65-F5344CB8AC3E}">
-        <p14:creationId xmlns:p14="http://schemas.microsoft.com/office/powerpoint/2010/main" val="1458503735"/>
+        <p14:creationId xmlns:p14="http://schemas.microsoft.com/office/powerpoint/2010/main" val="3404892805"/>
       </p:ext>
     </p:extLst>
   </p:cSld>
@@ -9715,10 +9676,10 @@
       </p:cxnSp>
       <p:sp>
         <p:nvSpPr>
-          <p:cNvPr id="42" name="Oval 41">
+          <p:cNvPr id="41" name="Oval 40">
             <a:extLst>
               <a:ext uri="{FF2B5EF4-FFF2-40B4-BE49-F238E27FC236}">
-                <a16:creationId xmlns:a16="http://schemas.microsoft.com/office/drawing/2014/main" id="{AF34CE2F-AC1D-D547-BD99-1331BBCC011A}"/>
+                <a16:creationId xmlns:a16="http://schemas.microsoft.com/office/drawing/2014/main" id="{3D7DB4F5-BCDE-1644-AB96-C6D761BDDC39}"/>
               </a:ext>
             </a:extLst>
           </p:cNvPr>
@@ -9727,7 +9688,7 @@
         </p:nvSpPr>
         <p:spPr>
           <a:xfrm>
-            <a:off x="3051006" y="2905884"/>
+            <a:off x="1140204" y="2986634"/>
             <a:ext cx="1354446" cy="1477874"/>
           </a:xfrm>
           <a:prstGeom prst="ellipse">
@@ -9736,6 +9697,46 @@
           <a:ln w="47625">
             <a:solidFill>
               <a:srgbClr val="00B050"/>
+            </a:solidFill>
+            <a:miter lim="400000"/>
+          </a:ln>
+        </p:spPr>
+        <p:txBody>
+          <a:bodyPr lIns="0" tIns="0" rIns="0" bIns="0" rtlCol="0" anchor="ctr"/>
+          <a:lstStyle/>
+          <a:p>
+            <a:pPr algn="ctr"/>
+            <a:endParaRPr lang="en-US" sz="1800">
+              <a:solidFill>
+                <a:srgbClr val="4277BB"/>
+              </a:solidFill>
+            </a:endParaRPr>
+          </a:p>
+        </p:txBody>
+      </p:sp>
+      <p:sp>
+        <p:nvSpPr>
+          <p:cNvPr id="43" name="Notched Right Arrow 42">
+            <a:extLst>
+              <a:ext uri="{FF2B5EF4-FFF2-40B4-BE49-F238E27FC236}">
+                <a16:creationId xmlns:a16="http://schemas.microsoft.com/office/drawing/2014/main" id="{7C06B448-4A7F-7546-85B9-4043DE363AEC}"/>
+              </a:ext>
+            </a:extLst>
+          </p:cNvPr>
+          <p:cNvSpPr/>
+          <p:nvPr/>
+        </p:nvSpPr>
+        <p:spPr>
+          <a:xfrm>
+            <a:off x="2436556" y="3075786"/>
+            <a:ext cx="615044" cy="377329"/>
+          </a:xfrm>
+          <a:prstGeom prst="notchedRightArrow">
+            <a:avLst/>
+          </a:prstGeom>
+          <a:ln w="25400">
+            <a:solidFill>
+              <a:schemeClr val="accent2"/>
             </a:solidFill>
             <a:miter lim="400000"/>
           </a:ln>
@@ -9756,7 +9757,7 @@
     </p:spTree>
     <p:extLst>
       <p:ext uri="{BB962C8B-B14F-4D97-AF65-F5344CB8AC3E}">
-        <p14:creationId xmlns:p14="http://schemas.microsoft.com/office/powerpoint/2010/main" val="2012542255"/>
+        <p14:creationId xmlns:p14="http://schemas.microsoft.com/office/powerpoint/2010/main" val="1458503735"/>
       </p:ext>
     </p:extLst>
   </p:cSld>
@@ -11633,7 +11634,7 @@
         </p:nvSpPr>
         <p:spPr>
           <a:xfrm>
-            <a:off x="61181" y="2942930"/>
+            <a:off x="3051006" y="2905884"/>
             <a:ext cx="1354446" cy="1477874"/>
           </a:xfrm>
           <a:prstGeom prst="ellipse">
@@ -11642,46 +11643,6 @@
           <a:ln w="47625">
             <a:solidFill>
               <a:srgbClr val="00B050"/>
-            </a:solidFill>
-            <a:miter lim="400000"/>
-          </a:ln>
-        </p:spPr>
-        <p:txBody>
-          <a:bodyPr lIns="0" tIns="0" rIns="0" bIns="0" rtlCol="0" anchor="ctr"/>
-          <a:lstStyle/>
-          <a:p>
-            <a:pPr algn="ctr"/>
-            <a:endParaRPr lang="en-US" sz="1800">
-              <a:solidFill>
-                <a:srgbClr val="4277BB"/>
-              </a:solidFill>
-            </a:endParaRPr>
-          </a:p>
-        </p:txBody>
-      </p:sp>
-      <p:sp>
-        <p:nvSpPr>
-          <p:cNvPr id="4" name="Notched Right Arrow 3">
-            <a:extLst>
-              <a:ext uri="{FF2B5EF4-FFF2-40B4-BE49-F238E27FC236}">
-                <a16:creationId xmlns:a16="http://schemas.microsoft.com/office/drawing/2014/main" id="{A5515A61-0518-2E44-89B4-7905E6A0A738}"/>
-              </a:ext>
-            </a:extLst>
-          </p:cNvPr>
-          <p:cNvSpPr/>
-          <p:nvPr/>
-        </p:nvSpPr>
-        <p:spPr>
-          <a:xfrm>
-            <a:off x="1115311" y="2754265"/>
-            <a:ext cx="615044" cy="377329"/>
-          </a:xfrm>
-          <a:prstGeom prst="notchedRightArrow">
-            <a:avLst/>
-          </a:prstGeom>
-          <a:ln w="25400">
-            <a:solidFill>
-              <a:schemeClr val="accent2"/>
             </a:solidFill>
             <a:miter lim="400000"/>
           </a:ln>
@@ -11702,7 +11663,7 @@
     </p:spTree>
     <p:extLst>
       <p:ext uri="{BB962C8B-B14F-4D97-AF65-F5344CB8AC3E}">
-        <p14:creationId xmlns:p14="http://schemas.microsoft.com/office/powerpoint/2010/main" val="4036455048"/>
+        <p14:creationId xmlns:p14="http://schemas.microsoft.com/office/powerpoint/2010/main" val="2012542255"/>
       </p:ext>
     </p:extLst>
   </p:cSld>
@@ -13579,7 +13540,7 @@
         </p:nvSpPr>
         <p:spPr>
           <a:xfrm>
-            <a:off x="1174300" y="2942930"/>
+            <a:off x="61181" y="2942930"/>
             <a:ext cx="1354446" cy="1477874"/>
           </a:xfrm>
           <a:prstGeom prst="ellipse">
@@ -13607,10 +13568,10 @@
       </p:sp>
       <p:sp>
         <p:nvSpPr>
-          <p:cNvPr id="44" name="Notched Right Arrow 43">
+          <p:cNvPr id="4" name="Notched Right Arrow 3">
             <a:extLst>
               <a:ext uri="{FF2B5EF4-FFF2-40B4-BE49-F238E27FC236}">
-                <a16:creationId xmlns:a16="http://schemas.microsoft.com/office/drawing/2014/main" id="{31C03647-FD9F-6741-A371-7363AB16E94E}"/>
+                <a16:creationId xmlns:a16="http://schemas.microsoft.com/office/drawing/2014/main" id="{A5515A61-0518-2E44-89B4-7905E6A0A738}"/>
               </a:ext>
             </a:extLst>
           </p:cNvPr>
@@ -13618,8 +13579,8 @@
           <p:nvPr/>
         </p:nvSpPr>
         <p:spPr>
-          <a:xfrm rot="18723797">
-            <a:off x="2112062" y="2477068"/>
+          <a:xfrm>
+            <a:off x="1115311" y="2754265"/>
             <a:ext cx="615044" cy="377329"/>
           </a:xfrm>
           <a:prstGeom prst="notchedRightArrow">
@@ -13648,7 +13609,7 @@
     </p:spTree>
     <p:extLst>
       <p:ext uri="{BB962C8B-B14F-4D97-AF65-F5344CB8AC3E}">
-        <p14:creationId xmlns:p14="http://schemas.microsoft.com/office/powerpoint/2010/main" val="4240345718"/>
+        <p14:creationId xmlns:p14="http://schemas.microsoft.com/office/powerpoint/2010/main" val="4036455048"/>
       </p:ext>
     </p:extLst>
   </p:cSld>
@@ -15513,6 +15474,1952 @@
       </p:cxnSp>
       <p:sp>
         <p:nvSpPr>
+          <p:cNvPr id="42" name="Oval 41">
+            <a:extLst>
+              <a:ext uri="{FF2B5EF4-FFF2-40B4-BE49-F238E27FC236}">
+                <a16:creationId xmlns:a16="http://schemas.microsoft.com/office/drawing/2014/main" id="{AF34CE2F-AC1D-D547-BD99-1331BBCC011A}"/>
+              </a:ext>
+            </a:extLst>
+          </p:cNvPr>
+          <p:cNvSpPr/>
+          <p:nvPr/>
+        </p:nvSpPr>
+        <p:spPr>
+          <a:xfrm>
+            <a:off x="1174300" y="2942930"/>
+            <a:ext cx="1354446" cy="1477874"/>
+          </a:xfrm>
+          <a:prstGeom prst="ellipse">
+            <a:avLst/>
+          </a:prstGeom>
+          <a:ln w="47625">
+            <a:solidFill>
+              <a:srgbClr val="00B050"/>
+            </a:solidFill>
+            <a:miter lim="400000"/>
+          </a:ln>
+        </p:spPr>
+        <p:txBody>
+          <a:bodyPr lIns="0" tIns="0" rIns="0" bIns="0" rtlCol="0" anchor="ctr"/>
+          <a:lstStyle/>
+          <a:p>
+            <a:pPr algn="ctr"/>
+            <a:endParaRPr lang="en-US" sz="1800">
+              <a:solidFill>
+                <a:srgbClr val="4277BB"/>
+              </a:solidFill>
+            </a:endParaRPr>
+          </a:p>
+        </p:txBody>
+      </p:sp>
+      <p:sp>
+        <p:nvSpPr>
+          <p:cNvPr id="44" name="Notched Right Arrow 43">
+            <a:extLst>
+              <a:ext uri="{FF2B5EF4-FFF2-40B4-BE49-F238E27FC236}">
+                <a16:creationId xmlns:a16="http://schemas.microsoft.com/office/drawing/2014/main" id="{31C03647-FD9F-6741-A371-7363AB16E94E}"/>
+              </a:ext>
+            </a:extLst>
+          </p:cNvPr>
+          <p:cNvSpPr/>
+          <p:nvPr/>
+        </p:nvSpPr>
+        <p:spPr>
+          <a:xfrm rot="18723797">
+            <a:off x="2112062" y="2477068"/>
+            <a:ext cx="615044" cy="377329"/>
+          </a:xfrm>
+          <a:prstGeom prst="notchedRightArrow">
+            <a:avLst/>
+          </a:prstGeom>
+          <a:ln w="25400">
+            <a:solidFill>
+              <a:schemeClr val="accent2"/>
+            </a:solidFill>
+            <a:miter lim="400000"/>
+          </a:ln>
+        </p:spPr>
+        <p:txBody>
+          <a:bodyPr lIns="0" tIns="0" rIns="0" bIns="0" rtlCol="0" anchor="ctr"/>
+          <a:lstStyle/>
+          <a:p>
+            <a:pPr algn="ctr"/>
+            <a:endParaRPr lang="en-US" sz="1800">
+              <a:solidFill>
+                <a:srgbClr val="4277BB"/>
+              </a:solidFill>
+            </a:endParaRPr>
+          </a:p>
+        </p:txBody>
+      </p:sp>
+    </p:spTree>
+    <p:extLst>
+      <p:ext uri="{BB962C8B-B14F-4D97-AF65-F5344CB8AC3E}">
+        <p14:creationId xmlns:p14="http://schemas.microsoft.com/office/powerpoint/2010/main" val="4240345718"/>
+      </p:ext>
+    </p:extLst>
+  </p:cSld>
+  <p:clrMapOvr>
+    <a:masterClrMapping/>
+  </p:clrMapOvr>
+  <p:transition spd="med"/>
+</p:sld>
+</file>
+
+<file path=ppt/slides/slide16.xml><?xml version="1.0" encoding="utf-8"?>
+<p:sld xmlns:a="http://schemas.openxmlformats.org/drawingml/2006/main" xmlns:r="http://schemas.openxmlformats.org/officeDocument/2006/relationships" xmlns:p="http://schemas.openxmlformats.org/presentationml/2006/main">
+  <p:cSld>
+    <p:spTree>
+      <p:nvGrpSpPr>
+        <p:cNvPr id="1" name=""/>
+        <p:cNvGrpSpPr/>
+        <p:nvPr/>
+      </p:nvGrpSpPr>
+      <p:grpSpPr>
+        <a:xfrm>
+          <a:off x="0" y="0"/>
+          <a:ext cx="0" cy="0"/>
+          <a:chOff x="0" y="0"/>
+          <a:chExt cx="0" cy="0"/>
+        </a:xfrm>
+      </p:grpSpPr>
+      <p:cxnSp>
+        <p:nvCxnSpPr>
+          <p:cNvPr id="176" name="Straight Arrow Connector 62"/>
+          <p:cNvCxnSpPr>
+            <a:cxnSpLocks/>
+            <a:endCxn id="216" idx="3"/>
+          </p:cNvCxnSpPr>
+          <p:nvPr/>
+        </p:nvCxnSpPr>
+        <p:spPr>
+          <a:xfrm flipH="1" flipV="1">
+            <a:off x="4150946" y="2135550"/>
+            <a:ext cx="1771451" cy="24863"/>
+          </a:xfrm>
+          <a:prstGeom prst="straightConnector1">
+            <a:avLst/>
+          </a:prstGeom>
+          <a:noFill/>
+          <a:ln w="38100" cap="flat" cmpd="sng">
+            <a:solidFill>
+              <a:schemeClr val="bg1">
+                <a:lumMod val="85000"/>
+              </a:schemeClr>
+            </a:solidFill>
+            <a:prstDash val="solid"/>
+            <a:miter lim="400000"/>
+            <a:headEnd type="none"/>
+            <a:tailEnd type="none"/>
+          </a:ln>
+          <a:effectLst/>
+        </p:spPr>
+        <p:style>
+          <a:lnRef idx="0">
+            <a:scrgbClr r="0" g="0" b="0"/>
+          </a:lnRef>
+          <a:fillRef idx="0">
+            <a:scrgbClr r="0" g="0" b="0"/>
+          </a:fillRef>
+          <a:effectRef idx="0">
+            <a:scrgbClr r="0" g="0" b="0"/>
+          </a:effectRef>
+          <a:fontRef idx="none"/>
+        </p:style>
+      </p:cxnSp>
+      <p:cxnSp>
+        <p:nvCxnSpPr>
+          <p:cNvPr id="40" name="Straight Arrow Connector 62">
+            <a:extLst>
+              <a:ext uri="{FF2B5EF4-FFF2-40B4-BE49-F238E27FC236}">
+                <a16:creationId xmlns:a16="http://schemas.microsoft.com/office/drawing/2014/main" id="{7B023E2D-265B-F240-A125-F9C874733F83}"/>
+              </a:ext>
+            </a:extLst>
+          </p:cNvPr>
+          <p:cNvCxnSpPr>
+            <a:cxnSpLocks/>
+            <a:stCxn id="34" idx="3"/>
+          </p:cNvCxnSpPr>
+          <p:nvPr/>
+        </p:nvCxnSpPr>
+        <p:spPr>
+          <a:xfrm flipV="1">
+            <a:off x="4144630" y="2135550"/>
+            <a:ext cx="1839176" cy="1442422"/>
+          </a:xfrm>
+          <a:prstGeom prst="straightConnector1">
+            <a:avLst/>
+          </a:prstGeom>
+          <a:noFill/>
+          <a:ln w="38100" cap="flat" cmpd="sng">
+            <a:solidFill>
+              <a:schemeClr val="bg1">
+                <a:lumMod val="85000"/>
+              </a:schemeClr>
+            </a:solidFill>
+            <a:prstDash val="solid"/>
+            <a:miter lim="400000"/>
+            <a:headEnd type="none"/>
+            <a:tailEnd type="none"/>
+          </a:ln>
+          <a:effectLst/>
+        </p:spPr>
+        <p:style>
+          <a:lnRef idx="0">
+            <a:scrgbClr r="0" g="0" b="0"/>
+          </a:lnRef>
+          <a:fillRef idx="0">
+            <a:scrgbClr r="0" g="0" b="0"/>
+          </a:fillRef>
+          <a:effectRef idx="0">
+            <a:scrgbClr r="0" g="0" b="0"/>
+          </a:effectRef>
+          <a:fontRef idx="none"/>
+        </p:style>
+      </p:cxnSp>
+      <p:cxnSp>
+        <p:nvCxnSpPr>
+          <p:cNvPr id="189" name="Straight Arrow Connector 62"/>
+          <p:cNvCxnSpPr>
+            <a:cxnSpLocks/>
+            <a:stCxn id="216" idx="3"/>
+          </p:cNvCxnSpPr>
+          <p:nvPr/>
+        </p:nvCxnSpPr>
+        <p:spPr>
+          <a:xfrm>
+            <a:off x="4150946" y="2135550"/>
+            <a:ext cx="1795300" cy="1442421"/>
+          </a:xfrm>
+          <a:prstGeom prst="straightConnector1">
+            <a:avLst/>
+          </a:prstGeom>
+          <a:noFill/>
+          <a:ln w="38100" cap="flat" cmpd="sng">
+            <a:solidFill>
+              <a:schemeClr val="bg1">
+                <a:lumMod val="85000"/>
+              </a:schemeClr>
+            </a:solidFill>
+            <a:prstDash val="solid"/>
+            <a:miter lim="400000"/>
+            <a:headEnd type="none"/>
+            <a:tailEnd type="none"/>
+          </a:ln>
+          <a:effectLst/>
+        </p:spPr>
+        <p:style>
+          <a:lnRef idx="0">
+            <a:scrgbClr r="0" g="0" b="0"/>
+          </a:lnRef>
+          <a:fillRef idx="0">
+            <a:scrgbClr r="0" g="0" b="0"/>
+          </a:fillRef>
+          <a:effectRef idx="0">
+            <a:scrgbClr r="0" g="0" b="0"/>
+          </a:effectRef>
+          <a:fontRef idx="none"/>
+        </p:style>
+      </p:cxnSp>
+      <p:cxnSp>
+        <p:nvCxnSpPr>
+          <p:cNvPr id="45" name="Straight Arrow Connector 62">
+            <a:extLst>
+              <a:ext uri="{FF2B5EF4-FFF2-40B4-BE49-F238E27FC236}">
+                <a16:creationId xmlns:a16="http://schemas.microsoft.com/office/drawing/2014/main" id="{7EF09460-0275-DC45-A79F-7FCF290FE086}"/>
+              </a:ext>
+            </a:extLst>
+          </p:cNvPr>
+          <p:cNvCxnSpPr>
+            <a:cxnSpLocks/>
+            <a:endCxn id="34" idx="1"/>
+          </p:cNvCxnSpPr>
+          <p:nvPr/>
+        </p:nvCxnSpPr>
+        <p:spPr>
+          <a:xfrm flipV="1">
+            <a:off x="1884810" y="3577972"/>
+            <a:ext cx="1363881" cy="14446"/>
+          </a:xfrm>
+          <a:prstGeom prst="straightConnector1">
+            <a:avLst/>
+          </a:prstGeom>
+          <a:noFill/>
+          <a:ln w="38100" cap="flat" cmpd="sng">
+            <a:solidFill>
+              <a:schemeClr val="bg1">
+                <a:lumMod val="85000"/>
+              </a:schemeClr>
+            </a:solidFill>
+            <a:prstDash val="solid"/>
+            <a:miter lim="400000"/>
+            <a:headEnd type="none"/>
+            <a:tailEnd type="none"/>
+          </a:ln>
+          <a:effectLst/>
+        </p:spPr>
+        <p:style>
+          <a:lnRef idx="0">
+            <a:scrgbClr r="0" g="0" b="0"/>
+          </a:lnRef>
+          <a:fillRef idx="0">
+            <a:scrgbClr r="0" g="0" b="0"/>
+          </a:fillRef>
+          <a:effectRef idx="0">
+            <a:scrgbClr r="0" g="0" b="0"/>
+          </a:effectRef>
+          <a:fontRef idx="none"/>
+        </p:style>
+      </p:cxnSp>
+      <p:sp>
+        <p:nvSpPr>
+          <p:cNvPr id="148" name="Shape 62"/>
+          <p:cNvSpPr/>
+          <p:nvPr/>
+        </p:nvSpPr>
+        <p:spPr>
+          <a:xfrm flipV="1">
+            <a:off x="1848138" y="776062"/>
+            <a:ext cx="0" cy="6667098"/>
+          </a:xfrm>
+          <a:prstGeom prst="line">
+            <a:avLst/>
+          </a:prstGeom>
+          <a:ln w="25400">
+            <a:solidFill>
+              <a:schemeClr val="bg1">
+                <a:lumMod val="85000"/>
+              </a:schemeClr>
+            </a:solidFill>
+            <a:miter lim="400000"/>
+          </a:ln>
+        </p:spPr>
+        <p:txBody>
+          <a:bodyPr lIns="0" tIns="0" rIns="0" bIns="0" anchor="ctr"/>
+          <a:lstStyle/>
+          <a:p>
+            <a:pPr lvl="0">
+              <a:defRPr sz="1800"/>
+            </a:pPr>
+            <a:endParaRPr/>
+          </a:p>
+        </p:txBody>
+      </p:sp>
+      <p:sp>
+        <p:nvSpPr>
+          <p:cNvPr id="210" name="Shape 64"/>
+          <p:cNvSpPr/>
+          <p:nvPr/>
+        </p:nvSpPr>
+        <p:spPr>
+          <a:xfrm>
+            <a:off x="1979114" y="781579"/>
+            <a:ext cx="5676030" cy="246221"/>
+          </a:xfrm>
+          <a:prstGeom prst="rect">
+            <a:avLst/>
+          </a:prstGeom>
+          <a:ln w="3175">
+            <a:miter lim="400000"/>
+          </a:ln>
+          <a:extLst>
+            <a:ext uri="{C572A759-6A51-4108-AA02-DFA0A04FC94B}">
+              <ma14:wrappingTextBoxFlag xmlns:ma14="http://schemas.microsoft.com/office/mac/drawingml/2011/main" xmlns="" val="1"/>
+            </a:ext>
+          </a:extLst>
+        </p:spPr>
+        <p:txBody>
+          <a:bodyPr wrap="square" lIns="0" tIns="0" rIns="0" bIns="0">
+            <a:spAutoFit/>
+          </a:bodyPr>
+          <a:lstStyle>
+            <a:lvl1pPr algn="l">
+              <a:defRPr sz="1000" b="1">
+                <a:solidFill>
+                  <a:srgbClr val="4277BB"/>
+                </a:solidFill>
+                <a:latin typeface="Helvetica"/>
+                <a:ea typeface="Helvetica"/>
+                <a:cs typeface="Helvetica"/>
+                <a:sym typeface="Helvetica"/>
+              </a:defRPr>
+            </a:lvl1pPr>
+          </a:lstStyle>
+          <a:p>
+            <a:pPr lvl="0" algn="ctr">
+              <a:defRPr sz="1800" b="0">
+                <a:solidFill>
+                  <a:srgbClr val="000000"/>
+                </a:solidFill>
+              </a:defRPr>
+            </a:pPr>
+            <a:r>
+              <a:rPr lang="de-DE" sz="1600" b="1">
+                <a:solidFill>
+                  <a:srgbClr val="000000"/>
+                </a:solidFill>
+                <a:latin typeface="Arial"/>
+                <a:cs typeface="Arial"/>
+              </a:rPr>
+              <a:t>Kubernetes with Istio</a:t>
+            </a:r>
+            <a:endParaRPr sz="1600">
+              <a:solidFill>
+                <a:srgbClr val="000000"/>
+              </a:solidFill>
+              <a:latin typeface="Arial"/>
+              <a:cs typeface="Arial"/>
+            </a:endParaRPr>
+          </a:p>
+        </p:txBody>
+      </p:sp>
+      <p:pic>
+        <p:nvPicPr>
+          <p:cNvPr id="211" name="Picture 210"/>
+          <p:cNvPicPr>
+            <a:picLocks noChangeAspect="1"/>
+          </p:cNvPicPr>
+          <p:nvPr/>
+        </p:nvPicPr>
+        <p:blipFill>
+          <a:blip r:embed="rId3"/>
+          <a:stretch>
+            <a:fillRect/>
+          </a:stretch>
+        </p:blipFill>
+        <p:spPr>
+          <a:xfrm>
+            <a:off x="275704" y="3280190"/>
+            <a:ext cx="803034" cy="701972"/>
+          </a:xfrm>
+          <a:prstGeom prst="rect">
+            <a:avLst/>
+          </a:prstGeom>
+        </p:spPr>
+      </p:pic>
+      <p:sp>
+        <p:nvSpPr>
+          <p:cNvPr id="212" name="TextBox 211"/>
+          <p:cNvSpPr txBox="1"/>
+          <p:nvPr/>
+        </p:nvSpPr>
+        <p:spPr>
+          <a:xfrm>
+            <a:off x="91289" y="3989911"/>
+            <a:ext cx="1181319" cy="264013"/>
+          </a:xfrm>
+          <a:prstGeom prst="rect">
+            <a:avLst/>
+          </a:prstGeom>
+          <a:noFill/>
+          <a:ln w="3175" cap="flat">
+            <a:noFill/>
+            <a:miter lim="400000"/>
+          </a:ln>
+          <a:effectLst/>
+        </p:spPr>
+        <p:style>
+          <a:lnRef idx="0">
+            <a:scrgbClr r="0" g="0" b="0"/>
+          </a:lnRef>
+          <a:fillRef idx="0">
+            <a:scrgbClr r="0" g="0" b="0"/>
+          </a:fillRef>
+          <a:effectRef idx="0">
+            <a:scrgbClr r="0" g="0" b="0"/>
+          </a:effectRef>
+          <a:fontRef idx="none"/>
+        </p:style>
+        <p:txBody>
+          <a:bodyPr rot="0" spcFirstLastPara="1" vertOverflow="overflow" horzOverflow="overflow" vert="horz" wrap="square" lIns="39290" tIns="39290" rIns="39290" bIns="39290" numCol="1" spcCol="38100" rtlCol="0" anchor="ctr">
+            <a:spAutoFit/>
+          </a:bodyPr>
+          <a:lstStyle/>
+          <a:p>
+            <a:pPr rtl="0" latinLnBrk="1" hangingPunct="0"/>
+            <a:r>
+              <a:rPr lang="en-US" sz="1200">
+                <a:solidFill>
+                  <a:srgbClr val="000000"/>
+                </a:solidFill>
+                <a:latin typeface="Arial"/>
+                <a:cs typeface="Arial"/>
+              </a:rPr>
+              <a:t>Web-App</a:t>
+            </a:r>
+          </a:p>
+        </p:txBody>
+      </p:sp>
+      <p:pic>
+        <p:nvPicPr>
+          <p:cNvPr id="216" name="Picture 215"/>
+          <p:cNvPicPr>
+            <a:picLocks noChangeAspect="1"/>
+          </p:cNvPicPr>
+          <p:nvPr/>
+        </p:nvPicPr>
+        <p:blipFill>
+          <a:blip r:embed="rId4"/>
+          <a:stretch>
+            <a:fillRect/>
+          </a:stretch>
+        </p:blipFill>
+        <p:spPr>
+          <a:xfrm>
+            <a:off x="3255007" y="1705499"/>
+            <a:ext cx="895939" cy="860102"/>
+          </a:xfrm>
+          <a:prstGeom prst="rect">
+            <a:avLst/>
+          </a:prstGeom>
+        </p:spPr>
+      </p:pic>
+      <p:sp>
+        <p:nvSpPr>
+          <p:cNvPr id="57" name="Shape 64"/>
+          <p:cNvSpPr/>
+          <p:nvPr/>
+        </p:nvSpPr>
+        <p:spPr>
+          <a:xfrm>
+            <a:off x="82313" y="788870"/>
+            <a:ext cx="1716821" cy="246221"/>
+          </a:xfrm>
+          <a:prstGeom prst="rect">
+            <a:avLst/>
+          </a:prstGeom>
+          <a:ln w="3175">
+            <a:miter lim="400000"/>
+          </a:ln>
+          <a:extLst>
+            <a:ext uri="{C572A759-6A51-4108-AA02-DFA0A04FC94B}">
+              <ma14:wrappingTextBoxFlag xmlns:ma14="http://schemas.microsoft.com/office/mac/drawingml/2011/main" xmlns="" val="1"/>
+            </a:ext>
+          </a:extLst>
+        </p:spPr>
+        <p:txBody>
+          <a:bodyPr wrap="square" lIns="0" tIns="0" rIns="0" bIns="0">
+            <a:spAutoFit/>
+          </a:bodyPr>
+          <a:lstStyle>
+            <a:lvl1pPr algn="l">
+              <a:defRPr sz="1000" b="1">
+                <a:solidFill>
+                  <a:srgbClr val="4277BB"/>
+                </a:solidFill>
+                <a:latin typeface="Helvetica"/>
+                <a:ea typeface="Helvetica"/>
+                <a:cs typeface="Helvetica"/>
+                <a:sym typeface="Helvetica"/>
+              </a:defRPr>
+            </a:lvl1pPr>
+          </a:lstStyle>
+          <a:p>
+            <a:pPr lvl="0" algn="ctr">
+              <a:defRPr sz="1800" b="0">
+                <a:solidFill>
+                  <a:srgbClr val="000000"/>
+                </a:solidFill>
+              </a:defRPr>
+            </a:pPr>
+            <a:r>
+              <a:rPr lang="de-DE" sz="1600" b="1">
+                <a:solidFill>
+                  <a:srgbClr val="000000"/>
+                </a:solidFill>
+                <a:latin typeface="Arial"/>
+                <a:cs typeface="Arial"/>
+              </a:rPr>
+              <a:t>Browser</a:t>
+            </a:r>
+            <a:endParaRPr sz="1600">
+              <a:solidFill>
+                <a:srgbClr val="000000"/>
+              </a:solidFill>
+              <a:latin typeface="Arial"/>
+              <a:cs typeface="Arial"/>
+            </a:endParaRPr>
+          </a:p>
+        </p:txBody>
+      </p:sp>
+      <p:sp>
+        <p:nvSpPr>
+          <p:cNvPr id="64" name="TextBox 63"/>
+          <p:cNvSpPr txBox="1"/>
+          <p:nvPr/>
+        </p:nvSpPr>
+        <p:spPr>
+          <a:xfrm>
+            <a:off x="2961332" y="2494251"/>
+            <a:ext cx="1506878" cy="448679"/>
+          </a:xfrm>
+          <a:prstGeom prst="rect">
+            <a:avLst/>
+          </a:prstGeom>
+          <a:noFill/>
+          <a:ln w="3175" cap="flat">
+            <a:noFill/>
+            <a:miter lim="400000"/>
+          </a:ln>
+          <a:effectLst/>
+        </p:spPr>
+        <p:style>
+          <a:lnRef idx="0">
+            <a:scrgbClr r="0" g="0" b="0"/>
+          </a:lnRef>
+          <a:fillRef idx="0">
+            <a:scrgbClr r="0" g="0" b="0"/>
+          </a:fillRef>
+          <a:effectRef idx="0">
+            <a:scrgbClr r="0" g="0" b="0"/>
+          </a:effectRef>
+          <a:fontRef idx="none"/>
+        </p:style>
+        <p:txBody>
+          <a:bodyPr rot="0" spcFirstLastPara="1" vertOverflow="overflow" horzOverflow="overflow" vert="horz" wrap="square" lIns="39290" tIns="39290" rIns="39290" bIns="39290" numCol="1" spcCol="38100" rtlCol="0" anchor="ctr">
+            <a:spAutoFit/>
+          </a:bodyPr>
+          <a:lstStyle/>
+          <a:p>
+            <a:pPr marL="0" marR="0" indent="0" defTabSz="584200" rtl="0" fontAlgn="auto" latinLnBrk="1" hangingPunct="0">
+              <a:lnSpc>
+                <a:spcPct val="100000"/>
+              </a:lnSpc>
+              <a:spcBef>
+                <a:spcPts val="0"/>
+              </a:spcBef>
+              <a:spcAft>
+                <a:spcPts val="0"/>
+              </a:spcAft>
+              <a:buClrTx/>
+              <a:buSzTx/>
+              <a:buFontTx/>
+              <a:buNone/>
+              <a:tabLst/>
+            </a:pPr>
+            <a:r>
+              <a:rPr lang="en-US" sz="1200">
+                <a:solidFill>
+                  <a:srgbClr val="000000"/>
+                </a:solidFill>
+                <a:latin typeface="Arial"/>
+                <a:cs typeface="Arial"/>
+              </a:rPr>
+              <a:t>Web-API</a:t>
+            </a:r>
+            <a:endParaRPr kumimoji="0" lang="en-US" sz="1200" b="0" i="0" u="none" strike="noStrike" cap="none" spc="0" normalizeH="0" baseline="0">
+              <a:ln>
+                <a:noFill/>
+              </a:ln>
+              <a:solidFill>
+                <a:srgbClr val="000000"/>
+              </a:solidFill>
+              <a:effectLst/>
+              <a:uFillTx/>
+              <a:latin typeface="Arial"/>
+              <a:ea typeface="+mn-ea"/>
+              <a:cs typeface="Arial"/>
+              <a:sym typeface="Helvetica Light"/>
+            </a:endParaRPr>
+          </a:p>
+          <a:p>
+            <a:pPr marL="0" marR="0" indent="0" defTabSz="584200" rtl="0" fontAlgn="auto" latinLnBrk="1" hangingPunct="0">
+              <a:lnSpc>
+                <a:spcPct val="100000"/>
+              </a:lnSpc>
+              <a:spcBef>
+                <a:spcPts val="0"/>
+              </a:spcBef>
+              <a:spcAft>
+                <a:spcPts val="0"/>
+              </a:spcAft>
+              <a:buClrTx/>
+              <a:buSzTx/>
+              <a:buFontTx/>
+              <a:buNone/>
+              <a:tabLst/>
+            </a:pPr>
+            <a:r>
+              <a:rPr lang="en-US" sz="1200">
+                <a:solidFill>
+                  <a:srgbClr val="000000"/>
+                </a:solidFill>
+                <a:latin typeface="Arial"/>
+                <a:cs typeface="Arial"/>
+              </a:rPr>
+              <a:t>v1</a:t>
+            </a:r>
+            <a:endParaRPr kumimoji="0" lang="en-US" sz="1200" b="0" i="0" u="none" strike="noStrike" cap="none" spc="0" normalizeH="0" baseline="0">
+              <a:ln>
+                <a:noFill/>
+              </a:ln>
+              <a:solidFill>
+                <a:srgbClr val="000000"/>
+              </a:solidFill>
+              <a:effectLst/>
+              <a:uFillTx/>
+              <a:latin typeface="Arial"/>
+              <a:ea typeface="+mn-ea"/>
+              <a:cs typeface="Arial"/>
+              <a:sym typeface="Helvetica Light"/>
+            </a:endParaRPr>
+          </a:p>
+        </p:txBody>
+      </p:sp>
+      <p:grpSp>
+        <p:nvGrpSpPr>
+          <p:cNvPr id="9" name="Group 8"/>
+          <p:cNvGrpSpPr/>
+          <p:nvPr/>
+        </p:nvGrpSpPr>
+        <p:grpSpPr>
+          <a:xfrm>
+            <a:off x="5597870" y="3165843"/>
+            <a:ext cx="707233" cy="707233"/>
+            <a:chOff x="394759" y="4656919"/>
+            <a:chExt cx="707233" cy="707233"/>
+          </a:xfrm>
+        </p:grpSpPr>
+        <p:sp>
+          <p:nvSpPr>
+            <p:cNvPr id="72" name="Shape 272"/>
+            <p:cNvSpPr/>
+            <p:nvPr/>
+          </p:nvSpPr>
+          <p:spPr>
+            <a:xfrm>
+              <a:off x="394759" y="4656919"/>
+              <a:ext cx="707233" cy="707233"/>
+            </a:xfrm>
+            <a:custGeom>
+              <a:avLst/>
+              <a:gdLst/>
+              <a:ahLst/>
+              <a:cxnLst>
+                <a:cxn ang="0">
+                  <a:pos x="wd2" y="hd2"/>
+                </a:cxn>
+                <a:cxn ang="5400000">
+                  <a:pos x="wd2" y="hd2"/>
+                </a:cxn>
+                <a:cxn ang="10800000">
+                  <a:pos x="wd2" y="hd2"/>
+                </a:cxn>
+                <a:cxn ang="16200000">
+                  <a:pos x="wd2" y="hd2"/>
+                </a:cxn>
+              </a:cxnLst>
+              <a:rect l="0" t="0" r="r" b="b"/>
+              <a:pathLst>
+                <a:path w="19679" h="19679" extrusionOk="0">
+                  <a:moveTo>
+                    <a:pt x="16796" y="2882"/>
+                  </a:moveTo>
+                  <a:cubicBezTo>
+                    <a:pt x="20639" y="6724"/>
+                    <a:pt x="20639" y="12954"/>
+                    <a:pt x="16796" y="16796"/>
+                  </a:cubicBezTo>
+                  <a:cubicBezTo>
+                    <a:pt x="12954" y="20639"/>
+                    <a:pt x="6724" y="20639"/>
+                    <a:pt x="2882" y="16796"/>
+                  </a:cubicBezTo>
+                  <a:cubicBezTo>
+                    <a:pt x="-961" y="12954"/>
+                    <a:pt x="-961" y="6724"/>
+                    <a:pt x="2882" y="2882"/>
+                  </a:cubicBezTo>
+                  <a:cubicBezTo>
+                    <a:pt x="6724" y="-961"/>
+                    <a:pt x="12954" y="-961"/>
+                    <a:pt x="16796" y="2882"/>
+                  </a:cubicBezTo>
+                  <a:close/>
+                </a:path>
+              </a:pathLst>
+            </a:custGeom>
+            <a:solidFill>
+              <a:srgbClr val="8DC53F"/>
+            </a:solidFill>
+            <a:ln w="3175" cap="flat">
+              <a:noFill/>
+              <a:miter lim="400000"/>
+            </a:ln>
+            <a:effectLst/>
+          </p:spPr>
+          <p:txBody>
+            <a:bodyPr wrap="square" lIns="0" tIns="0" rIns="0" bIns="0" numCol="1" anchor="ctr">
+              <a:noAutofit/>
+            </a:bodyPr>
+            <a:lstStyle/>
+            <a:p>
+              <a:pPr lvl="0">
+                <a:defRPr sz="1800">
+                  <a:solidFill>
+                    <a:srgbClr val="FFFFFF"/>
+                  </a:solidFill>
+                </a:defRPr>
+              </a:pPr>
+              <a:endParaRPr/>
+            </a:p>
+          </p:txBody>
+        </p:sp>
+        <p:pic>
+          <p:nvPicPr>
+            <p:cNvPr id="74" name="_-13.png"/>
+            <p:cNvPicPr/>
+            <p:nvPr/>
+          </p:nvPicPr>
+          <p:blipFill>
+            <a:blip r:embed="rId5"/>
+            <a:srcRect l="19624" t="23468" r="19624" b="23468"/>
+            <a:stretch>
+              <a:fillRect/>
+            </a:stretch>
+          </p:blipFill>
+          <p:spPr>
+            <a:xfrm>
+              <a:off x="535947" y="4822892"/>
+              <a:ext cx="429660" cy="375287"/>
+            </a:xfrm>
+            <a:prstGeom prst="rect">
+              <a:avLst/>
+            </a:prstGeom>
+            <a:ln w="3175" cap="flat">
+              <a:noFill/>
+              <a:miter lim="400000"/>
+            </a:ln>
+            <a:effectLst/>
+          </p:spPr>
+        </p:pic>
+      </p:grpSp>
+      <p:pic>
+        <p:nvPicPr>
+          <p:cNvPr id="78" name="Picture 77"/>
+          <p:cNvPicPr>
+            <a:picLocks noChangeAspect="1"/>
+          </p:cNvPicPr>
+          <p:nvPr/>
+        </p:nvPicPr>
+        <p:blipFill>
+          <a:blip r:embed="rId6"/>
+          <a:stretch>
+            <a:fillRect/>
+          </a:stretch>
+        </p:blipFill>
+        <p:spPr>
+          <a:xfrm>
+            <a:off x="3084928" y="1407112"/>
+            <a:ext cx="831816" cy="524254"/>
+          </a:xfrm>
+          <a:prstGeom prst="rect">
+            <a:avLst/>
+          </a:prstGeom>
+        </p:spPr>
+      </p:pic>
+      <p:sp>
+        <p:nvSpPr>
+          <p:cNvPr id="80" name="TextBox 79"/>
+          <p:cNvSpPr txBox="1"/>
+          <p:nvPr/>
+        </p:nvSpPr>
+        <p:spPr>
+          <a:xfrm>
+            <a:off x="5207811" y="2470326"/>
+            <a:ext cx="1506878" cy="264013"/>
+          </a:xfrm>
+          <a:prstGeom prst="rect">
+            <a:avLst/>
+          </a:prstGeom>
+          <a:noFill/>
+          <a:ln w="3175" cap="flat">
+            <a:noFill/>
+            <a:miter lim="400000"/>
+          </a:ln>
+          <a:effectLst/>
+        </p:spPr>
+        <p:style>
+          <a:lnRef idx="0">
+            <a:scrgbClr r="0" g="0" b="0"/>
+          </a:lnRef>
+          <a:fillRef idx="0">
+            <a:scrgbClr r="0" g="0" b="0"/>
+          </a:fillRef>
+          <a:effectRef idx="0">
+            <a:scrgbClr r="0" g="0" b="0"/>
+          </a:effectRef>
+          <a:fontRef idx="none"/>
+        </p:style>
+        <p:txBody>
+          <a:bodyPr rot="0" spcFirstLastPara="1" vertOverflow="overflow" horzOverflow="overflow" vert="horz" wrap="square" lIns="39290" tIns="39290" rIns="39290" bIns="39290" numCol="1" spcCol="38100" rtlCol="0" anchor="ctr">
+            <a:spAutoFit/>
+          </a:bodyPr>
+          <a:lstStyle/>
+          <a:p>
+            <a:pPr marL="0" marR="0" indent="0" defTabSz="584200" rtl="0" fontAlgn="auto" latinLnBrk="1" hangingPunct="0">
+              <a:lnSpc>
+                <a:spcPct val="100000"/>
+              </a:lnSpc>
+              <a:spcBef>
+                <a:spcPts val="0"/>
+              </a:spcBef>
+              <a:spcAft>
+                <a:spcPts val="0"/>
+              </a:spcAft>
+              <a:buClrTx/>
+              <a:buSzTx/>
+              <a:buFontTx/>
+              <a:buNone/>
+              <a:tabLst/>
+            </a:pPr>
+            <a:r>
+              <a:rPr kumimoji="0" lang="en-US" sz="1200" b="0" i="0" u="none" strike="noStrike" cap="none" spc="0" normalizeH="0" baseline="0">
+                <a:ln>
+                  <a:noFill/>
+                </a:ln>
+                <a:solidFill>
+                  <a:srgbClr val="000000"/>
+                </a:solidFill>
+                <a:effectLst/>
+                <a:uFillTx/>
+                <a:latin typeface="Arial"/>
+                <a:ea typeface="+mn-ea"/>
+                <a:cs typeface="Arial"/>
+                <a:sym typeface="Helvetica Light"/>
+              </a:rPr>
+              <a:t>Articles</a:t>
+            </a:r>
+          </a:p>
+        </p:txBody>
+      </p:sp>
+      <p:cxnSp>
+        <p:nvCxnSpPr>
+          <p:cNvPr id="92" name="Straight Arrow Connector 62"/>
+          <p:cNvCxnSpPr>
+            <a:cxnSpLocks/>
+            <a:endCxn id="216" idx="1"/>
+          </p:cNvCxnSpPr>
+          <p:nvPr/>
+        </p:nvCxnSpPr>
+        <p:spPr>
+          <a:xfrm flipV="1">
+            <a:off x="2142836" y="2135550"/>
+            <a:ext cx="1112171" cy="1215070"/>
+          </a:xfrm>
+          <a:prstGeom prst="straightConnector1">
+            <a:avLst/>
+          </a:prstGeom>
+          <a:noFill/>
+          <a:ln w="38100" cap="flat" cmpd="sng">
+            <a:solidFill>
+              <a:schemeClr val="bg1">
+                <a:lumMod val="85000"/>
+              </a:schemeClr>
+            </a:solidFill>
+            <a:prstDash val="solid"/>
+            <a:miter lim="400000"/>
+            <a:headEnd type="none"/>
+            <a:tailEnd type="none"/>
+          </a:ln>
+          <a:effectLst/>
+        </p:spPr>
+        <p:style>
+          <a:lnRef idx="0">
+            <a:scrgbClr r="0" g="0" b="0"/>
+          </a:lnRef>
+          <a:fillRef idx="0">
+            <a:scrgbClr r="0" g="0" b="0"/>
+          </a:fillRef>
+          <a:effectRef idx="0">
+            <a:scrgbClr r="0" g="0" b="0"/>
+          </a:effectRef>
+          <a:fontRef idx="none"/>
+        </p:style>
+      </p:cxnSp>
+      <p:sp>
+        <p:nvSpPr>
+          <p:cNvPr id="106" name="TextBox 105"/>
+          <p:cNvSpPr txBox="1"/>
+          <p:nvPr/>
+        </p:nvSpPr>
+        <p:spPr>
+          <a:xfrm>
+            <a:off x="5188085" y="3859630"/>
+            <a:ext cx="1506878" cy="264013"/>
+          </a:xfrm>
+          <a:prstGeom prst="rect">
+            <a:avLst/>
+          </a:prstGeom>
+          <a:noFill/>
+          <a:ln w="3175" cap="flat">
+            <a:noFill/>
+            <a:miter lim="400000"/>
+          </a:ln>
+          <a:effectLst/>
+        </p:spPr>
+        <p:style>
+          <a:lnRef idx="0">
+            <a:scrgbClr r="0" g="0" b="0"/>
+          </a:lnRef>
+          <a:fillRef idx="0">
+            <a:scrgbClr r="0" g="0" b="0"/>
+          </a:fillRef>
+          <a:effectRef idx="0">
+            <a:scrgbClr r="0" g="0" b="0"/>
+          </a:effectRef>
+          <a:fontRef idx="none"/>
+        </p:style>
+        <p:txBody>
+          <a:bodyPr rot="0" spcFirstLastPara="1" vertOverflow="overflow" horzOverflow="overflow" vert="horz" wrap="square" lIns="39290" tIns="39290" rIns="39290" bIns="39290" numCol="1" spcCol="38100" rtlCol="0" anchor="ctr">
+            <a:spAutoFit/>
+          </a:bodyPr>
+          <a:lstStyle/>
+          <a:p>
+            <a:pPr marL="0" marR="0" indent="0" defTabSz="584200" rtl="0" fontAlgn="auto" latinLnBrk="1" hangingPunct="0">
+              <a:lnSpc>
+                <a:spcPct val="100000"/>
+              </a:lnSpc>
+              <a:spcBef>
+                <a:spcPts val="0"/>
+              </a:spcBef>
+              <a:spcAft>
+                <a:spcPts val="0"/>
+              </a:spcAft>
+              <a:buClrTx/>
+              <a:buSzTx/>
+              <a:buFontTx/>
+              <a:buNone/>
+              <a:tabLst/>
+            </a:pPr>
+            <a:r>
+              <a:rPr lang="en-US" sz="1200">
+                <a:solidFill>
+                  <a:srgbClr val="000000"/>
+                </a:solidFill>
+                <a:latin typeface="Arial"/>
+                <a:cs typeface="Arial"/>
+              </a:rPr>
+              <a:t>A</a:t>
+            </a:r>
+            <a:r>
+              <a:rPr kumimoji="0" lang="en-US" sz="1200" b="0" i="0" u="none" strike="noStrike" cap="none" spc="0" normalizeH="0" baseline="0">
+                <a:ln>
+                  <a:noFill/>
+                </a:ln>
+                <a:solidFill>
+                  <a:srgbClr val="000000"/>
+                </a:solidFill>
+                <a:effectLst/>
+                <a:uFillTx/>
+                <a:latin typeface="Arial"/>
+                <a:ea typeface="+mn-ea"/>
+                <a:cs typeface="Arial"/>
+                <a:sym typeface="Helvetica Light"/>
+              </a:rPr>
+              <a:t>uthors</a:t>
+            </a:r>
+          </a:p>
+        </p:txBody>
+      </p:sp>
+      <p:pic>
+        <p:nvPicPr>
+          <p:cNvPr id="107" name="Picture 106"/>
+          <p:cNvPicPr>
+            <a:picLocks noChangeAspect="1"/>
+          </p:cNvPicPr>
+          <p:nvPr/>
+        </p:nvPicPr>
+        <p:blipFill>
+          <a:blip r:embed="rId7"/>
+          <a:stretch>
+            <a:fillRect/>
+          </a:stretch>
+        </p:blipFill>
+        <p:spPr>
+          <a:xfrm>
+            <a:off x="5227279" y="2872394"/>
+            <a:ext cx="695118" cy="425181"/>
+          </a:xfrm>
+          <a:prstGeom prst="rect">
+            <a:avLst/>
+          </a:prstGeom>
+        </p:spPr>
+      </p:pic>
+      <p:sp>
+        <p:nvSpPr>
+          <p:cNvPr id="117" name="TextBox 116"/>
+          <p:cNvSpPr txBox="1"/>
+          <p:nvPr/>
+        </p:nvSpPr>
+        <p:spPr>
+          <a:xfrm>
+            <a:off x="2996444" y="5679606"/>
+            <a:ext cx="1365428" cy="264013"/>
+          </a:xfrm>
+          <a:prstGeom prst="rect">
+            <a:avLst/>
+          </a:prstGeom>
+          <a:noFill/>
+          <a:ln w="3175" cap="flat">
+            <a:noFill/>
+            <a:miter lim="400000"/>
+          </a:ln>
+          <a:effectLst/>
+        </p:spPr>
+        <p:style>
+          <a:lnRef idx="0">
+            <a:scrgbClr r="0" g="0" b="0"/>
+          </a:lnRef>
+          <a:fillRef idx="0">
+            <a:scrgbClr r="0" g="0" b="0"/>
+          </a:fillRef>
+          <a:effectRef idx="0">
+            <a:scrgbClr r="0" g="0" b="0"/>
+          </a:effectRef>
+          <a:fontRef idx="none"/>
+        </p:style>
+        <p:txBody>
+          <a:bodyPr rot="0" spcFirstLastPara="1" vertOverflow="overflow" horzOverflow="overflow" vert="horz" wrap="square" lIns="39290" tIns="39290" rIns="39290" bIns="39290" numCol="1" spcCol="38100" rtlCol="0" anchor="ctr">
+            <a:spAutoFit/>
+          </a:bodyPr>
+          <a:lstStyle/>
+          <a:p>
+            <a:pPr rtl="0" latinLnBrk="1" hangingPunct="0"/>
+            <a:r>
+              <a:rPr lang="en-US" sz="1200">
+                <a:solidFill>
+                  <a:srgbClr val="000000"/>
+                </a:solidFill>
+                <a:latin typeface="Arial"/>
+                <a:cs typeface="Arial"/>
+              </a:rPr>
+              <a:t>Web-App</a:t>
+            </a:r>
+          </a:p>
+        </p:txBody>
+      </p:sp>
+      <p:cxnSp>
+        <p:nvCxnSpPr>
+          <p:cNvPr id="118" name="Straight Arrow Connector 62"/>
+          <p:cNvCxnSpPr>
+            <a:cxnSpLocks/>
+          </p:cNvCxnSpPr>
+          <p:nvPr/>
+        </p:nvCxnSpPr>
+        <p:spPr>
+          <a:xfrm>
+            <a:off x="2102902" y="3967369"/>
+            <a:ext cx="1249890" cy="1279001"/>
+          </a:xfrm>
+          <a:prstGeom prst="straightConnector1">
+            <a:avLst/>
+          </a:prstGeom>
+          <a:noFill/>
+          <a:ln w="38100" cap="flat" cmpd="sng">
+            <a:solidFill>
+              <a:schemeClr val="bg1">
+                <a:lumMod val="85000"/>
+              </a:schemeClr>
+            </a:solidFill>
+            <a:prstDash val="solid"/>
+            <a:miter lim="400000"/>
+            <a:headEnd type="none"/>
+            <a:tailEnd type="none"/>
+          </a:ln>
+          <a:effectLst/>
+        </p:spPr>
+        <p:style>
+          <a:lnRef idx="0">
+            <a:scrgbClr r="0" g="0" b="0"/>
+          </a:lnRef>
+          <a:fillRef idx="0">
+            <a:scrgbClr r="0" g="0" b="0"/>
+          </a:fillRef>
+          <a:effectRef idx="0">
+            <a:scrgbClr r="0" g="0" b="0"/>
+          </a:effectRef>
+          <a:fontRef idx="none"/>
+        </p:style>
+      </p:cxnSp>
+      <p:pic>
+        <p:nvPicPr>
+          <p:cNvPr id="232" name="Picture 231"/>
+          <p:cNvPicPr>
+            <a:picLocks noChangeAspect="1"/>
+          </p:cNvPicPr>
+          <p:nvPr/>
+        </p:nvPicPr>
+        <p:blipFill>
+          <a:blip r:embed="rId8"/>
+          <a:stretch>
+            <a:fillRect/>
+          </a:stretch>
+        </p:blipFill>
+        <p:spPr>
+          <a:xfrm>
+            <a:off x="3193422" y="4710185"/>
+            <a:ext cx="307414" cy="348208"/>
+          </a:xfrm>
+          <a:prstGeom prst="rect">
+            <a:avLst/>
+          </a:prstGeom>
+        </p:spPr>
+      </p:pic>
+      <p:grpSp>
+        <p:nvGrpSpPr>
+          <p:cNvPr id="22" name="Group 21"/>
+          <p:cNvGrpSpPr/>
+          <p:nvPr/>
+        </p:nvGrpSpPr>
+        <p:grpSpPr>
+          <a:xfrm>
+            <a:off x="3347757" y="4959873"/>
+            <a:ext cx="707235" cy="707233"/>
+            <a:chOff x="555452" y="2050875"/>
+            <a:chExt cx="707235" cy="707233"/>
+          </a:xfrm>
+        </p:grpSpPr>
+        <p:sp>
+          <p:nvSpPr>
+            <p:cNvPr id="110" name="Shape 339"/>
+            <p:cNvSpPr/>
+            <p:nvPr/>
+          </p:nvSpPr>
+          <p:spPr>
+            <a:xfrm>
+              <a:off x="555452" y="2050875"/>
+              <a:ext cx="707235" cy="707233"/>
+            </a:xfrm>
+            <a:custGeom>
+              <a:avLst/>
+              <a:gdLst/>
+              <a:ahLst/>
+              <a:cxnLst>
+                <a:cxn ang="0">
+                  <a:pos x="wd2" y="hd2"/>
+                </a:cxn>
+                <a:cxn ang="5400000">
+                  <a:pos x="wd2" y="hd2"/>
+                </a:cxn>
+                <a:cxn ang="10800000">
+                  <a:pos x="wd2" y="hd2"/>
+                </a:cxn>
+                <a:cxn ang="16200000">
+                  <a:pos x="wd2" y="hd2"/>
+                </a:cxn>
+              </a:cxnLst>
+              <a:rect l="0" t="0" r="r" b="b"/>
+              <a:pathLst>
+                <a:path w="19679" h="19679" extrusionOk="0">
+                  <a:moveTo>
+                    <a:pt x="16796" y="2882"/>
+                  </a:moveTo>
+                  <a:cubicBezTo>
+                    <a:pt x="20639" y="6724"/>
+                    <a:pt x="20639" y="12954"/>
+                    <a:pt x="16796" y="16796"/>
+                  </a:cubicBezTo>
+                  <a:cubicBezTo>
+                    <a:pt x="12954" y="20639"/>
+                    <a:pt x="6724" y="20639"/>
+                    <a:pt x="2882" y="16796"/>
+                  </a:cubicBezTo>
+                  <a:cubicBezTo>
+                    <a:pt x="-961" y="12954"/>
+                    <a:pt x="-961" y="6724"/>
+                    <a:pt x="2882" y="2882"/>
+                  </a:cubicBezTo>
+                  <a:cubicBezTo>
+                    <a:pt x="6724" y="-961"/>
+                    <a:pt x="12954" y="-961"/>
+                    <a:pt x="16796" y="2882"/>
+                  </a:cubicBezTo>
+                  <a:close/>
+                </a:path>
+              </a:pathLst>
+            </a:custGeom>
+            <a:solidFill>
+              <a:srgbClr val="325C80"/>
+            </a:solidFill>
+            <a:ln w="3175" cap="flat">
+              <a:noFill/>
+              <a:miter lim="400000"/>
+            </a:ln>
+            <a:effectLst/>
+          </p:spPr>
+          <p:txBody>
+            <a:bodyPr wrap="square" lIns="0" tIns="0" rIns="0" bIns="0" numCol="1" anchor="ctr">
+              <a:noAutofit/>
+            </a:bodyPr>
+            <a:lstStyle/>
+            <a:p>
+              <a:pPr lvl="0">
+                <a:defRPr sz="1800">
+                  <a:solidFill>
+                    <a:srgbClr val="FFFFFF"/>
+                  </a:solidFill>
+                </a:defRPr>
+              </a:pPr>
+              <a:endParaRPr/>
+            </a:p>
+          </p:txBody>
+        </p:sp>
+        <p:pic>
+          <p:nvPicPr>
+            <p:cNvPr id="111" name="_-41.png"/>
+            <p:cNvPicPr/>
+            <p:nvPr/>
+          </p:nvPicPr>
+          <p:blipFill>
+            <a:blip r:embed="rId9"/>
+            <a:srcRect l="21704" t="15445" r="21704" b="15445"/>
+            <a:stretch>
+              <a:fillRect/>
+            </a:stretch>
+          </p:blipFill>
+          <p:spPr>
+            <a:xfrm>
+              <a:off x="712289" y="2169320"/>
+              <a:ext cx="400239" cy="488767"/>
+            </a:xfrm>
+            <a:prstGeom prst="rect">
+              <a:avLst/>
+            </a:prstGeom>
+            <a:ln w="3175" cap="flat">
+              <a:noFill/>
+              <a:miter lim="400000"/>
+            </a:ln>
+            <a:effectLst/>
+          </p:spPr>
+        </p:pic>
+      </p:grpSp>
+      <p:pic>
+        <p:nvPicPr>
+          <p:cNvPr id="84" name="Picture 83"/>
+          <p:cNvPicPr>
+            <a:picLocks noChangeAspect="1"/>
+          </p:cNvPicPr>
+          <p:nvPr/>
+        </p:nvPicPr>
+        <p:blipFill>
+          <a:blip r:embed="rId6"/>
+          <a:stretch>
+            <a:fillRect/>
+          </a:stretch>
+        </p:blipFill>
+        <p:spPr>
+          <a:xfrm>
+            <a:off x="5229846" y="1407112"/>
+            <a:ext cx="831816" cy="524254"/>
+          </a:xfrm>
+          <a:prstGeom prst="rect">
+            <a:avLst/>
+          </a:prstGeom>
+        </p:spPr>
+      </p:pic>
+      <p:grpSp>
+        <p:nvGrpSpPr>
+          <p:cNvPr id="63" name="Group 62"/>
+          <p:cNvGrpSpPr/>
+          <p:nvPr/>
+        </p:nvGrpSpPr>
+        <p:grpSpPr>
+          <a:xfrm>
+            <a:off x="5597870" y="1773737"/>
+            <a:ext cx="707233" cy="707233"/>
+            <a:chOff x="600270" y="3372960"/>
+            <a:chExt cx="707233" cy="707233"/>
+          </a:xfrm>
+        </p:grpSpPr>
+        <p:sp>
+          <p:nvSpPr>
+            <p:cNvPr id="70" name="Shape 298"/>
+            <p:cNvSpPr/>
+            <p:nvPr/>
+          </p:nvSpPr>
+          <p:spPr>
+            <a:xfrm>
+              <a:off x="600270" y="3372960"/>
+              <a:ext cx="707233" cy="707233"/>
+            </a:xfrm>
+            <a:custGeom>
+              <a:avLst/>
+              <a:gdLst/>
+              <a:ahLst/>
+              <a:cxnLst>
+                <a:cxn ang="0">
+                  <a:pos x="wd2" y="hd2"/>
+                </a:cxn>
+                <a:cxn ang="5400000">
+                  <a:pos x="wd2" y="hd2"/>
+                </a:cxn>
+                <a:cxn ang="10800000">
+                  <a:pos x="wd2" y="hd2"/>
+                </a:cxn>
+                <a:cxn ang="16200000">
+                  <a:pos x="wd2" y="hd2"/>
+                </a:cxn>
+              </a:cxnLst>
+              <a:rect l="0" t="0" r="r" b="b"/>
+              <a:pathLst>
+                <a:path w="19679" h="19679" extrusionOk="0">
+                  <a:moveTo>
+                    <a:pt x="16796" y="2882"/>
+                  </a:moveTo>
+                  <a:cubicBezTo>
+                    <a:pt x="20639" y="6724"/>
+                    <a:pt x="20639" y="12954"/>
+                    <a:pt x="16796" y="16796"/>
+                  </a:cubicBezTo>
+                  <a:cubicBezTo>
+                    <a:pt x="12954" y="20639"/>
+                    <a:pt x="6724" y="20639"/>
+                    <a:pt x="2882" y="16796"/>
+                  </a:cubicBezTo>
+                  <a:cubicBezTo>
+                    <a:pt x="-961" y="12954"/>
+                    <a:pt x="-961" y="6724"/>
+                    <a:pt x="2882" y="2882"/>
+                  </a:cubicBezTo>
+                  <a:cubicBezTo>
+                    <a:pt x="6724" y="-961"/>
+                    <a:pt x="12954" y="-961"/>
+                    <a:pt x="16796" y="2882"/>
+                  </a:cubicBezTo>
+                  <a:close/>
+                </a:path>
+              </a:pathLst>
+            </a:custGeom>
+            <a:solidFill>
+              <a:srgbClr val="8BC831"/>
+            </a:solidFill>
+            <a:ln w="3175" cap="flat">
+              <a:noFill/>
+              <a:miter lim="400000"/>
+            </a:ln>
+            <a:effectLst/>
+          </p:spPr>
+          <p:txBody>
+            <a:bodyPr wrap="square" lIns="0" tIns="0" rIns="0" bIns="0" numCol="1" anchor="ctr">
+              <a:noAutofit/>
+            </a:bodyPr>
+            <a:lstStyle/>
+            <a:p>
+              <a:pPr lvl="0">
+                <a:defRPr sz="1800">
+                  <a:solidFill>
+                    <a:srgbClr val="FFFFFF"/>
+                  </a:solidFill>
+                </a:defRPr>
+              </a:pPr>
+              <a:endParaRPr/>
+            </a:p>
+          </p:txBody>
+        </p:sp>
+        <p:pic>
+          <p:nvPicPr>
+            <p:cNvPr id="76" name="Picture 75"/>
+            <p:cNvPicPr>
+              <a:picLocks noChangeAspect="1"/>
+            </p:cNvPicPr>
+            <p:nvPr/>
+          </p:nvPicPr>
+          <p:blipFill>
+            <a:blip r:embed="rId10">
+              <a:extLst>
+                <a:ext uri="{28A0092B-C50C-407E-A947-70E740481C1C}">
+                  <a14:useLocalDpi xmlns:a14="http://schemas.microsoft.com/office/drawing/2010/main" val="0"/>
+                </a:ext>
+              </a:extLst>
+            </a:blip>
+            <a:stretch>
+              <a:fillRect/>
+            </a:stretch>
+          </p:blipFill>
+          <p:spPr>
+            <a:xfrm>
+              <a:off x="805885" y="3465709"/>
+              <a:ext cx="292608" cy="445008"/>
+            </a:xfrm>
+            <a:prstGeom prst="rect">
+              <a:avLst/>
+            </a:prstGeom>
+          </p:spPr>
+        </p:pic>
+      </p:grpSp>
+      <p:grpSp>
+        <p:nvGrpSpPr>
+          <p:cNvPr id="65" name="Group 64"/>
+          <p:cNvGrpSpPr/>
+          <p:nvPr/>
+        </p:nvGrpSpPr>
+        <p:grpSpPr>
+          <a:xfrm>
+            <a:off x="1500579" y="3260135"/>
+            <a:ext cx="707233" cy="707234"/>
+            <a:chOff x="3587103" y="3636248"/>
+            <a:chExt cx="707233" cy="707234"/>
+          </a:xfrm>
+        </p:grpSpPr>
+        <p:sp>
+          <p:nvSpPr>
+            <p:cNvPr id="66" name="Shape 529"/>
+            <p:cNvSpPr/>
+            <p:nvPr/>
+          </p:nvSpPr>
+          <p:spPr>
+            <a:xfrm>
+              <a:off x="3587103" y="3636248"/>
+              <a:ext cx="707233" cy="707234"/>
+            </a:xfrm>
+            <a:custGeom>
+              <a:avLst/>
+              <a:gdLst/>
+              <a:ahLst/>
+              <a:cxnLst>
+                <a:cxn ang="0">
+                  <a:pos x="wd2" y="hd2"/>
+                </a:cxn>
+                <a:cxn ang="5400000">
+                  <a:pos x="wd2" y="hd2"/>
+                </a:cxn>
+                <a:cxn ang="10800000">
+                  <a:pos x="wd2" y="hd2"/>
+                </a:cxn>
+                <a:cxn ang="16200000">
+                  <a:pos x="wd2" y="hd2"/>
+                </a:cxn>
+              </a:cxnLst>
+              <a:rect l="0" t="0" r="r" b="b"/>
+              <a:pathLst>
+                <a:path w="19679" h="19679" extrusionOk="0">
+                  <a:moveTo>
+                    <a:pt x="16796" y="2882"/>
+                  </a:moveTo>
+                  <a:cubicBezTo>
+                    <a:pt x="20639" y="6724"/>
+                    <a:pt x="20639" y="12954"/>
+                    <a:pt x="16796" y="16796"/>
+                  </a:cubicBezTo>
+                  <a:cubicBezTo>
+                    <a:pt x="12954" y="20639"/>
+                    <a:pt x="6724" y="20639"/>
+                    <a:pt x="2882" y="16796"/>
+                  </a:cubicBezTo>
+                  <a:cubicBezTo>
+                    <a:pt x="-961" y="12954"/>
+                    <a:pt x="-961" y="6724"/>
+                    <a:pt x="2882" y="2882"/>
+                  </a:cubicBezTo>
+                  <a:cubicBezTo>
+                    <a:pt x="6724" y="-961"/>
+                    <a:pt x="12954" y="-961"/>
+                    <a:pt x="16796" y="2882"/>
+                  </a:cubicBezTo>
+                  <a:close/>
+                </a:path>
+              </a:pathLst>
+            </a:custGeom>
+            <a:solidFill>
+              <a:srgbClr val="196970"/>
+            </a:solidFill>
+            <a:ln w="3175" cap="flat">
+              <a:noFill/>
+              <a:miter lim="400000"/>
+            </a:ln>
+            <a:effectLst/>
+          </p:spPr>
+          <p:txBody>
+            <a:bodyPr wrap="square" lIns="0" tIns="0" rIns="0" bIns="0" numCol="1" anchor="ctr">
+              <a:noAutofit/>
+            </a:bodyPr>
+            <a:lstStyle/>
+            <a:p>
+              <a:pPr lvl="0">
+                <a:defRPr sz="1800">
+                  <a:solidFill>
+                    <a:srgbClr val="FFFFFF"/>
+                  </a:solidFill>
+                </a:defRPr>
+              </a:pPr>
+              <a:endParaRPr/>
+            </a:p>
+          </p:txBody>
+        </p:sp>
+        <p:pic>
+          <p:nvPicPr>
+            <p:cNvPr id="67" name="_-47.png"/>
+            <p:cNvPicPr/>
+            <p:nvPr/>
+          </p:nvPicPr>
+          <p:blipFill>
+            <a:blip r:embed="rId11"/>
+            <a:srcRect l="17032" t="20462" r="17032" b="20462"/>
+            <a:stretch>
+              <a:fillRect/>
+            </a:stretch>
+          </p:blipFill>
+          <p:spPr>
+            <a:xfrm>
+              <a:off x="3723113" y="3770499"/>
+              <a:ext cx="466313" cy="417807"/>
+            </a:xfrm>
+            <a:prstGeom prst="rect">
+              <a:avLst/>
+            </a:prstGeom>
+            <a:ln w="3175" cap="flat">
+              <a:noFill/>
+              <a:miter lim="400000"/>
+            </a:ln>
+            <a:effectLst/>
+          </p:spPr>
+        </p:pic>
+      </p:grpSp>
+      <p:sp>
+        <p:nvSpPr>
+          <p:cNvPr id="68" name="TextBox 67"/>
+          <p:cNvSpPr txBox="1"/>
+          <p:nvPr/>
+        </p:nvSpPr>
+        <p:spPr>
+          <a:xfrm>
+            <a:off x="1238976" y="4052430"/>
+            <a:ext cx="1218324" cy="264013"/>
+          </a:xfrm>
+          <a:prstGeom prst="rect">
+            <a:avLst/>
+          </a:prstGeom>
+          <a:noFill/>
+          <a:ln w="3175" cap="flat">
+            <a:noFill/>
+            <a:miter lim="400000"/>
+          </a:ln>
+          <a:effectLst/>
+        </p:spPr>
+        <p:style>
+          <a:lnRef idx="0">
+            <a:scrgbClr r="0" g="0" b="0"/>
+          </a:lnRef>
+          <a:fillRef idx="0">
+            <a:scrgbClr r="0" g="0" b="0"/>
+          </a:fillRef>
+          <a:effectRef idx="0">
+            <a:scrgbClr r="0" g="0" b="0"/>
+          </a:effectRef>
+          <a:fontRef idx="none"/>
+        </p:style>
+        <p:txBody>
+          <a:bodyPr rot="0" spcFirstLastPara="1" vertOverflow="overflow" horzOverflow="overflow" vert="horz" wrap="square" lIns="39290" tIns="39290" rIns="39290" bIns="39290" numCol="1" spcCol="38100" rtlCol="0" anchor="ctr">
+            <a:spAutoFit/>
+          </a:bodyPr>
+          <a:lstStyle/>
+          <a:p>
+            <a:pPr rtl="0" latinLnBrk="1" hangingPunct="0"/>
+            <a:r>
+              <a:rPr lang="en-US" sz="1200" dirty="0">
+                <a:solidFill>
+                  <a:srgbClr val="000000"/>
+                </a:solidFill>
+                <a:latin typeface="Arial"/>
+                <a:cs typeface="Arial"/>
+              </a:rPr>
+              <a:t>Istio Ingress</a:t>
+            </a:r>
+          </a:p>
+        </p:txBody>
+      </p:sp>
+      <p:cxnSp>
+        <p:nvCxnSpPr>
+          <p:cNvPr id="96" name="Straight Arrow Connector 62">
+            <a:extLst>
+              <a:ext uri="{FF2B5EF4-FFF2-40B4-BE49-F238E27FC236}">
+                <a16:creationId xmlns:a16="http://schemas.microsoft.com/office/drawing/2014/main" id="{81F8C912-EC3D-B144-A560-0B420356B8C0}"/>
+              </a:ext>
+            </a:extLst>
+          </p:cNvPr>
+          <p:cNvCxnSpPr>
+            <a:cxnSpLocks/>
+          </p:cNvCxnSpPr>
+          <p:nvPr/>
+        </p:nvCxnSpPr>
+        <p:spPr>
+          <a:xfrm>
+            <a:off x="1021545" y="3598116"/>
+            <a:ext cx="474060" cy="5975"/>
+          </a:xfrm>
+          <a:prstGeom prst="straightConnector1">
+            <a:avLst/>
+          </a:prstGeom>
+          <a:noFill/>
+          <a:ln w="38100" cap="flat" cmpd="sng">
+            <a:solidFill>
+              <a:schemeClr val="bg1">
+                <a:lumMod val="85000"/>
+              </a:schemeClr>
+            </a:solidFill>
+            <a:prstDash val="solid"/>
+            <a:miter lim="400000"/>
+            <a:headEnd type="none"/>
+            <a:tailEnd type="none"/>
+          </a:ln>
+          <a:effectLst/>
+        </p:spPr>
+        <p:style>
+          <a:lnRef idx="0">
+            <a:scrgbClr r="0" g="0" b="0"/>
+          </a:lnRef>
+          <a:fillRef idx="0">
+            <a:scrgbClr r="0" g="0" b="0"/>
+          </a:fillRef>
+          <a:effectRef idx="0">
+            <a:scrgbClr r="0" g="0" b="0"/>
+          </a:effectRef>
+          <a:fontRef idx="none"/>
+        </p:style>
+      </p:cxnSp>
+      <p:pic>
+        <p:nvPicPr>
+          <p:cNvPr id="34" name="Picture 33">
+            <a:extLst>
+              <a:ext uri="{FF2B5EF4-FFF2-40B4-BE49-F238E27FC236}">
+                <a16:creationId xmlns:a16="http://schemas.microsoft.com/office/drawing/2014/main" id="{A4CBD815-6D30-A940-9C6D-42FEB89DA3B3}"/>
+              </a:ext>
+            </a:extLst>
+          </p:cNvPr>
+          <p:cNvPicPr>
+            <a:picLocks noChangeAspect="1"/>
+          </p:cNvPicPr>
+          <p:nvPr/>
+        </p:nvPicPr>
+        <p:blipFill>
+          <a:blip r:embed="rId4"/>
+          <a:stretch>
+            <a:fillRect/>
+          </a:stretch>
+        </p:blipFill>
+        <p:spPr>
+          <a:xfrm>
+            <a:off x="3248691" y="3147921"/>
+            <a:ext cx="895939" cy="860102"/>
+          </a:xfrm>
+          <a:prstGeom prst="rect">
+            <a:avLst/>
+          </a:prstGeom>
+        </p:spPr>
+      </p:pic>
+      <p:pic>
+        <p:nvPicPr>
+          <p:cNvPr id="35" name="Picture 34">
+            <a:extLst>
+              <a:ext uri="{FF2B5EF4-FFF2-40B4-BE49-F238E27FC236}">
+                <a16:creationId xmlns:a16="http://schemas.microsoft.com/office/drawing/2014/main" id="{FB193398-1FDA-1348-A3D2-296DC26E93C3}"/>
+              </a:ext>
+            </a:extLst>
+          </p:cNvPr>
+          <p:cNvPicPr>
+            <a:picLocks noChangeAspect="1"/>
+          </p:cNvPicPr>
+          <p:nvPr/>
+        </p:nvPicPr>
+        <p:blipFill>
+          <a:blip r:embed="rId6"/>
+          <a:stretch>
+            <a:fillRect/>
+          </a:stretch>
+        </p:blipFill>
+        <p:spPr>
+          <a:xfrm>
+            <a:off x="3026308" y="2864389"/>
+            <a:ext cx="831816" cy="524254"/>
+          </a:xfrm>
+          <a:prstGeom prst="rect">
+            <a:avLst/>
+          </a:prstGeom>
+        </p:spPr>
+      </p:pic>
+      <p:sp>
+        <p:nvSpPr>
+          <p:cNvPr id="36" name="TextBox 35">
+            <a:extLst>
+              <a:ext uri="{FF2B5EF4-FFF2-40B4-BE49-F238E27FC236}">
+                <a16:creationId xmlns:a16="http://schemas.microsoft.com/office/drawing/2014/main" id="{52134947-5515-E041-A6AE-3139B95DE3F1}"/>
+              </a:ext>
+            </a:extLst>
+          </p:cNvPr>
+          <p:cNvSpPr txBox="1"/>
+          <p:nvPr/>
+        </p:nvSpPr>
+        <p:spPr>
+          <a:xfrm>
+            <a:off x="2973557" y="3893182"/>
+            <a:ext cx="1506878" cy="448679"/>
+          </a:xfrm>
+          <a:prstGeom prst="rect">
+            <a:avLst/>
+          </a:prstGeom>
+          <a:noFill/>
+          <a:ln w="3175" cap="flat">
+            <a:noFill/>
+            <a:miter lim="400000"/>
+          </a:ln>
+          <a:effectLst/>
+        </p:spPr>
+        <p:style>
+          <a:lnRef idx="0">
+            <a:scrgbClr r="0" g="0" b="0"/>
+          </a:lnRef>
+          <a:fillRef idx="0">
+            <a:scrgbClr r="0" g="0" b="0"/>
+          </a:fillRef>
+          <a:effectRef idx="0">
+            <a:scrgbClr r="0" g="0" b="0"/>
+          </a:effectRef>
+          <a:fontRef idx="none"/>
+        </p:style>
+        <p:txBody>
+          <a:bodyPr rot="0" spcFirstLastPara="1" vertOverflow="overflow" horzOverflow="overflow" vert="horz" wrap="square" lIns="39290" tIns="39290" rIns="39290" bIns="39290" numCol="1" spcCol="38100" rtlCol="0" anchor="ctr">
+            <a:spAutoFit/>
+          </a:bodyPr>
+          <a:lstStyle/>
+          <a:p>
+            <a:pPr marL="0" marR="0" indent="0" defTabSz="584200" rtl="0" fontAlgn="auto" latinLnBrk="1" hangingPunct="0">
+              <a:lnSpc>
+                <a:spcPct val="100000"/>
+              </a:lnSpc>
+              <a:spcBef>
+                <a:spcPts val="0"/>
+              </a:spcBef>
+              <a:spcAft>
+                <a:spcPts val="0"/>
+              </a:spcAft>
+              <a:buClrTx/>
+              <a:buSzTx/>
+              <a:buFontTx/>
+              <a:buNone/>
+              <a:tabLst/>
+            </a:pPr>
+            <a:r>
+              <a:rPr lang="en-US" sz="1200">
+                <a:solidFill>
+                  <a:srgbClr val="000000"/>
+                </a:solidFill>
+                <a:latin typeface="Arial"/>
+                <a:cs typeface="Arial"/>
+              </a:rPr>
+              <a:t>Web-API</a:t>
+            </a:r>
+            <a:endParaRPr kumimoji="0" lang="en-US" sz="1200" b="0" i="0" u="none" strike="noStrike" cap="none" spc="0" normalizeH="0" baseline="0">
+              <a:ln>
+                <a:noFill/>
+              </a:ln>
+              <a:solidFill>
+                <a:srgbClr val="000000"/>
+              </a:solidFill>
+              <a:effectLst/>
+              <a:uFillTx/>
+              <a:latin typeface="Arial"/>
+              <a:ea typeface="+mn-ea"/>
+              <a:cs typeface="Arial"/>
+              <a:sym typeface="Helvetica Light"/>
+            </a:endParaRPr>
+          </a:p>
+          <a:p>
+            <a:pPr marL="0" marR="0" indent="0" defTabSz="584200" rtl="0" fontAlgn="auto" latinLnBrk="1" hangingPunct="0">
+              <a:lnSpc>
+                <a:spcPct val="100000"/>
+              </a:lnSpc>
+              <a:spcBef>
+                <a:spcPts val="0"/>
+              </a:spcBef>
+              <a:spcAft>
+                <a:spcPts val="0"/>
+              </a:spcAft>
+              <a:buClrTx/>
+              <a:buSzTx/>
+              <a:buFontTx/>
+              <a:buNone/>
+              <a:tabLst/>
+            </a:pPr>
+            <a:r>
+              <a:rPr lang="en-US" sz="1200">
+                <a:solidFill>
+                  <a:srgbClr val="000000"/>
+                </a:solidFill>
+                <a:latin typeface="Arial"/>
+                <a:cs typeface="Arial"/>
+              </a:rPr>
+              <a:t>v2</a:t>
+            </a:r>
+            <a:endParaRPr kumimoji="0" lang="en-US" sz="1200" b="0" i="0" u="none" strike="noStrike" cap="none" spc="0" normalizeH="0" baseline="0">
+              <a:ln>
+                <a:noFill/>
+              </a:ln>
+              <a:solidFill>
+                <a:srgbClr val="000000"/>
+              </a:solidFill>
+              <a:effectLst/>
+              <a:uFillTx/>
+              <a:latin typeface="Arial"/>
+              <a:ea typeface="+mn-ea"/>
+              <a:cs typeface="Arial"/>
+              <a:sym typeface="Helvetica Light"/>
+            </a:endParaRPr>
+          </a:p>
+        </p:txBody>
+      </p:sp>
+      <p:cxnSp>
+        <p:nvCxnSpPr>
+          <p:cNvPr id="37" name="Straight Arrow Connector 62">
+            <a:extLst>
+              <a:ext uri="{FF2B5EF4-FFF2-40B4-BE49-F238E27FC236}">
+                <a16:creationId xmlns:a16="http://schemas.microsoft.com/office/drawing/2014/main" id="{37D7CE5B-5073-5B42-9DA9-863545A03E03}"/>
+              </a:ext>
+            </a:extLst>
+          </p:cNvPr>
+          <p:cNvCxnSpPr>
+            <a:cxnSpLocks/>
+            <a:stCxn id="34" idx="3"/>
+          </p:cNvCxnSpPr>
+          <p:nvPr/>
+        </p:nvCxnSpPr>
+        <p:spPr>
+          <a:xfrm>
+            <a:off x="4144630" y="3577972"/>
+            <a:ext cx="1429391" cy="0"/>
+          </a:xfrm>
+          <a:prstGeom prst="straightConnector1">
+            <a:avLst/>
+          </a:prstGeom>
+          <a:noFill/>
+          <a:ln w="38100" cap="flat" cmpd="sng">
+            <a:solidFill>
+              <a:schemeClr val="bg1">
+                <a:lumMod val="85000"/>
+              </a:schemeClr>
+            </a:solidFill>
+            <a:prstDash val="solid"/>
+            <a:miter lim="400000"/>
+            <a:headEnd type="none"/>
+            <a:tailEnd type="none"/>
+          </a:ln>
+          <a:effectLst/>
+        </p:spPr>
+        <p:style>
+          <a:lnRef idx="0">
+            <a:scrgbClr r="0" g="0" b="0"/>
+          </a:lnRef>
+          <a:fillRef idx="0">
+            <a:scrgbClr r="0" g="0" b="0"/>
+          </a:fillRef>
+          <a:effectRef idx="0">
+            <a:scrgbClr r="0" g="0" b="0"/>
+          </a:effectRef>
+          <a:fontRef idx="none"/>
+        </p:style>
+      </p:cxnSp>
+      <p:sp>
+        <p:nvSpPr>
           <p:cNvPr id="41" name="Oval 40">
             <a:extLst>
               <a:ext uri="{FF2B5EF4-FFF2-40B4-BE49-F238E27FC236}">
@@ -15565,7 +17472,7 @@
 </p:sld>
 </file>
 
-<file path=ppt/slides/slide16.xml><?xml version="1.0" encoding="utf-8"?>
+<file path=ppt/slides/slide17.xml><?xml version="1.0" encoding="utf-8"?>
 <p:sld xmlns:a="http://schemas.openxmlformats.org/drawingml/2006/main" xmlns:r="http://schemas.openxmlformats.org/officeDocument/2006/relationships" xmlns:p="http://schemas.openxmlformats.org/presentationml/2006/main">
   <p:cSld>
     <p:spTree>
@@ -17471,7 +19378,7 @@
 </p:sld>
 </file>
 
-<file path=ppt/slides/slide17.xml><?xml version="1.0" encoding="utf-8"?>
+<file path=ppt/slides/slide18.xml><?xml version="1.0" encoding="utf-8"?>
 <p:sld xmlns:a="http://schemas.openxmlformats.org/drawingml/2006/main" xmlns:r="http://schemas.openxmlformats.org/officeDocument/2006/relationships" xmlns:p="http://schemas.openxmlformats.org/presentationml/2006/main">
   <p:cSld>
     <p:spTree>
@@ -18271,6 +20178,14 @@
               </a:rPr>
             </a:br>
             <a:r>
+              <a:rPr lang="en-US" sz="1800" b="1" dirty="0">
+                <a:solidFill>
+                  <a:srgbClr val="000000"/>
+                </a:solidFill>
+              </a:rPr>
+              <a:t>A</a:t>
+            </a:r>
+            <a:r>
               <a:rPr kumimoji="0" lang="en-US" sz="1800" b="1" i="0" u="none" strike="noStrike" cap="none" spc="0" normalizeH="0" baseline="0" dirty="0">
                 <a:ln>
                   <a:noFill/>
@@ -18285,48 +20200,8 @@
                 <a:cs typeface="+mn-cs"/>
                 <a:sym typeface="Helvetica Light"/>
               </a:rPr>
-              <a:t>authors</a:t>
+              <a:t>uthors</a:t>
             </a:r>
-          </a:p>
-        </p:txBody>
-      </p:sp>
-      <p:sp>
-        <p:nvSpPr>
-          <p:cNvPr id="57" name="Rounded Rectangle 56">
-            <a:extLst>
-              <a:ext uri="{FF2B5EF4-FFF2-40B4-BE49-F238E27FC236}">
-                <a16:creationId xmlns:a16="http://schemas.microsoft.com/office/drawing/2014/main" id="{C02F021C-4194-CC48-A129-DBFE731202BF}"/>
-              </a:ext>
-            </a:extLst>
-          </p:cNvPr>
-          <p:cNvSpPr/>
-          <p:nvPr/>
-        </p:nvSpPr>
-        <p:spPr>
-          <a:xfrm>
-            <a:off x="2759917" y="2172831"/>
-            <a:ext cx="844937" cy="856685"/>
-          </a:xfrm>
-          <a:prstGeom prst="roundRect">
-            <a:avLst/>
-          </a:prstGeom>
-          <a:ln w="25400">
-            <a:solidFill>
-              <a:srgbClr val="4277BB"/>
-            </a:solidFill>
-            <a:miter lim="400000"/>
-          </a:ln>
-        </p:spPr>
-        <p:txBody>
-          <a:bodyPr lIns="0" tIns="0" rIns="0" bIns="0" rtlCol="0" anchor="ctr"/>
-          <a:lstStyle/>
-          <a:p>
-            <a:pPr algn="ctr"/>
-            <a:endParaRPr lang="en-US" sz="1800">
-              <a:solidFill>
-                <a:srgbClr val="4277BB"/>
-              </a:solidFill>
-            </a:endParaRPr>
           </a:p>
         </p:txBody>
       </p:sp>
@@ -18344,8 +20219,8 @@
         </p:nvSpPr>
         <p:spPr>
           <a:xfrm>
-            <a:off x="2453140" y="2288071"/>
-            <a:ext cx="844937" cy="856685"/>
+            <a:off x="2154725" y="2179765"/>
+            <a:ext cx="1504776" cy="856685"/>
           </a:xfrm>
           <a:prstGeom prst="roundRect">
             <a:avLst/>
@@ -18972,7 +20847,7 @@
                   <a:srgbClr val="000000"/>
                 </a:solidFill>
               </a:rPr>
-              <a:t>authors </a:t>
+              <a:t>Authors </a:t>
             </a:r>
             <a:r>
               <a:rPr lang="en-US" sz="1050" b="1" dirty="0">
@@ -18980,7 +20855,7 @@
                   <a:srgbClr val="000000"/>
                 </a:solidFill>
               </a:rPr>
-              <a:t>microservice</a:t>
+              <a:t>micro-service</a:t>
             </a:r>
             <a:endParaRPr kumimoji="0" lang="en-US" sz="1050" b="1" i="0" u="none" strike="noStrike" cap="none" spc="0" normalizeH="0" baseline="0" dirty="0">
               <a:ln>
@@ -19520,6 +21395,163 @@
                 <a:sym typeface="Helvetica Light"/>
               </a:rPr>
               <a:t>eploy</a:t>
+            </a:r>
+          </a:p>
+        </p:txBody>
+      </p:sp>
+      <p:sp>
+        <p:nvSpPr>
+          <p:cNvPr id="55" name="TextBox 54">
+            <a:extLst>
+              <a:ext uri="{FF2B5EF4-FFF2-40B4-BE49-F238E27FC236}">
+                <a16:creationId xmlns:a16="http://schemas.microsoft.com/office/drawing/2014/main" id="{8153C15D-60A5-8945-9268-8DE9C3AD7CD6}"/>
+              </a:ext>
+            </a:extLst>
+          </p:cNvPr>
+          <p:cNvSpPr txBox="1"/>
+          <p:nvPr/>
+        </p:nvSpPr>
+        <p:spPr>
+          <a:xfrm>
+            <a:off x="1429712" y="2070189"/>
+            <a:ext cx="3179556" cy="910344"/>
+          </a:xfrm>
+          <a:prstGeom prst="rect">
+            <a:avLst/>
+          </a:prstGeom>
+          <a:noFill/>
+          <a:ln w="3175" cap="flat">
+            <a:noFill/>
+            <a:miter lim="400000"/>
+          </a:ln>
+          <a:effectLst/>
+        </p:spPr>
+        <p:style>
+          <a:lnRef idx="0">
+            <a:scrgbClr r="0" g="0" b="0"/>
+          </a:lnRef>
+          <a:fillRef idx="0">
+            <a:scrgbClr r="0" g="0" b="0"/>
+          </a:fillRef>
+          <a:effectRef idx="0">
+            <a:scrgbClr r="0" g="0" b="0"/>
+          </a:effectRef>
+          <a:fontRef idx="none"/>
+        </p:style>
+        <p:txBody>
+          <a:bodyPr rot="0" spcFirstLastPara="1" vertOverflow="overflow" horzOverflow="overflow" vert="horz" wrap="square" lIns="39290" tIns="39290" rIns="39290" bIns="39290" numCol="1" spcCol="38100" rtlCol="0" anchor="ctr">
+            <a:spAutoFit/>
+          </a:bodyPr>
+          <a:lstStyle/>
+          <a:p>
+            <a:pPr marL="0" marR="0" indent="0" algn="ctr" defTabSz="584200" rtl="0" fontAlgn="auto" latinLnBrk="1" hangingPunct="0">
+              <a:lnSpc>
+                <a:spcPct val="100000"/>
+              </a:lnSpc>
+              <a:spcBef>
+                <a:spcPts val="0"/>
+              </a:spcBef>
+              <a:spcAft>
+                <a:spcPts val="0"/>
+              </a:spcAft>
+              <a:buClrTx/>
+              <a:buSzTx/>
+              <a:buFontTx/>
+              <a:buNone/>
+              <a:tabLst/>
+            </a:pPr>
+            <a:r>
+              <a:rPr kumimoji="0" lang="en-US" sz="1800" b="1" i="0" u="none" strike="noStrike" cap="none" spc="0" normalizeH="0" baseline="0" dirty="0">
+                <a:ln>
+                  <a:noFill/>
+                </a:ln>
+                <a:solidFill>
+                  <a:srgbClr val="000000"/>
+                </a:solidFill>
+                <a:effectLst/>
+                <a:uFillTx/>
+                <a:latin typeface="+mn-lt"/>
+                <a:ea typeface="+mn-ea"/>
+                <a:cs typeface="+mn-cs"/>
+                <a:sym typeface="Helvetica Light"/>
+              </a:rPr>
+              <a:t>Authors</a:t>
+            </a:r>
+          </a:p>
+          <a:p>
+            <a:pPr marL="0" marR="0" indent="0" algn="ctr" defTabSz="584200" rtl="0" fontAlgn="auto" latinLnBrk="1" hangingPunct="0">
+              <a:lnSpc>
+                <a:spcPct val="100000"/>
+              </a:lnSpc>
+              <a:spcBef>
+                <a:spcPts val="0"/>
+              </a:spcBef>
+              <a:spcAft>
+                <a:spcPts val="0"/>
+              </a:spcAft>
+              <a:buClrTx/>
+              <a:buSzTx/>
+              <a:buFontTx/>
+              <a:buNone/>
+              <a:tabLst/>
+            </a:pPr>
+            <a:r>
+              <a:rPr lang="en-US" sz="1800" b="1" dirty="0">
+                <a:solidFill>
+                  <a:srgbClr val="000000"/>
+                </a:solidFill>
+              </a:rPr>
+              <a:t>c</a:t>
+            </a:r>
+            <a:r>
+              <a:rPr kumimoji="0" lang="en-US" sz="1800" b="1" i="0" u="none" strike="noStrike" cap="none" spc="0" normalizeH="0" baseline="0" dirty="0">
+                <a:ln>
+                  <a:noFill/>
+                </a:ln>
+                <a:solidFill>
+                  <a:srgbClr val="000000"/>
+                </a:solidFill>
+                <a:effectLst/>
+                <a:uFillTx/>
+                <a:latin typeface="+mn-lt"/>
+                <a:ea typeface="+mn-ea"/>
+                <a:cs typeface="+mn-cs"/>
+                <a:sym typeface="Helvetica Light"/>
+              </a:rPr>
+              <a:t>ontainer </a:t>
+            </a:r>
+            <a:br>
+              <a:rPr kumimoji="0" lang="en-US" sz="1800" b="1" i="0" u="none" strike="noStrike" cap="none" spc="0" normalizeH="0" baseline="0" dirty="0">
+                <a:ln>
+                  <a:noFill/>
+                </a:ln>
+                <a:solidFill>
+                  <a:srgbClr val="000000"/>
+                </a:solidFill>
+                <a:effectLst/>
+                <a:uFillTx/>
+                <a:latin typeface="+mn-lt"/>
+                <a:ea typeface="+mn-ea"/>
+                <a:cs typeface="+mn-cs"/>
+                <a:sym typeface="Helvetica Light"/>
+              </a:rPr>
+            </a:br>
+            <a:r>
+              <a:rPr kumimoji="0" lang="en-US" sz="1800" b="1" i="0" u="none" strike="noStrike" cap="none" spc="0" normalizeH="0" baseline="0" dirty="0">
+                <a:ln>
+                  <a:noFill/>
+                </a:ln>
+                <a:solidFill>
+                  <a:srgbClr val="000000"/>
+                </a:solidFill>
+                <a:effectLst/>
+                <a:uFillTx/>
+                <a:latin typeface="+mn-lt"/>
+                <a:ea typeface="+mn-ea"/>
+                <a:cs typeface="+mn-cs"/>
+                <a:sym typeface="Helvetica Light"/>
+              </a:rPr>
+              <a:t>image</a:t>
             </a:r>
           </a:p>
         </p:txBody>
@@ -21604,7 +23636,7 @@
           <a:p>
             <a:pPr rtl="0" latinLnBrk="1" hangingPunct="0"/>
             <a:r>
-              <a:rPr lang="en-US" sz="1600" b="1">
+              <a:rPr lang="en-US" sz="1600" b="1" dirty="0">
                 <a:solidFill>
                   <a:srgbClr val="000000"/>
                 </a:solidFill>
@@ -21612,14 +23644,14 @@
               <a:t>authors </a:t>
             </a:r>
             <a:r>
-              <a:rPr lang="en-US" sz="1050" b="1">
+              <a:rPr lang="en-US" sz="1050" b="1" dirty="0">
                 <a:solidFill>
                   <a:srgbClr val="000000"/>
                 </a:solidFill>
               </a:rPr>
               <a:t>micro-service</a:t>
             </a:r>
-            <a:endParaRPr kumimoji="0" lang="en-US" sz="1050" b="1" i="0" u="none" strike="noStrike" cap="none" spc="0" normalizeH="0" baseline="0">
+            <a:endParaRPr kumimoji="0" lang="en-US" sz="1050" b="1" i="0" u="none" strike="noStrike" cap="none" spc="0" normalizeH="0" baseline="0" dirty="0">
               <a:ln>
                 <a:noFill/>
               </a:ln>
@@ -23788,6 +25820,92 @@
           <a:chExt cx="0" cy="0"/>
         </a:xfrm>
       </p:grpSpPr>
+      <p:cxnSp>
+        <p:nvCxnSpPr>
+          <p:cNvPr id="176" name="Straight Arrow Connector 62"/>
+          <p:cNvCxnSpPr>
+            <a:cxnSpLocks/>
+          </p:cNvCxnSpPr>
+          <p:nvPr/>
+        </p:nvCxnSpPr>
+        <p:spPr>
+          <a:xfrm flipH="1">
+            <a:off x="3819210" y="2124984"/>
+            <a:ext cx="1800263" cy="726814"/>
+          </a:xfrm>
+          <a:prstGeom prst="straightConnector1">
+            <a:avLst/>
+          </a:prstGeom>
+          <a:noFill/>
+          <a:ln w="38100" cap="flat" cmpd="sng">
+            <a:solidFill>
+              <a:schemeClr val="bg1">
+                <a:lumMod val="85000"/>
+              </a:schemeClr>
+            </a:solidFill>
+            <a:prstDash val="solid"/>
+            <a:miter lim="400000"/>
+            <a:headEnd type="none"/>
+            <a:tailEnd type="none"/>
+          </a:ln>
+          <a:effectLst/>
+        </p:spPr>
+        <p:style>
+          <a:lnRef idx="0">
+            <a:scrgbClr r="0" g="0" b="0"/>
+          </a:lnRef>
+          <a:fillRef idx="0">
+            <a:scrgbClr r="0" g="0" b="0"/>
+          </a:fillRef>
+          <a:effectRef idx="0">
+            <a:scrgbClr r="0" g="0" b="0"/>
+          </a:effectRef>
+          <a:fontRef idx="none"/>
+        </p:style>
+      </p:cxnSp>
+      <p:cxnSp>
+        <p:nvCxnSpPr>
+          <p:cNvPr id="189" name="Straight Arrow Connector 62"/>
+          <p:cNvCxnSpPr>
+            <a:cxnSpLocks/>
+          </p:cNvCxnSpPr>
+          <p:nvPr/>
+        </p:nvCxnSpPr>
+        <p:spPr>
+          <a:xfrm>
+            <a:off x="3766211" y="2897742"/>
+            <a:ext cx="1775799" cy="555124"/>
+          </a:xfrm>
+          <a:prstGeom prst="straightConnector1">
+            <a:avLst/>
+          </a:prstGeom>
+          <a:noFill/>
+          <a:ln w="38100" cap="flat" cmpd="sng">
+            <a:solidFill>
+              <a:schemeClr val="bg1">
+                <a:lumMod val="85000"/>
+              </a:schemeClr>
+            </a:solidFill>
+            <a:prstDash val="solid"/>
+            <a:miter lim="400000"/>
+            <a:headEnd type="none"/>
+            <a:tailEnd type="none"/>
+          </a:ln>
+          <a:effectLst/>
+        </p:spPr>
+        <p:style>
+          <a:lnRef idx="0">
+            <a:scrgbClr r="0" g="0" b="0"/>
+          </a:lnRef>
+          <a:fillRef idx="0">
+            <a:scrgbClr r="0" g="0" b="0"/>
+          </a:fillRef>
+          <a:effectRef idx="0">
+            <a:scrgbClr r="0" g="0" b="0"/>
+          </a:effectRef>
+          <a:fontRef idx="none"/>
+        </p:style>
+      </p:cxnSp>
       <p:sp>
         <p:nvSpPr>
           <p:cNvPr id="148" name="Shape 62"/>
@@ -23830,7 +25948,7 @@
         </p:nvSpPr>
         <p:spPr>
           <a:xfrm>
-            <a:off x="1979114" y="781579"/>
+            <a:off x="1495605" y="804577"/>
             <a:ext cx="5676030" cy="246221"/>
           </a:xfrm>
           <a:prstGeom prst="rect">
@@ -23983,7 +26101,7 @@
         </p:blipFill>
         <p:spPr>
           <a:xfrm>
-            <a:off x="4717032" y="1658636"/>
+            <a:off x="3294635" y="2454718"/>
             <a:ext cx="895939" cy="860102"/>
           </a:xfrm>
           <a:prstGeom prst="rect">
@@ -24067,8 +26185,8 @@
         </p:nvSpPr>
         <p:spPr>
           <a:xfrm>
-            <a:off x="4302692" y="2470658"/>
-            <a:ext cx="1506878" cy="448679"/>
+            <a:off x="3027693" y="3341900"/>
+            <a:ext cx="1506878" cy="264013"/>
           </a:xfrm>
           <a:prstGeom prst="rect">
             <a:avLst/>
@@ -24115,58 +26233,16 @@
               <a:tabLst/>
             </a:pPr>
             <a:r>
-              <a:rPr lang="en-US" sz="1200" b="1">
+              <a:rPr lang="en-US" sz="1200">
                 <a:solidFill>
                   <a:srgbClr val="000000"/>
                 </a:solidFill>
                 <a:latin typeface="Arial"/>
                 <a:cs typeface="Arial"/>
               </a:rPr>
-              <a:t>Web-API</a:t>
+              <a:t>Web-API v1</a:t>
             </a:r>
-            <a:endParaRPr kumimoji="0" lang="en-US" sz="1200" b="1" i="0" u="none" strike="noStrike" cap="none" spc="0" normalizeH="0" baseline="0">
-              <a:ln>
-                <a:noFill/>
-              </a:ln>
-              <a:solidFill>
-                <a:srgbClr val="000000"/>
-              </a:solidFill>
-              <a:effectLst/>
-              <a:uFillTx/>
-              <a:latin typeface="Arial"/>
-              <a:ea typeface="+mn-ea"/>
-              <a:cs typeface="Arial"/>
-              <a:sym typeface="Helvetica Light"/>
-            </a:endParaRPr>
-          </a:p>
-          <a:p>
-            <a:pPr marL="0" marR="0" indent="0" defTabSz="584200" rtl="0" fontAlgn="auto" latinLnBrk="1" hangingPunct="0">
-              <a:lnSpc>
-                <a:spcPct val="100000"/>
-              </a:lnSpc>
-              <a:spcBef>
-                <a:spcPts val="0"/>
-              </a:spcBef>
-              <a:spcAft>
-                <a:spcPts val="0"/>
-              </a:spcAft>
-              <a:buClrTx/>
-              <a:buSzTx/>
-              <a:buFontTx/>
-              <a:buNone/>
-              <a:tabLst/>
-            </a:pPr>
-            <a:r>
-              <a:rPr lang="en-US" sz="1200" b="1">
-                <a:solidFill>
-                  <a:srgbClr val="000000"/>
-                </a:solidFill>
-                <a:latin typeface="Arial"/>
-                <a:cs typeface="Arial"/>
-              </a:rPr>
-              <a:t>v1</a:t>
-            </a:r>
-            <a:endParaRPr kumimoji="0" lang="en-US" sz="1200" b="1" i="0" u="none" strike="noStrike" cap="none" spc="0" normalizeH="0" baseline="0">
+            <a:endParaRPr kumimoji="0" lang="en-US" sz="1200" b="0" i="0" u="none" strike="noStrike" cap="none" spc="0" normalizeH="0" baseline="0">
               <a:ln>
                 <a:noFill/>
               </a:ln>
@@ -24191,7 +26267,7 @@
         </p:nvGrpSpPr>
         <p:grpSpPr>
           <a:xfrm>
-            <a:off x="7772415" y="3335049"/>
+            <a:off x="5597870" y="3165843"/>
             <a:ext cx="707233" cy="707233"/>
             <a:chOff x="394759" y="4656919"/>
             <a:chExt cx="707233" cy="707233"/>
@@ -24327,6 +26403,1490 @@
         </p:blipFill>
         <p:spPr>
           <a:xfrm>
+            <a:off x="3083904" y="2169120"/>
+            <a:ext cx="831816" cy="524254"/>
+          </a:xfrm>
+          <a:prstGeom prst="rect">
+            <a:avLst/>
+          </a:prstGeom>
+        </p:spPr>
+      </p:pic>
+      <p:sp>
+        <p:nvSpPr>
+          <p:cNvPr id="80" name="TextBox 79"/>
+          <p:cNvSpPr txBox="1"/>
+          <p:nvPr/>
+        </p:nvSpPr>
+        <p:spPr>
+          <a:xfrm>
+            <a:off x="5207811" y="2470326"/>
+            <a:ext cx="1506878" cy="264013"/>
+          </a:xfrm>
+          <a:prstGeom prst="rect">
+            <a:avLst/>
+          </a:prstGeom>
+          <a:noFill/>
+          <a:ln w="3175" cap="flat">
+            <a:noFill/>
+            <a:miter lim="400000"/>
+          </a:ln>
+          <a:effectLst/>
+        </p:spPr>
+        <p:style>
+          <a:lnRef idx="0">
+            <a:scrgbClr r="0" g="0" b="0"/>
+          </a:lnRef>
+          <a:fillRef idx="0">
+            <a:scrgbClr r="0" g="0" b="0"/>
+          </a:fillRef>
+          <a:effectRef idx="0">
+            <a:scrgbClr r="0" g="0" b="0"/>
+          </a:effectRef>
+          <a:fontRef idx="none"/>
+        </p:style>
+        <p:txBody>
+          <a:bodyPr rot="0" spcFirstLastPara="1" vertOverflow="overflow" horzOverflow="overflow" vert="horz" wrap="square" lIns="39290" tIns="39290" rIns="39290" bIns="39290" numCol="1" spcCol="38100" rtlCol="0" anchor="ctr">
+            <a:spAutoFit/>
+          </a:bodyPr>
+          <a:lstStyle/>
+          <a:p>
+            <a:pPr marL="0" marR="0" indent="0" defTabSz="584200" rtl="0" fontAlgn="auto" latinLnBrk="1" hangingPunct="0">
+              <a:lnSpc>
+                <a:spcPct val="100000"/>
+              </a:lnSpc>
+              <a:spcBef>
+                <a:spcPts val="0"/>
+              </a:spcBef>
+              <a:spcAft>
+                <a:spcPts val="0"/>
+              </a:spcAft>
+              <a:buClrTx/>
+              <a:buSzTx/>
+              <a:buFontTx/>
+              <a:buNone/>
+              <a:tabLst/>
+            </a:pPr>
+            <a:r>
+              <a:rPr kumimoji="0" lang="en-US" sz="1200" b="0" i="0" u="none" strike="noStrike" cap="none" spc="0" normalizeH="0" baseline="0">
+                <a:ln>
+                  <a:noFill/>
+                </a:ln>
+                <a:solidFill>
+                  <a:srgbClr val="000000"/>
+                </a:solidFill>
+                <a:effectLst/>
+                <a:uFillTx/>
+                <a:latin typeface="Arial"/>
+                <a:ea typeface="+mn-ea"/>
+                <a:cs typeface="Arial"/>
+                <a:sym typeface="Helvetica Light"/>
+              </a:rPr>
+              <a:t>Articles</a:t>
+            </a:r>
+          </a:p>
+        </p:txBody>
+      </p:sp>
+      <p:cxnSp>
+        <p:nvCxnSpPr>
+          <p:cNvPr id="92" name="Straight Arrow Connector 62"/>
+          <p:cNvCxnSpPr>
+            <a:cxnSpLocks/>
+            <a:endCxn id="216" idx="1"/>
+          </p:cNvCxnSpPr>
+          <p:nvPr/>
+        </p:nvCxnSpPr>
+        <p:spPr>
+          <a:xfrm flipV="1">
+            <a:off x="1881524" y="2884769"/>
+            <a:ext cx="1413111" cy="629078"/>
+          </a:xfrm>
+          <a:prstGeom prst="straightConnector1">
+            <a:avLst/>
+          </a:prstGeom>
+          <a:noFill/>
+          <a:ln w="38100" cap="flat" cmpd="sng">
+            <a:solidFill>
+              <a:schemeClr val="bg1">
+                <a:lumMod val="85000"/>
+              </a:schemeClr>
+            </a:solidFill>
+            <a:prstDash val="solid"/>
+            <a:miter lim="400000"/>
+            <a:headEnd type="none"/>
+            <a:tailEnd type="none"/>
+          </a:ln>
+          <a:effectLst/>
+        </p:spPr>
+        <p:style>
+          <a:lnRef idx="0">
+            <a:scrgbClr r="0" g="0" b="0"/>
+          </a:lnRef>
+          <a:fillRef idx="0">
+            <a:scrgbClr r="0" g="0" b="0"/>
+          </a:fillRef>
+          <a:effectRef idx="0">
+            <a:scrgbClr r="0" g="0" b="0"/>
+          </a:effectRef>
+          <a:fontRef idx="none"/>
+        </p:style>
+      </p:cxnSp>
+      <p:sp>
+        <p:nvSpPr>
+          <p:cNvPr id="106" name="TextBox 105"/>
+          <p:cNvSpPr txBox="1"/>
+          <p:nvPr/>
+        </p:nvSpPr>
+        <p:spPr>
+          <a:xfrm>
+            <a:off x="5188085" y="3859630"/>
+            <a:ext cx="1506878" cy="264013"/>
+          </a:xfrm>
+          <a:prstGeom prst="rect">
+            <a:avLst/>
+          </a:prstGeom>
+          <a:noFill/>
+          <a:ln w="3175" cap="flat">
+            <a:noFill/>
+            <a:miter lim="400000"/>
+          </a:ln>
+          <a:effectLst/>
+        </p:spPr>
+        <p:style>
+          <a:lnRef idx="0">
+            <a:scrgbClr r="0" g="0" b="0"/>
+          </a:lnRef>
+          <a:fillRef idx="0">
+            <a:scrgbClr r="0" g="0" b="0"/>
+          </a:fillRef>
+          <a:effectRef idx="0">
+            <a:scrgbClr r="0" g="0" b="0"/>
+          </a:effectRef>
+          <a:fontRef idx="none"/>
+        </p:style>
+        <p:txBody>
+          <a:bodyPr rot="0" spcFirstLastPara="1" vertOverflow="overflow" horzOverflow="overflow" vert="horz" wrap="square" lIns="39290" tIns="39290" rIns="39290" bIns="39290" numCol="1" spcCol="38100" rtlCol="0" anchor="ctr">
+            <a:spAutoFit/>
+          </a:bodyPr>
+          <a:lstStyle/>
+          <a:p>
+            <a:pPr marL="0" marR="0" indent="0" defTabSz="584200" rtl="0" fontAlgn="auto" latinLnBrk="1" hangingPunct="0">
+              <a:lnSpc>
+                <a:spcPct val="100000"/>
+              </a:lnSpc>
+              <a:spcBef>
+                <a:spcPts val="0"/>
+              </a:spcBef>
+              <a:spcAft>
+                <a:spcPts val="0"/>
+              </a:spcAft>
+              <a:buClrTx/>
+              <a:buSzTx/>
+              <a:buFontTx/>
+              <a:buNone/>
+              <a:tabLst/>
+            </a:pPr>
+            <a:r>
+              <a:rPr lang="en-US" sz="1200">
+                <a:solidFill>
+                  <a:srgbClr val="000000"/>
+                </a:solidFill>
+                <a:latin typeface="Arial"/>
+                <a:cs typeface="Arial"/>
+              </a:rPr>
+              <a:t>A</a:t>
+            </a:r>
+            <a:r>
+              <a:rPr kumimoji="0" lang="en-US" sz="1200" b="0" i="0" u="none" strike="noStrike" cap="none" spc="0" normalizeH="0" baseline="0">
+                <a:ln>
+                  <a:noFill/>
+                </a:ln>
+                <a:solidFill>
+                  <a:srgbClr val="000000"/>
+                </a:solidFill>
+                <a:effectLst/>
+                <a:uFillTx/>
+                <a:latin typeface="Arial"/>
+                <a:ea typeface="+mn-ea"/>
+                <a:cs typeface="Arial"/>
+                <a:sym typeface="Helvetica Light"/>
+              </a:rPr>
+              <a:t>uthors</a:t>
+            </a:r>
+          </a:p>
+        </p:txBody>
+      </p:sp>
+      <p:sp>
+        <p:nvSpPr>
+          <p:cNvPr id="117" name="TextBox 116"/>
+          <p:cNvSpPr txBox="1"/>
+          <p:nvPr/>
+        </p:nvSpPr>
+        <p:spPr>
+          <a:xfrm>
+            <a:off x="3125542" y="4900870"/>
+            <a:ext cx="1365428" cy="264013"/>
+          </a:xfrm>
+          <a:prstGeom prst="rect">
+            <a:avLst/>
+          </a:prstGeom>
+          <a:noFill/>
+          <a:ln w="3175" cap="flat">
+            <a:noFill/>
+            <a:miter lim="400000"/>
+          </a:ln>
+          <a:effectLst/>
+        </p:spPr>
+        <p:style>
+          <a:lnRef idx="0">
+            <a:scrgbClr r="0" g="0" b="0"/>
+          </a:lnRef>
+          <a:fillRef idx="0">
+            <a:scrgbClr r="0" g="0" b="0"/>
+          </a:fillRef>
+          <a:effectRef idx="0">
+            <a:scrgbClr r="0" g="0" b="0"/>
+          </a:effectRef>
+          <a:fontRef idx="none"/>
+        </p:style>
+        <p:txBody>
+          <a:bodyPr rot="0" spcFirstLastPara="1" vertOverflow="overflow" horzOverflow="overflow" vert="horz" wrap="square" lIns="39290" tIns="39290" rIns="39290" bIns="39290" numCol="1" spcCol="38100" rtlCol="0" anchor="ctr">
+            <a:spAutoFit/>
+          </a:bodyPr>
+          <a:lstStyle/>
+          <a:p>
+            <a:pPr rtl="0" latinLnBrk="1" hangingPunct="0"/>
+            <a:r>
+              <a:rPr lang="en-US" sz="1200">
+                <a:solidFill>
+                  <a:srgbClr val="000000"/>
+                </a:solidFill>
+                <a:latin typeface="Arial"/>
+                <a:cs typeface="Arial"/>
+              </a:rPr>
+              <a:t>Web-App</a:t>
+            </a:r>
+          </a:p>
+        </p:txBody>
+      </p:sp>
+      <p:cxnSp>
+        <p:nvCxnSpPr>
+          <p:cNvPr id="118" name="Straight Arrow Connector 62"/>
+          <p:cNvCxnSpPr>
+            <a:cxnSpLocks/>
+          </p:cNvCxnSpPr>
+          <p:nvPr/>
+        </p:nvCxnSpPr>
+        <p:spPr>
+          <a:xfrm>
+            <a:off x="2113030" y="3848018"/>
+            <a:ext cx="1387255" cy="656414"/>
+          </a:xfrm>
+          <a:prstGeom prst="straightConnector1">
+            <a:avLst/>
+          </a:prstGeom>
+          <a:noFill/>
+          <a:ln w="38100" cap="flat" cmpd="sng">
+            <a:solidFill>
+              <a:schemeClr val="bg1">
+                <a:lumMod val="85000"/>
+              </a:schemeClr>
+            </a:solidFill>
+            <a:prstDash val="solid"/>
+            <a:miter lim="400000"/>
+            <a:headEnd type="none"/>
+            <a:tailEnd type="none"/>
+          </a:ln>
+          <a:effectLst/>
+        </p:spPr>
+        <p:style>
+          <a:lnRef idx="0">
+            <a:scrgbClr r="0" g="0" b="0"/>
+          </a:lnRef>
+          <a:fillRef idx="0">
+            <a:scrgbClr r="0" g="0" b="0"/>
+          </a:fillRef>
+          <a:effectRef idx="0">
+            <a:scrgbClr r="0" g="0" b="0"/>
+          </a:effectRef>
+          <a:fontRef idx="none"/>
+        </p:style>
+      </p:cxnSp>
+      <p:pic>
+        <p:nvPicPr>
+          <p:cNvPr id="232" name="Picture 231"/>
+          <p:cNvPicPr>
+            <a:picLocks noChangeAspect="1"/>
+          </p:cNvPicPr>
+          <p:nvPr/>
+        </p:nvPicPr>
+        <p:blipFill>
+          <a:blip r:embed="rId6"/>
+          <a:stretch>
+            <a:fillRect/>
+          </a:stretch>
+        </p:blipFill>
+        <p:spPr>
+          <a:xfrm>
+            <a:off x="3322520" y="3931449"/>
+            <a:ext cx="307414" cy="348208"/>
+          </a:xfrm>
+          <a:prstGeom prst="rect">
+            <a:avLst/>
+          </a:prstGeom>
+        </p:spPr>
+      </p:pic>
+      <p:grpSp>
+        <p:nvGrpSpPr>
+          <p:cNvPr id="22" name="Group 21"/>
+          <p:cNvGrpSpPr/>
+          <p:nvPr/>
+        </p:nvGrpSpPr>
+        <p:grpSpPr>
+          <a:xfrm>
+            <a:off x="3476855" y="4181137"/>
+            <a:ext cx="707235" cy="707233"/>
+            <a:chOff x="555452" y="2050875"/>
+            <a:chExt cx="707235" cy="707233"/>
+          </a:xfrm>
+        </p:grpSpPr>
+        <p:sp>
+          <p:nvSpPr>
+            <p:cNvPr id="110" name="Shape 339"/>
+            <p:cNvSpPr/>
+            <p:nvPr/>
+          </p:nvSpPr>
+          <p:spPr>
+            <a:xfrm>
+              <a:off x="555452" y="2050875"/>
+              <a:ext cx="707235" cy="707233"/>
+            </a:xfrm>
+            <a:custGeom>
+              <a:avLst/>
+              <a:gdLst/>
+              <a:ahLst/>
+              <a:cxnLst>
+                <a:cxn ang="0">
+                  <a:pos x="wd2" y="hd2"/>
+                </a:cxn>
+                <a:cxn ang="5400000">
+                  <a:pos x="wd2" y="hd2"/>
+                </a:cxn>
+                <a:cxn ang="10800000">
+                  <a:pos x="wd2" y="hd2"/>
+                </a:cxn>
+                <a:cxn ang="16200000">
+                  <a:pos x="wd2" y="hd2"/>
+                </a:cxn>
+              </a:cxnLst>
+              <a:rect l="0" t="0" r="r" b="b"/>
+              <a:pathLst>
+                <a:path w="19679" h="19679" extrusionOk="0">
+                  <a:moveTo>
+                    <a:pt x="16796" y="2882"/>
+                  </a:moveTo>
+                  <a:cubicBezTo>
+                    <a:pt x="20639" y="6724"/>
+                    <a:pt x="20639" y="12954"/>
+                    <a:pt x="16796" y="16796"/>
+                  </a:cubicBezTo>
+                  <a:cubicBezTo>
+                    <a:pt x="12954" y="20639"/>
+                    <a:pt x="6724" y="20639"/>
+                    <a:pt x="2882" y="16796"/>
+                  </a:cubicBezTo>
+                  <a:cubicBezTo>
+                    <a:pt x="-961" y="12954"/>
+                    <a:pt x="-961" y="6724"/>
+                    <a:pt x="2882" y="2882"/>
+                  </a:cubicBezTo>
+                  <a:cubicBezTo>
+                    <a:pt x="6724" y="-961"/>
+                    <a:pt x="12954" y="-961"/>
+                    <a:pt x="16796" y="2882"/>
+                  </a:cubicBezTo>
+                  <a:close/>
+                </a:path>
+              </a:pathLst>
+            </a:custGeom>
+            <a:solidFill>
+              <a:srgbClr val="325C80"/>
+            </a:solidFill>
+            <a:ln w="3175" cap="flat">
+              <a:noFill/>
+              <a:miter lim="400000"/>
+            </a:ln>
+            <a:effectLst/>
+          </p:spPr>
+          <p:txBody>
+            <a:bodyPr wrap="square" lIns="0" tIns="0" rIns="0" bIns="0" numCol="1" anchor="ctr">
+              <a:noAutofit/>
+            </a:bodyPr>
+            <a:lstStyle/>
+            <a:p>
+              <a:pPr lvl="0">
+                <a:defRPr sz="1800">
+                  <a:solidFill>
+                    <a:srgbClr val="FFFFFF"/>
+                  </a:solidFill>
+                </a:defRPr>
+              </a:pPr>
+              <a:endParaRPr/>
+            </a:p>
+          </p:txBody>
+        </p:sp>
+        <p:pic>
+          <p:nvPicPr>
+            <p:cNvPr id="111" name="_-41.png"/>
+            <p:cNvPicPr/>
+            <p:nvPr/>
+          </p:nvPicPr>
+          <p:blipFill>
+            <a:blip r:embed="rId7"/>
+            <a:srcRect l="21704" t="15445" r="21704" b="15445"/>
+            <a:stretch>
+              <a:fillRect/>
+            </a:stretch>
+          </p:blipFill>
+          <p:spPr>
+            <a:xfrm>
+              <a:off x="712289" y="2169320"/>
+              <a:ext cx="400239" cy="488767"/>
+            </a:xfrm>
+            <a:prstGeom prst="rect">
+              <a:avLst/>
+            </a:prstGeom>
+            <a:ln w="3175" cap="flat">
+              <a:noFill/>
+              <a:miter lim="400000"/>
+            </a:ln>
+            <a:effectLst/>
+          </p:spPr>
+        </p:pic>
+      </p:grpSp>
+      <p:pic>
+        <p:nvPicPr>
+          <p:cNvPr id="84" name="Picture 83"/>
+          <p:cNvPicPr>
+            <a:picLocks noChangeAspect="1"/>
+          </p:cNvPicPr>
+          <p:nvPr/>
+        </p:nvPicPr>
+        <p:blipFill>
+          <a:blip r:embed="rId5"/>
+          <a:stretch>
+            <a:fillRect/>
+          </a:stretch>
+        </p:blipFill>
+        <p:spPr>
+          <a:xfrm>
+            <a:off x="5229846" y="1407112"/>
+            <a:ext cx="831816" cy="524254"/>
+          </a:xfrm>
+          <a:prstGeom prst="rect">
+            <a:avLst/>
+          </a:prstGeom>
+        </p:spPr>
+      </p:pic>
+      <p:grpSp>
+        <p:nvGrpSpPr>
+          <p:cNvPr id="63" name="Group 62"/>
+          <p:cNvGrpSpPr/>
+          <p:nvPr/>
+        </p:nvGrpSpPr>
+        <p:grpSpPr>
+          <a:xfrm>
+            <a:off x="5597870" y="1773737"/>
+            <a:ext cx="707233" cy="707233"/>
+            <a:chOff x="600270" y="3372960"/>
+            <a:chExt cx="707233" cy="707233"/>
+          </a:xfrm>
+        </p:grpSpPr>
+        <p:sp>
+          <p:nvSpPr>
+            <p:cNvPr id="70" name="Shape 298"/>
+            <p:cNvSpPr/>
+            <p:nvPr/>
+          </p:nvSpPr>
+          <p:spPr>
+            <a:xfrm>
+              <a:off x="600270" y="3372960"/>
+              <a:ext cx="707233" cy="707233"/>
+            </a:xfrm>
+            <a:custGeom>
+              <a:avLst/>
+              <a:gdLst/>
+              <a:ahLst/>
+              <a:cxnLst>
+                <a:cxn ang="0">
+                  <a:pos x="wd2" y="hd2"/>
+                </a:cxn>
+                <a:cxn ang="5400000">
+                  <a:pos x="wd2" y="hd2"/>
+                </a:cxn>
+                <a:cxn ang="10800000">
+                  <a:pos x="wd2" y="hd2"/>
+                </a:cxn>
+                <a:cxn ang="16200000">
+                  <a:pos x="wd2" y="hd2"/>
+                </a:cxn>
+              </a:cxnLst>
+              <a:rect l="0" t="0" r="r" b="b"/>
+              <a:pathLst>
+                <a:path w="19679" h="19679" extrusionOk="0">
+                  <a:moveTo>
+                    <a:pt x="16796" y="2882"/>
+                  </a:moveTo>
+                  <a:cubicBezTo>
+                    <a:pt x="20639" y="6724"/>
+                    <a:pt x="20639" y="12954"/>
+                    <a:pt x="16796" y="16796"/>
+                  </a:cubicBezTo>
+                  <a:cubicBezTo>
+                    <a:pt x="12954" y="20639"/>
+                    <a:pt x="6724" y="20639"/>
+                    <a:pt x="2882" y="16796"/>
+                  </a:cubicBezTo>
+                  <a:cubicBezTo>
+                    <a:pt x="-961" y="12954"/>
+                    <a:pt x="-961" y="6724"/>
+                    <a:pt x="2882" y="2882"/>
+                  </a:cubicBezTo>
+                  <a:cubicBezTo>
+                    <a:pt x="6724" y="-961"/>
+                    <a:pt x="12954" y="-961"/>
+                    <a:pt x="16796" y="2882"/>
+                  </a:cubicBezTo>
+                  <a:close/>
+                </a:path>
+              </a:pathLst>
+            </a:custGeom>
+            <a:solidFill>
+              <a:srgbClr val="8BC831"/>
+            </a:solidFill>
+            <a:ln w="3175" cap="flat">
+              <a:noFill/>
+              <a:miter lim="400000"/>
+            </a:ln>
+            <a:effectLst/>
+          </p:spPr>
+          <p:txBody>
+            <a:bodyPr wrap="square" lIns="0" tIns="0" rIns="0" bIns="0" numCol="1" anchor="ctr">
+              <a:noAutofit/>
+            </a:bodyPr>
+            <a:lstStyle/>
+            <a:p>
+              <a:pPr lvl="0">
+                <a:defRPr sz="1800">
+                  <a:solidFill>
+                    <a:srgbClr val="FFFFFF"/>
+                  </a:solidFill>
+                </a:defRPr>
+              </a:pPr>
+              <a:endParaRPr/>
+            </a:p>
+          </p:txBody>
+        </p:sp>
+        <p:pic>
+          <p:nvPicPr>
+            <p:cNvPr id="76" name="Picture 75"/>
+            <p:cNvPicPr>
+              <a:picLocks noChangeAspect="1"/>
+            </p:cNvPicPr>
+            <p:nvPr/>
+          </p:nvPicPr>
+          <p:blipFill>
+            <a:blip r:embed="rId8">
+              <a:extLst>
+                <a:ext uri="{28A0092B-C50C-407E-A947-70E740481C1C}">
+                  <a14:useLocalDpi xmlns:a14="http://schemas.microsoft.com/office/drawing/2010/main" val="0"/>
+                </a:ext>
+              </a:extLst>
+            </a:blip>
+            <a:stretch>
+              <a:fillRect/>
+            </a:stretch>
+          </p:blipFill>
+          <p:spPr>
+            <a:xfrm>
+              <a:off x="805885" y="3465709"/>
+              <a:ext cx="292608" cy="445008"/>
+            </a:xfrm>
+            <a:prstGeom prst="rect">
+              <a:avLst/>
+            </a:prstGeom>
+          </p:spPr>
+        </p:pic>
+      </p:grpSp>
+      <p:grpSp>
+        <p:nvGrpSpPr>
+          <p:cNvPr id="65" name="Group 64"/>
+          <p:cNvGrpSpPr/>
+          <p:nvPr/>
+        </p:nvGrpSpPr>
+        <p:grpSpPr>
+          <a:xfrm>
+            <a:off x="1500579" y="3260135"/>
+            <a:ext cx="707233" cy="707234"/>
+            <a:chOff x="3587103" y="3636248"/>
+            <a:chExt cx="707233" cy="707234"/>
+          </a:xfrm>
+        </p:grpSpPr>
+        <p:sp>
+          <p:nvSpPr>
+            <p:cNvPr id="66" name="Shape 529"/>
+            <p:cNvSpPr/>
+            <p:nvPr/>
+          </p:nvSpPr>
+          <p:spPr>
+            <a:xfrm>
+              <a:off x="3587103" y="3636248"/>
+              <a:ext cx="707233" cy="707234"/>
+            </a:xfrm>
+            <a:custGeom>
+              <a:avLst/>
+              <a:gdLst/>
+              <a:ahLst/>
+              <a:cxnLst>
+                <a:cxn ang="0">
+                  <a:pos x="wd2" y="hd2"/>
+                </a:cxn>
+                <a:cxn ang="5400000">
+                  <a:pos x="wd2" y="hd2"/>
+                </a:cxn>
+                <a:cxn ang="10800000">
+                  <a:pos x="wd2" y="hd2"/>
+                </a:cxn>
+                <a:cxn ang="16200000">
+                  <a:pos x="wd2" y="hd2"/>
+                </a:cxn>
+              </a:cxnLst>
+              <a:rect l="0" t="0" r="r" b="b"/>
+              <a:pathLst>
+                <a:path w="19679" h="19679" extrusionOk="0">
+                  <a:moveTo>
+                    <a:pt x="16796" y="2882"/>
+                  </a:moveTo>
+                  <a:cubicBezTo>
+                    <a:pt x="20639" y="6724"/>
+                    <a:pt x="20639" y="12954"/>
+                    <a:pt x="16796" y="16796"/>
+                  </a:cubicBezTo>
+                  <a:cubicBezTo>
+                    <a:pt x="12954" y="20639"/>
+                    <a:pt x="6724" y="20639"/>
+                    <a:pt x="2882" y="16796"/>
+                  </a:cubicBezTo>
+                  <a:cubicBezTo>
+                    <a:pt x="-961" y="12954"/>
+                    <a:pt x="-961" y="6724"/>
+                    <a:pt x="2882" y="2882"/>
+                  </a:cubicBezTo>
+                  <a:cubicBezTo>
+                    <a:pt x="6724" y="-961"/>
+                    <a:pt x="12954" y="-961"/>
+                    <a:pt x="16796" y="2882"/>
+                  </a:cubicBezTo>
+                  <a:close/>
+                </a:path>
+              </a:pathLst>
+            </a:custGeom>
+            <a:solidFill>
+              <a:srgbClr val="196970"/>
+            </a:solidFill>
+            <a:ln w="3175" cap="flat">
+              <a:noFill/>
+              <a:miter lim="400000"/>
+            </a:ln>
+            <a:effectLst/>
+          </p:spPr>
+          <p:txBody>
+            <a:bodyPr wrap="square" lIns="0" tIns="0" rIns="0" bIns="0" numCol="1" anchor="ctr">
+              <a:noAutofit/>
+            </a:bodyPr>
+            <a:lstStyle/>
+            <a:p>
+              <a:pPr lvl="0">
+                <a:defRPr sz="1800">
+                  <a:solidFill>
+                    <a:srgbClr val="FFFFFF"/>
+                  </a:solidFill>
+                </a:defRPr>
+              </a:pPr>
+              <a:endParaRPr/>
+            </a:p>
+          </p:txBody>
+        </p:sp>
+        <p:pic>
+          <p:nvPicPr>
+            <p:cNvPr id="67" name="_-47.png"/>
+            <p:cNvPicPr/>
+            <p:nvPr/>
+          </p:nvPicPr>
+          <p:blipFill>
+            <a:blip r:embed="rId9"/>
+            <a:srcRect l="17032" t="20462" r="17032" b="20462"/>
+            <a:stretch>
+              <a:fillRect/>
+            </a:stretch>
+          </p:blipFill>
+          <p:spPr>
+            <a:xfrm>
+              <a:off x="3723113" y="3770499"/>
+              <a:ext cx="466313" cy="417807"/>
+            </a:xfrm>
+            <a:prstGeom prst="rect">
+              <a:avLst/>
+            </a:prstGeom>
+            <a:ln w="3175" cap="flat">
+              <a:noFill/>
+              <a:miter lim="400000"/>
+            </a:ln>
+            <a:effectLst/>
+          </p:spPr>
+        </p:pic>
+      </p:grpSp>
+      <p:sp>
+        <p:nvSpPr>
+          <p:cNvPr id="68" name="TextBox 67"/>
+          <p:cNvSpPr txBox="1"/>
+          <p:nvPr/>
+        </p:nvSpPr>
+        <p:spPr>
+          <a:xfrm>
+            <a:off x="1238976" y="4052430"/>
+            <a:ext cx="1218324" cy="264013"/>
+          </a:xfrm>
+          <a:prstGeom prst="rect">
+            <a:avLst/>
+          </a:prstGeom>
+          <a:noFill/>
+          <a:ln w="3175" cap="flat">
+            <a:noFill/>
+            <a:miter lim="400000"/>
+          </a:ln>
+          <a:effectLst/>
+        </p:spPr>
+        <p:style>
+          <a:lnRef idx="0">
+            <a:scrgbClr r="0" g="0" b="0"/>
+          </a:lnRef>
+          <a:fillRef idx="0">
+            <a:scrgbClr r="0" g="0" b="0"/>
+          </a:fillRef>
+          <a:effectRef idx="0">
+            <a:scrgbClr r="0" g="0" b="0"/>
+          </a:effectRef>
+          <a:fontRef idx="none"/>
+        </p:style>
+        <p:txBody>
+          <a:bodyPr rot="0" spcFirstLastPara="1" vertOverflow="overflow" horzOverflow="overflow" vert="horz" wrap="square" lIns="39290" tIns="39290" rIns="39290" bIns="39290" numCol="1" spcCol="38100" rtlCol="0" anchor="ctr">
+            <a:spAutoFit/>
+          </a:bodyPr>
+          <a:lstStyle/>
+          <a:p>
+            <a:pPr rtl="0" latinLnBrk="1" hangingPunct="0"/>
+            <a:r>
+              <a:rPr lang="en-US" sz="1200" dirty="0">
+                <a:solidFill>
+                  <a:srgbClr val="000000"/>
+                </a:solidFill>
+                <a:latin typeface="Arial"/>
+                <a:cs typeface="Arial"/>
+              </a:rPr>
+              <a:t>Istio Ingress</a:t>
+            </a:r>
+          </a:p>
+        </p:txBody>
+      </p:sp>
+      <p:cxnSp>
+        <p:nvCxnSpPr>
+          <p:cNvPr id="96" name="Straight Arrow Connector 62">
+            <a:extLst>
+              <a:ext uri="{FF2B5EF4-FFF2-40B4-BE49-F238E27FC236}">
+                <a16:creationId xmlns:a16="http://schemas.microsoft.com/office/drawing/2014/main" id="{81F8C912-EC3D-B144-A560-0B420356B8C0}"/>
+              </a:ext>
+            </a:extLst>
+          </p:cNvPr>
+          <p:cNvCxnSpPr>
+            <a:cxnSpLocks/>
+          </p:cNvCxnSpPr>
+          <p:nvPr/>
+        </p:nvCxnSpPr>
+        <p:spPr>
+          <a:xfrm>
+            <a:off x="1021545" y="3598116"/>
+            <a:ext cx="474060" cy="5975"/>
+          </a:xfrm>
+          <a:prstGeom prst="straightConnector1">
+            <a:avLst/>
+          </a:prstGeom>
+          <a:noFill/>
+          <a:ln w="38100" cap="flat" cmpd="sng">
+            <a:solidFill>
+              <a:schemeClr val="bg1">
+                <a:lumMod val="85000"/>
+              </a:schemeClr>
+            </a:solidFill>
+            <a:prstDash val="solid"/>
+            <a:miter lim="400000"/>
+            <a:headEnd type="none"/>
+            <a:tailEnd type="none"/>
+          </a:ln>
+          <a:effectLst/>
+        </p:spPr>
+        <p:style>
+          <a:lnRef idx="0">
+            <a:scrgbClr r="0" g="0" b="0"/>
+          </a:lnRef>
+          <a:fillRef idx="0">
+            <a:scrgbClr r="0" g="0" b="0"/>
+          </a:fillRef>
+          <a:effectRef idx="0">
+            <a:scrgbClr r="0" g="0" b="0"/>
+          </a:effectRef>
+          <a:fontRef idx="none"/>
+        </p:style>
+      </p:cxnSp>
+      <p:pic>
+        <p:nvPicPr>
+          <p:cNvPr id="42" name="Picture 41">
+            <a:extLst>
+              <a:ext uri="{FF2B5EF4-FFF2-40B4-BE49-F238E27FC236}">
+                <a16:creationId xmlns:a16="http://schemas.microsoft.com/office/drawing/2014/main" id="{F032B2DC-6EC6-0141-9696-DB5D423473D3}"/>
+              </a:ext>
+            </a:extLst>
+          </p:cNvPr>
+          <p:cNvPicPr>
+            <a:picLocks noChangeAspect="1"/>
+          </p:cNvPicPr>
+          <p:nvPr/>
+        </p:nvPicPr>
+        <p:blipFill>
+          <a:blip r:embed="rId5"/>
+          <a:stretch>
+            <a:fillRect/>
+          </a:stretch>
+        </p:blipFill>
+        <p:spPr>
+          <a:xfrm>
+            <a:off x="5229846" y="2746491"/>
+            <a:ext cx="831816" cy="524254"/>
+          </a:xfrm>
+          <a:prstGeom prst="rect">
+            <a:avLst/>
+          </a:prstGeom>
+        </p:spPr>
+      </p:pic>
+      <p:sp>
+        <p:nvSpPr>
+          <p:cNvPr id="44" name="Oval 43">
+            <a:extLst>
+              <a:ext uri="{FF2B5EF4-FFF2-40B4-BE49-F238E27FC236}">
+                <a16:creationId xmlns:a16="http://schemas.microsoft.com/office/drawing/2014/main" id="{2E364A88-E0E7-0040-A0A8-177FA4B53DA1}"/>
+              </a:ext>
+            </a:extLst>
+          </p:cNvPr>
+          <p:cNvSpPr/>
+          <p:nvPr/>
+        </p:nvSpPr>
+        <p:spPr>
+          <a:xfrm>
+            <a:off x="4796846" y="2706562"/>
+            <a:ext cx="2154932" cy="1477874"/>
+          </a:xfrm>
+          <a:prstGeom prst="ellipse">
+            <a:avLst/>
+          </a:prstGeom>
+          <a:ln w="47625">
+            <a:solidFill>
+              <a:schemeClr val="accent5"/>
+            </a:solidFill>
+            <a:miter lim="400000"/>
+          </a:ln>
+        </p:spPr>
+        <p:txBody>
+          <a:bodyPr lIns="0" tIns="0" rIns="0" bIns="0" rtlCol="0" anchor="ctr"/>
+          <a:lstStyle/>
+          <a:p>
+            <a:pPr algn="ctr"/>
+            <a:endParaRPr lang="en-US" sz="1800">
+              <a:solidFill>
+                <a:srgbClr val="4277BB"/>
+              </a:solidFill>
+            </a:endParaRPr>
+          </a:p>
+        </p:txBody>
+      </p:sp>
+    </p:spTree>
+    <p:extLst>
+      <p:ext uri="{BB962C8B-B14F-4D97-AF65-F5344CB8AC3E}">
+        <p14:creationId xmlns:p14="http://schemas.microsoft.com/office/powerpoint/2010/main" val="1858864193"/>
+      </p:ext>
+    </p:extLst>
+  </p:cSld>
+  <p:clrMapOvr>
+    <a:masterClrMapping/>
+  </p:clrMapOvr>
+  <p:transition spd="med"/>
+</p:sld>
+</file>
+
+<file path=ppt/slides/slide5.xml><?xml version="1.0" encoding="utf-8"?>
+<p:sld xmlns:a="http://schemas.openxmlformats.org/drawingml/2006/main" xmlns:r="http://schemas.openxmlformats.org/officeDocument/2006/relationships" xmlns:p="http://schemas.openxmlformats.org/presentationml/2006/main">
+  <p:cSld>
+    <p:spTree>
+      <p:nvGrpSpPr>
+        <p:cNvPr id="1" name=""/>
+        <p:cNvGrpSpPr/>
+        <p:nvPr/>
+      </p:nvGrpSpPr>
+      <p:grpSpPr>
+        <a:xfrm>
+          <a:off x="0" y="0"/>
+          <a:ext cx="0" cy="0"/>
+          <a:chOff x="0" y="0"/>
+          <a:chExt cx="0" cy="0"/>
+        </a:xfrm>
+      </p:grpSpPr>
+      <p:sp>
+        <p:nvSpPr>
+          <p:cNvPr id="148" name="Shape 62"/>
+          <p:cNvSpPr/>
+          <p:nvPr/>
+        </p:nvSpPr>
+        <p:spPr>
+          <a:xfrm flipV="1">
+            <a:off x="1848138" y="776062"/>
+            <a:ext cx="0" cy="6667098"/>
+          </a:xfrm>
+          <a:prstGeom prst="line">
+            <a:avLst/>
+          </a:prstGeom>
+          <a:ln w="25400">
+            <a:solidFill>
+              <a:schemeClr val="bg1">
+                <a:lumMod val="85000"/>
+              </a:schemeClr>
+            </a:solidFill>
+            <a:miter lim="400000"/>
+          </a:ln>
+        </p:spPr>
+        <p:txBody>
+          <a:bodyPr lIns="0" tIns="0" rIns="0" bIns="0" anchor="ctr"/>
+          <a:lstStyle/>
+          <a:p>
+            <a:pPr lvl="0">
+              <a:defRPr sz="1800"/>
+            </a:pPr>
+            <a:endParaRPr/>
+          </a:p>
+        </p:txBody>
+      </p:sp>
+      <p:sp>
+        <p:nvSpPr>
+          <p:cNvPr id="210" name="Shape 64"/>
+          <p:cNvSpPr/>
+          <p:nvPr/>
+        </p:nvSpPr>
+        <p:spPr>
+          <a:xfrm>
+            <a:off x="1979114" y="781579"/>
+            <a:ext cx="5676030" cy="246221"/>
+          </a:xfrm>
+          <a:prstGeom prst="rect">
+            <a:avLst/>
+          </a:prstGeom>
+          <a:ln w="3175">
+            <a:miter lim="400000"/>
+          </a:ln>
+          <a:extLst>
+            <a:ext uri="{C572A759-6A51-4108-AA02-DFA0A04FC94B}">
+              <ma14:wrappingTextBoxFlag xmlns:ma14="http://schemas.microsoft.com/office/mac/drawingml/2011/main" xmlns="" val="1"/>
+            </a:ext>
+          </a:extLst>
+        </p:spPr>
+        <p:txBody>
+          <a:bodyPr wrap="square" lIns="0" tIns="0" rIns="0" bIns="0">
+            <a:spAutoFit/>
+          </a:bodyPr>
+          <a:lstStyle>
+            <a:lvl1pPr algn="l">
+              <a:defRPr sz="1000" b="1">
+                <a:solidFill>
+                  <a:srgbClr val="4277BB"/>
+                </a:solidFill>
+                <a:latin typeface="Helvetica"/>
+                <a:ea typeface="Helvetica"/>
+                <a:cs typeface="Helvetica"/>
+                <a:sym typeface="Helvetica"/>
+              </a:defRPr>
+            </a:lvl1pPr>
+          </a:lstStyle>
+          <a:p>
+            <a:pPr lvl="0" algn="ctr">
+              <a:defRPr sz="1800" b="0">
+                <a:solidFill>
+                  <a:srgbClr val="000000"/>
+                </a:solidFill>
+              </a:defRPr>
+            </a:pPr>
+            <a:r>
+              <a:rPr lang="de-DE" sz="1600" b="1">
+                <a:solidFill>
+                  <a:srgbClr val="000000"/>
+                </a:solidFill>
+                <a:latin typeface="Arial"/>
+                <a:cs typeface="Arial"/>
+              </a:rPr>
+              <a:t>Kubernetes with Istio</a:t>
+            </a:r>
+            <a:endParaRPr sz="1600">
+              <a:solidFill>
+                <a:srgbClr val="000000"/>
+              </a:solidFill>
+              <a:latin typeface="Arial"/>
+              <a:cs typeface="Arial"/>
+            </a:endParaRPr>
+          </a:p>
+        </p:txBody>
+      </p:sp>
+      <p:pic>
+        <p:nvPicPr>
+          <p:cNvPr id="211" name="Picture 210"/>
+          <p:cNvPicPr>
+            <a:picLocks noChangeAspect="1"/>
+          </p:cNvPicPr>
+          <p:nvPr/>
+        </p:nvPicPr>
+        <p:blipFill>
+          <a:blip r:embed="rId2"/>
+          <a:stretch>
+            <a:fillRect/>
+          </a:stretch>
+        </p:blipFill>
+        <p:spPr>
+          <a:xfrm>
+            <a:off x="275704" y="3280190"/>
+            <a:ext cx="803034" cy="701972"/>
+          </a:xfrm>
+          <a:prstGeom prst="rect">
+            <a:avLst/>
+          </a:prstGeom>
+        </p:spPr>
+      </p:pic>
+      <p:sp>
+        <p:nvSpPr>
+          <p:cNvPr id="212" name="TextBox 211"/>
+          <p:cNvSpPr txBox="1"/>
+          <p:nvPr/>
+        </p:nvSpPr>
+        <p:spPr>
+          <a:xfrm>
+            <a:off x="91289" y="3989911"/>
+            <a:ext cx="1181319" cy="264013"/>
+          </a:xfrm>
+          <a:prstGeom prst="rect">
+            <a:avLst/>
+          </a:prstGeom>
+          <a:noFill/>
+          <a:ln w="3175" cap="flat">
+            <a:noFill/>
+            <a:miter lim="400000"/>
+          </a:ln>
+          <a:effectLst/>
+        </p:spPr>
+        <p:style>
+          <a:lnRef idx="0">
+            <a:scrgbClr r="0" g="0" b="0"/>
+          </a:lnRef>
+          <a:fillRef idx="0">
+            <a:scrgbClr r="0" g="0" b="0"/>
+          </a:fillRef>
+          <a:effectRef idx="0">
+            <a:scrgbClr r="0" g="0" b="0"/>
+          </a:effectRef>
+          <a:fontRef idx="none"/>
+        </p:style>
+        <p:txBody>
+          <a:bodyPr rot="0" spcFirstLastPara="1" vertOverflow="overflow" horzOverflow="overflow" vert="horz" wrap="square" lIns="39290" tIns="39290" rIns="39290" bIns="39290" numCol="1" spcCol="38100" rtlCol="0" anchor="ctr">
+            <a:spAutoFit/>
+          </a:bodyPr>
+          <a:lstStyle/>
+          <a:p>
+            <a:pPr rtl="0" latinLnBrk="1" hangingPunct="0"/>
+            <a:r>
+              <a:rPr lang="en-US" sz="1200">
+                <a:solidFill>
+                  <a:srgbClr val="000000"/>
+                </a:solidFill>
+                <a:latin typeface="Arial"/>
+                <a:cs typeface="Arial"/>
+              </a:rPr>
+              <a:t>Web-App</a:t>
+            </a:r>
+          </a:p>
+        </p:txBody>
+      </p:sp>
+      <p:pic>
+        <p:nvPicPr>
+          <p:cNvPr id="216" name="Picture 215"/>
+          <p:cNvPicPr>
+            <a:picLocks noChangeAspect="1"/>
+          </p:cNvPicPr>
+          <p:nvPr/>
+        </p:nvPicPr>
+        <p:blipFill>
+          <a:blip r:embed="rId3"/>
+          <a:stretch>
+            <a:fillRect/>
+          </a:stretch>
+        </p:blipFill>
+        <p:spPr>
+          <a:xfrm>
+            <a:off x="4717032" y="1658636"/>
+            <a:ext cx="895939" cy="860102"/>
+          </a:xfrm>
+          <a:prstGeom prst="rect">
+            <a:avLst/>
+          </a:prstGeom>
+        </p:spPr>
+      </p:pic>
+      <p:sp>
+        <p:nvSpPr>
+          <p:cNvPr id="57" name="Shape 64"/>
+          <p:cNvSpPr/>
+          <p:nvPr/>
+        </p:nvSpPr>
+        <p:spPr>
+          <a:xfrm>
+            <a:off x="82313" y="788870"/>
+            <a:ext cx="1716821" cy="246221"/>
+          </a:xfrm>
+          <a:prstGeom prst="rect">
+            <a:avLst/>
+          </a:prstGeom>
+          <a:ln w="3175">
+            <a:miter lim="400000"/>
+          </a:ln>
+          <a:extLst>
+            <a:ext uri="{C572A759-6A51-4108-AA02-DFA0A04FC94B}">
+              <ma14:wrappingTextBoxFlag xmlns:ma14="http://schemas.microsoft.com/office/mac/drawingml/2011/main" xmlns="" val="1"/>
+            </a:ext>
+          </a:extLst>
+        </p:spPr>
+        <p:txBody>
+          <a:bodyPr wrap="square" lIns="0" tIns="0" rIns="0" bIns="0">
+            <a:spAutoFit/>
+          </a:bodyPr>
+          <a:lstStyle>
+            <a:lvl1pPr algn="l">
+              <a:defRPr sz="1000" b="1">
+                <a:solidFill>
+                  <a:srgbClr val="4277BB"/>
+                </a:solidFill>
+                <a:latin typeface="Helvetica"/>
+                <a:ea typeface="Helvetica"/>
+                <a:cs typeface="Helvetica"/>
+                <a:sym typeface="Helvetica"/>
+              </a:defRPr>
+            </a:lvl1pPr>
+          </a:lstStyle>
+          <a:p>
+            <a:pPr lvl="0" algn="ctr">
+              <a:defRPr sz="1800" b="0">
+                <a:solidFill>
+                  <a:srgbClr val="000000"/>
+                </a:solidFill>
+              </a:defRPr>
+            </a:pPr>
+            <a:r>
+              <a:rPr lang="de-DE" sz="1600" b="1">
+                <a:solidFill>
+                  <a:srgbClr val="000000"/>
+                </a:solidFill>
+                <a:latin typeface="Arial"/>
+                <a:cs typeface="Arial"/>
+              </a:rPr>
+              <a:t>Browser</a:t>
+            </a:r>
+            <a:endParaRPr sz="1600">
+              <a:solidFill>
+                <a:srgbClr val="000000"/>
+              </a:solidFill>
+              <a:latin typeface="Arial"/>
+              <a:cs typeface="Arial"/>
+            </a:endParaRPr>
+          </a:p>
+        </p:txBody>
+      </p:sp>
+      <p:sp>
+        <p:nvSpPr>
+          <p:cNvPr id="64" name="TextBox 63"/>
+          <p:cNvSpPr txBox="1"/>
+          <p:nvPr/>
+        </p:nvSpPr>
+        <p:spPr>
+          <a:xfrm>
+            <a:off x="4302692" y="2470658"/>
+            <a:ext cx="1506878" cy="448679"/>
+          </a:xfrm>
+          <a:prstGeom prst="rect">
+            <a:avLst/>
+          </a:prstGeom>
+          <a:noFill/>
+          <a:ln w="3175" cap="flat">
+            <a:noFill/>
+            <a:miter lim="400000"/>
+          </a:ln>
+          <a:effectLst/>
+        </p:spPr>
+        <p:style>
+          <a:lnRef idx="0">
+            <a:scrgbClr r="0" g="0" b="0"/>
+          </a:lnRef>
+          <a:fillRef idx="0">
+            <a:scrgbClr r="0" g="0" b="0"/>
+          </a:fillRef>
+          <a:effectRef idx="0">
+            <a:scrgbClr r="0" g="0" b="0"/>
+          </a:effectRef>
+          <a:fontRef idx="none"/>
+        </p:style>
+        <p:txBody>
+          <a:bodyPr rot="0" spcFirstLastPara="1" vertOverflow="overflow" horzOverflow="overflow" vert="horz" wrap="square" lIns="39290" tIns="39290" rIns="39290" bIns="39290" numCol="1" spcCol="38100" rtlCol="0" anchor="ctr">
+            <a:spAutoFit/>
+          </a:bodyPr>
+          <a:lstStyle/>
+          <a:p>
+            <a:pPr marL="0" marR="0" indent="0" defTabSz="584200" rtl="0" fontAlgn="auto" latinLnBrk="1" hangingPunct="0">
+              <a:lnSpc>
+                <a:spcPct val="100000"/>
+              </a:lnSpc>
+              <a:spcBef>
+                <a:spcPts val="0"/>
+              </a:spcBef>
+              <a:spcAft>
+                <a:spcPts val="0"/>
+              </a:spcAft>
+              <a:buClrTx/>
+              <a:buSzTx/>
+              <a:buFontTx/>
+              <a:buNone/>
+              <a:tabLst/>
+            </a:pPr>
+            <a:r>
+              <a:rPr lang="en-US" sz="1200" b="1">
+                <a:solidFill>
+                  <a:srgbClr val="000000"/>
+                </a:solidFill>
+                <a:latin typeface="Arial"/>
+                <a:cs typeface="Arial"/>
+              </a:rPr>
+              <a:t>Web-API</a:t>
+            </a:r>
+            <a:endParaRPr kumimoji="0" lang="en-US" sz="1200" b="1" i="0" u="none" strike="noStrike" cap="none" spc="0" normalizeH="0" baseline="0">
+              <a:ln>
+                <a:noFill/>
+              </a:ln>
+              <a:solidFill>
+                <a:srgbClr val="000000"/>
+              </a:solidFill>
+              <a:effectLst/>
+              <a:uFillTx/>
+              <a:latin typeface="Arial"/>
+              <a:ea typeface="+mn-ea"/>
+              <a:cs typeface="Arial"/>
+              <a:sym typeface="Helvetica Light"/>
+            </a:endParaRPr>
+          </a:p>
+          <a:p>
+            <a:pPr marL="0" marR="0" indent="0" defTabSz="584200" rtl="0" fontAlgn="auto" latinLnBrk="1" hangingPunct="0">
+              <a:lnSpc>
+                <a:spcPct val="100000"/>
+              </a:lnSpc>
+              <a:spcBef>
+                <a:spcPts val="0"/>
+              </a:spcBef>
+              <a:spcAft>
+                <a:spcPts val="0"/>
+              </a:spcAft>
+              <a:buClrTx/>
+              <a:buSzTx/>
+              <a:buFontTx/>
+              <a:buNone/>
+              <a:tabLst/>
+            </a:pPr>
+            <a:r>
+              <a:rPr lang="en-US" sz="1200" b="1">
+                <a:solidFill>
+                  <a:srgbClr val="000000"/>
+                </a:solidFill>
+                <a:latin typeface="Arial"/>
+                <a:cs typeface="Arial"/>
+              </a:rPr>
+              <a:t>v1</a:t>
+            </a:r>
+            <a:endParaRPr kumimoji="0" lang="en-US" sz="1200" b="1" i="0" u="none" strike="noStrike" cap="none" spc="0" normalizeH="0" baseline="0">
+              <a:ln>
+                <a:noFill/>
+              </a:ln>
+              <a:solidFill>
+                <a:srgbClr val="000000"/>
+              </a:solidFill>
+              <a:effectLst/>
+              <a:uFillTx/>
+              <a:latin typeface="Arial"/>
+              <a:ea typeface="+mn-ea"/>
+              <a:cs typeface="Arial"/>
+              <a:sym typeface="Helvetica Light"/>
+            </a:endParaRPr>
+          </a:p>
+        </p:txBody>
+      </p:sp>
+      <p:grpSp>
+        <p:nvGrpSpPr>
+          <p:cNvPr id="9" name="Group 8"/>
+          <p:cNvGrpSpPr/>
+          <p:nvPr/>
+        </p:nvGrpSpPr>
+        <p:grpSpPr>
+          <a:xfrm>
+            <a:off x="7772415" y="3335049"/>
+            <a:ext cx="707233" cy="707233"/>
+            <a:chOff x="394759" y="4656919"/>
+            <a:chExt cx="707233" cy="707233"/>
+          </a:xfrm>
+        </p:grpSpPr>
+        <p:sp>
+          <p:nvSpPr>
+            <p:cNvPr id="72" name="Shape 272"/>
+            <p:cNvSpPr/>
+            <p:nvPr/>
+          </p:nvSpPr>
+          <p:spPr>
+            <a:xfrm>
+              <a:off x="394759" y="4656919"/>
+              <a:ext cx="707233" cy="707233"/>
+            </a:xfrm>
+            <a:custGeom>
+              <a:avLst/>
+              <a:gdLst/>
+              <a:ahLst/>
+              <a:cxnLst>
+                <a:cxn ang="0">
+                  <a:pos x="wd2" y="hd2"/>
+                </a:cxn>
+                <a:cxn ang="5400000">
+                  <a:pos x="wd2" y="hd2"/>
+                </a:cxn>
+                <a:cxn ang="10800000">
+                  <a:pos x="wd2" y="hd2"/>
+                </a:cxn>
+                <a:cxn ang="16200000">
+                  <a:pos x="wd2" y="hd2"/>
+                </a:cxn>
+              </a:cxnLst>
+              <a:rect l="0" t="0" r="r" b="b"/>
+              <a:pathLst>
+                <a:path w="19679" h="19679" extrusionOk="0">
+                  <a:moveTo>
+                    <a:pt x="16796" y="2882"/>
+                  </a:moveTo>
+                  <a:cubicBezTo>
+                    <a:pt x="20639" y="6724"/>
+                    <a:pt x="20639" y="12954"/>
+                    <a:pt x="16796" y="16796"/>
+                  </a:cubicBezTo>
+                  <a:cubicBezTo>
+                    <a:pt x="12954" y="20639"/>
+                    <a:pt x="6724" y="20639"/>
+                    <a:pt x="2882" y="16796"/>
+                  </a:cubicBezTo>
+                  <a:cubicBezTo>
+                    <a:pt x="-961" y="12954"/>
+                    <a:pt x="-961" y="6724"/>
+                    <a:pt x="2882" y="2882"/>
+                  </a:cubicBezTo>
+                  <a:cubicBezTo>
+                    <a:pt x="6724" y="-961"/>
+                    <a:pt x="12954" y="-961"/>
+                    <a:pt x="16796" y="2882"/>
+                  </a:cubicBezTo>
+                  <a:close/>
+                </a:path>
+              </a:pathLst>
+            </a:custGeom>
+            <a:solidFill>
+              <a:srgbClr val="8DC53F"/>
+            </a:solidFill>
+            <a:ln w="3175" cap="flat">
+              <a:noFill/>
+              <a:miter lim="400000"/>
+            </a:ln>
+            <a:effectLst/>
+          </p:spPr>
+          <p:txBody>
+            <a:bodyPr wrap="square" lIns="0" tIns="0" rIns="0" bIns="0" numCol="1" anchor="ctr">
+              <a:noAutofit/>
+            </a:bodyPr>
+            <a:lstStyle/>
+            <a:p>
+              <a:pPr lvl="0">
+                <a:defRPr sz="1800">
+                  <a:solidFill>
+                    <a:srgbClr val="FFFFFF"/>
+                  </a:solidFill>
+                </a:defRPr>
+              </a:pPr>
+              <a:endParaRPr/>
+            </a:p>
+          </p:txBody>
+        </p:sp>
+        <p:pic>
+          <p:nvPicPr>
+            <p:cNvPr id="74" name="_-13.png"/>
+            <p:cNvPicPr/>
+            <p:nvPr/>
+          </p:nvPicPr>
+          <p:blipFill>
+            <a:blip r:embed="rId4"/>
+            <a:srcRect l="19624" t="23468" r="19624" b="23468"/>
+            <a:stretch>
+              <a:fillRect/>
+            </a:stretch>
+          </p:blipFill>
+          <p:spPr>
+            <a:xfrm>
+              <a:off x="535947" y="4822892"/>
+              <a:ext cx="429660" cy="375287"/>
+            </a:xfrm>
+            <a:prstGeom prst="rect">
+              <a:avLst/>
+            </a:prstGeom>
+            <a:ln w="3175" cap="flat">
+              <a:noFill/>
+              <a:miter lim="400000"/>
+            </a:ln>
+            <a:effectLst/>
+          </p:spPr>
+        </p:pic>
+      </p:grpSp>
+      <p:pic>
+        <p:nvPicPr>
+          <p:cNvPr id="78" name="Picture 77"/>
+          <p:cNvPicPr>
+            <a:picLocks noChangeAspect="1"/>
+          </p:cNvPicPr>
+          <p:nvPr/>
+        </p:nvPicPr>
+        <p:blipFill>
+          <a:blip r:embed="rId5"/>
+          <a:stretch>
+            <a:fillRect/>
+          </a:stretch>
+        </p:blipFill>
+        <p:spPr>
+          <a:xfrm>
             <a:off x="4493184" y="1348557"/>
             <a:ext cx="831816" cy="524254"/>
           </a:xfrm>
@@ -26785,7 +30345,7 @@
 </p:sld>
 </file>
 
-<file path=ppt/slides/slide5.xml><?xml version="1.0" encoding="utf-8"?>
+<file path=ppt/slides/slide6.xml><?xml version="1.0" encoding="utf-8"?>
 <p:sld xmlns:a="http://schemas.openxmlformats.org/drawingml/2006/main" xmlns:r="http://schemas.openxmlformats.org/officeDocument/2006/relationships" xmlns:p="http://schemas.openxmlformats.org/presentationml/2006/main">
   <p:cSld>
     <p:spTree>
@@ -29659,7 +33219,7 @@
 </p:sld>
 </file>
 
-<file path=ppt/slides/slide6.xml><?xml version="1.0" encoding="utf-8"?>
+<file path=ppt/slides/slide7.xml><?xml version="1.0" encoding="utf-8"?>
 <p:sld xmlns:a="http://schemas.openxmlformats.org/drawingml/2006/main" xmlns:r="http://schemas.openxmlformats.org/officeDocument/2006/relationships" xmlns:p="http://schemas.openxmlformats.org/presentationml/2006/main">
   <p:cSld>
     <p:spTree>
@@ -32533,7 +36093,7 @@
 </p:sld>
 </file>
 
-<file path=ppt/slides/slide7.xml><?xml version="1.0" encoding="utf-8"?>
+<file path=ppt/slides/slide8.xml><?xml version="1.0" encoding="utf-8"?>
 <p:sld xmlns:a="http://schemas.openxmlformats.org/drawingml/2006/main" xmlns:r="http://schemas.openxmlformats.org/officeDocument/2006/relationships" xmlns:p="http://schemas.openxmlformats.org/presentationml/2006/main">
   <p:cSld>
     <p:spTree>
@@ -34392,7 +37952,7 @@
 </p:sld>
 </file>
 
-<file path=ppt/slides/slide8.xml><?xml version="1.0" encoding="utf-8"?>
+<file path=ppt/slides/slide9.xml><?xml version="1.0" encoding="utf-8"?>
 <p:sld xmlns:a="http://schemas.openxmlformats.org/drawingml/2006/main" xmlns:r="http://schemas.openxmlformats.org/officeDocument/2006/relationships" xmlns:p="http://schemas.openxmlformats.org/presentationml/2006/main">
   <p:cSld>
     <p:spTree>
@@ -35908,1912 +39468,6 @@
     <p:extLst>
       <p:ext uri="{BB962C8B-B14F-4D97-AF65-F5344CB8AC3E}">
         <p14:creationId xmlns:p14="http://schemas.microsoft.com/office/powerpoint/2010/main" val="3500178729"/>
-      </p:ext>
-    </p:extLst>
-  </p:cSld>
-  <p:clrMapOvr>
-    <a:masterClrMapping/>
-  </p:clrMapOvr>
-  <p:transition spd="med"/>
-</p:sld>
-</file>
-
-<file path=ppt/slides/slide9.xml><?xml version="1.0" encoding="utf-8"?>
-<p:sld xmlns:a="http://schemas.openxmlformats.org/drawingml/2006/main" xmlns:r="http://schemas.openxmlformats.org/officeDocument/2006/relationships" xmlns:p="http://schemas.openxmlformats.org/presentationml/2006/main">
-  <p:cSld>
-    <p:spTree>
-      <p:nvGrpSpPr>
-        <p:cNvPr id="1" name=""/>
-        <p:cNvGrpSpPr/>
-        <p:nvPr/>
-      </p:nvGrpSpPr>
-      <p:grpSpPr>
-        <a:xfrm>
-          <a:off x="0" y="0"/>
-          <a:ext cx="0" cy="0"/>
-          <a:chOff x="0" y="0"/>
-          <a:chExt cx="0" cy="0"/>
-        </a:xfrm>
-      </p:grpSpPr>
-      <p:cxnSp>
-        <p:nvCxnSpPr>
-          <p:cNvPr id="176" name="Straight Arrow Connector 62"/>
-          <p:cNvCxnSpPr>
-            <a:cxnSpLocks/>
-            <a:endCxn id="216" idx="3"/>
-          </p:cNvCxnSpPr>
-          <p:nvPr/>
-        </p:nvCxnSpPr>
-        <p:spPr>
-          <a:xfrm flipH="1" flipV="1">
-            <a:off x="4150946" y="2135550"/>
-            <a:ext cx="1771451" cy="24863"/>
-          </a:xfrm>
-          <a:prstGeom prst="straightConnector1">
-            <a:avLst/>
-          </a:prstGeom>
-          <a:noFill/>
-          <a:ln w="38100" cap="flat" cmpd="sng">
-            <a:solidFill>
-              <a:schemeClr val="bg1">
-                <a:lumMod val="85000"/>
-              </a:schemeClr>
-            </a:solidFill>
-            <a:prstDash val="solid"/>
-            <a:miter lim="400000"/>
-            <a:headEnd type="none"/>
-            <a:tailEnd type="none"/>
-          </a:ln>
-          <a:effectLst/>
-        </p:spPr>
-        <p:style>
-          <a:lnRef idx="0">
-            <a:scrgbClr r="0" g="0" b="0"/>
-          </a:lnRef>
-          <a:fillRef idx="0">
-            <a:scrgbClr r="0" g="0" b="0"/>
-          </a:fillRef>
-          <a:effectRef idx="0">
-            <a:scrgbClr r="0" g="0" b="0"/>
-          </a:effectRef>
-          <a:fontRef idx="none"/>
-        </p:style>
-      </p:cxnSp>
-      <p:cxnSp>
-        <p:nvCxnSpPr>
-          <p:cNvPr id="40" name="Straight Arrow Connector 62">
-            <a:extLst>
-              <a:ext uri="{FF2B5EF4-FFF2-40B4-BE49-F238E27FC236}">
-                <a16:creationId xmlns:a16="http://schemas.microsoft.com/office/drawing/2014/main" id="{7B023E2D-265B-F240-A125-F9C874733F83}"/>
-              </a:ext>
-            </a:extLst>
-          </p:cNvPr>
-          <p:cNvCxnSpPr>
-            <a:cxnSpLocks/>
-            <a:stCxn id="34" idx="3"/>
-          </p:cNvCxnSpPr>
-          <p:nvPr/>
-        </p:nvCxnSpPr>
-        <p:spPr>
-          <a:xfrm flipV="1">
-            <a:off x="4144630" y="2135550"/>
-            <a:ext cx="1839176" cy="1442422"/>
-          </a:xfrm>
-          <a:prstGeom prst="straightConnector1">
-            <a:avLst/>
-          </a:prstGeom>
-          <a:noFill/>
-          <a:ln w="38100" cap="flat" cmpd="sng">
-            <a:solidFill>
-              <a:schemeClr val="bg1">
-                <a:lumMod val="85000"/>
-              </a:schemeClr>
-            </a:solidFill>
-            <a:prstDash val="solid"/>
-            <a:miter lim="400000"/>
-            <a:headEnd type="none"/>
-            <a:tailEnd type="none"/>
-          </a:ln>
-          <a:effectLst/>
-        </p:spPr>
-        <p:style>
-          <a:lnRef idx="0">
-            <a:scrgbClr r="0" g="0" b="0"/>
-          </a:lnRef>
-          <a:fillRef idx="0">
-            <a:scrgbClr r="0" g="0" b="0"/>
-          </a:fillRef>
-          <a:effectRef idx="0">
-            <a:scrgbClr r="0" g="0" b="0"/>
-          </a:effectRef>
-          <a:fontRef idx="none"/>
-        </p:style>
-      </p:cxnSp>
-      <p:cxnSp>
-        <p:nvCxnSpPr>
-          <p:cNvPr id="189" name="Straight Arrow Connector 62"/>
-          <p:cNvCxnSpPr>
-            <a:cxnSpLocks/>
-            <a:stCxn id="216" idx="3"/>
-          </p:cNvCxnSpPr>
-          <p:nvPr/>
-        </p:nvCxnSpPr>
-        <p:spPr>
-          <a:xfrm>
-            <a:off x="4150946" y="2135550"/>
-            <a:ext cx="1795300" cy="1442421"/>
-          </a:xfrm>
-          <a:prstGeom prst="straightConnector1">
-            <a:avLst/>
-          </a:prstGeom>
-          <a:noFill/>
-          <a:ln w="38100" cap="flat" cmpd="sng">
-            <a:solidFill>
-              <a:schemeClr val="bg1">
-                <a:lumMod val="85000"/>
-              </a:schemeClr>
-            </a:solidFill>
-            <a:prstDash val="solid"/>
-            <a:miter lim="400000"/>
-            <a:headEnd type="none"/>
-            <a:tailEnd type="none"/>
-          </a:ln>
-          <a:effectLst/>
-        </p:spPr>
-        <p:style>
-          <a:lnRef idx="0">
-            <a:scrgbClr r="0" g="0" b="0"/>
-          </a:lnRef>
-          <a:fillRef idx="0">
-            <a:scrgbClr r="0" g="0" b="0"/>
-          </a:fillRef>
-          <a:effectRef idx="0">
-            <a:scrgbClr r="0" g="0" b="0"/>
-          </a:effectRef>
-          <a:fontRef idx="none"/>
-        </p:style>
-      </p:cxnSp>
-      <p:cxnSp>
-        <p:nvCxnSpPr>
-          <p:cNvPr id="45" name="Straight Arrow Connector 62">
-            <a:extLst>
-              <a:ext uri="{FF2B5EF4-FFF2-40B4-BE49-F238E27FC236}">
-                <a16:creationId xmlns:a16="http://schemas.microsoft.com/office/drawing/2014/main" id="{7EF09460-0275-DC45-A79F-7FCF290FE086}"/>
-              </a:ext>
-            </a:extLst>
-          </p:cNvPr>
-          <p:cNvCxnSpPr>
-            <a:cxnSpLocks/>
-            <a:endCxn id="34" idx="1"/>
-          </p:cNvCxnSpPr>
-          <p:nvPr/>
-        </p:nvCxnSpPr>
-        <p:spPr>
-          <a:xfrm flipV="1">
-            <a:off x="1884810" y="3577972"/>
-            <a:ext cx="1363881" cy="14446"/>
-          </a:xfrm>
-          <a:prstGeom prst="straightConnector1">
-            <a:avLst/>
-          </a:prstGeom>
-          <a:noFill/>
-          <a:ln w="38100" cap="flat" cmpd="sng">
-            <a:solidFill>
-              <a:schemeClr val="bg1">
-                <a:lumMod val="85000"/>
-              </a:schemeClr>
-            </a:solidFill>
-            <a:prstDash val="solid"/>
-            <a:miter lim="400000"/>
-            <a:headEnd type="none"/>
-            <a:tailEnd type="none"/>
-          </a:ln>
-          <a:effectLst/>
-        </p:spPr>
-        <p:style>
-          <a:lnRef idx="0">
-            <a:scrgbClr r="0" g="0" b="0"/>
-          </a:lnRef>
-          <a:fillRef idx="0">
-            <a:scrgbClr r="0" g="0" b="0"/>
-          </a:fillRef>
-          <a:effectRef idx="0">
-            <a:scrgbClr r="0" g="0" b="0"/>
-          </a:effectRef>
-          <a:fontRef idx="none"/>
-        </p:style>
-      </p:cxnSp>
-      <p:sp>
-        <p:nvSpPr>
-          <p:cNvPr id="148" name="Shape 62"/>
-          <p:cNvSpPr/>
-          <p:nvPr/>
-        </p:nvSpPr>
-        <p:spPr>
-          <a:xfrm flipV="1">
-            <a:off x="1848138" y="776062"/>
-            <a:ext cx="0" cy="6667098"/>
-          </a:xfrm>
-          <a:prstGeom prst="line">
-            <a:avLst/>
-          </a:prstGeom>
-          <a:ln w="25400">
-            <a:solidFill>
-              <a:schemeClr val="bg1">
-                <a:lumMod val="85000"/>
-              </a:schemeClr>
-            </a:solidFill>
-            <a:miter lim="400000"/>
-          </a:ln>
-        </p:spPr>
-        <p:txBody>
-          <a:bodyPr lIns="0" tIns="0" rIns="0" bIns="0" anchor="ctr"/>
-          <a:lstStyle/>
-          <a:p>
-            <a:pPr lvl="0">
-              <a:defRPr sz="1800"/>
-            </a:pPr>
-            <a:endParaRPr/>
-          </a:p>
-        </p:txBody>
-      </p:sp>
-      <p:sp>
-        <p:nvSpPr>
-          <p:cNvPr id="210" name="Shape 64"/>
-          <p:cNvSpPr/>
-          <p:nvPr/>
-        </p:nvSpPr>
-        <p:spPr>
-          <a:xfrm>
-            <a:off x="1979114" y="781579"/>
-            <a:ext cx="5676030" cy="246221"/>
-          </a:xfrm>
-          <a:prstGeom prst="rect">
-            <a:avLst/>
-          </a:prstGeom>
-          <a:ln w="3175">
-            <a:miter lim="400000"/>
-          </a:ln>
-          <a:extLst>
-            <a:ext uri="{C572A759-6A51-4108-AA02-DFA0A04FC94B}">
-              <ma14:wrappingTextBoxFlag xmlns:ma14="http://schemas.microsoft.com/office/mac/drawingml/2011/main" xmlns="" val="1"/>
-            </a:ext>
-          </a:extLst>
-        </p:spPr>
-        <p:txBody>
-          <a:bodyPr wrap="square" lIns="0" tIns="0" rIns="0" bIns="0">
-            <a:spAutoFit/>
-          </a:bodyPr>
-          <a:lstStyle>
-            <a:lvl1pPr algn="l">
-              <a:defRPr sz="1000" b="1">
-                <a:solidFill>
-                  <a:srgbClr val="4277BB"/>
-                </a:solidFill>
-                <a:latin typeface="Helvetica"/>
-                <a:ea typeface="Helvetica"/>
-                <a:cs typeface="Helvetica"/>
-                <a:sym typeface="Helvetica"/>
-              </a:defRPr>
-            </a:lvl1pPr>
-          </a:lstStyle>
-          <a:p>
-            <a:pPr lvl="0" algn="ctr">
-              <a:defRPr sz="1800" b="0">
-                <a:solidFill>
-                  <a:srgbClr val="000000"/>
-                </a:solidFill>
-              </a:defRPr>
-            </a:pPr>
-            <a:r>
-              <a:rPr lang="de-DE" sz="1600" b="1">
-                <a:solidFill>
-                  <a:srgbClr val="000000"/>
-                </a:solidFill>
-                <a:latin typeface="Arial"/>
-                <a:cs typeface="Arial"/>
-              </a:rPr>
-              <a:t>Kubernetes with Istio</a:t>
-            </a:r>
-            <a:endParaRPr sz="1600">
-              <a:solidFill>
-                <a:srgbClr val="000000"/>
-              </a:solidFill>
-              <a:latin typeface="Arial"/>
-              <a:cs typeface="Arial"/>
-            </a:endParaRPr>
-          </a:p>
-        </p:txBody>
-      </p:sp>
-      <p:pic>
-        <p:nvPicPr>
-          <p:cNvPr id="211" name="Picture 210"/>
-          <p:cNvPicPr>
-            <a:picLocks noChangeAspect="1"/>
-          </p:cNvPicPr>
-          <p:nvPr/>
-        </p:nvPicPr>
-        <p:blipFill>
-          <a:blip r:embed="rId3"/>
-          <a:stretch>
-            <a:fillRect/>
-          </a:stretch>
-        </p:blipFill>
-        <p:spPr>
-          <a:xfrm>
-            <a:off x="275704" y="3280190"/>
-            <a:ext cx="803034" cy="701972"/>
-          </a:xfrm>
-          <a:prstGeom prst="rect">
-            <a:avLst/>
-          </a:prstGeom>
-        </p:spPr>
-      </p:pic>
-      <p:sp>
-        <p:nvSpPr>
-          <p:cNvPr id="212" name="TextBox 211"/>
-          <p:cNvSpPr txBox="1"/>
-          <p:nvPr/>
-        </p:nvSpPr>
-        <p:spPr>
-          <a:xfrm>
-            <a:off x="91289" y="3989911"/>
-            <a:ext cx="1181319" cy="264013"/>
-          </a:xfrm>
-          <a:prstGeom prst="rect">
-            <a:avLst/>
-          </a:prstGeom>
-          <a:noFill/>
-          <a:ln w="3175" cap="flat">
-            <a:noFill/>
-            <a:miter lim="400000"/>
-          </a:ln>
-          <a:effectLst/>
-        </p:spPr>
-        <p:style>
-          <a:lnRef idx="0">
-            <a:scrgbClr r="0" g="0" b="0"/>
-          </a:lnRef>
-          <a:fillRef idx="0">
-            <a:scrgbClr r="0" g="0" b="0"/>
-          </a:fillRef>
-          <a:effectRef idx="0">
-            <a:scrgbClr r="0" g="0" b="0"/>
-          </a:effectRef>
-          <a:fontRef idx="none"/>
-        </p:style>
-        <p:txBody>
-          <a:bodyPr rot="0" spcFirstLastPara="1" vertOverflow="overflow" horzOverflow="overflow" vert="horz" wrap="square" lIns="39290" tIns="39290" rIns="39290" bIns="39290" numCol="1" spcCol="38100" rtlCol="0" anchor="ctr">
-            <a:spAutoFit/>
-          </a:bodyPr>
-          <a:lstStyle/>
-          <a:p>
-            <a:pPr rtl="0" latinLnBrk="1" hangingPunct="0"/>
-            <a:r>
-              <a:rPr lang="en-US" sz="1200">
-                <a:solidFill>
-                  <a:srgbClr val="000000"/>
-                </a:solidFill>
-                <a:latin typeface="Arial"/>
-                <a:cs typeface="Arial"/>
-              </a:rPr>
-              <a:t>Web-App</a:t>
-            </a:r>
-          </a:p>
-        </p:txBody>
-      </p:sp>
-      <p:pic>
-        <p:nvPicPr>
-          <p:cNvPr id="216" name="Picture 215"/>
-          <p:cNvPicPr>
-            <a:picLocks noChangeAspect="1"/>
-          </p:cNvPicPr>
-          <p:nvPr/>
-        </p:nvPicPr>
-        <p:blipFill>
-          <a:blip r:embed="rId4"/>
-          <a:stretch>
-            <a:fillRect/>
-          </a:stretch>
-        </p:blipFill>
-        <p:spPr>
-          <a:xfrm>
-            <a:off x="3255007" y="1705499"/>
-            <a:ext cx="895939" cy="860102"/>
-          </a:xfrm>
-          <a:prstGeom prst="rect">
-            <a:avLst/>
-          </a:prstGeom>
-        </p:spPr>
-      </p:pic>
-      <p:sp>
-        <p:nvSpPr>
-          <p:cNvPr id="57" name="Shape 64"/>
-          <p:cNvSpPr/>
-          <p:nvPr/>
-        </p:nvSpPr>
-        <p:spPr>
-          <a:xfrm>
-            <a:off x="82313" y="788870"/>
-            <a:ext cx="1716821" cy="246221"/>
-          </a:xfrm>
-          <a:prstGeom prst="rect">
-            <a:avLst/>
-          </a:prstGeom>
-          <a:ln w="3175">
-            <a:miter lim="400000"/>
-          </a:ln>
-          <a:extLst>
-            <a:ext uri="{C572A759-6A51-4108-AA02-DFA0A04FC94B}">
-              <ma14:wrappingTextBoxFlag xmlns:ma14="http://schemas.microsoft.com/office/mac/drawingml/2011/main" xmlns="" val="1"/>
-            </a:ext>
-          </a:extLst>
-        </p:spPr>
-        <p:txBody>
-          <a:bodyPr wrap="square" lIns="0" tIns="0" rIns="0" bIns="0">
-            <a:spAutoFit/>
-          </a:bodyPr>
-          <a:lstStyle>
-            <a:lvl1pPr algn="l">
-              <a:defRPr sz="1000" b="1">
-                <a:solidFill>
-                  <a:srgbClr val="4277BB"/>
-                </a:solidFill>
-                <a:latin typeface="Helvetica"/>
-                <a:ea typeface="Helvetica"/>
-                <a:cs typeface="Helvetica"/>
-                <a:sym typeface="Helvetica"/>
-              </a:defRPr>
-            </a:lvl1pPr>
-          </a:lstStyle>
-          <a:p>
-            <a:pPr lvl="0" algn="ctr">
-              <a:defRPr sz="1800" b="0">
-                <a:solidFill>
-                  <a:srgbClr val="000000"/>
-                </a:solidFill>
-              </a:defRPr>
-            </a:pPr>
-            <a:r>
-              <a:rPr lang="de-DE" sz="1600" b="1">
-                <a:solidFill>
-                  <a:srgbClr val="000000"/>
-                </a:solidFill>
-                <a:latin typeface="Arial"/>
-                <a:cs typeface="Arial"/>
-              </a:rPr>
-              <a:t>Browser</a:t>
-            </a:r>
-            <a:endParaRPr sz="1600">
-              <a:solidFill>
-                <a:srgbClr val="000000"/>
-              </a:solidFill>
-              <a:latin typeface="Arial"/>
-              <a:cs typeface="Arial"/>
-            </a:endParaRPr>
-          </a:p>
-        </p:txBody>
-      </p:sp>
-      <p:sp>
-        <p:nvSpPr>
-          <p:cNvPr id="64" name="TextBox 63"/>
-          <p:cNvSpPr txBox="1"/>
-          <p:nvPr/>
-        </p:nvSpPr>
-        <p:spPr>
-          <a:xfrm>
-            <a:off x="2961332" y="2494251"/>
-            <a:ext cx="1506878" cy="448679"/>
-          </a:xfrm>
-          <a:prstGeom prst="rect">
-            <a:avLst/>
-          </a:prstGeom>
-          <a:noFill/>
-          <a:ln w="3175" cap="flat">
-            <a:noFill/>
-            <a:miter lim="400000"/>
-          </a:ln>
-          <a:effectLst/>
-        </p:spPr>
-        <p:style>
-          <a:lnRef idx="0">
-            <a:scrgbClr r="0" g="0" b="0"/>
-          </a:lnRef>
-          <a:fillRef idx="0">
-            <a:scrgbClr r="0" g="0" b="0"/>
-          </a:fillRef>
-          <a:effectRef idx="0">
-            <a:scrgbClr r="0" g="0" b="0"/>
-          </a:effectRef>
-          <a:fontRef idx="none"/>
-        </p:style>
-        <p:txBody>
-          <a:bodyPr rot="0" spcFirstLastPara="1" vertOverflow="overflow" horzOverflow="overflow" vert="horz" wrap="square" lIns="39290" tIns="39290" rIns="39290" bIns="39290" numCol="1" spcCol="38100" rtlCol="0" anchor="ctr">
-            <a:spAutoFit/>
-          </a:bodyPr>
-          <a:lstStyle/>
-          <a:p>
-            <a:pPr marL="0" marR="0" indent="0" defTabSz="584200" rtl="0" fontAlgn="auto" latinLnBrk="1" hangingPunct="0">
-              <a:lnSpc>
-                <a:spcPct val="100000"/>
-              </a:lnSpc>
-              <a:spcBef>
-                <a:spcPts val="0"/>
-              </a:spcBef>
-              <a:spcAft>
-                <a:spcPts val="0"/>
-              </a:spcAft>
-              <a:buClrTx/>
-              <a:buSzTx/>
-              <a:buFontTx/>
-              <a:buNone/>
-              <a:tabLst/>
-            </a:pPr>
-            <a:r>
-              <a:rPr lang="en-US" sz="1200">
-                <a:solidFill>
-                  <a:srgbClr val="000000"/>
-                </a:solidFill>
-                <a:latin typeface="Arial"/>
-                <a:cs typeface="Arial"/>
-              </a:rPr>
-              <a:t>Web-API</a:t>
-            </a:r>
-            <a:endParaRPr kumimoji="0" lang="en-US" sz="1200" b="0" i="0" u="none" strike="noStrike" cap="none" spc="0" normalizeH="0" baseline="0">
-              <a:ln>
-                <a:noFill/>
-              </a:ln>
-              <a:solidFill>
-                <a:srgbClr val="000000"/>
-              </a:solidFill>
-              <a:effectLst/>
-              <a:uFillTx/>
-              <a:latin typeface="Arial"/>
-              <a:ea typeface="+mn-ea"/>
-              <a:cs typeface="Arial"/>
-              <a:sym typeface="Helvetica Light"/>
-            </a:endParaRPr>
-          </a:p>
-          <a:p>
-            <a:pPr marL="0" marR="0" indent="0" defTabSz="584200" rtl="0" fontAlgn="auto" latinLnBrk="1" hangingPunct="0">
-              <a:lnSpc>
-                <a:spcPct val="100000"/>
-              </a:lnSpc>
-              <a:spcBef>
-                <a:spcPts val="0"/>
-              </a:spcBef>
-              <a:spcAft>
-                <a:spcPts val="0"/>
-              </a:spcAft>
-              <a:buClrTx/>
-              <a:buSzTx/>
-              <a:buFontTx/>
-              <a:buNone/>
-              <a:tabLst/>
-            </a:pPr>
-            <a:r>
-              <a:rPr lang="en-US" sz="1200">
-                <a:solidFill>
-                  <a:srgbClr val="000000"/>
-                </a:solidFill>
-                <a:latin typeface="Arial"/>
-                <a:cs typeface="Arial"/>
-              </a:rPr>
-              <a:t>v1</a:t>
-            </a:r>
-            <a:endParaRPr kumimoji="0" lang="en-US" sz="1200" b="0" i="0" u="none" strike="noStrike" cap="none" spc="0" normalizeH="0" baseline="0">
-              <a:ln>
-                <a:noFill/>
-              </a:ln>
-              <a:solidFill>
-                <a:srgbClr val="000000"/>
-              </a:solidFill>
-              <a:effectLst/>
-              <a:uFillTx/>
-              <a:latin typeface="Arial"/>
-              <a:ea typeface="+mn-ea"/>
-              <a:cs typeface="Arial"/>
-              <a:sym typeface="Helvetica Light"/>
-            </a:endParaRPr>
-          </a:p>
-        </p:txBody>
-      </p:sp>
-      <p:grpSp>
-        <p:nvGrpSpPr>
-          <p:cNvPr id="9" name="Group 8"/>
-          <p:cNvGrpSpPr/>
-          <p:nvPr/>
-        </p:nvGrpSpPr>
-        <p:grpSpPr>
-          <a:xfrm>
-            <a:off x="5597870" y="3165843"/>
-            <a:ext cx="707233" cy="707233"/>
-            <a:chOff x="394759" y="4656919"/>
-            <a:chExt cx="707233" cy="707233"/>
-          </a:xfrm>
-        </p:grpSpPr>
-        <p:sp>
-          <p:nvSpPr>
-            <p:cNvPr id="72" name="Shape 272"/>
-            <p:cNvSpPr/>
-            <p:nvPr/>
-          </p:nvSpPr>
-          <p:spPr>
-            <a:xfrm>
-              <a:off x="394759" y="4656919"/>
-              <a:ext cx="707233" cy="707233"/>
-            </a:xfrm>
-            <a:custGeom>
-              <a:avLst/>
-              <a:gdLst/>
-              <a:ahLst/>
-              <a:cxnLst>
-                <a:cxn ang="0">
-                  <a:pos x="wd2" y="hd2"/>
-                </a:cxn>
-                <a:cxn ang="5400000">
-                  <a:pos x="wd2" y="hd2"/>
-                </a:cxn>
-                <a:cxn ang="10800000">
-                  <a:pos x="wd2" y="hd2"/>
-                </a:cxn>
-                <a:cxn ang="16200000">
-                  <a:pos x="wd2" y="hd2"/>
-                </a:cxn>
-              </a:cxnLst>
-              <a:rect l="0" t="0" r="r" b="b"/>
-              <a:pathLst>
-                <a:path w="19679" h="19679" extrusionOk="0">
-                  <a:moveTo>
-                    <a:pt x="16796" y="2882"/>
-                  </a:moveTo>
-                  <a:cubicBezTo>
-                    <a:pt x="20639" y="6724"/>
-                    <a:pt x="20639" y="12954"/>
-                    <a:pt x="16796" y="16796"/>
-                  </a:cubicBezTo>
-                  <a:cubicBezTo>
-                    <a:pt x="12954" y="20639"/>
-                    <a:pt x="6724" y="20639"/>
-                    <a:pt x="2882" y="16796"/>
-                  </a:cubicBezTo>
-                  <a:cubicBezTo>
-                    <a:pt x="-961" y="12954"/>
-                    <a:pt x="-961" y="6724"/>
-                    <a:pt x="2882" y="2882"/>
-                  </a:cubicBezTo>
-                  <a:cubicBezTo>
-                    <a:pt x="6724" y="-961"/>
-                    <a:pt x="12954" y="-961"/>
-                    <a:pt x="16796" y="2882"/>
-                  </a:cubicBezTo>
-                  <a:close/>
-                </a:path>
-              </a:pathLst>
-            </a:custGeom>
-            <a:solidFill>
-              <a:srgbClr val="8DC53F"/>
-            </a:solidFill>
-            <a:ln w="3175" cap="flat">
-              <a:noFill/>
-              <a:miter lim="400000"/>
-            </a:ln>
-            <a:effectLst/>
-          </p:spPr>
-          <p:txBody>
-            <a:bodyPr wrap="square" lIns="0" tIns="0" rIns="0" bIns="0" numCol="1" anchor="ctr">
-              <a:noAutofit/>
-            </a:bodyPr>
-            <a:lstStyle/>
-            <a:p>
-              <a:pPr lvl="0">
-                <a:defRPr sz="1800">
-                  <a:solidFill>
-                    <a:srgbClr val="FFFFFF"/>
-                  </a:solidFill>
-                </a:defRPr>
-              </a:pPr>
-              <a:endParaRPr/>
-            </a:p>
-          </p:txBody>
-        </p:sp>
-        <p:pic>
-          <p:nvPicPr>
-            <p:cNvPr id="74" name="_-13.png"/>
-            <p:cNvPicPr/>
-            <p:nvPr/>
-          </p:nvPicPr>
-          <p:blipFill>
-            <a:blip r:embed="rId5"/>
-            <a:srcRect l="19624" t="23468" r="19624" b="23468"/>
-            <a:stretch>
-              <a:fillRect/>
-            </a:stretch>
-          </p:blipFill>
-          <p:spPr>
-            <a:xfrm>
-              <a:off x="535947" y="4822892"/>
-              <a:ext cx="429660" cy="375287"/>
-            </a:xfrm>
-            <a:prstGeom prst="rect">
-              <a:avLst/>
-            </a:prstGeom>
-            <a:ln w="3175" cap="flat">
-              <a:noFill/>
-              <a:miter lim="400000"/>
-            </a:ln>
-            <a:effectLst/>
-          </p:spPr>
-        </p:pic>
-      </p:grpSp>
-      <p:pic>
-        <p:nvPicPr>
-          <p:cNvPr id="78" name="Picture 77"/>
-          <p:cNvPicPr>
-            <a:picLocks noChangeAspect="1"/>
-          </p:cNvPicPr>
-          <p:nvPr/>
-        </p:nvPicPr>
-        <p:blipFill>
-          <a:blip r:embed="rId6"/>
-          <a:stretch>
-            <a:fillRect/>
-          </a:stretch>
-        </p:blipFill>
-        <p:spPr>
-          <a:xfrm>
-            <a:off x="3084928" y="1407112"/>
-            <a:ext cx="831816" cy="524254"/>
-          </a:xfrm>
-          <a:prstGeom prst="rect">
-            <a:avLst/>
-          </a:prstGeom>
-        </p:spPr>
-      </p:pic>
-      <p:sp>
-        <p:nvSpPr>
-          <p:cNvPr id="80" name="TextBox 79"/>
-          <p:cNvSpPr txBox="1"/>
-          <p:nvPr/>
-        </p:nvSpPr>
-        <p:spPr>
-          <a:xfrm>
-            <a:off x="5207811" y="2470326"/>
-            <a:ext cx="1506878" cy="264013"/>
-          </a:xfrm>
-          <a:prstGeom prst="rect">
-            <a:avLst/>
-          </a:prstGeom>
-          <a:noFill/>
-          <a:ln w="3175" cap="flat">
-            <a:noFill/>
-            <a:miter lim="400000"/>
-          </a:ln>
-          <a:effectLst/>
-        </p:spPr>
-        <p:style>
-          <a:lnRef idx="0">
-            <a:scrgbClr r="0" g="0" b="0"/>
-          </a:lnRef>
-          <a:fillRef idx="0">
-            <a:scrgbClr r="0" g="0" b="0"/>
-          </a:fillRef>
-          <a:effectRef idx="0">
-            <a:scrgbClr r="0" g="0" b="0"/>
-          </a:effectRef>
-          <a:fontRef idx="none"/>
-        </p:style>
-        <p:txBody>
-          <a:bodyPr rot="0" spcFirstLastPara="1" vertOverflow="overflow" horzOverflow="overflow" vert="horz" wrap="square" lIns="39290" tIns="39290" rIns="39290" bIns="39290" numCol="1" spcCol="38100" rtlCol="0" anchor="ctr">
-            <a:spAutoFit/>
-          </a:bodyPr>
-          <a:lstStyle/>
-          <a:p>
-            <a:pPr marL="0" marR="0" indent="0" defTabSz="584200" rtl="0" fontAlgn="auto" latinLnBrk="1" hangingPunct="0">
-              <a:lnSpc>
-                <a:spcPct val="100000"/>
-              </a:lnSpc>
-              <a:spcBef>
-                <a:spcPts val="0"/>
-              </a:spcBef>
-              <a:spcAft>
-                <a:spcPts val="0"/>
-              </a:spcAft>
-              <a:buClrTx/>
-              <a:buSzTx/>
-              <a:buFontTx/>
-              <a:buNone/>
-              <a:tabLst/>
-            </a:pPr>
-            <a:r>
-              <a:rPr kumimoji="0" lang="en-US" sz="1200" b="0" i="0" u="none" strike="noStrike" cap="none" spc="0" normalizeH="0" baseline="0">
-                <a:ln>
-                  <a:noFill/>
-                </a:ln>
-                <a:solidFill>
-                  <a:srgbClr val="000000"/>
-                </a:solidFill>
-                <a:effectLst/>
-                <a:uFillTx/>
-                <a:latin typeface="Arial"/>
-                <a:ea typeface="+mn-ea"/>
-                <a:cs typeface="Arial"/>
-                <a:sym typeface="Helvetica Light"/>
-              </a:rPr>
-              <a:t>Articles</a:t>
-            </a:r>
-          </a:p>
-        </p:txBody>
-      </p:sp>
-      <p:cxnSp>
-        <p:nvCxnSpPr>
-          <p:cNvPr id="92" name="Straight Arrow Connector 62"/>
-          <p:cNvCxnSpPr>
-            <a:cxnSpLocks/>
-            <a:endCxn id="216" idx="1"/>
-          </p:cNvCxnSpPr>
-          <p:nvPr/>
-        </p:nvCxnSpPr>
-        <p:spPr>
-          <a:xfrm flipV="1">
-            <a:off x="2142836" y="2135550"/>
-            <a:ext cx="1112171" cy="1215070"/>
-          </a:xfrm>
-          <a:prstGeom prst="straightConnector1">
-            <a:avLst/>
-          </a:prstGeom>
-          <a:noFill/>
-          <a:ln w="38100" cap="flat" cmpd="sng">
-            <a:solidFill>
-              <a:schemeClr val="bg1">
-                <a:lumMod val="85000"/>
-              </a:schemeClr>
-            </a:solidFill>
-            <a:prstDash val="solid"/>
-            <a:miter lim="400000"/>
-            <a:headEnd type="none"/>
-            <a:tailEnd type="none"/>
-          </a:ln>
-          <a:effectLst/>
-        </p:spPr>
-        <p:style>
-          <a:lnRef idx="0">
-            <a:scrgbClr r="0" g="0" b="0"/>
-          </a:lnRef>
-          <a:fillRef idx="0">
-            <a:scrgbClr r="0" g="0" b="0"/>
-          </a:fillRef>
-          <a:effectRef idx="0">
-            <a:scrgbClr r="0" g="0" b="0"/>
-          </a:effectRef>
-          <a:fontRef idx="none"/>
-        </p:style>
-      </p:cxnSp>
-      <p:sp>
-        <p:nvSpPr>
-          <p:cNvPr id="106" name="TextBox 105"/>
-          <p:cNvSpPr txBox="1"/>
-          <p:nvPr/>
-        </p:nvSpPr>
-        <p:spPr>
-          <a:xfrm>
-            <a:off x="5188085" y="3859630"/>
-            <a:ext cx="1506878" cy="264013"/>
-          </a:xfrm>
-          <a:prstGeom prst="rect">
-            <a:avLst/>
-          </a:prstGeom>
-          <a:noFill/>
-          <a:ln w="3175" cap="flat">
-            <a:noFill/>
-            <a:miter lim="400000"/>
-          </a:ln>
-          <a:effectLst/>
-        </p:spPr>
-        <p:style>
-          <a:lnRef idx="0">
-            <a:scrgbClr r="0" g="0" b="0"/>
-          </a:lnRef>
-          <a:fillRef idx="0">
-            <a:scrgbClr r="0" g="0" b="0"/>
-          </a:fillRef>
-          <a:effectRef idx="0">
-            <a:scrgbClr r="0" g="0" b="0"/>
-          </a:effectRef>
-          <a:fontRef idx="none"/>
-        </p:style>
-        <p:txBody>
-          <a:bodyPr rot="0" spcFirstLastPara="1" vertOverflow="overflow" horzOverflow="overflow" vert="horz" wrap="square" lIns="39290" tIns="39290" rIns="39290" bIns="39290" numCol="1" spcCol="38100" rtlCol="0" anchor="ctr">
-            <a:spAutoFit/>
-          </a:bodyPr>
-          <a:lstStyle/>
-          <a:p>
-            <a:pPr marL="0" marR="0" indent="0" defTabSz="584200" rtl="0" fontAlgn="auto" latinLnBrk="1" hangingPunct="0">
-              <a:lnSpc>
-                <a:spcPct val="100000"/>
-              </a:lnSpc>
-              <a:spcBef>
-                <a:spcPts val="0"/>
-              </a:spcBef>
-              <a:spcAft>
-                <a:spcPts val="0"/>
-              </a:spcAft>
-              <a:buClrTx/>
-              <a:buSzTx/>
-              <a:buFontTx/>
-              <a:buNone/>
-              <a:tabLst/>
-            </a:pPr>
-            <a:r>
-              <a:rPr lang="en-US" sz="1200">
-                <a:solidFill>
-                  <a:srgbClr val="000000"/>
-                </a:solidFill>
-                <a:latin typeface="Arial"/>
-                <a:cs typeface="Arial"/>
-              </a:rPr>
-              <a:t>A</a:t>
-            </a:r>
-            <a:r>
-              <a:rPr kumimoji="0" lang="en-US" sz="1200" b="0" i="0" u="none" strike="noStrike" cap="none" spc="0" normalizeH="0" baseline="0">
-                <a:ln>
-                  <a:noFill/>
-                </a:ln>
-                <a:solidFill>
-                  <a:srgbClr val="000000"/>
-                </a:solidFill>
-                <a:effectLst/>
-                <a:uFillTx/>
-                <a:latin typeface="Arial"/>
-                <a:ea typeface="+mn-ea"/>
-                <a:cs typeface="Arial"/>
-                <a:sym typeface="Helvetica Light"/>
-              </a:rPr>
-              <a:t>uthors</a:t>
-            </a:r>
-          </a:p>
-        </p:txBody>
-      </p:sp>
-      <p:pic>
-        <p:nvPicPr>
-          <p:cNvPr id="107" name="Picture 106"/>
-          <p:cNvPicPr>
-            <a:picLocks noChangeAspect="1"/>
-          </p:cNvPicPr>
-          <p:nvPr/>
-        </p:nvPicPr>
-        <p:blipFill>
-          <a:blip r:embed="rId7"/>
-          <a:stretch>
-            <a:fillRect/>
-          </a:stretch>
-        </p:blipFill>
-        <p:spPr>
-          <a:xfrm>
-            <a:off x="5227279" y="2872394"/>
-            <a:ext cx="695118" cy="425181"/>
-          </a:xfrm>
-          <a:prstGeom prst="rect">
-            <a:avLst/>
-          </a:prstGeom>
-        </p:spPr>
-      </p:pic>
-      <p:sp>
-        <p:nvSpPr>
-          <p:cNvPr id="117" name="TextBox 116"/>
-          <p:cNvSpPr txBox="1"/>
-          <p:nvPr/>
-        </p:nvSpPr>
-        <p:spPr>
-          <a:xfrm>
-            <a:off x="2996444" y="5679606"/>
-            <a:ext cx="1365428" cy="264013"/>
-          </a:xfrm>
-          <a:prstGeom prst="rect">
-            <a:avLst/>
-          </a:prstGeom>
-          <a:noFill/>
-          <a:ln w="3175" cap="flat">
-            <a:noFill/>
-            <a:miter lim="400000"/>
-          </a:ln>
-          <a:effectLst/>
-        </p:spPr>
-        <p:style>
-          <a:lnRef idx="0">
-            <a:scrgbClr r="0" g="0" b="0"/>
-          </a:lnRef>
-          <a:fillRef idx="0">
-            <a:scrgbClr r="0" g="0" b="0"/>
-          </a:fillRef>
-          <a:effectRef idx="0">
-            <a:scrgbClr r="0" g="0" b="0"/>
-          </a:effectRef>
-          <a:fontRef idx="none"/>
-        </p:style>
-        <p:txBody>
-          <a:bodyPr rot="0" spcFirstLastPara="1" vertOverflow="overflow" horzOverflow="overflow" vert="horz" wrap="square" lIns="39290" tIns="39290" rIns="39290" bIns="39290" numCol="1" spcCol="38100" rtlCol="0" anchor="ctr">
-            <a:spAutoFit/>
-          </a:bodyPr>
-          <a:lstStyle/>
-          <a:p>
-            <a:pPr rtl="0" latinLnBrk="1" hangingPunct="0"/>
-            <a:r>
-              <a:rPr lang="en-US" sz="1200">
-                <a:solidFill>
-                  <a:srgbClr val="000000"/>
-                </a:solidFill>
-                <a:latin typeface="Arial"/>
-                <a:cs typeface="Arial"/>
-              </a:rPr>
-              <a:t>Web-App</a:t>
-            </a:r>
-          </a:p>
-        </p:txBody>
-      </p:sp>
-      <p:cxnSp>
-        <p:nvCxnSpPr>
-          <p:cNvPr id="118" name="Straight Arrow Connector 62"/>
-          <p:cNvCxnSpPr>
-            <a:cxnSpLocks/>
-          </p:cNvCxnSpPr>
-          <p:nvPr/>
-        </p:nvCxnSpPr>
-        <p:spPr>
-          <a:xfrm>
-            <a:off x="2102902" y="3967369"/>
-            <a:ext cx="1249890" cy="1279001"/>
-          </a:xfrm>
-          <a:prstGeom prst="straightConnector1">
-            <a:avLst/>
-          </a:prstGeom>
-          <a:noFill/>
-          <a:ln w="38100" cap="flat" cmpd="sng">
-            <a:solidFill>
-              <a:schemeClr val="bg1">
-                <a:lumMod val="85000"/>
-              </a:schemeClr>
-            </a:solidFill>
-            <a:prstDash val="solid"/>
-            <a:miter lim="400000"/>
-            <a:headEnd type="none"/>
-            <a:tailEnd type="none"/>
-          </a:ln>
-          <a:effectLst/>
-        </p:spPr>
-        <p:style>
-          <a:lnRef idx="0">
-            <a:scrgbClr r="0" g="0" b="0"/>
-          </a:lnRef>
-          <a:fillRef idx="0">
-            <a:scrgbClr r="0" g="0" b="0"/>
-          </a:fillRef>
-          <a:effectRef idx="0">
-            <a:scrgbClr r="0" g="0" b="0"/>
-          </a:effectRef>
-          <a:fontRef idx="none"/>
-        </p:style>
-      </p:cxnSp>
-      <p:pic>
-        <p:nvPicPr>
-          <p:cNvPr id="232" name="Picture 231"/>
-          <p:cNvPicPr>
-            <a:picLocks noChangeAspect="1"/>
-          </p:cNvPicPr>
-          <p:nvPr/>
-        </p:nvPicPr>
-        <p:blipFill>
-          <a:blip r:embed="rId8"/>
-          <a:stretch>
-            <a:fillRect/>
-          </a:stretch>
-        </p:blipFill>
-        <p:spPr>
-          <a:xfrm>
-            <a:off x="3193422" y="4710185"/>
-            <a:ext cx="307414" cy="348208"/>
-          </a:xfrm>
-          <a:prstGeom prst="rect">
-            <a:avLst/>
-          </a:prstGeom>
-        </p:spPr>
-      </p:pic>
-      <p:grpSp>
-        <p:nvGrpSpPr>
-          <p:cNvPr id="22" name="Group 21"/>
-          <p:cNvGrpSpPr/>
-          <p:nvPr/>
-        </p:nvGrpSpPr>
-        <p:grpSpPr>
-          <a:xfrm>
-            <a:off x="3347757" y="4959873"/>
-            <a:ext cx="707235" cy="707233"/>
-            <a:chOff x="555452" y="2050875"/>
-            <a:chExt cx="707235" cy="707233"/>
-          </a:xfrm>
-        </p:grpSpPr>
-        <p:sp>
-          <p:nvSpPr>
-            <p:cNvPr id="110" name="Shape 339"/>
-            <p:cNvSpPr/>
-            <p:nvPr/>
-          </p:nvSpPr>
-          <p:spPr>
-            <a:xfrm>
-              <a:off x="555452" y="2050875"/>
-              <a:ext cx="707235" cy="707233"/>
-            </a:xfrm>
-            <a:custGeom>
-              <a:avLst/>
-              <a:gdLst/>
-              <a:ahLst/>
-              <a:cxnLst>
-                <a:cxn ang="0">
-                  <a:pos x="wd2" y="hd2"/>
-                </a:cxn>
-                <a:cxn ang="5400000">
-                  <a:pos x="wd2" y="hd2"/>
-                </a:cxn>
-                <a:cxn ang="10800000">
-                  <a:pos x="wd2" y="hd2"/>
-                </a:cxn>
-                <a:cxn ang="16200000">
-                  <a:pos x="wd2" y="hd2"/>
-                </a:cxn>
-              </a:cxnLst>
-              <a:rect l="0" t="0" r="r" b="b"/>
-              <a:pathLst>
-                <a:path w="19679" h="19679" extrusionOk="0">
-                  <a:moveTo>
-                    <a:pt x="16796" y="2882"/>
-                  </a:moveTo>
-                  <a:cubicBezTo>
-                    <a:pt x="20639" y="6724"/>
-                    <a:pt x="20639" y="12954"/>
-                    <a:pt x="16796" y="16796"/>
-                  </a:cubicBezTo>
-                  <a:cubicBezTo>
-                    <a:pt x="12954" y="20639"/>
-                    <a:pt x="6724" y="20639"/>
-                    <a:pt x="2882" y="16796"/>
-                  </a:cubicBezTo>
-                  <a:cubicBezTo>
-                    <a:pt x="-961" y="12954"/>
-                    <a:pt x="-961" y="6724"/>
-                    <a:pt x="2882" y="2882"/>
-                  </a:cubicBezTo>
-                  <a:cubicBezTo>
-                    <a:pt x="6724" y="-961"/>
-                    <a:pt x="12954" y="-961"/>
-                    <a:pt x="16796" y="2882"/>
-                  </a:cubicBezTo>
-                  <a:close/>
-                </a:path>
-              </a:pathLst>
-            </a:custGeom>
-            <a:solidFill>
-              <a:srgbClr val="325C80"/>
-            </a:solidFill>
-            <a:ln w="3175" cap="flat">
-              <a:noFill/>
-              <a:miter lim="400000"/>
-            </a:ln>
-            <a:effectLst/>
-          </p:spPr>
-          <p:txBody>
-            <a:bodyPr wrap="square" lIns="0" tIns="0" rIns="0" bIns="0" numCol="1" anchor="ctr">
-              <a:noAutofit/>
-            </a:bodyPr>
-            <a:lstStyle/>
-            <a:p>
-              <a:pPr lvl="0">
-                <a:defRPr sz="1800">
-                  <a:solidFill>
-                    <a:srgbClr val="FFFFFF"/>
-                  </a:solidFill>
-                </a:defRPr>
-              </a:pPr>
-              <a:endParaRPr/>
-            </a:p>
-          </p:txBody>
-        </p:sp>
-        <p:pic>
-          <p:nvPicPr>
-            <p:cNvPr id="111" name="_-41.png"/>
-            <p:cNvPicPr/>
-            <p:nvPr/>
-          </p:nvPicPr>
-          <p:blipFill>
-            <a:blip r:embed="rId9"/>
-            <a:srcRect l="21704" t="15445" r="21704" b="15445"/>
-            <a:stretch>
-              <a:fillRect/>
-            </a:stretch>
-          </p:blipFill>
-          <p:spPr>
-            <a:xfrm>
-              <a:off x="712289" y="2169320"/>
-              <a:ext cx="400239" cy="488767"/>
-            </a:xfrm>
-            <a:prstGeom prst="rect">
-              <a:avLst/>
-            </a:prstGeom>
-            <a:ln w="3175" cap="flat">
-              <a:noFill/>
-              <a:miter lim="400000"/>
-            </a:ln>
-            <a:effectLst/>
-          </p:spPr>
-        </p:pic>
-      </p:grpSp>
-      <p:pic>
-        <p:nvPicPr>
-          <p:cNvPr id="84" name="Picture 83"/>
-          <p:cNvPicPr>
-            <a:picLocks noChangeAspect="1"/>
-          </p:cNvPicPr>
-          <p:nvPr/>
-        </p:nvPicPr>
-        <p:blipFill>
-          <a:blip r:embed="rId6"/>
-          <a:stretch>
-            <a:fillRect/>
-          </a:stretch>
-        </p:blipFill>
-        <p:spPr>
-          <a:xfrm>
-            <a:off x="5229846" y="1407112"/>
-            <a:ext cx="831816" cy="524254"/>
-          </a:xfrm>
-          <a:prstGeom prst="rect">
-            <a:avLst/>
-          </a:prstGeom>
-        </p:spPr>
-      </p:pic>
-      <p:grpSp>
-        <p:nvGrpSpPr>
-          <p:cNvPr id="63" name="Group 62"/>
-          <p:cNvGrpSpPr/>
-          <p:nvPr/>
-        </p:nvGrpSpPr>
-        <p:grpSpPr>
-          <a:xfrm>
-            <a:off x="5597870" y="1773737"/>
-            <a:ext cx="707233" cy="707233"/>
-            <a:chOff x="600270" y="3372960"/>
-            <a:chExt cx="707233" cy="707233"/>
-          </a:xfrm>
-        </p:grpSpPr>
-        <p:sp>
-          <p:nvSpPr>
-            <p:cNvPr id="70" name="Shape 298"/>
-            <p:cNvSpPr/>
-            <p:nvPr/>
-          </p:nvSpPr>
-          <p:spPr>
-            <a:xfrm>
-              <a:off x="600270" y="3372960"/>
-              <a:ext cx="707233" cy="707233"/>
-            </a:xfrm>
-            <a:custGeom>
-              <a:avLst/>
-              <a:gdLst/>
-              <a:ahLst/>
-              <a:cxnLst>
-                <a:cxn ang="0">
-                  <a:pos x="wd2" y="hd2"/>
-                </a:cxn>
-                <a:cxn ang="5400000">
-                  <a:pos x="wd2" y="hd2"/>
-                </a:cxn>
-                <a:cxn ang="10800000">
-                  <a:pos x="wd2" y="hd2"/>
-                </a:cxn>
-                <a:cxn ang="16200000">
-                  <a:pos x="wd2" y="hd2"/>
-                </a:cxn>
-              </a:cxnLst>
-              <a:rect l="0" t="0" r="r" b="b"/>
-              <a:pathLst>
-                <a:path w="19679" h="19679" extrusionOk="0">
-                  <a:moveTo>
-                    <a:pt x="16796" y="2882"/>
-                  </a:moveTo>
-                  <a:cubicBezTo>
-                    <a:pt x="20639" y="6724"/>
-                    <a:pt x="20639" y="12954"/>
-                    <a:pt x="16796" y="16796"/>
-                  </a:cubicBezTo>
-                  <a:cubicBezTo>
-                    <a:pt x="12954" y="20639"/>
-                    <a:pt x="6724" y="20639"/>
-                    <a:pt x="2882" y="16796"/>
-                  </a:cubicBezTo>
-                  <a:cubicBezTo>
-                    <a:pt x="-961" y="12954"/>
-                    <a:pt x="-961" y="6724"/>
-                    <a:pt x="2882" y="2882"/>
-                  </a:cubicBezTo>
-                  <a:cubicBezTo>
-                    <a:pt x="6724" y="-961"/>
-                    <a:pt x="12954" y="-961"/>
-                    <a:pt x="16796" y="2882"/>
-                  </a:cubicBezTo>
-                  <a:close/>
-                </a:path>
-              </a:pathLst>
-            </a:custGeom>
-            <a:solidFill>
-              <a:srgbClr val="8BC831"/>
-            </a:solidFill>
-            <a:ln w="3175" cap="flat">
-              <a:noFill/>
-              <a:miter lim="400000"/>
-            </a:ln>
-            <a:effectLst/>
-          </p:spPr>
-          <p:txBody>
-            <a:bodyPr wrap="square" lIns="0" tIns="0" rIns="0" bIns="0" numCol="1" anchor="ctr">
-              <a:noAutofit/>
-            </a:bodyPr>
-            <a:lstStyle/>
-            <a:p>
-              <a:pPr lvl="0">
-                <a:defRPr sz="1800">
-                  <a:solidFill>
-                    <a:srgbClr val="FFFFFF"/>
-                  </a:solidFill>
-                </a:defRPr>
-              </a:pPr>
-              <a:endParaRPr/>
-            </a:p>
-          </p:txBody>
-        </p:sp>
-        <p:pic>
-          <p:nvPicPr>
-            <p:cNvPr id="76" name="Picture 75"/>
-            <p:cNvPicPr>
-              <a:picLocks noChangeAspect="1"/>
-            </p:cNvPicPr>
-            <p:nvPr/>
-          </p:nvPicPr>
-          <p:blipFill>
-            <a:blip r:embed="rId10">
-              <a:extLst>
-                <a:ext uri="{28A0092B-C50C-407E-A947-70E740481C1C}">
-                  <a14:useLocalDpi xmlns:a14="http://schemas.microsoft.com/office/drawing/2010/main" val="0"/>
-                </a:ext>
-              </a:extLst>
-            </a:blip>
-            <a:stretch>
-              <a:fillRect/>
-            </a:stretch>
-          </p:blipFill>
-          <p:spPr>
-            <a:xfrm>
-              <a:off x="805885" y="3465709"/>
-              <a:ext cx="292608" cy="445008"/>
-            </a:xfrm>
-            <a:prstGeom prst="rect">
-              <a:avLst/>
-            </a:prstGeom>
-          </p:spPr>
-        </p:pic>
-      </p:grpSp>
-      <p:grpSp>
-        <p:nvGrpSpPr>
-          <p:cNvPr id="65" name="Group 64"/>
-          <p:cNvGrpSpPr/>
-          <p:nvPr/>
-        </p:nvGrpSpPr>
-        <p:grpSpPr>
-          <a:xfrm>
-            <a:off x="1500579" y="3260135"/>
-            <a:ext cx="707233" cy="707234"/>
-            <a:chOff x="3587103" y="3636248"/>
-            <a:chExt cx="707233" cy="707234"/>
-          </a:xfrm>
-        </p:grpSpPr>
-        <p:sp>
-          <p:nvSpPr>
-            <p:cNvPr id="66" name="Shape 529"/>
-            <p:cNvSpPr/>
-            <p:nvPr/>
-          </p:nvSpPr>
-          <p:spPr>
-            <a:xfrm>
-              <a:off x="3587103" y="3636248"/>
-              <a:ext cx="707233" cy="707234"/>
-            </a:xfrm>
-            <a:custGeom>
-              <a:avLst/>
-              <a:gdLst/>
-              <a:ahLst/>
-              <a:cxnLst>
-                <a:cxn ang="0">
-                  <a:pos x="wd2" y="hd2"/>
-                </a:cxn>
-                <a:cxn ang="5400000">
-                  <a:pos x="wd2" y="hd2"/>
-                </a:cxn>
-                <a:cxn ang="10800000">
-                  <a:pos x="wd2" y="hd2"/>
-                </a:cxn>
-                <a:cxn ang="16200000">
-                  <a:pos x="wd2" y="hd2"/>
-                </a:cxn>
-              </a:cxnLst>
-              <a:rect l="0" t="0" r="r" b="b"/>
-              <a:pathLst>
-                <a:path w="19679" h="19679" extrusionOk="0">
-                  <a:moveTo>
-                    <a:pt x="16796" y="2882"/>
-                  </a:moveTo>
-                  <a:cubicBezTo>
-                    <a:pt x="20639" y="6724"/>
-                    <a:pt x="20639" y="12954"/>
-                    <a:pt x="16796" y="16796"/>
-                  </a:cubicBezTo>
-                  <a:cubicBezTo>
-                    <a:pt x="12954" y="20639"/>
-                    <a:pt x="6724" y="20639"/>
-                    <a:pt x="2882" y="16796"/>
-                  </a:cubicBezTo>
-                  <a:cubicBezTo>
-                    <a:pt x="-961" y="12954"/>
-                    <a:pt x="-961" y="6724"/>
-                    <a:pt x="2882" y="2882"/>
-                  </a:cubicBezTo>
-                  <a:cubicBezTo>
-                    <a:pt x="6724" y="-961"/>
-                    <a:pt x="12954" y="-961"/>
-                    <a:pt x="16796" y="2882"/>
-                  </a:cubicBezTo>
-                  <a:close/>
-                </a:path>
-              </a:pathLst>
-            </a:custGeom>
-            <a:solidFill>
-              <a:srgbClr val="196970"/>
-            </a:solidFill>
-            <a:ln w="3175" cap="flat">
-              <a:noFill/>
-              <a:miter lim="400000"/>
-            </a:ln>
-            <a:effectLst/>
-          </p:spPr>
-          <p:txBody>
-            <a:bodyPr wrap="square" lIns="0" tIns="0" rIns="0" bIns="0" numCol="1" anchor="ctr">
-              <a:noAutofit/>
-            </a:bodyPr>
-            <a:lstStyle/>
-            <a:p>
-              <a:pPr lvl="0">
-                <a:defRPr sz="1800">
-                  <a:solidFill>
-                    <a:srgbClr val="FFFFFF"/>
-                  </a:solidFill>
-                </a:defRPr>
-              </a:pPr>
-              <a:endParaRPr/>
-            </a:p>
-          </p:txBody>
-        </p:sp>
-        <p:pic>
-          <p:nvPicPr>
-            <p:cNvPr id="67" name="_-47.png"/>
-            <p:cNvPicPr/>
-            <p:nvPr/>
-          </p:nvPicPr>
-          <p:blipFill>
-            <a:blip r:embed="rId11"/>
-            <a:srcRect l="17032" t="20462" r="17032" b="20462"/>
-            <a:stretch>
-              <a:fillRect/>
-            </a:stretch>
-          </p:blipFill>
-          <p:spPr>
-            <a:xfrm>
-              <a:off x="3723113" y="3770499"/>
-              <a:ext cx="466313" cy="417807"/>
-            </a:xfrm>
-            <a:prstGeom prst="rect">
-              <a:avLst/>
-            </a:prstGeom>
-            <a:ln w="3175" cap="flat">
-              <a:noFill/>
-              <a:miter lim="400000"/>
-            </a:ln>
-            <a:effectLst/>
-          </p:spPr>
-        </p:pic>
-      </p:grpSp>
-      <p:sp>
-        <p:nvSpPr>
-          <p:cNvPr id="68" name="TextBox 67"/>
-          <p:cNvSpPr txBox="1"/>
-          <p:nvPr/>
-        </p:nvSpPr>
-        <p:spPr>
-          <a:xfrm>
-            <a:off x="1238976" y="4052430"/>
-            <a:ext cx="1218324" cy="264013"/>
-          </a:xfrm>
-          <a:prstGeom prst="rect">
-            <a:avLst/>
-          </a:prstGeom>
-          <a:noFill/>
-          <a:ln w="3175" cap="flat">
-            <a:noFill/>
-            <a:miter lim="400000"/>
-          </a:ln>
-          <a:effectLst/>
-        </p:spPr>
-        <p:style>
-          <a:lnRef idx="0">
-            <a:scrgbClr r="0" g="0" b="0"/>
-          </a:lnRef>
-          <a:fillRef idx="0">
-            <a:scrgbClr r="0" g="0" b="0"/>
-          </a:fillRef>
-          <a:effectRef idx="0">
-            <a:scrgbClr r="0" g="0" b="0"/>
-          </a:effectRef>
-          <a:fontRef idx="none"/>
-        </p:style>
-        <p:txBody>
-          <a:bodyPr rot="0" spcFirstLastPara="1" vertOverflow="overflow" horzOverflow="overflow" vert="horz" wrap="square" lIns="39290" tIns="39290" rIns="39290" bIns="39290" numCol="1" spcCol="38100" rtlCol="0" anchor="ctr">
-            <a:spAutoFit/>
-          </a:bodyPr>
-          <a:lstStyle/>
-          <a:p>
-            <a:pPr rtl="0" latinLnBrk="1" hangingPunct="0"/>
-            <a:r>
-              <a:rPr lang="en-US" sz="1200" dirty="0">
-                <a:solidFill>
-                  <a:srgbClr val="000000"/>
-                </a:solidFill>
-                <a:latin typeface="Arial"/>
-                <a:cs typeface="Arial"/>
-              </a:rPr>
-              <a:t>Istio Ingress</a:t>
-            </a:r>
-          </a:p>
-        </p:txBody>
-      </p:sp>
-      <p:cxnSp>
-        <p:nvCxnSpPr>
-          <p:cNvPr id="96" name="Straight Arrow Connector 62">
-            <a:extLst>
-              <a:ext uri="{FF2B5EF4-FFF2-40B4-BE49-F238E27FC236}">
-                <a16:creationId xmlns:a16="http://schemas.microsoft.com/office/drawing/2014/main" id="{81F8C912-EC3D-B144-A560-0B420356B8C0}"/>
-              </a:ext>
-            </a:extLst>
-          </p:cNvPr>
-          <p:cNvCxnSpPr>
-            <a:cxnSpLocks/>
-          </p:cNvCxnSpPr>
-          <p:nvPr/>
-        </p:nvCxnSpPr>
-        <p:spPr>
-          <a:xfrm>
-            <a:off x="1021545" y="3598116"/>
-            <a:ext cx="474060" cy="5975"/>
-          </a:xfrm>
-          <a:prstGeom prst="straightConnector1">
-            <a:avLst/>
-          </a:prstGeom>
-          <a:noFill/>
-          <a:ln w="38100" cap="flat" cmpd="sng">
-            <a:solidFill>
-              <a:schemeClr val="bg1">
-                <a:lumMod val="85000"/>
-              </a:schemeClr>
-            </a:solidFill>
-            <a:prstDash val="solid"/>
-            <a:miter lim="400000"/>
-            <a:headEnd type="none"/>
-            <a:tailEnd type="none"/>
-          </a:ln>
-          <a:effectLst/>
-        </p:spPr>
-        <p:style>
-          <a:lnRef idx="0">
-            <a:scrgbClr r="0" g="0" b="0"/>
-          </a:lnRef>
-          <a:fillRef idx="0">
-            <a:scrgbClr r="0" g="0" b="0"/>
-          </a:fillRef>
-          <a:effectRef idx="0">
-            <a:scrgbClr r="0" g="0" b="0"/>
-          </a:effectRef>
-          <a:fontRef idx="none"/>
-        </p:style>
-      </p:cxnSp>
-      <p:pic>
-        <p:nvPicPr>
-          <p:cNvPr id="34" name="Picture 33">
-            <a:extLst>
-              <a:ext uri="{FF2B5EF4-FFF2-40B4-BE49-F238E27FC236}">
-                <a16:creationId xmlns:a16="http://schemas.microsoft.com/office/drawing/2014/main" id="{A4CBD815-6D30-A940-9C6D-42FEB89DA3B3}"/>
-              </a:ext>
-            </a:extLst>
-          </p:cNvPr>
-          <p:cNvPicPr>
-            <a:picLocks noChangeAspect="1"/>
-          </p:cNvPicPr>
-          <p:nvPr/>
-        </p:nvPicPr>
-        <p:blipFill>
-          <a:blip r:embed="rId4"/>
-          <a:stretch>
-            <a:fillRect/>
-          </a:stretch>
-        </p:blipFill>
-        <p:spPr>
-          <a:xfrm>
-            <a:off x="3248691" y="3147921"/>
-            <a:ext cx="895939" cy="860102"/>
-          </a:xfrm>
-          <a:prstGeom prst="rect">
-            <a:avLst/>
-          </a:prstGeom>
-        </p:spPr>
-      </p:pic>
-      <p:pic>
-        <p:nvPicPr>
-          <p:cNvPr id="35" name="Picture 34">
-            <a:extLst>
-              <a:ext uri="{FF2B5EF4-FFF2-40B4-BE49-F238E27FC236}">
-                <a16:creationId xmlns:a16="http://schemas.microsoft.com/office/drawing/2014/main" id="{FB193398-1FDA-1348-A3D2-296DC26E93C3}"/>
-              </a:ext>
-            </a:extLst>
-          </p:cNvPr>
-          <p:cNvPicPr>
-            <a:picLocks noChangeAspect="1"/>
-          </p:cNvPicPr>
-          <p:nvPr/>
-        </p:nvPicPr>
-        <p:blipFill>
-          <a:blip r:embed="rId6"/>
-          <a:stretch>
-            <a:fillRect/>
-          </a:stretch>
-        </p:blipFill>
-        <p:spPr>
-          <a:xfrm>
-            <a:off x="3026308" y="2864389"/>
-            <a:ext cx="831816" cy="524254"/>
-          </a:xfrm>
-          <a:prstGeom prst="rect">
-            <a:avLst/>
-          </a:prstGeom>
-        </p:spPr>
-      </p:pic>
-      <p:sp>
-        <p:nvSpPr>
-          <p:cNvPr id="36" name="TextBox 35">
-            <a:extLst>
-              <a:ext uri="{FF2B5EF4-FFF2-40B4-BE49-F238E27FC236}">
-                <a16:creationId xmlns:a16="http://schemas.microsoft.com/office/drawing/2014/main" id="{52134947-5515-E041-A6AE-3139B95DE3F1}"/>
-              </a:ext>
-            </a:extLst>
-          </p:cNvPr>
-          <p:cNvSpPr txBox="1"/>
-          <p:nvPr/>
-        </p:nvSpPr>
-        <p:spPr>
-          <a:xfrm>
-            <a:off x="2973557" y="3893182"/>
-            <a:ext cx="1506878" cy="448679"/>
-          </a:xfrm>
-          <a:prstGeom prst="rect">
-            <a:avLst/>
-          </a:prstGeom>
-          <a:noFill/>
-          <a:ln w="3175" cap="flat">
-            <a:noFill/>
-            <a:miter lim="400000"/>
-          </a:ln>
-          <a:effectLst/>
-        </p:spPr>
-        <p:style>
-          <a:lnRef idx="0">
-            <a:scrgbClr r="0" g="0" b="0"/>
-          </a:lnRef>
-          <a:fillRef idx="0">
-            <a:scrgbClr r="0" g="0" b="0"/>
-          </a:fillRef>
-          <a:effectRef idx="0">
-            <a:scrgbClr r="0" g="0" b="0"/>
-          </a:effectRef>
-          <a:fontRef idx="none"/>
-        </p:style>
-        <p:txBody>
-          <a:bodyPr rot="0" spcFirstLastPara="1" vertOverflow="overflow" horzOverflow="overflow" vert="horz" wrap="square" lIns="39290" tIns="39290" rIns="39290" bIns="39290" numCol="1" spcCol="38100" rtlCol="0" anchor="ctr">
-            <a:spAutoFit/>
-          </a:bodyPr>
-          <a:lstStyle/>
-          <a:p>
-            <a:pPr marL="0" marR="0" indent="0" defTabSz="584200" rtl="0" fontAlgn="auto" latinLnBrk="1" hangingPunct="0">
-              <a:lnSpc>
-                <a:spcPct val="100000"/>
-              </a:lnSpc>
-              <a:spcBef>
-                <a:spcPts val="0"/>
-              </a:spcBef>
-              <a:spcAft>
-                <a:spcPts val="0"/>
-              </a:spcAft>
-              <a:buClrTx/>
-              <a:buSzTx/>
-              <a:buFontTx/>
-              <a:buNone/>
-              <a:tabLst/>
-            </a:pPr>
-            <a:r>
-              <a:rPr lang="en-US" sz="1200">
-                <a:solidFill>
-                  <a:srgbClr val="000000"/>
-                </a:solidFill>
-                <a:latin typeface="Arial"/>
-                <a:cs typeface="Arial"/>
-              </a:rPr>
-              <a:t>Web-API</a:t>
-            </a:r>
-            <a:endParaRPr kumimoji="0" lang="en-US" sz="1200" b="0" i="0" u="none" strike="noStrike" cap="none" spc="0" normalizeH="0" baseline="0">
-              <a:ln>
-                <a:noFill/>
-              </a:ln>
-              <a:solidFill>
-                <a:srgbClr val="000000"/>
-              </a:solidFill>
-              <a:effectLst/>
-              <a:uFillTx/>
-              <a:latin typeface="Arial"/>
-              <a:ea typeface="+mn-ea"/>
-              <a:cs typeface="Arial"/>
-              <a:sym typeface="Helvetica Light"/>
-            </a:endParaRPr>
-          </a:p>
-          <a:p>
-            <a:pPr marL="0" marR="0" indent="0" defTabSz="584200" rtl="0" fontAlgn="auto" latinLnBrk="1" hangingPunct="0">
-              <a:lnSpc>
-                <a:spcPct val="100000"/>
-              </a:lnSpc>
-              <a:spcBef>
-                <a:spcPts val="0"/>
-              </a:spcBef>
-              <a:spcAft>
-                <a:spcPts val="0"/>
-              </a:spcAft>
-              <a:buClrTx/>
-              <a:buSzTx/>
-              <a:buFontTx/>
-              <a:buNone/>
-              <a:tabLst/>
-            </a:pPr>
-            <a:r>
-              <a:rPr lang="en-US" sz="1200">
-                <a:solidFill>
-                  <a:srgbClr val="000000"/>
-                </a:solidFill>
-                <a:latin typeface="Arial"/>
-                <a:cs typeface="Arial"/>
-              </a:rPr>
-              <a:t>v2</a:t>
-            </a:r>
-            <a:endParaRPr kumimoji="0" lang="en-US" sz="1200" b="0" i="0" u="none" strike="noStrike" cap="none" spc="0" normalizeH="0" baseline="0">
-              <a:ln>
-                <a:noFill/>
-              </a:ln>
-              <a:solidFill>
-                <a:srgbClr val="000000"/>
-              </a:solidFill>
-              <a:effectLst/>
-              <a:uFillTx/>
-              <a:latin typeface="Arial"/>
-              <a:ea typeface="+mn-ea"/>
-              <a:cs typeface="Arial"/>
-              <a:sym typeface="Helvetica Light"/>
-            </a:endParaRPr>
-          </a:p>
-        </p:txBody>
-      </p:sp>
-      <p:cxnSp>
-        <p:nvCxnSpPr>
-          <p:cNvPr id="37" name="Straight Arrow Connector 62">
-            <a:extLst>
-              <a:ext uri="{FF2B5EF4-FFF2-40B4-BE49-F238E27FC236}">
-                <a16:creationId xmlns:a16="http://schemas.microsoft.com/office/drawing/2014/main" id="{37D7CE5B-5073-5B42-9DA9-863545A03E03}"/>
-              </a:ext>
-            </a:extLst>
-          </p:cNvPr>
-          <p:cNvCxnSpPr>
-            <a:cxnSpLocks/>
-            <a:stCxn id="34" idx="3"/>
-          </p:cNvCxnSpPr>
-          <p:nvPr/>
-        </p:nvCxnSpPr>
-        <p:spPr>
-          <a:xfrm>
-            <a:off x="4144630" y="3577972"/>
-            <a:ext cx="1429391" cy="0"/>
-          </a:xfrm>
-          <a:prstGeom prst="straightConnector1">
-            <a:avLst/>
-          </a:prstGeom>
-          <a:noFill/>
-          <a:ln w="38100" cap="flat" cmpd="sng">
-            <a:solidFill>
-              <a:schemeClr val="bg1">
-                <a:lumMod val="85000"/>
-              </a:schemeClr>
-            </a:solidFill>
-            <a:prstDash val="solid"/>
-            <a:miter lim="400000"/>
-            <a:headEnd type="none"/>
-            <a:tailEnd type="none"/>
-          </a:ln>
-          <a:effectLst/>
-        </p:spPr>
-        <p:style>
-          <a:lnRef idx="0">
-            <a:scrgbClr r="0" g="0" b="0"/>
-          </a:lnRef>
-          <a:fillRef idx="0">
-            <a:scrgbClr r="0" g="0" b="0"/>
-          </a:fillRef>
-          <a:effectRef idx="0">
-            <a:scrgbClr r="0" g="0" b="0"/>
-          </a:effectRef>
-          <a:fontRef idx="none"/>
-        </p:style>
-      </p:cxnSp>
-      <p:sp>
-        <p:nvSpPr>
-          <p:cNvPr id="3" name="Oval 2">
-            <a:extLst>
-              <a:ext uri="{FF2B5EF4-FFF2-40B4-BE49-F238E27FC236}">
-                <a16:creationId xmlns:a16="http://schemas.microsoft.com/office/drawing/2014/main" id="{31B82196-6A10-CB49-A7F7-A254F3CF7437}"/>
-              </a:ext>
-            </a:extLst>
-          </p:cNvPr>
-          <p:cNvSpPr/>
-          <p:nvPr/>
-        </p:nvSpPr>
-        <p:spPr>
-          <a:xfrm>
-            <a:off x="2643293" y="2863987"/>
-            <a:ext cx="2154932" cy="1477874"/>
-          </a:xfrm>
-          <a:prstGeom prst="ellipse">
-            <a:avLst/>
-          </a:prstGeom>
-          <a:ln w="47625">
-            <a:solidFill>
-              <a:schemeClr val="accent5"/>
-            </a:solidFill>
-            <a:miter lim="400000"/>
-          </a:ln>
-        </p:spPr>
-        <p:txBody>
-          <a:bodyPr lIns="0" tIns="0" rIns="0" bIns="0" rtlCol="0" anchor="ctr"/>
-          <a:lstStyle/>
-          <a:p>
-            <a:pPr algn="ctr"/>
-            <a:endParaRPr lang="en-US" sz="1800">
-              <a:solidFill>
-                <a:srgbClr val="4277BB"/>
-              </a:solidFill>
-            </a:endParaRPr>
-          </a:p>
-        </p:txBody>
-      </p:sp>
-    </p:spTree>
-    <p:extLst>
-      <p:ext uri="{BB962C8B-B14F-4D97-AF65-F5344CB8AC3E}">
-        <p14:creationId xmlns:p14="http://schemas.microsoft.com/office/powerpoint/2010/main" val="3114323988"/>
       </p:ext>
     </p:extLst>
   </p:cSld>

--- a/workshop/images/architecture.pptx
+++ b/workshop/images/architecture.pptx
@@ -418,7 +418,73 @@
     </p:spTree>
     <p:extLst>
       <p:ext uri="{BB962C8B-B14F-4D97-AF65-F5344CB8AC3E}">
-        <p14:creationId xmlns:p14="http://schemas.microsoft.com/office/powerpoint/2010/main" val="4048517318"/>
+        <p14:creationId xmlns:p14="http://schemas.microsoft.com/office/powerpoint/2010/main" val="3549226232"/>
+      </p:ext>
+    </p:extLst>
+  </p:cSld>
+  <p:clrMapOvr>
+    <a:masterClrMapping/>
+  </p:clrMapOvr>
+</p:notes>
+</file>
+
+<file path=ppt/notesSlides/notesSlide10.xml><?xml version="1.0" encoding="utf-8"?>
+<p:notes xmlns:a="http://schemas.openxmlformats.org/drawingml/2006/main" xmlns:r="http://schemas.openxmlformats.org/officeDocument/2006/relationships" xmlns:p="http://schemas.openxmlformats.org/presentationml/2006/main">
+  <p:cSld>
+    <p:spTree>
+      <p:nvGrpSpPr>
+        <p:cNvPr id="1" name=""/>
+        <p:cNvGrpSpPr/>
+        <p:nvPr/>
+      </p:nvGrpSpPr>
+      <p:grpSpPr>
+        <a:xfrm>
+          <a:off x="0" y="0"/>
+          <a:ext cx="0" cy="0"/>
+          <a:chOff x="0" y="0"/>
+          <a:chExt cx="0" cy="0"/>
+        </a:xfrm>
+      </p:grpSpPr>
+      <p:sp>
+        <p:nvSpPr>
+          <p:cNvPr id="2" name="Slide Image Placeholder 1"/>
+          <p:cNvSpPr>
+            <a:spLocks noGrp="1" noRot="1" noChangeAspect="1"/>
+          </p:cNvSpPr>
+          <p:nvPr>
+            <p:ph type="sldImg"/>
+          </p:nvPr>
+        </p:nvSpPr>
+        <p:spPr>
+          <a:xfrm>
+            <a:off x="1209675" y="685800"/>
+            <a:ext cx="4438650" cy="3429000"/>
+          </a:xfrm>
+        </p:spPr>
+      </p:sp>
+      <p:sp>
+        <p:nvSpPr>
+          <p:cNvPr id="3" name="Notes Placeholder 2"/>
+          <p:cNvSpPr>
+            <a:spLocks noGrp="1"/>
+          </p:cNvSpPr>
+          <p:nvPr>
+            <p:ph type="body" idx="1"/>
+          </p:nvPr>
+        </p:nvSpPr>
+        <p:spPr/>
+        <p:txBody>
+          <a:bodyPr/>
+          <a:lstStyle/>
+          <a:p>
+            <a:endParaRPr lang="en-US"/>
+          </a:p>
+        </p:txBody>
+      </p:sp>
+    </p:spTree>
+    <p:extLst>
+      <p:ext uri="{BB962C8B-B14F-4D97-AF65-F5344CB8AC3E}">
+        <p14:creationId xmlns:p14="http://schemas.microsoft.com/office/powerpoint/2010/main" val="1040167233"/>
       </p:ext>
     </p:extLst>
   </p:cSld>
@@ -484,7 +550,7 @@
     </p:spTree>
     <p:extLst>
       <p:ext uri="{BB962C8B-B14F-4D97-AF65-F5344CB8AC3E}">
-        <p14:creationId xmlns:p14="http://schemas.microsoft.com/office/powerpoint/2010/main" val="3490945412"/>
+        <p14:creationId xmlns:p14="http://schemas.microsoft.com/office/powerpoint/2010/main" val="3998745580"/>
       </p:ext>
     </p:extLst>
   </p:cSld>
@@ -550,7 +616,7 @@
     </p:spTree>
     <p:extLst>
       <p:ext uri="{BB962C8B-B14F-4D97-AF65-F5344CB8AC3E}">
-        <p14:creationId xmlns:p14="http://schemas.microsoft.com/office/powerpoint/2010/main" val="3784130164"/>
+        <p14:creationId xmlns:p14="http://schemas.microsoft.com/office/powerpoint/2010/main" val="4048517318"/>
       </p:ext>
     </p:extLst>
   </p:cSld>
@@ -616,7 +682,7 @@
     </p:spTree>
     <p:extLst>
       <p:ext uri="{BB962C8B-B14F-4D97-AF65-F5344CB8AC3E}">
-        <p14:creationId xmlns:p14="http://schemas.microsoft.com/office/powerpoint/2010/main" val="1209754887"/>
+        <p14:creationId xmlns:p14="http://schemas.microsoft.com/office/powerpoint/2010/main" val="3490945412"/>
       </p:ext>
     </p:extLst>
   </p:cSld>
@@ -682,7 +748,7 @@
     </p:spTree>
     <p:extLst>
       <p:ext uri="{BB962C8B-B14F-4D97-AF65-F5344CB8AC3E}">
-        <p14:creationId xmlns:p14="http://schemas.microsoft.com/office/powerpoint/2010/main" val="2360763612"/>
+        <p14:creationId xmlns:p14="http://schemas.microsoft.com/office/powerpoint/2010/main" val="3784130164"/>
       </p:ext>
     </p:extLst>
   </p:cSld>
@@ -748,7 +814,7 @@
     </p:spTree>
     <p:extLst>
       <p:ext uri="{BB962C8B-B14F-4D97-AF65-F5344CB8AC3E}">
-        <p14:creationId xmlns:p14="http://schemas.microsoft.com/office/powerpoint/2010/main" val="3371180458"/>
+        <p14:creationId xmlns:p14="http://schemas.microsoft.com/office/powerpoint/2010/main" val="1209754887"/>
       </p:ext>
     </p:extLst>
   </p:cSld>
@@ -814,7 +880,7 @@
     </p:spTree>
     <p:extLst>
       <p:ext uri="{BB962C8B-B14F-4D97-AF65-F5344CB8AC3E}">
-        <p14:creationId xmlns:p14="http://schemas.microsoft.com/office/powerpoint/2010/main" val="1712013233"/>
+        <p14:creationId xmlns:p14="http://schemas.microsoft.com/office/powerpoint/2010/main" val="2360763612"/>
       </p:ext>
     </p:extLst>
   </p:cSld>
@@ -880,7 +946,73 @@
     </p:spTree>
     <p:extLst>
       <p:ext uri="{BB962C8B-B14F-4D97-AF65-F5344CB8AC3E}">
-        <p14:creationId xmlns:p14="http://schemas.microsoft.com/office/powerpoint/2010/main" val="1040167233"/>
+        <p14:creationId xmlns:p14="http://schemas.microsoft.com/office/powerpoint/2010/main" val="3371180458"/>
+      </p:ext>
+    </p:extLst>
+  </p:cSld>
+  <p:clrMapOvr>
+    <a:masterClrMapping/>
+  </p:clrMapOvr>
+</p:notes>
+</file>
+
+<file path=ppt/notesSlides/notesSlide9.xml><?xml version="1.0" encoding="utf-8"?>
+<p:notes xmlns:a="http://schemas.openxmlformats.org/drawingml/2006/main" xmlns:r="http://schemas.openxmlformats.org/officeDocument/2006/relationships" xmlns:p="http://schemas.openxmlformats.org/presentationml/2006/main">
+  <p:cSld>
+    <p:spTree>
+      <p:nvGrpSpPr>
+        <p:cNvPr id="1" name=""/>
+        <p:cNvGrpSpPr/>
+        <p:nvPr/>
+      </p:nvGrpSpPr>
+      <p:grpSpPr>
+        <a:xfrm>
+          <a:off x="0" y="0"/>
+          <a:ext cx="0" cy="0"/>
+          <a:chOff x="0" y="0"/>
+          <a:chExt cx="0" cy="0"/>
+        </a:xfrm>
+      </p:grpSpPr>
+      <p:sp>
+        <p:nvSpPr>
+          <p:cNvPr id="2" name="Slide Image Placeholder 1"/>
+          <p:cNvSpPr>
+            <a:spLocks noGrp="1" noRot="1" noChangeAspect="1"/>
+          </p:cNvSpPr>
+          <p:nvPr>
+            <p:ph type="sldImg"/>
+          </p:nvPr>
+        </p:nvSpPr>
+        <p:spPr>
+          <a:xfrm>
+            <a:off x="1209675" y="685800"/>
+            <a:ext cx="4438650" cy="3429000"/>
+          </a:xfrm>
+        </p:spPr>
+      </p:sp>
+      <p:sp>
+        <p:nvSpPr>
+          <p:cNvPr id="3" name="Notes Placeholder 2"/>
+          <p:cNvSpPr>
+            <a:spLocks noGrp="1"/>
+          </p:cNvSpPr>
+          <p:nvPr>
+            <p:ph type="body" idx="1"/>
+          </p:nvPr>
+        </p:nvSpPr>
+        <p:spPr/>
+        <p:txBody>
+          <a:bodyPr/>
+          <a:lstStyle/>
+          <a:p>
+            <a:endParaRPr lang="en-US"/>
+          </a:p>
+        </p:txBody>
+      </p:sp>
+    </p:spTree>
+    <p:extLst>
+      <p:ext uri="{BB962C8B-B14F-4D97-AF65-F5344CB8AC3E}">
+        <p14:creationId xmlns:p14="http://schemas.microsoft.com/office/powerpoint/2010/main" val="1712013233"/>
       </p:ext>
     </p:extLst>
   </p:cSld>
@@ -19877,7 +20009,7 @@
               </a:rPr>
             </a:br>
             <a:r>
-              <a:rPr kumimoji="0" lang="en-US" sz="2000" b="0" i="0" u="none" strike="noStrike" cap="none" spc="0" normalizeH="0" baseline="0" dirty="0">
+              <a:rPr kumimoji="0" lang="en-US" sz="2000" b="1" i="0" u="none" strike="noStrike" cap="none" spc="0" normalizeH="0" baseline="0" dirty="0">
                 <a:ln>
                   <a:noFill/>
                 </a:ln>
@@ -20902,7 +21034,7 @@
         </p:blipFill>
         <p:spPr>
           <a:xfrm>
-            <a:off x="8861435" y="1154822"/>
+            <a:off x="9015344" y="893367"/>
             <a:ext cx="452515" cy="452515"/>
           </a:xfrm>
           <a:prstGeom prst="rect">
@@ -20924,8 +21056,8 @@
         </p:nvSpPr>
         <p:spPr>
           <a:xfrm>
-            <a:off x="8331050" y="1247772"/>
-            <a:ext cx="740965" cy="325569"/>
+            <a:off x="8633030" y="1016583"/>
+            <a:ext cx="537249" cy="240930"/>
           </a:xfrm>
           <a:prstGeom prst="rect">
             <a:avLst/>
@@ -20972,27 +21104,22 @@
               <a:tabLst/>
             </a:pPr>
             <a:r>
-              <a:rPr lang="en-US" sz="1600" b="1" dirty="0">
+              <a:rPr kumimoji="0" lang="en-US" sz="1050" b="1" i="0" u="none" strike="noStrike" cap="none" spc="0" normalizeH="0" baseline="0" dirty="0">
+                <a:ln>
+                  <a:noFill/>
+                </a:ln>
                 <a:solidFill>
                   <a:srgbClr val="000000"/>
                 </a:solidFill>
+                <a:effectLst/>
+                <a:uFillTx/>
+                <a:latin typeface="+mn-lt"/>
+                <a:ea typeface="+mn-ea"/>
+                <a:cs typeface="+mn-cs"/>
+                <a:sym typeface="Helvetica Light"/>
               </a:rPr>
-              <a:t>ISTIO</a:t>
+              <a:t>Istio</a:t>
             </a:r>
-            <a:endParaRPr kumimoji="0" lang="en-US" sz="1050" b="1" i="0" u="none" strike="noStrike" cap="none" spc="0" normalizeH="0" baseline="0" dirty="0">
-              <a:ln>
-                <a:noFill/>
-              </a:ln>
-              <a:solidFill>
-                <a:srgbClr val="000000"/>
-              </a:solidFill>
-              <a:effectLst/>
-              <a:uFillTx/>
-              <a:latin typeface="+mn-lt"/>
-              <a:ea typeface="+mn-ea"/>
-              <a:cs typeface="+mn-cs"/>
-              <a:sym typeface="Helvetica Light"/>
-            </a:endParaRPr>
           </a:p>
         </p:txBody>
       </p:sp>
@@ -21399,160 +21526,258 @@
           </a:p>
         </p:txBody>
       </p:sp>
-      <p:sp>
-        <p:nvSpPr>
-          <p:cNvPr id="55" name="TextBox 54">
+      <p:pic>
+        <p:nvPicPr>
+          <p:cNvPr id="56" name="Picture 55">
             <a:extLst>
               <a:ext uri="{FF2B5EF4-FFF2-40B4-BE49-F238E27FC236}">
-                <a16:creationId xmlns:a16="http://schemas.microsoft.com/office/drawing/2014/main" id="{8153C15D-60A5-8945-9268-8DE9C3AD7CD6}"/>
+                <a16:creationId xmlns:a16="http://schemas.microsoft.com/office/drawing/2014/main" id="{C0183C11-0E80-B040-817D-E0A4E9722D51}"/>
               </a:ext>
             </a:extLst>
           </p:cNvPr>
-          <p:cNvSpPr txBox="1"/>
+          <p:cNvPicPr>
+            <a:picLocks noChangeAspect="1"/>
+          </p:cNvPicPr>
+          <p:nvPr/>
+        </p:nvPicPr>
+        <p:blipFill>
+          <a:blip r:embed="rId4">
+            <a:extLst>
+              <a:ext uri="{28A0092B-C50C-407E-A947-70E740481C1C}">
+                <a14:useLocalDpi xmlns:a14="http://schemas.microsoft.com/office/drawing/2010/main" val="0"/>
+              </a:ext>
+            </a:extLst>
+          </a:blip>
+          <a:stretch>
+            <a:fillRect/>
+          </a:stretch>
+        </p:blipFill>
+        <p:spPr>
+          <a:xfrm>
+            <a:off x="2705969" y="2504941"/>
+            <a:ext cx="379633" cy="143417"/>
+          </a:xfrm>
+          <a:prstGeom prst="rect">
+            <a:avLst/>
+          </a:prstGeom>
+        </p:spPr>
+      </p:pic>
+      <p:pic>
+        <p:nvPicPr>
+          <p:cNvPr id="59" name="Picture 58">
+            <a:extLst>
+              <a:ext uri="{FF2B5EF4-FFF2-40B4-BE49-F238E27FC236}">
+                <a16:creationId xmlns:a16="http://schemas.microsoft.com/office/drawing/2014/main" id="{4D4E38D8-A746-0E4B-B7EA-DCAFD394CD60}"/>
+              </a:ext>
+            </a:extLst>
+          </p:cNvPr>
+          <p:cNvPicPr>
+            <a:picLocks noChangeAspect="1"/>
+          </p:cNvPicPr>
+          <p:nvPr/>
+        </p:nvPicPr>
+        <p:blipFill>
+          <a:blip r:embed="rId5">
+            <a:extLst>
+              <a:ext uri="{28A0092B-C50C-407E-A947-70E740481C1C}">
+                <a14:useLocalDpi xmlns:a14="http://schemas.microsoft.com/office/drawing/2010/main" val="0"/>
+              </a:ext>
+            </a:extLst>
+          </a:blip>
+          <a:stretch>
+            <a:fillRect/>
+          </a:stretch>
+        </p:blipFill>
+        <p:spPr>
+          <a:xfrm>
+            <a:off x="2561315" y="2695471"/>
+            <a:ext cx="617329" cy="108624"/>
+          </a:xfrm>
+          <a:prstGeom prst="rect">
+            <a:avLst/>
+          </a:prstGeom>
+        </p:spPr>
+      </p:pic>
+      <p:pic>
+        <p:nvPicPr>
+          <p:cNvPr id="60" name="Picture 59">
+            <a:extLst>
+              <a:ext uri="{FF2B5EF4-FFF2-40B4-BE49-F238E27FC236}">
+                <a16:creationId xmlns:a16="http://schemas.microsoft.com/office/drawing/2014/main" id="{085D4D38-8CCC-4A49-B790-9C68A10736DC}"/>
+              </a:ext>
+            </a:extLst>
+          </p:cNvPr>
+          <p:cNvPicPr>
+            <a:picLocks noChangeAspect="1"/>
+          </p:cNvPicPr>
+          <p:nvPr/>
+        </p:nvPicPr>
+        <p:blipFill>
+          <a:blip r:embed="rId6">
+            <a:extLst>
+              <a:ext uri="{28A0092B-C50C-407E-A947-70E740481C1C}">
+                <a14:useLocalDpi xmlns:a14="http://schemas.microsoft.com/office/drawing/2010/main" val="0"/>
+              </a:ext>
+            </a:extLst>
+          </a:blip>
+          <a:stretch>
+            <a:fillRect/>
+          </a:stretch>
+        </p:blipFill>
+        <p:spPr>
+          <a:xfrm>
+            <a:off x="2679173" y="2773339"/>
+            <a:ext cx="433226" cy="231054"/>
+          </a:xfrm>
+          <a:prstGeom prst="rect">
+            <a:avLst/>
+          </a:prstGeom>
+        </p:spPr>
+      </p:pic>
+      <p:pic>
+        <p:nvPicPr>
+          <p:cNvPr id="63" name="Picture 62">
+            <a:extLst>
+              <a:ext uri="{FF2B5EF4-FFF2-40B4-BE49-F238E27FC236}">
+                <a16:creationId xmlns:a16="http://schemas.microsoft.com/office/drawing/2014/main" id="{0D7B9D26-3B71-344B-8FEF-E99FA73134E0}"/>
+              </a:ext>
+            </a:extLst>
+          </p:cNvPr>
+          <p:cNvPicPr>
+            <a:picLocks noChangeAspect="1"/>
+          </p:cNvPicPr>
+          <p:nvPr/>
+        </p:nvPicPr>
+        <p:blipFill>
+          <a:blip r:embed="rId4">
+            <a:extLst>
+              <a:ext uri="{28A0092B-C50C-407E-A947-70E740481C1C}">
+                <a14:useLocalDpi xmlns:a14="http://schemas.microsoft.com/office/drawing/2010/main" val="0"/>
+              </a:ext>
+            </a:extLst>
+          </a:blip>
+          <a:stretch>
+            <a:fillRect/>
+          </a:stretch>
+        </p:blipFill>
+        <p:spPr>
+          <a:xfrm>
+            <a:off x="7739837" y="2376343"/>
+            <a:ext cx="379633" cy="143417"/>
+          </a:xfrm>
+          <a:prstGeom prst="rect">
+            <a:avLst/>
+          </a:prstGeom>
+        </p:spPr>
+      </p:pic>
+      <p:pic>
+        <p:nvPicPr>
+          <p:cNvPr id="64" name="Picture 63">
+            <a:extLst>
+              <a:ext uri="{FF2B5EF4-FFF2-40B4-BE49-F238E27FC236}">
+                <a16:creationId xmlns:a16="http://schemas.microsoft.com/office/drawing/2014/main" id="{35250B86-9233-1F41-AAFB-D3925D89594D}"/>
+              </a:ext>
+            </a:extLst>
+          </p:cNvPr>
+          <p:cNvPicPr>
+            <a:picLocks noChangeAspect="1"/>
+          </p:cNvPicPr>
+          <p:nvPr/>
+        </p:nvPicPr>
+        <p:blipFill>
+          <a:blip r:embed="rId5">
+            <a:extLst>
+              <a:ext uri="{28A0092B-C50C-407E-A947-70E740481C1C}">
+                <a14:useLocalDpi xmlns:a14="http://schemas.microsoft.com/office/drawing/2010/main" val="0"/>
+              </a:ext>
+            </a:extLst>
+          </a:blip>
+          <a:stretch>
+            <a:fillRect/>
+          </a:stretch>
+        </p:blipFill>
+        <p:spPr>
+          <a:xfrm>
+            <a:off x="7595183" y="2566873"/>
+            <a:ext cx="617329" cy="108624"/>
+          </a:xfrm>
+          <a:prstGeom prst="rect">
+            <a:avLst/>
+          </a:prstGeom>
+        </p:spPr>
+      </p:pic>
+      <p:pic>
+        <p:nvPicPr>
+          <p:cNvPr id="65" name="Picture 64">
+            <a:extLst>
+              <a:ext uri="{FF2B5EF4-FFF2-40B4-BE49-F238E27FC236}">
+                <a16:creationId xmlns:a16="http://schemas.microsoft.com/office/drawing/2014/main" id="{99B84E19-9380-8244-84E4-60EDFBB0C0E8}"/>
+              </a:ext>
+            </a:extLst>
+          </p:cNvPr>
+          <p:cNvPicPr>
+            <a:picLocks noChangeAspect="1"/>
+          </p:cNvPicPr>
+          <p:nvPr/>
+        </p:nvPicPr>
+        <p:blipFill>
+          <a:blip r:embed="rId6">
+            <a:extLst>
+              <a:ext uri="{28A0092B-C50C-407E-A947-70E740481C1C}">
+                <a14:useLocalDpi xmlns:a14="http://schemas.microsoft.com/office/drawing/2010/main" val="0"/>
+              </a:ext>
+            </a:extLst>
+          </a:blip>
+          <a:stretch>
+            <a:fillRect/>
+          </a:stretch>
+        </p:blipFill>
+        <p:spPr>
+          <a:xfrm>
+            <a:off x="7713041" y="2644741"/>
+            <a:ext cx="433226" cy="231054"/>
+          </a:xfrm>
+          <a:prstGeom prst="rect">
+            <a:avLst/>
+          </a:prstGeom>
+        </p:spPr>
+      </p:pic>
+      <p:sp>
+        <p:nvSpPr>
+          <p:cNvPr id="3" name="Rectangle 2">
+            <a:extLst>
+              <a:ext uri="{FF2B5EF4-FFF2-40B4-BE49-F238E27FC236}">
+                <a16:creationId xmlns:a16="http://schemas.microsoft.com/office/drawing/2014/main" id="{34336906-E4A9-A844-8ADC-B2C3D8F5F9D2}"/>
+              </a:ext>
+            </a:extLst>
+          </p:cNvPr>
+          <p:cNvSpPr/>
           <p:nvPr/>
         </p:nvSpPr>
         <p:spPr>
           <a:xfrm>
-            <a:off x="1429712" y="2070189"/>
-            <a:ext cx="3179556" cy="910344"/>
+            <a:off x="2418435" y="2185516"/>
+            <a:ext cx="979755" cy="369332"/>
           </a:xfrm>
           <a:prstGeom prst="rect">
             <a:avLst/>
           </a:prstGeom>
-          <a:noFill/>
-          <a:ln w="3175" cap="flat">
-            <a:noFill/>
-            <a:miter lim="400000"/>
-          </a:ln>
-          <a:effectLst/>
-        </p:spPr>
-        <p:style>
-          <a:lnRef idx="0">
-            <a:scrgbClr r="0" g="0" b="0"/>
-          </a:lnRef>
-          <a:fillRef idx="0">
-            <a:scrgbClr r="0" g="0" b="0"/>
-          </a:fillRef>
-          <a:effectRef idx="0">
-            <a:scrgbClr r="0" g="0" b="0"/>
-          </a:effectRef>
-          <a:fontRef idx="none"/>
-        </p:style>
+        </p:spPr>
         <p:txBody>
-          <a:bodyPr rot="0" spcFirstLastPara="1" vertOverflow="overflow" horzOverflow="overflow" vert="horz" wrap="square" lIns="39290" tIns="39290" rIns="39290" bIns="39290" numCol="1" spcCol="38100" rtlCol="0" anchor="ctr">
+          <a:bodyPr wrap="none">
             <a:spAutoFit/>
           </a:bodyPr>
           <a:lstStyle/>
           <a:p>
-            <a:pPr marL="0" marR="0" indent="0" algn="ctr" defTabSz="584200" rtl="0" fontAlgn="auto" latinLnBrk="1" hangingPunct="0">
-              <a:lnSpc>
-                <a:spcPct val="100000"/>
-              </a:lnSpc>
-              <a:spcBef>
-                <a:spcPts val="0"/>
-              </a:spcBef>
-              <a:spcAft>
-                <a:spcPts val="0"/>
-              </a:spcAft>
-              <a:buClrTx/>
-              <a:buSzTx/>
-              <a:buFontTx/>
-              <a:buNone/>
-              <a:tabLst/>
-            </a:pPr>
-            <a:r>
-              <a:rPr kumimoji="0" lang="en-US" sz="1800" b="1" i="0" u="none" strike="noStrike" cap="none" spc="0" normalizeH="0" baseline="0" dirty="0">
-                <a:ln>
-                  <a:noFill/>
-                </a:ln>
-                <a:solidFill>
-                  <a:srgbClr val="000000"/>
-                </a:solidFill>
-                <a:effectLst/>
-                <a:uFillTx/>
-                <a:latin typeface="+mn-lt"/>
-                <a:ea typeface="+mn-ea"/>
-                <a:cs typeface="+mn-cs"/>
-                <a:sym typeface="Helvetica Light"/>
-              </a:rPr>
-              <a:t>Authors</a:t>
-            </a:r>
-          </a:p>
-          <a:p>
-            <a:pPr marL="0" marR="0" indent="0" algn="ctr" defTabSz="584200" rtl="0" fontAlgn="auto" latinLnBrk="1" hangingPunct="0">
-              <a:lnSpc>
-                <a:spcPct val="100000"/>
-              </a:lnSpc>
-              <a:spcBef>
-                <a:spcPts val="0"/>
-              </a:spcBef>
-              <a:spcAft>
-                <a:spcPts val="0"/>
-              </a:spcAft>
-              <a:buClrTx/>
-              <a:buSzTx/>
-              <a:buFontTx/>
-              <a:buNone/>
-              <a:tabLst/>
-            </a:pPr>
             <a:r>
               <a:rPr lang="en-US" sz="1800" b="1" dirty="0">
                 <a:solidFill>
                   <a:srgbClr val="000000"/>
                 </a:solidFill>
               </a:rPr>
-              <a:t>c</a:t>
+              <a:t>Authors</a:t>
             </a:r>
-            <a:r>
-              <a:rPr kumimoji="0" lang="en-US" sz="1800" b="1" i="0" u="none" strike="noStrike" cap="none" spc="0" normalizeH="0" baseline="0" dirty="0">
-                <a:ln>
-                  <a:noFill/>
-                </a:ln>
-                <a:solidFill>
-                  <a:srgbClr val="000000"/>
-                </a:solidFill>
-                <a:effectLst/>
-                <a:uFillTx/>
-                <a:latin typeface="+mn-lt"/>
-                <a:ea typeface="+mn-ea"/>
-                <a:cs typeface="+mn-cs"/>
-                <a:sym typeface="Helvetica Light"/>
-              </a:rPr>
-              <a:t>ontainer </a:t>
-            </a:r>
-            <a:br>
-              <a:rPr kumimoji="0" lang="en-US" sz="1800" b="1" i="0" u="none" strike="noStrike" cap="none" spc="0" normalizeH="0" baseline="0" dirty="0">
-                <a:ln>
-                  <a:noFill/>
-                </a:ln>
-                <a:solidFill>
-                  <a:srgbClr val="000000"/>
-                </a:solidFill>
-                <a:effectLst/>
-                <a:uFillTx/>
-                <a:latin typeface="+mn-lt"/>
-                <a:ea typeface="+mn-ea"/>
-                <a:cs typeface="+mn-cs"/>
-                <a:sym typeface="Helvetica Light"/>
-              </a:rPr>
-            </a:br>
-            <a:r>
-              <a:rPr kumimoji="0" lang="en-US" sz="1800" b="1" i="0" u="none" strike="noStrike" cap="none" spc="0" normalizeH="0" baseline="0" dirty="0">
-                <a:ln>
-                  <a:noFill/>
-                </a:ln>
-                <a:solidFill>
-                  <a:srgbClr val="000000"/>
-                </a:solidFill>
-                <a:effectLst/>
-                <a:uFillTx/>
-                <a:latin typeface="+mn-lt"/>
-                <a:ea typeface="+mn-ea"/>
-                <a:cs typeface="+mn-cs"/>
-                <a:sym typeface="Helvetica Light"/>
-              </a:rPr>
-              <a:t>image</a:t>
-            </a:r>
+            <a:endParaRPr lang="en-US" sz="1800" dirty="0"/>
           </a:p>
         </p:txBody>
       </p:sp>
@@ -23885,7 +24110,7 @@
                   <a:srgbClr val="000000"/>
                 </a:solidFill>
               </a:rPr>
-              <a:t>ISTIO</a:t>
+              <a:t>Istio</a:t>
             </a:r>
             <a:endParaRPr kumimoji="0" lang="en-US" sz="1050" b="1" i="0" u="none" strike="noStrike" cap="none" spc="0" normalizeH="0" baseline="0" dirty="0">
               <a:ln>
@@ -24535,7 +24760,7 @@
           <p:nvPr/>
         </p:nvPicPr>
         <p:blipFill>
-          <a:blip r:embed="rId2"/>
+          <a:blip r:embed="rId3"/>
           <a:stretch>
             <a:fillRect/>
           </a:stretch>
@@ -24612,7 +24837,7 @@
           <p:nvPr/>
         </p:nvPicPr>
         <p:blipFill>
-          <a:blip r:embed="rId3"/>
+          <a:blip r:embed="rId4"/>
           <a:stretch>
             <a:fillRect/>
           </a:stretch>
@@ -24883,7 +25108,7 @@
             <p:nvPr/>
           </p:nvPicPr>
           <p:blipFill>
-            <a:blip r:embed="rId4"/>
+            <a:blip r:embed="rId5"/>
             <a:srcRect l="19624" t="23468" r="19624" b="23468"/>
             <a:stretch>
               <a:fillRect/>
@@ -24914,7 +25139,7 @@
           <p:nvPr/>
         </p:nvPicPr>
         <p:blipFill>
-          <a:blip r:embed="rId5"/>
+          <a:blip r:embed="rId6"/>
           <a:stretch>
             <a:fillRect/>
           </a:stretch>
@@ -25142,6 +25367,278 @@
           <p:nvPr/>
         </p:nvPicPr>
         <p:blipFill>
+          <a:blip r:embed="rId7"/>
+          <a:stretch>
+            <a:fillRect/>
+          </a:stretch>
+        </p:blipFill>
+        <p:spPr>
+          <a:xfrm>
+            <a:off x="5172464" y="2847595"/>
+            <a:ext cx="695118" cy="425181"/>
+          </a:xfrm>
+          <a:prstGeom prst="rect">
+            <a:avLst/>
+          </a:prstGeom>
+        </p:spPr>
+      </p:pic>
+      <p:sp>
+        <p:nvSpPr>
+          <p:cNvPr id="117" name="TextBox 116"/>
+          <p:cNvSpPr txBox="1"/>
+          <p:nvPr/>
+        </p:nvSpPr>
+        <p:spPr>
+          <a:xfrm>
+            <a:off x="3125542" y="4900870"/>
+            <a:ext cx="1365428" cy="264013"/>
+          </a:xfrm>
+          <a:prstGeom prst="rect">
+            <a:avLst/>
+          </a:prstGeom>
+          <a:noFill/>
+          <a:ln w="3175" cap="flat">
+            <a:noFill/>
+            <a:miter lim="400000"/>
+          </a:ln>
+          <a:effectLst/>
+        </p:spPr>
+        <p:style>
+          <a:lnRef idx="0">
+            <a:scrgbClr r="0" g="0" b="0"/>
+          </a:lnRef>
+          <a:fillRef idx="0">
+            <a:scrgbClr r="0" g="0" b="0"/>
+          </a:fillRef>
+          <a:effectRef idx="0">
+            <a:scrgbClr r="0" g="0" b="0"/>
+          </a:effectRef>
+          <a:fontRef idx="none"/>
+        </p:style>
+        <p:txBody>
+          <a:bodyPr rot="0" spcFirstLastPara="1" vertOverflow="overflow" horzOverflow="overflow" vert="horz" wrap="square" lIns="39290" tIns="39290" rIns="39290" bIns="39290" numCol="1" spcCol="38100" rtlCol="0" anchor="ctr">
+            <a:spAutoFit/>
+          </a:bodyPr>
+          <a:lstStyle/>
+          <a:p>
+            <a:pPr rtl="0" latinLnBrk="1" hangingPunct="0"/>
+            <a:r>
+              <a:rPr lang="en-US" sz="1200">
+                <a:solidFill>
+                  <a:srgbClr val="000000"/>
+                </a:solidFill>
+                <a:latin typeface="Arial"/>
+                <a:cs typeface="Arial"/>
+              </a:rPr>
+              <a:t>Web-App</a:t>
+            </a:r>
+          </a:p>
+        </p:txBody>
+      </p:sp>
+      <p:cxnSp>
+        <p:nvCxnSpPr>
+          <p:cNvPr id="118" name="Straight Arrow Connector 62"/>
+          <p:cNvCxnSpPr>
+            <a:cxnSpLocks/>
+          </p:cNvCxnSpPr>
+          <p:nvPr/>
+        </p:nvCxnSpPr>
+        <p:spPr>
+          <a:xfrm>
+            <a:off x="2113030" y="3848018"/>
+            <a:ext cx="1387255" cy="656414"/>
+          </a:xfrm>
+          <a:prstGeom prst="straightConnector1">
+            <a:avLst/>
+          </a:prstGeom>
+          <a:noFill/>
+          <a:ln w="38100" cap="flat" cmpd="sng">
+            <a:solidFill>
+              <a:schemeClr val="bg1">
+                <a:lumMod val="85000"/>
+              </a:schemeClr>
+            </a:solidFill>
+            <a:prstDash val="solid"/>
+            <a:miter lim="400000"/>
+            <a:headEnd type="none"/>
+            <a:tailEnd type="none"/>
+          </a:ln>
+          <a:effectLst/>
+        </p:spPr>
+        <p:style>
+          <a:lnRef idx="0">
+            <a:scrgbClr r="0" g="0" b="0"/>
+          </a:lnRef>
+          <a:fillRef idx="0">
+            <a:scrgbClr r="0" g="0" b="0"/>
+          </a:fillRef>
+          <a:effectRef idx="0">
+            <a:scrgbClr r="0" g="0" b="0"/>
+          </a:effectRef>
+          <a:fontRef idx="none"/>
+        </p:style>
+      </p:cxnSp>
+      <p:pic>
+        <p:nvPicPr>
+          <p:cNvPr id="232" name="Picture 231"/>
+          <p:cNvPicPr>
+            <a:picLocks noChangeAspect="1"/>
+          </p:cNvPicPr>
+          <p:nvPr/>
+        </p:nvPicPr>
+        <p:blipFill>
+          <a:blip r:embed="rId8"/>
+          <a:stretch>
+            <a:fillRect/>
+          </a:stretch>
+        </p:blipFill>
+        <p:spPr>
+          <a:xfrm>
+            <a:off x="3322520" y="3931449"/>
+            <a:ext cx="307414" cy="348208"/>
+          </a:xfrm>
+          <a:prstGeom prst="rect">
+            <a:avLst/>
+          </a:prstGeom>
+        </p:spPr>
+      </p:pic>
+      <p:grpSp>
+        <p:nvGrpSpPr>
+          <p:cNvPr id="22" name="Group 21"/>
+          <p:cNvGrpSpPr/>
+          <p:nvPr/>
+        </p:nvGrpSpPr>
+        <p:grpSpPr>
+          <a:xfrm>
+            <a:off x="3476855" y="4181137"/>
+            <a:ext cx="707235" cy="707233"/>
+            <a:chOff x="555452" y="2050875"/>
+            <a:chExt cx="707235" cy="707233"/>
+          </a:xfrm>
+        </p:grpSpPr>
+        <p:sp>
+          <p:nvSpPr>
+            <p:cNvPr id="110" name="Shape 339"/>
+            <p:cNvSpPr/>
+            <p:nvPr/>
+          </p:nvSpPr>
+          <p:spPr>
+            <a:xfrm>
+              <a:off x="555452" y="2050875"/>
+              <a:ext cx="707235" cy="707233"/>
+            </a:xfrm>
+            <a:custGeom>
+              <a:avLst/>
+              <a:gdLst/>
+              <a:ahLst/>
+              <a:cxnLst>
+                <a:cxn ang="0">
+                  <a:pos x="wd2" y="hd2"/>
+                </a:cxn>
+                <a:cxn ang="5400000">
+                  <a:pos x="wd2" y="hd2"/>
+                </a:cxn>
+                <a:cxn ang="10800000">
+                  <a:pos x="wd2" y="hd2"/>
+                </a:cxn>
+                <a:cxn ang="16200000">
+                  <a:pos x="wd2" y="hd2"/>
+                </a:cxn>
+              </a:cxnLst>
+              <a:rect l="0" t="0" r="r" b="b"/>
+              <a:pathLst>
+                <a:path w="19679" h="19679" extrusionOk="0">
+                  <a:moveTo>
+                    <a:pt x="16796" y="2882"/>
+                  </a:moveTo>
+                  <a:cubicBezTo>
+                    <a:pt x="20639" y="6724"/>
+                    <a:pt x="20639" y="12954"/>
+                    <a:pt x="16796" y="16796"/>
+                  </a:cubicBezTo>
+                  <a:cubicBezTo>
+                    <a:pt x="12954" y="20639"/>
+                    <a:pt x="6724" y="20639"/>
+                    <a:pt x="2882" y="16796"/>
+                  </a:cubicBezTo>
+                  <a:cubicBezTo>
+                    <a:pt x="-961" y="12954"/>
+                    <a:pt x="-961" y="6724"/>
+                    <a:pt x="2882" y="2882"/>
+                  </a:cubicBezTo>
+                  <a:cubicBezTo>
+                    <a:pt x="6724" y="-961"/>
+                    <a:pt x="12954" y="-961"/>
+                    <a:pt x="16796" y="2882"/>
+                  </a:cubicBezTo>
+                  <a:close/>
+                </a:path>
+              </a:pathLst>
+            </a:custGeom>
+            <a:solidFill>
+              <a:srgbClr val="325C80"/>
+            </a:solidFill>
+            <a:ln w="3175" cap="flat">
+              <a:noFill/>
+              <a:miter lim="400000"/>
+            </a:ln>
+            <a:effectLst/>
+          </p:spPr>
+          <p:txBody>
+            <a:bodyPr wrap="square" lIns="0" tIns="0" rIns="0" bIns="0" numCol="1" anchor="ctr">
+              <a:noAutofit/>
+            </a:bodyPr>
+            <a:lstStyle/>
+            <a:p>
+              <a:pPr lvl="0">
+                <a:defRPr sz="1800">
+                  <a:solidFill>
+                    <a:srgbClr val="FFFFFF"/>
+                  </a:solidFill>
+                </a:defRPr>
+              </a:pPr>
+              <a:endParaRPr/>
+            </a:p>
+          </p:txBody>
+        </p:sp>
+        <p:pic>
+          <p:nvPicPr>
+            <p:cNvPr id="111" name="_-41.png"/>
+            <p:cNvPicPr/>
+            <p:nvPr/>
+          </p:nvPicPr>
+          <p:blipFill>
+            <a:blip r:embed="rId9"/>
+            <a:srcRect l="21704" t="15445" r="21704" b="15445"/>
+            <a:stretch>
+              <a:fillRect/>
+            </a:stretch>
+          </p:blipFill>
+          <p:spPr>
+            <a:xfrm>
+              <a:off x="712289" y="2169320"/>
+              <a:ext cx="400239" cy="488767"/>
+            </a:xfrm>
+            <a:prstGeom prst="rect">
+              <a:avLst/>
+            </a:prstGeom>
+            <a:ln w="3175" cap="flat">
+              <a:noFill/>
+              <a:miter lim="400000"/>
+            </a:ln>
+            <a:effectLst/>
+          </p:spPr>
+        </p:pic>
+      </p:grpSp>
+      <p:pic>
+        <p:nvPicPr>
+          <p:cNvPr id="84" name="Picture 83"/>
+          <p:cNvPicPr>
+            <a:picLocks noChangeAspect="1"/>
+          </p:cNvPicPr>
+          <p:nvPr/>
+        </p:nvPicPr>
+        <p:blipFill>
           <a:blip r:embed="rId6"/>
           <a:stretch>
             <a:fillRect/>
@@ -25149,14 +25646,1200 @@
         </p:blipFill>
         <p:spPr>
           <a:xfrm>
-            <a:off x="5172464" y="2847595"/>
-            <a:ext cx="695118" cy="425181"/>
+            <a:off x="5229846" y="1407112"/>
+            <a:ext cx="831816" cy="524254"/>
           </a:xfrm>
           <a:prstGeom prst="rect">
             <a:avLst/>
           </a:prstGeom>
         </p:spPr>
       </p:pic>
+      <p:grpSp>
+        <p:nvGrpSpPr>
+          <p:cNvPr id="63" name="Group 62"/>
+          <p:cNvGrpSpPr/>
+          <p:nvPr/>
+        </p:nvGrpSpPr>
+        <p:grpSpPr>
+          <a:xfrm>
+            <a:off x="5597870" y="1773737"/>
+            <a:ext cx="707233" cy="707233"/>
+            <a:chOff x="600270" y="3372960"/>
+            <a:chExt cx="707233" cy="707233"/>
+          </a:xfrm>
+        </p:grpSpPr>
+        <p:sp>
+          <p:nvSpPr>
+            <p:cNvPr id="70" name="Shape 298"/>
+            <p:cNvSpPr/>
+            <p:nvPr/>
+          </p:nvSpPr>
+          <p:spPr>
+            <a:xfrm>
+              <a:off x="600270" y="3372960"/>
+              <a:ext cx="707233" cy="707233"/>
+            </a:xfrm>
+            <a:custGeom>
+              <a:avLst/>
+              <a:gdLst/>
+              <a:ahLst/>
+              <a:cxnLst>
+                <a:cxn ang="0">
+                  <a:pos x="wd2" y="hd2"/>
+                </a:cxn>
+                <a:cxn ang="5400000">
+                  <a:pos x="wd2" y="hd2"/>
+                </a:cxn>
+                <a:cxn ang="10800000">
+                  <a:pos x="wd2" y="hd2"/>
+                </a:cxn>
+                <a:cxn ang="16200000">
+                  <a:pos x="wd2" y="hd2"/>
+                </a:cxn>
+              </a:cxnLst>
+              <a:rect l="0" t="0" r="r" b="b"/>
+              <a:pathLst>
+                <a:path w="19679" h="19679" extrusionOk="0">
+                  <a:moveTo>
+                    <a:pt x="16796" y="2882"/>
+                  </a:moveTo>
+                  <a:cubicBezTo>
+                    <a:pt x="20639" y="6724"/>
+                    <a:pt x="20639" y="12954"/>
+                    <a:pt x="16796" y="16796"/>
+                  </a:cubicBezTo>
+                  <a:cubicBezTo>
+                    <a:pt x="12954" y="20639"/>
+                    <a:pt x="6724" y="20639"/>
+                    <a:pt x="2882" y="16796"/>
+                  </a:cubicBezTo>
+                  <a:cubicBezTo>
+                    <a:pt x="-961" y="12954"/>
+                    <a:pt x="-961" y="6724"/>
+                    <a:pt x="2882" y="2882"/>
+                  </a:cubicBezTo>
+                  <a:cubicBezTo>
+                    <a:pt x="6724" y="-961"/>
+                    <a:pt x="12954" y="-961"/>
+                    <a:pt x="16796" y="2882"/>
+                  </a:cubicBezTo>
+                  <a:close/>
+                </a:path>
+              </a:pathLst>
+            </a:custGeom>
+            <a:solidFill>
+              <a:srgbClr val="8BC831"/>
+            </a:solidFill>
+            <a:ln w="3175" cap="flat">
+              <a:noFill/>
+              <a:miter lim="400000"/>
+            </a:ln>
+            <a:effectLst/>
+          </p:spPr>
+          <p:txBody>
+            <a:bodyPr wrap="square" lIns="0" tIns="0" rIns="0" bIns="0" numCol="1" anchor="ctr">
+              <a:noAutofit/>
+            </a:bodyPr>
+            <a:lstStyle/>
+            <a:p>
+              <a:pPr lvl="0">
+                <a:defRPr sz="1800">
+                  <a:solidFill>
+                    <a:srgbClr val="FFFFFF"/>
+                  </a:solidFill>
+                </a:defRPr>
+              </a:pPr>
+              <a:endParaRPr/>
+            </a:p>
+          </p:txBody>
+        </p:sp>
+        <p:pic>
+          <p:nvPicPr>
+            <p:cNvPr id="76" name="Picture 75"/>
+            <p:cNvPicPr>
+              <a:picLocks noChangeAspect="1"/>
+            </p:cNvPicPr>
+            <p:nvPr/>
+          </p:nvPicPr>
+          <p:blipFill>
+            <a:blip r:embed="rId10">
+              <a:extLst>
+                <a:ext uri="{28A0092B-C50C-407E-A947-70E740481C1C}">
+                  <a14:useLocalDpi xmlns:a14="http://schemas.microsoft.com/office/drawing/2010/main" val="0"/>
+                </a:ext>
+              </a:extLst>
+            </a:blip>
+            <a:stretch>
+              <a:fillRect/>
+            </a:stretch>
+          </p:blipFill>
+          <p:spPr>
+            <a:xfrm>
+              <a:off x="805885" y="3465709"/>
+              <a:ext cx="292608" cy="445008"/>
+            </a:xfrm>
+            <a:prstGeom prst="rect">
+              <a:avLst/>
+            </a:prstGeom>
+          </p:spPr>
+        </p:pic>
+      </p:grpSp>
+      <p:grpSp>
+        <p:nvGrpSpPr>
+          <p:cNvPr id="65" name="Group 64"/>
+          <p:cNvGrpSpPr/>
+          <p:nvPr/>
+        </p:nvGrpSpPr>
+        <p:grpSpPr>
+          <a:xfrm>
+            <a:off x="1500579" y="3260135"/>
+            <a:ext cx="707233" cy="707234"/>
+            <a:chOff x="3587103" y="3636248"/>
+            <a:chExt cx="707233" cy="707234"/>
+          </a:xfrm>
+        </p:grpSpPr>
+        <p:sp>
+          <p:nvSpPr>
+            <p:cNvPr id="66" name="Shape 529"/>
+            <p:cNvSpPr/>
+            <p:nvPr/>
+          </p:nvSpPr>
+          <p:spPr>
+            <a:xfrm>
+              <a:off x="3587103" y="3636248"/>
+              <a:ext cx="707233" cy="707234"/>
+            </a:xfrm>
+            <a:custGeom>
+              <a:avLst/>
+              <a:gdLst/>
+              <a:ahLst/>
+              <a:cxnLst>
+                <a:cxn ang="0">
+                  <a:pos x="wd2" y="hd2"/>
+                </a:cxn>
+                <a:cxn ang="5400000">
+                  <a:pos x="wd2" y="hd2"/>
+                </a:cxn>
+                <a:cxn ang="10800000">
+                  <a:pos x="wd2" y="hd2"/>
+                </a:cxn>
+                <a:cxn ang="16200000">
+                  <a:pos x="wd2" y="hd2"/>
+                </a:cxn>
+              </a:cxnLst>
+              <a:rect l="0" t="0" r="r" b="b"/>
+              <a:pathLst>
+                <a:path w="19679" h="19679" extrusionOk="0">
+                  <a:moveTo>
+                    <a:pt x="16796" y="2882"/>
+                  </a:moveTo>
+                  <a:cubicBezTo>
+                    <a:pt x="20639" y="6724"/>
+                    <a:pt x="20639" y="12954"/>
+                    <a:pt x="16796" y="16796"/>
+                  </a:cubicBezTo>
+                  <a:cubicBezTo>
+                    <a:pt x="12954" y="20639"/>
+                    <a:pt x="6724" y="20639"/>
+                    <a:pt x="2882" y="16796"/>
+                  </a:cubicBezTo>
+                  <a:cubicBezTo>
+                    <a:pt x="-961" y="12954"/>
+                    <a:pt x="-961" y="6724"/>
+                    <a:pt x="2882" y="2882"/>
+                  </a:cubicBezTo>
+                  <a:cubicBezTo>
+                    <a:pt x="6724" y="-961"/>
+                    <a:pt x="12954" y="-961"/>
+                    <a:pt x="16796" y="2882"/>
+                  </a:cubicBezTo>
+                  <a:close/>
+                </a:path>
+              </a:pathLst>
+            </a:custGeom>
+            <a:solidFill>
+              <a:srgbClr val="196970"/>
+            </a:solidFill>
+            <a:ln w="3175" cap="flat">
+              <a:noFill/>
+              <a:miter lim="400000"/>
+            </a:ln>
+            <a:effectLst/>
+          </p:spPr>
+          <p:txBody>
+            <a:bodyPr wrap="square" lIns="0" tIns="0" rIns="0" bIns="0" numCol="1" anchor="ctr">
+              <a:noAutofit/>
+            </a:bodyPr>
+            <a:lstStyle/>
+            <a:p>
+              <a:pPr lvl="0">
+                <a:defRPr sz="1800">
+                  <a:solidFill>
+                    <a:srgbClr val="FFFFFF"/>
+                  </a:solidFill>
+                </a:defRPr>
+              </a:pPr>
+              <a:endParaRPr/>
+            </a:p>
+          </p:txBody>
+        </p:sp>
+        <p:pic>
+          <p:nvPicPr>
+            <p:cNvPr id="67" name="_-47.png"/>
+            <p:cNvPicPr/>
+            <p:nvPr/>
+          </p:nvPicPr>
+          <p:blipFill>
+            <a:blip r:embed="rId11"/>
+            <a:srcRect l="17032" t="20462" r="17032" b="20462"/>
+            <a:stretch>
+              <a:fillRect/>
+            </a:stretch>
+          </p:blipFill>
+          <p:spPr>
+            <a:xfrm>
+              <a:off x="3723113" y="3770499"/>
+              <a:ext cx="466313" cy="417807"/>
+            </a:xfrm>
+            <a:prstGeom prst="rect">
+              <a:avLst/>
+            </a:prstGeom>
+            <a:ln w="3175" cap="flat">
+              <a:noFill/>
+              <a:miter lim="400000"/>
+            </a:ln>
+            <a:effectLst/>
+          </p:spPr>
+        </p:pic>
+      </p:grpSp>
+      <p:sp>
+        <p:nvSpPr>
+          <p:cNvPr id="68" name="TextBox 67"/>
+          <p:cNvSpPr txBox="1"/>
+          <p:nvPr/>
+        </p:nvSpPr>
+        <p:spPr>
+          <a:xfrm>
+            <a:off x="1238976" y="4052430"/>
+            <a:ext cx="1218324" cy="264013"/>
+          </a:xfrm>
+          <a:prstGeom prst="rect">
+            <a:avLst/>
+          </a:prstGeom>
+          <a:noFill/>
+          <a:ln w="3175" cap="flat">
+            <a:noFill/>
+            <a:miter lim="400000"/>
+          </a:ln>
+          <a:effectLst/>
+        </p:spPr>
+        <p:style>
+          <a:lnRef idx="0">
+            <a:scrgbClr r="0" g="0" b="0"/>
+          </a:lnRef>
+          <a:fillRef idx="0">
+            <a:scrgbClr r="0" g="0" b="0"/>
+          </a:fillRef>
+          <a:effectRef idx="0">
+            <a:scrgbClr r="0" g="0" b="0"/>
+          </a:effectRef>
+          <a:fontRef idx="none"/>
+        </p:style>
+        <p:txBody>
+          <a:bodyPr rot="0" spcFirstLastPara="1" vertOverflow="overflow" horzOverflow="overflow" vert="horz" wrap="square" lIns="39290" tIns="39290" rIns="39290" bIns="39290" numCol="1" spcCol="38100" rtlCol="0" anchor="ctr">
+            <a:spAutoFit/>
+          </a:bodyPr>
+          <a:lstStyle/>
+          <a:p>
+            <a:pPr rtl="0" latinLnBrk="1" hangingPunct="0"/>
+            <a:r>
+              <a:rPr lang="en-US" sz="1200" dirty="0">
+                <a:solidFill>
+                  <a:srgbClr val="000000"/>
+                </a:solidFill>
+                <a:latin typeface="Arial"/>
+                <a:cs typeface="Arial"/>
+              </a:rPr>
+              <a:t>Istio Ingress</a:t>
+            </a:r>
+          </a:p>
+        </p:txBody>
+      </p:sp>
+      <p:cxnSp>
+        <p:nvCxnSpPr>
+          <p:cNvPr id="96" name="Straight Arrow Connector 62">
+            <a:extLst>
+              <a:ext uri="{FF2B5EF4-FFF2-40B4-BE49-F238E27FC236}">
+                <a16:creationId xmlns:a16="http://schemas.microsoft.com/office/drawing/2014/main" id="{81F8C912-EC3D-B144-A560-0B420356B8C0}"/>
+              </a:ext>
+            </a:extLst>
+          </p:cNvPr>
+          <p:cNvCxnSpPr>
+            <a:cxnSpLocks/>
+          </p:cNvCxnSpPr>
+          <p:nvPr/>
+        </p:nvCxnSpPr>
+        <p:spPr>
+          <a:xfrm>
+            <a:off x="1021545" y="3598116"/>
+            <a:ext cx="474060" cy="5975"/>
+          </a:xfrm>
+          <a:prstGeom prst="straightConnector1">
+            <a:avLst/>
+          </a:prstGeom>
+          <a:noFill/>
+          <a:ln w="38100" cap="flat" cmpd="sng">
+            <a:solidFill>
+              <a:schemeClr val="bg1">
+                <a:lumMod val="85000"/>
+              </a:schemeClr>
+            </a:solidFill>
+            <a:prstDash val="solid"/>
+            <a:miter lim="400000"/>
+            <a:headEnd type="none"/>
+            <a:tailEnd type="none"/>
+          </a:ln>
+          <a:effectLst/>
+        </p:spPr>
+        <p:style>
+          <a:lnRef idx="0">
+            <a:scrgbClr r="0" g="0" b="0"/>
+          </a:lnRef>
+          <a:fillRef idx="0">
+            <a:scrgbClr r="0" g="0" b="0"/>
+          </a:fillRef>
+          <a:effectRef idx="0">
+            <a:scrgbClr r="0" g="0" b="0"/>
+          </a:effectRef>
+          <a:fontRef idx="none"/>
+        </p:style>
+      </p:cxnSp>
+    </p:spTree>
+    <p:extLst>
+      <p:ext uri="{BB962C8B-B14F-4D97-AF65-F5344CB8AC3E}">
+        <p14:creationId xmlns:p14="http://schemas.microsoft.com/office/powerpoint/2010/main" val="1664782297"/>
+      </p:ext>
+    </p:extLst>
+  </p:cSld>
+  <p:clrMapOvr>
+    <a:masterClrMapping/>
+  </p:clrMapOvr>
+  <p:transition spd="med"/>
+</p:sld>
+</file>
+
+<file path=ppt/slides/slide4.xml><?xml version="1.0" encoding="utf-8"?>
+<p:sld xmlns:a="http://schemas.openxmlformats.org/drawingml/2006/main" xmlns:r="http://schemas.openxmlformats.org/officeDocument/2006/relationships" xmlns:p="http://schemas.openxmlformats.org/presentationml/2006/main">
+  <p:cSld>
+    <p:spTree>
+      <p:nvGrpSpPr>
+        <p:cNvPr id="1" name=""/>
+        <p:cNvGrpSpPr/>
+        <p:nvPr/>
+      </p:nvGrpSpPr>
+      <p:grpSpPr>
+        <a:xfrm>
+          <a:off x="0" y="0"/>
+          <a:ext cx="0" cy="0"/>
+          <a:chOff x="0" y="0"/>
+          <a:chExt cx="0" cy="0"/>
+        </a:xfrm>
+      </p:grpSpPr>
+      <p:cxnSp>
+        <p:nvCxnSpPr>
+          <p:cNvPr id="176" name="Straight Arrow Connector 62"/>
+          <p:cNvCxnSpPr>
+            <a:cxnSpLocks/>
+          </p:cNvCxnSpPr>
+          <p:nvPr/>
+        </p:nvCxnSpPr>
+        <p:spPr>
+          <a:xfrm flipH="1">
+            <a:off x="3819210" y="2124984"/>
+            <a:ext cx="1800263" cy="726814"/>
+          </a:xfrm>
+          <a:prstGeom prst="straightConnector1">
+            <a:avLst/>
+          </a:prstGeom>
+          <a:noFill/>
+          <a:ln w="38100" cap="flat" cmpd="sng">
+            <a:solidFill>
+              <a:schemeClr val="bg1">
+                <a:lumMod val="85000"/>
+              </a:schemeClr>
+            </a:solidFill>
+            <a:prstDash val="solid"/>
+            <a:miter lim="400000"/>
+            <a:headEnd type="none"/>
+            <a:tailEnd type="none"/>
+          </a:ln>
+          <a:effectLst/>
+        </p:spPr>
+        <p:style>
+          <a:lnRef idx="0">
+            <a:scrgbClr r="0" g="0" b="0"/>
+          </a:lnRef>
+          <a:fillRef idx="0">
+            <a:scrgbClr r="0" g="0" b="0"/>
+          </a:fillRef>
+          <a:effectRef idx="0">
+            <a:scrgbClr r="0" g="0" b="0"/>
+          </a:effectRef>
+          <a:fontRef idx="none"/>
+        </p:style>
+      </p:cxnSp>
+      <p:cxnSp>
+        <p:nvCxnSpPr>
+          <p:cNvPr id="189" name="Straight Arrow Connector 62"/>
+          <p:cNvCxnSpPr>
+            <a:cxnSpLocks/>
+          </p:cNvCxnSpPr>
+          <p:nvPr/>
+        </p:nvCxnSpPr>
+        <p:spPr>
+          <a:xfrm>
+            <a:off x="3766211" y="2897742"/>
+            <a:ext cx="1775799" cy="555124"/>
+          </a:xfrm>
+          <a:prstGeom prst="straightConnector1">
+            <a:avLst/>
+          </a:prstGeom>
+          <a:noFill/>
+          <a:ln w="38100" cap="flat" cmpd="sng">
+            <a:solidFill>
+              <a:schemeClr val="bg1">
+                <a:lumMod val="85000"/>
+              </a:schemeClr>
+            </a:solidFill>
+            <a:prstDash val="solid"/>
+            <a:miter lim="400000"/>
+            <a:headEnd type="none"/>
+            <a:tailEnd type="none"/>
+          </a:ln>
+          <a:effectLst/>
+        </p:spPr>
+        <p:style>
+          <a:lnRef idx="0">
+            <a:scrgbClr r="0" g="0" b="0"/>
+          </a:lnRef>
+          <a:fillRef idx="0">
+            <a:scrgbClr r="0" g="0" b="0"/>
+          </a:fillRef>
+          <a:effectRef idx="0">
+            <a:scrgbClr r="0" g="0" b="0"/>
+          </a:effectRef>
+          <a:fontRef idx="none"/>
+        </p:style>
+      </p:cxnSp>
+      <p:sp>
+        <p:nvSpPr>
+          <p:cNvPr id="148" name="Shape 62"/>
+          <p:cNvSpPr/>
+          <p:nvPr/>
+        </p:nvSpPr>
+        <p:spPr>
+          <a:xfrm flipV="1">
+            <a:off x="1848138" y="776062"/>
+            <a:ext cx="0" cy="6667098"/>
+          </a:xfrm>
+          <a:prstGeom prst="line">
+            <a:avLst/>
+          </a:prstGeom>
+          <a:ln w="25400">
+            <a:solidFill>
+              <a:schemeClr val="bg1">
+                <a:lumMod val="85000"/>
+              </a:schemeClr>
+            </a:solidFill>
+            <a:miter lim="400000"/>
+          </a:ln>
+        </p:spPr>
+        <p:txBody>
+          <a:bodyPr lIns="0" tIns="0" rIns="0" bIns="0" anchor="ctr"/>
+          <a:lstStyle/>
+          <a:p>
+            <a:pPr lvl="0">
+              <a:defRPr sz="1800"/>
+            </a:pPr>
+            <a:endParaRPr/>
+          </a:p>
+        </p:txBody>
+      </p:sp>
+      <p:sp>
+        <p:nvSpPr>
+          <p:cNvPr id="210" name="Shape 64"/>
+          <p:cNvSpPr/>
+          <p:nvPr/>
+        </p:nvSpPr>
+        <p:spPr>
+          <a:xfrm>
+            <a:off x="1495605" y="804577"/>
+            <a:ext cx="5676030" cy="246221"/>
+          </a:xfrm>
+          <a:prstGeom prst="rect">
+            <a:avLst/>
+          </a:prstGeom>
+          <a:ln w="3175">
+            <a:miter lim="400000"/>
+          </a:ln>
+          <a:extLst>
+            <a:ext uri="{C572A759-6A51-4108-AA02-DFA0A04FC94B}">
+              <ma14:wrappingTextBoxFlag xmlns:ma14="http://schemas.microsoft.com/office/mac/drawingml/2011/main" xmlns="" val="1"/>
+            </a:ext>
+          </a:extLst>
+        </p:spPr>
+        <p:txBody>
+          <a:bodyPr wrap="square" lIns="0" tIns="0" rIns="0" bIns="0">
+            <a:spAutoFit/>
+          </a:bodyPr>
+          <a:lstStyle>
+            <a:lvl1pPr algn="l">
+              <a:defRPr sz="1000" b="1">
+                <a:solidFill>
+                  <a:srgbClr val="4277BB"/>
+                </a:solidFill>
+                <a:latin typeface="Helvetica"/>
+                <a:ea typeface="Helvetica"/>
+                <a:cs typeface="Helvetica"/>
+                <a:sym typeface="Helvetica"/>
+              </a:defRPr>
+            </a:lvl1pPr>
+          </a:lstStyle>
+          <a:p>
+            <a:pPr lvl="0" algn="ctr">
+              <a:defRPr sz="1800" b="0">
+                <a:solidFill>
+                  <a:srgbClr val="000000"/>
+                </a:solidFill>
+              </a:defRPr>
+            </a:pPr>
+            <a:r>
+              <a:rPr lang="de-DE" sz="1600" b="1">
+                <a:solidFill>
+                  <a:srgbClr val="000000"/>
+                </a:solidFill>
+                <a:latin typeface="Arial"/>
+                <a:cs typeface="Arial"/>
+              </a:rPr>
+              <a:t>Kubernetes with Istio</a:t>
+            </a:r>
+            <a:endParaRPr sz="1600">
+              <a:solidFill>
+                <a:srgbClr val="000000"/>
+              </a:solidFill>
+              <a:latin typeface="Arial"/>
+              <a:cs typeface="Arial"/>
+            </a:endParaRPr>
+          </a:p>
+        </p:txBody>
+      </p:sp>
+      <p:pic>
+        <p:nvPicPr>
+          <p:cNvPr id="211" name="Picture 210"/>
+          <p:cNvPicPr>
+            <a:picLocks noChangeAspect="1"/>
+          </p:cNvPicPr>
+          <p:nvPr/>
+        </p:nvPicPr>
+        <p:blipFill>
+          <a:blip r:embed="rId3"/>
+          <a:stretch>
+            <a:fillRect/>
+          </a:stretch>
+        </p:blipFill>
+        <p:spPr>
+          <a:xfrm>
+            <a:off x="275704" y="3280190"/>
+            <a:ext cx="803034" cy="701972"/>
+          </a:xfrm>
+          <a:prstGeom prst="rect">
+            <a:avLst/>
+          </a:prstGeom>
+        </p:spPr>
+      </p:pic>
+      <p:sp>
+        <p:nvSpPr>
+          <p:cNvPr id="212" name="TextBox 211"/>
+          <p:cNvSpPr txBox="1"/>
+          <p:nvPr/>
+        </p:nvSpPr>
+        <p:spPr>
+          <a:xfrm>
+            <a:off x="91289" y="3989911"/>
+            <a:ext cx="1181319" cy="264013"/>
+          </a:xfrm>
+          <a:prstGeom prst="rect">
+            <a:avLst/>
+          </a:prstGeom>
+          <a:noFill/>
+          <a:ln w="3175" cap="flat">
+            <a:noFill/>
+            <a:miter lim="400000"/>
+          </a:ln>
+          <a:effectLst/>
+        </p:spPr>
+        <p:style>
+          <a:lnRef idx="0">
+            <a:scrgbClr r="0" g="0" b="0"/>
+          </a:lnRef>
+          <a:fillRef idx="0">
+            <a:scrgbClr r="0" g="0" b="0"/>
+          </a:fillRef>
+          <a:effectRef idx="0">
+            <a:scrgbClr r="0" g="0" b="0"/>
+          </a:effectRef>
+          <a:fontRef idx="none"/>
+        </p:style>
+        <p:txBody>
+          <a:bodyPr rot="0" spcFirstLastPara="1" vertOverflow="overflow" horzOverflow="overflow" vert="horz" wrap="square" lIns="39290" tIns="39290" rIns="39290" bIns="39290" numCol="1" spcCol="38100" rtlCol="0" anchor="ctr">
+            <a:spAutoFit/>
+          </a:bodyPr>
+          <a:lstStyle/>
+          <a:p>
+            <a:pPr rtl="0" latinLnBrk="1" hangingPunct="0"/>
+            <a:r>
+              <a:rPr lang="en-US" sz="1200">
+                <a:solidFill>
+                  <a:srgbClr val="000000"/>
+                </a:solidFill>
+                <a:latin typeface="Arial"/>
+                <a:cs typeface="Arial"/>
+              </a:rPr>
+              <a:t>Web-App</a:t>
+            </a:r>
+          </a:p>
+        </p:txBody>
+      </p:sp>
+      <p:pic>
+        <p:nvPicPr>
+          <p:cNvPr id="216" name="Picture 215"/>
+          <p:cNvPicPr>
+            <a:picLocks noChangeAspect="1"/>
+          </p:cNvPicPr>
+          <p:nvPr/>
+        </p:nvPicPr>
+        <p:blipFill>
+          <a:blip r:embed="rId4"/>
+          <a:stretch>
+            <a:fillRect/>
+          </a:stretch>
+        </p:blipFill>
+        <p:spPr>
+          <a:xfrm>
+            <a:off x="3294635" y="2454718"/>
+            <a:ext cx="895939" cy="860102"/>
+          </a:xfrm>
+          <a:prstGeom prst="rect">
+            <a:avLst/>
+          </a:prstGeom>
+        </p:spPr>
+      </p:pic>
+      <p:sp>
+        <p:nvSpPr>
+          <p:cNvPr id="57" name="Shape 64"/>
+          <p:cNvSpPr/>
+          <p:nvPr/>
+        </p:nvSpPr>
+        <p:spPr>
+          <a:xfrm>
+            <a:off x="82313" y="788870"/>
+            <a:ext cx="1716821" cy="246221"/>
+          </a:xfrm>
+          <a:prstGeom prst="rect">
+            <a:avLst/>
+          </a:prstGeom>
+          <a:ln w="3175">
+            <a:miter lim="400000"/>
+          </a:ln>
+          <a:extLst>
+            <a:ext uri="{C572A759-6A51-4108-AA02-DFA0A04FC94B}">
+              <ma14:wrappingTextBoxFlag xmlns:ma14="http://schemas.microsoft.com/office/mac/drawingml/2011/main" xmlns="" val="1"/>
+            </a:ext>
+          </a:extLst>
+        </p:spPr>
+        <p:txBody>
+          <a:bodyPr wrap="square" lIns="0" tIns="0" rIns="0" bIns="0">
+            <a:spAutoFit/>
+          </a:bodyPr>
+          <a:lstStyle>
+            <a:lvl1pPr algn="l">
+              <a:defRPr sz="1000" b="1">
+                <a:solidFill>
+                  <a:srgbClr val="4277BB"/>
+                </a:solidFill>
+                <a:latin typeface="Helvetica"/>
+                <a:ea typeface="Helvetica"/>
+                <a:cs typeface="Helvetica"/>
+                <a:sym typeface="Helvetica"/>
+              </a:defRPr>
+            </a:lvl1pPr>
+          </a:lstStyle>
+          <a:p>
+            <a:pPr lvl="0" algn="ctr">
+              <a:defRPr sz="1800" b="0">
+                <a:solidFill>
+                  <a:srgbClr val="000000"/>
+                </a:solidFill>
+              </a:defRPr>
+            </a:pPr>
+            <a:r>
+              <a:rPr lang="de-DE" sz="1600" b="1">
+                <a:solidFill>
+                  <a:srgbClr val="000000"/>
+                </a:solidFill>
+                <a:latin typeface="Arial"/>
+                <a:cs typeface="Arial"/>
+              </a:rPr>
+              <a:t>Browser</a:t>
+            </a:r>
+            <a:endParaRPr sz="1600">
+              <a:solidFill>
+                <a:srgbClr val="000000"/>
+              </a:solidFill>
+              <a:latin typeface="Arial"/>
+              <a:cs typeface="Arial"/>
+            </a:endParaRPr>
+          </a:p>
+        </p:txBody>
+      </p:sp>
+      <p:sp>
+        <p:nvSpPr>
+          <p:cNvPr id="64" name="TextBox 63"/>
+          <p:cNvSpPr txBox="1"/>
+          <p:nvPr/>
+        </p:nvSpPr>
+        <p:spPr>
+          <a:xfrm>
+            <a:off x="3027693" y="3341900"/>
+            <a:ext cx="1506878" cy="264013"/>
+          </a:xfrm>
+          <a:prstGeom prst="rect">
+            <a:avLst/>
+          </a:prstGeom>
+          <a:noFill/>
+          <a:ln w="3175" cap="flat">
+            <a:noFill/>
+            <a:miter lim="400000"/>
+          </a:ln>
+          <a:effectLst/>
+        </p:spPr>
+        <p:style>
+          <a:lnRef idx="0">
+            <a:scrgbClr r="0" g="0" b="0"/>
+          </a:lnRef>
+          <a:fillRef idx="0">
+            <a:scrgbClr r="0" g="0" b="0"/>
+          </a:fillRef>
+          <a:effectRef idx="0">
+            <a:scrgbClr r="0" g="0" b="0"/>
+          </a:effectRef>
+          <a:fontRef idx="none"/>
+        </p:style>
+        <p:txBody>
+          <a:bodyPr rot="0" spcFirstLastPara="1" vertOverflow="overflow" horzOverflow="overflow" vert="horz" wrap="square" lIns="39290" tIns="39290" rIns="39290" bIns="39290" numCol="1" spcCol="38100" rtlCol="0" anchor="ctr">
+            <a:spAutoFit/>
+          </a:bodyPr>
+          <a:lstStyle/>
+          <a:p>
+            <a:pPr marL="0" marR="0" indent="0" defTabSz="584200" rtl="0" fontAlgn="auto" latinLnBrk="1" hangingPunct="0">
+              <a:lnSpc>
+                <a:spcPct val="100000"/>
+              </a:lnSpc>
+              <a:spcBef>
+                <a:spcPts val="0"/>
+              </a:spcBef>
+              <a:spcAft>
+                <a:spcPts val="0"/>
+              </a:spcAft>
+              <a:buClrTx/>
+              <a:buSzTx/>
+              <a:buFontTx/>
+              <a:buNone/>
+              <a:tabLst/>
+            </a:pPr>
+            <a:r>
+              <a:rPr lang="en-US" sz="1200">
+                <a:solidFill>
+                  <a:srgbClr val="000000"/>
+                </a:solidFill>
+                <a:latin typeface="Arial"/>
+                <a:cs typeface="Arial"/>
+              </a:rPr>
+              <a:t>Web-API v1</a:t>
+            </a:r>
+            <a:endParaRPr kumimoji="0" lang="en-US" sz="1200" b="0" i="0" u="none" strike="noStrike" cap="none" spc="0" normalizeH="0" baseline="0">
+              <a:ln>
+                <a:noFill/>
+              </a:ln>
+              <a:solidFill>
+                <a:srgbClr val="000000"/>
+              </a:solidFill>
+              <a:effectLst/>
+              <a:uFillTx/>
+              <a:latin typeface="Arial"/>
+              <a:ea typeface="+mn-ea"/>
+              <a:cs typeface="Arial"/>
+              <a:sym typeface="Helvetica Light"/>
+            </a:endParaRPr>
+          </a:p>
+        </p:txBody>
+      </p:sp>
+      <p:grpSp>
+        <p:nvGrpSpPr>
+          <p:cNvPr id="9" name="Group 8"/>
+          <p:cNvGrpSpPr/>
+          <p:nvPr/>
+        </p:nvGrpSpPr>
+        <p:grpSpPr>
+          <a:xfrm>
+            <a:off x="5597870" y="3165843"/>
+            <a:ext cx="707233" cy="707233"/>
+            <a:chOff x="394759" y="4656919"/>
+            <a:chExt cx="707233" cy="707233"/>
+          </a:xfrm>
+        </p:grpSpPr>
+        <p:sp>
+          <p:nvSpPr>
+            <p:cNvPr id="72" name="Shape 272"/>
+            <p:cNvSpPr/>
+            <p:nvPr/>
+          </p:nvSpPr>
+          <p:spPr>
+            <a:xfrm>
+              <a:off x="394759" y="4656919"/>
+              <a:ext cx="707233" cy="707233"/>
+            </a:xfrm>
+            <a:custGeom>
+              <a:avLst/>
+              <a:gdLst/>
+              <a:ahLst/>
+              <a:cxnLst>
+                <a:cxn ang="0">
+                  <a:pos x="wd2" y="hd2"/>
+                </a:cxn>
+                <a:cxn ang="5400000">
+                  <a:pos x="wd2" y="hd2"/>
+                </a:cxn>
+                <a:cxn ang="10800000">
+                  <a:pos x="wd2" y="hd2"/>
+                </a:cxn>
+                <a:cxn ang="16200000">
+                  <a:pos x="wd2" y="hd2"/>
+                </a:cxn>
+              </a:cxnLst>
+              <a:rect l="0" t="0" r="r" b="b"/>
+              <a:pathLst>
+                <a:path w="19679" h="19679" extrusionOk="0">
+                  <a:moveTo>
+                    <a:pt x="16796" y="2882"/>
+                  </a:moveTo>
+                  <a:cubicBezTo>
+                    <a:pt x="20639" y="6724"/>
+                    <a:pt x="20639" y="12954"/>
+                    <a:pt x="16796" y="16796"/>
+                  </a:cubicBezTo>
+                  <a:cubicBezTo>
+                    <a:pt x="12954" y="20639"/>
+                    <a:pt x="6724" y="20639"/>
+                    <a:pt x="2882" y="16796"/>
+                  </a:cubicBezTo>
+                  <a:cubicBezTo>
+                    <a:pt x="-961" y="12954"/>
+                    <a:pt x="-961" y="6724"/>
+                    <a:pt x="2882" y="2882"/>
+                  </a:cubicBezTo>
+                  <a:cubicBezTo>
+                    <a:pt x="6724" y="-961"/>
+                    <a:pt x="12954" y="-961"/>
+                    <a:pt x="16796" y="2882"/>
+                  </a:cubicBezTo>
+                  <a:close/>
+                </a:path>
+              </a:pathLst>
+            </a:custGeom>
+            <a:solidFill>
+              <a:srgbClr val="8DC53F"/>
+            </a:solidFill>
+            <a:ln w="3175" cap="flat">
+              <a:noFill/>
+              <a:miter lim="400000"/>
+            </a:ln>
+            <a:effectLst/>
+          </p:spPr>
+          <p:txBody>
+            <a:bodyPr wrap="square" lIns="0" tIns="0" rIns="0" bIns="0" numCol="1" anchor="ctr">
+              <a:noAutofit/>
+            </a:bodyPr>
+            <a:lstStyle/>
+            <a:p>
+              <a:pPr lvl="0">
+                <a:defRPr sz="1800">
+                  <a:solidFill>
+                    <a:srgbClr val="FFFFFF"/>
+                  </a:solidFill>
+                </a:defRPr>
+              </a:pPr>
+              <a:endParaRPr/>
+            </a:p>
+          </p:txBody>
+        </p:sp>
+        <p:pic>
+          <p:nvPicPr>
+            <p:cNvPr id="74" name="_-13.png"/>
+            <p:cNvPicPr/>
+            <p:nvPr/>
+          </p:nvPicPr>
+          <p:blipFill>
+            <a:blip r:embed="rId5"/>
+            <a:srcRect l="19624" t="23468" r="19624" b="23468"/>
+            <a:stretch>
+              <a:fillRect/>
+            </a:stretch>
+          </p:blipFill>
+          <p:spPr>
+            <a:xfrm>
+              <a:off x="535947" y="4822892"/>
+              <a:ext cx="429660" cy="375287"/>
+            </a:xfrm>
+            <a:prstGeom prst="rect">
+              <a:avLst/>
+            </a:prstGeom>
+            <a:ln w="3175" cap="flat">
+              <a:noFill/>
+              <a:miter lim="400000"/>
+            </a:ln>
+            <a:effectLst/>
+          </p:spPr>
+        </p:pic>
+      </p:grpSp>
+      <p:pic>
+        <p:nvPicPr>
+          <p:cNvPr id="78" name="Picture 77"/>
+          <p:cNvPicPr>
+            <a:picLocks noChangeAspect="1"/>
+          </p:cNvPicPr>
+          <p:nvPr/>
+        </p:nvPicPr>
+        <p:blipFill>
+          <a:blip r:embed="rId6"/>
+          <a:stretch>
+            <a:fillRect/>
+          </a:stretch>
+        </p:blipFill>
+        <p:spPr>
+          <a:xfrm>
+            <a:off x="3083904" y="2169120"/>
+            <a:ext cx="831816" cy="524254"/>
+          </a:xfrm>
+          <a:prstGeom prst="rect">
+            <a:avLst/>
+          </a:prstGeom>
+        </p:spPr>
+      </p:pic>
+      <p:sp>
+        <p:nvSpPr>
+          <p:cNvPr id="80" name="TextBox 79"/>
+          <p:cNvSpPr txBox="1"/>
+          <p:nvPr/>
+        </p:nvSpPr>
+        <p:spPr>
+          <a:xfrm>
+            <a:off x="5207811" y="2470326"/>
+            <a:ext cx="1506878" cy="264013"/>
+          </a:xfrm>
+          <a:prstGeom prst="rect">
+            <a:avLst/>
+          </a:prstGeom>
+          <a:noFill/>
+          <a:ln w="3175" cap="flat">
+            <a:noFill/>
+            <a:miter lim="400000"/>
+          </a:ln>
+          <a:effectLst/>
+        </p:spPr>
+        <p:style>
+          <a:lnRef idx="0">
+            <a:scrgbClr r="0" g="0" b="0"/>
+          </a:lnRef>
+          <a:fillRef idx="0">
+            <a:scrgbClr r="0" g="0" b="0"/>
+          </a:fillRef>
+          <a:effectRef idx="0">
+            <a:scrgbClr r="0" g="0" b="0"/>
+          </a:effectRef>
+          <a:fontRef idx="none"/>
+        </p:style>
+        <p:txBody>
+          <a:bodyPr rot="0" spcFirstLastPara="1" vertOverflow="overflow" horzOverflow="overflow" vert="horz" wrap="square" lIns="39290" tIns="39290" rIns="39290" bIns="39290" numCol="1" spcCol="38100" rtlCol="0" anchor="ctr">
+            <a:spAutoFit/>
+          </a:bodyPr>
+          <a:lstStyle/>
+          <a:p>
+            <a:pPr marL="0" marR="0" indent="0" defTabSz="584200" rtl="0" fontAlgn="auto" latinLnBrk="1" hangingPunct="0">
+              <a:lnSpc>
+                <a:spcPct val="100000"/>
+              </a:lnSpc>
+              <a:spcBef>
+                <a:spcPts val="0"/>
+              </a:spcBef>
+              <a:spcAft>
+                <a:spcPts val="0"/>
+              </a:spcAft>
+              <a:buClrTx/>
+              <a:buSzTx/>
+              <a:buFontTx/>
+              <a:buNone/>
+              <a:tabLst/>
+            </a:pPr>
+            <a:r>
+              <a:rPr kumimoji="0" lang="en-US" sz="1200" b="0" i="0" u="none" strike="noStrike" cap="none" spc="0" normalizeH="0" baseline="0">
+                <a:ln>
+                  <a:noFill/>
+                </a:ln>
+                <a:solidFill>
+                  <a:srgbClr val="000000"/>
+                </a:solidFill>
+                <a:effectLst/>
+                <a:uFillTx/>
+                <a:latin typeface="Arial"/>
+                <a:ea typeface="+mn-ea"/>
+                <a:cs typeface="Arial"/>
+                <a:sym typeface="Helvetica Light"/>
+              </a:rPr>
+              <a:t>Articles</a:t>
+            </a:r>
+          </a:p>
+        </p:txBody>
+      </p:sp>
+      <p:cxnSp>
+        <p:nvCxnSpPr>
+          <p:cNvPr id="92" name="Straight Arrow Connector 62"/>
+          <p:cNvCxnSpPr>
+            <a:cxnSpLocks/>
+            <a:endCxn id="216" idx="1"/>
+          </p:cNvCxnSpPr>
+          <p:nvPr/>
+        </p:nvCxnSpPr>
+        <p:spPr>
+          <a:xfrm flipV="1">
+            <a:off x="1881524" y="2884769"/>
+            <a:ext cx="1413111" cy="629078"/>
+          </a:xfrm>
+          <a:prstGeom prst="straightConnector1">
+            <a:avLst/>
+          </a:prstGeom>
+          <a:noFill/>
+          <a:ln w="38100" cap="flat" cmpd="sng">
+            <a:solidFill>
+              <a:schemeClr val="bg1">
+                <a:lumMod val="85000"/>
+              </a:schemeClr>
+            </a:solidFill>
+            <a:prstDash val="solid"/>
+            <a:miter lim="400000"/>
+            <a:headEnd type="none"/>
+            <a:tailEnd type="none"/>
+          </a:ln>
+          <a:effectLst/>
+        </p:spPr>
+        <p:style>
+          <a:lnRef idx="0">
+            <a:scrgbClr r="0" g="0" b="0"/>
+          </a:lnRef>
+          <a:fillRef idx="0">
+            <a:scrgbClr r="0" g="0" b="0"/>
+          </a:fillRef>
+          <a:effectRef idx="0">
+            <a:scrgbClr r="0" g="0" b="0"/>
+          </a:effectRef>
+          <a:fontRef idx="none"/>
+        </p:style>
+      </p:cxnSp>
+      <p:sp>
+        <p:nvSpPr>
+          <p:cNvPr id="106" name="TextBox 105"/>
+          <p:cNvSpPr txBox="1"/>
+          <p:nvPr/>
+        </p:nvSpPr>
+        <p:spPr>
+          <a:xfrm>
+            <a:off x="5188085" y="3859630"/>
+            <a:ext cx="1506878" cy="264013"/>
+          </a:xfrm>
+          <a:prstGeom prst="rect">
+            <a:avLst/>
+          </a:prstGeom>
+          <a:noFill/>
+          <a:ln w="3175" cap="flat">
+            <a:noFill/>
+            <a:miter lim="400000"/>
+          </a:ln>
+          <a:effectLst/>
+        </p:spPr>
+        <p:style>
+          <a:lnRef idx="0">
+            <a:scrgbClr r="0" g="0" b="0"/>
+          </a:lnRef>
+          <a:fillRef idx="0">
+            <a:scrgbClr r="0" g="0" b="0"/>
+          </a:fillRef>
+          <a:effectRef idx="0">
+            <a:scrgbClr r="0" g="0" b="0"/>
+          </a:effectRef>
+          <a:fontRef idx="none"/>
+        </p:style>
+        <p:txBody>
+          <a:bodyPr rot="0" spcFirstLastPara="1" vertOverflow="overflow" horzOverflow="overflow" vert="horz" wrap="square" lIns="39290" tIns="39290" rIns="39290" bIns="39290" numCol="1" spcCol="38100" rtlCol="0" anchor="ctr">
+            <a:spAutoFit/>
+          </a:bodyPr>
+          <a:lstStyle/>
+          <a:p>
+            <a:pPr marL="0" marR="0" indent="0" defTabSz="584200" rtl="0" fontAlgn="auto" latinLnBrk="1" hangingPunct="0">
+              <a:lnSpc>
+                <a:spcPct val="100000"/>
+              </a:lnSpc>
+              <a:spcBef>
+                <a:spcPts val="0"/>
+              </a:spcBef>
+              <a:spcAft>
+                <a:spcPts val="0"/>
+              </a:spcAft>
+              <a:buClrTx/>
+              <a:buSzTx/>
+              <a:buFontTx/>
+              <a:buNone/>
+              <a:tabLst/>
+            </a:pPr>
+            <a:r>
+              <a:rPr lang="en-US" sz="1200">
+                <a:solidFill>
+                  <a:srgbClr val="000000"/>
+                </a:solidFill>
+                <a:latin typeface="Arial"/>
+                <a:cs typeface="Arial"/>
+              </a:rPr>
+              <a:t>A</a:t>
+            </a:r>
+            <a:r>
+              <a:rPr kumimoji="0" lang="en-US" sz="1200" b="0" i="0" u="none" strike="noStrike" cap="none" spc="0" normalizeH="0" baseline="0">
+                <a:ln>
+                  <a:noFill/>
+                </a:ln>
+                <a:solidFill>
+                  <a:srgbClr val="000000"/>
+                </a:solidFill>
+                <a:effectLst/>
+                <a:uFillTx/>
+                <a:latin typeface="Arial"/>
+                <a:ea typeface="+mn-ea"/>
+                <a:cs typeface="Arial"/>
+                <a:sym typeface="Helvetica Light"/>
+              </a:rPr>
+              <a:t>uthors</a:t>
+            </a:r>
+          </a:p>
+        </p:txBody>
+      </p:sp>
       <p:sp>
         <p:nvSpPr>
           <p:cNvPr id="117" name="TextBox 116"/>
@@ -25414,7 +27097,7 @@
           <p:nvPr/>
         </p:nvPicPr>
         <p:blipFill>
-          <a:blip r:embed="rId5"/>
+          <a:blip r:embed="rId6"/>
           <a:stretch>
             <a:fillRect/>
           </a:stretch>
@@ -25789,1464 +27472,6 @@
           <a:fontRef idx="none"/>
         </p:style>
       </p:cxnSp>
-    </p:spTree>
-    <p:extLst>
-      <p:ext uri="{BB962C8B-B14F-4D97-AF65-F5344CB8AC3E}">
-        <p14:creationId xmlns:p14="http://schemas.microsoft.com/office/powerpoint/2010/main" val="1664782297"/>
-      </p:ext>
-    </p:extLst>
-  </p:cSld>
-  <p:clrMapOvr>
-    <a:masterClrMapping/>
-  </p:clrMapOvr>
-  <p:transition spd="med"/>
-</p:sld>
-</file>
-
-<file path=ppt/slides/slide4.xml><?xml version="1.0" encoding="utf-8"?>
-<p:sld xmlns:a="http://schemas.openxmlformats.org/drawingml/2006/main" xmlns:r="http://schemas.openxmlformats.org/officeDocument/2006/relationships" xmlns:p="http://schemas.openxmlformats.org/presentationml/2006/main">
-  <p:cSld>
-    <p:spTree>
-      <p:nvGrpSpPr>
-        <p:cNvPr id="1" name=""/>
-        <p:cNvGrpSpPr/>
-        <p:nvPr/>
-      </p:nvGrpSpPr>
-      <p:grpSpPr>
-        <a:xfrm>
-          <a:off x="0" y="0"/>
-          <a:ext cx="0" cy="0"/>
-          <a:chOff x="0" y="0"/>
-          <a:chExt cx="0" cy="0"/>
-        </a:xfrm>
-      </p:grpSpPr>
-      <p:cxnSp>
-        <p:nvCxnSpPr>
-          <p:cNvPr id="176" name="Straight Arrow Connector 62"/>
-          <p:cNvCxnSpPr>
-            <a:cxnSpLocks/>
-          </p:cNvCxnSpPr>
-          <p:nvPr/>
-        </p:nvCxnSpPr>
-        <p:spPr>
-          <a:xfrm flipH="1">
-            <a:off x="3819210" y="2124984"/>
-            <a:ext cx="1800263" cy="726814"/>
-          </a:xfrm>
-          <a:prstGeom prst="straightConnector1">
-            <a:avLst/>
-          </a:prstGeom>
-          <a:noFill/>
-          <a:ln w="38100" cap="flat" cmpd="sng">
-            <a:solidFill>
-              <a:schemeClr val="bg1">
-                <a:lumMod val="85000"/>
-              </a:schemeClr>
-            </a:solidFill>
-            <a:prstDash val="solid"/>
-            <a:miter lim="400000"/>
-            <a:headEnd type="none"/>
-            <a:tailEnd type="none"/>
-          </a:ln>
-          <a:effectLst/>
-        </p:spPr>
-        <p:style>
-          <a:lnRef idx="0">
-            <a:scrgbClr r="0" g="0" b="0"/>
-          </a:lnRef>
-          <a:fillRef idx="0">
-            <a:scrgbClr r="0" g="0" b="0"/>
-          </a:fillRef>
-          <a:effectRef idx="0">
-            <a:scrgbClr r="0" g="0" b="0"/>
-          </a:effectRef>
-          <a:fontRef idx="none"/>
-        </p:style>
-      </p:cxnSp>
-      <p:cxnSp>
-        <p:nvCxnSpPr>
-          <p:cNvPr id="189" name="Straight Arrow Connector 62"/>
-          <p:cNvCxnSpPr>
-            <a:cxnSpLocks/>
-          </p:cNvCxnSpPr>
-          <p:nvPr/>
-        </p:nvCxnSpPr>
-        <p:spPr>
-          <a:xfrm>
-            <a:off x="3766211" y="2897742"/>
-            <a:ext cx="1775799" cy="555124"/>
-          </a:xfrm>
-          <a:prstGeom prst="straightConnector1">
-            <a:avLst/>
-          </a:prstGeom>
-          <a:noFill/>
-          <a:ln w="38100" cap="flat" cmpd="sng">
-            <a:solidFill>
-              <a:schemeClr val="bg1">
-                <a:lumMod val="85000"/>
-              </a:schemeClr>
-            </a:solidFill>
-            <a:prstDash val="solid"/>
-            <a:miter lim="400000"/>
-            <a:headEnd type="none"/>
-            <a:tailEnd type="none"/>
-          </a:ln>
-          <a:effectLst/>
-        </p:spPr>
-        <p:style>
-          <a:lnRef idx="0">
-            <a:scrgbClr r="0" g="0" b="0"/>
-          </a:lnRef>
-          <a:fillRef idx="0">
-            <a:scrgbClr r="0" g="0" b="0"/>
-          </a:fillRef>
-          <a:effectRef idx="0">
-            <a:scrgbClr r="0" g="0" b="0"/>
-          </a:effectRef>
-          <a:fontRef idx="none"/>
-        </p:style>
-      </p:cxnSp>
-      <p:sp>
-        <p:nvSpPr>
-          <p:cNvPr id="148" name="Shape 62"/>
-          <p:cNvSpPr/>
-          <p:nvPr/>
-        </p:nvSpPr>
-        <p:spPr>
-          <a:xfrm flipV="1">
-            <a:off x="1848138" y="776062"/>
-            <a:ext cx="0" cy="6667098"/>
-          </a:xfrm>
-          <a:prstGeom prst="line">
-            <a:avLst/>
-          </a:prstGeom>
-          <a:ln w="25400">
-            <a:solidFill>
-              <a:schemeClr val="bg1">
-                <a:lumMod val="85000"/>
-              </a:schemeClr>
-            </a:solidFill>
-            <a:miter lim="400000"/>
-          </a:ln>
-        </p:spPr>
-        <p:txBody>
-          <a:bodyPr lIns="0" tIns="0" rIns="0" bIns="0" anchor="ctr"/>
-          <a:lstStyle/>
-          <a:p>
-            <a:pPr lvl="0">
-              <a:defRPr sz="1800"/>
-            </a:pPr>
-            <a:endParaRPr/>
-          </a:p>
-        </p:txBody>
-      </p:sp>
-      <p:sp>
-        <p:nvSpPr>
-          <p:cNvPr id="210" name="Shape 64"/>
-          <p:cNvSpPr/>
-          <p:nvPr/>
-        </p:nvSpPr>
-        <p:spPr>
-          <a:xfrm>
-            <a:off x="1495605" y="804577"/>
-            <a:ext cx="5676030" cy="246221"/>
-          </a:xfrm>
-          <a:prstGeom prst="rect">
-            <a:avLst/>
-          </a:prstGeom>
-          <a:ln w="3175">
-            <a:miter lim="400000"/>
-          </a:ln>
-          <a:extLst>
-            <a:ext uri="{C572A759-6A51-4108-AA02-DFA0A04FC94B}">
-              <ma14:wrappingTextBoxFlag xmlns:ma14="http://schemas.microsoft.com/office/mac/drawingml/2011/main" xmlns="" val="1"/>
-            </a:ext>
-          </a:extLst>
-        </p:spPr>
-        <p:txBody>
-          <a:bodyPr wrap="square" lIns="0" tIns="0" rIns="0" bIns="0">
-            <a:spAutoFit/>
-          </a:bodyPr>
-          <a:lstStyle>
-            <a:lvl1pPr algn="l">
-              <a:defRPr sz="1000" b="1">
-                <a:solidFill>
-                  <a:srgbClr val="4277BB"/>
-                </a:solidFill>
-                <a:latin typeface="Helvetica"/>
-                <a:ea typeface="Helvetica"/>
-                <a:cs typeface="Helvetica"/>
-                <a:sym typeface="Helvetica"/>
-              </a:defRPr>
-            </a:lvl1pPr>
-          </a:lstStyle>
-          <a:p>
-            <a:pPr lvl="0" algn="ctr">
-              <a:defRPr sz="1800" b="0">
-                <a:solidFill>
-                  <a:srgbClr val="000000"/>
-                </a:solidFill>
-              </a:defRPr>
-            </a:pPr>
-            <a:r>
-              <a:rPr lang="de-DE" sz="1600" b="1">
-                <a:solidFill>
-                  <a:srgbClr val="000000"/>
-                </a:solidFill>
-                <a:latin typeface="Arial"/>
-                <a:cs typeface="Arial"/>
-              </a:rPr>
-              <a:t>Kubernetes with Istio</a:t>
-            </a:r>
-            <a:endParaRPr sz="1600">
-              <a:solidFill>
-                <a:srgbClr val="000000"/>
-              </a:solidFill>
-              <a:latin typeface="Arial"/>
-              <a:cs typeface="Arial"/>
-            </a:endParaRPr>
-          </a:p>
-        </p:txBody>
-      </p:sp>
-      <p:pic>
-        <p:nvPicPr>
-          <p:cNvPr id="211" name="Picture 210"/>
-          <p:cNvPicPr>
-            <a:picLocks noChangeAspect="1"/>
-          </p:cNvPicPr>
-          <p:nvPr/>
-        </p:nvPicPr>
-        <p:blipFill>
-          <a:blip r:embed="rId2"/>
-          <a:stretch>
-            <a:fillRect/>
-          </a:stretch>
-        </p:blipFill>
-        <p:spPr>
-          <a:xfrm>
-            <a:off x="275704" y="3280190"/>
-            <a:ext cx="803034" cy="701972"/>
-          </a:xfrm>
-          <a:prstGeom prst="rect">
-            <a:avLst/>
-          </a:prstGeom>
-        </p:spPr>
-      </p:pic>
-      <p:sp>
-        <p:nvSpPr>
-          <p:cNvPr id="212" name="TextBox 211"/>
-          <p:cNvSpPr txBox="1"/>
-          <p:nvPr/>
-        </p:nvSpPr>
-        <p:spPr>
-          <a:xfrm>
-            <a:off x="91289" y="3989911"/>
-            <a:ext cx="1181319" cy="264013"/>
-          </a:xfrm>
-          <a:prstGeom prst="rect">
-            <a:avLst/>
-          </a:prstGeom>
-          <a:noFill/>
-          <a:ln w="3175" cap="flat">
-            <a:noFill/>
-            <a:miter lim="400000"/>
-          </a:ln>
-          <a:effectLst/>
-        </p:spPr>
-        <p:style>
-          <a:lnRef idx="0">
-            <a:scrgbClr r="0" g="0" b="0"/>
-          </a:lnRef>
-          <a:fillRef idx="0">
-            <a:scrgbClr r="0" g="0" b="0"/>
-          </a:fillRef>
-          <a:effectRef idx="0">
-            <a:scrgbClr r="0" g="0" b="0"/>
-          </a:effectRef>
-          <a:fontRef idx="none"/>
-        </p:style>
-        <p:txBody>
-          <a:bodyPr rot="0" spcFirstLastPara="1" vertOverflow="overflow" horzOverflow="overflow" vert="horz" wrap="square" lIns="39290" tIns="39290" rIns="39290" bIns="39290" numCol="1" spcCol="38100" rtlCol="0" anchor="ctr">
-            <a:spAutoFit/>
-          </a:bodyPr>
-          <a:lstStyle/>
-          <a:p>
-            <a:pPr rtl="0" latinLnBrk="1" hangingPunct="0"/>
-            <a:r>
-              <a:rPr lang="en-US" sz="1200">
-                <a:solidFill>
-                  <a:srgbClr val="000000"/>
-                </a:solidFill>
-                <a:latin typeface="Arial"/>
-                <a:cs typeface="Arial"/>
-              </a:rPr>
-              <a:t>Web-App</a:t>
-            </a:r>
-          </a:p>
-        </p:txBody>
-      </p:sp>
-      <p:pic>
-        <p:nvPicPr>
-          <p:cNvPr id="216" name="Picture 215"/>
-          <p:cNvPicPr>
-            <a:picLocks noChangeAspect="1"/>
-          </p:cNvPicPr>
-          <p:nvPr/>
-        </p:nvPicPr>
-        <p:blipFill>
-          <a:blip r:embed="rId3"/>
-          <a:stretch>
-            <a:fillRect/>
-          </a:stretch>
-        </p:blipFill>
-        <p:spPr>
-          <a:xfrm>
-            <a:off x="3294635" y="2454718"/>
-            <a:ext cx="895939" cy="860102"/>
-          </a:xfrm>
-          <a:prstGeom prst="rect">
-            <a:avLst/>
-          </a:prstGeom>
-        </p:spPr>
-      </p:pic>
-      <p:sp>
-        <p:nvSpPr>
-          <p:cNvPr id="57" name="Shape 64"/>
-          <p:cNvSpPr/>
-          <p:nvPr/>
-        </p:nvSpPr>
-        <p:spPr>
-          <a:xfrm>
-            <a:off x="82313" y="788870"/>
-            <a:ext cx="1716821" cy="246221"/>
-          </a:xfrm>
-          <a:prstGeom prst="rect">
-            <a:avLst/>
-          </a:prstGeom>
-          <a:ln w="3175">
-            <a:miter lim="400000"/>
-          </a:ln>
-          <a:extLst>
-            <a:ext uri="{C572A759-6A51-4108-AA02-DFA0A04FC94B}">
-              <ma14:wrappingTextBoxFlag xmlns:ma14="http://schemas.microsoft.com/office/mac/drawingml/2011/main" xmlns="" val="1"/>
-            </a:ext>
-          </a:extLst>
-        </p:spPr>
-        <p:txBody>
-          <a:bodyPr wrap="square" lIns="0" tIns="0" rIns="0" bIns="0">
-            <a:spAutoFit/>
-          </a:bodyPr>
-          <a:lstStyle>
-            <a:lvl1pPr algn="l">
-              <a:defRPr sz="1000" b="1">
-                <a:solidFill>
-                  <a:srgbClr val="4277BB"/>
-                </a:solidFill>
-                <a:latin typeface="Helvetica"/>
-                <a:ea typeface="Helvetica"/>
-                <a:cs typeface="Helvetica"/>
-                <a:sym typeface="Helvetica"/>
-              </a:defRPr>
-            </a:lvl1pPr>
-          </a:lstStyle>
-          <a:p>
-            <a:pPr lvl="0" algn="ctr">
-              <a:defRPr sz="1800" b="0">
-                <a:solidFill>
-                  <a:srgbClr val="000000"/>
-                </a:solidFill>
-              </a:defRPr>
-            </a:pPr>
-            <a:r>
-              <a:rPr lang="de-DE" sz="1600" b="1">
-                <a:solidFill>
-                  <a:srgbClr val="000000"/>
-                </a:solidFill>
-                <a:latin typeface="Arial"/>
-                <a:cs typeface="Arial"/>
-              </a:rPr>
-              <a:t>Browser</a:t>
-            </a:r>
-            <a:endParaRPr sz="1600">
-              <a:solidFill>
-                <a:srgbClr val="000000"/>
-              </a:solidFill>
-              <a:latin typeface="Arial"/>
-              <a:cs typeface="Arial"/>
-            </a:endParaRPr>
-          </a:p>
-        </p:txBody>
-      </p:sp>
-      <p:sp>
-        <p:nvSpPr>
-          <p:cNvPr id="64" name="TextBox 63"/>
-          <p:cNvSpPr txBox="1"/>
-          <p:nvPr/>
-        </p:nvSpPr>
-        <p:spPr>
-          <a:xfrm>
-            <a:off x="3027693" y="3341900"/>
-            <a:ext cx="1506878" cy="264013"/>
-          </a:xfrm>
-          <a:prstGeom prst="rect">
-            <a:avLst/>
-          </a:prstGeom>
-          <a:noFill/>
-          <a:ln w="3175" cap="flat">
-            <a:noFill/>
-            <a:miter lim="400000"/>
-          </a:ln>
-          <a:effectLst/>
-        </p:spPr>
-        <p:style>
-          <a:lnRef idx="0">
-            <a:scrgbClr r="0" g="0" b="0"/>
-          </a:lnRef>
-          <a:fillRef idx="0">
-            <a:scrgbClr r="0" g="0" b="0"/>
-          </a:fillRef>
-          <a:effectRef idx="0">
-            <a:scrgbClr r="0" g="0" b="0"/>
-          </a:effectRef>
-          <a:fontRef idx="none"/>
-        </p:style>
-        <p:txBody>
-          <a:bodyPr rot="0" spcFirstLastPara="1" vertOverflow="overflow" horzOverflow="overflow" vert="horz" wrap="square" lIns="39290" tIns="39290" rIns="39290" bIns="39290" numCol="1" spcCol="38100" rtlCol="0" anchor="ctr">
-            <a:spAutoFit/>
-          </a:bodyPr>
-          <a:lstStyle/>
-          <a:p>
-            <a:pPr marL="0" marR="0" indent="0" defTabSz="584200" rtl="0" fontAlgn="auto" latinLnBrk="1" hangingPunct="0">
-              <a:lnSpc>
-                <a:spcPct val="100000"/>
-              </a:lnSpc>
-              <a:spcBef>
-                <a:spcPts val="0"/>
-              </a:spcBef>
-              <a:spcAft>
-                <a:spcPts val="0"/>
-              </a:spcAft>
-              <a:buClrTx/>
-              <a:buSzTx/>
-              <a:buFontTx/>
-              <a:buNone/>
-              <a:tabLst/>
-            </a:pPr>
-            <a:r>
-              <a:rPr lang="en-US" sz="1200">
-                <a:solidFill>
-                  <a:srgbClr val="000000"/>
-                </a:solidFill>
-                <a:latin typeface="Arial"/>
-                <a:cs typeface="Arial"/>
-              </a:rPr>
-              <a:t>Web-API v1</a:t>
-            </a:r>
-            <a:endParaRPr kumimoji="0" lang="en-US" sz="1200" b="0" i="0" u="none" strike="noStrike" cap="none" spc="0" normalizeH="0" baseline="0">
-              <a:ln>
-                <a:noFill/>
-              </a:ln>
-              <a:solidFill>
-                <a:srgbClr val="000000"/>
-              </a:solidFill>
-              <a:effectLst/>
-              <a:uFillTx/>
-              <a:latin typeface="Arial"/>
-              <a:ea typeface="+mn-ea"/>
-              <a:cs typeface="Arial"/>
-              <a:sym typeface="Helvetica Light"/>
-            </a:endParaRPr>
-          </a:p>
-        </p:txBody>
-      </p:sp>
-      <p:grpSp>
-        <p:nvGrpSpPr>
-          <p:cNvPr id="9" name="Group 8"/>
-          <p:cNvGrpSpPr/>
-          <p:nvPr/>
-        </p:nvGrpSpPr>
-        <p:grpSpPr>
-          <a:xfrm>
-            <a:off x="5597870" y="3165843"/>
-            <a:ext cx="707233" cy="707233"/>
-            <a:chOff x="394759" y="4656919"/>
-            <a:chExt cx="707233" cy="707233"/>
-          </a:xfrm>
-        </p:grpSpPr>
-        <p:sp>
-          <p:nvSpPr>
-            <p:cNvPr id="72" name="Shape 272"/>
-            <p:cNvSpPr/>
-            <p:nvPr/>
-          </p:nvSpPr>
-          <p:spPr>
-            <a:xfrm>
-              <a:off x="394759" y="4656919"/>
-              <a:ext cx="707233" cy="707233"/>
-            </a:xfrm>
-            <a:custGeom>
-              <a:avLst/>
-              <a:gdLst/>
-              <a:ahLst/>
-              <a:cxnLst>
-                <a:cxn ang="0">
-                  <a:pos x="wd2" y="hd2"/>
-                </a:cxn>
-                <a:cxn ang="5400000">
-                  <a:pos x="wd2" y="hd2"/>
-                </a:cxn>
-                <a:cxn ang="10800000">
-                  <a:pos x="wd2" y="hd2"/>
-                </a:cxn>
-                <a:cxn ang="16200000">
-                  <a:pos x="wd2" y="hd2"/>
-                </a:cxn>
-              </a:cxnLst>
-              <a:rect l="0" t="0" r="r" b="b"/>
-              <a:pathLst>
-                <a:path w="19679" h="19679" extrusionOk="0">
-                  <a:moveTo>
-                    <a:pt x="16796" y="2882"/>
-                  </a:moveTo>
-                  <a:cubicBezTo>
-                    <a:pt x="20639" y="6724"/>
-                    <a:pt x="20639" y="12954"/>
-                    <a:pt x="16796" y="16796"/>
-                  </a:cubicBezTo>
-                  <a:cubicBezTo>
-                    <a:pt x="12954" y="20639"/>
-                    <a:pt x="6724" y="20639"/>
-                    <a:pt x="2882" y="16796"/>
-                  </a:cubicBezTo>
-                  <a:cubicBezTo>
-                    <a:pt x="-961" y="12954"/>
-                    <a:pt x="-961" y="6724"/>
-                    <a:pt x="2882" y="2882"/>
-                  </a:cubicBezTo>
-                  <a:cubicBezTo>
-                    <a:pt x="6724" y="-961"/>
-                    <a:pt x="12954" y="-961"/>
-                    <a:pt x="16796" y="2882"/>
-                  </a:cubicBezTo>
-                  <a:close/>
-                </a:path>
-              </a:pathLst>
-            </a:custGeom>
-            <a:solidFill>
-              <a:srgbClr val="8DC53F"/>
-            </a:solidFill>
-            <a:ln w="3175" cap="flat">
-              <a:noFill/>
-              <a:miter lim="400000"/>
-            </a:ln>
-            <a:effectLst/>
-          </p:spPr>
-          <p:txBody>
-            <a:bodyPr wrap="square" lIns="0" tIns="0" rIns="0" bIns="0" numCol="1" anchor="ctr">
-              <a:noAutofit/>
-            </a:bodyPr>
-            <a:lstStyle/>
-            <a:p>
-              <a:pPr lvl="0">
-                <a:defRPr sz="1800">
-                  <a:solidFill>
-                    <a:srgbClr val="FFFFFF"/>
-                  </a:solidFill>
-                </a:defRPr>
-              </a:pPr>
-              <a:endParaRPr/>
-            </a:p>
-          </p:txBody>
-        </p:sp>
-        <p:pic>
-          <p:nvPicPr>
-            <p:cNvPr id="74" name="_-13.png"/>
-            <p:cNvPicPr/>
-            <p:nvPr/>
-          </p:nvPicPr>
-          <p:blipFill>
-            <a:blip r:embed="rId4"/>
-            <a:srcRect l="19624" t="23468" r="19624" b="23468"/>
-            <a:stretch>
-              <a:fillRect/>
-            </a:stretch>
-          </p:blipFill>
-          <p:spPr>
-            <a:xfrm>
-              <a:off x="535947" y="4822892"/>
-              <a:ext cx="429660" cy="375287"/>
-            </a:xfrm>
-            <a:prstGeom prst="rect">
-              <a:avLst/>
-            </a:prstGeom>
-            <a:ln w="3175" cap="flat">
-              <a:noFill/>
-              <a:miter lim="400000"/>
-            </a:ln>
-            <a:effectLst/>
-          </p:spPr>
-        </p:pic>
-      </p:grpSp>
-      <p:pic>
-        <p:nvPicPr>
-          <p:cNvPr id="78" name="Picture 77"/>
-          <p:cNvPicPr>
-            <a:picLocks noChangeAspect="1"/>
-          </p:cNvPicPr>
-          <p:nvPr/>
-        </p:nvPicPr>
-        <p:blipFill>
-          <a:blip r:embed="rId5"/>
-          <a:stretch>
-            <a:fillRect/>
-          </a:stretch>
-        </p:blipFill>
-        <p:spPr>
-          <a:xfrm>
-            <a:off x="3083904" y="2169120"/>
-            <a:ext cx="831816" cy="524254"/>
-          </a:xfrm>
-          <a:prstGeom prst="rect">
-            <a:avLst/>
-          </a:prstGeom>
-        </p:spPr>
-      </p:pic>
-      <p:sp>
-        <p:nvSpPr>
-          <p:cNvPr id="80" name="TextBox 79"/>
-          <p:cNvSpPr txBox="1"/>
-          <p:nvPr/>
-        </p:nvSpPr>
-        <p:spPr>
-          <a:xfrm>
-            <a:off x="5207811" y="2470326"/>
-            <a:ext cx="1506878" cy="264013"/>
-          </a:xfrm>
-          <a:prstGeom prst="rect">
-            <a:avLst/>
-          </a:prstGeom>
-          <a:noFill/>
-          <a:ln w="3175" cap="flat">
-            <a:noFill/>
-            <a:miter lim="400000"/>
-          </a:ln>
-          <a:effectLst/>
-        </p:spPr>
-        <p:style>
-          <a:lnRef idx="0">
-            <a:scrgbClr r="0" g="0" b="0"/>
-          </a:lnRef>
-          <a:fillRef idx="0">
-            <a:scrgbClr r="0" g="0" b="0"/>
-          </a:fillRef>
-          <a:effectRef idx="0">
-            <a:scrgbClr r="0" g="0" b="0"/>
-          </a:effectRef>
-          <a:fontRef idx="none"/>
-        </p:style>
-        <p:txBody>
-          <a:bodyPr rot="0" spcFirstLastPara="1" vertOverflow="overflow" horzOverflow="overflow" vert="horz" wrap="square" lIns="39290" tIns="39290" rIns="39290" bIns="39290" numCol="1" spcCol="38100" rtlCol="0" anchor="ctr">
-            <a:spAutoFit/>
-          </a:bodyPr>
-          <a:lstStyle/>
-          <a:p>
-            <a:pPr marL="0" marR="0" indent="0" defTabSz="584200" rtl="0" fontAlgn="auto" latinLnBrk="1" hangingPunct="0">
-              <a:lnSpc>
-                <a:spcPct val="100000"/>
-              </a:lnSpc>
-              <a:spcBef>
-                <a:spcPts val="0"/>
-              </a:spcBef>
-              <a:spcAft>
-                <a:spcPts val="0"/>
-              </a:spcAft>
-              <a:buClrTx/>
-              <a:buSzTx/>
-              <a:buFontTx/>
-              <a:buNone/>
-              <a:tabLst/>
-            </a:pPr>
-            <a:r>
-              <a:rPr kumimoji="0" lang="en-US" sz="1200" b="0" i="0" u="none" strike="noStrike" cap="none" spc="0" normalizeH="0" baseline="0">
-                <a:ln>
-                  <a:noFill/>
-                </a:ln>
-                <a:solidFill>
-                  <a:srgbClr val="000000"/>
-                </a:solidFill>
-                <a:effectLst/>
-                <a:uFillTx/>
-                <a:latin typeface="Arial"/>
-                <a:ea typeface="+mn-ea"/>
-                <a:cs typeface="Arial"/>
-                <a:sym typeface="Helvetica Light"/>
-              </a:rPr>
-              <a:t>Articles</a:t>
-            </a:r>
-          </a:p>
-        </p:txBody>
-      </p:sp>
-      <p:cxnSp>
-        <p:nvCxnSpPr>
-          <p:cNvPr id="92" name="Straight Arrow Connector 62"/>
-          <p:cNvCxnSpPr>
-            <a:cxnSpLocks/>
-            <a:endCxn id="216" idx="1"/>
-          </p:cNvCxnSpPr>
-          <p:nvPr/>
-        </p:nvCxnSpPr>
-        <p:spPr>
-          <a:xfrm flipV="1">
-            <a:off x="1881524" y="2884769"/>
-            <a:ext cx="1413111" cy="629078"/>
-          </a:xfrm>
-          <a:prstGeom prst="straightConnector1">
-            <a:avLst/>
-          </a:prstGeom>
-          <a:noFill/>
-          <a:ln w="38100" cap="flat" cmpd="sng">
-            <a:solidFill>
-              <a:schemeClr val="bg1">
-                <a:lumMod val="85000"/>
-              </a:schemeClr>
-            </a:solidFill>
-            <a:prstDash val="solid"/>
-            <a:miter lim="400000"/>
-            <a:headEnd type="none"/>
-            <a:tailEnd type="none"/>
-          </a:ln>
-          <a:effectLst/>
-        </p:spPr>
-        <p:style>
-          <a:lnRef idx="0">
-            <a:scrgbClr r="0" g="0" b="0"/>
-          </a:lnRef>
-          <a:fillRef idx="0">
-            <a:scrgbClr r="0" g="0" b="0"/>
-          </a:fillRef>
-          <a:effectRef idx="0">
-            <a:scrgbClr r="0" g="0" b="0"/>
-          </a:effectRef>
-          <a:fontRef idx="none"/>
-        </p:style>
-      </p:cxnSp>
-      <p:sp>
-        <p:nvSpPr>
-          <p:cNvPr id="106" name="TextBox 105"/>
-          <p:cNvSpPr txBox="1"/>
-          <p:nvPr/>
-        </p:nvSpPr>
-        <p:spPr>
-          <a:xfrm>
-            <a:off x="5188085" y="3859630"/>
-            <a:ext cx="1506878" cy="264013"/>
-          </a:xfrm>
-          <a:prstGeom prst="rect">
-            <a:avLst/>
-          </a:prstGeom>
-          <a:noFill/>
-          <a:ln w="3175" cap="flat">
-            <a:noFill/>
-            <a:miter lim="400000"/>
-          </a:ln>
-          <a:effectLst/>
-        </p:spPr>
-        <p:style>
-          <a:lnRef idx="0">
-            <a:scrgbClr r="0" g="0" b="0"/>
-          </a:lnRef>
-          <a:fillRef idx="0">
-            <a:scrgbClr r="0" g="0" b="0"/>
-          </a:fillRef>
-          <a:effectRef idx="0">
-            <a:scrgbClr r="0" g="0" b="0"/>
-          </a:effectRef>
-          <a:fontRef idx="none"/>
-        </p:style>
-        <p:txBody>
-          <a:bodyPr rot="0" spcFirstLastPara="1" vertOverflow="overflow" horzOverflow="overflow" vert="horz" wrap="square" lIns="39290" tIns="39290" rIns="39290" bIns="39290" numCol="1" spcCol="38100" rtlCol="0" anchor="ctr">
-            <a:spAutoFit/>
-          </a:bodyPr>
-          <a:lstStyle/>
-          <a:p>
-            <a:pPr marL="0" marR="0" indent="0" defTabSz="584200" rtl="0" fontAlgn="auto" latinLnBrk="1" hangingPunct="0">
-              <a:lnSpc>
-                <a:spcPct val="100000"/>
-              </a:lnSpc>
-              <a:spcBef>
-                <a:spcPts val="0"/>
-              </a:spcBef>
-              <a:spcAft>
-                <a:spcPts val="0"/>
-              </a:spcAft>
-              <a:buClrTx/>
-              <a:buSzTx/>
-              <a:buFontTx/>
-              <a:buNone/>
-              <a:tabLst/>
-            </a:pPr>
-            <a:r>
-              <a:rPr lang="en-US" sz="1200">
-                <a:solidFill>
-                  <a:srgbClr val="000000"/>
-                </a:solidFill>
-                <a:latin typeface="Arial"/>
-                <a:cs typeface="Arial"/>
-              </a:rPr>
-              <a:t>A</a:t>
-            </a:r>
-            <a:r>
-              <a:rPr kumimoji="0" lang="en-US" sz="1200" b="0" i="0" u="none" strike="noStrike" cap="none" spc="0" normalizeH="0" baseline="0">
-                <a:ln>
-                  <a:noFill/>
-                </a:ln>
-                <a:solidFill>
-                  <a:srgbClr val="000000"/>
-                </a:solidFill>
-                <a:effectLst/>
-                <a:uFillTx/>
-                <a:latin typeface="Arial"/>
-                <a:ea typeface="+mn-ea"/>
-                <a:cs typeface="Arial"/>
-                <a:sym typeface="Helvetica Light"/>
-              </a:rPr>
-              <a:t>uthors</a:t>
-            </a:r>
-          </a:p>
-        </p:txBody>
-      </p:sp>
-      <p:sp>
-        <p:nvSpPr>
-          <p:cNvPr id="117" name="TextBox 116"/>
-          <p:cNvSpPr txBox="1"/>
-          <p:nvPr/>
-        </p:nvSpPr>
-        <p:spPr>
-          <a:xfrm>
-            <a:off x="3125542" y="4900870"/>
-            <a:ext cx="1365428" cy="264013"/>
-          </a:xfrm>
-          <a:prstGeom prst="rect">
-            <a:avLst/>
-          </a:prstGeom>
-          <a:noFill/>
-          <a:ln w="3175" cap="flat">
-            <a:noFill/>
-            <a:miter lim="400000"/>
-          </a:ln>
-          <a:effectLst/>
-        </p:spPr>
-        <p:style>
-          <a:lnRef idx="0">
-            <a:scrgbClr r="0" g="0" b="0"/>
-          </a:lnRef>
-          <a:fillRef idx="0">
-            <a:scrgbClr r="0" g="0" b="0"/>
-          </a:fillRef>
-          <a:effectRef idx="0">
-            <a:scrgbClr r="0" g="0" b="0"/>
-          </a:effectRef>
-          <a:fontRef idx="none"/>
-        </p:style>
-        <p:txBody>
-          <a:bodyPr rot="0" spcFirstLastPara="1" vertOverflow="overflow" horzOverflow="overflow" vert="horz" wrap="square" lIns="39290" tIns="39290" rIns="39290" bIns="39290" numCol="1" spcCol="38100" rtlCol="0" anchor="ctr">
-            <a:spAutoFit/>
-          </a:bodyPr>
-          <a:lstStyle/>
-          <a:p>
-            <a:pPr rtl="0" latinLnBrk="1" hangingPunct="0"/>
-            <a:r>
-              <a:rPr lang="en-US" sz="1200">
-                <a:solidFill>
-                  <a:srgbClr val="000000"/>
-                </a:solidFill>
-                <a:latin typeface="Arial"/>
-                <a:cs typeface="Arial"/>
-              </a:rPr>
-              <a:t>Web-App</a:t>
-            </a:r>
-          </a:p>
-        </p:txBody>
-      </p:sp>
-      <p:cxnSp>
-        <p:nvCxnSpPr>
-          <p:cNvPr id="118" name="Straight Arrow Connector 62"/>
-          <p:cNvCxnSpPr>
-            <a:cxnSpLocks/>
-          </p:cNvCxnSpPr>
-          <p:nvPr/>
-        </p:nvCxnSpPr>
-        <p:spPr>
-          <a:xfrm>
-            <a:off x="2113030" y="3848018"/>
-            <a:ext cx="1387255" cy="656414"/>
-          </a:xfrm>
-          <a:prstGeom prst="straightConnector1">
-            <a:avLst/>
-          </a:prstGeom>
-          <a:noFill/>
-          <a:ln w="38100" cap="flat" cmpd="sng">
-            <a:solidFill>
-              <a:schemeClr val="bg1">
-                <a:lumMod val="85000"/>
-              </a:schemeClr>
-            </a:solidFill>
-            <a:prstDash val="solid"/>
-            <a:miter lim="400000"/>
-            <a:headEnd type="none"/>
-            <a:tailEnd type="none"/>
-          </a:ln>
-          <a:effectLst/>
-        </p:spPr>
-        <p:style>
-          <a:lnRef idx="0">
-            <a:scrgbClr r="0" g="0" b="0"/>
-          </a:lnRef>
-          <a:fillRef idx="0">
-            <a:scrgbClr r="0" g="0" b="0"/>
-          </a:fillRef>
-          <a:effectRef idx="0">
-            <a:scrgbClr r="0" g="0" b="0"/>
-          </a:effectRef>
-          <a:fontRef idx="none"/>
-        </p:style>
-      </p:cxnSp>
-      <p:pic>
-        <p:nvPicPr>
-          <p:cNvPr id="232" name="Picture 231"/>
-          <p:cNvPicPr>
-            <a:picLocks noChangeAspect="1"/>
-          </p:cNvPicPr>
-          <p:nvPr/>
-        </p:nvPicPr>
-        <p:blipFill>
-          <a:blip r:embed="rId6"/>
-          <a:stretch>
-            <a:fillRect/>
-          </a:stretch>
-        </p:blipFill>
-        <p:spPr>
-          <a:xfrm>
-            <a:off x="3322520" y="3931449"/>
-            <a:ext cx="307414" cy="348208"/>
-          </a:xfrm>
-          <a:prstGeom prst="rect">
-            <a:avLst/>
-          </a:prstGeom>
-        </p:spPr>
-      </p:pic>
-      <p:grpSp>
-        <p:nvGrpSpPr>
-          <p:cNvPr id="22" name="Group 21"/>
-          <p:cNvGrpSpPr/>
-          <p:nvPr/>
-        </p:nvGrpSpPr>
-        <p:grpSpPr>
-          <a:xfrm>
-            <a:off x="3476855" y="4181137"/>
-            <a:ext cx="707235" cy="707233"/>
-            <a:chOff x="555452" y="2050875"/>
-            <a:chExt cx="707235" cy="707233"/>
-          </a:xfrm>
-        </p:grpSpPr>
-        <p:sp>
-          <p:nvSpPr>
-            <p:cNvPr id="110" name="Shape 339"/>
-            <p:cNvSpPr/>
-            <p:nvPr/>
-          </p:nvSpPr>
-          <p:spPr>
-            <a:xfrm>
-              <a:off x="555452" y="2050875"/>
-              <a:ext cx="707235" cy="707233"/>
-            </a:xfrm>
-            <a:custGeom>
-              <a:avLst/>
-              <a:gdLst/>
-              <a:ahLst/>
-              <a:cxnLst>
-                <a:cxn ang="0">
-                  <a:pos x="wd2" y="hd2"/>
-                </a:cxn>
-                <a:cxn ang="5400000">
-                  <a:pos x="wd2" y="hd2"/>
-                </a:cxn>
-                <a:cxn ang="10800000">
-                  <a:pos x="wd2" y="hd2"/>
-                </a:cxn>
-                <a:cxn ang="16200000">
-                  <a:pos x="wd2" y="hd2"/>
-                </a:cxn>
-              </a:cxnLst>
-              <a:rect l="0" t="0" r="r" b="b"/>
-              <a:pathLst>
-                <a:path w="19679" h="19679" extrusionOk="0">
-                  <a:moveTo>
-                    <a:pt x="16796" y="2882"/>
-                  </a:moveTo>
-                  <a:cubicBezTo>
-                    <a:pt x="20639" y="6724"/>
-                    <a:pt x="20639" y="12954"/>
-                    <a:pt x="16796" y="16796"/>
-                  </a:cubicBezTo>
-                  <a:cubicBezTo>
-                    <a:pt x="12954" y="20639"/>
-                    <a:pt x="6724" y="20639"/>
-                    <a:pt x="2882" y="16796"/>
-                  </a:cubicBezTo>
-                  <a:cubicBezTo>
-                    <a:pt x="-961" y="12954"/>
-                    <a:pt x="-961" y="6724"/>
-                    <a:pt x="2882" y="2882"/>
-                  </a:cubicBezTo>
-                  <a:cubicBezTo>
-                    <a:pt x="6724" y="-961"/>
-                    <a:pt x="12954" y="-961"/>
-                    <a:pt x="16796" y="2882"/>
-                  </a:cubicBezTo>
-                  <a:close/>
-                </a:path>
-              </a:pathLst>
-            </a:custGeom>
-            <a:solidFill>
-              <a:srgbClr val="325C80"/>
-            </a:solidFill>
-            <a:ln w="3175" cap="flat">
-              <a:noFill/>
-              <a:miter lim="400000"/>
-            </a:ln>
-            <a:effectLst/>
-          </p:spPr>
-          <p:txBody>
-            <a:bodyPr wrap="square" lIns="0" tIns="0" rIns="0" bIns="0" numCol="1" anchor="ctr">
-              <a:noAutofit/>
-            </a:bodyPr>
-            <a:lstStyle/>
-            <a:p>
-              <a:pPr lvl="0">
-                <a:defRPr sz="1800">
-                  <a:solidFill>
-                    <a:srgbClr val="FFFFFF"/>
-                  </a:solidFill>
-                </a:defRPr>
-              </a:pPr>
-              <a:endParaRPr/>
-            </a:p>
-          </p:txBody>
-        </p:sp>
-        <p:pic>
-          <p:nvPicPr>
-            <p:cNvPr id="111" name="_-41.png"/>
-            <p:cNvPicPr/>
-            <p:nvPr/>
-          </p:nvPicPr>
-          <p:blipFill>
-            <a:blip r:embed="rId7"/>
-            <a:srcRect l="21704" t="15445" r="21704" b="15445"/>
-            <a:stretch>
-              <a:fillRect/>
-            </a:stretch>
-          </p:blipFill>
-          <p:spPr>
-            <a:xfrm>
-              <a:off x="712289" y="2169320"/>
-              <a:ext cx="400239" cy="488767"/>
-            </a:xfrm>
-            <a:prstGeom prst="rect">
-              <a:avLst/>
-            </a:prstGeom>
-            <a:ln w="3175" cap="flat">
-              <a:noFill/>
-              <a:miter lim="400000"/>
-            </a:ln>
-            <a:effectLst/>
-          </p:spPr>
-        </p:pic>
-      </p:grpSp>
-      <p:pic>
-        <p:nvPicPr>
-          <p:cNvPr id="84" name="Picture 83"/>
-          <p:cNvPicPr>
-            <a:picLocks noChangeAspect="1"/>
-          </p:cNvPicPr>
-          <p:nvPr/>
-        </p:nvPicPr>
-        <p:blipFill>
-          <a:blip r:embed="rId5"/>
-          <a:stretch>
-            <a:fillRect/>
-          </a:stretch>
-        </p:blipFill>
-        <p:spPr>
-          <a:xfrm>
-            <a:off x="5229846" y="1407112"/>
-            <a:ext cx="831816" cy="524254"/>
-          </a:xfrm>
-          <a:prstGeom prst="rect">
-            <a:avLst/>
-          </a:prstGeom>
-        </p:spPr>
-      </p:pic>
-      <p:grpSp>
-        <p:nvGrpSpPr>
-          <p:cNvPr id="63" name="Group 62"/>
-          <p:cNvGrpSpPr/>
-          <p:nvPr/>
-        </p:nvGrpSpPr>
-        <p:grpSpPr>
-          <a:xfrm>
-            <a:off x="5597870" y="1773737"/>
-            <a:ext cx="707233" cy="707233"/>
-            <a:chOff x="600270" y="3372960"/>
-            <a:chExt cx="707233" cy="707233"/>
-          </a:xfrm>
-        </p:grpSpPr>
-        <p:sp>
-          <p:nvSpPr>
-            <p:cNvPr id="70" name="Shape 298"/>
-            <p:cNvSpPr/>
-            <p:nvPr/>
-          </p:nvSpPr>
-          <p:spPr>
-            <a:xfrm>
-              <a:off x="600270" y="3372960"/>
-              <a:ext cx="707233" cy="707233"/>
-            </a:xfrm>
-            <a:custGeom>
-              <a:avLst/>
-              <a:gdLst/>
-              <a:ahLst/>
-              <a:cxnLst>
-                <a:cxn ang="0">
-                  <a:pos x="wd2" y="hd2"/>
-                </a:cxn>
-                <a:cxn ang="5400000">
-                  <a:pos x="wd2" y="hd2"/>
-                </a:cxn>
-                <a:cxn ang="10800000">
-                  <a:pos x="wd2" y="hd2"/>
-                </a:cxn>
-                <a:cxn ang="16200000">
-                  <a:pos x="wd2" y="hd2"/>
-                </a:cxn>
-              </a:cxnLst>
-              <a:rect l="0" t="0" r="r" b="b"/>
-              <a:pathLst>
-                <a:path w="19679" h="19679" extrusionOk="0">
-                  <a:moveTo>
-                    <a:pt x="16796" y="2882"/>
-                  </a:moveTo>
-                  <a:cubicBezTo>
-                    <a:pt x="20639" y="6724"/>
-                    <a:pt x="20639" y="12954"/>
-                    <a:pt x="16796" y="16796"/>
-                  </a:cubicBezTo>
-                  <a:cubicBezTo>
-                    <a:pt x="12954" y="20639"/>
-                    <a:pt x="6724" y="20639"/>
-                    <a:pt x="2882" y="16796"/>
-                  </a:cubicBezTo>
-                  <a:cubicBezTo>
-                    <a:pt x="-961" y="12954"/>
-                    <a:pt x="-961" y="6724"/>
-                    <a:pt x="2882" y="2882"/>
-                  </a:cubicBezTo>
-                  <a:cubicBezTo>
-                    <a:pt x="6724" y="-961"/>
-                    <a:pt x="12954" y="-961"/>
-                    <a:pt x="16796" y="2882"/>
-                  </a:cubicBezTo>
-                  <a:close/>
-                </a:path>
-              </a:pathLst>
-            </a:custGeom>
-            <a:solidFill>
-              <a:srgbClr val="8BC831"/>
-            </a:solidFill>
-            <a:ln w="3175" cap="flat">
-              <a:noFill/>
-              <a:miter lim="400000"/>
-            </a:ln>
-            <a:effectLst/>
-          </p:spPr>
-          <p:txBody>
-            <a:bodyPr wrap="square" lIns="0" tIns="0" rIns="0" bIns="0" numCol="1" anchor="ctr">
-              <a:noAutofit/>
-            </a:bodyPr>
-            <a:lstStyle/>
-            <a:p>
-              <a:pPr lvl="0">
-                <a:defRPr sz="1800">
-                  <a:solidFill>
-                    <a:srgbClr val="FFFFFF"/>
-                  </a:solidFill>
-                </a:defRPr>
-              </a:pPr>
-              <a:endParaRPr/>
-            </a:p>
-          </p:txBody>
-        </p:sp>
-        <p:pic>
-          <p:nvPicPr>
-            <p:cNvPr id="76" name="Picture 75"/>
-            <p:cNvPicPr>
-              <a:picLocks noChangeAspect="1"/>
-            </p:cNvPicPr>
-            <p:nvPr/>
-          </p:nvPicPr>
-          <p:blipFill>
-            <a:blip r:embed="rId8">
-              <a:extLst>
-                <a:ext uri="{28A0092B-C50C-407E-A947-70E740481C1C}">
-                  <a14:useLocalDpi xmlns:a14="http://schemas.microsoft.com/office/drawing/2010/main" val="0"/>
-                </a:ext>
-              </a:extLst>
-            </a:blip>
-            <a:stretch>
-              <a:fillRect/>
-            </a:stretch>
-          </p:blipFill>
-          <p:spPr>
-            <a:xfrm>
-              <a:off x="805885" y="3465709"/>
-              <a:ext cx="292608" cy="445008"/>
-            </a:xfrm>
-            <a:prstGeom prst="rect">
-              <a:avLst/>
-            </a:prstGeom>
-          </p:spPr>
-        </p:pic>
-      </p:grpSp>
-      <p:grpSp>
-        <p:nvGrpSpPr>
-          <p:cNvPr id="65" name="Group 64"/>
-          <p:cNvGrpSpPr/>
-          <p:nvPr/>
-        </p:nvGrpSpPr>
-        <p:grpSpPr>
-          <a:xfrm>
-            <a:off x="1500579" y="3260135"/>
-            <a:ext cx="707233" cy="707234"/>
-            <a:chOff x="3587103" y="3636248"/>
-            <a:chExt cx="707233" cy="707234"/>
-          </a:xfrm>
-        </p:grpSpPr>
-        <p:sp>
-          <p:nvSpPr>
-            <p:cNvPr id="66" name="Shape 529"/>
-            <p:cNvSpPr/>
-            <p:nvPr/>
-          </p:nvSpPr>
-          <p:spPr>
-            <a:xfrm>
-              <a:off x="3587103" y="3636248"/>
-              <a:ext cx="707233" cy="707234"/>
-            </a:xfrm>
-            <a:custGeom>
-              <a:avLst/>
-              <a:gdLst/>
-              <a:ahLst/>
-              <a:cxnLst>
-                <a:cxn ang="0">
-                  <a:pos x="wd2" y="hd2"/>
-                </a:cxn>
-                <a:cxn ang="5400000">
-                  <a:pos x="wd2" y="hd2"/>
-                </a:cxn>
-                <a:cxn ang="10800000">
-                  <a:pos x="wd2" y="hd2"/>
-                </a:cxn>
-                <a:cxn ang="16200000">
-                  <a:pos x="wd2" y="hd2"/>
-                </a:cxn>
-              </a:cxnLst>
-              <a:rect l="0" t="0" r="r" b="b"/>
-              <a:pathLst>
-                <a:path w="19679" h="19679" extrusionOk="0">
-                  <a:moveTo>
-                    <a:pt x="16796" y="2882"/>
-                  </a:moveTo>
-                  <a:cubicBezTo>
-                    <a:pt x="20639" y="6724"/>
-                    <a:pt x="20639" y="12954"/>
-                    <a:pt x="16796" y="16796"/>
-                  </a:cubicBezTo>
-                  <a:cubicBezTo>
-                    <a:pt x="12954" y="20639"/>
-                    <a:pt x="6724" y="20639"/>
-                    <a:pt x="2882" y="16796"/>
-                  </a:cubicBezTo>
-                  <a:cubicBezTo>
-                    <a:pt x="-961" y="12954"/>
-                    <a:pt x="-961" y="6724"/>
-                    <a:pt x="2882" y="2882"/>
-                  </a:cubicBezTo>
-                  <a:cubicBezTo>
-                    <a:pt x="6724" y="-961"/>
-                    <a:pt x="12954" y="-961"/>
-                    <a:pt x="16796" y="2882"/>
-                  </a:cubicBezTo>
-                  <a:close/>
-                </a:path>
-              </a:pathLst>
-            </a:custGeom>
-            <a:solidFill>
-              <a:srgbClr val="196970"/>
-            </a:solidFill>
-            <a:ln w="3175" cap="flat">
-              <a:noFill/>
-              <a:miter lim="400000"/>
-            </a:ln>
-            <a:effectLst/>
-          </p:spPr>
-          <p:txBody>
-            <a:bodyPr wrap="square" lIns="0" tIns="0" rIns="0" bIns="0" numCol="1" anchor="ctr">
-              <a:noAutofit/>
-            </a:bodyPr>
-            <a:lstStyle/>
-            <a:p>
-              <a:pPr lvl="0">
-                <a:defRPr sz="1800">
-                  <a:solidFill>
-                    <a:srgbClr val="FFFFFF"/>
-                  </a:solidFill>
-                </a:defRPr>
-              </a:pPr>
-              <a:endParaRPr/>
-            </a:p>
-          </p:txBody>
-        </p:sp>
-        <p:pic>
-          <p:nvPicPr>
-            <p:cNvPr id="67" name="_-47.png"/>
-            <p:cNvPicPr/>
-            <p:nvPr/>
-          </p:nvPicPr>
-          <p:blipFill>
-            <a:blip r:embed="rId9"/>
-            <a:srcRect l="17032" t="20462" r="17032" b="20462"/>
-            <a:stretch>
-              <a:fillRect/>
-            </a:stretch>
-          </p:blipFill>
-          <p:spPr>
-            <a:xfrm>
-              <a:off x="3723113" y="3770499"/>
-              <a:ext cx="466313" cy="417807"/>
-            </a:xfrm>
-            <a:prstGeom prst="rect">
-              <a:avLst/>
-            </a:prstGeom>
-            <a:ln w="3175" cap="flat">
-              <a:noFill/>
-              <a:miter lim="400000"/>
-            </a:ln>
-            <a:effectLst/>
-          </p:spPr>
-        </p:pic>
-      </p:grpSp>
-      <p:sp>
-        <p:nvSpPr>
-          <p:cNvPr id="68" name="TextBox 67"/>
-          <p:cNvSpPr txBox="1"/>
-          <p:nvPr/>
-        </p:nvSpPr>
-        <p:spPr>
-          <a:xfrm>
-            <a:off x="1238976" y="4052430"/>
-            <a:ext cx="1218324" cy="264013"/>
-          </a:xfrm>
-          <a:prstGeom prst="rect">
-            <a:avLst/>
-          </a:prstGeom>
-          <a:noFill/>
-          <a:ln w="3175" cap="flat">
-            <a:noFill/>
-            <a:miter lim="400000"/>
-          </a:ln>
-          <a:effectLst/>
-        </p:spPr>
-        <p:style>
-          <a:lnRef idx="0">
-            <a:scrgbClr r="0" g="0" b="0"/>
-          </a:lnRef>
-          <a:fillRef idx="0">
-            <a:scrgbClr r="0" g="0" b="0"/>
-          </a:fillRef>
-          <a:effectRef idx="0">
-            <a:scrgbClr r="0" g="0" b="0"/>
-          </a:effectRef>
-          <a:fontRef idx="none"/>
-        </p:style>
-        <p:txBody>
-          <a:bodyPr rot="0" spcFirstLastPara="1" vertOverflow="overflow" horzOverflow="overflow" vert="horz" wrap="square" lIns="39290" tIns="39290" rIns="39290" bIns="39290" numCol="1" spcCol="38100" rtlCol="0" anchor="ctr">
-            <a:spAutoFit/>
-          </a:bodyPr>
-          <a:lstStyle/>
-          <a:p>
-            <a:pPr rtl="0" latinLnBrk="1" hangingPunct="0"/>
-            <a:r>
-              <a:rPr lang="en-US" sz="1200" dirty="0">
-                <a:solidFill>
-                  <a:srgbClr val="000000"/>
-                </a:solidFill>
-                <a:latin typeface="Arial"/>
-                <a:cs typeface="Arial"/>
-              </a:rPr>
-              <a:t>Istio Ingress</a:t>
-            </a:r>
-          </a:p>
-        </p:txBody>
-      </p:sp>
-      <p:cxnSp>
-        <p:nvCxnSpPr>
-          <p:cNvPr id="96" name="Straight Arrow Connector 62">
-            <a:extLst>
-              <a:ext uri="{FF2B5EF4-FFF2-40B4-BE49-F238E27FC236}">
-                <a16:creationId xmlns:a16="http://schemas.microsoft.com/office/drawing/2014/main" id="{81F8C912-EC3D-B144-A560-0B420356B8C0}"/>
-              </a:ext>
-            </a:extLst>
-          </p:cNvPr>
-          <p:cNvCxnSpPr>
-            <a:cxnSpLocks/>
-          </p:cNvCxnSpPr>
-          <p:nvPr/>
-        </p:nvCxnSpPr>
-        <p:spPr>
-          <a:xfrm>
-            <a:off x="1021545" y="3598116"/>
-            <a:ext cx="474060" cy="5975"/>
-          </a:xfrm>
-          <a:prstGeom prst="straightConnector1">
-            <a:avLst/>
-          </a:prstGeom>
-          <a:noFill/>
-          <a:ln w="38100" cap="flat" cmpd="sng">
-            <a:solidFill>
-              <a:schemeClr val="bg1">
-                <a:lumMod val="85000"/>
-              </a:schemeClr>
-            </a:solidFill>
-            <a:prstDash val="solid"/>
-            <a:miter lim="400000"/>
-            <a:headEnd type="none"/>
-            <a:tailEnd type="none"/>
-          </a:ln>
-          <a:effectLst/>
-        </p:spPr>
-        <p:style>
-          <a:lnRef idx="0">
-            <a:scrgbClr r="0" g="0" b="0"/>
-          </a:lnRef>
-          <a:fillRef idx="0">
-            <a:scrgbClr r="0" g="0" b="0"/>
-          </a:fillRef>
-          <a:effectRef idx="0">
-            <a:scrgbClr r="0" g="0" b="0"/>
-          </a:effectRef>
-          <a:fontRef idx="none"/>
-        </p:style>
-      </p:cxnSp>
       <p:pic>
         <p:nvPicPr>
           <p:cNvPr id="42" name="Picture 41">
@@ -27262,7 +27487,7 @@
           <p:nvPr/>
         </p:nvPicPr>
         <p:blipFill>
-          <a:blip r:embed="rId5"/>
+          <a:blip r:embed="rId6"/>
           <a:stretch>
             <a:fillRect/>
           </a:stretch>

--- a/workshop/images/architecture.pptx
+++ b/workshop/images/architecture.pptx
@@ -5,7 +5,7 @@
     <p:sldMasterId id="2147483648" r:id="rId1"/>
   </p:sldMasterIdLst>
   <p:notesMasterIdLst>
-    <p:notesMasterId r:id="rId20"/>
+    <p:notesMasterId r:id="rId21"/>
   </p:notesMasterIdLst>
   <p:sldIdLst>
     <p:sldId id="365" r:id="rId2"/>
@@ -26,6 +26,7 @@
     <p:sldId id="379" r:id="rId17"/>
     <p:sldId id="370" r:id="rId18"/>
     <p:sldId id="384" r:id="rId19"/>
+    <p:sldId id="386" r:id="rId20"/>
   </p:sldIdLst>
   <p:sldSz cx="10058400" cy="7772400"/>
   <p:notesSz cx="6858000" cy="9144000"/>
@@ -20540,8 +20541,8 @@
           </p:nvSpPr>
           <p:spPr>
             <a:xfrm>
-              <a:off x="2660556" y="5822605"/>
-              <a:ext cx="279723" cy="510235"/>
+              <a:off x="2660556" y="5822604"/>
+              <a:ext cx="279723" cy="510234"/>
             </a:xfrm>
             <a:prstGeom prst="rect">
               <a:avLst/>
@@ -20733,14 +20734,14 @@
                 <a:tabLst/>
               </a:pPr>
               <a:r>
-                <a:rPr lang="en-US">
+                <a:rPr lang="en-US" dirty="0">
                   <a:solidFill>
                     <a:srgbClr val="000000"/>
                   </a:solidFill>
                 </a:rPr>
                 <a:t>2</a:t>
               </a:r>
-              <a:endParaRPr kumimoji="0" lang="en-US" sz="2800" b="0" i="0" u="none" strike="noStrike" cap="none" spc="0" normalizeH="0" baseline="0">
+              <a:endParaRPr kumimoji="0" lang="en-US" sz="2800" b="0" i="0" u="none" strike="noStrike" cap="none" spc="0" normalizeH="0" baseline="0" dirty="0">
                 <a:ln>
                   <a:noFill/>
                 </a:ln>
@@ -21417,7 +21418,7 @@
                 <a:tabLst/>
               </a:pPr>
               <a:r>
-                <a:rPr kumimoji="0" lang="en-US" sz="2800" b="0" i="0" u="none" strike="noStrike" cap="none" spc="0" normalizeH="0" baseline="0">
+                <a:rPr kumimoji="0" lang="en-US" sz="2800" b="0" i="0" u="none" strike="noStrike" cap="none" spc="0" normalizeH="0" baseline="0" dirty="0">
                   <a:ln>
                     <a:noFill/>
                   </a:ln>
@@ -21785,6 +21786,1434 @@
     <p:extLst>
       <p:ext uri="{BB962C8B-B14F-4D97-AF65-F5344CB8AC3E}">
         <p14:creationId xmlns:p14="http://schemas.microsoft.com/office/powerpoint/2010/main" val="3089088982"/>
+      </p:ext>
+    </p:extLst>
+  </p:cSld>
+  <p:clrMapOvr>
+    <a:masterClrMapping/>
+  </p:clrMapOvr>
+  <p:transition spd="med"/>
+</p:sld>
+</file>
+
+<file path=ppt/slides/slide19.xml><?xml version="1.0" encoding="utf-8"?>
+<p:sld xmlns:a="http://schemas.openxmlformats.org/drawingml/2006/main" xmlns:r="http://schemas.openxmlformats.org/officeDocument/2006/relationships" xmlns:p="http://schemas.openxmlformats.org/presentationml/2006/main">
+  <p:cSld>
+    <p:spTree>
+      <p:nvGrpSpPr>
+        <p:cNvPr id="1" name=""/>
+        <p:cNvGrpSpPr/>
+        <p:nvPr/>
+      </p:nvGrpSpPr>
+      <p:grpSpPr>
+        <a:xfrm>
+          <a:off x="0" y="0"/>
+          <a:ext cx="0" cy="0"/>
+          <a:chOff x="0" y="0"/>
+          <a:chExt cx="0" cy="0"/>
+        </a:xfrm>
+      </p:grpSpPr>
+      <p:sp>
+        <p:nvSpPr>
+          <p:cNvPr id="6" name="Rounded Rectangle 5">
+            <a:extLst>
+              <a:ext uri="{FF2B5EF4-FFF2-40B4-BE49-F238E27FC236}">
+                <a16:creationId xmlns:a16="http://schemas.microsoft.com/office/drawing/2014/main" id="{6DDECBDE-463B-D642-8BCB-66C7D546A3FA}"/>
+              </a:ext>
+            </a:extLst>
+          </p:cNvPr>
+          <p:cNvSpPr/>
+          <p:nvPr/>
+        </p:nvSpPr>
+        <p:spPr>
+          <a:xfrm>
+            <a:off x="6717462" y="5283541"/>
+            <a:ext cx="2171700" cy="2426676"/>
+          </a:xfrm>
+          <a:prstGeom prst="roundRect">
+            <a:avLst/>
+          </a:prstGeom>
+          <a:ln w="25400">
+            <a:solidFill>
+              <a:srgbClr val="4277BB"/>
+            </a:solidFill>
+            <a:miter lim="400000"/>
+          </a:ln>
+        </p:spPr>
+        <p:txBody>
+          <a:bodyPr lIns="0" tIns="0" rIns="0" bIns="0" rtlCol="0" anchor="ctr"/>
+          <a:lstStyle/>
+          <a:p>
+            <a:pPr algn="ctr"/>
+            <a:endParaRPr lang="en-US" sz="1800">
+              <a:solidFill>
+                <a:srgbClr val="4277BB"/>
+              </a:solidFill>
+            </a:endParaRPr>
+          </a:p>
+        </p:txBody>
+      </p:sp>
+      <p:pic>
+        <p:nvPicPr>
+          <p:cNvPr id="4" name="Picture 3">
+            <a:extLst>
+              <a:ext uri="{FF2B5EF4-FFF2-40B4-BE49-F238E27FC236}">
+                <a16:creationId xmlns:a16="http://schemas.microsoft.com/office/drawing/2014/main" id="{230E9969-4B67-3240-85AD-1302C355084D}"/>
+              </a:ext>
+            </a:extLst>
+          </p:cNvPr>
+          <p:cNvPicPr>
+            <a:picLocks noChangeAspect="1"/>
+          </p:cNvPicPr>
+          <p:nvPr/>
+        </p:nvPicPr>
+        <p:blipFill>
+          <a:blip r:embed="rId2"/>
+          <a:stretch>
+            <a:fillRect/>
+          </a:stretch>
+        </p:blipFill>
+        <p:spPr>
+          <a:xfrm>
+            <a:off x="6209462" y="4982648"/>
+            <a:ext cx="1016000" cy="1270000"/>
+          </a:xfrm>
+          <a:prstGeom prst="rect">
+            <a:avLst/>
+          </a:prstGeom>
+        </p:spPr>
+      </p:pic>
+      <p:sp>
+        <p:nvSpPr>
+          <p:cNvPr id="31" name="TextBox 30">
+            <a:extLst>
+              <a:ext uri="{FF2B5EF4-FFF2-40B4-BE49-F238E27FC236}">
+                <a16:creationId xmlns:a16="http://schemas.microsoft.com/office/drawing/2014/main" id="{C2FD3D45-3F06-9A4A-8497-DA1173D6B480}"/>
+              </a:ext>
+            </a:extLst>
+          </p:cNvPr>
+          <p:cNvSpPr txBox="1"/>
+          <p:nvPr/>
+        </p:nvSpPr>
+        <p:spPr>
+          <a:xfrm>
+            <a:off x="100797" y="59377"/>
+            <a:ext cx="1776928" cy="510235"/>
+          </a:xfrm>
+          <a:prstGeom prst="rect">
+            <a:avLst/>
+          </a:prstGeom>
+          <a:noFill/>
+          <a:ln w="3175" cap="flat">
+            <a:noFill/>
+            <a:miter lim="400000"/>
+          </a:ln>
+          <a:effectLst/>
+        </p:spPr>
+        <p:style>
+          <a:lnRef idx="0">
+            <a:scrgbClr r="0" g="0" b="0"/>
+          </a:lnRef>
+          <a:fillRef idx="0">
+            <a:scrgbClr r="0" g="0" b="0"/>
+          </a:fillRef>
+          <a:effectRef idx="0">
+            <a:scrgbClr r="0" g="0" b="0"/>
+          </a:effectRef>
+          <a:fontRef idx="none"/>
+        </p:style>
+        <p:txBody>
+          <a:bodyPr rot="0" spcFirstLastPara="1" vertOverflow="overflow" horzOverflow="overflow" vert="horz" wrap="none" lIns="39290" tIns="39290" rIns="39290" bIns="39290" numCol="1" spcCol="38100" rtlCol="0" anchor="ctr">
+            <a:spAutoFit/>
+          </a:bodyPr>
+          <a:lstStyle/>
+          <a:p>
+            <a:pPr marL="0" marR="0" indent="0" algn="ctr" defTabSz="584200" rtl="0" fontAlgn="auto" latinLnBrk="1" hangingPunct="0">
+              <a:lnSpc>
+                <a:spcPct val="100000"/>
+              </a:lnSpc>
+              <a:spcBef>
+                <a:spcPts val="0"/>
+              </a:spcBef>
+              <a:spcAft>
+                <a:spcPts val="0"/>
+              </a:spcAft>
+              <a:buClrTx/>
+              <a:buSzTx/>
+              <a:buFontTx/>
+              <a:buNone/>
+              <a:tabLst/>
+            </a:pPr>
+            <a:r>
+              <a:rPr kumimoji="0" lang="en-US" sz="2800" b="1" i="0" u="none" strike="noStrike" cap="none" spc="0" normalizeH="0" baseline="0">
+                <a:ln>
+                  <a:noFill/>
+                </a:ln>
+                <a:solidFill>
+                  <a:srgbClr val="000000"/>
+                </a:solidFill>
+                <a:effectLst/>
+                <a:uFillTx/>
+                <a:latin typeface="+mn-lt"/>
+                <a:ea typeface="+mn-ea"/>
+                <a:cs typeface="+mn-cs"/>
+                <a:sym typeface="Helvetica Light"/>
+              </a:rPr>
+              <a:t>IBM Cloud</a:t>
+            </a:r>
+          </a:p>
+        </p:txBody>
+      </p:sp>
+      <p:sp>
+        <p:nvSpPr>
+          <p:cNvPr id="32" name="TextBox 31">
+            <a:extLst>
+              <a:ext uri="{FF2B5EF4-FFF2-40B4-BE49-F238E27FC236}">
+                <a16:creationId xmlns:a16="http://schemas.microsoft.com/office/drawing/2014/main" id="{5DCE1792-0DF1-8342-A759-6D9ACC95A75B}"/>
+              </a:ext>
+            </a:extLst>
+          </p:cNvPr>
+          <p:cNvSpPr txBox="1"/>
+          <p:nvPr/>
+        </p:nvSpPr>
+        <p:spPr>
+          <a:xfrm>
+            <a:off x="6913479" y="5500065"/>
+            <a:ext cx="1932419" cy="1002677"/>
+          </a:xfrm>
+          <a:prstGeom prst="rect">
+            <a:avLst/>
+          </a:prstGeom>
+          <a:noFill/>
+          <a:ln w="3175" cap="flat">
+            <a:noFill/>
+            <a:miter lim="400000"/>
+          </a:ln>
+          <a:effectLst/>
+        </p:spPr>
+        <p:style>
+          <a:lnRef idx="0">
+            <a:scrgbClr r="0" g="0" b="0"/>
+          </a:lnRef>
+          <a:fillRef idx="0">
+            <a:scrgbClr r="0" g="0" b="0"/>
+          </a:fillRef>
+          <a:effectRef idx="0">
+            <a:scrgbClr r="0" g="0" b="0"/>
+          </a:effectRef>
+          <a:fontRef idx="none"/>
+        </p:style>
+        <p:txBody>
+          <a:bodyPr rot="0" spcFirstLastPara="1" vertOverflow="overflow" horzOverflow="overflow" vert="horz" wrap="none" lIns="39290" tIns="39290" rIns="39290" bIns="39290" numCol="1" spcCol="38100" rtlCol="0" anchor="ctr">
+            <a:spAutoFit/>
+          </a:bodyPr>
+          <a:lstStyle/>
+          <a:p>
+            <a:pPr marL="0" marR="0" indent="0" algn="ctr" defTabSz="584200" rtl="0" fontAlgn="auto" latinLnBrk="1" hangingPunct="0">
+              <a:lnSpc>
+                <a:spcPct val="100000"/>
+              </a:lnSpc>
+              <a:spcBef>
+                <a:spcPts val="0"/>
+              </a:spcBef>
+              <a:spcAft>
+                <a:spcPts val="0"/>
+              </a:spcAft>
+              <a:buClrTx/>
+              <a:buSzTx/>
+              <a:buFontTx/>
+              <a:buNone/>
+              <a:tabLst/>
+            </a:pPr>
+            <a:r>
+              <a:rPr kumimoji="0" lang="en-US" sz="2000" b="1" i="0" u="none" strike="noStrike" cap="none" spc="0" normalizeH="0" baseline="0" dirty="0">
+                <a:ln>
+                  <a:noFill/>
+                </a:ln>
+                <a:solidFill>
+                  <a:srgbClr val="000000"/>
+                </a:solidFill>
+                <a:effectLst/>
+                <a:uFillTx/>
+                <a:latin typeface="+mn-lt"/>
+                <a:ea typeface="+mn-ea"/>
+                <a:cs typeface="+mn-cs"/>
+                <a:sym typeface="Helvetica Light"/>
+              </a:rPr>
+              <a:t>Build</a:t>
+            </a:r>
+            <a:r>
+              <a:rPr kumimoji="0" lang="en-US" sz="2000" b="0" i="0" u="none" strike="noStrike" cap="none" spc="0" normalizeH="0" baseline="0" dirty="0">
+                <a:ln>
+                  <a:noFill/>
+                </a:ln>
+                <a:solidFill>
+                  <a:srgbClr val="000000"/>
+                </a:solidFill>
+                <a:effectLst/>
+                <a:uFillTx/>
+                <a:latin typeface="+mn-lt"/>
+                <a:ea typeface="+mn-ea"/>
+                <a:cs typeface="+mn-cs"/>
+                <a:sym typeface="Helvetica Light"/>
+              </a:rPr>
+              <a:t> and </a:t>
+            </a:r>
+          </a:p>
+          <a:p>
+            <a:pPr marL="0" marR="0" indent="0" algn="ctr" defTabSz="584200" rtl="0" fontAlgn="auto" latinLnBrk="1" hangingPunct="0">
+              <a:lnSpc>
+                <a:spcPct val="100000"/>
+              </a:lnSpc>
+              <a:spcBef>
+                <a:spcPts val="0"/>
+              </a:spcBef>
+              <a:spcAft>
+                <a:spcPts val="0"/>
+              </a:spcAft>
+              <a:buClrTx/>
+              <a:buSzTx/>
+              <a:buFontTx/>
+              <a:buNone/>
+              <a:tabLst/>
+            </a:pPr>
+            <a:r>
+              <a:rPr kumimoji="0" lang="en-US" sz="2000" b="1" i="0" u="none" strike="noStrike" cap="none" spc="0" normalizeH="0" baseline="0" dirty="0">
+                <a:ln>
+                  <a:noFill/>
+                </a:ln>
+                <a:solidFill>
+                  <a:srgbClr val="000000"/>
+                </a:solidFill>
+                <a:effectLst/>
+                <a:uFillTx/>
+                <a:latin typeface="+mn-lt"/>
+                <a:ea typeface="+mn-ea"/>
+                <a:cs typeface="+mn-cs"/>
+                <a:sym typeface="Helvetica Light"/>
+              </a:rPr>
+              <a:t>store</a:t>
+            </a:r>
+            <a:r>
+              <a:rPr kumimoji="0" lang="en-US" sz="2000" b="0" i="0" u="none" strike="noStrike" cap="none" spc="0" normalizeH="0" baseline="0" dirty="0">
+                <a:ln>
+                  <a:noFill/>
+                </a:ln>
+                <a:solidFill>
+                  <a:srgbClr val="000000"/>
+                </a:solidFill>
+                <a:effectLst/>
+                <a:uFillTx/>
+                <a:latin typeface="+mn-lt"/>
+                <a:ea typeface="+mn-ea"/>
+                <a:cs typeface="+mn-cs"/>
+                <a:sym typeface="Helvetica Light"/>
+              </a:rPr>
+              <a:t> the </a:t>
+            </a:r>
+            <a:br>
+              <a:rPr kumimoji="0" lang="en-US" sz="2000" b="0" i="0" u="none" strike="noStrike" cap="none" spc="0" normalizeH="0" baseline="0" dirty="0">
+                <a:ln>
+                  <a:noFill/>
+                </a:ln>
+                <a:solidFill>
+                  <a:srgbClr val="000000"/>
+                </a:solidFill>
+                <a:effectLst/>
+                <a:uFillTx/>
+                <a:latin typeface="+mn-lt"/>
+                <a:ea typeface="+mn-ea"/>
+                <a:cs typeface="+mn-cs"/>
+                <a:sym typeface="Helvetica Light"/>
+              </a:rPr>
+            </a:br>
+            <a:r>
+              <a:rPr kumimoji="0" lang="en-US" sz="2000" b="1" i="0" u="none" strike="noStrike" cap="none" spc="0" normalizeH="0" baseline="0" dirty="0">
+                <a:ln>
+                  <a:noFill/>
+                </a:ln>
+                <a:solidFill>
+                  <a:srgbClr val="000000"/>
+                </a:solidFill>
+                <a:effectLst/>
+                <a:uFillTx/>
+                <a:latin typeface="+mn-lt"/>
+                <a:ea typeface="+mn-ea"/>
+                <a:cs typeface="+mn-cs"/>
+                <a:sym typeface="Helvetica Light"/>
+              </a:rPr>
+              <a:t>container image</a:t>
+            </a:r>
+          </a:p>
+        </p:txBody>
+      </p:sp>
+      <p:sp>
+        <p:nvSpPr>
+          <p:cNvPr id="58" name="Rounded Rectangle 57">
+            <a:extLst>
+              <a:ext uri="{FF2B5EF4-FFF2-40B4-BE49-F238E27FC236}">
+                <a16:creationId xmlns:a16="http://schemas.microsoft.com/office/drawing/2014/main" id="{74AC6CAB-6CF0-064E-82A7-C042A402770F}"/>
+              </a:ext>
+            </a:extLst>
+          </p:cNvPr>
+          <p:cNvSpPr/>
+          <p:nvPr/>
+        </p:nvSpPr>
+        <p:spPr>
+          <a:xfrm>
+            <a:off x="6994462" y="6682929"/>
+            <a:ext cx="1504776" cy="856685"/>
+          </a:xfrm>
+          <a:prstGeom prst="roundRect">
+            <a:avLst/>
+          </a:prstGeom>
+          <a:solidFill>
+            <a:srgbClr val="FFFFFF"/>
+          </a:solidFill>
+          <a:ln w="25400">
+            <a:solidFill>
+              <a:srgbClr val="4277BB"/>
+            </a:solidFill>
+            <a:miter lim="400000"/>
+          </a:ln>
+        </p:spPr>
+        <p:txBody>
+          <a:bodyPr lIns="0" tIns="0" rIns="0" bIns="0" rtlCol="0" anchor="ctr"/>
+          <a:lstStyle/>
+          <a:p>
+            <a:pPr algn="ctr"/>
+            <a:endParaRPr lang="en-US" sz="1800">
+              <a:solidFill>
+                <a:srgbClr val="4277BB"/>
+              </a:solidFill>
+            </a:endParaRPr>
+          </a:p>
+        </p:txBody>
+      </p:sp>
+      <p:grpSp>
+        <p:nvGrpSpPr>
+          <p:cNvPr id="54" name="Group 53">
+            <a:extLst>
+              <a:ext uri="{FF2B5EF4-FFF2-40B4-BE49-F238E27FC236}">
+                <a16:creationId xmlns:a16="http://schemas.microsoft.com/office/drawing/2014/main" id="{E68F073C-26E6-BF41-AA89-397C0C0DF73C}"/>
+              </a:ext>
+            </a:extLst>
+          </p:cNvPr>
+          <p:cNvGrpSpPr/>
+          <p:nvPr/>
+        </p:nvGrpSpPr>
+        <p:grpSpPr>
+          <a:xfrm>
+            <a:off x="8567151" y="5426511"/>
+            <a:ext cx="593382" cy="585967"/>
+            <a:chOff x="2338280" y="5620523"/>
+            <a:chExt cx="914400" cy="914400"/>
+          </a:xfrm>
+        </p:grpSpPr>
+        <p:sp>
+          <p:nvSpPr>
+            <p:cNvPr id="61" name="Oval 60">
+              <a:extLst>
+                <a:ext uri="{FF2B5EF4-FFF2-40B4-BE49-F238E27FC236}">
+                  <a16:creationId xmlns:a16="http://schemas.microsoft.com/office/drawing/2014/main" id="{F84D4B9F-5490-C045-8A74-3AF1B8781E0C}"/>
+                </a:ext>
+              </a:extLst>
+            </p:cNvPr>
+            <p:cNvSpPr/>
+            <p:nvPr/>
+          </p:nvSpPr>
+          <p:spPr>
+            <a:xfrm>
+              <a:off x="2338280" y="5620523"/>
+              <a:ext cx="914400" cy="914400"/>
+            </a:xfrm>
+            <a:prstGeom prst="ellipse">
+              <a:avLst/>
+            </a:prstGeom>
+            <a:solidFill>
+              <a:schemeClr val="bg1"/>
+            </a:solidFill>
+            <a:ln w="25400">
+              <a:solidFill>
+                <a:srgbClr val="4277BB"/>
+              </a:solidFill>
+              <a:miter lim="400000"/>
+            </a:ln>
+          </p:spPr>
+          <p:txBody>
+            <a:bodyPr lIns="0" tIns="0" rIns="0" bIns="0" rtlCol="0" anchor="ctr"/>
+            <a:lstStyle/>
+            <a:p>
+              <a:pPr algn="ctr"/>
+              <a:endParaRPr lang="en-US" sz="1800">
+                <a:solidFill>
+                  <a:srgbClr val="4277BB"/>
+                </a:solidFill>
+              </a:endParaRPr>
+            </a:p>
+          </p:txBody>
+        </p:sp>
+        <p:sp>
+          <p:nvSpPr>
+            <p:cNvPr id="62" name="TextBox 61">
+              <a:extLst>
+                <a:ext uri="{FF2B5EF4-FFF2-40B4-BE49-F238E27FC236}">
+                  <a16:creationId xmlns:a16="http://schemas.microsoft.com/office/drawing/2014/main" id="{8F4F9CA3-8686-8E45-A501-C4565CA25F65}"/>
+                </a:ext>
+              </a:extLst>
+            </p:cNvPr>
+            <p:cNvSpPr txBox="1"/>
+            <p:nvPr/>
+          </p:nvSpPr>
+          <p:spPr>
+            <a:xfrm>
+              <a:off x="2584892" y="5679611"/>
+              <a:ext cx="431052" cy="796220"/>
+            </a:xfrm>
+            <a:prstGeom prst="rect">
+              <a:avLst/>
+            </a:prstGeom>
+            <a:noFill/>
+            <a:ln w="3175" cap="flat">
+              <a:noFill/>
+              <a:miter lim="400000"/>
+            </a:ln>
+            <a:effectLst/>
+          </p:spPr>
+          <p:style>
+            <a:lnRef idx="0">
+              <a:scrgbClr r="0" g="0" b="0"/>
+            </a:lnRef>
+            <a:fillRef idx="0">
+              <a:scrgbClr r="0" g="0" b="0"/>
+            </a:fillRef>
+            <a:effectRef idx="0">
+              <a:scrgbClr r="0" g="0" b="0"/>
+            </a:effectRef>
+            <a:fontRef idx="none"/>
+          </p:style>
+          <p:txBody>
+            <a:bodyPr rot="0" spcFirstLastPara="1" vertOverflow="overflow" horzOverflow="overflow" vert="horz" wrap="none" lIns="39290" tIns="39290" rIns="39290" bIns="39290" numCol="1" spcCol="38100" rtlCol="0" anchor="ctr">
+              <a:spAutoFit/>
+            </a:bodyPr>
+            <a:lstStyle/>
+            <a:p>
+              <a:pPr marL="0" marR="0" indent="0" algn="ctr" defTabSz="584200" rtl="0" fontAlgn="auto" latinLnBrk="1" hangingPunct="0">
+                <a:lnSpc>
+                  <a:spcPct val="100000"/>
+                </a:lnSpc>
+                <a:spcBef>
+                  <a:spcPts val="0"/>
+                </a:spcBef>
+                <a:spcAft>
+                  <a:spcPts val="0"/>
+                </a:spcAft>
+                <a:buClrTx/>
+                <a:buSzTx/>
+                <a:buFontTx/>
+                <a:buNone/>
+                <a:tabLst/>
+              </a:pPr>
+              <a:r>
+                <a:rPr lang="en-US" dirty="0">
+                  <a:solidFill>
+                    <a:srgbClr val="000000"/>
+                  </a:solidFill>
+                </a:rPr>
+                <a:t>2</a:t>
+              </a:r>
+              <a:endParaRPr kumimoji="0" lang="en-US" sz="2800" b="0" i="0" u="none" strike="noStrike" cap="none" spc="0" normalizeH="0" baseline="0" dirty="0">
+                <a:ln>
+                  <a:noFill/>
+                </a:ln>
+                <a:solidFill>
+                  <a:srgbClr val="000000"/>
+                </a:solidFill>
+                <a:effectLst/>
+                <a:uFillTx/>
+                <a:latin typeface="+mn-lt"/>
+                <a:ea typeface="+mn-ea"/>
+                <a:cs typeface="+mn-cs"/>
+                <a:sym typeface="Helvetica Light"/>
+              </a:endParaRPr>
+            </a:p>
+          </p:txBody>
+        </p:sp>
+      </p:grpSp>
+      <p:sp>
+        <p:nvSpPr>
+          <p:cNvPr id="66" name="Rounded Rectangle 65">
+            <a:extLst>
+              <a:ext uri="{FF2B5EF4-FFF2-40B4-BE49-F238E27FC236}">
+                <a16:creationId xmlns:a16="http://schemas.microsoft.com/office/drawing/2014/main" id="{C4D50543-9EFD-2B42-9F96-9784F0AFD273}"/>
+              </a:ext>
+            </a:extLst>
+          </p:cNvPr>
+          <p:cNvSpPr/>
+          <p:nvPr/>
+        </p:nvSpPr>
+        <p:spPr>
+          <a:xfrm>
+            <a:off x="6021534" y="764169"/>
+            <a:ext cx="3692834" cy="3656051"/>
+          </a:xfrm>
+          <a:prstGeom prst="roundRect">
+            <a:avLst/>
+          </a:prstGeom>
+          <a:ln w="25400">
+            <a:solidFill>
+              <a:srgbClr val="4277BB"/>
+            </a:solidFill>
+            <a:miter lim="400000"/>
+          </a:ln>
+        </p:spPr>
+        <p:txBody>
+          <a:bodyPr lIns="0" tIns="0" rIns="0" bIns="0" rtlCol="0" anchor="ctr"/>
+          <a:lstStyle/>
+          <a:p>
+            <a:pPr algn="ctr"/>
+            <a:endParaRPr lang="en-US" sz="1800">
+              <a:solidFill>
+                <a:srgbClr val="4277BB"/>
+              </a:solidFill>
+            </a:endParaRPr>
+          </a:p>
+        </p:txBody>
+      </p:sp>
+      <p:sp>
+        <p:nvSpPr>
+          <p:cNvPr id="68" name="Rounded Rectangle 67">
+            <a:extLst>
+              <a:ext uri="{FF2B5EF4-FFF2-40B4-BE49-F238E27FC236}">
+                <a16:creationId xmlns:a16="http://schemas.microsoft.com/office/drawing/2014/main" id="{7D22E891-E651-C343-B98D-45B362624281}"/>
+              </a:ext>
+            </a:extLst>
+          </p:cNvPr>
+          <p:cNvSpPr/>
+          <p:nvPr/>
+        </p:nvSpPr>
+        <p:spPr>
+          <a:xfrm>
+            <a:off x="7422301" y="1631358"/>
+            <a:ext cx="1747977" cy="1655049"/>
+          </a:xfrm>
+          <a:prstGeom prst="roundRect">
+            <a:avLst/>
+          </a:prstGeom>
+          <a:ln w="25400">
+            <a:solidFill>
+              <a:srgbClr val="4277BB"/>
+            </a:solidFill>
+            <a:miter lim="400000"/>
+          </a:ln>
+        </p:spPr>
+        <p:txBody>
+          <a:bodyPr lIns="0" tIns="0" rIns="0" bIns="0" rtlCol="0" anchor="ctr"/>
+          <a:lstStyle/>
+          <a:p>
+            <a:pPr algn="ctr"/>
+            <a:endParaRPr lang="en-US" sz="1800">
+              <a:solidFill>
+                <a:srgbClr val="4277BB"/>
+              </a:solidFill>
+            </a:endParaRPr>
+          </a:p>
+        </p:txBody>
+      </p:sp>
+      <p:sp>
+        <p:nvSpPr>
+          <p:cNvPr id="71" name="TextBox 70">
+            <a:extLst>
+              <a:ext uri="{FF2B5EF4-FFF2-40B4-BE49-F238E27FC236}">
+                <a16:creationId xmlns:a16="http://schemas.microsoft.com/office/drawing/2014/main" id="{8B311B05-6EBE-454F-B94C-E5CC8C1AE15B}"/>
+              </a:ext>
+            </a:extLst>
+          </p:cNvPr>
+          <p:cNvSpPr txBox="1"/>
+          <p:nvPr/>
+        </p:nvSpPr>
+        <p:spPr>
+          <a:xfrm>
+            <a:off x="7426963" y="1689486"/>
+            <a:ext cx="718946" cy="325569"/>
+          </a:xfrm>
+          <a:prstGeom prst="rect">
+            <a:avLst/>
+          </a:prstGeom>
+          <a:noFill/>
+          <a:ln w="3175" cap="flat">
+            <a:noFill/>
+            <a:miter lim="400000"/>
+          </a:ln>
+          <a:effectLst/>
+        </p:spPr>
+        <p:style>
+          <a:lnRef idx="0">
+            <a:scrgbClr r="0" g="0" b="0"/>
+          </a:lnRef>
+          <a:fillRef idx="0">
+            <a:scrgbClr r="0" g="0" b="0"/>
+          </a:fillRef>
+          <a:effectRef idx="0">
+            <a:scrgbClr r="0" g="0" b="0"/>
+          </a:effectRef>
+          <a:fontRef idx="none"/>
+        </p:style>
+        <p:txBody>
+          <a:bodyPr rot="0" spcFirstLastPara="1" vertOverflow="overflow" horzOverflow="overflow" vert="horz" wrap="square" lIns="39290" tIns="39290" rIns="39290" bIns="39290" numCol="1" spcCol="38100" rtlCol="0" anchor="ctr">
+            <a:spAutoFit/>
+          </a:bodyPr>
+          <a:lstStyle/>
+          <a:p>
+            <a:pPr marL="0" marR="0" indent="0" algn="ctr" defTabSz="584200" rtl="0" fontAlgn="auto" latinLnBrk="1" hangingPunct="0">
+              <a:lnSpc>
+                <a:spcPct val="100000"/>
+              </a:lnSpc>
+              <a:spcBef>
+                <a:spcPts val="0"/>
+              </a:spcBef>
+              <a:spcAft>
+                <a:spcPts val="0"/>
+              </a:spcAft>
+              <a:buClrTx/>
+              <a:buSzTx/>
+              <a:buFontTx/>
+              <a:buNone/>
+              <a:tabLst/>
+            </a:pPr>
+            <a:r>
+              <a:rPr lang="en-US" sz="1600">
+                <a:solidFill>
+                  <a:srgbClr val="000000"/>
+                </a:solidFill>
+              </a:rPr>
+              <a:t>P</a:t>
+            </a:r>
+            <a:r>
+              <a:rPr kumimoji="0" lang="en-US" sz="1600" b="0" i="0" u="none" strike="noStrike" cap="none" spc="0" normalizeH="0" baseline="0">
+                <a:ln>
+                  <a:noFill/>
+                </a:ln>
+                <a:solidFill>
+                  <a:srgbClr val="000000"/>
+                </a:solidFill>
+                <a:effectLst/>
+                <a:uFillTx/>
+                <a:latin typeface="+mn-lt"/>
+                <a:ea typeface="+mn-ea"/>
+                <a:cs typeface="+mn-cs"/>
+                <a:sym typeface="Helvetica Light"/>
+              </a:rPr>
+              <a:t>od</a:t>
+            </a:r>
+          </a:p>
+        </p:txBody>
+      </p:sp>
+      <p:sp>
+        <p:nvSpPr>
+          <p:cNvPr id="74" name="TextBox 73">
+            <a:extLst>
+              <a:ext uri="{FF2B5EF4-FFF2-40B4-BE49-F238E27FC236}">
+                <a16:creationId xmlns:a16="http://schemas.microsoft.com/office/drawing/2014/main" id="{9598825F-B14D-C748-AB12-175AD309F87E}"/>
+              </a:ext>
+            </a:extLst>
+          </p:cNvPr>
+          <p:cNvSpPr txBox="1"/>
+          <p:nvPr/>
+        </p:nvSpPr>
+        <p:spPr>
+          <a:xfrm>
+            <a:off x="7533657" y="2188072"/>
+            <a:ext cx="917210" cy="487151"/>
+          </a:xfrm>
+          <a:prstGeom prst="rect">
+            <a:avLst/>
+          </a:prstGeom>
+          <a:noFill/>
+          <a:ln w="3175" cap="flat">
+            <a:noFill/>
+            <a:miter lim="400000"/>
+          </a:ln>
+          <a:effectLst/>
+        </p:spPr>
+        <p:style>
+          <a:lnRef idx="0">
+            <a:scrgbClr r="0" g="0" b="0"/>
+          </a:lnRef>
+          <a:fillRef idx="0">
+            <a:scrgbClr r="0" g="0" b="0"/>
+          </a:fillRef>
+          <a:effectRef idx="0">
+            <a:scrgbClr r="0" g="0" b="0"/>
+          </a:effectRef>
+          <a:fontRef idx="none"/>
+        </p:style>
+        <p:txBody>
+          <a:bodyPr rot="0" spcFirstLastPara="1" vertOverflow="overflow" horzOverflow="overflow" vert="horz" wrap="square" lIns="39290" tIns="39290" rIns="39290" bIns="39290" numCol="1" spcCol="38100" rtlCol="0" anchor="ctr">
+            <a:spAutoFit/>
+          </a:bodyPr>
+          <a:lstStyle/>
+          <a:p>
+            <a:pPr rtl="0" latinLnBrk="1" hangingPunct="0"/>
+            <a:r>
+              <a:rPr lang="en-US" sz="1600" b="1" dirty="0">
+                <a:solidFill>
+                  <a:srgbClr val="000000"/>
+                </a:solidFill>
+              </a:rPr>
+              <a:t>Authors  </a:t>
+            </a:r>
+            <a:r>
+              <a:rPr lang="en-US" sz="1050" b="1" dirty="0">
+                <a:solidFill>
+                  <a:srgbClr val="000000"/>
+                </a:solidFill>
+              </a:rPr>
+              <a:t>micro-service</a:t>
+            </a:r>
+            <a:endParaRPr kumimoji="0" lang="en-US" sz="1050" b="1" i="0" u="none" strike="noStrike" cap="none" spc="0" normalizeH="0" baseline="0" dirty="0">
+              <a:ln>
+                <a:noFill/>
+              </a:ln>
+              <a:solidFill>
+                <a:srgbClr val="000000"/>
+              </a:solidFill>
+              <a:effectLst/>
+              <a:uFillTx/>
+              <a:latin typeface="+mn-lt"/>
+              <a:ea typeface="+mn-ea"/>
+              <a:cs typeface="+mn-cs"/>
+              <a:sym typeface="Helvetica Light"/>
+            </a:endParaRPr>
+          </a:p>
+        </p:txBody>
+      </p:sp>
+      <p:pic>
+        <p:nvPicPr>
+          <p:cNvPr id="76" name="Picture 75">
+            <a:extLst>
+              <a:ext uri="{FF2B5EF4-FFF2-40B4-BE49-F238E27FC236}">
+                <a16:creationId xmlns:a16="http://schemas.microsoft.com/office/drawing/2014/main" id="{F85C06C8-3222-8644-8A74-8D8D1E49740C}"/>
+              </a:ext>
+            </a:extLst>
+          </p:cNvPr>
+          <p:cNvPicPr>
+            <a:picLocks noChangeAspect="1"/>
+          </p:cNvPicPr>
+          <p:nvPr/>
+        </p:nvPicPr>
+        <p:blipFill>
+          <a:blip r:embed="rId3">
+            <a:extLst>
+              <a:ext uri="{28A0092B-C50C-407E-A947-70E740481C1C}">
+                <a14:useLocalDpi xmlns:a14="http://schemas.microsoft.com/office/drawing/2010/main" val="0"/>
+              </a:ext>
+            </a:extLst>
+          </a:blip>
+          <a:stretch>
+            <a:fillRect/>
+          </a:stretch>
+        </p:blipFill>
+        <p:spPr>
+          <a:xfrm>
+            <a:off x="9015344" y="893367"/>
+            <a:ext cx="452515" cy="452515"/>
+          </a:xfrm>
+          <a:prstGeom prst="rect">
+            <a:avLst/>
+          </a:prstGeom>
+        </p:spPr>
+      </p:pic>
+      <p:sp>
+        <p:nvSpPr>
+          <p:cNvPr id="77" name="TextBox 76">
+            <a:extLst>
+              <a:ext uri="{FF2B5EF4-FFF2-40B4-BE49-F238E27FC236}">
+                <a16:creationId xmlns:a16="http://schemas.microsoft.com/office/drawing/2014/main" id="{167E1B1A-4B2A-3849-876C-BB7C8DA5D2D1}"/>
+              </a:ext>
+            </a:extLst>
+          </p:cNvPr>
+          <p:cNvSpPr txBox="1"/>
+          <p:nvPr/>
+        </p:nvSpPr>
+        <p:spPr>
+          <a:xfrm>
+            <a:off x="8633030" y="1016583"/>
+            <a:ext cx="537249" cy="240930"/>
+          </a:xfrm>
+          <a:prstGeom prst="rect">
+            <a:avLst/>
+          </a:prstGeom>
+          <a:noFill/>
+          <a:ln w="3175" cap="flat">
+            <a:noFill/>
+            <a:miter lim="400000"/>
+          </a:ln>
+          <a:effectLst/>
+        </p:spPr>
+        <p:style>
+          <a:lnRef idx="0">
+            <a:scrgbClr r="0" g="0" b="0"/>
+          </a:lnRef>
+          <a:fillRef idx="0">
+            <a:scrgbClr r="0" g="0" b="0"/>
+          </a:fillRef>
+          <a:effectRef idx="0">
+            <a:scrgbClr r="0" g="0" b="0"/>
+          </a:effectRef>
+          <a:fontRef idx="none"/>
+        </p:style>
+        <p:txBody>
+          <a:bodyPr rot="0" spcFirstLastPara="1" vertOverflow="overflow" horzOverflow="overflow" vert="horz" wrap="square" lIns="39290" tIns="39290" rIns="39290" bIns="39290" numCol="1" spcCol="38100" rtlCol="0" anchor="ctr">
+            <a:spAutoFit/>
+          </a:bodyPr>
+          <a:lstStyle/>
+          <a:p>
+            <a:pPr marL="0" marR="0" indent="0" algn="ctr" defTabSz="584200" rtl="0" fontAlgn="auto" latinLnBrk="1" hangingPunct="0">
+              <a:lnSpc>
+                <a:spcPct val="100000"/>
+              </a:lnSpc>
+              <a:spcBef>
+                <a:spcPts val="0"/>
+              </a:spcBef>
+              <a:spcAft>
+                <a:spcPts val="0"/>
+              </a:spcAft>
+              <a:buClrTx/>
+              <a:buSzTx/>
+              <a:buFontTx/>
+              <a:buNone/>
+              <a:tabLst/>
+            </a:pPr>
+            <a:r>
+              <a:rPr kumimoji="0" lang="en-US" sz="1050" b="1" i="0" u="none" strike="noStrike" cap="none" spc="0" normalizeH="0" baseline="0" dirty="0">
+                <a:ln>
+                  <a:noFill/>
+                </a:ln>
+                <a:solidFill>
+                  <a:srgbClr val="000000"/>
+                </a:solidFill>
+                <a:effectLst/>
+                <a:uFillTx/>
+                <a:latin typeface="+mn-lt"/>
+                <a:ea typeface="+mn-ea"/>
+                <a:cs typeface="+mn-cs"/>
+                <a:sym typeface="Helvetica Light"/>
+              </a:rPr>
+              <a:t>Istio</a:t>
+            </a:r>
+          </a:p>
+        </p:txBody>
+      </p:sp>
+      <p:sp>
+        <p:nvSpPr>
+          <p:cNvPr id="78" name="Rounded Rectangle 77">
+            <a:extLst>
+              <a:ext uri="{FF2B5EF4-FFF2-40B4-BE49-F238E27FC236}">
+                <a16:creationId xmlns:a16="http://schemas.microsoft.com/office/drawing/2014/main" id="{714F1710-3C67-B647-BA99-3320569DAACB}"/>
+              </a:ext>
+            </a:extLst>
+          </p:cNvPr>
+          <p:cNvSpPr/>
+          <p:nvPr/>
+        </p:nvSpPr>
+        <p:spPr>
+          <a:xfrm>
+            <a:off x="6294942" y="916569"/>
+            <a:ext cx="3283624" cy="3338559"/>
+          </a:xfrm>
+          <a:prstGeom prst="roundRect">
+            <a:avLst/>
+          </a:prstGeom>
+          <a:ln w="25400">
+            <a:solidFill>
+              <a:srgbClr val="4277BB"/>
+            </a:solidFill>
+            <a:miter lim="400000"/>
+          </a:ln>
+        </p:spPr>
+        <p:txBody>
+          <a:bodyPr lIns="0" tIns="0" rIns="0" bIns="0" rtlCol="0" anchor="ctr"/>
+          <a:lstStyle/>
+          <a:p>
+            <a:pPr algn="ctr"/>
+            <a:endParaRPr lang="en-US" sz="1800">
+              <a:solidFill>
+                <a:srgbClr val="4277BB"/>
+              </a:solidFill>
+            </a:endParaRPr>
+          </a:p>
+        </p:txBody>
+      </p:sp>
+      <p:sp>
+        <p:nvSpPr>
+          <p:cNvPr id="79" name="TextBox 78">
+            <a:extLst>
+              <a:ext uri="{FF2B5EF4-FFF2-40B4-BE49-F238E27FC236}">
+                <a16:creationId xmlns:a16="http://schemas.microsoft.com/office/drawing/2014/main" id="{58ED2E94-5A33-7D4C-A624-94C2B1A96506}"/>
+              </a:ext>
+            </a:extLst>
+          </p:cNvPr>
+          <p:cNvSpPr txBox="1"/>
+          <p:nvPr/>
+        </p:nvSpPr>
+        <p:spPr>
+          <a:xfrm>
+            <a:off x="6437107" y="974264"/>
+            <a:ext cx="740965" cy="325569"/>
+          </a:xfrm>
+          <a:prstGeom prst="rect">
+            <a:avLst/>
+          </a:prstGeom>
+          <a:noFill/>
+          <a:ln w="3175" cap="flat">
+            <a:noFill/>
+            <a:miter lim="400000"/>
+          </a:ln>
+          <a:effectLst/>
+        </p:spPr>
+        <p:style>
+          <a:lnRef idx="0">
+            <a:scrgbClr r="0" g="0" b="0"/>
+          </a:lnRef>
+          <a:fillRef idx="0">
+            <a:scrgbClr r="0" g="0" b="0"/>
+          </a:fillRef>
+          <a:effectRef idx="0">
+            <a:scrgbClr r="0" g="0" b="0"/>
+          </a:effectRef>
+          <a:fontRef idx="none"/>
+        </p:style>
+        <p:txBody>
+          <a:bodyPr rot="0" spcFirstLastPara="1" vertOverflow="overflow" horzOverflow="overflow" vert="horz" wrap="square" lIns="39290" tIns="39290" rIns="39290" bIns="39290" numCol="1" spcCol="38100" rtlCol="0" anchor="ctr">
+            <a:spAutoFit/>
+          </a:bodyPr>
+          <a:lstStyle/>
+          <a:p>
+            <a:pPr marL="0" marR="0" indent="0" algn="ctr" defTabSz="584200" rtl="0" fontAlgn="auto" latinLnBrk="1" hangingPunct="0">
+              <a:lnSpc>
+                <a:spcPct val="100000"/>
+              </a:lnSpc>
+              <a:spcBef>
+                <a:spcPts val="0"/>
+              </a:spcBef>
+              <a:spcAft>
+                <a:spcPts val="0"/>
+              </a:spcAft>
+              <a:buClrTx/>
+              <a:buSzTx/>
+              <a:buFontTx/>
+              <a:buNone/>
+              <a:tabLst/>
+            </a:pPr>
+            <a:r>
+              <a:rPr lang="en-US" sz="1600" b="1">
+                <a:solidFill>
+                  <a:srgbClr val="000000"/>
+                </a:solidFill>
+              </a:rPr>
+              <a:t>Cluster</a:t>
+            </a:r>
+            <a:endParaRPr kumimoji="0" lang="en-US" sz="1050" b="1" i="0" u="none" strike="noStrike" cap="none" spc="0" normalizeH="0" baseline="0">
+              <a:ln>
+                <a:noFill/>
+              </a:ln>
+              <a:solidFill>
+                <a:srgbClr val="000000"/>
+              </a:solidFill>
+              <a:effectLst/>
+              <a:uFillTx/>
+              <a:latin typeface="+mn-lt"/>
+              <a:ea typeface="+mn-ea"/>
+              <a:cs typeface="+mn-cs"/>
+              <a:sym typeface="Helvetica Light"/>
+            </a:endParaRPr>
+          </a:p>
+        </p:txBody>
+      </p:sp>
+      <p:sp>
+        <p:nvSpPr>
+          <p:cNvPr id="80" name="Up Arrow 79">
+            <a:extLst>
+              <a:ext uri="{FF2B5EF4-FFF2-40B4-BE49-F238E27FC236}">
+                <a16:creationId xmlns:a16="http://schemas.microsoft.com/office/drawing/2014/main" id="{3F6FBB19-8BB8-914A-B674-0EEAF163ABAD}"/>
+              </a:ext>
+            </a:extLst>
+          </p:cNvPr>
+          <p:cNvSpPr/>
+          <p:nvPr/>
+        </p:nvSpPr>
+        <p:spPr>
+          <a:xfrm rot="5400000">
+            <a:off x="4820022" y="915643"/>
+            <a:ext cx="393402" cy="2171702"/>
+          </a:xfrm>
+          <a:prstGeom prst="upArrow">
+            <a:avLst/>
+          </a:prstGeom>
+          <a:solidFill>
+            <a:srgbClr val="FFFFFF"/>
+          </a:solidFill>
+          <a:ln w="25400">
+            <a:solidFill>
+              <a:srgbClr val="4277BB"/>
+            </a:solidFill>
+            <a:miter lim="400000"/>
+          </a:ln>
+        </p:spPr>
+        <p:txBody>
+          <a:bodyPr lIns="0" tIns="0" rIns="0" bIns="0" rtlCol="0" anchor="ctr"/>
+          <a:lstStyle/>
+          <a:p>
+            <a:pPr algn="ctr"/>
+            <a:endParaRPr lang="en-US" sz="1800">
+              <a:solidFill>
+                <a:srgbClr val="4277BB"/>
+              </a:solidFill>
+            </a:endParaRPr>
+          </a:p>
+        </p:txBody>
+      </p:sp>
+      <p:pic>
+        <p:nvPicPr>
+          <p:cNvPr id="56" name="Picture 55">
+            <a:extLst>
+              <a:ext uri="{FF2B5EF4-FFF2-40B4-BE49-F238E27FC236}">
+                <a16:creationId xmlns:a16="http://schemas.microsoft.com/office/drawing/2014/main" id="{C0183C11-0E80-B040-817D-E0A4E9722D51}"/>
+              </a:ext>
+            </a:extLst>
+          </p:cNvPr>
+          <p:cNvPicPr>
+            <a:picLocks noChangeAspect="1"/>
+          </p:cNvPicPr>
+          <p:nvPr/>
+        </p:nvPicPr>
+        <p:blipFill>
+          <a:blip r:embed="rId4">
+            <a:extLst>
+              <a:ext uri="{28A0092B-C50C-407E-A947-70E740481C1C}">
+                <a14:useLocalDpi xmlns:a14="http://schemas.microsoft.com/office/drawing/2010/main" val="0"/>
+              </a:ext>
+            </a:extLst>
+          </a:blip>
+          <a:stretch>
+            <a:fillRect/>
+          </a:stretch>
+        </p:blipFill>
+        <p:spPr>
+          <a:xfrm>
+            <a:off x="7545706" y="7008105"/>
+            <a:ext cx="379633" cy="143417"/>
+          </a:xfrm>
+          <a:prstGeom prst="rect">
+            <a:avLst/>
+          </a:prstGeom>
+        </p:spPr>
+      </p:pic>
+      <p:pic>
+        <p:nvPicPr>
+          <p:cNvPr id="59" name="Picture 58">
+            <a:extLst>
+              <a:ext uri="{FF2B5EF4-FFF2-40B4-BE49-F238E27FC236}">
+                <a16:creationId xmlns:a16="http://schemas.microsoft.com/office/drawing/2014/main" id="{4D4E38D8-A746-0E4B-B7EA-DCAFD394CD60}"/>
+              </a:ext>
+            </a:extLst>
+          </p:cNvPr>
+          <p:cNvPicPr>
+            <a:picLocks noChangeAspect="1"/>
+          </p:cNvPicPr>
+          <p:nvPr/>
+        </p:nvPicPr>
+        <p:blipFill>
+          <a:blip r:embed="rId5">
+            <a:extLst>
+              <a:ext uri="{28A0092B-C50C-407E-A947-70E740481C1C}">
+                <a14:useLocalDpi xmlns:a14="http://schemas.microsoft.com/office/drawing/2010/main" val="0"/>
+              </a:ext>
+            </a:extLst>
+          </a:blip>
+          <a:stretch>
+            <a:fillRect/>
+          </a:stretch>
+        </p:blipFill>
+        <p:spPr>
+          <a:xfrm>
+            <a:off x="7401052" y="7198635"/>
+            <a:ext cx="617329" cy="108624"/>
+          </a:xfrm>
+          <a:prstGeom prst="rect">
+            <a:avLst/>
+          </a:prstGeom>
+        </p:spPr>
+      </p:pic>
+      <p:pic>
+        <p:nvPicPr>
+          <p:cNvPr id="60" name="Picture 59">
+            <a:extLst>
+              <a:ext uri="{FF2B5EF4-FFF2-40B4-BE49-F238E27FC236}">
+                <a16:creationId xmlns:a16="http://schemas.microsoft.com/office/drawing/2014/main" id="{085D4D38-8CCC-4A49-B790-9C68A10736DC}"/>
+              </a:ext>
+            </a:extLst>
+          </p:cNvPr>
+          <p:cNvPicPr>
+            <a:picLocks noChangeAspect="1"/>
+          </p:cNvPicPr>
+          <p:nvPr/>
+        </p:nvPicPr>
+        <p:blipFill>
+          <a:blip r:embed="rId6">
+            <a:extLst>
+              <a:ext uri="{28A0092B-C50C-407E-A947-70E740481C1C}">
+                <a14:useLocalDpi xmlns:a14="http://schemas.microsoft.com/office/drawing/2010/main" val="0"/>
+              </a:ext>
+            </a:extLst>
+          </a:blip>
+          <a:stretch>
+            <a:fillRect/>
+          </a:stretch>
+        </p:blipFill>
+        <p:spPr>
+          <a:xfrm>
+            <a:off x="7518910" y="7276503"/>
+            <a:ext cx="433226" cy="231054"/>
+          </a:xfrm>
+          <a:prstGeom prst="rect">
+            <a:avLst/>
+          </a:prstGeom>
+        </p:spPr>
+      </p:pic>
+      <p:pic>
+        <p:nvPicPr>
+          <p:cNvPr id="63" name="Picture 62">
+            <a:extLst>
+              <a:ext uri="{FF2B5EF4-FFF2-40B4-BE49-F238E27FC236}">
+                <a16:creationId xmlns:a16="http://schemas.microsoft.com/office/drawing/2014/main" id="{0D7B9D26-3B71-344B-8FEF-E99FA73134E0}"/>
+              </a:ext>
+            </a:extLst>
+          </p:cNvPr>
+          <p:cNvPicPr>
+            <a:picLocks noChangeAspect="1"/>
+          </p:cNvPicPr>
+          <p:nvPr/>
+        </p:nvPicPr>
+        <p:blipFill>
+          <a:blip r:embed="rId4">
+            <a:extLst>
+              <a:ext uri="{28A0092B-C50C-407E-A947-70E740481C1C}">
+                <a14:useLocalDpi xmlns:a14="http://schemas.microsoft.com/office/drawing/2010/main" val="0"/>
+              </a:ext>
+            </a:extLst>
+          </a:blip>
+          <a:stretch>
+            <a:fillRect/>
+          </a:stretch>
+        </p:blipFill>
+        <p:spPr>
+          <a:xfrm>
+            <a:off x="7830108" y="2629910"/>
+            <a:ext cx="379633" cy="143417"/>
+          </a:xfrm>
+          <a:prstGeom prst="rect">
+            <a:avLst/>
+          </a:prstGeom>
+        </p:spPr>
+      </p:pic>
+      <p:pic>
+        <p:nvPicPr>
+          <p:cNvPr id="64" name="Picture 63">
+            <a:extLst>
+              <a:ext uri="{FF2B5EF4-FFF2-40B4-BE49-F238E27FC236}">
+                <a16:creationId xmlns:a16="http://schemas.microsoft.com/office/drawing/2014/main" id="{35250B86-9233-1F41-AAFB-D3925D89594D}"/>
+              </a:ext>
+            </a:extLst>
+          </p:cNvPr>
+          <p:cNvPicPr>
+            <a:picLocks noChangeAspect="1"/>
+          </p:cNvPicPr>
+          <p:nvPr/>
+        </p:nvPicPr>
+        <p:blipFill>
+          <a:blip r:embed="rId5">
+            <a:extLst>
+              <a:ext uri="{28A0092B-C50C-407E-A947-70E740481C1C}">
+                <a14:useLocalDpi xmlns:a14="http://schemas.microsoft.com/office/drawing/2010/main" val="0"/>
+              </a:ext>
+            </a:extLst>
+          </a:blip>
+          <a:stretch>
+            <a:fillRect/>
+          </a:stretch>
+        </p:blipFill>
+        <p:spPr>
+          <a:xfrm>
+            <a:off x="7685454" y="2820440"/>
+            <a:ext cx="617329" cy="108624"/>
+          </a:xfrm>
+          <a:prstGeom prst="rect">
+            <a:avLst/>
+          </a:prstGeom>
+        </p:spPr>
+      </p:pic>
+      <p:pic>
+        <p:nvPicPr>
+          <p:cNvPr id="65" name="Picture 64">
+            <a:extLst>
+              <a:ext uri="{FF2B5EF4-FFF2-40B4-BE49-F238E27FC236}">
+                <a16:creationId xmlns:a16="http://schemas.microsoft.com/office/drawing/2014/main" id="{99B84E19-9380-8244-84E4-60EDFBB0C0E8}"/>
+              </a:ext>
+            </a:extLst>
+          </p:cNvPr>
+          <p:cNvPicPr>
+            <a:picLocks noChangeAspect="1"/>
+          </p:cNvPicPr>
+          <p:nvPr/>
+        </p:nvPicPr>
+        <p:blipFill>
+          <a:blip r:embed="rId6">
+            <a:extLst>
+              <a:ext uri="{28A0092B-C50C-407E-A947-70E740481C1C}">
+                <a14:useLocalDpi xmlns:a14="http://schemas.microsoft.com/office/drawing/2010/main" val="0"/>
+              </a:ext>
+            </a:extLst>
+          </a:blip>
+          <a:stretch>
+            <a:fillRect/>
+          </a:stretch>
+        </p:blipFill>
+        <p:spPr>
+          <a:xfrm>
+            <a:off x="7803312" y="2898308"/>
+            <a:ext cx="433226" cy="231054"/>
+          </a:xfrm>
+          <a:prstGeom prst="rect">
+            <a:avLst/>
+          </a:prstGeom>
+        </p:spPr>
+      </p:pic>
+      <p:sp>
+        <p:nvSpPr>
+          <p:cNvPr id="3" name="Rectangle 2">
+            <a:extLst>
+              <a:ext uri="{FF2B5EF4-FFF2-40B4-BE49-F238E27FC236}">
+                <a16:creationId xmlns:a16="http://schemas.microsoft.com/office/drawing/2014/main" id="{34336906-E4A9-A844-8ADC-B2C3D8F5F9D2}"/>
+              </a:ext>
+            </a:extLst>
+          </p:cNvPr>
+          <p:cNvSpPr/>
+          <p:nvPr/>
+        </p:nvSpPr>
+        <p:spPr>
+          <a:xfrm>
+            <a:off x="7258172" y="6688680"/>
+            <a:ext cx="979755" cy="369332"/>
+          </a:xfrm>
+          <a:prstGeom prst="rect">
+            <a:avLst/>
+          </a:prstGeom>
+        </p:spPr>
+        <p:txBody>
+          <a:bodyPr wrap="none">
+            <a:spAutoFit/>
+          </a:bodyPr>
+          <a:lstStyle/>
+          <a:p>
+            <a:r>
+              <a:rPr lang="en-US" sz="1800" b="1" dirty="0">
+                <a:solidFill>
+                  <a:srgbClr val="000000"/>
+                </a:solidFill>
+              </a:rPr>
+              <a:t>Authors</a:t>
+            </a:r>
+            <a:endParaRPr lang="en-US" sz="1800" dirty="0"/>
+          </a:p>
+        </p:txBody>
+      </p:sp>
+      <p:sp>
+        <p:nvSpPr>
+          <p:cNvPr id="5" name="TextBox 4">
+            <a:extLst>
+              <a:ext uri="{FF2B5EF4-FFF2-40B4-BE49-F238E27FC236}">
+                <a16:creationId xmlns:a16="http://schemas.microsoft.com/office/drawing/2014/main" id="{40839A99-2FB2-EB47-B02E-6BBA11DA87E3}"/>
+              </a:ext>
+            </a:extLst>
+          </p:cNvPr>
+          <p:cNvSpPr txBox="1"/>
+          <p:nvPr/>
+        </p:nvSpPr>
+        <p:spPr>
+          <a:xfrm>
+            <a:off x="7544624" y="1942572"/>
+            <a:ext cx="895276" cy="294791"/>
+          </a:xfrm>
+          <a:prstGeom prst="rect">
+            <a:avLst/>
+          </a:prstGeom>
+          <a:noFill/>
+          <a:ln w="3175" cap="flat">
+            <a:noFill/>
+            <a:miter lim="400000"/>
+          </a:ln>
+          <a:effectLst/>
+        </p:spPr>
+        <p:style>
+          <a:lnRef idx="0">
+            <a:scrgbClr r="0" g="0" b="0"/>
+          </a:lnRef>
+          <a:fillRef idx="0">
+            <a:scrgbClr r="0" g="0" b="0"/>
+          </a:fillRef>
+          <a:effectRef idx="0">
+            <a:scrgbClr r="0" g="0" b="0"/>
+          </a:effectRef>
+          <a:fontRef idx="none"/>
+        </p:style>
+        <p:txBody>
+          <a:bodyPr rot="0" spcFirstLastPara="1" vertOverflow="overflow" horzOverflow="overflow" vert="horz" wrap="none" lIns="39290" tIns="39290" rIns="39290" bIns="39290" numCol="1" spcCol="38100" rtlCol="0" anchor="ctr">
+            <a:spAutoFit/>
+          </a:bodyPr>
+          <a:lstStyle/>
+          <a:p>
+            <a:pPr marL="0" marR="0" indent="0" algn="ctr" defTabSz="584200" rtl="0" fontAlgn="auto" latinLnBrk="1" hangingPunct="0">
+              <a:lnSpc>
+                <a:spcPct val="100000"/>
+              </a:lnSpc>
+              <a:spcBef>
+                <a:spcPts val="0"/>
+              </a:spcBef>
+              <a:spcAft>
+                <a:spcPts val="0"/>
+              </a:spcAft>
+              <a:buClrTx/>
+              <a:buSzTx/>
+              <a:buFontTx/>
+              <a:buNone/>
+              <a:tabLst/>
+            </a:pPr>
+            <a:r>
+              <a:rPr kumimoji="0" lang="en-US" sz="1400" b="1" i="0" u="none" strike="noStrike" cap="none" spc="0" normalizeH="0" baseline="0" dirty="0">
+                <a:ln>
+                  <a:noFill/>
+                </a:ln>
+                <a:solidFill>
+                  <a:schemeClr val="accent2"/>
+                </a:solidFill>
+                <a:effectLst/>
+                <a:uFillTx/>
+                <a:latin typeface="+mn-lt"/>
+                <a:ea typeface="+mn-ea"/>
+                <a:cs typeface="+mn-cs"/>
+                <a:sym typeface="Helvetica Light"/>
+              </a:rPr>
+              <a:t>Port: 3000</a:t>
+            </a:r>
+          </a:p>
+        </p:txBody>
+      </p:sp>
+    </p:spTree>
+    <p:extLst>
+      <p:ext uri="{BB962C8B-B14F-4D97-AF65-F5344CB8AC3E}">
+        <p14:creationId xmlns:p14="http://schemas.microsoft.com/office/powerpoint/2010/main" val="3099527967"/>
       </p:ext>
     </p:extLst>
   </p:cSld>
@@ -24532,6 +25961,36 @@
           </a:p>
         </p:txBody>
       </p:sp>
+      <p:pic>
+        <p:nvPicPr>
+          <p:cNvPr id="55" name="Picture 54">
+            <a:extLst>
+              <a:ext uri="{FF2B5EF4-FFF2-40B4-BE49-F238E27FC236}">
+                <a16:creationId xmlns:a16="http://schemas.microsoft.com/office/drawing/2014/main" id="{4F1070B2-D498-C14D-AF57-74CA19512B02}"/>
+              </a:ext>
+            </a:extLst>
+          </p:cNvPr>
+          <p:cNvPicPr>
+            <a:picLocks noChangeAspect="1"/>
+          </p:cNvPicPr>
+          <p:nvPr/>
+        </p:nvPicPr>
+        <p:blipFill>
+          <a:blip r:embed="rId9"/>
+          <a:stretch>
+            <a:fillRect/>
+          </a:stretch>
+        </p:blipFill>
+        <p:spPr>
+          <a:xfrm>
+            <a:off x="5235012" y="371927"/>
+            <a:ext cx="1025641" cy="1102840"/>
+          </a:xfrm>
+          <a:prstGeom prst="rect">
+            <a:avLst/>
+          </a:prstGeom>
+        </p:spPr>
+      </p:pic>
     </p:spTree>
     <p:extLst>
       <p:ext uri="{BB962C8B-B14F-4D97-AF65-F5344CB8AC3E}">

--- a/workshop/images/architecture.pptx
+++ b/workshop/images/architecture.pptx
@@ -5,7 +5,7 @@
     <p:sldMasterId id="2147483648" r:id="rId1"/>
   </p:sldMasterIdLst>
   <p:notesMasterIdLst>
-    <p:notesMasterId r:id="rId21"/>
+    <p:notesMasterId r:id="rId23"/>
   </p:notesMasterIdLst>
   <p:sldIdLst>
     <p:sldId id="365" r:id="rId2"/>
@@ -27,6 +27,8 @@
     <p:sldId id="370" r:id="rId18"/>
     <p:sldId id="384" r:id="rId19"/>
     <p:sldId id="386" r:id="rId20"/>
+    <p:sldId id="387" r:id="rId21"/>
+    <p:sldId id="388" r:id="rId22"/>
   </p:sldIdLst>
   <p:sldSz cx="10058400" cy="7772400"/>
   <p:notesSz cx="6858000" cy="9144000"/>
@@ -21827,7 +21829,7 @@
         </p:nvSpPr>
         <p:spPr>
           <a:xfrm>
-            <a:off x="6717462" y="5283541"/>
+            <a:off x="6079901" y="2264929"/>
             <a:ext cx="2171700" cy="2426676"/>
           </a:xfrm>
           <a:prstGeom prst="roundRect">
@@ -21875,7 +21877,7 @@
         </p:blipFill>
         <p:spPr>
           <a:xfrm>
-            <a:off x="6209462" y="4982648"/>
+            <a:off x="5571901" y="1964036"/>
             <a:ext cx="1016000" cy="1270000"/>
           </a:xfrm>
           <a:prstGeom prst="rect">
@@ -21966,189 +21968,6 @@
       </p:sp>
       <p:sp>
         <p:nvSpPr>
-          <p:cNvPr id="32" name="TextBox 31">
-            <a:extLst>
-              <a:ext uri="{FF2B5EF4-FFF2-40B4-BE49-F238E27FC236}">
-                <a16:creationId xmlns:a16="http://schemas.microsoft.com/office/drawing/2014/main" id="{5DCE1792-0DF1-8342-A759-6D9ACC95A75B}"/>
-              </a:ext>
-            </a:extLst>
-          </p:cNvPr>
-          <p:cNvSpPr txBox="1"/>
-          <p:nvPr/>
-        </p:nvSpPr>
-        <p:spPr>
-          <a:xfrm>
-            <a:off x="6913479" y="5500065"/>
-            <a:ext cx="1932419" cy="1002677"/>
-          </a:xfrm>
-          <a:prstGeom prst="rect">
-            <a:avLst/>
-          </a:prstGeom>
-          <a:noFill/>
-          <a:ln w="3175" cap="flat">
-            <a:noFill/>
-            <a:miter lim="400000"/>
-          </a:ln>
-          <a:effectLst/>
-        </p:spPr>
-        <p:style>
-          <a:lnRef idx="0">
-            <a:scrgbClr r="0" g="0" b="0"/>
-          </a:lnRef>
-          <a:fillRef idx="0">
-            <a:scrgbClr r="0" g="0" b="0"/>
-          </a:fillRef>
-          <a:effectRef idx="0">
-            <a:scrgbClr r="0" g="0" b="0"/>
-          </a:effectRef>
-          <a:fontRef idx="none"/>
-        </p:style>
-        <p:txBody>
-          <a:bodyPr rot="0" spcFirstLastPara="1" vertOverflow="overflow" horzOverflow="overflow" vert="horz" wrap="none" lIns="39290" tIns="39290" rIns="39290" bIns="39290" numCol="1" spcCol="38100" rtlCol="0" anchor="ctr">
-            <a:spAutoFit/>
-          </a:bodyPr>
-          <a:lstStyle/>
-          <a:p>
-            <a:pPr marL="0" marR="0" indent="0" algn="ctr" defTabSz="584200" rtl="0" fontAlgn="auto" latinLnBrk="1" hangingPunct="0">
-              <a:lnSpc>
-                <a:spcPct val="100000"/>
-              </a:lnSpc>
-              <a:spcBef>
-                <a:spcPts val="0"/>
-              </a:spcBef>
-              <a:spcAft>
-                <a:spcPts val="0"/>
-              </a:spcAft>
-              <a:buClrTx/>
-              <a:buSzTx/>
-              <a:buFontTx/>
-              <a:buNone/>
-              <a:tabLst/>
-            </a:pPr>
-            <a:r>
-              <a:rPr kumimoji="0" lang="en-US" sz="2000" b="1" i="0" u="none" strike="noStrike" cap="none" spc="0" normalizeH="0" baseline="0" dirty="0">
-                <a:ln>
-                  <a:noFill/>
-                </a:ln>
-                <a:solidFill>
-                  <a:srgbClr val="000000"/>
-                </a:solidFill>
-                <a:effectLst/>
-                <a:uFillTx/>
-                <a:latin typeface="+mn-lt"/>
-                <a:ea typeface="+mn-ea"/>
-                <a:cs typeface="+mn-cs"/>
-                <a:sym typeface="Helvetica Light"/>
-              </a:rPr>
-              <a:t>Build</a:t>
-            </a:r>
-            <a:r>
-              <a:rPr kumimoji="0" lang="en-US" sz="2000" b="0" i="0" u="none" strike="noStrike" cap="none" spc="0" normalizeH="0" baseline="0" dirty="0">
-                <a:ln>
-                  <a:noFill/>
-                </a:ln>
-                <a:solidFill>
-                  <a:srgbClr val="000000"/>
-                </a:solidFill>
-                <a:effectLst/>
-                <a:uFillTx/>
-                <a:latin typeface="+mn-lt"/>
-                <a:ea typeface="+mn-ea"/>
-                <a:cs typeface="+mn-cs"/>
-                <a:sym typeface="Helvetica Light"/>
-              </a:rPr>
-              <a:t> and </a:t>
-            </a:r>
-          </a:p>
-          <a:p>
-            <a:pPr marL="0" marR="0" indent="0" algn="ctr" defTabSz="584200" rtl="0" fontAlgn="auto" latinLnBrk="1" hangingPunct="0">
-              <a:lnSpc>
-                <a:spcPct val="100000"/>
-              </a:lnSpc>
-              <a:spcBef>
-                <a:spcPts val="0"/>
-              </a:spcBef>
-              <a:spcAft>
-                <a:spcPts val="0"/>
-              </a:spcAft>
-              <a:buClrTx/>
-              <a:buSzTx/>
-              <a:buFontTx/>
-              <a:buNone/>
-              <a:tabLst/>
-            </a:pPr>
-            <a:r>
-              <a:rPr kumimoji="0" lang="en-US" sz="2000" b="1" i="0" u="none" strike="noStrike" cap="none" spc="0" normalizeH="0" baseline="0" dirty="0">
-                <a:ln>
-                  <a:noFill/>
-                </a:ln>
-                <a:solidFill>
-                  <a:srgbClr val="000000"/>
-                </a:solidFill>
-                <a:effectLst/>
-                <a:uFillTx/>
-                <a:latin typeface="+mn-lt"/>
-                <a:ea typeface="+mn-ea"/>
-                <a:cs typeface="+mn-cs"/>
-                <a:sym typeface="Helvetica Light"/>
-              </a:rPr>
-              <a:t>store</a:t>
-            </a:r>
-            <a:r>
-              <a:rPr kumimoji="0" lang="en-US" sz="2000" b="0" i="0" u="none" strike="noStrike" cap="none" spc="0" normalizeH="0" baseline="0" dirty="0">
-                <a:ln>
-                  <a:noFill/>
-                </a:ln>
-                <a:solidFill>
-                  <a:srgbClr val="000000"/>
-                </a:solidFill>
-                <a:effectLst/>
-                <a:uFillTx/>
-                <a:latin typeface="+mn-lt"/>
-                <a:ea typeface="+mn-ea"/>
-                <a:cs typeface="+mn-cs"/>
-                <a:sym typeface="Helvetica Light"/>
-              </a:rPr>
-              <a:t> the </a:t>
-            </a:r>
-            <a:br>
-              <a:rPr kumimoji="0" lang="en-US" sz="2000" b="0" i="0" u="none" strike="noStrike" cap="none" spc="0" normalizeH="0" baseline="0" dirty="0">
-                <a:ln>
-                  <a:noFill/>
-                </a:ln>
-                <a:solidFill>
-                  <a:srgbClr val="000000"/>
-                </a:solidFill>
-                <a:effectLst/>
-                <a:uFillTx/>
-                <a:latin typeface="+mn-lt"/>
-                <a:ea typeface="+mn-ea"/>
-                <a:cs typeface="+mn-cs"/>
-                <a:sym typeface="Helvetica Light"/>
-              </a:rPr>
-            </a:br>
-            <a:r>
-              <a:rPr kumimoji="0" lang="en-US" sz="2000" b="1" i="0" u="none" strike="noStrike" cap="none" spc="0" normalizeH="0" baseline="0" dirty="0">
-                <a:ln>
-                  <a:noFill/>
-                </a:ln>
-                <a:solidFill>
-                  <a:srgbClr val="000000"/>
-                </a:solidFill>
-                <a:effectLst/>
-                <a:uFillTx/>
-                <a:latin typeface="+mn-lt"/>
-                <a:ea typeface="+mn-ea"/>
-                <a:cs typeface="+mn-cs"/>
-                <a:sym typeface="Helvetica Light"/>
-              </a:rPr>
-              <a:t>container image</a:t>
-            </a:r>
-          </a:p>
-        </p:txBody>
-      </p:sp>
-      <p:sp>
-        <p:nvSpPr>
           <p:cNvPr id="58" name="Rounded Rectangle 57">
             <a:extLst>
               <a:ext uri="{FF2B5EF4-FFF2-40B4-BE49-F238E27FC236}">
@@ -22161,8 +21980,8 @@
         </p:nvSpPr>
         <p:spPr>
           <a:xfrm>
-            <a:off x="6994462" y="6682929"/>
-            <a:ext cx="1504776" cy="856685"/>
+            <a:off x="6578647" y="3068552"/>
+            <a:ext cx="1547917" cy="1262314"/>
           </a:xfrm>
           <a:prstGeom prst="roundRect">
             <a:avLst/>
@@ -22190,156 +22009,6 @@
           </a:p>
         </p:txBody>
       </p:sp>
-      <p:grpSp>
-        <p:nvGrpSpPr>
-          <p:cNvPr id="54" name="Group 53">
-            <a:extLst>
-              <a:ext uri="{FF2B5EF4-FFF2-40B4-BE49-F238E27FC236}">
-                <a16:creationId xmlns:a16="http://schemas.microsoft.com/office/drawing/2014/main" id="{E68F073C-26E6-BF41-AA89-397C0C0DF73C}"/>
-              </a:ext>
-            </a:extLst>
-          </p:cNvPr>
-          <p:cNvGrpSpPr/>
-          <p:nvPr/>
-        </p:nvGrpSpPr>
-        <p:grpSpPr>
-          <a:xfrm>
-            <a:off x="8567151" y="5426511"/>
-            <a:ext cx="593382" cy="585967"/>
-            <a:chOff x="2338280" y="5620523"/>
-            <a:chExt cx="914400" cy="914400"/>
-          </a:xfrm>
-        </p:grpSpPr>
-        <p:sp>
-          <p:nvSpPr>
-            <p:cNvPr id="61" name="Oval 60">
-              <a:extLst>
-                <a:ext uri="{FF2B5EF4-FFF2-40B4-BE49-F238E27FC236}">
-                  <a16:creationId xmlns:a16="http://schemas.microsoft.com/office/drawing/2014/main" id="{F84D4B9F-5490-C045-8A74-3AF1B8781E0C}"/>
-                </a:ext>
-              </a:extLst>
-            </p:cNvPr>
-            <p:cNvSpPr/>
-            <p:nvPr/>
-          </p:nvSpPr>
-          <p:spPr>
-            <a:xfrm>
-              <a:off x="2338280" y="5620523"/>
-              <a:ext cx="914400" cy="914400"/>
-            </a:xfrm>
-            <a:prstGeom prst="ellipse">
-              <a:avLst/>
-            </a:prstGeom>
-            <a:solidFill>
-              <a:schemeClr val="bg1"/>
-            </a:solidFill>
-            <a:ln w="25400">
-              <a:solidFill>
-                <a:srgbClr val="4277BB"/>
-              </a:solidFill>
-              <a:miter lim="400000"/>
-            </a:ln>
-          </p:spPr>
-          <p:txBody>
-            <a:bodyPr lIns="0" tIns="0" rIns="0" bIns="0" rtlCol="0" anchor="ctr"/>
-            <a:lstStyle/>
-            <a:p>
-              <a:pPr algn="ctr"/>
-              <a:endParaRPr lang="en-US" sz="1800">
-                <a:solidFill>
-                  <a:srgbClr val="4277BB"/>
-                </a:solidFill>
-              </a:endParaRPr>
-            </a:p>
-          </p:txBody>
-        </p:sp>
-        <p:sp>
-          <p:nvSpPr>
-            <p:cNvPr id="62" name="TextBox 61">
-              <a:extLst>
-                <a:ext uri="{FF2B5EF4-FFF2-40B4-BE49-F238E27FC236}">
-                  <a16:creationId xmlns:a16="http://schemas.microsoft.com/office/drawing/2014/main" id="{8F4F9CA3-8686-8E45-A501-C4565CA25F65}"/>
-                </a:ext>
-              </a:extLst>
-            </p:cNvPr>
-            <p:cNvSpPr txBox="1"/>
-            <p:nvPr/>
-          </p:nvSpPr>
-          <p:spPr>
-            <a:xfrm>
-              <a:off x="2584892" y="5679611"/>
-              <a:ext cx="431052" cy="796220"/>
-            </a:xfrm>
-            <a:prstGeom prst="rect">
-              <a:avLst/>
-            </a:prstGeom>
-            <a:noFill/>
-            <a:ln w="3175" cap="flat">
-              <a:noFill/>
-              <a:miter lim="400000"/>
-            </a:ln>
-            <a:effectLst/>
-          </p:spPr>
-          <p:style>
-            <a:lnRef idx="0">
-              <a:scrgbClr r="0" g="0" b="0"/>
-            </a:lnRef>
-            <a:fillRef idx="0">
-              <a:scrgbClr r="0" g="0" b="0"/>
-            </a:fillRef>
-            <a:effectRef idx="0">
-              <a:scrgbClr r="0" g="0" b="0"/>
-            </a:effectRef>
-            <a:fontRef idx="none"/>
-          </p:style>
-          <p:txBody>
-            <a:bodyPr rot="0" spcFirstLastPara="1" vertOverflow="overflow" horzOverflow="overflow" vert="horz" wrap="none" lIns="39290" tIns="39290" rIns="39290" bIns="39290" numCol="1" spcCol="38100" rtlCol="0" anchor="ctr">
-              <a:spAutoFit/>
-            </a:bodyPr>
-            <a:lstStyle/>
-            <a:p>
-              <a:pPr marL="0" marR="0" indent="0" algn="ctr" defTabSz="584200" rtl="0" fontAlgn="auto" latinLnBrk="1" hangingPunct="0">
-                <a:lnSpc>
-                  <a:spcPct val="100000"/>
-                </a:lnSpc>
-                <a:spcBef>
-                  <a:spcPts val="0"/>
-                </a:spcBef>
-                <a:spcAft>
-                  <a:spcPts val="0"/>
-                </a:spcAft>
-                <a:buClrTx/>
-                <a:buSzTx/>
-                <a:buFontTx/>
-                <a:buNone/>
-                <a:tabLst/>
-              </a:pPr>
-              <a:r>
-                <a:rPr lang="en-US" dirty="0">
-                  <a:solidFill>
-                    <a:srgbClr val="000000"/>
-                  </a:solidFill>
-                </a:rPr>
-                <a:t>2</a:t>
-              </a:r>
-              <a:endParaRPr kumimoji="0" lang="en-US" sz="2800" b="0" i="0" u="none" strike="noStrike" cap="none" spc="0" normalizeH="0" baseline="0" dirty="0">
-                <a:ln>
-                  <a:noFill/>
-                </a:ln>
-                <a:solidFill>
-                  <a:srgbClr val="000000"/>
-                </a:solidFill>
-                <a:effectLst/>
-                <a:uFillTx/>
-                <a:latin typeface="+mn-lt"/>
-                <a:ea typeface="+mn-ea"/>
-                <a:cs typeface="+mn-cs"/>
-                <a:sym typeface="Helvetica Light"/>
-              </a:endParaRPr>
-            </a:p>
-          </p:txBody>
-        </p:sp>
-      </p:grpSp>
       <p:sp>
         <p:nvSpPr>
           <p:cNvPr id="66" name="Rounded Rectangle 65">
@@ -22354,7 +22023,7 @@
         </p:nvSpPr>
         <p:spPr>
           <a:xfrm>
-            <a:off x="6021534" y="764169"/>
+            <a:off x="1362692" y="1627490"/>
             <a:ext cx="3692834" cy="3656051"/>
           </a:xfrm>
           <a:prstGeom prst="roundRect">
@@ -22394,7 +22063,7 @@
         </p:nvSpPr>
         <p:spPr>
           <a:xfrm>
-            <a:off x="7422301" y="1631358"/>
+            <a:off x="3103761" y="2503347"/>
             <a:ext cx="1747977" cy="1655049"/>
           </a:xfrm>
           <a:prstGeom prst="roundRect">
@@ -22434,7 +22103,7 @@
         </p:nvSpPr>
         <p:spPr>
           <a:xfrm>
-            <a:off x="7426963" y="1689486"/>
+            <a:off x="3071035" y="2581906"/>
             <a:ext cx="718946" cy="325569"/>
           </a:xfrm>
           <a:prstGeom prst="rect">
@@ -22482,7 +22151,7 @@
               <a:tabLst/>
             </a:pPr>
             <a:r>
-              <a:rPr lang="en-US" sz="1600">
+              <a:rPr lang="en-US" sz="1600" dirty="0">
                 <a:solidFill>
                   <a:srgbClr val="000000"/>
                 </a:solidFill>
@@ -22490,7 +22159,7 @@
               <a:t>P</a:t>
             </a:r>
             <a:r>
-              <a:rPr kumimoji="0" lang="en-US" sz="1600" b="0" i="0" u="none" strike="noStrike" cap="none" spc="0" normalizeH="0" baseline="0">
+              <a:rPr kumimoji="0" lang="en-US" sz="1600" b="0" i="0" u="none" strike="noStrike" cap="none" spc="0" normalizeH="0" baseline="0" dirty="0">
                 <a:ln>
                   <a:noFill/>
                 </a:ln>
@@ -22523,8 +22192,8 @@
         </p:nvSpPr>
         <p:spPr>
           <a:xfrm>
-            <a:off x="7533657" y="2188072"/>
-            <a:ext cx="917210" cy="487151"/>
+            <a:off x="3106708" y="2858231"/>
+            <a:ext cx="1240887" cy="325569"/>
           </a:xfrm>
           <a:prstGeom prst="rect">
             <a:avLst/>
@@ -22558,31 +22227,20 @@
             <a:r>
               <a:rPr lang="en-US" sz="1600" b="1" dirty="0">
                 <a:solidFill>
-                  <a:srgbClr val="000000"/>
+                  <a:schemeClr val="accent1"/>
                 </a:solidFill>
               </a:rPr>
-              <a:t>Authors  </a:t>
-            </a:r>
-            <a:r>
-              <a:rPr lang="en-US" sz="1050" b="1" dirty="0">
-                <a:solidFill>
-                  <a:srgbClr val="000000"/>
-                </a:solidFill>
-              </a:rPr>
-              <a:t>micro-service</a:t>
+              <a:t>Authors v1  </a:t>
             </a:r>
             <a:endParaRPr kumimoji="0" lang="en-US" sz="1050" b="1" i="0" u="none" strike="noStrike" cap="none" spc="0" normalizeH="0" baseline="0" dirty="0">
               <a:ln>
                 <a:noFill/>
               </a:ln>
               <a:solidFill>
-                <a:srgbClr val="000000"/>
+                <a:schemeClr val="accent1"/>
               </a:solidFill>
               <a:effectLst/>
               <a:uFillTx/>
-              <a:latin typeface="+mn-lt"/>
-              <a:ea typeface="+mn-ea"/>
-              <a:cs typeface="+mn-cs"/>
               <a:sym typeface="Helvetica Light"/>
             </a:endParaRPr>
           </a:p>
@@ -22616,7 +22274,7 @@
         </p:blipFill>
         <p:spPr>
           <a:xfrm>
-            <a:off x="9015344" y="893367"/>
+            <a:off x="4356502" y="1756688"/>
             <a:ext cx="452515" cy="452515"/>
           </a:xfrm>
           <a:prstGeom prst="rect">
@@ -22638,7 +22296,7 @@
         </p:nvSpPr>
         <p:spPr>
           <a:xfrm>
-            <a:off x="8633030" y="1016583"/>
+            <a:off x="3974188" y="1879904"/>
             <a:ext cx="537249" cy="240930"/>
           </a:xfrm>
           <a:prstGeom prst="rect">
@@ -22719,7 +22377,7 @@
         </p:nvSpPr>
         <p:spPr>
           <a:xfrm>
-            <a:off x="6294942" y="916569"/>
+            <a:off x="1636100" y="1779890"/>
             <a:ext cx="3283624" cy="3338559"/>
           </a:xfrm>
           <a:prstGeom prst="roundRect">
@@ -22759,7 +22417,7 @@
         </p:nvSpPr>
         <p:spPr>
           <a:xfrm>
-            <a:off x="6437107" y="974264"/>
+            <a:off x="1778265" y="1837585"/>
             <a:ext cx="740965" cy="325569"/>
           </a:xfrm>
           <a:prstGeom prst="rect">
@@ -22831,49 +22489,6 @@
           </a:p>
         </p:txBody>
       </p:sp>
-      <p:sp>
-        <p:nvSpPr>
-          <p:cNvPr id="80" name="Up Arrow 79">
-            <a:extLst>
-              <a:ext uri="{FF2B5EF4-FFF2-40B4-BE49-F238E27FC236}">
-                <a16:creationId xmlns:a16="http://schemas.microsoft.com/office/drawing/2014/main" id="{3F6FBB19-8BB8-914A-B674-0EEAF163ABAD}"/>
-              </a:ext>
-            </a:extLst>
-          </p:cNvPr>
-          <p:cNvSpPr/>
-          <p:nvPr/>
-        </p:nvSpPr>
-        <p:spPr>
-          <a:xfrm rot="5400000">
-            <a:off x="4820022" y="915643"/>
-            <a:ext cx="393402" cy="2171702"/>
-          </a:xfrm>
-          <a:prstGeom prst="upArrow">
-            <a:avLst/>
-          </a:prstGeom>
-          <a:solidFill>
-            <a:srgbClr val="FFFFFF"/>
-          </a:solidFill>
-          <a:ln w="25400">
-            <a:solidFill>
-              <a:srgbClr val="4277BB"/>
-            </a:solidFill>
-            <a:miter lim="400000"/>
-          </a:ln>
-        </p:spPr>
-        <p:txBody>
-          <a:bodyPr lIns="0" tIns="0" rIns="0" bIns="0" rtlCol="0" anchor="ctr"/>
-          <a:lstStyle/>
-          <a:p>
-            <a:pPr algn="ctr"/>
-            <a:endParaRPr lang="en-US" sz="1800">
-              <a:solidFill>
-                <a:srgbClr val="4277BB"/>
-              </a:solidFill>
-            </a:endParaRPr>
-          </a:p>
-        </p:txBody>
-      </p:sp>
       <p:pic>
         <p:nvPicPr>
           <p:cNvPr id="56" name="Picture 55">
@@ -22902,7 +22517,7 @@
         </p:blipFill>
         <p:spPr>
           <a:xfrm>
-            <a:off x="7545706" y="7008105"/>
+            <a:off x="7129892" y="3799356"/>
             <a:ext cx="379633" cy="143417"/>
           </a:xfrm>
           <a:prstGeom prst="rect">
@@ -22938,7 +22553,7 @@
         </p:blipFill>
         <p:spPr>
           <a:xfrm>
-            <a:off x="7401052" y="7198635"/>
+            <a:off x="6985238" y="3989886"/>
             <a:ext cx="617329" cy="108624"/>
           </a:xfrm>
           <a:prstGeom prst="rect">
@@ -22974,115 +22589,7 @@
         </p:blipFill>
         <p:spPr>
           <a:xfrm>
-            <a:off x="7518910" y="7276503"/>
-            <a:ext cx="433226" cy="231054"/>
-          </a:xfrm>
-          <a:prstGeom prst="rect">
-            <a:avLst/>
-          </a:prstGeom>
-        </p:spPr>
-      </p:pic>
-      <p:pic>
-        <p:nvPicPr>
-          <p:cNvPr id="63" name="Picture 62">
-            <a:extLst>
-              <a:ext uri="{FF2B5EF4-FFF2-40B4-BE49-F238E27FC236}">
-                <a16:creationId xmlns:a16="http://schemas.microsoft.com/office/drawing/2014/main" id="{0D7B9D26-3B71-344B-8FEF-E99FA73134E0}"/>
-              </a:ext>
-            </a:extLst>
-          </p:cNvPr>
-          <p:cNvPicPr>
-            <a:picLocks noChangeAspect="1"/>
-          </p:cNvPicPr>
-          <p:nvPr/>
-        </p:nvPicPr>
-        <p:blipFill>
-          <a:blip r:embed="rId4">
-            <a:extLst>
-              <a:ext uri="{28A0092B-C50C-407E-A947-70E740481C1C}">
-                <a14:useLocalDpi xmlns:a14="http://schemas.microsoft.com/office/drawing/2010/main" val="0"/>
-              </a:ext>
-            </a:extLst>
-          </a:blip>
-          <a:stretch>
-            <a:fillRect/>
-          </a:stretch>
-        </p:blipFill>
-        <p:spPr>
-          <a:xfrm>
-            <a:off x="7830108" y="2629910"/>
-            <a:ext cx="379633" cy="143417"/>
-          </a:xfrm>
-          <a:prstGeom prst="rect">
-            <a:avLst/>
-          </a:prstGeom>
-        </p:spPr>
-      </p:pic>
-      <p:pic>
-        <p:nvPicPr>
-          <p:cNvPr id="64" name="Picture 63">
-            <a:extLst>
-              <a:ext uri="{FF2B5EF4-FFF2-40B4-BE49-F238E27FC236}">
-                <a16:creationId xmlns:a16="http://schemas.microsoft.com/office/drawing/2014/main" id="{35250B86-9233-1F41-AAFB-D3925D89594D}"/>
-              </a:ext>
-            </a:extLst>
-          </p:cNvPr>
-          <p:cNvPicPr>
-            <a:picLocks noChangeAspect="1"/>
-          </p:cNvPicPr>
-          <p:nvPr/>
-        </p:nvPicPr>
-        <p:blipFill>
-          <a:blip r:embed="rId5">
-            <a:extLst>
-              <a:ext uri="{28A0092B-C50C-407E-A947-70E740481C1C}">
-                <a14:useLocalDpi xmlns:a14="http://schemas.microsoft.com/office/drawing/2010/main" val="0"/>
-              </a:ext>
-            </a:extLst>
-          </a:blip>
-          <a:stretch>
-            <a:fillRect/>
-          </a:stretch>
-        </p:blipFill>
-        <p:spPr>
-          <a:xfrm>
-            <a:off x="7685454" y="2820440"/>
-            <a:ext cx="617329" cy="108624"/>
-          </a:xfrm>
-          <a:prstGeom prst="rect">
-            <a:avLst/>
-          </a:prstGeom>
-        </p:spPr>
-      </p:pic>
-      <p:pic>
-        <p:nvPicPr>
-          <p:cNvPr id="65" name="Picture 64">
-            <a:extLst>
-              <a:ext uri="{FF2B5EF4-FFF2-40B4-BE49-F238E27FC236}">
-                <a16:creationId xmlns:a16="http://schemas.microsoft.com/office/drawing/2014/main" id="{99B84E19-9380-8244-84E4-60EDFBB0C0E8}"/>
-              </a:ext>
-            </a:extLst>
-          </p:cNvPr>
-          <p:cNvPicPr>
-            <a:picLocks noChangeAspect="1"/>
-          </p:cNvPicPr>
-          <p:nvPr/>
-        </p:nvPicPr>
-        <p:blipFill>
-          <a:blip r:embed="rId6">
-            <a:extLst>
-              <a:ext uri="{28A0092B-C50C-407E-A947-70E740481C1C}">
-                <a14:useLocalDpi xmlns:a14="http://schemas.microsoft.com/office/drawing/2010/main" val="0"/>
-              </a:ext>
-            </a:extLst>
-          </a:blip>
-          <a:stretch>
-            <a:fillRect/>
-          </a:stretch>
-        </p:blipFill>
-        <p:spPr>
-          <a:xfrm>
-            <a:off x="7803312" y="2898308"/>
+            <a:off x="7103096" y="4067754"/>
             <a:ext cx="433226" cy="231054"/>
           </a:xfrm>
           <a:prstGeom prst="rect">
@@ -23104,8 +22611,8 @@
         </p:nvSpPr>
         <p:spPr>
           <a:xfrm>
-            <a:off x="7258172" y="6688680"/>
-            <a:ext cx="979755" cy="369332"/>
+            <a:off x="6688470" y="3479931"/>
+            <a:ext cx="1287532" cy="369332"/>
           </a:xfrm>
           <a:prstGeom prst="rect">
             <a:avLst/>
@@ -23123,7 +22630,7 @@
                   <a:srgbClr val="000000"/>
                 </a:solidFill>
               </a:rPr>
-              <a:t>Authors</a:t>
+              <a:t>Authors:v1</a:t>
             </a:r>
             <a:endParaRPr lang="en-US" sz="1800" dirty="0"/>
           </a:p>
@@ -23143,7 +22650,7 @@
         </p:nvSpPr>
         <p:spPr>
           <a:xfrm>
-            <a:off x="7544624" y="1942572"/>
+            <a:off x="3159721" y="3330872"/>
             <a:ext cx="895276" cy="294791"/>
           </a:xfrm>
           <a:prstGeom prst="rect">
@@ -23207,6 +22714,474 @@
               </a:rPr>
               <a:t>Port: 3000</a:t>
             </a:r>
+          </a:p>
+        </p:txBody>
+      </p:sp>
+      <p:pic>
+        <p:nvPicPr>
+          <p:cNvPr id="44" name="Picture 43">
+            <a:extLst>
+              <a:ext uri="{FF2B5EF4-FFF2-40B4-BE49-F238E27FC236}">
+                <a16:creationId xmlns:a16="http://schemas.microsoft.com/office/drawing/2014/main" id="{036FC222-EBD8-B749-9959-72A0B9B7EECA}"/>
+              </a:ext>
+            </a:extLst>
+          </p:cNvPr>
+          <p:cNvPicPr>
+            <a:picLocks noChangeAspect="1"/>
+          </p:cNvPicPr>
+          <p:nvPr/>
+        </p:nvPicPr>
+        <p:blipFill>
+          <a:blip r:embed="rId7"/>
+          <a:stretch>
+            <a:fillRect/>
+          </a:stretch>
+        </p:blipFill>
+        <p:spPr>
+          <a:xfrm>
+            <a:off x="597908" y="980052"/>
+            <a:ext cx="1067513" cy="1147863"/>
+          </a:xfrm>
+          <a:prstGeom prst="rect">
+            <a:avLst/>
+          </a:prstGeom>
+        </p:spPr>
+      </p:pic>
+      <p:sp>
+        <p:nvSpPr>
+          <p:cNvPr id="50" name="Rounded Rectangle 49">
+            <a:extLst>
+              <a:ext uri="{FF2B5EF4-FFF2-40B4-BE49-F238E27FC236}">
+                <a16:creationId xmlns:a16="http://schemas.microsoft.com/office/drawing/2014/main" id="{A8008F2C-D459-5448-8414-53BF6A345107}"/>
+              </a:ext>
+            </a:extLst>
+          </p:cNvPr>
+          <p:cNvSpPr/>
+          <p:nvPr/>
+        </p:nvSpPr>
+        <p:spPr>
+          <a:xfrm>
+            <a:off x="1991258" y="2919983"/>
+            <a:ext cx="815837" cy="852554"/>
+          </a:xfrm>
+          <a:prstGeom prst="roundRect">
+            <a:avLst/>
+          </a:prstGeom>
+          <a:ln w="25400">
+            <a:solidFill>
+              <a:srgbClr val="4277BB"/>
+            </a:solidFill>
+            <a:miter lim="400000"/>
+          </a:ln>
+        </p:spPr>
+        <p:txBody>
+          <a:bodyPr lIns="0" tIns="0" rIns="0" bIns="0" rtlCol="0" anchor="ctr"/>
+          <a:lstStyle/>
+          <a:p>
+            <a:pPr algn="l"/>
+            <a:endParaRPr lang="en-US" sz="1800" dirty="0">
+              <a:solidFill>
+                <a:schemeClr val="tx1"/>
+              </a:solidFill>
+            </a:endParaRPr>
+          </a:p>
+        </p:txBody>
+      </p:sp>
+      <p:sp>
+        <p:nvSpPr>
+          <p:cNvPr id="52" name="TextBox 51">
+            <a:extLst>
+              <a:ext uri="{FF2B5EF4-FFF2-40B4-BE49-F238E27FC236}">
+                <a16:creationId xmlns:a16="http://schemas.microsoft.com/office/drawing/2014/main" id="{CBA7EC6E-A269-244C-8A74-5B50C19BE42C}"/>
+              </a:ext>
+            </a:extLst>
+          </p:cNvPr>
+          <p:cNvSpPr txBox="1"/>
+          <p:nvPr/>
+        </p:nvSpPr>
+        <p:spPr>
+          <a:xfrm>
+            <a:off x="1931836" y="2940453"/>
+            <a:ext cx="876190" cy="325569"/>
+          </a:xfrm>
+          <a:prstGeom prst="rect">
+            <a:avLst/>
+          </a:prstGeom>
+          <a:noFill/>
+          <a:ln w="3175" cap="flat">
+            <a:noFill/>
+            <a:miter lim="400000"/>
+          </a:ln>
+          <a:effectLst/>
+        </p:spPr>
+        <p:style>
+          <a:lnRef idx="0">
+            <a:scrgbClr r="0" g="0" b="0"/>
+          </a:lnRef>
+          <a:fillRef idx="0">
+            <a:scrgbClr r="0" g="0" b="0"/>
+          </a:fillRef>
+          <a:effectRef idx="0">
+            <a:scrgbClr r="0" g="0" b="0"/>
+          </a:effectRef>
+          <a:fontRef idx="none"/>
+        </p:style>
+        <p:txBody>
+          <a:bodyPr rot="0" spcFirstLastPara="1" vertOverflow="overflow" horzOverflow="overflow" vert="horz" wrap="square" lIns="39290" tIns="39290" rIns="39290" bIns="39290" numCol="1" spcCol="38100" rtlCol="0" anchor="ctr">
+            <a:spAutoFit/>
+          </a:bodyPr>
+          <a:lstStyle>
+            <a:lvl1pPr marL="0" marR="0" indent="0" rtl="0" fontAlgn="auto" latinLnBrk="1" hangingPunct="0">
+              <a:lnSpc>
+                <a:spcPct val="100000"/>
+              </a:lnSpc>
+              <a:spcBef>
+                <a:spcPts val="0"/>
+              </a:spcBef>
+              <a:spcAft>
+                <a:spcPts val="0"/>
+              </a:spcAft>
+              <a:buClrTx/>
+              <a:buSzTx/>
+              <a:buFontTx/>
+              <a:buNone/>
+              <a:tabLst/>
+              <a:defRPr sz="1600">
+                <a:solidFill>
+                  <a:srgbClr val="000000"/>
+                </a:solidFill>
+              </a:defRPr>
+            </a:lvl1pPr>
+          </a:lstStyle>
+          <a:p>
+            <a:r>
+              <a:rPr lang="en-US" dirty="0"/>
+              <a:t>Service</a:t>
+            </a:r>
+          </a:p>
+        </p:txBody>
+      </p:sp>
+      <p:cxnSp>
+        <p:nvCxnSpPr>
+          <p:cNvPr id="55" name="Straight Arrow Connector 62">
+            <a:extLst>
+              <a:ext uri="{FF2B5EF4-FFF2-40B4-BE49-F238E27FC236}">
+                <a16:creationId xmlns:a16="http://schemas.microsoft.com/office/drawing/2014/main" id="{E84B3238-CEC5-EE4D-A088-92B39E1B102B}"/>
+              </a:ext>
+            </a:extLst>
+          </p:cNvPr>
+          <p:cNvCxnSpPr>
+            <a:cxnSpLocks/>
+            <a:stCxn id="50" idx="3"/>
+            <a:endCxn id="68" idx="1"/>
+          </p:cNvCxnSpPr>
+          <p:nvPr/>
+        </p:nvCxnSpPr>
+        <p:spPr>
+          <a:xfrm flipV="1">
+            <a:off x="2807095" y="3330872"/>
+            <a:ext cx="296666" cy="15388"/>
+          </a:xfrm>
+          <a:prstGeom prst="straightConnector1">
+            <a:avLst/>
+          </a:prstGeom>
+          <a:noFill/>
+          <a:ln w="38100" cap="flat" cmpd="sng">
+            <a:solidFill>
+              <a:schemeClr val="bg1">
+                <a:lumMod val="85000"/>
+              </a:schemeClr>
+            </a:solidFill>
+            <a:prstDash val="solid"/>
+            <a:miter lim="400000"/>
+            <a:headEnd type="none"/>
+            <a:tailEnd type="triangle"/>
+          </a:ln>
+          <a:effectLst/>
+        </p:spPr>
+        <p:style>
+          <a:lnRef idx="0">
+            <a:scrgbClr r="0" g="0" b="0"/>
+          </a:lnRef>
+          <a:fillRef idx="0">
+            <a:scrgbClr r="0" g="0" b="0"/>
+          </a:fillRef>
+          <a:effectRef idx="0">
+            <a:scrgbClr r="0" g="0" b="0"/>
+          </a:effectRef>
+          <a:fontRef idx="none"/>
+        </p:style>
+      </p:cxnSp>
+      <p:sp>
+        <p:nvSpPr>
+          <p:cNvPr id="57" name="TextBox 56">
+            <a:extLst>
+              <a:ext uri="{FF2B5EF4-FFF2-40B4-BE49-F238E27FC236}">
+                <a16:creationId xmlns:a16="http://schemas.microsoft.com/office/drawing/2014/main" id="{10B9255A-02D4-7543-A810-E55B2DAAB2F5}"/>
+              </a:ext>
+            </a:extLst>
+          </p:cNvPr>
+          <p:cNvSpPr txBox="1"/>
+          <p:nvPr/>
+        </p:nvSpPr>
+        <p:spPr>
+          <a:xfrm>
+            <a:off x="3167110" y="3554913"/>
+            <a:ext cx="637192" cy="294791"/>
+          </a:xfrm>
+          <a:prstGeom prst="rect">
+            <a:avLst/>
+          </a:prstGeom>
+          <a:noFill/>
+          <a:ln w="3175" cap="flat">
+            <a:noFill/>
+            <a:miter lim="400000"/>
+          </a:ln>
+          <a:effectLst/>
+        </p:spPr>
+        <p:style>
+          <a:lnRef idx="0">
+            <a:scrgbClr r="0" g="0" b="0"/>
+          </a:lnRef>
+          <a:fillRef idx="0">
+            <a:scrgbClr r="0" g="0" b="0"/>
+          </a:fillRef>
+          <a:effectRef idx="0">
+            <a:scrgbClr r="0" g="0" b="0"/>
+          </a:effectRef>
+          <a:fontRef idx="none"/>
+        </p:style>
+        <p:txBody>
+          <a:bodyPr rot="0" spcFirstLastPara="1" vertOverflow="overflow" horzOverflow="overflow" vert="horz" wrap="none" lIns="39290" tIns="39290" rIns="39290" bIns="39290" numCol="1" spcCol="38100" rtlCol="0" anchor="ctr">
+            <a:spAutoFit/>
+          </a:bodyPr>
+          <a:lstStyle/>
+          <a:p>
+            <a:pPr marL="0" marR="0" indent="0" algn="ctr" defTabSz="584200" rtl="0" fontAlgn="auto" latinLnBrk="1" hangingPunct="0">
+              <a:lnSpc>
+                <a:spcPct val="100000"/>
+              </a:lnSpc>
+              <a:spcBef>
+                <a:spcPts val="0"/>
+              </a:spcBef>
+              <a:spcAft>
+                <a:spcPts val="0"/>
+              </a:spcAft>
+              <a:buClrTx/>
+              <a:buSzTx/>
+              <a:buFontTx/>
+              <a:buNone/>
+              <a:tabLst/>
+            </a:pPr>
+            <a:r>
+              <a:rPr kumimoji="0" lang="en-US" sz="1400" b="1" i="0" u="none" strike="noStrike" cap="none" spc="0" normalizeH="0" baseline="0" dirty="0">
+                <a:ln>
+                  <a:noFill/>
+                </a:ln>
+                <a:solidFill>
+                  <a:schemeClr val="accent2"/>
+                </a:solidFill>
+                <a:effectLst/>
+                <a:uFillTx/>
+                <a:latin typeface="+mn-lt"/>
+                <a:ea typeface="+mn-ea"/>
+                <a:cs typeface="+mn-cs"/>
+                <a:sym typeface="Helvetica Light"/>
+              </a:rPr>
+              <a:t>Image:</a:t>
+            </a:r>
+          </a:p>
+        </p:txBody>
+      </p:sp>
+      <p:cxnSp>
+        <p:nvCxnSpPr>
+          <p:cNvPr id="67" name="Straight Arrow Connector 62">
+            <a:extLst>
+              <a:ext uri="{FF2B5EF4-FFF2-40B4-BE49-F238E27FC236}">
+                <a16:creationId xmlns:a16="http://schemas.microsoft.com/office/drawing/2014/main" id="{7A688BFC-4BFA-0F44-8FBD-C3E664514EC6}"/>
+              </a:ext>
+            </a:extLst>
+          </p:cNvPr>
+          <p:cNvCxnSpPr>
+            <a:cxnSpLocks/>
+          </p:cNvCxnSpPr>
+          <p:nvPr/>
+        </p:nvCxnSpPr>
+        <p:spPr>
+          <a:xfrm>
+            <a:off x="3974188" y="3692024"/>
+            <a:ext cx="2559428" cy="7685"/>
+          </a:xfrm>
+          <a:prstGeom prst="straightConnector1">
+            <a:avLst/>
+          </a:prstGeom>
+          <a:noFill/>
+          <a:ln w="38100" cap="flat" cmpd="sng">
+            <a:solidFill>
+              <a:schemeClr val="bg1">
+                <a:lumMod val="85000"/>
+              </a:schemeClr>
+            </a:solidFill>
+            <a:prstDash val="solid"/>
+            <a:miter lim="400000"/>
+            <a:headEnd type="none"/>
+            <a:tailEnd type="triangle"/>
+          </a:ln>
+          <a:effectLst/>
+        </p:spPr>
+        <p:style>
+          <a:lnRef idx="0">
+            <a:scrgbClr r="0" g="0" b="0"/>
+          </a:lnRef>
+          <a:fillRef idx="0">
+            <a:scrgbClr r="0" g="0" b="0"/>
+          </a:fillRef>
+          <a:effectRef idx="0">
+            <a:scrgbClr r="0" g="0" b="0"/>
+          </a:effectRef>
+          <a:fontRef idx="none"/>
+        </p:style>
+      </p:cxnSp>
+      <p:sp>
+        <p:nvSpPr>
+          <p:cNvPr id="14" name="Rectangle 13">
+            <a:extLst>
+              <a:ext uri="{FF2B5EF4-FFF2-40B4-BE49-F238E27FC236}">
+                <a16:creationId xmlns:a16="http://schemas.microsoft.com/office/drawing/2014/main" id="{5580F972-AFD8-DF42-87D0-94A8D3E30D50}"/>
+              </a:ext>
+            </a:extLst>
+          </p:cNvPr>
+          <p:cNvSpPr/>
+          <p:nvPr/>
+        </p:nvSpPr>
+        <p:spPr>
+          <a:xfrm>
+            <a:off x="1922582" y="3221032"/>
+            <a:ext cx="950901" cy="325569"/>
+          </a:xfrm>
+          <a:prstGeom prst="rect">
+            <a:avLst/>
+          </a:prstGeom>
+          <a:noFill/>
+          <a:ln w="3175" cap="flat">
+            <a:noFill/>
+            <a:miter lim="400000"/>
+          </a:ln>
+          <a:effectLst/>
+        </p:spPr>
+        <p:style>
+          <a:lnRef idx="0">
+            <a:scrgbClr r="0" g="0" b="0"/>
+          </a:lnRef>
+          <a:fillRef idx="0">
+            <a:scrgbClr r="0" g="0" b="0"/>
+          </a:fillRef>
+          <a:effectRef idx="0">
+            <a:scrgbClr r="0" g="0" b="0"/>
+          </a:effectRef>
+          <a:fontRef idx="none"/>
+        </p:style>
+        <p:txBody>
+          <a:bodyPr rot="0" spcFirstLastPara="1" vertOverflow="overflow" horzOverflow="overflow" vert="horz" wrap="square" lIns="39290" tIns="39290" rIns="39290" bIns="39290" numCol="1" spcCol="38100" rtlCol="0" anchor="ctr">
+            <a:spAutoFit/>
+          </a:bodyPr>
+          <a:lstStyle/>
+          <a:p>
+            <a:pPr rtl="0" latinLnBrk="1" hangingPunct="0"/>
+            <a:r>
+              <a:rPr lang="en-US" sz="1600" b="1" dirty="0">
+                <a:solidFill>
+                  <a:schemeClr val="accent1"/>
+                </a:solidFill>
+              </a:rPr>
+              <a:t>Authors </a:t>
+            </a:r>
+          </a:p>
+        </p:txBody>
+      </p:sp>
+      <p:sp>
+        <p:nvSpPr>
+          <p:cNvPr id="69" name="TextBox 68">
+            <a:extLst>
+              <a:ext uri="{FF2B5EF4-FFF2-40B4-BE49-F238E27FC236}">
+                <a16:creationId xmlns:a16="http://schemas.microsoft.com/office/drawing/2014/main" id="{98B6EE73-010D-6746-B172-D1F7A822431C}"/>
+              </a:ext>
+            </a:extLst>
+          </p:cNvPr>
+          <p:cNvSpPr txBox="1"/>
+          <p:nvPr/>
+        </p:nvSpPr>
+        <p:spPr>
+          <a:xfrm>
+            <a:off x="6578646" y="3134609"/>
+            <a:ext cx="1125536" cy="325569"/>
+          </a:xfrm>
+          <a:prstGeom prst="rect">
+            <a:avLst/>
+          </a:prstGeom>
+          <a:noFill/>
+          <a:ln w="3175" cap="flat">
+            <a:noFill/>
+            <a:miter lim="400000"/>
+          </a:ln>
+          <a:effectLst/>
+        </p:spPr>
+        <p:style>
+          <a:lnRef idx="0">
+            <a:scrgbClr r="0" g="0" b="0"/>
+          </a:lnRef>
+          <a:fillRef idx="0">
+            <a:scrgbClr r="0" g="0" b="0"/>
+          </a:fillRef>
+          <a:effectRef idx="0">
+            <a:scrgbClr r="0" g="0" b="0"/>
+          </a:effectRef>
+          <a:fontRef idx="none"/>
+        </p:style>
+        <p:txBody>
+          <a:bodyPr rot="0" spcFirstLastPara="1" vertOverflow="overflow" horzOverflow="overflow" vert="horz" wrap="square" lIns="39290" tIns="39290" rIns="39290" bIns="39290" numCol="1" spcCol="38100" rtlCol="0" anchor="ctr">
+            <a:spAutoFit/>
+          </a:bodyPr>
+          <a:lstStyle/>
+          <a:p>
+            <a:pPr marL="0" marR="0" indent="0" algn="ctr" defTabSz="584200" rtl="0" fontAlgn="auto" latinLnBrk="1" hangingPunct="0">
+              <a:lnSpc>
+                <a:spcPct val="100000"/>
+              </a:lnSpc>
+              <a:spcBef>
+                <a:spcPts val="0"/>
+              </a:spcBef>
+              <a:spcAft>
+                <a:spcPts val="0"/>
+              </a:spcAft>
+              <a:buClrTx/>
+              <a:buSzTx/>
+              <a:buFontTx/>
+              <a:buNone/>
+              <a:tabLst/>
+            </a:pPr>
+            <a:r>
+              <a:rPr lang="en-US" sz="1600" dirty="0">
+                <a:solidFill>
+                  <a:srgbClr val="000000"/>
+                </a:solidFill>
+              </a:rPr>
+              <a:t>Container</a:t>
+            </a:r>
+            <a:endParaRPr kumimoji="0" lang="en-US" sz="1600" b="0" i="0" u="none" strike="noStrike" cap="none" spc="0" normalizeH="0" baseline="0" dirty="0">
+              <a:ln>
+                <a:noFill/>
+              </a:ln>
+              <a:solidFill>
+                <a:srgbClr val="000000"/>
+              </a:solidFill>
+              <a:effectLst/>
+              <a:uFillTx/>
+              <a:latin typeface="+mn-lt"/>
+              <a:ea typeface="+mn-ea"/>
+              <a:cs typeface="+mn-cs"/>
+              <a:sym typeface="Helvetica Light"/>
+            </a:endParaRPr>
           </a:p>
         </p:txBody>
       </p:sp>
@@ -26005,6 +25980,2636 @@
 </p:sld>
 </file>
 
+<file path=ppt/slides/slide20.xml><?xml version="1.0" encoding="utf-8"?>
+<p:sld xmlns:a="http://schemas.openxmlformats.org/drawingml/2006/main" xmlns:r="http://schemas.openxmlformats.org/officeDocument/2006/relationships" xmlns:p="http://schemas.openxmlformats.org/presentationml/2006/main">
+  <p:cSld>
+    <p:spTree>
+      <p:nvGrpSpPr>
+        <p:cNvPr id="1" name=""/>
+        <p:cNvGrpSpPr/>
+        <p:nvPr/>
+      </p:nvGrpSpPr>
+      <p:grpSpPr>
+        <a:xfrm>
+          <a:off x="0" y="0"/>
+          <a:ext cx="0" cy="0"/>
+          <a:chOff x="0" y="0"/>
+          <a:chExt cx="0" cy="0"/>
+        </a:xfrm>
+      </p:grpSpPr>
+      <p:sp>
+        <p:nvSpPr>
+          <p:cNvPr id="6" name="Rounded Rectangle 5">
+            <a:extLst>
+              <a:ext uri="{FF2B5EF4-FFF2-40B4-BE49-F238E27FC236}">
+                <a16:creationId xmlns:a16="http://schemas.microsoft.com/office/drawing/2014/main" id="{6DDECBDE-463B-D642-8BCB-66C7D546A3FA}"/>
+              </a:ext>
+            </a:extLst>
+          </p:cNvPr>
+          <p:cNvSpPr/>
+          <p:nvPr/>
+        </p:nvSpPr>
+        <p:spPr>
+          <a:xfrm>
+            <a:off x="6079901" y="2264929"/>
+            <a:ext cx="2171700" cy="2426676"/>
+          </a:xfrm>
+          <a:prstGeom prst="roundRect">
+            <a:avLst/>
+          </a:prstGeom>
+          <a:ln w="25400">
+            <a:solidFill>
+              <a:srgbClr val="4277BB"/>
+            </a:solidFill>
+            <a:miter lim="400000"/>
+          </a:ln>
+        </p:spPr>
+        <p:txBody>
+          <a:bodyPr lIns="0" tIns="0" rIns="0" bIns="0" rtlCol="0" anchor="ctr"/>
+          <a:lstStyle/>
+          <a:p>
+            <a:pPr algn="ctr"/>
+            <a:endParaRPr lang="en-US" sz="1800">
+              <a:solidFill>
+                <a:srgbClr val="4277BB"/>
+              </a:solidFill>
+            </a:endParaRPr>
+          </a:p>
+        </p:txBody>
+      </p:sp>
+      <p:pic>
+        <p:nvPicPr>
+          <p:cNvPr id="4" name="Picture 3">
+            <a:extLst>
+              <a:ext uri="{FF2B5EF4-FFF2-40B4-BE49-F238E27FC236}">
+                <a16:creationId xmlns:a16="http://schemas.microsoft.com/office/drawing/2014/main" id="{230E9969-4B67-3240-85AD-1302C355084D}"/>
+              </a:ext>
+            </a:extLst>
+          </p:cNvPr>
+          <p:cNvPicPr>
+            <a:picLocks noChangeAspect="1"/>
+          </p:cNvPicPr>
+          <p:nvPr/>
+        </p:nvPicPr>
+        <p:blipFill>
+          <a:blip r:embed="rId2"/>
+          <a:stretch>
+            <a:fillRect/>
+          </a:stretch>
+        </p:blipFill>
+        <p:spPr>
+          <a:xfrm>
+            <a:off x="5571901" y="1964036"/>
+            <a:ext cx="1016000" cy="1270000"/>
+          </a:xfrm>
+          <a:prstGeom prst="rect">
+            <a:avLst/>
+          </a:prstGeom>
+        </p:spPr>
+      </p:pic>
+      <p:sp>
+        <p:nvSpPr>
+          <p:cNvPr id="31" name="TextBox 30">
+            <a:extLst>
+              <a:ext uri="{FF2B5EF4-FFF2-40B4-BE49-F238E27FC236}">
+                <a16:creationId xmlns:a16="http://schemas.microsoft.com/office/drawing/2014/main" id="{C2FD3D45-3F06-9A4A-8497-DA1173D6B480}"/>
+              </a:ext>
+            </a:extLst>
+          </p:cNvPr>
+          <p:cNvSpPr txBox="1"/>
+          <p:nvPr/>
+        </p:nvSpPr>
+        <p:spPr>
+          <a:xfrm>
+            <a:off x="100797" y="59377"/>
+            <a:ext cx="1776928" cy="510235"/>
+          </a:xfrm>
+          <a:prstGeom prst="rect">
+            <a:avLst/>
+          </a:prstGeom>
+          <a:noFill/>
+          <a:ln w="3175" cap="flat">
+            <a:noFill/>
+            <a:miter lim="400000"/>
+          </a:ln>
+          <a:effectLst/>
+        </p:spPr>
+        <p:style>
+          <a:lnRef idx="0">
+            <a:scrgbClr r="0" g="0" b="0"/>
+          </a:lnRef>
+          <a:fillRef idx="0">
+            <a:scrgbClr r="0" g="0" b="0"/>
+          </a:fillRef>
+          <a:effectRef idx="0">
+            <a:scrgbClr r="0" g="0" b="0"/>
+          </a:effectRef>
+          <a:fontRef idx="none"/>
+        </p:style>
+        <p:txBody>
+          <a:bodyPr rot="0" spcFirstLastPara="1" vertOverflow="overflow" horzOverflow="overflow" vert="horz" wrap="none" lIns="39290" tIns="39290" rIns="39290" bIns="39290" numCol="1" spcCol="38100" rtlCol="0" anchor="ctr">
+            <a:spAutoFit/>
+          </a:bodyPr>
+          <a:lstStyle/>
+          <a:p>
+            <a:pPr marL="0" marR="0" indent="0" algn="ctr" defTabSz="584200" rtl="0" fontAlgn="auto" latinLnBrk="1" hangingPunct="0">
+              <a:lnSpc>
+                <a:spcPct val="100000"/>
+              </a:lnSpc>
+              <a:spcBef>
+                <a:spcPts val="0"/>
+              </a:spcBef>
+              <a:spcAft>
+                <a:spcPts val="0"/>
+              </a:spcAft>
+              <a:buClrTx/>
+              <a:buSzTx/>
+              <a:buFontTx/>
+              <a:buNone/>
+              <a:tabLst/>
+            </a:pPr>
+            <a:r>
+              <a:rPr kumimoji="0" lang="en-US" sz="2800" b="1" i="0" u="none" strike="noStrike" cap="none" spc="0" normalizeH="0" baseline="0">
+                <a:ln>
+                  <a:noFill/>
+                </a:ln>
+                <a:solidFill>
+                  <a:srgbClr val="000000"/>
+                </a:solidFill>
+                <a:effectLst/>
+                <a:uFillTx/>
+                <a:latin typeface="+mn-lt"/>
+                <a:ea typeface="+mn-ea"/>
+                <a:cs typeface="+mn-cs"/>
+                <a:sym typeface="Helvetica Light"/>
+              </a:rPr>
+              <a:t>IBM Cloud</a:t>
+            </a:r>
+          </a:p>
+        </p:txBody>
+      </p:sp>
+      <p:sp>
+        <p:nvSpPr>
+          <p:cNvPr id="58" name="Rounded Rectangle 57">
+            <a:extLst>
+              <a:ext uri="{FF2B5EF4-FFF2-40B4-BE49-F238E27FC236}">
+                <a16:creationId xmlns:a16="http://schemas.microsoft.com/office/drawing/2014/main" id="{74AC6CAB-6CF0-064E-82A7-C042A402770F}"/>
+              </a:ext>
+            </a:extLst>
+          </p:cNvPr>
+          <p:cNvSpPr/>
+          <p:nvPr/>
+        </p:nvSpPr>
+        <p:spPr>
+          <a:xfrm>
+            <a:off x="6587901" y="3250614"/>
+            <a:ext cx="1504776" cy="856685"/>
+          </a:xfrm>
+          <a:prstGeom prst="roundRect">
+            <a:avLst/>
+          </a:prstGeom>
+          <a:solidFill>
+            <a:srgbClr val="FFFFFF"/>
+          </a:solidFill>
+          <a:ln w="25400">
+            <a:solidFill>
+              <a:srgbClr val="4277BB"/>
+            </a:solidFill>
+            <a:miter lim="400000"/>
+          </a:ln>
+        </p:spPr>
+        <p:txBody>
+          <a:bodyPr lIns="0" tIns="0" rIns="0" bIns="0" rtlCol="0" anchor="ctr"/>
+          <a:lstStyle/>
+          <a:p>
+            <a:pPr algn="ctr"/>
+            <a:endParaRPr lang="en-US" sz="1800">
+              <a:solidFill>
+                <a:srgbClr val="4277BB"/>
+              </a:solidFill>
+            </a:endParaRPr>
+          </a:p>
+        </p:txBody>
+      </p:sp>
+      <p:sp>
+        <p:nvSpPr>
+          <p:cNvPr id="66" name="Rounded Rectangle 65">
+            <a:extLst>
+              <a:ext uri="{FF2B5EF4-FFF2-40B4-BE49-F238E27FC236}">
+                <a16:creationId xmlns:a16="http://schemas.microsoft.com/office/drawing/2014/main" id="{C4D50543-9EFD-2B42-9F96-9784F0AFD273}"/>
+              </a:ext>
+            </a:extLst>
+          </p:cNvPr>
+          <p:cNvSpPr/>
+          <p:nvPr/>
+        </p:nvSpPr>
+        <p:spPr>
+          <a:xfrm>
+            <a:off x="1362692" y="1627490"/>
+            <a:ext cx="3692834" cy="3656051"/>
+          </a:xfrm>
+          <a:prstGeom prst="roundRect">
+            <a:avLst/>
+          </a:prstGeom>
+          <a:ln w="25400">
+            <a:solidFill>
+              <a:srgbClr val="4277BB"/>
+            </a:solidFill>
+            <a:miter lim="400000"/>
+          </a:ln>
+        </p:spPr>
+        <p:txBody>
+          <a:bodyPr lIns="0" tIns="0" rIns="0" bIns="0" rtlCol="0" anchor="ctr"/>
+          <a:lstStyle/>
+          <a:p>
+            <a:pPr algn="ctr"/>
+            <a:endParaRPr lang="en-US" sz="1800">
+              <a:solidFill>
+                <a:srgbClr val="4277BB"/>
+              </a:solidFill>
+            </a:endParaRPr>
+          </a:p>
+        </p:txBody>
+      </p:sp>
+      <p:sp>
+        <p:nvSpPr>
+          <p:cNvPr id="68" name="Rounded Rectangle 67">
+            <a:extLst>
+              <a:ext uri="{FF2B5EF4-FFF2-40B4-BE49-F238E27FC236}">
+                <a16:creationId xmlns:a16="http://schemas.microsoft.com/office/drawing/2014/main" id="{7D22E891-E651-C343-B98D-45B362624281}"/>
+              </a:ext>
+            </a:extLst>
+          </p:cNvPr>
+          <p:cNvSpPr/>
+          <p:nvPr/>
+        </p:nvSpPr>
+        <p:spPr>
+          <a:xfrm>
+            <a:off x="3103761" y="2503347"/>
+            <a:ext cx="1747977" cy="1655049"/>
+          </a:xfrm>
+          <a:prstGeom prst="roundRect">
+            <a:avLst/>
+          </a:prstGeom>
+          <a:ln w="25400">
+            <a:solidFill>
+              <a:srgbClr val="4277BB"/>
+            </a:solidFill>
+            <a:miter lim="400000"/>
+          </a:ln>
+        </p:spPr>
+        <p:txBody>
+          <a:bodyPr lIns="0" tIns="0" rIns="0" bIns="0" rtlCol="0" anchor="ctr"/>
+          <a:lstStyle/>
+          <a:p>
+            <a:pPr algn="ctr"/>
+            <a:endParaRPr lang="en-US" sz="1800">
+              <a:solidFill>
+                <a:srgbClr val="4277BB"/>
+              </a:solidFill>
+            </a:endParaRPr>
+          </a:p>
+        </p:txBody>
+      </p:sp>
+      <p:sp>
+        <p:nvSpPr>
+          <p:cNvPr id="71" name="TextBox 70">
+            <a:extLst>
+              <a:ext uri="{FF2B5EF4-FFF2-40B4-BE49-F238E27FC236}">
+                <a16:creationId xmlns:a16="http://schemas.microsoft.com/office/drawing/2014/main" id="{8B311B05-6EBE-454F-B94C-E5CC8C1AE15B}"/>
+              </a:ext>
+            </a:extLst>
+          </p:cNvPr>
+          <p:cNvSpPr txBox="1"/>
+          <p:nvPr/>
+        </p:nvSpPr>
+        <p:spPr>
+          <a:xfrm>
+            <a:off x="3071035" y="2581906"/>
+            <a:ext cx="718946" cy="325569"/>
+          </a:xfrm>
+          <a:prstGeom prst="rect">
+            <a:avLst/>
+          </a:prstGeom>
+          <a:noFill/>
+          <a:ln w="3175" cap="flat">
+            <a:noFill/>
+            <a:miter lim="400000"/>
+          </a:ln>
+          <a:effectLst/>
+        </p:spPr>
+        <p:style>
+          <a:lnRef idx="0">
+            <a:scrgbClr r="0" g="0" b="0"/>
+          </a:lnRef>
+          <a:fillRef idx="0">
+            <a:scrgbClr r="0" g="0" b="0"/>
+          </a:fillRef>
+          <a:effectRef idx="0">
+            <a:scrgbClr r="0" g="0" b="0"/>
+          </a:effectRef>
+          <a:fontRef idx="none"/>
+        </p:style>
+        <p:txBody>
+          <a:bodyPr rot="0" spcFirstLastPara="1" vertOverflow="overflow" horzOverflow="overflow" vert="horz" wrap="square" lIns="39290" tIns="39290" rIns="39290" bIns="39290" numCol="1" spcCol="38100" rtlCol="0" anchor="ctr">
+            <a:spAutoFit/>
+          </a:bodyPr>
+          <a:lstStyle/>
+          <a:p>
+            <a:pPr marL="0" marR="0" indent="0" algn="ctr" defTabSz="584200" rtl="0" fontAlgn="auto" latinLnBrk="1" hangingPunct="0">
+              <a:lnSpc>
+                <a:spcPct val="100000"/>
+              </a:lnSpc>
+              <a:spcBef>
+                <a:spcPts val="0"/>
+              </a:spcBef>
+              <a:spcAft>
+                <a:spcPts val="0"/>
+              </a:spcAft>
+              <a:buClrTx/>
+              <a:buSzTx/>
+              <a:buFontTx/>
+              <a:buNone/>
+              <a:tabLst/>
+            </a:pPr>
+            <a:r>
+              <a:rPr lang="en-US" sz="1600">
+                <a:solidFill>
+                  <a:srgbClr val="000000"/>
+                </a:solidFill>
+              </a:rPr>
+              <a:t>P</a:t>
+            </a:r>
+            <a:r>
+              <a:rPr kumimoji="0" lang="en-US" sz="1600" b="0" i="0" u="none" strike="noStrike" cap="none" spc="0" normalizeH="0" baseline="0">
+                <a:ln>
+                  <a:noFill/>
+                </a:ln>
+                <a:solidFill>
+                  <a:srgbClr val="000000"/>
+                </a:solidFill>
+                <a:effectLst/>
+                <a:uFillTx/>
+                <a:latin typeface="+mn-lt"/>
+                <a:ea typeface="+mn-ea"/>
+                <a:cs typeface="+mn-cs"/>
+                <a:sym typeface="Helvetica Light"/>
+              </a:rPr>
+              <a:t>od</a:t>
+            </a:r>
+          </a:p>
+        </p:txBody>
+      </p:sp>
+      <p:sp>
+        <p:nvSpPr>
+          <p:cNvPr id="74" name="TextBox 73">
+            <a:extLst>
+              <a:ext uri="{FF2B5EF4-FFF2-40B4-BE49-F238E27FC236}">
+                <a16:creationId xmlns:a16="http://schemas.microsoft.com/office/drawing/2014/main" id="{9598825F-B14D-C748-AB12-175AD309F87E}"/>
+              </a:ext>
+            </a:extLst>
+          </p:cNvPr>
+          <p:cNvSpPr txBox="1"/>
+          <p:nvPr/>
+        </p:nvSpPr>
+        <p:spPr>
+          <a:xfrm>
+            <a:off x="3106708" y="2858231"/>
+            <a:ext cx="1240887" cy="325569"/>
+          </a:xfrm>
+          <a:prstGeom prst="rect">
+            <a:avLst/>
+          </a:prstGeom>
+          <a:noFill/>
+          <a:ln w="3175" cap="flat">
+            <a:noFill/>
+            <a:miter lim="400000"/>
+          </a:ln>
+          <a:effectLst/>
+        </p:spPr>
+        <p:style>
+          <a:lnRef idx="0">
+            <a:scrgbClr r="0" g="0" b="0"/>
+          </a:lnRef>
+          <a:fillRef idx="0">
+            <a:scrgbClr r="0" g="0" b="0"/>
+          </a:fillRef>
+          <a:effectRef idx="0">
+            <a:scrgbClr r="0" g="0" b="0"/>
+          </a:effectRef>
+          <a:fontRef idx="none"/>
+        </p:style>
+        <p:txBody>
+          <a:bodyPr rot="0" spcFirstLastPara="1" vertOverflow="overflow" horzOverflow="overflow" vert="horz" wrap="square" lIns="39290" tIns="39290" rIns="39290" bIns="39290" numCol="1" spcCol="38100" rtlCol="0" anchor="ctr">
+            <a:spAutoFit/>
+          </a:bodyPr>
+          <a:lstStyle/>
+          <a:p>
+            <a:pPr rtl="0" latinLnBrk="1" hangingPunct="0"/>
+            <a:r>
+              <a:rPr lang="en-US" sz="1600" b="1" dirty="0">
+                <a:solidFill>
+                  <a:schemeClr val="accent1"/>
+                </a:solidFill>
+              </a:rPr>
+              <a:t>Authors v1  </a:t>
+            </a:r>
+            <a:endParaRPr kumimoji="0" lang="en-US" sz="1050" b="1" i="0" u="none" strike="noStrike" cap="none" spc="0" normalizeH="0" baseline="0" dirty="0">
+              <a:ln>
+                <a:noFill/>
+              </a:ln>
+              <a:solidFill>
+                <a:schemeClr val="accent1"/>
+              </a:solidFill>
+              <a:effectLst/>
+              <a:uFillTx/>
+              <a:sym typeface="Helvetica Light"/>
+            </a:endParaRPr>
+          </a:p>
+        </p:txBody>
+      </p:sp>
+      <p:pic>
+        <p:nvPicPr>
+          <p:cNvPr id="76" name="Picture 75">
+            <a:extLst>
+              <a:ext uri="{FF2B5EF4-FFF2-40B4-BE49-F238E27FC236}">
+                <a16:creationId xmlns:a16="http://schemas.microsoft.com/office/drawing/2014/main" id="{F85C06C8-3222-8644-8A74-8D8D1E49740C}"/>
+              </a:ext>
+            </a:extLst>
+          </p:cNvPr>
+          <p:cNvPicPr>
+            <a:picLocks noChangeAspect="1"/>
+          </p:cNvPicPr>
+          <p:nvPr/>
+        </p:nvPicPr>
+        <p:blipFill>
+          <a:blip r:embed="rId3">
+            <a:extLst>
+              <a:ext uri="{28A0092B-C50C-407E-A947-70E740481C1C}">
+                <a14:useLocalDpi xmlns:a14="http://schemas.microsoft.com/office/drawing/2010/main" val="0"/>
+              </a:ext>
+            </a:extLst>
+          </a:blip>
+          <a:stretch>
+            <a:fillRect/>
+          </a:stretch>
+        </p:blipFill>
+        <p:spPr>
+          <a:xfrm>
+            <a:off x="4356502" y="1756688"/>
+            <a:ext cx="452515" cy="452515"/>
+          </a:xfrm>
+          <a:prstGeom prst="rect">
+            <a:avLst/>
+          </a:prstGeom>
+        </p:spPr>
+      </p:pic>
+      <p:sp>
+        <p:nvSpPr>
+          <p:cNvPr id="77" name="TextBox 76">
+            <a:extLst>
+              <a:ext uri="{FF2B5EF4-FFF2-40B4-BE49-F238E27FC236}">
+                <a16:creationId xmlns:a16="http://schemas.microsoft.com/office/drawing/2014/main" id="{167E1B1A-4B2A-3849-876C-BB7C8DA5D2D1}"/>
+              </a:ext>
+            </a:extLst>
+          </p:cNvPr>
+          <p:cNvSpPr txBox="1"/>
+          <p:nvPr/>
+        </p:nvSpPr>
+        <p:spPr>
+          <a:xfrm>
+            <a:off x="3974188" y="1879904"/>
+            <a:ext cx="537249" cy="240930"/>
+          </a:xfrm>
+          <a:prstGeom prst="rect">
+            <a:avLst/>
+          </a:prstGeom>
+          <a:noFill/>
+          <a:ln w="3175" cap="flat">
+            <a:noFill/>
+            <a:miter lim="400000"/>
+          </a:ln>
+          <a:effectLst/>
+        </p:spPr>
+        <p:style>
+          <a:lnRef idx="0">
+            <a:scrgbClr r="0" g="0" b="0"/>
+          </a:lnRef>
+          <a:fillRef idx="0">
+            <a:scrgbClr r="0" g="0" b="0"/>
+          </a:fillRef>
+          <a:effectRef idx="0">
+            <a:scrgbClr r="0" g="0" b="0"/>
+          </a:effectRef>
+          <a:fontRef idx="none"/>
+        </p:style>
+        <p:txBody>
+          <a:bodyPr rot="0" spcFirstLastPara="1" vertOverflow="overflow" horzOverflow="overflow" vert="horz" wrap="square" lIns="39290" tIns="39290" rIns="39290" bIns="39290" numCol="1" spcCol="38100" rtlCol="0" anchor="ctr">
+            <a:spAutoFit/>
+          </a:bodyPr>
+          <a:lstStyle/>
+          <a:p>
+            <a:pPr marL="0" marR="0" indent="0" algn="ctr" defTabSz="584200" rtl="0" fontAlgn="auto" latinLnBrk="1" hangingPunct="0">
+              <a:lnSpc>
+                <a:spcPct val="100000"/>
+              </a:lnSpc>
+              <a:spcBef>
+                <a:spcPts val="0"/>
+              </a:spcBef>
+              <a:spcAft>
+                <a:spcPts val="0"/>
+              </a:spcAft>
+              <a:buClrTx/>
+              <a:buSzTx/>
+              <a:buFontTx/>
+              <a:buNone/>
+              <a:tabLst/>
+            </a:pPr>
+            <a:r>
+              <a:rPr kumimoji="0" lang="en-US" sz="1050" b="1" i="0" u="none" strike="noStrike" cap="none" spc="0" normalizeH="0" baseline="0" dirty="0">
+                <a:ln>
+                  <a:noFill/>
+                </a:ln>
+                <a:solidFill>
+                  <a:srgbClr val="000000"/>
+                </a:solidFill>
+                <a:effectLst/>
+                <a:uFillTx/>
+                <a:latin typeface="+mn-lt"/>
+                <a:ea typeface="+mn-ea"/>
+                <a:cs typeface="+mn-cs"/>
+                <a:sym typeface="Helvetica Light"/>
+              </a:rPr>
+              <a:t>Istio</a:t>
+            </a:r>
+          </a:p>
+        </p:txBody>
+      </p:sp>
+      <p:sp>
+        <p:nvSpPr>
+          <p:cNvPr id="78" name="Rounded Rectangle 77">
+            <a:extLst>
+              <a:ext uri="{FF2B5EF4-FFF2-40B4-BE49-F238E27FC236}">
+                <a16:creationId xmlns:a16="http://schemas.microsoft.com/office/drawing/2014/main" id="{714F1710-3C67-B647-BA99-3320569DAACB}"/>
+              </a:ext>
+            </a:extLst>
+          </p:cNvPr>
+          <p:cNvSpPr/>
+          <p:nvPr/>
+        </p:nvSpPr>
+        <p:spPr>
+          <a:xfrm>
+            <a:off x="1636100" y="1779890"/>
+            <a:ext cx="3283624" cy="3338559"/>
+          </a:xfrm>
+          <a:prstGeom prst="roundRect">
+            <a:avLst/>
+          </a:prstGeom>
+          <a:ln w="25400">
+            <a:solidFill>
+              <a:srgbClr val="4277BB"/>
+            </a:solidFill>
+            <a:miter lim="400000"/>
+          </a:ln>
+        </p:spPr>
+        <p:txBody>
+          <a:bodyPr lIns="0" tIns="0" rIns="0" bIns="0" rtlCol="0" anchor="ctr"/>
+          <a:lstStyle/>
+          <a:p>
+            <a:pPr algn="ctr"/>
+            <a:endParaRPr lang="en-US" sz="1800">
+              <a:solidFill>
+                <a:srgbClr val="4277BB"/>
+              </a:solidFill>
+            </a:endParaRPr>
+          </a:p>
+        </p:txBody>
+      </p:sp>
+      <p:sp>
+        <p:nvSpPr>
+          <p:cNvPr id="79" name="TextBox 78">
+            <a:extLst>
+              <a:ext uri="{FF2B5EF4-FFF2-40B4-BE49-F238E27FC236}">
+                <a16:creationId xmlns:a16="http://schemas.microsoft.com/office/drawing/2014/main" id="{58ED2E94-5A33-7D4C-A624-94C2B1A96506}"/>
+              </a:ext>
+            </a:extLst>
+          </p:cNvPr>
+          <p:cNvSpPr txBox="1"/>
+          <p:nvPr/>
+        </p:nvSpPr>
+        <p:spPr>
+          <a:xfrm>
+            <a:off x="1778265" y="1837585"/>
+            <a:ext cx="740965" cy="325569"/>
+          </a:xfrm>
+          <a:prstGeom prst="rect">
+            <a:avLst/>
+          </a:prstGeom>
+          <a:noFill/>
+          <a:ln w="3175" cap="flat">
+            <a:noFill/>
+            <a:miter lim="400000"/>
+          </a:ln>
+          <a:effectLst/>
+        </p:spPr>
+        <p:style>
+          <a:lnRef idx="0">
+            <a:scrgbClr r="0" g="0" b="0"/>
+          </a:lnRef>
+          <a:fillRef idx="0">
+            <a:scrgbClr r="0" g="0" b="0"/>
+          </a:fillRef>
+          <a:effectRef idx="0">
+            <a:scrgbClr r="0" g="0" b="0"/>
+          </a:effectRef>
+          <a:fontRef idx="none"/>
+        </p:style>
+        <p:txBody>
+          <a:bodyPr rot="0" spcFirstLastPara="1" vertOverflow="overflow" horzOverflow="overflow" vert="horz" wrap="square" lIns="39290" tIns="39290" rIns="39290" bIns="39290" numCol="1" spcCol="38100" rtlCol="0" anchor="ctr">
+            <a:spAutoFit/>
+          </a:bodyPr>
+          <a:lstStyle/>
+          <a:p>
+            <a:pPr marL="0" marR="0" indent="0" algn="ctr" defTabSz="584200" rtl="0" fontAlgn="auto" latinLnBrk="1" hangingPunct="0">
+              <a:lnSpc>
+                <a:spcPct val="100000"/>
+              </a:lnSpc>
+              <a:spcBef>
+                <a:spcPts val="0"/>
+              </a:spcBef>
+              <a:spcAft>
+                <a:spcPts val="0"/>
+              </a:spcAft>
+              <a:buClrTx/>
+              <a:buSzTx/>
+              <a:buFontTx/>
+              <a:buNone/>
+              <a:tabLst/>
+            </a:pPr>
+            <a:r>
+              <a:rPr lang="en-US" sz="1600" b="1">
+                <a:solidFill>
+                  <a:srgbClr val="000000"/>
+                </a:solidFill>
+              </a:rPr>
+              <a:t>Cluster</a:t>
+            </a:r>
+            <a:endParaRPr kumimoji="0" lang="en-US" sz="1050" b="1" i="0" u="none" strike="noStrike" cap="none" spc="0" normalizeH="0" baseline="0">
+              <a:ln>
+                <a:noFill/>
+              </a:ln>
+              <a:solidFill>
+                <a:srgbClr val="000000"/>
+              </a:solidFill>
+              <a:effectLst/>
+              <a:uFillTx/>
+              <a:latin typeface="+mn-lt"/>
+              <a:ea typeface="+mn-ea"/>
+              <a:cs typeface="+mn-cs"/>
+              <a:sym typeface="Helvetica Light"/>
+            </a:endParaRPr>
+          </a:p>
+        </p:txBody>
+      </p:sp>
+      <p:pic>
+        <p:nvPicPr>
+          <p:cNvPr id="56" name="Picture 55">
+            <a:extLst>
+              <a:ext uri="{FF2B5EF4-FFF2-40B4-BE49-F238E27FC236}">
+                <a16:creationId xmlns:a16="http://schemas.microsoft.com/office/drawing/2014/main" id="{C0183C11-0E80-B040-817D-E0A4E9722D51}"/>
+              </a:ext>
+            </a:extLst>
+          </p:cNvPr>
+          <p:cNvPicPr>
+            <a:picLocks noChangeAspect="1"/>
+          </p:cNvPicPr>
+          <p:nvPr/>
+        </p:nvPicPr>
+        <p:blipFill>
+          <a:blip r:embed="rId4">
+            <a:extLst>
+              <a:ext uri="{28A0092B-C50C-407E-A947-70E740481C1C}">
+                <a14:useLocalDpi xmlns:a14="http://schemas.microsoft.com/office/drawing/2010/main" val="0"/>
+              </a:ext>
+            </a:extLst>
+          </a:blip>
+          <a:stretch>
+            <a:fillRect/>
+          </a:stretch>
+        </p:blipFill>
+        <p:spPr>
+          <a:xfrm>
+            <a:off x="7139145" y="3575790"/>
+            <a:ext cx="379633" cy="143417"/>
+          </a:xfrm>
+          <a:prstGeom prst="rect">
+            <a:avLst/>
+          </a:prstGeom>
+        </p:spPr>
+      </p:pic>
+      <p:pic>
+        <p:nvPicPr>
+          <p:cNvPr id="59" name="Picture 58">
+            <a:extLst>
+              <a:ext uri="{FF2B5EF4-FFF2-40B4-BE49-F238E27FC236}">
+                <a16:creationId xmlns:a16="http://schemas.microsoft.com/office/drawing/2014/main" id="{4D4E38D8-A746-0E4B-B7EA-DCAFD394CD60}"/>
+              </a:ext>
+            </a:extLst>
+          </p:cNvPr>
+          <p:cNvPicPr>
+            <a:picLocks noChangeAspect="1"/>
+          </p:cNvPicPr>
+          <p:nvPr/>
+        </p:nvPicPr>
+        <p:blipFill>
+          <a:blip r:embed="rId5">
+            <a:extLst>
+              <a:ext uri="{28A0092B-C50C-407E-A947-70E740481C1C}">
+                <a14:useLocalDpi xmlns:a14="http://schemas.microsoft.com/office/drawing/2010/main" val="0"/>
+              </a:ext>
+            </a:extLst>
+          </a:blip>
+          <a:stretch>
+            <a:fillRect/>
+          </a:stretch>
+        </p:blipFill>
+        <p:spPr>
+          <a:xfrm>
+            <a:off x="6994491" y="3766320"/>
+            <a:ext cx="617329" cy="108624"/>
+          </a:xfrm>
+          <a:prstGeom prst="rect">
+            <a:avLst/>
+          </a:prstGeom>
+        </p:spPr>
+      </p:pic>
+      <p:pic>
+        <p:nvPicPr>
+          <p:cNvPr id="60" name="Picture 59">
+            <a:extLst>
+              <a:ext uri="{FF2B5EF4-FFF2-40B4-BE49-F238E27FC236}">
+                <a16:creationId xmlns:a16="http://schemas.microsoft.com/office/drawing/2014/main" id="{085D4D38-8CCC-4A49-B790-9C68A10736DC}"/>
+              </a:ext>
+            </a:extLst>
+          </p:cNvPr>
+          <p:cNvPicPr>
+            <a:picLocks noChangeAspect="1"/>
+          </p:cNvPicPr>
+          <p:nvPr/>
+        </p:nvPicPr>
+        <p:blipFill>
+          <a:blip r:embed="rId6">
+            <a:extLst>
+              <a:ext uri="{28A0092B-C50C-407E-A947-70E740481C1C}">
+                <a14:useLocalDpi xmlns:a14="http://schemas.microsoft.com/office/drawing/2010/main" val="0"/>
+              </a:ext>
+            </a:extLst>
+          </a:blip>
+          <a:stretch>
+            <a:fillRect/>
+          </a:stretch>
+        </p:blipFill>
+        <p:spPr>
+          <a:xfrm>
+            <a:off x="7112349" y="3844188"/>
+            <a:ext cx="433226" cy="231054"/>
+          </a:xfrm>
+          <a:prstGeom prst="rect">
+            <a:avLst/>
+          </a:prstGeom>
+        </p:spPr>
+      </p:pic>
+      <p:sp>
+        <p:nvSpPr>
+          <p:cNvPr id="3" name="Rectangle 2">
+            <a:extLst>
+              <a:ext uri="{FF2B5EF4-FFF2-40B4-BE49-F238E27FC236}">
+                <a16:creationId xmlns:a16="http://schemas.microsoft.com/office/drawing/2014/main" id="{34336906-E4A9-A844-8ADC-B2C3D8F5F9D2}"/>
+              </a:ext>
+            </a:extLst>
+          </p:cNvPr>
+          <p:cNvSpPr/>
+          <p:nvPr/>
+        </p:nvSpPr>
+        <p:spPr>
+          <a:xfrm>
+            <a:off x="6697723" y="3256365"/>
+            <a:ext cx="1287532" cy="369332"/>
+          </a:xfrm>
+          <a:prstGeom prst="rect">
+            <a:avLst/>
+          </a:prstGeom>
+        </p:spPr>
+        <p:txBody>
+          <a:bodyPr wrap="none">
+            <a:spAutoFit/>
+          </a:bodyPr>
+          <a:lstStyle/>
+          <a:p>
+            <a:r>
+              <a:rPr lang="en-US" sz="1800" b="1" dirty="0">
+                <a:solidFill>
+                  <a:srgbClr val="000000"/>
+                </a:solidFill>
+              </a:rPr>
+              <a:t>Authors:v1</a:t>
+            </a:r>
+            <a:endParaRPr lang="en-US" sz="1800" dirty="0"/>
+          </a:p>
+        </p:txBody>
+      </p:sp>
+      <p:sp>
+        <p:nvSpPr>
+          <p:cNvPr id="5" name="TextBox 4">
+            <a:extLst>
+              <a:ext uri="{FF2B5EF4-FFF2-40B4-BE49-F238E27FC236}">
+                <a16:creationId xmlns:a16="http://schemas.microsoft.com/office/drawing/2014/main" id="{40839A99-2FB2-EB47-B02E-6BBA11DA87E3}"/>
+              </a:ext>
+            </a:extLst>
+          </p:cNvPr>
+          <p:cNvSpPr txBox="1"/>
+          <p:nvPr/>
+        </p:nvSpPr>
+        <p:spPr>
+          <a:xfrm>
+            <a:off x="3159721" y="3330872"/>
+            <a:ext cx="895276" cy="294791"/>
+          </a:xfrm>
+          <a:prstGeom prst="rect">
+            <a:avLst/>
+          </a:prstGeom>
+          <a:noFill/>
+          <a:ln w="3175" cap="flat">
+            <a:noFill/>
+            <a:miter lim="400000"/>
+          </a:ln>
+          <a:effectLst/>
+        </p:spPr>
+        <p:style>
+          <a:lnRef idx="0">
+            <a:scrgbClr r="0" g="0" b="0"/>
+          </a:lnRef>
+          <a:fillRef idx="0">
+            <a:scrgbClr r="0" g="0" b="0"/>
+          </a:fillRef>
+          <a:effectRef idx="0">
+            <a:scrgbClr r="0" g="0" b="0"/>
+          </a:effectRef>
+          <a:fontRef idx="none"/>
+        </p:style>
+        <p:txBody>
+          <a:bodyPr rot="0" spcFirstLastPara="1" vertOverflow="overflow" horzOverflow="overflow" vert="horz" wrap="none" lIns="39290" tIns="39290" rIns="39290" bIns="39290" numCol="1" spcCol="38100" rtlCol="0" anchor="ctr">
+            <a:spAutoFit/>
+          </a:bodyPr>
+          <a:lstStyle/>
+          <a:p>
+            <a:pPr marL="0" marR="0" indent="0" algn="ctr" defTabSz="584200" rtl="0" fontAlgn="auto" latinLnBrk="1" hangingPunct="0">
+              <a:lnSpc>
+                <a:spcPct val="100000"/>
+              </a:lnSpc>
+              <a:spcBef>
+                <a:spcPts val="0"/>
+              </a:spcBef>
+              <a:spcAft>
+                <a:spcPts val="0"/>
+              </a:spcAft>
+              <a:buClrTx/>
+              <a:buSzTx/>
+              <a:buFontTx/>
+              <a:buNone/>
+              <a:tabLst/>
+            </a:pPr>
+            <a:r>
+              <a:rPr kumimoji="0" lang="en-US" sz="1400" b="1" i="0" u="none" strike="noStrike" cap="none" spc="0" normalizeH="0" baseline="0" dirty="0">
+                <a:ln>
+                  <a:noFill/>
+                </a:ln>
+                <a:solidFill>
+                  <a:schemeClr val="accent2"/>
+                </a:solidFill>
+                <a:effectLst/>
+                <a:uFillTx/>
+                <a:latin typeface="+mn-lt"/>
+                <a:ea typeface="+mn-ea"/>
+                <a:cs typeface="+mn-cs"/>
+                <a:sym typeface="Helvetica Light"/>
+              </a:rPr>
+              <a:t>Port: 3000</a:t>
+            </a:r>
+          </a:p>
+        </p:txBody>
+      </p:sp>
+      <p:pic>
+        <p:nvPicPr>
+          <p:cNvPr id="44" name="Picture 43">
+            <a:extLst>
+              <a:ext uri="{FF2B5EF4-FFF2-40B4-BE49-F238E27FC236}">
+                <a16:creationId xmlns:a16="http://schemas.microsoft.com/office/drawing/2014/main" id="{036FC222-EBD8-B749-9959-72A0B9B7EECA}"/>
+              </a:ext>
+            </a:extLst>
+          </p:cNvPr>
+          <p:cNvPicPr>
+            <a:picLocks noChangeAspect="1"/>
+          </p:cNvPicPr>
+          <p:nvPr/>
+        </p:nvPicPr>
+        <p:blipFill>
+          <a:blip r:embed="rId7"/>
+          <a:stretch>
+            <a:fillRect/>
+          </a:stretch>
+        </p:blipFill>
+        <p:spPr>
+          <a:xfrm>
+            <a:off x="597908" y="980052"/>
+            <a:ext cx="1067513" cy="1147863"/>
+          </a:xfrm>
+          <a:prstGeom prst="rect">
+            <a:avLst/>
+          </a:prstGeom>
+        </p:spPr>
+      </p:pic>
+      <p:sp>
+        <p:nvSpPr>
+          <p:cNvPr id="50" name="Rounded Rectangle 49">
+            <a:extLst>
+              <a:ext uri="{FF2B5EF4-FFF2-40B4-BE49-F238E27FC236}">
+                <a16:creationId xmlns:a16="http://schemas.microsoft.com/office/drawing/2014/main" id="{A8008F2C-D459-5448-8414-53BF6A345107}"/>
+              </a:ext>
+            </a:extLst>
+          </p:cNvPr>
+          <p:cNvSpPr/>
+          <p:nvPr/>
+        </p:nvSpPr>
+        <p:spPr>
+          <a:xfrm>
+            <a:off x="1991258" y="2919983"/>
+            <a:ext cx="815837" cy="852554"/>
+          </a:xfrm>
+          <a:prstGeom prst="roundRect">
+            <a:avLst/>
+          </a:prstGeom>
+          <a:ln w="25400">
+            <a:solidFill>
+              <a:srgbClr val="4277BB"/>
+            </a:solidFill>
+            <a:miter lim="400000"/>
+          </a:ln>
+        </p:spPr>
+        <p:txBody>
+          <a:bodyPr lIns="0" tIns="0" rIns="0" bIns="0" rtlCol="0" anchor="ctr"/>
+          <a:lstStyle/>
+          <a:p>
+            <a:pPr algn="l"/>
+            <a:endParaRPr lang="en-US" sz="1800" dirty="0">
+              <a:solidFill>
+                <a:schemeClr val="tx1"/>
+              </a:solidFill>
+            </a:endParaRPr>
+          </a:p>
+        </p:txBody>
+      </p:sp>
+      <p:sp>
+        <p:nvSpPr>
+          <p:cNvPr id="52" name="TextBox 51">
+            <a:extLst>
+              <a:ext uri="{FF2B5EF4-FFF2-40B4-BE49-F238E27FC236}">
+                <a16:creationId xmlns:a16="http://schemas.microsoft.com/office/drawing/2014/main" id="{CBA7EC6E-A269-244C-8A74-5B50C19BE42C}"/>
+              </a:ext>
+            </a:extLst>
+          </p:cNvPr>
+          <p:cNvSpPr txBox="1"/>
+          <p:nvPr/>
+        </p:nvSpPr>
+        <p:spPr>
+          <a:xfrm>
+            <a:off x="1931836" y="2940453"/>
+            <a:ext cx="876190" cy="325569"/>
+          </a:xfrm>
+          <a:prstGeom prst="rect">
+            <a:avLst/>
+          </a:prstGeom>
+          <a:noFill/>
+          <a:ln w="3175" cap="flat">
+            <a:noFill/>
+            <a:miter lim="400000"/>
+          </a:ln>
+          <a:effectLst/>
+        </p:spPr>
+        <p:style>
+          <a:lnRef idx="0">
+            <a:scrgbClr r="0" g="0" b="0"/>
+          </a:lnRef>
+          <a:fillRef idx="0">
+            <a:scrgbClr r="0" g="0" b="0"/>
+          </a:fillRef>
+          <a:effectRef idx="0">
+            <a:scrgbClr r="0" g="0" b="0"/>
+          </a:effectRef>
+          <a:fontRef idx="none"/>
+        </p:style>
+        <p:txBody>
+          <a:bodyPr rot="0" spcFirstLastPara="1" vertOverflow="overflow" horzOverflow="overflow" vert="horz" wrap="square" lIns="39290" tIns="39290" rIns="39290" bIns="39290" numCol="1" spcCol="38100" rtlCol="0" anchor="ctr">
+            <a:spAutoFit/>
+          </a:bodyPr>
+          <a:lstStyle>
+            <a:lvl1pPr marL="0" marR="0" indent="0" rtl="0" fontAlgn="auto" latinLnBrk="1" hangingPunct="0">
+              <a:lnSpc>
+                <a:spcPct val="100000"/>
+              </a:lnSpc>
+              <a:spcBef>
+                <a:spcPts val="0"/>
+              </a:spcBef>
+              <a:spcAft>
+                <a:spcPts val="0"/>
+              </a:spcAft>
+              <a:buClrTx/>
+              <a:buSzTx/>
+              <a:buFontTx/>
+              <a:buNone/>
+              <a:tabLst/>
+              <a:defRPr sz="1600">
+                <a:solidFill>
+                  <a:srgbClr val="000000"/>
+                </a:solidFill>
+              </a:defRPr>
+            </a:lvl1pPr>
+          </a:lstStyle>
+          <a:p>
+            <a:r>
+              <a:rPr lang="en-US" dirty="0"/>
+              <a:t>Service</a:t>
+            </a:r>
+          </a:p>
+        </p:txBody>
+      </p:sp>
+      <p:cxnSp>
+        <p:nvCxnSpPr>
+          <p:cNvPr id="55" name="Straight Arrow Connector 62">
+            <a:extLst>
+              <a:ext uri="{FF2B5EF4-FFF2-40B4-BE49-F238E27FC236}">
+                <a16:creationId xmlns:a16="http://schemas.microsoft.com/office/drawing/2014/main" id="{E84B3238-CEC5-EE4D-A088-92B39E1B102B}"/>
+              </a:ext>
+            </a:extLst>
+          </p:cNvPr>
+          <p:cNvCxnSpPr>
+            <a:cxnSpLocks/>
+            <a:stCxn id="50" idx="3"/>
+            <a:endCxn id="68" idx="1"/>
+          </p:cNvCxnSpPr>
+          <p:nvPr/>
+        </p:nvCxnSpPr>
+        <p:spPr>
+          <a:xfrm flipV="1">
+            <a:off x="2807095" y="3330872"/>
+            <a:ext cx="296666" cy="15388"/>
+          </a:xfrm>
+          <a:prstGeom prst="straightConnector1">
+            <a:avLst/>
+          </a:prstGeom>
+          <a:noFill/>
+          <a:ln w="38100" cap="flat" cmpd="sng">
+            <a:solidFill>
+              <a:schemeClr val="bg1">
+                <a:lumMod val="85000"/>
+              </a:schemeClr>
+            </a:solidFill>
+            <a:prstDash val="solid"/>
+            <a:miter lim="400000"/>
+            <a:headEnd type="none"/>
+            <a:tailEnd type="triangle"/>
+          </a:ln>
+          <a:effectLst/>
+        </p:spPr>
+        <p:style>
+          <a:lnRef idx="0">
+            <a:scrgbClr r="0" g="0" b="0"/>
+          </a:lnRef>
+          <a:fillRef idx="0">
+            <a:scrgbClr r="0" g="0" b="0"/>
+          </a:fillRef>
+          <a:effectRef idx="0">
+            <a:scrgbClr r="0" g="0" b="0"/>
+          </a:effectRef>
+          <a:fontRef idx="none"/>
+        </p:style>
+      </p:cxnSp>
+      <p:sp>
+        <p:nvSpPr>
+          <p:cNvPr id="57" name="TextBox 56">
+            <a:extLst>
+              <a:ext uri="{FF2B5EF4-FFF2-40B4-BE49-F238E27FC236}">
+                <a16:creationId xmlns:a16="http://schemas.microsoft.com/office/drawing/2014/main" id="{10B9255A-02D4-7543-A810-E55B2DAAB2F5}"/>
+              </a:ext>
+            </a:extLst>
+          </p:cNvPr>
+          <p:cNvSpPr txBox="1"/>
+          <p:nvPr/>
+        </p:nvSpPr>
+        <p:spPr>
+          <a:xfrm>
+            <a:off x="3167110" y="3554913"/>
+            <a:ext cx="637192" cy="294791"/>
+          </a:xfrm>
+          <a:prstGeom prst="rect">
+            <a:avLst/>
+          </a:prstGeom>
+          <a:noFill/>
+          <a:ln w="3175" cap="flat">
+            <a:noFill/>
+            <a:miter lim="400000"/>
+          </a:ln>
+          <a:effectLst/>
+        </p:spPr>
+        <p:style>
+          <a:lnRef idx="0">
+            <a:scrgbClr r="0" g="0" b="0"/>
+          </a:lnRef>
+          <a:fillRef idx="0">
+            <a:scrgbClr r="0" g="0" b="0"/>
+          </a:fillRef>
+          <a:effectRef idx="0">
+            <a:scrgbClr r="0" g="0" b="0"/>
+          </a:effectRef>
+          <a:fontRef idx="none"/>
+        </p:style>
+        <p:txBody>
+          <a:bodyPr rot="0" spcFirstLastPara="1" vertOverflow="overflow" horzOverflow="overflow" vert="horz" wrap="none" lIns="39290" tIns="39290" rIns="39290" bIns="39290" numCol="1" spcCol="38100" rtlCol="0" anchor="ctr">
+            <a:spAutoFit/>
+          </a:bodyPr>
+          <a:lstStyle/>
+          <a:p>
+            <a:pPr marL="0" marR="0" indent="0" algn="ctr" defTabSz="584200" rtl="0" fontAlgn="auto" latinLnBrk="1" hangingPunct="0">
+              <a:lnSpc>
+                <a:spcPct val="100000"/>
+              </a:lnSpc>
+              <a:spcBef>
+                <a:spcPts val="0"/>
+              </a:spcBef>
+              <a:spcAft>
+                <a:spcPts val="0"/>
+              </a:spcAft>
+              <a:buClrTx/>
+              <a:buSzTx/>
+              <a:buFontTx/>
+              <a:buNone/>
+              <a:tabLst/>
+            </a:pPr>
+            <a:r>
+              <a:rPr kumimoji="0" lang="en-US" sz="1400" b="1" i="0" u="none" strike="noStrike" cap="none" spc="0" normalizeH="0" baseline="0" dirty="0">
+                <a:ln>
+                  <a:noFill/>
+                </a:ln>
+                <a:solidFill>
+                  <a:schemeClr val="accent2"/>
+                </a:solidFill>
+                <a:effectLst/>
+                <a:uFillTx/>
+                <a:latin typeface="+mn-lt"/>
+                <a:ea typeface="+mn-ea"/>
+                <a:cs typeface="+mn-cs"/>
+                <a:sym typeface="Helvetica Light"/>
+              </a:rPr>
+              <a:t>Image:</a:t>
+            </a:r>
+          </a:p>
+        </p:txBody>
+      </p:sp>
+      <p:cxnSp>
+        <p:nvCxnSpPr>
+          <p:cNvPr id="67" name="Straight Arrow Connector 62">
+            <a:extLst>
+              <a:ext uri="{FF2B5EF4-FFF2-40B4-BE49-F238E27FC236}">
+                <a16:creationId xmlns:a16="http://schemas.microsoft.com/office/drawing/2014/main" id="{7A688BFC-4BFA-0F44-8FBD-C3E664514EC6}"/>
+              </a:ext>
+            </a:extLst>
+          </p:cNvPr>
+          <p:cNvCxnSpPr>
+            <a:cxnSpLocks/>
+          </p:cNvCxnSpPr>
+          <p:nvPr/>
+        </p:nvCxnSpPr>
+        <p:spPr>
+          <a:xfrm>
+            <a:off x="3974188" y="3692024"/>
+            <a:ext cx="2559428" cy="7685"/>
+          </a:xfrm>
+          <a:prstGeom prst="straightConnector1">
+            <a:avLst/>
+          </a:prstGeom>
+          <a:noFill/>
+          <a:ln w="38100" cap="flat" cmpd="sng">
+            <a:solidFill>
+              <a:schemeClr val="bg1">
+                <a:lumMod val="85000"/>
+              </a:schemeClr>
+            </a:solidFill>
+            <a:prstDash val="solid"/>
+            <a:miter lim="400000"/>
+            <a:headEnd type="none"/>
+            <a:tailEnd type="triangle"/>
+          </a:ln>
+          <a:effectLst/>
+        </p:spPr>
+        <p:style>
+          <a:lnRef idx="0">
+            <a:scrgbClr r="0" g="0" b="0"/>
+          </a:lnRef>
+          <a:fillRef idx="0">
+            <a:scrgbClr r="0" g="0" b="0"/>
+          </a:fillRef>
+          <a:effectRef idx="0">
+            <a:scrgbClr r="0" g="0" b="0"/>
+          </a:effectRef>
+          <a:fontRef idx="none"/>
+        </p:style>
+      </p:cxnSp>
+      <p:sp>
+        <p:nvSpPr>
+          <p:cNvPr id="14" name="Rectangle 13">
+            <a:extLst>
+              <a:ext uri="{FF2B5EF4-FFF2-40B4-BE49-F238E27FC236}">
+                <a16:creationId xmlns:a16="http://schemas.microsoft.com/office/drawing/2014/main" id="{5580F972-AFD8-DF42-87D0-94A8D3E30D50}"/>
+              </a:ext>
+            </a:extLst>
+          </p:cNvPr>
+          <p:cNvSpPr/>
+          <p:nvPr/>
+        </p:nvSpPr>
+        <p:spPr>
+          <a:xfrm>
+            <a:off x="1922582" y="3221032"/>
+            <a:ext cx="950901" cy="325569"/>
+          </a:xfrm>
+          <a:prstGeom prst="rect">
+            <a:avLst/>
+          </a:prstGeom>
+          <a:noFill/>
+          <a:ln w="3175" cap="flat">
+            <a:noFill/>
+            <a:miter lim="400000"/>
+          </a:ln>
+          <a:effectLst/>
+        </p:spPr>
+        <p:style>
+          <a:lnRef idx="0">
+            <a:scrgbClr r="0" g="0" b="0"/>
+          </a:lnRef>
+          <a:fillRef idx="0">
+            <a:scrgbClr r="0" g="0" b="0"/>
+          </a:fillRef>
+          <a:effectRef idx="0">
+            <a:scrgbClr r="0" g="0" b="0"/>
+          </a:effectRef>
+          <a:fontRef idx="none"/>
+        </p:style>
+        <p:txBody>
+          <a:bodyPr rot="0" spcFirstLastPara="1" vertOverflow="overflow" horzOverflow="overflow" vert="horz" wrap="square" lIns="39290" tIns="39290" rIns="39290" bIns="39290" numCol="1" spcCol="38100" rtlCol="0" anchor="ctr">
+            <a:spAutoFit/>
+          </a:bodyPr>
+          <a:lstStyle/>
+          <a:p>
+            <a:pPr rtl="0" latinLnBrk="1" hangingPunct="0"/>
+            <a:r>
+              <a:rPr lang="en-US" sz="1600" b="1" dirty="0">
+                <a:solidFill>
+                  <a:schemeClr val="accent1"/>
+                </a:solidFill>
+              </a:rPr>
+              <a:t>Authors </a:t>
+            </a:r>
+          </a:p>
+        </p:txBody>
+      </p:sp>
+    </p:spTree>
+    <p:extLst>
+      <p:ext uri="{BB962C8B-B14F-4D97-AF65-F5344CB8AC3E}">
+        <p14:creationId xmlns:p14="http://schemas.microsoft.com/office/powerpoint/2010/main" val="3235095858"/>
+      </p:ext>
+    </p:extLst>
+  </p:cSld>
+  <p:clrMapOvr>
+    <a:masterClrMapping/>
+  </p:clrMapOvr>
+  <p:transition spd="med"/>
+</p:sld>
+</file>
+
+<file path=ppt/slides/slide21.xml><?xml version="1.0" encoding="utf-8"?>
+<p:sld xmlns:a="http://schemas.openxmlformats.org/drawingml/2006/main" xmlns:r="http://schemas.openxmlformats.org/officeDocument/2006/relationships" xmlns:p="http://schemas.openxmlformats.org/presentationml/2006/main">
+  <p:cSld>
+    <p:spTree>
+      <p:nvGrpSpPr>
+        <p:cNvPr id="1" name=""/>
+        <p:cNvGrpSpPr/>
+        <p:nvPr/>
+      </p:nvGrpSpPr>
+      <p:grpSpPr>
+        <a:xfrm>
+          <a:off x="0" y="0"/>
+          <a:ext cx="0" cy="0"/>
+          <a:chOff x="0" y="0"/>
+          <a:chExt cx="0" cy="0"/>
+        </a:xfrm>
+      </p:grpSpPr>
+      <p:sp>
+        <p:nvSpPr>
+          <p:cNvPr id="6" name="Rounded Rectangle 5">
+            <a:extLst>
+              <a:ext uri="{FF2B5EF4-FFF2-40B4-BE49-F238E27FC236}">
+                <a16:creationId xmlns:a16="http://schemas.microsoft.com/office/drawing/2014/main" id="{6DDECBDE-463B-D642-8BCB-66C7D546A3FA}"/>
+              </a:ext>
+            </a:extLst>
+          </p:cNvPr>
+          <p:cNvSpPr/>
+          <p:nvPr/>
+        </p:nvSpPr>
+        <p:spPr>
+          <a:xfrm>
+            <a:off x="6079901" y="2264929"/>
+            <a:ext cx="2171700" cy="2426676"/>
+          </a:xfrm>
+          <a:prstGeom prst="roundRect">
+            <a:avLst/>
+          </a:prstGeom>
+          <a:ln w="25400">
+            <a:solidFill>
+              <a:srgbClr val="4277BB"/>
+            </a:solidFill>
+            <a:miter lim="400000"/>
+          </a:ln>
+        </p:spPr>
+        <p:txBody>
+          <a:bodyPr lIns="0" tIns="0" rIns="0" bIns="0" rtlCol="0" anchor="ctr"/>
+          <a:lstStyle/>
+          <a:p>
+            <a:pPr algn="ctr"/>
+            <a:endParaRPr lang="en-US" sz="1800">
+              <a:solidFill>
+                <a:srgbClr val="4277BB"/>
+              </a:solidFill>
+            </a:endParaRPr>
+          </a:p>
+        </p:txBody>
+      </p:sp>
+      <p:pic>
+        <p:nvPicPr>
+          <p:cNvPr id="4" name="Picture 3">
+            <a:extLst>
+              <a:ext uri="{FF2B5EF4-FFF2-40B4-BE49-F238E27FC236}">
+                <a16:creationId xmlns:a16="http://schemas.microsoft.com/office/drawing/2014/main" id="{230E9969-4B67-3240-85AD-1302C355084D}"/>
+              </a:ext>
+            </a:extLst>
+          </p:cNvPr>
+          <p:cNvPicPr>
+            <a:picLocks noChangeAspect="1"/>
+          </p:cNvPicPr>
+          <p:nvPr/>
+        </p:nvPicPr>
+        <p:blipFill>
+          <a:blip r:embed="rId2"/>
+          <a:stretch>
+            <a:fillRect/>
+          </a:stretch>
+        </p:blipFill>
+        <p:spPr>
+          <a:xfrm>
+            <a:off x="5571901" y="1964036"/>
+            <a:ext cx="1016000" cy="1270000"/>
+          </a:xfrm>
+          <a:prstGeom prst="rect">
+            <a:avLst/>
+          </a:prstGeom>
+        </p:spPr>
+      </p:pic>
+      <p:sp>
+        <p:nvSpPr>
+          <p:cNvPr id="31" name="TextBox 30">
+            <a:extLst>
+              <a:ext uri="{FF2B5EF4-FFF2-40B4-BE49-F238E27FC236}">
+                <a16:creationId xmlns:a16="http://schemas.microsoft.com/office/drawing/2014/main" id="{C2FD3D45-3F06-9A4A-8497-DA1173D6B480}"/>
+              </a:ext>
+            </a:extLst>
+          </p:cNvPr>
+          <p:cNvSpPr txBox="1"/>
+          <p:nvPr/>
+        </p:nvSpPr>
+        <p:spPr>
+          <a:xfrm>
+            <a:off x="100797" y="59377"/>
+            <a:ext cx="1776928" cy="510235"/>
+          </a:xfrm>
+          <a:prstGeom prst="rect">
+            <a:avLst/>
+          </a:prstGeom>
+          <a:noFill/>
+          <a:ln w="3175" cap="flat">
+            <a:noFill/>
+            <a:miter lim="400000"/>
+          </a:ln>
+          <a:effectLst/>
+        </p:spPr>
+        <p:style>
+          <a:lnRef idx="0">
+            <a:scrgbClr r="0" g="0" b="0"/>
+          </a:lnRef>
+          <a:fillRef idx="0">
+            <a:scrgbClr r="0" g="0" b="0"/>
+          </a:fillRef>
+          <a:effectRef idx="0">
+            <a:scrgbClr r="0" g="0" b="0"/>
+          </a:effectRef>
+          <a:fontRef idx="none"/>
+        </p:style>
+        <p:txBody>
+          <a:bodyPr rot="0" spcFirstLastPara="1" vertOverflow="overflow" horzOverflow="overflow" vert="horz" wrap="none" lIns="39290" tIns="39290" rIns="39290" bIns="39290" numCol="1" spcCol="38100" rtlCol="0" anchor="ctr">
+            <a:spAutoFit/>
+          </a:bodyPr>
+          <a:lstStyle/>
+          <a:p>
+            <a:pPr marL="0" marR="0" indent="0" algn="ctr" defTabSz="584200" rtl="0" fontAlgn="auto" latinLnBrk="1" hangingPunct="0">
+              <a:lnSpc>
+                <a:spcPct val="100000"/>
+              </a:lnSpc>
+              <a:spcBef>
+                <a:spcPts val="0"/>
+              </a:spcBef>
+              <a:spcAft>
+                <a:spcPts val="0"/>
+              </a:spcAft>
+              <a:buClrTx/>
+              <a:buSzTx/>
+              <a:buFontTx/>
+              <a:buNone/>
+              <a:tabLst/>
+            </a:pPr>
+            <a:r>
+              <a:rPr kumimoji="0" lang="en-US" sz="2800" b="1" i="0" u="none" strike="noStrike" cap="none" spc="0" normalizeH="0" baseline="0">
+                <a:ln>
+                  <a:noFill/>
+                </a:ln>
+                <a:solidFill>
+                  <a:srgbClr val="000000"/>
+                </a:solidFill>
+                <a:effectLst/>
+                <a:uFillTx/>
+                <a:latin typeface="+mn-lt"/>
+                <a:ea typeface="+mn-ea"/>
+                <a:cs typeface="+mn-cs"/>
+                <a:sym typeface="Helvetica Light"/>
+              </a:rPr>
+              <a:t>IBM Cloud</a:t>
+            </a:r>
+          </a:p>
+        </p:txBody>
+      </p:sp>
+      <p:sp>
+        <p:nvSpPr>
+          <p:cNvPr id="58" name="Rounded Rectangle 57">
+            <a:extLst>
+              <a:ext uri="{FF2B5EF4-FFF2-40B4-BE49-F238E27FC236}">
+                <a16:creationId xmlns:a16="http://schemas.microsoft.com/office/drawing/2014/main" id="{74AC6CAB-6CF0-064E-82A7-C042A402770F}"/>
+              </a:ext>
+            </a:extLst>
+          </p:cNvPr>
+          <p:cNvSpPr/>
+          <p:nvPr/>
+        </p:nvSpPr>
+        <p:spPr>
+          <a:xfrm>
+            <a:off x="6587901" y="3250614"/>
+            <a:ext cx="1504776" cy="856685"/>
+          </a:xfrm>
+          <a:prstGeom prst="roundRect">
+            <a:avLst/>
+          </a:prstGeom>
+          <a:solidFill>
+            <a:srgbClr val="FFFFFF"/>
+          </a:solidFill>
+          <a:ln w="25400">
+            <a:solidFill>
+              <a:srgbClr val="4277BB"/>
+            </a:solidFill>
+            <a:miter lim="400000"/>
+          </a:ln>
+        </p:spPr>
+        <p:txBody>
+          <a:bodyPr lIns="0" tIns="0" rIns="0" bIns="0" rtlCol="0" anchor="ctr"/>
+          <a:lstStyle/>
+          <a:p>
+            <a:pPr algn="ctr"/>
+            <a:endParaRPr lang="en-US" sz="1800">
+              <a:solidFill>
+                <a:srgbClr val="4277BB"/>
+              </a:solidFill>
+            </a:endParaRPr>
+          </a:p>
+        </p:txBody>
+      </p:sp>
+      <p:sp>
+        <p:nvSpPr>
+          <p:cNvPr id="66" name="Rounded Rectangle 65">
+            <a:extLst>
+              <a:ext uri="{FF2B5EF4-FFF2-40B4-BE49-F238E27FC236}">
+                <a16:creationId xmlns:a16="http://schemas.microsoft.com/office/drawing/2014/main" id="{C4D50543-9EFD-2B42-9F96-9784F0AFD273}"/>
+              </a:ext>
+            </a:extLst>
+          </p:cNvPr>
+          <p:cNvSpPr/>
+          <p:nvPr/>
+        </p:nvSpPr>
+        <p:spPr>
+          <a:xfrm>
+            <a:off x="1362692" y="1627490"/>
+            <a:ext cx="3692834" cy="3656051"/>
+          </a:xfrm>
+          <a:prstGeom prst="roundRect">
+            <a:avLst/>
+          </a:prstGeom>
+          <a:ln w="25400">
+            <a:solidFill>
+              <a:srgbClr val="4277BB"/>
+            </a:solidFill>
+            <a:miter lim="400000"/>
+          </a:ln>
+        </p:spPr>
+        <p:txBody>
+          <a:bodyPr lIns="0" tIns="0" rIns="0" bIns="0" rtlCol="0" anchor="ctr"/>
+          <a:lstStyle/>
+          <a:p>
+            <a:pPr algn="ctr"/>
+            <a:endParaRPr lang="en-US" sz="1800">
+              <a:solidFill>
+                <a:srgbClr val="4277BB"/>
+              </a:solidFill>
+            </a:endParaRPr>
+          </a:p>
+        </p:txBody>
+      </p:sp>
+      <p:sp>
+        <p:nvSpPr>
+          <p:cNvPr id="68" name="Rounded Rectangle 67">
+            <a:extLst>
+              <a:ext uri="{FF2B5EF4-FFF2-40B4-BE49-F238E27FC236}">
+                <a16:creationId xmlns:a16="http://schemas.microsoft.com/office/drawing/2014/main" id="{7D22E891-E651-C343-B98D-45B362624281}"/>
+              </a:ext>
+            </a:extLst>
+          </p:cNvPr>
+          <p:cNvSpPr/>
+          <p:nvPr/>
+        </p:nvSpPr>
+        <p:spPr>
+          <a:xfrm>
+            <a:off x="3103761" y="2503347"/>
+            <a:ext cx="1747977" cy="1655049"/>
+          </a:xfrm>
+          <a:prstGeom prst="roundRect">
+            <a:avLst/>
+          </a:prstGeom>
+          <a:ln w="25400">
+            <a:solidFill>
+              <a:srgbClr val="4277BB"/>
+            </a:solidFill>
+            <a:miter lim="400000"/>
+          </a:ln>
+        </p:spPr>
+        <p:txBody>
+          <a:bodyPr lIns="0" tIns="0" rIns="0" bIns="0" rtlCol="0" anchor="ctr"/>
+          <a:lstStyle/>
+          <a:p>
+            <a:pPr algn="ctr"/>
+            <a:endParaRPr lang="en-US" sz="1800">
+              <a:solidFill>
+                <a:srgbClr val="4277BB"/>
+              </a:solidFill>
+            </a:endParaRPr>
+          </a:p>
+        </p:txBody>
+      </p:sp>
+      <p:sp>
+        <p:nvSpPr>
+          <p:cNvPr id="71" name="TextBox 70">
+            <a:extLst>
+              <a:ext uri="{FF2B5EF4-FFF2-40B4-BE49-F238E27FC236}">
+                <a16:creationId xmlns:a16="http://schemas.microsoft.com/office/drawing/2014/main" id="{8B311B05-6EBE-454F-B94C-E5CC8C1AE15B}"/>
+              </a:ext>
+            </a:extLst>
+          </p:cNvPr>
+          <p:cNvSpPr txBox="1"/>
+          <p:nvPr/>
+        </p:nvSpPr>
+        <p:spPr>
+          <a:xfrm>
+            <a:off x="3071035" y="2581906"/>
+            <a:ext cx="718946" cy="325569"/>
+          </a:xfrm>
+          <a:prstGeom prst="rect">
+            <a:avLst/>
+          </a:prstGeom>
+          <a:noFill/>
+          <a:ln w="3175" cap="flat">
+            <a:noFill/>
+            <a:miter lim="400000"/>
+          </a:ln>
+          <a:effectLst/>
+        </p:spPr>
+        <p:style>
+          <a:lnRef idx="0">
+            <a:scrgbClr r="0" g="0" b="0"/>
+          </a:lnRef>
+          <a:fillRef idx="0">
+            <a:scrgbClr r="0" g="0" b="0"/>
+          </a:fillRef>
+          <a:effectRef idx="0">
+            <a:scrgbClr r="0" g="0" b="0"/>
+          </a:effectRef>
+          <a:fontRef idx="none"/>
+        </p:style>
+        <p:txBody>
+          <a:bodyPr rot="0" spcFirstLastPara="1" vertOverflow="overflow" horzOverflow="overflow" vert="horz" wrap="square" lIns="39290" tIns="39290" rIns="39290" bIns="39290" numCol="1" spcCol="38100" rtlCol="0" anchor="ctr">
+            <a:spAutoFit/>
+          </a:bodyPr>
+          <a:lstStyle/>
+          <a:p>
+            <a:pPr marL="0" marR="0" indent="0" algn="ctr" defTabSz="584200" rtl="0" fontAlgn="auto" latinLnBrk="1" hangingPunct="0">
+              <a:lnSpc>
+                <a:spcPct val="100000"/>
+              </a:lnSpc>
+              <a:spcBef>
+                <a:spcPts val="0"/>
+              </a:spcBef>
+              <a:spcAft>
+                <a:spcPts val="0"/>
+              </a:spcAft>
+              <a:buClrTx/>
+              <a:buSzTx/>
+              <a:buFontTx/>
+              <a:buNone/>
+              <a:tabLst/>
+            </a:pPr>
+            <a:r>
+              <a:rPr lang="en-US" sz="1600">
+                <a:solidFill>
+                  <a:srgbClr val="000000"/>
+                </a:solidFill>
+              </a:rPr>
+              <a:t>P</a:t>
+            </a:r>
+            <a:r>
+              <a:rPr kumimoji="0" lang="en-US" sz="1600" b="0" i="0" u="none" strike="noStrike" cap="none" spc="0" normalizeH="0" baseline="0">
+                <a:ln>
+                  <a:noFill/>
+                </a:ln>
+                <a:solidFill>
+                  <a:srgbClr val="000000"/>
+                </a:solidFill>
+                <a:effectLst/>
+                <a:uFillTx/>
+                <a:latin typeface="+mn-lt"/>
+                <a:ea typeface="+mn-ea"/>
+                <a:cs typeface="+mn-cs"/>
+                <a:sym typeface="Helvetica Light"/>
+              </a:rPr>
+              <a:t>od</a:t>
+            </a:r>
+          </a:p>
+        </p:txBody>
+      </p:sp>
+      <p:sp>
+        <p:nvSpPr>
+          <p:cNvPr id="74" name="TextBox 73">
+            <a:extLst>
+              <a:ext uri="{FF2B5EF4-FFF2-40B4-BE49-F238E27FC236}">
+                <a16:creationId xmlns:a16="http://schemas.microsoft.com/office/drawing/2014/main" id="{9598825F-B14D-C748-AB12-175AD309F87E}"/>
+              </a:ext>
+            </a:extLst>
+          </p:cNvPr>
+          <p:cNvSpPr txBox="1"/>
+          <p:nvPr/>
+        </p:nvSpPr>
+        <p:spPr>
+          <a:xfrm>
+            <a:off x="3106708" y="2858231"/>
+            <a:ext cx="1240887" cy="325569"/>
+          </a:xfrm>
+          <a:prstGeom prst="rect">
+            <a:avLst/>
+          </a:prstGeom>
+          <a:noFill/>
+          <a:ln w="3175" cap="flat">
+            <a:noFill/>
+            <a:miter lim="400000"/>
+          </a:ln>
+          <a:effectLst/>
+        </p:spPr>
+        <p:style>
+          <a:lnRef idx="0">
+            <a:scrgbClr r="0" g="0" b="0"/>
+          </a:lnRef>
+          <a:fillRef idx="0">
+            <a:scrgbClr r="0" g="0" b="0"/>
+          </a:fillRef>
+          <a:effectRef idx="0">
+            <a:scrgbClr r="0" g="0" b="0"/>
+          </a:effectRef>
+          <a:fontRef idx="none"/>
+        </p:style>
+        <p:txBody>
+          <a:bodyPr rot="0" spcFirstLastPara="1" vertOverflow="overflow" horzOverflow="overflow" vert="horz" wrap="square" lIns="39290" tIns="39290" rIns="39290" bIns="39290" numCol="1" spcCol="38100" rtlCol="0" anchor="ctr">
+            <a:spAutoFit/>
+          </a:bodyPr>
+          <a:lstStyle/>
+          <a:p>
+            <a:pPr rtl="0" latinLnBrk="1" hangingPunct="0"/>
+            <a:r>
+              <a:rPr lang="en-US" sz="1600" b="1" dirty="0">
+                <a:solidFill>
+                  <a:schemeClr val="accent1"/>
+                </a:solidFill>
+              </a:rPr>
+              <a:t>Authors v1  </a:t>
+            </a:r>
+            <a:endParaRPr kumimoji="0" lang="en-US" sz="1050" b="1" i="0" u="none" strike="noStrike" cap="none" spc="0" normalizeH="0" baseline="0" dirty="0">
+              <a:ln>
+                <a:noFill/>
+              </a:ln>
+              <a:solidFill>
+                <a:schemeClr val="accent1"/>
+              </a:solidFill>
+              <a:effectLst/>
+              <a:uFillTx/>
+              <a:sym typeface="Helvetica Light"/>
+            </a:endParaRPr>
+          </a:p>
+        </p:txBody>
+      </p:sp>
+      <p:pic>
+        <p:nvPicPr>
+          <p:cNvPr id="76" name="Picture 75">
+            <a:extLst>
+              <a:ext uri="{FF2B5EF4-FFF2-40B4-BE49-F238E27FC236}">
+                <a16:creationId xmlns:a16="http://schemas.microsoft.com/office/drawing/2014/main" id="{F85C06C8-3222-8644-8A74-8D8D1E49740C}"/>
+              </a:ext>
+            </a:extLst>
+          </p:cNvPr>
+          <p:cNvPicPr>
+            <a:picLocks noChangeAspect="1"/>
+          </p:cNvPicPr>
+          <p:nvPr/>
+        </p:nvPicPr>
+        <p:blipFill>
+          <a:blip r:embed="rId3">
+            <a:extLst>
+              <a:ext uri="{28A0092B-C50C-407E-A947-70E740481C1C}">
+                <a14:useLocalDpi xmlns:a14="http://schemas.microsoft.com/office/drawing/2010/main" val="0"/>
+              </a:ext>
+            </a:extLst>
+          </a:blip>
+          <a:stretch>
+            <a:fillRect/>
+          </a:stretch>
+        </p:blipFill>
+        <p:spPr>
+          <a:xfrm>
+            <a:off x="4356502" y="1756688"/>
+            <a:ext cx="452515" cy="452515"/>
+          </a:xfrm>
+          <a:prstGeom prst="rect">
+            <a:avLst/>
+          </a:prstGeom>
+        </p:spPr>
+      </p:pic>
+      <p:sp>
+        <p:nvSpPr>
+          <p:cNvPr id="77" name="TextBox 76">
+            <a:extLst>
+              <a:ext uri="{FF2B5EF4-FFF2-40B4-BE49-F238E27FC236}">
+                <a16:creationId xmlns:a16="http://schemas.microsoft.com/office/drawing/2014/main" id="{167E1B1A-4B2A-3849-876C-BB7C8DA5D2D1}"/>
+              </a:ext>
+            </a:extLst>
+          </p:cNvPr>
+          <p:cNvSpPr txBox="1"/>
+          <p:nvPr/>
+        </p:nvSpPr>
+        <p:spPr>
+          <a:xfrm>
+            <a:off x="3974188" y="1879904"/>
+            <a:ext cx="537249" cy="240930"/>
+          </a:xfrm>
+          <a:prstGeom prst="rect">
+            <a:avLst/>
+          </a:prstGeom>
+          <a:noFill/>
+          <a:ln w="3175" cap="flat">
+            <a:noFill/>
+            <a:miter lim="400000"/>
+          </a:ln>
+          <a:effectLst/>
+        </p:spPr>
+        <p:style>
+          <a:lnRef idx="0">
+            <a:scrgbClr r="0" g="0" b="0"/>
+          </a:lnRef>
+          <a:fillRef idx="0">
+            <a:scrgbClr r="0" g="0" b="0"/>
+          </a:fillRef>
+          <a:effectRef idx="0">
+            <a:scrgbClr r="0" g="0" b="0"/>
+          </a:effectRef>
+          <a:fontRef idx="none"/>
+        </p:style>
+        <p:txBody>
+          <a:bodyPr rot="0" spcFirstLastPara="1" vertOverflow="overflow" horzOverflow="overflow" vert="horz" wrap="square" lIns="39290" tIns="39290" rIns="39290" bIns="39290" numCol="1" spcCol="38100" rtlCol="0" anchor="ctr">
+            <a:spAutoFit/>
+          </a:bodyPr>
+          <a:lstStyle/>
+          <a:p>
+            <a:pPr marL="0" marR="0" indent="0" algn="ctr" defTabSz="584200" rtl="0" fontAlgn="auto" latinLnBrk="1" hangingPunct="0">
+              <a:lnSpc>
+                <a:spcPct val="100000"/>
+              </a:lnSpc>
+              <a:spcBef>
+                <a:spcPts val="0"/>
+              </a:spcBef>
+              <a:spcAft>
+                <a:spcPts val="0"/>
+              </a:spcAft>
+              <a:buClrTx/>
+              <a:buSzTx/>
+              <a:buFontTx/>
+              <a:buNone/>
+              <a:tabLst/>
+            </a:pPr>
+            <a:r>
+              <a:rPr kumimoji="0" lang="en-US" sz="1050" b="1" i="0" u="none" strike="noStrike" cap="none" spc="0" normalizeH="0" baseline="0" dirty="0">
+                <a:ln>
+                  <a:noFill/>
+                </a:ln>
+                <a:solidFill>
+                  <a:srgbClr val="000000"/>
+                </a:solidFill>
+                <a:effectLst/>
+                <a:uFillTx/>
+                <a:latin typeface="+mn-lt"/>
+                <a:ea typeface="+mn-ea"/>
+                <a:cs typeface="+mn-cs"/>
+                <a:sym typeface="Helvetica Light"/>
+              </a:rPr>
+              <a:t>Istio</a:t>
+            </a:r>
+          </a:p>
+        </p:txBody>
+      </p:sp>
+      <p:sp>
+        <p:nvSpPr>
+          <p:cNvPr id="78" name="Rounded Rectangle 77">
+            <a:extLst>
+              <a:ext uri="{FF2B5EF4-FFF2-40B4-BE49-F238E27FC236}">
+                <a16:creationId xmlns:a16="http://schemas.microsoft.com/office/drawing/2014/main" id="{714F1710-3C67-B647-BA99-3320569DAACB}"/>
+              </a:ext>
+            </a:extLst>
+          </p:cNvPr>
+          <p:cNvSpPr/>
+          <p:nvPr/>
+        </p:nvSpPr>
+        <p:spPr>
+          <a:xfrm>
+            <a:off x="1636100" y="1779890"/>
+            <a:ext cx="3283624" cy="3338559"/>
+          </a:xfrm>
+          <a:prstGeom prst="roundRect">
+            <a:avLst/>
+          </a:prstGeom>
+          <a:ln w="25400">
+            <a:solidFill>
+              <a:srgbClr val="4277BB"/>
+            </a:solidFill>
+            <a:miter lim="400000"/>
+          </a:ln>
+        </p:spPr>
+        <p:txBody>
+          <a:bodyPr lIns="0" tIns="0" rIns="0" bIns="0" rtlCol="0" anchor="ctr"/>
+          <a:lstStyle/>
+          <a:p>
+            <a:pPr algn="ctr"/>
+            <a:endParaRPr lang="en-US" sz="1800">
+              <a:solidFill>
+                <a:srgbClr val="4277BB"/>
+              </a:solidFill>
+            </a:endParaRPr>
+          </a:p>
+        </p:txBody>
+      </p:sp>
+      <p:sp>
+        <p:nvSpPr>
+          <p:cNvPr id="79" name="TextBox 78">
+            <a:extLst>
+              <a:ext uri="{FF2B5EF4-FFF2-40B4-BE49-F238E27FC236}">
+                <a16:creationId xmlns:a16="http://schemas.microsoft.com/office/drawing/2014/main" id="{58ED2E94-5A33-7D4C-A624-94C2B1A96506}"/>
+              </a:ext>
+            </a:extLst>
+          </p:cNvPr>
+          <p:cNvSpPr txBox="1"/>
+          <p:nvPr/>
+        </p:nvSpPr>
+        <p:spPr>
+          <a:xfrm>
+            <a:off x="1778265" y="1837585"/>
+            <a:ext cx="740965" cy="325569"/>
+          </a:xfrm>
+          <a:prstGeom prst="rect">
+            <a:avLst/>
+          </a:prstGeom>
+          <a:noFill/>
+          <a:ln w="3175" cap="flat">
+            <a:noFill/>
+            <a:miter lim="400000"/>
+          </a:ln>
+          <a:effectLst/>
+        </p:spPr>
+        <p:style>
+          <a:lnRef idx="0">
+            <a:scrgbClr r="0" g="0" b="0"/>
+          </a:lnRef>
+          <a:fillRef idx="0">
+            <a:scrgbClr r="0" g="0" b="0"/>
+          </a:fillRef>
+          <a:effectRef idx="0">
+            <a:scrgbClr r="0" g="0" b="0"/>
+          </a:effectRef>
+          <a:fontRef idx="none"/>
+        </p:style>
+        <p:txBody>
+          <a:bodyPr rot="0" spcFirstLastPara="1" vertOverflow="overflow" horzOverflow="overflow" vert="horz" wrap="square" lIns="39290" tIns="39290" rIns="39290" bIns="39290" numCol="1" spcCol="38100" rtlCol="0" anchor="ctr">
+            <a:spAutoFit/>
+          </a:bodyPr>
+          <a:lstStyle/>
+          <a:p>
+            <a:pPr marL="0" marR="0" indent="0" algn="ctr" defTabSz="584200" rtl="0" fontAlgn="auto" latinLnBrk="1" hangingPunct="0">
+              <a:lnSpc>
+                <a:spcPct val="100000"/>
+              </a:lnSpc>
+              <a:spcBef>
+                <a:spcPts val="0"/>
+              </a:spcBef>
+              <a:spcAft>
+                <a:spcPts val="0"/>
+              </a:spcAft>
+              <a:buClrTx/>
+              <a:buSzTx/>
+              <a:buFontTx/>
+              <a:buNone/>
+              <a:tabLst/>
+            </a:pPr>
+            <a:r>
+              <a:rPr lang="en-US" sz="1600" b="1">
+                <a:solidFill>
+                  <a:srgbClr val="000000"/>
+                </a:solidFill>
+              </a:rPr>
+              <a:t>Cluster</a:t>
+            </a:r>
+            <a:endParaRPr kumimoji="0" lang="en-US" sz="1050" b="1" i="0" u="none" strike="noStrike" cap="none" spc="0" normalizeH="0" baseline="0">
+              <a:ln>
+                <a:noFill/>
+              </a:ln>
+              <a:solidFill>
+                <a:srgbClr val="000000"/>
+              </a:solidFill>
+              <a:effectLst/>
+              <a:uFillTx/>
+              <a:latin typeface="+mn-lt"/>
+              <a:ea typeface="+mn-ea"/>
+              <a:cs typeface="+mn-cs"/>
+              <a:sym typeface="Helvetica Light"/>
+            </a:endParaRPr>
+          </a:p>
+        </p:txBody>
+      </p:sp>
+      <p:pic>
+        <p:nvPicPr>
+          <p:cNvPr id="56" name="Picture 55">
+            <a:extLst>
+              <a:ext uri="{FF2B5EF4-FFF2-40B4-BE49-F238E27FC236}">
+                <a16:creationId xmlns:a16="http://schemas.microsoft.com/office/drawing/2014/main" id="{C0183C11-0E80-B040-817D-E0A4E9722D51}"/>
+              </a:ext>
+            </a:extLst>
+          </p:cNvPr>
+          <p:cNvPicPr>
+            <a:picLocks noChangeAspect="1"/>
+          </p:cNvPicPr>
+          <p:nvPr/>
+        </p:nvPicPr>
+        <p:blipFill>
+          <a:blip r:embed="rId4">
+            <a:extLst>
+              <a:ext uri="{28A0092B-C50C-407E-A947-70E740481C1C}">
+                <a14:useLocalDpi xmlns:a14="http://schemas.microsoft.com/office/drawing/2010/main" val="0"/>
+              </a:ext>
+            </a:extLst>
+          </a:blip>
+          <a:stretch>
+            <a:fillRect/>
+          </a:stretch>
+        </p:blipFill>
+        <p:spPr>
+          <a:xfrm>
+            <a:off x="7139145" y="3575790"/>
+            <a:ext cx="379633" cy="143417"/>
+          </a:xfrm>
+          <a:prstGeom prst="rect">
+            <a:avLst/>
+          </a:prstGeom>
+        </p:spPr>
+      </p:pic>
+      <p:pic>
+        <p:nvPicPr>
+          <p:cNvPr id="59" name="Picture 58">
+            <a:extLst>
+              <a:ext uri="{FF2B5EF4-FFF2-40B4-BE49-F238E27FC236}">
+                <a16:creationId xmlns:a16="http://schemas.microsoft.com/office/drawing/2014/main" id="{4D4E38D8-A746-0E4B-B7EA-DCAFD394CD60}"/>
+              </a:ext>
+            </a:extLst>
+          </p:cNvPr>
+          <p:cNvPicPr>
+            <a:picLocks noChangeAspect="1"/>
+          </p:cNvPicPr>
+          <p:nvPr/>
+        </p:nvPicPr>
+        <p:blipFill>
+          <a:blip r:embed="rId5">
+            <a:extLst>
+              <a:ext uri="{28A0092B-C50C-407E-A947-70E740481C1C}">
+                <a14:useLocalDpi xmlns:a14="http://schemas.microsoft.com/office/drawing/2010/main" val="0"/>
+              </a:ext>
+            </a:extLst>
+          </a:blip>
+          <a:stretch>
+            <a:fillRect/>
+          </a:stretch>
+        </p:blipFill>
+        <p:spPr>
+          <a:xfrm>
+            <a:off x="6994491" y="3766320"/>
+            <a:ext cx="617329" cy="108624"/>
+          </a:xfrm>
+          <a:prstGeom prst="rect">
+            <a:avLst/>
+          </a:prstGeom>
+        </p:spPr>
+      </p:pic>
+      <p:pic>
+        <p:nvPicPr>
+          <p:cNvPr id="60" name="Picture 59">
+            <a:extLst>
+              <a:ext uri="{FF2B5EF4-FFF2-40B4-BE49-F238E27FC236}">
+                <a16:creationId xmlns:a16="http://schemas.microsoft.com/office/drawing/2014/main" id="{085D4D38-8CCC-4A49-B790-9C68A10736DC}"/>
+              </a:ext>
+            </a:extLst>
+          </p:cNvPr>
+          <p:cNvPicPr>
+            <a:picLocks noChangeAspect="1"/>
+          </p:cNvPicPr>
+          <p:nvPr/>
+        </p:nvPicPr>
+        <p:blipFill>
+          <a:blip r:embed="rId6">
+            <a:extLst>
+              <a:ext uri="{28A0092B-C50C-407E-A947-70E740481C1C}">
+                <a14:useLocalDpi xmlns:a14="http://schemas.microsoft.com/office/drawing/2010/main" val="0"/>
+              </a:ext>
+            </a:extLst>
+          </a:blip>
+          <a:stretch>
+            <a:fillRect/>
+          </a:stretch>
+        </p:blipFill>
+        <p:spPr>
+          <a:xfrm>
+            <a:off x="7112349" y="3844188"/>
+            <a:ext cx="433226" cy="231054"/>
+          </a:xfrm>
+          <a:prstGeom prst="rect">
+            <a:avLst/>
+          </a:prstGeom>
+        </p:spPr>
+      </p:pic>
+      <p:sp>
+        <p:nvSpPr>
+          <p:cNvPr id="3" name="Rectangle 2">
+            <a:extLst>
+              <a:ext uri="{FF2B5EF4-FFF2-40B4-BE49-F238E27FC236}">
+                <a16:creationId xmlns:a16="http://schemas.microsoft.com/office/drawing/2014/main" id="{34336906-E4A9-A844-8ADC-B2C3D8F5F9D2}"/>
+              </a:ext>
+            </a:extLst>
+          </p:cNvPr>
+          <p:cNvSpPr/>
+          <p:nvPr/>
+        </p:nvSpPr>
+        <p:spPr>
+          <a:xfrm>
+            <a:off x="6697723" y="3256365"/>
+            <a:ext cx="1287532" cy="369332"/>
+          </a:xfrm>
+          <a:prstGeom prst="rect">
+            <a:avLst/>
+          </a:prstGeom>
+        </p:spPr>
+        <p:txBody>
+          <a:bodyPr wrap="none">
+            <a:spAutoFit/>
+          </a:bodyPr>
+          <a:lstStyle/>
+          <a:p>
+            <a:r>
+              <a:rPr lang="en-US" sz="1800" b="1" dirty="0">
+                <a:solidFill>
+                  <a:srgbClr val="000000"/>
+                </a:solidFill>
+              </a:rPr>
+              <a:t>Authors:v1</a:t>
+            </a:r>
+            <a:endParaRPr lang="en-US" sz="1800" dirty="0"/>
+          </a:p>
+        </p:txBody>
+      </p:sp>
+      <p:sp>
+        <p:nvSpPr>
+          <p:cNvPr id="5" name="TextBox 4">
+            <a:extLst>
+              <a:ext uri="{FF2B5EF4-FFF2-40B4-BE49-F238E27FC236}">
+                <a16:creationId xmlns:a16="http://schemas.microsoft.com/office/drawing/2014/main" id="{40839A99-2FB2-EB47-B02E-6BBA11DA87E3}"/>
+              </a:ext>
+            </a:extLst>
+          </p:cNvPr>
+          <p:cNvSpPr txBox="1"/>
+          <p:nvPr/>
+        </p:nvSpPr>
+        <p:spPr>
+          <a:xfrm>
+            <a:off x="3159721" y="3330872"/>
+            <a:ext cx="895276" cy="294791"/>
+          </a:xfrm>
+          <a:prstGeom prst="rect">
+            <a:avLst/>
+          </a:prstGeom>
+          <a:noFill/>
+          <a:ln w="3175" cap="flat">
+            <a:noFill/>
+            <a:miter lim="400000"/>
+          </a:ln>
+          <a:effectLst/>
+        </p:spPr>
+        <p:style>
+          <a:lnRef idx="0">
+            <a:scrgbClr r="0" g="0" b="0"/>
+          </a:lnRef>
+          <a:fillRef idx="0">
+            <a:scrgbClr r="0" g="0" b="0"/>
+          </a:fillRef>
+          <a:effectRef idx="0">
+            <a:scrgbClr r="0" g="0" b="0"/>
+          </a:effectRef>
+          <a:fontRef idx="none"/>
+        </p:style>
+        <p:txBody>
+          <a:bodyPr rot="0" spcFirstLastPara="1" vertOverflow="overflow" horzOverflow="overflow" vert="horz" wrap="none" lIns="39290" tIns="39290" rIns="39290" bIns="39290" numCol="1" spcCol="38100" rtlCol="0" anchor="ctr">
+            <a:spAutoFit/>
+          </a:bodyPr>
+          <a:lstStyle/>
+          <a:p>
+            <a:pPr marL="0" marR="0" indent="0" algn="ctr" defTabSz="584200" rtl="0" fontAlgn="auto" latinLnBrk="1" hangingPunct="0">
+              <a:lnSpc>
+                <a:spcPct val="100000"/>
+              </a:lnSpc>
+              <a:spcBef>
+                <a:spcPts val="0"/>
+              </a:spcBef>
+              <a:spcAft>
+                <a:spcPts val="0"/>
+              </a:spcAft>
+              <a:buClrTx/>
+              <a:buSzTx/>
+              <a:buFontTx/>
+              <a:buNone/>
+              <a:tabLst/>
+            </a:pPr>
+            <a:r>
+              <a:rPr kumimoji="0" lang="en-US" sz="1400" b="1" i="0" u="none" strike="noStrike" cap="none" spc="0" normalizeH="0" baseline="0" dirty="0">
+                <a:ln>
+                  <a:noFill/>
+                </a:ln>
+                <a:solidFill>
+                  <a:schemeClr val="accent2"/>
+                </a:solidFill>
+                <a:effectLst/>
+                <a:uFillTx/>
+                <a:latin typeface="+mn-lt"/>
+                <a:ea typeface="+mn-ea"/>
+                <a:cs typeface="+mn-cs"/>
+                <a:sym typeface="Helvetica Light"/>
+              </a:rPr>
+              <a:t>Port: 3000</a:t>
+            </a:r>
+          </a:p>
+        </p:txBody>
+      </p:sp>
+      <p:pic>
+        <p:nvPicPr>
+          <p:cNvPr id="44" name="Picture 43">
+            <a:extLst>
+              <a:ext uri="{FF2B5EF4-FFF2-40B4-BE49-F238E27FC236}">
+                <a16:creationId xmlns:a16="http://schemas.microsoft.com/office/drawing/2014/main" id="{036FC222-EBD8-B749-9959-72A0B9B7EECA}"/>
+              </a:ext>
+            </a:extLst>
+          </p:cNvPr>
+          <p:cNvPicPr>
+            <a:picLocks noChangeAspect="1"/>
+          </p:cNvPicPr>
+          <p:nvPr/>
+        </p:nvPicPr>
+        <p:blipFill>
+          <a:blip r:embed="rId7"/>
+          <a:stretch>
+            <a:fillRect/>
+          </a:stretch>
+        </p:blipFill>
+        <p:spPr>
+          <a:xfrm>
+            <a:off x="597908" y="980052"/>
+            <a:ext cx="1067513" cy="1147863"/>
+          </a:xfrm>
+          <a:prstGeom prst="rect">
+            <a:avLst/>
+          </a:prstGeom>
+        </p:spPr>
+      </p:pic>
+      <p:sp>
+        <p:nvSpPr>
+          <p:cNvPr id="50" name="Rounded Rectangle 49">
+            <a:extLst>
+              <a:ext uri="{FF2B5EF4-FFF2-40B4-BE49-F238E27FC236}">
+                <a16:creationId xmlns:a16="http://schemas.microsoft.com/office/drawing/2014/main" id="{A8008F2C-D459-5448-8414-53BF6A345107}"/>
+              </a:ext>
+            </a:extLst>
+          </p:cNvPr>
+          <p:cNvSpPr/>
+          <p:nvPr/>
+        </p:nvSpPr>
+        <p:spPr>
+          <a:xfrm>
+            <a:off x="1991258" y="2919983"/>
+            <a:ext cx="815837" cy="852554"/>
+          </a:xfrm>
+          <a:prstGeom prst="roundRect">
+            <a:avLst/>
+          </a:prstGeom>
+          <a:ln w="25400">
+            <a:solidFill>
+              <a:srgbClr val="4277BB"/>
+            </a:solidFill>
+            <a:miter lim="400000"/>
+          </a:ln>
+        </p:spPr>
+        <p:txBody>
+          <a:bodyPr lIns="0" tIns="0" rIns="0" bIns="0" rtlCol="0" anchor="ctr"/>
+          <a:lstStyle/>
+          <a:p>
+            <a:pPr algn="l"/>
+            <a:endParaRPr lang="en-US" sz="1800" dirty="0">
+              <a:solidFill>
+                <a:schemeClr val="tx1"/>
+              </a:solidFill>
+            </a:endParaRPr>
+          </a:p>
+        </p:txBody>
+      </p:sp>
+      <p:sp>
+        <p:nvSpPr>
+          <p:cNvPr id="52" name="TextBox 51">
+            <a:extLst>
+              <a:ext uri="{FF2B5EF4-FFF2-40B4-BE49-F238E27FC236}">
+                <a16:creationId xmlns:a16="http://schemas.microsoft.com/office/drawing/2014/main" id="{CBA7EC6E-A269-244C-8A74-5B50C19BE42C}"/>
+              </a:ext>
+            </a:extLst>
+          </p:cNvPr>
+          <p:cNvSpPr txBox="1"/>
+          <p:nvPr/>
+        </p:nvSpPr>
+        <p:spPr>
+          <a:xfrm>
+            <a:off x="1931836" y="2940453"/>
+            <a:ext cx="876190" cy="325569"/>
+          </a:xfrm>
+          <a:prstGeom prst="rect">
+            <a:avLst/>
+          </a:prstGeom>
+          <a:noFill/>
+          <a:ln w="3175" cap="flat">
+            <a:noFill/>
+            <a:miter lim="400000"/>
+          </a:ln>
+          <a:effectLst/>
+        </p:spPr>
+        <p:style>
+          <a:lnRef idx="0">
+            <a:scrgbClr r="0" g="0" b="0"/>
+          </a:lnRef>
+          <a:fillRef idx="0">
+            <a:scrgbClr r="0" g="0" b="0"/>
+          </a:fillRef>
+          <a:effectRef idx="0">
+            <a:scrgbClr r="0" g="0" b="0"/>
+          </a:effectRef>
+          <a:fontRef idx="none"/>
+        </p:style>
+        <p:txBody>
+          <a:bodyPr rot="0" spcFirstLastPara="1" vertOverflow="overflow" horzOverflow="overflow" vert="horz" wrap="square" lIns="39290" tIns="39290" rIns="39290" bIns="39290" numCol="1" spcCol="38100" rtlCol="0" anchor="ctr">
+            <a:spAutoFit/>
+          </a:bodyPr>
+          <a:lstStyle>
+            <a:lvl1pPr marL="0" marR="0" indent="0" rtl="0" fontAlgn="auto" latinLnBrk="1" hangingPunct="0">
+              <a:lnSpc>
+                <a:spcPct val="100000"/>
+              </a:lnSpc>
+              <a:spcBef>
+                <a:spcPts val="0"/>
+              </a:spcBef>
+              <a:spcAft>
+                <a:spcPts val="0"/>
+              </a:spcAft>
+              <a:buClrTx/>
+              <a:buSzTx/>
+              <a:buFontTx/>
+              <a:buNone/>
+              <a:tabLst/>
+              <a:defRPr sz="1600">
+                <a:solidFill>
+                  <a:srgbClr val="000000"/>
+                </a:solidFill>
+              </a:defRPr>
+            </a:lvl1pPr>
+          </a:lstStyle>
+          <a:p>
+            <a:r>
+              <a:rPr lang="en-US" dirty="0"/>
+              <a:t>Service</a:t>
+            </a:r>
+          </a:p>
+        </p:txBody>
+      </p:sp>
+      <p:cxnSp>
+        <p:nvCxnSpPr>
+          <p:cNvPr id="55" name="Straight Arrow Connector 62">
+            <a:extLst>
+              <a:ext uri="{FF2B5EF4-FFF2-40B4-BE49-F238E27FC236}">
+                <a16:creationId xmlns:a16="http://schemas.microsoft.com/office/drawing/2014/main" id="{E84B3238-CEC5-EE4D-A088-92B39E1B102B}"/>
+              </a:ext>
+            </a:extLst>
+          </p:cNvPr>
+          <p:cNvCxnSpPr>
+            <a:cxnSpLocks/>
+            <a:stCxn id="50" idx="3"/>
+            <a:endCxn id="68" idx="1"/>
+          </p:cNvCxnSpPr>
+          <p:nvPr/>
+        </p:nvCxnSpPr>
+        <p:spPr>
+          <a:xfrm flipV="1">
+            <a:off x="2807095" y="3330872"/>
+            <a:ext cx="296666" cy="15388"/>
+          </a:xfrm>
+          <a:prstGeom prst="straightConnector1">
+            <a:avLst/>
+          </a:prstGeom>
+          <a:noFill/>
+          <a:ln w="38100" cap="flat" cmpd="sng">
+            <a:solidFill>
+              <a:schemeClr val="bg1">
+                <a:lumMod val="85000"/>
+              </a:schemeClr>
+            </a:solidFill>
+            <a:prstDash val="solid"/>
+            <a:miter lim="400000"/>
+            <a:headEnd type="none"/>
+            <a:tailEnd type="triangle"/>
+          </a:ln>
+          <a:effectLst/>
+        </p:spPr>
+        <p:style>
+          <a:lnRef idx="0">
+            <a:scrgbClr r="0" g="0" b="0"/>
+          </a:lnRef>
+          <a:fillRef idx="0">
+            <a:scrgbClr r="0" g="0" b="0"/>
+          </a:fillRef>
+          <a:effectRef idx="0">
+            <a:scrgbClr r="0" g="0" b="0"/>
+          </a:effectRef>
+          <a:fontRef idx="none"/>
+        </p:style>
+      </p:cxnSp>
+      <p:sp>
+        <p:nvSpPr>
+          <p:cNvPr id="57" name="TextBox 56">
+            <a:extLst>
+              <a:ext uri="{FF2B5EF4-FFF2-40B4-BE49-F238E27FC236}">
+                <a16:creationId xmlns:a16="http://schemas.microsoft.com/office/drawing/2014/main" id="{10B9255A-02D4-7543-A810-E55B2DAAB2F5}"/>
+              </a:ext>
+            </a:extLst>
+          </p:cNvPr>
+          <p:cNvSpPr txBox="1"/>
+          <p:nvPr/>
+        </p:nvSpPr>
+        <p:spPr>
+          <a:xfrm>
+            <a:off x="3167110" y="3554913"/>
+            <a:ext cx="637192" cy="294791"/>
+          </a:xfrm>
+          <a:prstGeom prst="rect">
+            <a:avLst/>
+          </a:prstGeom>
+          <a:noFill/>
+          <a:ln w="3175" cap="flat">
+            <a:noFill/>
+            <a:miter lim="400000"/>
+          </a:ln>
+          <a:effectLst/>
+        </p:spPr>
+        <p:style>
+          <a:lnRef idx="0">
+            <a:scrgbClr r="0" g="0" b="0"/>
+          </a:lnRef>
+          <a:fillRef idx="0">
+            <a:scrgbClr r="0" g="0" b="0"/>
+          </a:fillRef>
+          <a:effectRef idx="0">
+            <a:scrgbClr r="0" g="0" b="0"/>
+          </a:effectRef>
+          <a:fontRef idx="none"/>
+        </p:style>
+        <p:txBody>
+          <a:bodyPr rot="0" spcFirstLastPara="1" vertOverflow="overflow" horzOverflow="overflow" vert="horz" wrap="none" lIns="39290" tIns="39290" rIns="39290" bIns="39290" numCol="1" spcCol="38100" rtlCol="0" anchor="ctr">
+            <a:spAutoFit/>
+          </a:bodyPr>
+          <a:lstStyle/>
+          <a:p>
+            <a:pPr marL="0" marR="0" indent="0" algn="ctr" defTabSz="584200" rtl="0" fontAlgn="auto" latinLnBrk="1" hangingPunct="0">
+              <a:lnSpc>
+                <a:spcPct val="100000"/>
+              </a:lnSpc>
+              <a:spcBef>
+                <a:spcPts val="0"/>
+              </a:spcBef>
+              <a:spcAft>
+                <a:spcPts val="0"/>
+              </a:spcAft>
+              <a:buClrTx/>
+              <a:buSzTx/>
+              <a:buFontTx/>
+              <a:buNone/>
+              <a:tabLst/>
+            </a:pPr>
+            <a:r>
+              <a:rPr kumimoji="0" lang="en-US" sz="1400" b="1" i="0" u="none" strike="noStrike" cap="none" spc="0" normalizeH="0" baseline="0" dirty="0">
+                <a:ln>
+                  <a:noFill/>
+                </a:ln>
+                <a:solidFill>
+                  <a:schemeClr val="accent2"/>
+                </a:solidFill>
+                <a:effectLst/>
+                <a:uFillTx/>
+                <a:latin typeface="+mn-lt"/>
+                <a:ea typeface="+mn-ea"/>
+                <a:cs typeface="+mn-cs"/>
+                <a:sym typeface="Helvetica Light"/>
+              </a:rPr>
+              <a:t>Image:</a:t>
+            </a:r>
+          </a:p>
+        </p:txBody>
+      </p:sp>
+      <p:cxnSp>
+        <p:nvCxnSpPr>
+          <p:cNvPr id="67" name="Straight Arrow Connector 62">
+            <a:extLst>
+              <a:ext uri="{FF2B5EF4-FFF2-40B4-BE49-F238E27FC236}">
+                <a16:creationId xmlns:a16="http://schemas.microsoft.com/office/drawing/2014/main" id="{7A688BFC-4BFA-0F44-8FBD-C3E664514EC6}"/>
+              </a:ext>
+            </a:extLst>
+          </p:cNvPr>
+          <p:cNvCxnSpPr>
+            <a:cxnSpLocks/>
+          </p:cNvCxnSpPr>
+          <p:nvPr/>
+        </p:nvCxnSpPr>
+        <p:spPr>
+          <a:xfrm>
+            <a:off x="3974188" y="3692024"/>
+            <a:ext cx="2559428" cy="7685"/>
+          </a:xfrm>
+          <a:prstGeom prst="straightConnector1">
+            <a:avLst/>
+          </a:prstGeom>
+          <a:noFill/>
+          <a:ln w="38100" cap="flat" cmpd="sng">
+            <a:solidFill>
+              <a:schemeClr val="bg1">
+                <a:lumMod val="85000"/>
+              </a:schemeClr>
+            </a:solidFill>
+            <a:prstDash val="solid"/>
+            <a:miter lim="400000"/>
+            <a:headEnd type="none"/>
+            <a:tailEnd type="triangle"/>
+          </a:ln>
+          <a:effectLst/>
+        </p:spPr>
+        <p:style>
+          <a:lnRef idx="0">
+            <a:scrgbClr r="0" g="0" b="0"/>
+          </a:lnRef>
+          <a:fillRef idx="0">
+            <a:scrgbClr r="0" g="0" b="0"/>
+          </a:fillRef>
+          <a:effectRef idx="0">
+            <a:scrgbClr r="0" g="0" b="0"/>
+          </a:effectRef>
+          <a:fontRef idx="none"/>
+        </p:style>
+      </p:cxnSp>
+      <p:sp>
+        <p:nvSpPr>
+          <p:cNvPr id="14" name="Rectangle 13">
+            <a:extLst>
+              <a:ext uri="{FF2B5EF4-FFF2-40B4-BE49-F238E27FC236}">
+                <a16:creationId xmlns:a16="http://schemas.microsoft.com/office/drawing/2014/main" id="{5580F972-AFD8-DF42-87D0-94A8D3E30D50}"/>
+              </a:ext>
+            </a:extLst>
+          </p:cNvPr>
+          <p:cNvSpPr/>
+          <p:nvPr/>
+        </p:nvSpPr>
+        <p:spPr>
+          <a:xfrm>
+            <a:off x="1922582" y="3221032"/>
+            <a:ext cx="950901" cy="325569"/>
+          </a:xfrm>
+          <a:prstGeom prst="rect">
+            <a:avLst/>
+          </a:prstGeom>
+          <a:noFill/>
+          <a:ln w="3175" cap="flat">
+            <a:noFill/>
+            <a:miter lim="400000"/>
+          </a:ln>
+          <a:effectLst/>
+        </p:spPr>
+        <p:style>
+          <a:lnRef idx="0">
+            <a:scrgbClr r="0" g="0" b="0"/>
+          </a:lnRef>
+          <a:fillRef idx="0">
+            <a:scrgbClr r="0" g="0" b="0"/>
+          </a:fillRef>
+          <a:effectRef idx="0">
+            <a:scrgbClr r="0" g="0" b="0"/>
+          </a:effectRef>
+          <a:fontRef idx="none"/>
+        </p:style>
+        <p:txBody>
+          <a:bodyPr rot="0" spcFirstLastPara="1" vertOverflow="overflow" horzOverflow="overflow" vert="horz" wrap="square" lIns="39290" tIns="39290" rIns="39290" bIns="39290" numCol="1" spcCol="38100" rtlCol="0" anchor="ctr">
+            <a:spAutoFit/>
+          </a:bodyPr>
+          <a:lstStyle/>
+          <a:p>
+            <a:pPr rtl="0" latinLnBrk="1" hangingPunct="0"/>
+            <a:r>
+              <a:rPr lang="en-US" sz="1600" b="1" dirty="0">
+                <a:solidFill>
+                  <a:schemeClr val="accent1"/>
+                </a:solidFill>
+              </a:rPr>
+              <a:t>Authors </a:t>
+            </a:r>
+          </a:p>
+        </p:txBody>
+      </p:sp>
+    </p:spTree>
+    <p:extLst>
+      <p:ext uri="{BB962C8B-B14F-4D97-AF65-F5344CB8AC3E}">
+        <p14:creationId xmlns:p14="http://schemas.microsoft.com/office/powerpoint/2010/main" val="688423436"/>
+      </p:ext>
+    </p:extLst>
+  </p:cSld>
+  <p:clrMapOvr>
+    <a:masterClrMapping/>
+  </p:clrMapOvr>
+  <p:transition spd="med"/>
+</p:sld>
+</file>
+
 <file path=ppt/slides/slide3.xml><?xml version="1.0" encoding="utf-8"?>
 <p:sld xmlns:a="http://schemas.openxmlformats.org/drawingml/2006/main" xmlns:r="http://schemas.openxmlformats.org/officeDocument/2006/relationships" xmlns:p="http://schemas.openxmlformats.org/presentationml/2006/main">
   <p:cSld>
@@ -37522,7 +40127,7 @@
               <a:tabLst/>
             </a:pPr>
             <a:r>
-              <a:rPr kumimoji="0" lang="en-US" sz="1200" b="1" i="0" u="none" strike="noStrike" cap="none" spc="0" normalizeH="0" baseline="0">
+              <a:rPr kumimoji="0" lang="en-US" sz="1200" b="1" i="0" u="none" strike="noStrike" cap="none" spc="0" normalizeH="0" baseline="0" dirty="0">
                 <a:ln>
                   <a:noFill/>
                 </a:ln>

--- a/workshop/images/architecture.pptx
+++ b/workshop/images/architecture.pptx
@@ -16233,7 +16233,7 @@
               <a:tabLst/>
             </a:pPr>
             <a:r>
-              <a:rPr lang="en-US" sz="1200">
+              <a:rPr lang="en-US" sz="1200" dirty="0">
                 <a:solidFill>
                   <a:srgbClr val="000000"/>
                 </a:solidFill>
@@ -16242,7 +16242,7 @@
               </a:rPr>
               <a:t>Web-API</a:t>
             </a:r>
-            <a:endParaRPr kumimoji="0" lang="en-US" sz="1200" b="0" i="0" u="none" strike="noStrike" cap="none" spc="0" normalizeH="0" baseline="0">
+            <a:endParaRPr kumimoji="0" lang="en-US" sz="1200" b="0" i="0" u="none" strike="noStrike" cap="none" spc="0" normalizeH="0" baseline="0" dirty="0">
               <a:ln>
                 <a:noFill/>
               </a:ln>
@@ -16275,7 +16275,7 @@
               <a:tabLst/>
             </a:pPr>
             <a:r>
-              <a:rPr lang="en-US" sz="1200">
+              <a:rPr lang="en-US" sz="1200" dirty="0">
                 <a:solidFill>
                   <a:srgbClr val="000000"/>
                 </a:solidFill>
@@ -16284,7 +16284,7 @@
               </a:rPr>
               <a:t>v1</a:t>
             </a:r>
-            <a:endParaRPr kumimoji="0" lang="en-US" sz="1200" b="0" i="0" u="none" strike="noStrike" cap="none" spc="0" normalizeH="0" baseline="0">
+            <a:endParaRPr kumimoji="0" lang="en-US" sz="1200" b="0" i="0" u="none" strike="noStrike" cap="none" spc="0" normalizeH="0" baseline="0" dirty="0">
               <a:ln>
                 <a:noFill/>
               </a:ln>
@@ -26162,8 +26162,8 @@
         </p:nvSpPr>
         <p:spPr>
           <a:xfrm>
-            <a:off x="6587901" y="3250614"/>
-            <a:ext cx="1504776" cy="856685"/>
+            <a:off x="6578647" y="3068552"/>
+            <a:ext cx="1547917" cy="1262314"/>
           </a:xfrm>
           <a:prstGeom prst="roundRect">
             <a:avLst/>
@@ -26333,7 +26333,7 @@
               <a:tabLst/>
             </a:pPr>
             <a:r>
-              <a:rPr lang="en-US" sz="1600">
+              <a:rPr lang="en-US" sz="1600" dirty="0">
                 <a:solidFill>
                   <a:srgbClr val="000000"/>
                 </a:solidFill>
@@ -26341,7 +26341,7 @@
               <a:t>P</a:t>
             </a:r>
             <a:r>
-              <a:rPr kumimoji="0" lang="en-US" sz="1600" b="0" i="0" u="none" strike="noStrike" cap="none" spc="0" normalizeH="0" baseline="0">
+              <a:rPr kumimoji="0" lang="en-US" sz="1600" b="0" i="0" u="none" strike="noStrike" cap="none" spc="0" normalizeH="0" baseline="0" dirty="0">
                 <a:ln>
                   <a:noFill/>
                 </a:ln>
@@ -26699,7 +26699,7 @@
         </p:blipFill>
         <p:spPr>
           <a:xfrm>
-            <a:off x="7139145" y="3575790"/>
+            <a:off x="7129892" y="3799356"/>
             <a:ext cx="379633" cy="143417"/>
           </a:xfrm>
           <a:prstGeom prst="rect">
@@ -26735,7 +26735,7 @@
         </p:blipFill>
         <p:spPr>
           <a:xfrm>
-            <a:off x="6994491" y="3766320"/>
+            <a:off x="6985238" y="3989886"/>
             <a:ext cx="617329" cy="108624"/>
           </a:xfrm>
           <a:prstGeom prst="rect">
@@ -26771,7 +26771,7 @@
         </p:blipFill>
         <p:spPr>
           <a:xfrm>
-            <a:off x="7112349" y="3844188"/>
+            <a:off x="7103096" y="4067754"/>
             <a:ext cx="433226" cy="231054"/>
           </a:xfrm>
           <a:prstGeom prst="rect">
@@ -26793,7 +26793,7 @@
         </p:nvSpPr>
         <p:spPr>
           <a:xfrm>
-            <a:off x="6697723" y="3256365"/>
+            <a:off x="6688470" y="3479931"/>
             <a:ext cx="1287532" cy="369332"/>
           </a:xfrm>
           <a:prstGeom prst="rect">
@@ -26931,171 +26931,6 @@
       </p:pic>
       <p:sp>
         <p:nvSpPr>
-          <p:cNvPr id="50" name="Rounded Rectangle 49">
-            <a:extLst>
-              <a:ext uri="{FF2B5EF4-FFF2-40B4-BE49-F238E27FC236}">
-                <a16:creationId xmlns:a16="http://schemas.microsoft.com/office/drawing/2014/main" id="{A8008F2C-D459-5448-8414-53BF6A345107}"/>
-              </a:ext>
-            </a:extLst>
-          </p:cNvPr>
-          <p:cNvSpPr/>
-          <p:nvPr/>
-        </p:nvSpPr>
-        <p:spPr>
-          <a:xfrm>
-            <a:off x="1991258" y="2919983"/>
-            <a:ext cx="815837" cy="852554"/>
-          </a:xfrm>
-          <a:prstGeom prst="roundRect">
-            <a:avLst/>
-          </a:prstGeom>
-          <a:ln w="25400">
-            <a:solidFill>
-              <a:srgbClr val="4277BB"/>
-            </a:solidFill>
-            <a:miter lim="400000"/>
-          </a:ln>
-        </p:spPr>
-        <p:txBody>
-          <a:bodyPr lIns="0" tIns="0" rIns="0" bIns="0" rtlCol="0" anchor="ctr"/>
-          <a:lstStyle/>
-          <a:p>
-            <a:pPr algn="l"/>
-            <a:endParaRPr lang="en-US" sz="1800" dirty="0">
-              <a:solidFill>
-                <a:schemeClr val="tx1"/>
-              </a:solidFill>
-            </a:endParaRPr>
-          </a:p>
-        </p:txBody>
-      </p:sp>
-      <p:sp>
-        <p:nvSpPr>
-          <p:cNvPr id="52" name="TextBox 51">
-            <a:extLst>
-              <a:ext uri="{FF2B5EF4-FFF2-40B4-BE49-F238E27FC236}">
-                <a16:creationId xmlns:a16="http://schemas.microsoft.com/office/drawing/2014/main" id="{CBA7EC6E-A269-244C-8A74-5B50C19BE42C}"/>
-              </a:ext>
-            </a:extLst>
-          </p:cNvPr>
-          <p:cNvSpPr txBox="1"/>
-          <p:nvPr/>
-        </p:nvSpPr>
-        <p:spPr>
-          <a:xfrm>
-            <a:off x="1931836" y="2940453"/>
-            <a:ext cx="876190" cy="325569"/>
-          </a:xfrm>
-          <a:prstGeom prst="rect">
-            <a:avLst/>
-          </a:prstGeom>
-          <a:noFill/>
-          <a:ln w="3175" cap="flat">
-            <a:noFill/>
-            <a:miter lim="400000"/>
-          </a:ln>
-          <a:effectLst/>
-        </p:spPr>
-        <p:style>
-          <a:lnRef idx="0">
-            <a:scrgbClr r="0" g="0" b="0"/>
-          </a:lnRef>
-          <a:fillRef idx="0">
-            <a:scrgbClr r="0" g="0" b="0"/>
-          </a:fillRef>
-          <a:effectRef idx="0">
-            <a:scrgbClr r="0" g="0" b="0"/>
-          </a:effectRef>
-          <a:fontRef idx="none"/>
-        </p:style>
-        <p:txBody>
-          <a:bodyPr rot="0" spcFirstLastPara="1" vertOverflow="overflow" horzOverflow="overflow" vert="horz" wrap="square" lIns="39290" tIns="39290" rIns="39290" bIns="39290" numCol="1" spcCol="38100" rtlCol="0" anchor="ctr">
-            <a:spAutoFit/>
-          </a:bodyPr>
-          <a:lstStyle>
-            <a:lvl1pPr marL="0" marR="0" indent="0" rtl="0" fontAlgn="auto" latinLnBrk="1" hangingPunct="0">
-              <a:lnSpc>
-                <a:spcPct val="100000"/>
-              </a:lnSpc>
-              <a:spcBef>
-                <a:spcPts val="0"/>
-              </a:spcBef>
-              <a:spcAft>
-                <a:spcPts val="0"/>
-              </a:spcAft>
-              <a:buClrTx/>
-              <a:buSzTx/>
-              <a:buFontTx/>
-              <a:buNone/>
-              <a:tabLst/>
-              <a:defRPr sz="1600">
-                <a:solidFill>
-                  <a:srgbClr val="000000"/>
-                </a:solidFill>
-              </a:defRPr>
-            </a:lvl1pPr>
-          </a:lstStyle>
-          <a:p>
-            <a:r>
-              <a:rPr lang="en-US" dirty="0"/>
-              <a:t>Service</a:t>
-            </a:r>
-          </a:p>
-        </p:txBody>
-      </p:sp>
-      <p:cxnSp>
-        <p:nvCxnSpPr>
-          <p:cNvPr id="55" name="Straight Arrow Connector 62">
-            <a:extLst>
-              <a:ext uri="{FF2B5EF4-FFF2-40B4-BE49-F238E27FC236}">
-                <a16:creationId xmlns:a16="http://schemas.microsoft.com/office/drawing/2014/main" id="{E84B3238-CEC5-EE4D-A088-92B39E1B102B}"/>
-              </a:ext>
-            </a:extLst>
-          </p:cNvPr>
-          <p:cNvCxnSpPr>
-            <a:cxnSpLocks/>
-            <a:stCxn id="50" idx="3"/>
-            <a:endCxn id="68" idx="1"/>
-          </p:cNvCxnSpPr>
-          <p:nvPr/>
-        </p:nvCxnSpPr>
-        <p:spPr>
-          <a:xfrm flipV="1">
-            <a:off x="2807095" y="3330872"/>
-            <a:ext cx="296666" cy="15388"/>
-          </a:xfrm>
-          <a:prstGeom prst="straightConnector1">
-            <a:avLst/>
-          </a:prstGeom>
-          <a:noFill/>
-          <a:ln w="38100" cap="flat" cmpd="sng">
-            <a:solidFill>
-              <a:schemeClr val="bg1">
-                <a:lumMod val="85000"/>
-              </a:schemeClr>
-            </a:solidFill>
-            <a:prstDash val="solid"/>
-            <a:miter lim="400000"/>
-            <a:headEnd type="none"/>
-            <a:tailEnd type="triangle"/>
-          </a:ln>
-          <a:effectLst/>
-        </p:spPr>
-        <p:style>
-          <a:lnRef idx="0">
-            <a:scrgbClr r="0" g="0" b="0"/>
-          </a:lnRef>
-          <a:fillRef idx="0">
-            <a:scrgbClr r="0" g="0" b="0"/>
-          </a:fillRef>
-          <a:effectRef idx="0">
-            <a:scrgbClr r="0" g="0" b="0"/>
-          </a:effectRef>
-          <a:fontRef idx="none"/>
-        </p:style>
-      </p:cxnSp>
-      <p:sp>
-        <p:nvSpPr>
           <p:cNvPr id="57" name="TextBox 56">
             <a:extLst>
               <a:ext uri="{FF2B5EF4-FFF2-40B4-BE49-F238E27FC236}">
@@ -27226,20 +27061,20 @@
       </p:cxnSp>
       <p:sp>
         <p:nvSpPr>
-          <p:cNvPr id="14" name="Rectangle 13">
+          <p:cNvPr id="69" name="TextBox 68">
             <a:extLst>
               <a:ext uri="{FF2B5EF4-FFF2-40B4-BE49-F238E27FC236}">
-                <a16:creationId xmlns:a16="http://schemas.microsoft.com/office/drawing/2014/main" id="{5580F972-AFD8-DF42-87D0-94A8D3E30D50}"/>
+                <a16:creationId xmlns:a16="http://schemas.microsoft.com/office/drawing/2014/main" id="{98B6EE73-010D-6746-B172-D1F7A822431C}"/>
               </a:ext>
             </a:extLst>
           </p:cNvPr>
-          <p:cNvSpPr/>
+          <p:cNvSpPr txBox="1"/>
           <p:nvPr/>
         </p:nvSpPr>
         <p:spPr>
           <a:xfrm>
-            <a:off x="1922582" y="3221032"/>
-            <a:ext cx="950901" cy="325569"/>
+            <a:off x="6578646" y="3134609"/>
+            <a:ext cx="1125536" cy="325569"/>
           </a:xfrm>
           <a:prstGeom prst="rect">
             <a:avLst/>
@@ -27269,22 +27104,51 @@
           </a:bodyPr>
           <a:lstStyle/>
           <a:p>
-            <a:pPr rtl="0" latinLnBrk="1" hangingPunct="0"/>
+            <a:pPr marL="0" marR="0" indent="0" algn="ctr" defTabSz="584200" rtl="0" fontAlgn="auto" latinLnBrk="1" hangingPunct="0">
+              <a:lnSpc>
+                <a:spcPct val="100000"/>
+              </a:lnSpc>
+              <a:spcBef>
+                <a:spcPts val="0"/>
+              </a:spcBef>
+              <a:spcAft>
+                <a:spcPts val="0"/>
+              </a:spcAft>
+              <a:buClrTx/>
+              <a:buSzTx/>
+              <a:buFontTx/>
+              <a:buNone/>
+              <a:tabLst/>
+            </a:pPr>
             <a:r>
-              <a:rPr lang="en-US" sz="1600" b="1" dirty="0">
+              <a:rPr lang="en-US" sz="1600" dirty="0">
                 <a:solidFill>
-                  <a:schemeClr val="accent1"/>
+                  <a:srgbClr val="000000"/>
                 </a:solidFill>
               </a:rPr>
-              <a:t>Authors </a:t>
+              <a:t>Container</a:t>
             </a:r>
+            <a:endParaRPr kumimoji="0" lang="en-US" sz="1600" b="0" i="0" u="none" strike="noStrike" cap="none" spc="0" normalizeH="0" baseline="0" dirty="0">
+              <a:ln>
+                <a:noFill/>
+              </a:ln>
+              <a:solidFill>
+                <a:srgbClr val="000000"/>
+              </a:solidFill>
+              <a:effectLst/>
+              <a:uFillTx/>
+              <a:latin typeface="+mn-lt"/>
+              <a:ea typeface="+mn-ea"/>
+              <a:cs typeface="+mn-cs"/>
+              <a:sym typeface="Helvetica Light"/>
+            </a:endParaRPr>
           </a:p>
         </p:txBody>
       </p:sp>
     </p:spTree>
     <p:extLst>
       <p:ext uri="{BB962C8B-B14F-4D97-AF65-F5344CB8AC3E}">
-        <p14:creationId xmlns:p14="http://schemas.microsoft.com/office/powerpoint/2010/main" val="3235095858"/>
+        <p14:creationId xmlns:p14="http://schemas.microsoft.com/office/powerpoint/2010/main" val="684250765"/>
       </p:ext>
     </p:extLst>
   </p:cSld>
@@ -27477,8 +27341,8 @@
         </p:nvSpPr>
         <p:spPr>
           <a:xfrm>
-            <a:off x="6587901" y="3250614"/>
-            <a:ext cx="1504776" cy="856685"/>
+            <a:off x="6578647" y="3068552"/>
+            <a:ext cx="1547917" cy="1262314"/>
           </a:xfrm>
           <a:prstGeom prst="roundRect">
             <a:avLst/>
@@ -27648,7 +27512,7 @@
               <a:tabLst/>
             </a:pPr>
             <a:r>
-              <a:rPr lang="en-US" sz="1600">
+              <a:rPr lang="en-US" sz="1600" dirty="0">
                 <a:solidFill>
                   <a:srgbClr val="000000"/>
                 </a:solidFill>
@@ -27656,7 +27520,7 @@
               <a:t>P</a:t>
             </a:r>
             <a:r>
-              <a:rPr kumimoji="0" lang="en-US" sz="1600" b="0" i="0" u="none" strike="noStrike" cap="none" spc="0" normalizeH="0" baseline="0">
+              <a:rPr kumimoji="0" lang="en-US" sz="1600" b="0" i="0" u="none" strike="noStrike" cap="none" spc="0" normalizeH="0" baseline="0" dirty="0">
                 <a:ln>
                   <a:noFill/>
                 </a:ln>
@@ -28014,7 +27878,7 @@
         </p:blipFill>
         <p:spPr>
           <a:xfrm>
-            <a:off x="7139145" y="3575790"/>
+            <a:off x="7129892" y="3799356"/>
             <a:ext cx="379633" cy="143417"/>
           </a:xfrm>
           <a:prstGeom prst="rect">
@@ -28050,7 +27914,7 @@
         </p:blipFill>
         <p:spPr>
           <a:xfrm>
-            <a:off x="6994491" y="3766320"/>
+            <a:off x="6985238" y="3989886"/>
             <a:ext cx="617329" cy="108624"/>
           </a:xfrm>
           <a:prstGeom prst="rect">
@@ -28086,7 +27950,7 @@
         </p:blipFill>
         <p:spPr>
           <a:xfrm>
-            <a:off x="7112349" y="3844188"/>
+            <a:off x="7103096" y="4067754"/>
             <a:ext cx="433226" cy="231054"/>
           </a:xfrm>
           <a:prstGeom prst="rect">
@@ -28108,7 +27972,7 @@
         </p:nvSpPr>
         <p:spPr>
           <a:xfrm>
-            <a:off x="6697723" y="3256365"/>
+            <a:off x="6688470" y="3479931"/>
             <a:ext cx="1287532" cy="369332"/>
           </a:xfrm>
           <a:prstGeom prst="rect">
@@ -28596,10 +28460,96 @@
           </a:p>
         </p:txBody>
       </p:sp>
+      <p:sp>
+        <p:nvSpPr>
+          <p:cNvPr id="69" name="TextBox 68">
+            <a:extLst>
+              <a:ext uri="{FF2B5EF4-FFF2-40B4-BE49-F238E27FC236}">
+                <a16:creationId xmlns:a16="http://schemas.microsoft.com/office/drawing/2014/main" id="{98B6EE73-010D-6746-B172-D1F7A822431C}"/>
+              </a:ext>
+            </a:extLst>
+          </p:cNvPr>
+          <p:cNvSpPr txBox="1"/>
+          <p:nvPr/>
+        </p:nvSpPr>
+        <p:spPr>
+          <a:xfrm>
+            <a:off x="6578646" y="3134609"/>
+            <a:ext cx="1125536" cy="325569"/>
+          </a:xfrm>
+          <a:prstGeom prst="rect">
+            <a:avLst/>
+          </a:prstGeom>
+          <a:noFill/>
+          <a:ln w="3175" cap="flat">
+            <a:noFill/>
+            <a:miter lim="400000"/>
+          </a:ln>
+          <a:effectLst/>
+        </p:spPr>
+        <p:style>
+          <a:lnRef idx="0">
+            <a:scrgbClr r="0" g="0" b="0"/>
+          </a:lnRef>
+          <a:fillRef idx="0">
+            <a:scrgbClr r="0" g="0" b="0"/>
+          </a:fillRef>
+          <a:effectRef idx="0">
+            <a:scrgbClr r="0" g="0" b="0"/>
+          </a:effectRef>
+          <a:fontRef idx="none"/>
+        </p:style>
+        <p:txBody>
+          <a:bodyPr rot="0" spcFirstLastPara="1" vertOverflow="overflow" horzOverflow="overflow" vert="horz" wrap="square" lIns="39290" tIns="39290" rIns="39290" bIns="39290" numCol="1" spcCol="38100" rtlCol="0" anchor="ctr">
+            <a:spAutoFit/>
+          </a:bodyPr>
+          <a:lstStyle/>
+          <a:p>
+            <a:pPr marL="0" marR="0" indent="0" algn="ctr" defTabSz="584200" rtl="0" fontAlgn="auto" latinLnBrk="1" hangingPunct="0">
+              <a:lnSpc>
+                <a:spcPct val="100000"/>
+              </a:lnSpc>
+              <a:spcBef>
+                <a:spcPts val="0"/>
+              </a:spcBef>
+              <a:spcAft>
+                <a:spcPts val="0"/>
+              </a:spcAft>
+              <a:buClrTx/>
+              <a:buSzTx/>
+              <a:buFontTx/>
+              <a:buNone/>
+              <a:tabLst/>
+            </a:pPr>
+            <a:r>
+              <a:rPr lang="en-US" sz="1600" dirty="0">
+                <a:solidFill>
+                  <a:srgbClr val="000000"/>
+                </a:solidFill>
+              </a:rPr>
+              <a:t>Container</a:t>
+            </a:r>
+            <a:endParaRPr kumimoji="0" lang="en-US" sz="1600" b="0" i="0" u="none" strike="noStrike" cap="none" spc="0" normalizeH="0" baseline="0" dirty="0">
+              <a:ln>
+                <a:noFill/>
+              </a:ln>
+              <a:solidFill>
+                <a:srgbClr val="000000"/>
+              </a:solidFill>
+              <a:effectLst/>
+              <a:uFillTx/>
+              <a:latin typeface="+mn-lt"/>
+              <a:ea typeface="+mn-ea"/>
+              <a:cs typeface="+mn-cs"/>
+              <a:sym typeface="Helvetica Light"/>
+            </a:endParaRPr>
+          </a:p>
+        </p:txBody>
+      </p:sp>
     </p:spTree>
     <p:extLst>
       <p:ext uri="{BB962C8B-B14F-4D97-AF65-F5344CB8AC3E}">
-        <p14:creationId xmlns:p14="http://schemas.microsoft.com/office/powerpoint/2010/main" val="688423436"/>
+        <p14:creationId xmlns:p14="http://schemas.microsoft.com/office/powerpoint/2010/main" val="2470048469"/>
       </p:ext>
     </p:extLst>
   </p:cSld>

--- a/workshop/images/architecture.pptx
+++ b/workshop/images/architecture.pptx
@@ -5,7 +5,7 @@
     <p:sldMasterId id="2147483648" r:id="rId1"/>
   </p:sldMasterIdLst>
   <p:notesMasterIdLst>
-    <p:notesMasterId r:id="rId23"/>
+    <p:notesMasterId r:id="rId24"/>
   </p:notesMasterIdLst>
   <p:sldIdLst>
     <p:sldId id="365" r:id="rId2"/>
@@ -24,11 +24,12 @@
     <p:sldId id="381" r:id="rId15"/>
     <p:sldId id="375" r:id="rId16"/>
     <p:sldId id="379" r:id="rId17"/>
-    <p:sldId id="370" r:id="rId18"/>
-    <p:sldId id="384" r:id="rId19"/>
-    <p:sldId id="386" r:id="rId20"/>
-    <p:sldId id="387" r:id="rId21"/>
-    <p:sldId id="388" r:id="rId22"/>
+    <p:sldId id="389" r:id="rId18"/>
+    <p:sldId id="370" r:id="rId19"/>
+    <p:sldId id="384" r:id="rId20"/>
+    <p:sldId id="386" r:id="rId21"/>
+    <p:sldId id="387" r:id="rId22"/>
+    <p:sldId id="388" r:id="rId23"/>
   </p:sldIdLst>
   <p:sldSz cx="10058400" cy="7772400"/>
   <p:notesSz cx="6858000" cy="9144000"/>
@@ -497,6 +498,72 @@
 </p:notes>
 </file>
 
+<file path=ppt/notesSlides/notesSlide11.xml><?xml version="1.0" encoding="utf-8"?>
+<p:notes xmlns:a="http://schemas.openxmlformats.org/drawingml/2006/main" xmlns:r="http://schemas.openxmlformats.org/officeDocument/2006/relationships" xmlns:p="http://schemas.openxmlformats.org/presentationml/2006/main">
+  <p:cSld>
+    <p:spTree>
+      <p:nvGrpSpPr>
+        <p:cNvPr id="1" name=""/>
+        <p:cNvGrpSpPr/>
+        <p:nvPr/>
+      </p:nvGrpSpPr>
+      <p:grpSpPr>
+        <a:xfrm>
+          <a:off x="0" y="0"/>
+          <a:ext cx="0" cy="0"/>
+          <a:chOff x="0" y="0"/>
+          <a:chExt cx="0" cy="0"/>
+        </a:xfrm>
+      </p:grpSpPr>
+      <p:sp>
+        <p:nvSpPr>
+          <p:cNvPr id="2" name="Slide Image Placeholder 1"/>
+          <p:cNvSpPr>
+            <a:spLocks noGrp="1" noRot="1" noChangeAspect="1"/>
+          </p:cNvSpPr>
+          <p:nvPr>
+            <p:ph type="sldImg"/>
+          </p:nvPr>
+        </p:nvSpPr>
+        <p:spPr>
+          <a:xfrm>
+            <a:off x="1209675" y="685800"/>
+            <a:ext cx="4438650" cy="3429000"/>
+          </a:xfrm>
+        </p:spPr>
+      </p:sp>
+      <p:sp>
+        <p:nvSpPr>
+          <p:cNvPr id="3" name="Notes Placeholder 2"/>
+          <p:cNvSpPr>
+            <a:spLocks noGrp="1"/>
+          </p:cNvSpPr>
+          <p:nvPr>
+            <p:ph type="body" idx="1"/>
+          </p:nvPr>
+        </p:nvSpPr>
+        <p:spPr/>
+        <p:txBody>
+          <a:bodyPr/>
+          <a:lstStyle/>
+          <a:p>
+            <a:endParaRPr lang="en-US"/>
+          </a:p>
+        </p:txBody>
+      </p:sp>
+    </p:spTree>
+    <p:extLst>
+      <p:ext uri="{BB962C8B-B14F-4D97-AF65-F5344CB8AC3E}">
+        <p14:creationId xmlns:p14="http://schemas.microsoft.com/office/powerpoint/2010/main" val="3406938275"/>
+      </p:ext>
+    </p:extLst>
+  </p:cSld>
+  <p:clrMapOvr>
+    <a:masterClrMapping/>
+  </p:clrMapOvr>
+</p:notes>
+</file>
+
 <file path=ppt/notesSlides/notesSlide2.xml><?xml version="1.0" encoding="utf-8"?>
 <p:notes xmlns:a="http://schemas.openxmlformats.org/drawingml/2006/main" xmlns:r="http://schemas.openxmlformats.org/officeDocument/2006/relationships" xmlns:p="http://schemas.openxmlformats.org/presentationml/2006/main">
   <p:cSld>
@@ -1230,7 +1297,7 @@
           </a:ln>
           <a:extLst>
             <a:ext uri="{C572A759-6A51-4108-AA02-DFA0A04FC94B}">
-              <ma14:wrappingTextBoxFlag xmlns:ma14="http://schemas.microsoft.com/office/mac/drawingml/2011/main" xmlns="" val="1"/>
+              <ma14:wrappingTextBoxFlag xmlns="" xmlns:ma14="http://schemas.microsoft.com/office/mac/drawingml/2011/main" val="1"/>
             </a:ext>
           </a:extLst>
         </p:spPr>
@@ -1283,7 +1350,7 @@
           </a:ln>
           <a:extLst>
             <a:ext uri="{C572A759-6A51-4108-AA02-DFA0A04FC94B}">
-              <ma14:wrappingTextBoxFlag xmlns:ma14="http://schemas.microsoft.com/office/mac/drawingml/2011/main" xmlns="" val="1"/>
+              <ma14:wrappingTextBoxFlag xmlns="" xmlns:ma14="http://schemas.microsoft.com/office/mac/drawingml/2011/main" val="1"/>
             </a:ext>
           </a:extLst>
         </p:spPr>
@@ -1331,7 +1398,7 @@
           </a:ln>
           <a:extLst>
             <a:ext uri="{C572A759-6A51-4108-AA02-DFA0A04FC94B}">
-              <ma14:wrappingTextBoxFlag xmlns:ma14="http://schemas.microsoft.com/office/mac/drawingml/2011/main" xmlns="" val="1"/>
+              <ma14:wrappingTextBoxFlag xmlns="" xmlns:ma14="http://schemas.microsoft.com/office/mac/drawingml/2011/main" val="1"/>
             </a:ext>
           </a:extLst>
         </p:spPr>
@@ -1495,7 +1562,7 @@
           </a:ln>
           <a:extLst>
             <a:ext uri="{C572A759-6A51-4108-AA02-DFA0A04FC94B}">
-              <ma14:wrappingTextBoxFlag xmlns:ma14="http://schemas.microsoft.com/office/mac/drawingml/2011/main" xmlns="" val="1"/>
+              <ma14:wrappingTextBoxFlag xmlns="" xmlns:ma14="http://schemas.microsoft.com/office/mac/drawingml/2011/main" val="1"/>
             </a:ext>
           </a:extLst>
         </p:spPr>
@@ -1548,7 +1615,7 @@
           </a:ln>
           <a:extLst>
             <a:ext uri="{C572A759-6A51-4108-AA02-DFA0A04FC94B}">
-              <ma14:wrappingTextBoxFlag xmlns:ma14="http://schemas.microsoft.com/office/mac/drawingml/2011/main" xmlns="" val="1"/>
+              <ma14:wrappingTextBoxFlag xmlns="" xmlns:ma14="http://schemas.microsoft.com/office/mac/drawingml/2011/main" val="1"/>
             </a:ext>
           </a:extLst>
         </p:spPr>
@@ -1596,7 +1663,7 @@
           </a:ln>
           <a:extLst>
             <a:ext uri="{C572A759-6A51-4108-AA02-DFA0A04FC94B}">
-              <ma14:wrappingTextBoxFlag xmlns:ma14="http://schemas.microsoft.com/office/mac/drawingml/2011/main" xmlns="" val="1"/>
+              <ma14:wrappingTextBoxFlag xmlns="" xmlns:ma14="http://schemas.microsoft.com/office/mac/drawingml/2011/main" val="1"/>
             </a:ext>
           </a:extLst>
         </p:spPr>
@@ -1786,7 +1853,7 @@
           </a:ln>
           <a:extLst>
             <a:ext uri="{C572A759-6A51-4108-AA02-DFA0A04FC94B}">
-              <ma14:wrappingTextBoxFlag xmlns:ma14="http://schemas.microsoft.com/office/mac/drawingml/2011/main" xmlns="" val="1"/>
+              <ma14:wrappingTextBoxFlag xmlns="" xmlns:ma14="http://schemas.microsoft.com/office/mac/drawingml/2011/main" val="1"/>
             </a:ext>
           </a:extLst>
         </p:spPr>
@@ -1924,7 +1991,7 @@
           </a:ln>
           <a:extLst>
             <a:ext uri="{C572A759-6A51-4108-AA02-DFA0A04FC94B}">
-              <ma14:wrappingTextBoxFlag xmlns:ma14="http://schemas.microsoft.com/office/mac/drawingml/2011/main" xmlns="" val="1"/>
+              <ma14:wrappingTextBoxFlag xmlns="" xmlns:ma14="http://schemas.microsoft.com/office/mac/drawingml/2011/main" val="1"/>
             </a:ext>
           </a:extLst>
         </p:spPr>
@@ -1977,7 +2044,7 @@
           </a:ln>
           <a:extLst>
             <a:ext uri="{C572A759-6A51-4108-AA02-DFA0A04FC94B}">
-              <ma14:wrappingTextBoxFlag xmlns:ma14="http://schemas.microsoft.com/office/mac/drawingml/2011/main" xmlns="" val="1"/>
+              <ma14:wrappingTextBoxFlag xmlns="" xmlns:ma14="http://schemas.microsoft.com/office/mac/drawingml/2011/main" val="1"/>
             </a:ext>
           </a:extLst>
         </p:spPr>
@@ -2910,7 +2977,7 @@
           </a:ln>
           <a:extLst>
             <a:ext uri="{C572A759-6A51-4108-AA02-DFA0A04FC94B}">
-              <ma14:wrappingTextBoxFlag xmlns:ma14="http://schemas.microsoft.com/office/mac/drawingml/2011/main" xmlns="" val="1"/>
+              <ma14:wrappingTextBoxFlag xmlns="" xmlns:ma14="http://schemas.microsoft.com/office/mac/drawingml/2011/main" val="1"/>
             </a:ext>
           </a:extLst>
         </p:spPr>
@@ -2963,7 +3030,7 @@
           </a:ln>
           <a:extLst>
             <a:ext uri="{C572A759-6A51-4108-AA02-DFA0A04FC94B}">
-              <ma14:wrappingTextBoxFlag xmlns:ma14="http://schemas.microsoft.com/office/mac/drawingml/2011/main" xmlns="" val="1"/>
+              <ma14:wrappingTextBoxFlag xmlns="" xmlns:ma14="http://schemas.microsoft.com/office/mac/drawingml/2011/main" val="1"/>
             </a:ext>
           </a:extLst>
         </p:spPr>
@@ -3011,7 +3078,7 @@
           </a:ln>
           <a:extLst>
             <a:ext uri="{C572A759-6A51-4108-AA02-DFA0A04FC94B}">
-              <ma14:wrappingTextBoxFlag xmlns:ma14="http://schemas.microsoft.com/office/mac/drawingml/2011/main" xmlns="" val="1"/>
+              <ma14:wrappingTextBoxFlag xmlns="" xmlns:ma14="http://schemas.microsoft.com/office/mac/drawingml/2011/main" val="1"/>
             </a:ext>
           </a:extLst>
         </p:spPr>
@@ -3111,7 +3178,7 @@
           </a:ln>
           <a:extLst>
             <a:ext uri="{C572A759-6A51-4108-AA02-DFA0A04FC94B}">
-              <ma14:wrappingTextBoxFlag xmlns:ma14="http://schemas.microsoft.com/office/mac/drawingml/2011/main" xmlns="" val="1"/>
+              <ma14:wrappingTextBoxFlag xmlns="" xmlns:ma14="http://schemas.microsoft.com/office/mac/drawingml/2011/main" val="1"/>
             </a:ext>
           </a:extLst>
         </p:spPr>
@@ -3154,7 +3221,7 @@
           </a:ln>
           <a:extLst>
             <a:ext uri="{C572A759-6A51-4108-AA02-DFA0A04FC94B}">
-              <ma14:wrappingTextBoxFlag xmlns:ma14="http://schemas.microsoft.com/office/mac/drawingml/2011/main" xmlns="" val="1"/>
+              <ma14:wrappingTextBoxFlag xmlns="" xmlns:ma14="http://schemas.microsoft.com/office/mac/drawingml/2011/main" val="1"/>
             </a:ext>
           </a:extLst>
         </p:spPr>
@@ -4363,7 +4430,7 @@
           </a:ln>
           <a:extLst>
             <a:ext uri="{C572A759-6A51-4108-AA02-DFA0A04FC94B}">
-              <ma14:wrappingTextBoxFlag xmlns:ma14="http://schemas.microsoft.com/office/mac/drawingml/2011/main" xmlns="" val="1"/>
+              <ma14:wrappingTextBoxFlag xmlns="" xmlns:ma14="http://schemas.microsoft.com/office/mac/drawingml/2011/main" val="1"/>
             </a:ext>
           </a:extLst>
         </p:spPr>
@@ -4532,7 +4599,7 @@
           </a:ln>
           <a:extLst>
             <a:ext uri="{C572A759-6A51-4108-AA02-DFA0A04FC94B}">
-              <ma14:wrappingTextBoxFlag xmlns:ma14="http://schemas.microsoft.com/office/mac/drawingml/2011/main" xmlns="" val="1"/>
+              <ma14:wrappingTextBoxFlag xmlns="" xmlns:ma14="http://schemas.microsoft.com/office/mac/drawingml/2011/main" val="1"/>
             </a:ext>
           </a:extLst>
         </p:spPr>
@@ -6269,7 +6336,7 @@
           </a:ln>
           <a:extLst>
             <a:ext uri="{C572A759-6A51-4108-AA02-DFA0A04FC94B}">
-              <ma14:wrappingTextBoxFlag xmlns:ma14="http://schemas.microsoft.com/office/mac/drawingml/2011/main" xmlns="" val="1"/>
+              <ma14:wrappingTextBoxFlag xmlns="" xmlns:ma14="http://schemas.microsoft.com/office/mac/drawingml/2011/main" val="1"/>
             </a:ext>
           </a:extLst>
         </p:spPr>
@@ -6438,7 +6505,7 @@
           </a:ln>
           <a:extLst>
             <a:ext uri="{C572A759-6A51-4108-AA02-DFA0A04FC94B}">
-              <ma14:wrappingTextBoxFlag xmlns:ma14="http://schemas.microsoft.com/office/mac/drawingml/2011/main" xmlns="" val="1"/>
+              <ma14:wrappingTextBoxFlag xmlns="" xmlns:ma14="http://schemas.microsoft.com/office/mac/drawingml/2011/main" val="1"/>
             </a:ext>
           </a:extLst>
         </p:spPr>
@@ -8215,7 +8282,7 @@
           </a:ln>
           <a:extLst>
             <a:ext uri="{C572A759-6A51-4108-AA02-DFA0A04FC94B}">
-              <ma14:wrappingTextBoxFlag xmlns:ma14="http://schemas.microsoft.com/office/mac/drawingml/2011/main" xmlns="" val="1"/>
+              <ma14:wrappingTextBoxFlag xmlns="" xmlns:ma14="http://schemas.microsoft.com/office/mac/drawingml/2011/main" val="1"/>
             </a:ext>
           </a:extLst>
         </p:spPr>
@@ -8384,7 +8451,7 @@
           </a:ln>
           <a:extLst>
             <a:ext uri="{C572A759-6A51-4108-AA02-DFA0A04FC94B}">
-              <ma14:wrappingTextBoxFlag xmlns:ma14="http://schemas.microsoft.com/office/mac/drawingml/2011/main" xmlns="" val="1"/>
+              <ma14:wrappingTextBoxFlag xmlns="" xmlns:ma14="http://schemas.microsoft.com/office/mac/drawingml/2011/main" val="1"/>
             </a:ext>
           </a:extLst>
         </p:spPr>
@@ -10161,7 +10228,7 @@
           </a:ln>
           <a:extLst>
             <a:ext uri="{C572A759-6A51-4108-AA02-DFA0A04FC94B}">
-              <ma14:wrappingTextBoxFlag xmlns:ma14="http://schemas.microsoft.com/office/mac/drawingml/2011/main" xmlns="" val="1"/>
+              <ma14:wrappingTextBoxFlag xmlns="" xmlns:ma14="http://schemas.microsoft.com/office/mac/drawingml/2011/main" val="1"/>
             </a:ext>
           </a:extLst>
         </p:spPr>
@@ -10330,7 +10397,7 @@
           </a:ln>
           <a:extLst>
             <a:ext uri="{C572A759-6A51-4108-AA02-DFA0A04FC94B}">
-              <ma14:wrappingTextBoxFlag xmlns:ma14="http://schemas.microsoft.com/office/mac/drawingml/2011/main" xmlns="" val="1"/>
+              <ma14:wrappingTextBoxFlag xmlns="" xmlns:ma14="http://schemas.microsoft.com/office/mac/drawingml/2011/main" val="1"/>
             </a:ext>
           </a:extLst>
         </p:spPr>
@@ -12067,7 +12134,7 @@
           </a:ln>
           <a:extLst>
             <a:ext uri="{C572A759-6A51-4108-AA02-DFA0A04FC94B}">
-              <ma14:wrappingTextBoxFlag xmlns:ma14="http://schemas.microsoft.com/office/mac/drawingml/2011/main" xmlns="" val="1"/>
+              <ma14:wrappingTextBoxFlag xmlns="" xmlns:ma14="http://schemas.microsoft.com/office/mac/drawingml/2011/main" val="1"/>
             </a:ext>
           </a:extLst>
         </p:spPr>
@@ -12236,7 +12303,7 @@
           </a:ln>
           <a:extLst>
             <a:ext uri="{C572A759-6A51-4108-AA02-DFA0A04FC94B}">
-              <ma14:wrappingTextBoxFlag xmlns:ma14="http://schemas.microsoft.com/office/mac/drawingml/2011/main" xmlns="" val="1"/>
+              <ma14:wrappingTextBoxFlag xmlns="" xmlns:ma14="http://schemas.microsoft.com/office/mac/drawingml/2011/main" val="1"/>
             </a:ext>
           </a:extLst>
         </p:spPr>
@@ -14013,7 +14080,7 @@
           </a:ln>
           <a:extLst>
             <a:ext uri="{C572A759-6A51-4108-AA02-DFA0A04FC94B}">
-              <ma14:wrappingTextBoxFlag xmlns:ma14="http://schemas.microsoft.com/office/mac/drawingml/2011/main" xmlns="" val="1"/>
+              <ma14:wrappingTextBoxFlag xmlns="" xmlns:ma14="http://schemas.microsoft.com/office/mac/drawingml/2011/main" val="1"/>
             </a:ext>
           </a:extLst>
         </p:spPr>
@@ -14182,7 +14249,7 @@
           </a:ln>
           <a:extLst>
             <a:ext uri="{C572A759-6A51-4108-AA02-DFA0A04FC94B}">
-              <ma14:wrappingTextBoxFlag xmlns:ma14="http://schemas.microsoft.com/office/mac/drawingml/2011/main" xmlns="" val="1"/>
+              <ma14:wrappingTextBoxFlag xmlns="" xmlns:ma14="http://schemas.microsoft.com/office/mac/drawingml/2011/main" val="1"/>
             </a:ext>
           </a:extLst>
         </p:spPr>
@@ -15959,7 +16026,7 @@
           </a:ln>
           <a:extLst>
             <a:ext uri="{C572A759-6A51-4108-AA02-DFA0A04FC94B}">
-              <ma14:wrappingTextBoxFlag xmlns:ma14="http://schemas.microsoft.com/office/mac/drawingml/2011/main" xmlns="" val="1"/>
+              <ma14:wrappingTextBoxFlag xmlns="" xmlns:ma14="http://schemas.microsoft.com/office/mac/drawingml/2011/main" val="1"/>
             </a:ext>
           </a:extLst>
         </p:spPr>
@@ -16128,7 +16195,7 @@
           </a:ln>
           <a:extLst>
             <a:ext uri="{C572A759-6A51-4108-AA02-DFA0A04FC94B}">
-              <ma14:wrappingTextBoxFlag xmlns:ma14="http://schemas.microsoft.com/office/mac/drawingml/2011/main" xmlns="" val="1"/>
+              <ma14:wrappingTextBoxFlag xmlns="" xmlns:ma14="http://schemas.microsoft.com/office/mac/drawingml/2011/main" val="1"/>
             </a:ext>
           </a:extLst>
         </p:spPr>
@@ -17642,7 +17709,7 @@
             <a:avLst/>
           </a:prstGeom>
           <a:noFill/>
-          <a:ln w="12700" cap="flat" cmpd="sng">
+          <a:ln w="38100" cap="flat" cmpd="sng">
             <a:solidFill>
               <a:schemeClr val="bg1">
                 <a:lumMod val="85000"/>
@@ -17692,7 +17759,7 @@
             <a:avLst/>
           </a:prstGeom>
           <a:noFill/>
-          <a:ln w="12700" cap="flat" cmpd="sng">
+          <a:ln w="38100" cap="flat" cmpd="sng">
             <a:solidFill>
               <a:schemeClr val="bg1">
                 <a:lumMod val="85000"/>
@@ -17736,7 +17803,7 @@
             <a:avLst/>
           </a:prstGeom>
           <a:noFill/>
-          <a:ln w="12700" cap="flat" cmpd="sng">
+          <a:ln w="38100" cap="flat" cmpd="sng">
             <a:solidFill>
               <a:schemeClr val="bg1">
                 <a:lumMod val="85000"/>
@@ -17786,7 +17853,7 @@
             <a:avLst/>
           </a:prstGeom>
           <a:noFill/>
-          <a:ln w="12700" cap="flat" cmpd="sng">
+          <a:ln w="38100" cap="flat" cmpd="sng">
             <a:solidFill>
               <a:schemeClr val="bg1">
                 <a:lumMod val="85000"/>
@@ -17865,7 +17932,7 @@
           </a:ln>
           <a:extLst>
             <a:ext uri="{C572A759-6A51-4108-AA02-DFA0A04FC94B}">
-              <ma14:wrappingTextBoxFlag xmlns:ma14="http://schemas.microsoft.com/office/mac/drawingml/2011/main" xmlns="" val="1"/>
+              <ma14:wrappingTextBoxFlag xmlns="" xmlns:ma14="http://schemas.microsoft.com/office/mac/drawingml/2011/main" val="1"/>
             </a:ext>
           </a:extLst>
         </p:spPr>
@@ -17923,7 +17990,7 @@
           <p:nvPr/>
         </p:nvPicPr>
         <p:blipFill>
-          <a:blip r:embed="rId2"/>
+          <a:blip r:embed="rId3"/>
           <a:stretch>
             <a:fillRect/>
           </a:stretch>
@@ -18000,6 +18067,1872 @@
           <p:nvPr/>
         </p:nvPicPr>
         <p:blipFill>
+          <a:blip r:embed="rId4"/>
+          <a:stretch>
+            <a:fillRect/>
+          </a:stretch>
+        </p:blipFill>
+        <p:spPr>
+          <a:xfrm>
+            <a:off x="3255007" y="1705499"/>
+            <a:ext cx="895939" cy="860102"/>
+          </a:xfrm>
+          <a:prstGeom prst="rect">
+            <a:avLst/>
+          </a:prstGeom>
+        </p:spPr>
+      </p:pic>
+      <p:sp>
+        <p:nvSpPr>
+          <p:cNvPr id="57" name="Shape 64"/>
+          <p:cNvSpPr/>
+          <p:nvPr/>
+        </p:nvSpPr>
+        <p:spPr>
+          <a:xfrm>
+            <a:off x="82313" y="788870"/>
+            <a:ext cx="1716821" cy="246221"/>
+          </a:xfrm>
+          <a:prstGeom prst="rect">
+            <a:avLst/>
+          </a:prstGeom>
+          <a:ln w="3175">
+            <a:miter lim="400000"/>
+          </a:ln>
+          <a:extLst>
+            <a:ext uri="{C572A759-6A51-4108-AA02-DFA0A04FC94B}">
+              <ma14:wrappingTextBoxFlag xmlns="" xmlns:ma14="http://schemas.microsoft.com/office/mac/drawingml/2011/main" val="1"/>
+            </a:ext>
+          </a:extLst>
+        </p:spPr>
+        <p:txBody>
+          <a:bodyPr wrap="square" lIns="0" tIns="0" rIns="0" bIns="0">
+            <a:spAutoFit/>
+          </a:bodyPr>
+          <a:lstStyle>
+            <a:lvl1pPr algn="l">
+              <a:defRPr sz="1000" b="1">
+                <a:solidFill>
+                  <a:srgbClr val="4277BB"/>
+                </a:solidFill>
+                <a:latin typeface="Helvetica"/>
+                <a:ea typeface="Helvetica"/>
+                <a:cs typeface="Helvetica"/>
+                <a:sym typeface="Helvetica"/>
+              </a:defRPr>
+            </a:lvl1pPr>
+          </a:lstStyle>
+          <a:p>
+            <a:pPr lvl="0" algn="ctr">
+              <a:defRPr sz="1800" b="0">
+                <a:solidFill>
+                  <a:srgbClr val="000000"/>
+                </a:solidFill>
+              </a:defRPr>
+            </a:pPr>
+            <a:r>
+              <a:rPr lang="de-DE" sz="1600" b="1">
+                <a:solidFill>
+                  <a:srgbClr val="000000"/>
+                </a:solidFill>
+                <a:latin typeface="Arial"/>
+                <a:cs typeface="Arial"/>
+              </a:rPr>
+              <a:t>Browser</a:t>
+            </a:r>
+            <a:endParaRPr sz="1600">
+              <a:solidFill>
+                <a:srgbClr val="000000"/>
+              </a:solidFill>
+              <a:latin typeface="Arial"/>
+              <a:cs typeface="Arial"/>
+            </a:endParaRPr>
+          </a:p>
+        </p:txBody>
+      </p:sp>
+      <p:sp>
+        <p:nvSpPr>
+          <p:cNvPr id="64" name="TextBox 63"/>
+          <p:cNvSpPr txBox="1"/>
+          <p:nvPr/>
+        </p:nvSpPr>
+        <p:spPr>
+          <a:xfrm>
+            <a:off x="2961332" y="2494251"/>
+            <a:ext cx="1506878" cy="448679"/>
+          </a:xfrm>
+          <a:prstGeom prst="rect">
+            <a:avLst/>
+          </a:prstGeom>
+          <a:noFill/>
+          <a:ln w="3175" cap="flat">
+            <a:noFill/>
+            <a:miter lim="400000"/>
+          </a:ln>
+          <a:effectLst/>
+        </p:spPr>
+        <p:style>
+          <a:lnRef idx="0">
+            <a:scrgbClr r="0" g="0" b="0"/>
+          </a:lnRef>
+          <a:fillRef idx="0">
+            <a:scrgbClr r="0" g="0" b="0"/>
+          </a:fillRef>
+          <a:effectRef idx="0">
+            <a:scrgbClr r="0" g="0" b="0"/>
+          </a:effectRef>
+          <a:fontRef idx="none"/>
+        </p:style>
+        <p:txBody>
+          <a:bodyPr rot="0" spcFirstLastPara="1" vertOverflow="overflow" horzOverflow="overflow" vert="horz" wrap="square" lIns="39290" tIns="39290" rIns="39290" bIns="39290" numCol="1" spcCol="38100" rtlCol="0" anchor="ctr">
+            <a:spAutoFit/>
+          </a:bodyPr>
+          <a:lstStyle/>
+          <a:p>
+            <a:pPr marL="0" marR="0" indent="0" defTabSz="584200" rtl="0" fontAlgn="auto" latinLnBrk="1" hangingPunct="0">
+              <a:lnSpc>
+                <a:spcPct val="100000"/>
+              </a:lnSpc>
+              <a:spcBef>
+                <a:spcPts val="0"/>
+              </a:spcBef>
+              <a:spcAft>
+                <a:spcPts val="0"/>
+              </a:spcAft>
+              <a:buClrTx/>
+              <a:buSzTx/>
+              <a:buFontTx/>
+              <a:buNone/>
+              <a:tabLst/>
+            </a:pPr>
+            <a:r>
+              <a:rPr lang="en-US" sz="1200" dirty="0">
+                <a:solidFill>
+                  <a:srgbClr val="000000"/>
+                </a:solidFill>
+                <a:latin typeface="Arial"/>
+                <a:cs typeface="Arial"/>
+              </a:rPr>
+              <a:t>Web-API</a:t>
+            </a:r>
+            <a:endParaRPr kumimoji="0" lang="en-US" sz="1200" b="0" i="0" u="none" strike="noStrike" cap="none" spc="0" normalizeH="0" baseline="0" dirty="0">
+              <a:ln>
+                <a:noFill/>
+              </a:ln>
+              <a:solidFill>
+                <a:srgbClr val="000000"/>
+              </a:solidFill>
+              <a:effectLst/>
+              <a:uFillTx/>
+              <a:latin typeface="Arial"/>
+              <a:ea typeface="+mn-ea"/>
+              <a:cs typeface="Arial"/>
+              <a:sym typeface="Helvetica Light"/>
+            </a:endParaRPr>
+          </a:p>
+          <a:p>
+            <a:pPr marL="0" marR="0" indent="0" defTabSz="584200" rtl="0" fontAlgn="auto" latinLnBrk="1" hangingPunct="0">
+              <a:lnSpc>
+                <a:spcPct val="100000"/>
+              </a:lnSpc>
+              <a:spcBef>
+                <a:spcPts val="0"/>
+              </a:spcBef>
+              <a:spcAft>
+                <a:spcPts val="0"/>
+              </a:spcAft>
+              <a:buClrTx/>
+              <a:buSzTx/>
+              <a:buFontTx/>
+              <a:buNone/>
+              <a:tabLst/>
+            </a:pPr>
+            <a:r>
+              <a:rPr lang="en-US" sz="1200" dirty="0">
+                <a:solidFill>
+                  <a:srgbClr val="000000"/>
+                </a:solidFill>
+                <a:latin typeface="Arial"/>
+                <a:cs typeface="Arial"/>
+              </a:rPr>
+              <a:t>v1</a:t>
+            </a:r>
+            <a:endParaRPr kumimoji="0" lang="en-US" sz="1200" b="0" i="0" u="none" strike="noStrike" cap="none" spc="0" normalizeH="0" baseline="0" dirty="0">
+              <a:ln>
+                <a:noFill/>
+              </a:ln>
+              <a:solidFill>
+                <a:srgbClr val="000000"/>
+              </a:solidFill>
+              <a:effectLst/>
+              <a:uFillTx/>
+              <a:latin typeface="Arial"/>
+              <a:ea typeface="+mn-ea"/>
+              <a:cs typeface="Arial"/>
+              <a:sym typeface="Helvetica Light"/>
+            </a:endParaRPr>
+          </a:p>
+        </p:txBody>
+      </p:sp>
+      <p:grpSp>
+        <p:nvGrpSpPr>
+          <p:cNvPr id="9" name="Group 8"/>
+          <p:cNvGrpSpPr/>
+          <p:nvPr/>
+        </p:nvGrpSpPr>
+        <p:grpSpPr>
+          <a:xfrm>
+            <a:off x="5597870" y="3165843"/>
+            <a:ext cx="707233" cy="707233"/>
+            <a:chOff x="394759" y="4656919"/>
+            <a:chExt cx="707233" cy="707233"/>
+          </a:xfrm>
+        </p:grpSpPr>
+        <p:sp>
+          <p:nvSpPr>
+            <p:cNvPr id="72" name="Shape 272"/>
+            <p:cNvSpPr/>
+            <p:nvPr/>
+          </p:nvSpPr>
+          <p:spPr>
+            <a:xfrm>
+              <a:off x="394759" y="4656919"/>
+              <a:ext cx="707233" cy="707233"/>
+            </a:xfrm>
+            <a:custGeom>
+              <a:avLst/>
+              <a:gdLst/>
+              <a:ahLst/>
+              <a:cxnLst>
+                <a:cxn ang="0">
+                  <a:pos x="wd2" y="hd2"/>
+                </a:cxn>
+                <a:cxn ang="5400000">
+                  <a:pos x="wd2" y="hd2"/>
+                </a:cxn>
+                <a:cxn ang="10800000">
+                  <a:pos x="wd2" y="hd2"/>
+                </a:cxn>
+                <a:cxn ang="16200000">
+                  <a:pos x="wd2" y="hd2"/>
+                </a:cxn>
+              </a:cxnLst>
+              <a:rect l="0" t="0" r="r" b="b"/>
+              <a:pathLst>
+                <a:path w="19679" h="19679" extrusionOk="0">
+                  <a:moveTo>
+                    <a:pt x="16796" y="2882"/>
+                  </a:moveTo>
+                  <a:cubicBezTo>
+                    <a:pt x="20639" y="6724"/>
+                    <a:pt x="20639" y="12954"/>
+                    <a:pt x="16796" y="16796"/>
+                  </a:cubicBezTo>
+                  <a:cubicBezTo>
+                    <a:pt x="12954" y="20639"/>
+                    <a:pt x="6724" y="20639"/>
+                    <a:pt x="2882" y="16796"/>
+                  </a:cubicBezTo>
+                  <a:cubicBezTo>
+                    <a:pt x="-961" y="12954"/>
+                    <a:pt x="-961" y="6724"/>
+                    <a:pt x="2882" y="2882"/>
+                  </a:cubicBezTo>
+                  <a:cubicBezTo>
+                    <a:pt x="6724" y="-961"/>
+                    <a:pt x="12954" y="-961"/>
+                    <a:pt x="16796" y="2882"/>
+                  </a:cubicBezTo>
+                  <a:close/>
+                </a:path>
+              </a:pathLst>
+            </a:custGeom>
+            <a:solidFill>
+              <a:srgbClr val="8DC53F"/>
+            </a:solidFill>
+            <a:ln w="3175" cap="flat">
+              <a:noFill/>
+              <a:miter lim="400000"/>
+            </a:ln>
+            <a:effectLst/>
+          </p:spPr>
+          <p:txBody>
+            <a:bodyPr wrap="square" lIns="0" tIns="0" rIns="0" bIns="0" numCol="1" anchor="ctr">
+              <a:noAutofit/>
+            </a:bodyPr>
+            <a:lstStyle/>
+            <a:p>
+              <a:pPr lvl="0">
+                <a:defRPr sz="1800">
+                  <a:solidFill>
+                    <a:srgbClr val="FFFFFF"/>
+                  </a:solidFill>
+                </a:defRPr>
+              </a:pPr>
+              <a:endParaRPr/>
+            </a:p>
+          </p:txBody>
+        </p:sp>
+        <p:pic>
+          <p:nvPicPr>
+            <p:cNvPr id="74" name="_-13.png"/>
+            <p:cNvPicPr/>
+            <p:nvPr/>
+          </p:nvPicPr>
+          <p:blipFill>
+            <a:blip r:embed="rId5"/>
+            <a:srcRect l="19624" t="23468" r="19624" b="23468"/>
+            <a:stretch>
+              <a:fillRect/>
+            </a:stretch>
+          </p:blipFill>
+          <p:spPr>
+            <a:xfrm>
+              <a:off x="535947" y="4822892"/>
+              <a:ext cx="429660" cy="375287"/>
+            </a:xfrm>
+            <a:prstGeom prst="rect">
+              <a:avLst/>
+            </a:prstGeom>
+            <a:ln w="3175" cap="flat">
+              <a:noFill/>
+              <a:miter lim="400000"/>
+            </a:ln>
+            <a:effectLst/>
+          </p:spPr>
+        </p:pic>
+      </p:grpSp>
+      <p:pic>
+        <p:nvPicPr>
+          <p:cNvPr id="78" name="Picture 77"/>
+          <p:cNvPicPr>
+            <a:picLocks noChangeAspect="1"/>
+          </p:cNvPicPr>
+          <p:nvPr/>
+        </p:nvPicPr>
+        <p:blipFill>
+          <a:blip r:embed="rId6"/>
+          <a:stretch>
+            <a:fillRect/>
+          </a:stretch>
+        </p:blipFill>
+        <p:spPr>
+          <a:xfrm>
+            <a:off x="3084928" y="1407112"/>
+            <a:ext cx="831816" cy="524254"/>
+          </a:xfrm>
+          <a:prstGeom prst="rect">
+            <a:avLst/>
+          </a:prstGeom>
+        </p:spPr>
+      </p:pic>
+      <p:sp>
+        <p:nvSpPr>
+          <p:cNvPr id="80" name="TextBox 79"/>
+          <p:cNvSpPr txBox="1"/>
+          <p:nvPr/>
+        </p:nvSpPr>
+        <p:spPr>
+          <a:xfrm>
+            <a:off x="5207811" y="2470326"/>
+            <a:ext cx="1506878" cy="264013"/>
+          </a:xfrm>
+          <a:prstGeom prst="rect">
+            <a:avLst/>
+          </a:prstGeom>
+          <a:noFill/>
+          <a:ln w="3175" cap="flat">
+            <a:noFill/>
+            <a:miter lim="400000"/>
+          </a:ln>
+          <a:effectLst/>
+        </p:spPr>
+        <p:style>
+          <a:lnRef idx="0">
+            <a:scrgbClr r="0" g="0" b="0"/>
+          </a:lnRef>
+          <a:fillRef idx="0">
+            <a:scrgbClr r="0" g="0" b="0"/>
+          </a:fillRef>
+          <a:effectRef idx="0">
+            <a:scrgbClr r="0" g="0" b="0"/>
+          </a:effectRef>
+          <a:fontRef idx="none"/>
+        </p:style>
+        <p:txBody>
+          <a:bodyPr rot="0" spcFirstLastPara="1" vertOverflow="overflow" horzOverflow="overflow" vert="horz" wrap="square" lIns="39290" tIns="39290" rIns="39290" bIns="39290" numCol="1" spcCol="38100" rtlCol="0" anchor="ctr">
+            <a:spAutoFit/>
+          </a:bodyPr>
+          <a:lstStyle/>
+          <a:p>
+            <a:pPr marL="0" marR="0" indent="0" defTabSz="584200" rtl="0" fontAlgn="auto" latinLnBrk="1" hangingPunct="0">
+              <a:lnSpc>
+                <a:spcPct val="100000"/>
+              </a:lnSpc>
+              <a:spcBef>
+                <a:spcPts val="0"/>
+              </a:spcBef>
+              <a:spcAft>
+                <a:spcPts val="0"/>
+              </a:spcAft>
+              <a:buClrTx/>
+              <a:buSzTx/>
+              <a:buFontTx/>
+              <a:buNone/>
+              <a:tabLst/>
+            </a:pPr>
+            <a:r>
+              <a:rPr kumimoji="0" lang="en-US" sz="1200" b="0" i="0" u="none" strike="noStrike" cap="none" spc="0" normalizeH="0" baseline="0">
+                <a:ln>
+                  <a:noFill/>
+                </a:ln>
+                <a:solidFill>
+                  <a:srgbClr val="000000"/>
+                </a:solidFill>
+                <a:effectLst/>
+                <a:uFillTx/>
+                <a:latin typeface="Arial"/>
+                <a:ea typeface="+mn-ea"/>
+                <a:cs typeface="Arial"/>
+                <a:sym typeface="Helvetica Light"/>
+              </a:rPr>
+              <a:t>Articles</a:t>
+            </a:r>
+          </a:p>
+        </p:txBody>
+      </p:sp>
+      <p:cxnSp>
+        <p:nvCxnSpPr>
+          <p:cNvPr id="92" name="Straight Arrow Connector 62"/>
+          <p:cNvCxnSpPr>
+            <a:cxnSpLocks/>
+            <a:endCxn id="216" idx="1"/>
+          </p:cNvCxnSpPr>
+          <p:nvPr/>
+        </p:nvCxnSpPr>
+        <p:spPr>
+          <a:xfrm flipV="1">
+            <a:off x="2142836" y="2135550"/>
+            <a:ext cx="1112171" cy="1215070"/>
+          </a:xfrm>
+          <a:prstGeom prst="straightConnector1">
+            <a:avLst/>
+          </a:prstGeom>
+          <a:noFill/>
+          <a:ln w="38100" cap="flat" cmpd="sng">
+            <a:solidFill>
+              <a:schemeClr val="bg1">
+                <a:lumMod val="85000"/>
+              </a:schemeClr>
+            </a:solidFill>
+            <a:prstDash val="solid"/>
+            <a:miter lim="400000"/>
+            <a:headEnd type="none"/>
+            <a:tailEnd type="none"/>
+          </a:ln>
+          <a:effectLst/>
+        </p:spPr>
+        <p:style>
+          <a:lnRef idx="0">
+            <a:scrgbClr r="0" g="0" b="0"/>
+          </a:lnRef>
+          <a:fillRef idx="0">
+            <a:scrgbClr r="0" g="0" b="0"/>
+          </a:fillRef>
+          <a:effectRef idx="0">
+            <a:scrgbClr r="0" g="0" b="0"/>
+          </a:effectRef>
+          <a:fontRef idx="none"/>
+        </p:style>
+      </p:cxnSp>
+      <p:sp>
+        <p:nvSpPr>
+          <p:cNvPr id="106" name="TextBox 105"/>
+          <p:cNvSpPr txBox="1"/>
+          <p:nvPr/>
+        </p:nvSpPr>
+        <p:spPr>
+          <a:xfrm>
+            <a:off x="5188085" y="3859630"/>
+            <a:ext cx="1506878" cy="264013"/>
+          </a:xfrm>
+          <a:prstGeom prst="rect">
+            <a:avLst/>
+          </a:prstGeom>
+          <a:noFill/>
+          <a:ln w="3175" cap="flat">
+            <a:noFill/>
+            <a:miter lim="400000"/>
+          </a:ln>
+          <a:effectLst/>
+        </p:spPr>
+        <p:style>
+          <a:lnRef idx="0">
+            <a:scrgbClr r="0" g="0" b="0"/>
+          </a:lnRef>
+          <a:fillRef idx="0">
+            <a:scrgbClr r="0" g="0" b="0"/>
+          </a:fillRef>
+          <a:effectRef idx="0">
+            <a:scrgbClr r="0" g="0" b="0"/>
+          </a:effectRef>
+          <a:fontRef idx="none"/>
+        </p:style>
+        <p:txBody>
+          <a:bodyPr rot="0" spcFirstLastPara="1" vertOverflow="overflow" horzOverflow="overflow" vert="horz" wrap="square" lIns="39290" tIns="39290" rIns="39290" bIns="39290" numCol="1" spcCol="38100" rtlCol="0" anchor="ctr">
+            <a:spAutoFit/>
+          </a:bodyPr>
+          <a:lstStyle/>
+          <a:p>
+            <a:pPr marL="0" marR="0" indent="0" defTabSz="584200" rtl="0" fontAlgn="auto" latinLnBrk="1" hangingPunct="0">
+              <a:lnSpc>
+                <a:spcPct val="100000"/>
+              </a:lnSpc>
+              <a:spcBef>
+                <a:spcPts val="0"/>
+              </a:spcBef>
+              <a:spcAft>
+                <a:spcPts val="0"/>
+              </a:spcAft>
+              <a:buClrTx/>
+              <a:buSzTx/>
+              <a:buFontTx/>
+              <a:buNone/>
+              <a:tabLst/>
+            </a:pPr>
+            <a:r>
+              <a:rPr lang="en-US" sz="1200">
+                <a:solidFill>
+                  <a:srgbClr val="000000"/>
+                </a:solidFill>
+                <a:latin typeface="Arial"/>
+                <a:cs typeface="Arial"/>
+              </a:rPr>
+              <a:t>A</a:t>
+            </a:r>
+            <a:r>
+              <a:rPr kumimoji="0" lang="en-US" sz="1200" b="0" i="0" u="none" strike="noStrike" cap="none" spc="0" normalizeH="0" baseline="0">
+                <a:ln>
+                  <a:noFill/>
+                </a:ln>
+                <a:solidFill>
+                  <a:srgbClr val="000000"/>
+                </a:solidFill>
+                <a:effectLst/>
+                <a:uFillTx/>
+                <a:latin typeface="Arial"/>
+                <a:ea typeface="+mn-ea"/>
+                <a:cs typeface="Arial"/>
+                <a:sym typeface="Helvetica Light"/>
+              </a:rPr>
+              <a:t>uthors</a:t>
+            </a:r>
+          </a:p>
+        </p:txBody>
+      </p:sp>
+      <p:pic>
+        <p:nvPicPr>
+          <p:cNvPr id="107" name="Picture 106"/>
+          <p:cNvPicPr>
+            <a:picLocks noChangeAspect="1"/>
+          </p:cNvPicPr>
+          <p:nvPr/>
+        </p:nvPicPr>
+        <p:blipFill>
+          <a:blip r:embed="rId7"/>
+          <a:stretch>
+            <a:fillRect/>
+          </a:stretch>
+        </p:blipFill>
+        <p:spPr>
+          <a:xfrm>
+            <a:off x="5227279" y="2872394"/>
+            <a:ext cx="695118" cy="425181"/>
+          </a:xfrm>
+          <a:prstGeom prst="rect">
+            <a:avLst/>
+          </a:prstGeom>
+        </p:spPr>
+      </p:pic>
+      <p:sp>
+        <p:nvSpPr>
+          <p:cNvPr id="117" name="TextBox 116"/>
+          <p:cNvSpPr txBox="1"/>
+          <p:nvPr/>
+        </p:nvSpPr>
+        <p:spPr>
+          <a:xfrm>
+            <a:off x="2996444" y="5679606"/>
+            <a:ext cx="1365428" cy="264013"/>
+          </a:xfrm>
+          <a:prstGeom prst="rect">
+            <a:avLst/>
+          </a:prstGeom>
+          <a:noFill/>
+          <a:ln w="3175" cap="flat">
+            <a:noFill/>
+            <a:miter lim="400000"/>
+          </a:ln>
+          <a:effectLst/>
+        </p:spPr>
+        <p:style>
+          <a:lnRef idx="0">
+            <a:scrgbClr r="0" g="0" b="0"/>
+          </a:lnRef>
+          <a:fillRef idx="0">
+            <a:scrgbClr r="0" g="0" b="0"/>
+          </a:fillRef>
+          <a:effectRef idx="0">
+            <a:scrgbClr r="0" g="0" b="0"/>
+          </a:effectRef>
+          <a:fontRef idx="none"/>
+        </p:style>
+        <p:txBody>
+          <a:bodyPr rot="0" spcFirstLastPara="1" vertOverflow="overflow" horzOverflow="overflow" vert="horz" wrap="square" lIns="39290" tIns="39290" rIns="39290" bIns="39290" numCol="1" spcCol="38100" rtlCol="0" anchor="ctr">
+            <a:spAutoFit/>
+          </a:bodyPr>
+          <a:lstStyle/>
+          <a:p>
+            <a:pPr rtl="0" latinLnBrk="1" hangingPunct="0"/>
+            <a:r>
+              <a:rPr lang="en-US" sz="1200">
+                <a:solidFill>
+                  <a:srgbClr val="000000"/>
+                </a:solidFill>
+                <a:latin typeface="Arial"/>
+                <a:cs typeface="Arial"/>
+              </a:rPr>
+              <a:t>Web-App</a:t>
+            </a:r>
+          </a:p>
+        </p:txBody>
+      </p:sp>
+      <p:cxnSp>
+        <p:nvCxnSpPr>
+          <p:cNvPr id="118" name="Straight Arrow Connector 62"/>
+          <p:cNvCxnSpPr>
+            <a:cxnSpLocks/>
+          </p:cNvCxnSpPr>
+          <p:nvPr/>
+        </p:nvCxnSpPr>
+        <p:spPr>
+          <a:xfrm>
+            <a:off x="2102902" y="3967369"/>
+            <a:ext cx="1249890" cy="1279001"/>
+          </a:xfrm>
+          <a:prstGeom prst="straightConnector1">
+            <a:avLst/>
+          </a:prstGeom>
+          <a:noFill/>
+          <a:ln w="38100" cap="flat" cmpd="sng">
+            <a:solidFill>
+              <a:schemeClr val="bg1">
+                <a:lumMod val="85000"/>
+              </a:schemeClr>
+            </a:solidFill>
+            <a:prstDash val="solid"/>
+            <a:miter lim="400000"/>
+            <a:headEnd type="none"/>
+            <a:tailEnd type="none"/>
+          </a:ln>
+          <a:effectLst/>
+        </p:spPr>
+        <p:style>
+          <a:lnRef idx="0">
+            <a:scrgbClr r="0" g="0" b="0"/>
+          </a:lnRef>
+          <a:fillRef idx="0">
+            <a:scrgbClr r="0" g="0" b="0"/>
+          </a:fillRef>
+          <a:effectRef idx="0">
+            <a:scrgbClr r="0" g="0" b="0"/>
+          </a:effectRef>
+          <a:fontRef idx="none"/>
+        </p:style>
+      </p:cxnSp>
+      <p:pic>
+        <p:nvPicPr>
+          <p:cNvPr id="232" name="Picture 231"/>
+          <p:cNvPicPr>
+            <a:picLocks noChangeAspect="1"/>
+          </p:cNvPicPr>
+          <p:nvPr/>
+        </p:nvPicPr>
+        <p:blipFill>
+          <a:blip r:embed="rId8"/>
+          <a:stretch>
+            <a:fillRect/>
+          </a:stretch>
+        </p:blipFill>
+        <p:spPr>
+          <a:xfrm>
+            <a:off x="3193422" y="4710185"/>
+            <a:ext cx="307414" cy="348208"/>
+          </a:xfrm>
+          <a:prstGeom prst="rect">
+            <a:avLst/>
+          </a:prstGeom>
+        </p:spPr>
+      </p:pic>
+      <p:grpSp>
+        <p:nvGrpSpPr>
+          <p:cNvPr id="22" name="Group 21"/>
+          <p:cNvGrpSpPr/>
+          <p:nvPr/>
+        </p:nvGrpSpPr>
+        <p:grpSpPr>
+          <a:xfrm>
+            <a:off x="3347757" y="4959873"/>
+            <a:ext cx="707235" cy="707233"/>
+            <a:chOff x="555452" y="2050875"/>
+            <a:chExt cx="707235" cy="707233"/>
+          </a:xfrm>
+        </p:grpSpPr>
+        <p:sp>
+          <p:nvSpPr>
+            <p:cNvPr id="110" name="Shape 339"/>
+            <p:cNvSpPr/>
+            <p:nvPr/>
+          </p:nvSpPr>
+          <p:spPr>
+            <a:xfrm>
+              <a:off x="555452" y="2050875"/>
+              <a:ext cx="707235" cy="707233"/>
+            </a:xfrm>
+            <a:custGeom>
+              <a:avLst/>
+              <a:gdLst/>
+              <a:ahLst/>
+              <a:cxnLst>
+                <a:cxn ang="0">
+                  <a:pos x="wd2" y="hd2"/>
+                </a:cxn>
+                <a:cxn ang="5400000">
+                  <a:pos x="wd2" y="hd2"/>
+                </a:cxn>
+                <a:cxn ang="10800000">
+                  <a:pos x="wd2" y="hd2"/>
+                </a:cxn>
+                <a:cxn ang="16200000">
+                  <a:pos x="wd2" y="hd2"/>
+                </a:cxn>
+              </a:cxnLst>
+              <a:rect l="0" t="0" r="r" b="b"/>
+              <a:pathLst>
+                <a:path w="19679" h="19679" extrusionOk="0">
+                  <a:moveTo>
+                    <a:pt x="16796" y="2882"/>
+                  </a:moveTo>
+                  <a:cubicBezTo>
+                    <a:pt x="20639" y="6724"/>
+                    <a:pt x="20639" y="12954"/>
+                    <a:pt x="16796" y="16796"/>
+                  </a:cubicBezTo>
+                  <a:cubicBezTo>
+                    <a:pt x="12954" y="20639"/>
+                    <a:pt x="6724" y="20639"/>
+                    <a:pt x="2882" y="16796"/>
+                  </a:cubicBezTo>
+                  <a:cubicBezTo>
+                    <a:pt x="-961" y="12954"/>
+                    <a:pt x="-961" y="6724"/>
+                    <a:pt x="2882" y="2882"/>
+                  </a:cubicBezTo>
+                  <a:cubicBezTo>
+                    <a:pt x="6724" y="-961"/>
+                    <a:pt x="12954" y="-961"/>
+                    <a:pt x="16796" y="2882"/>
+                  </a:cubicBezTo>
+                  <a:close/>
+                </a:path>
+              </a:pathLst>
+            </a:custGeom>
+            <a:solidFill>
+              <a:srgbClr val="325C80"/>
+            </a:solidFill>
+            <a:ln w="3175" cap="flat">
+              <a:noFill/>
+              <a:miter lim="400000"/>
+            </a:ln>
+            <a:effectLst/>
+          </p:spPr>
+          <p:txBody>
+            <a:bodyPr wrap="square" lIns="0" tIns="0" rIns="0" bIns="0" numCol="1" anchor="ctr">
+              <a:noAutofit/>
+            </a:bodyPr>
+            <a:lstStyle/>
+            <a:p>
+              <a:pPr lvl="0">
+                <a:defRPr sz="1800">
+                  <a:solidFill>
+                    <a:srgbClr val="FFFFFF"/>
+                  </a:solidFill>
+                </a:defRPr>
+              </a:pPr>
+              <a:endParaRPr/>
+            </a:p>
+          </p:txBody>
+        </p:sp>
+        <p:pic>
+          <p:nvPicPr>
+            <p:cNvPr id="111" name="_-41.png"/>
+            <p:cNvPicPr/>
+            <p:nvPr/>
+          </p:nvPicPr>
+          <p:blipFill>
+            <a:blip r:embed="rId9"/>
+            <a:srcRect l="21704" t="15445" r="21704" b="15445"/>
+            <a:stretch>
+              <a:fillRect/>
+            </a:stretch>
+          </p:blipFill>
+          <p:spPr>
+            <a:xfrm>
+              <a:off x="712289" y="2169320"/>
+              <a:ext cx="400239" cy="488767"/>
+            </a:xfrm>
+            <a:prstGeom prst="rect">
+              <a:avLst/>
+            </a:prstGeom>
+            <a:ln w="3175" cap="flat">
+              <a:noFill/>
+              <a:miter lim="400000"/>
+            </a:ln>
+            <a:effectLst/>
+          </p:spPr>
+        </p:pic>
+      </p:grpSp>
+      <p:pic>
+        <p:nvPicPr>
+          <p:cNvPr id="84" name="Picture 83"/>
+          <p:cNvPicPr>
+            <a:picLocks noChangeAspect="1"/>
+          </p:cNvPicPr>
+          <p:nvPr/>
+        </p:nvPicPr>
+        <p:blipFill>
+          <a:blip r:embed="rId6"/>
+          <a:stretch>
+            <a:fillRect/>
+          </a:stretch>
+        </p:blipFill>
+        <p:spPr>
+          <a:xfrm>
+            <a:off x="5229846" y="1407112"/>
+            <a:ext cx="831816" cy="524254"/>
+          </a:xfrm>
+          <a:prstGeom prst="rect">
+            <a:avLst/>
+          </a:prstGeom>
+        </p:spPr>
+      </p:pic>
+      <p:grpSp>
+        <p:nvGrpSpPr>
+          <p:cNvPr id="63" name="Group 62"/>
+          <p:cNvGrpSpPr/>
+          <p:nvPr/>
+        </p:nvGrpSpPr>
+        <p:grpSpPr>
+          <a:xfrm>
+            <a:off x="5597870" y="1773737"/>
+            <a:ext cx="707233" cy="707233"/>
+            <a:chOff x="600270" y="3372960"/>
+            <a:chExt cx="707233" cy="707233"/>
+          </a:xfrm>
+        </p:grpSpPr>
+        <p:sp>
+          <p:nvSpPr>
+            <p:cNvPr id="70" name="Shape 298"/>
+            <p:cNvSpPr/>
+            <p:nvPr/>
+          </p:nvSpPr>
+          <p:spPr>
+            <a:xfrm>
+              <a:off x="600270" y="3372960"/>
+              <a:ext cx="707233" cy="707233"/>
+            </a:xfrm>
+            <a:custGeom>
+              <a:avLst/>
+              <a:gdLst/>
+              <a:ahLst/>
+              <a:cxnLst>
+                <a:cxn ang="0">
+                  <a:pos x="wd2" y="hd2"/>
+                </a:cxn>
+                <a:cxn ang="5400000">
+                  <a:pos x="wd2" y="hd2"/>
+                </a:cxn>
+                <a:cxn ang="10800000">
+                  <a:pos x="wd2" y="hd2"/>
+                </a:cxn>
+                <a:cxn ang="16200000">
+                  <a:pos x="wd2" y="hd2"/>
+                </a:cxn>
+              </a:cxnLst>
+              <a:rect l="0" t="0" r="r" b="b"/>
+              <a:pathLst>
+                <a:path w="19679" h="19679" extrusionOk="0">
+                  <a:moveTo>
+                    <a:pt x="16796" y="2882"/>
+                  </a:moveTo>
+                  <a:cubicBezTo>
+                    <a:pt x="20639" y="6724"/>
+                    <a:pt x="20639" y="12954"/>
+                    <a:pt x="16796" y="16796"/>
+                  </a:cubicBezTo>
+                  <a:cubicBezTo>
+                    <a:pt x="12954" y="20639"/>
+                    <a:pt x="6724" y="20639"/>
+                    <a:pt x="2882" y="16796"/>
+                  </a:cubicBezTo>
+                  <a:cubicBezTo>
+                    <a:pt x="-961" y="12954"/>
+                    <a:pt x="-961" y="6724"/>
+                    <a:pt x="2882" y="2882"/>
+                  </a:cubicBezTo>
+                  <a:cubicBezTo>
+                    <a:pt x="6724" y="-961"/>
+                    <a:pt x="12954" y="-961"/>
+                    <a:pt x="16796" y="2882"/>
+                  </a:cubicBezTo>
+                  <a:close/>
+                </a:path>
+              </a:pathLst>
+            </a:custGeom>
+            <a:solidFill>
+              <a:srgbClr val="8BC831"/>
+            </a:solidFill>
+            <a:ln w="3175" cap="flat">
+              <a:noFill/>
+              <a:miter lim="400000"/>
+            </a:ln>
+            <a:effectLst/>
+          </p:spPr>
+          <p:txBody>
+            <a:bodyPr wrap="square" lIns="0" tIns="0" rIns="0" bIns="0" numCol="1" anchor="ctr">
+              <a:noAutofit/>
+            </a:bodyPr>
+            <a:lstStyle/>
+            <a:p>
+              <a:pPr lvl="0">
+                <a:defRPr sz="1800">
+                  <a:solidFill>
+                    <a:srgbClr val="FFFFFF"/>
+                  </a:solidFill>
+                </a:defRPr>
+              </a:pPr>
+              <a:endParaRPr/>
+            </a:p>
+          </p:txBody>
+        </p:sp>
+        <p:pic>
+          <p:nvPicPr>
+            <p:cNvPr id="76" name="Picture 75"/>
+            <p:cNvPicPr>
+              <a:picLocks noChangeAspect="1"/>
+            </p:cNvPicPr>
+            <p:nvPr/>
+          </p:nvPicPr>
+          <p:blipFill>
+            <a:blip r:embed="rId10">
+              <a:extLst>
+                <a:ext uri="{28A0092B-C50C-407E-A947-70E740481C1C}">
+                  <a14:useLocalDpi xmlns:a14="http://schemas.microsoft.com/office/drawing/2010/main" val="0"/>
+                </a:ext>
+              </a:extLst>
+            </a:blip>
+            <a:stretch>
+              <a:fillRect/>
+            </a:stretch>
+          </p:blipFill>
+          <p:spPr>
+            <a:xfrm>
+              <a:off x="805885" y="3465709"/>
+              <a:ext cx="292608" cy="445008"/>
+            </a:xfrm>
+            <a:prstGeom prst="rect">
+              <a:avLst/>
+            </a:prstGeom>
+          </p:spPr>
+        </p:pic>
+      </p:grpSp>
+      <p:grpSp>
+        <p:nvGrpSpPr>
+          <p:cNvPr id="65" name="Group 64"/>
+          <p:cNvGrpSpPr/>
+          <p:nvPr/>
+        </p:nvGrpSpPr>
+        <p:grpSpPr>
+          <a:xfrm>
+            <a:off x="1500579" y="3260135"/>
+            <a:ext cx="707233" cy="707234"/>
+            <a:chOff x="3587103" y="3636248"/>
+            <a:chExt cx="707233" cy="707234"/>
+          </a:xfrm>
+        </p:grpSpPr>
+        <p:sp>
+          <p:nvSpPr>
+            <p:cNvPr id="66" name="Shape 529"/>
+            <p:cNvSpPr/>
+            <p:nvPr/>
+          </p:nvSpPr>
+          <p:spPr>
+            <a:xfrm>
+              <a:off x="3587103" y="3636248"/>
+              <a:ext cx="707233" cy="707234"/>
+            </a:xfrm>
+            <a:custGeom>
+              <a:avLst/>
+              <a:gdLst/>
+              <a:ahLst/>
+              <a:cxnLst>
+                <a:cxn ang="0">
+                  <a:pos x="wd2" y="hd2"/>
+                </a:cxn>
+                <a:cxn ang="5400000">
+                  <a:pos x="wd2" y="hd2"/>
+                </a:cxn>
+                <a:cxn ang="10800000">
+                  <a:pos x="wd2" y="hd2"/>
+                </a:cxn>
+                <a:cxn ang="16200000">
+                  <a:pos x="wd2" y="hd2"/>
+                </a:cxn>
+              </a:cxnLst>
+              <a:rect l="0" t="0" r="r" b="b"/>
+              <a:pathLst>
+                <a:path w="19679" h="19679" extrusionOk="0">
+                  <a:moveTo>
+                    <a:pt x="16796" y="2882"/>
+                  </a:moveTo>
+                  <a:cubicBezTo>
+                    <a:pt x="20639" y="6724"/>
+                    <a:pt x="20639" y="12954"/>
+                    <a:pt x="16796" y="16796"/>
+                  </a:cubicBezTo>
+                  <a:cubicBezTo>
+                    <a:pt x="12954" y="20639"/>
+                    <a:pt x="6724" y="20639"/>
+                    <a:pt x="2882" y="16796"/>
+                  </a:cubicBezTo>
+                  <a:cubicBezTo>
+                    <a:pt x="-961" y="12954"/>
+                    <a:pt x="-961" y="6724"/>
+                    <a:pt x="2882" y="2882"/>
+                  </a:cubicBezTo>
+                  <a:cubicBezTo>
+                    <a:pt x="6724" y="-961"/>
+                    <a:pt x="12954" y="-961"/>
+                    <a:pt x="16796" y="2882"/>
+                  </a:cubicBezTo>
+                  <a:close/>
+                </a:path>
+              </a:pathLst>
+            </a:custGeom>
+            <a:solidFill>
+              <a:srgbClr val="196970"/>
+            </a:solidFill>
+            <a:ln w="3175" cap="flat">
+              <a:noFill/>
+              <a:miter lim="400000"/>
+            </a:ln>
+            <a:effectLst/>
+          </p:spPr>
+          <p:txBody>
+            <a:bodyPr wrap="square" lIns="0" tIns="0" rIns="0" bIns="0" numCol="1" anchor="ctr">
+              <a:noAutofit/>
+            </a:bodyPr>
+            <a:lstStyle/>
+            <a:p>
+              <a:pPr lvl="0">
+                <a:defRPr sz="1800">
+                  <a:solidFill>
+                    <a:srgbClr val="FFFFFF"/>
+                  </a:solidFill>
+                </a:defRPr>
+              </a:pPr>
+              <a:endParaRPr/>
+            </a:p>
+          </p:txBody>
+        </p:sp>
+        <p:pic>
+          <p:nvPicPr>
+            <p:cNvPr id="67" name="_-47.png"/>
+            <p:cNvPicPr/>
+            <p:nvPr/>
+          </p:nvPicPr>
+          <p:blipFill>
+            <a:blip r:embed="rId11"/>
+            <a:srcRect l="17032" t="20462" r="17032" b="20462"/>
+            <a:stretch>
+              <a:fillRect/>
+            </a:stretch>
+          </p:blipFill>
+          <p:spPr>
+            <a:xfrm>
+              <a:off x="3723113" y="3770499"/>
+              <a:ext cx="466313" cy="417807"/>
+            </a:xfrm>
+            <a:prstGeom prst="rect">
+              <a:avLst/>
+            </a:prstGeom>
+            <a:ln w="3175" cap="flat">
+              <a:noFill/>
+              <a:miter lim="400000"/>
+            </a:ln>
+            <a:effectLst/>
+          </p:spPr>
+        </p:pic>
+      </p:grpSp>
+      <p:sp>
+        <p:nvSpPr>
+          <p:cNvPr id="68" name="TextBox 67"/>
+          <p:cNvSpPr txBox="1"/>
+          <p:nvPr/>
+        </p:nvSpPr>
+        <p:spPr>
+          <a:xfrm>
+            <a:off x="1238976" y="4052430"/>
+            <a:ext cx="1218324" cy="264013"/>
+          </a:xfrm>
+          <a:prstGeom prst="rect">
+            <a:avLst/>
+          </a:prstGeom>
+          <a:noFill/>
+          <a:ln w="3175" cap="flat">
+            <a:noFill/>
+            <a:miter lim="400000"/>
+          </a:ln>
+          <a:effectLst/>
+        </p:spPr>
+        <p:style>
+          <a:lnRef idx="0">
+            <a:scrgbClr r="0" g="0" b="0"/>
+          </a:lnRef>
+          <a:fillRef idx="0">
+            <a:scrgbClr r="0" g="0" b="0"/>
+          </a:fillRef>
+          <a:effectRef idx="0">
+            <a:scrgbClr r="0" g="0" b="0"/>
+          </a:effectRef>
+          <a:fontRef idx="none"/>
+        </p:style>
+        <p:txBody>
+          <a:bodyPr rot="0" spcFirstLastPara="1" vertOverflow="overflow" horzOverflow="overflow" vert="horz" wrap="square" lIns="39290" tIns="39290" rIns="39290" bIns="39290" numCol="1" spcCol="38100" rtlCol="0" anchor="ctr">
+            <a:spAutoFit/>
+          </a:bodyPr>
+          <a:lstStyle/>
+          <a:p>
+            <a:pPr rtl="0" latinLnBrk="1" hangingPunct="0"/>
+            <a:r>
+              <a:rPr lang="en-US" sz="1200" dirty="0">
+                <a:solidFill>
+                  <a:srgbClr val="000000"/>
+                </a:solidFill>
+                <a:latin typeface="Arial"/>
+                <a:cs typeface="Arial"/>
+              </a:rPr>
+              <a:t>Istio Ingress</a:t>
+            </a:r>
+          </a:p>
+        </p:txBody>
+      </p:sp>
+      <p:cxnSp>
+        <p:nvCxnSpPr>
+          <p:cNvPr id="96" name="Straight Arrow Connector 62">
+            <a:extLst>
+              <a:ext uri="{FF2B5EF4-FFF2-40B4-BE49-F238E27FC236}">
+                <a16:creationId xmlns:a16="http://schemas.microsoft.com/office/drawing/2014/main" id="{81F8C912-EC3D-B144-A560-0B420356B8C0}"/>
+              </a:ext>
+            </a:extLst>
+          </p:cNvPr>
+          <p:cNvCxnSpPr>
+            <a:cxnSpLocks/>
+          </p:cNvCxnSpPr>
+          <p:nvPr/>
+        </p:nvCxnSpPr>
+        <p:spPr>
+          <a:xfrm>
+            <a:off x="1021545" y="3598116"/>
+            <a:ext cx="474060" cy="5975"/>
+          </a:xfrm>
+          <a:prstGeom prst="straightConnector1">
+            <a:avLst/>
+          </a:prstGeom>
+          <a:noFill/>
+          <a:ln w="38100" cap="flat" cmpd="sng">
+            <a:solidFill>
+              <a:schemeClr val="bg1">
+                <a:lumMod val="85000"/>
+              </a:schemeClr>
+            </a:solidFill>
+            <a:prstDash val="solid"/>
+            <a:miter lim="400000"/>
+            <a:headEnd type="none"/>
+            <a:tailEnd type="none"/>
+          </a:ln>
+          <a:effectLst/>
+        </p:spPr>
+        <p:style>
+          <a:lnRef idx="0">
+            <a:scrgbClr r="0" g="0" b="0"/>
+          </a:lnRef>
+          <a:fillRef idx="0">
+            <a:scrgbClr r="0" g="0" b="0"/>
+          </a:fillRef>
+          <a:effectRef idx="0">
+            <a:scrgbClr r="0" g="0" b="0"/>
+          </a:effectRef>
+          <a:fontRef idx="none"/>
+        </p:style>
+      </p:cxnSp>
+      <p:pic>
+        <p:nvPicPr>
+          <p:cNvPr id="34" name="Picture 33">
+            <a:extLst>
+              <a:ext uri="{FF2B5EF4-FFF2-40B4-BE49-F238E27FC236}">
+                <a16:creationId xmlns:a16="http://schemas.microsoft.com/office/drawing/2014/main" id="{A4CBD815-6D30-A940-9C6D-42FEB89DA3B3}"/>
+              </a:ext>
+            </a:extLst>
+          </p:cNvPr>
+          <p:cNvPicPr>
+            <a:picLocks noChangeAspect="1"/>
+          </p:cNvPicPr>
+          <p:nvPr/>
+        </p:nvPicPr>
+        <p:blipFill>
+          <a:blip r:embed="rId4"/>
+          <a:stretch>
+            <a:fillRect/>
+          </a:stretch>
+        </p:blipFill>
+        <p:spPr>
+          <a:xfrm>
+            <a:off x="3248691" y="3147921"/>
+            <a:ext cx="895939" cy="860102"/>
+          </a:xfrm>
+          <a:prstGeom prst="rect">
+            <a:avLst/>
+          </a:prstGeom>
+        </p:spPr>
+      </p:pic>
+      <p:pic>
+        <p:nvPicPr>
+          <p:cNvPr id="35" name="Picture 34">
+            <a:extLst>
+              <a:ext uri="{FF2B5EF4-FFF2-40B4-BE49-F238E27FC236}">
+                <a16:creationId xmlns:a16="http://schemas.microsoft.com/office/drawing/2014/main" id="{FB193398-1FDA-1348-A3D2-296DC26E93C3}"/>
+              </a:ext>
+            </a:extLst>
+          </p:cNvPr>
+          <p:cNvPicPr>
+            <a:picLocks noChangeAspect="1"/>
+          </p:cNvPicPr>
+          <p:nvPr/>
+        </p:nvPicPr>
+        <p:blipFill>
+          <a:blip r:embed="rId6"/>
+          <a:stretch>
+            <a:fillRect/>
+          </a:stretch>
+        </p:blipFill>
+        <p:spPr>
+          <a:xfrm>
+            <a:off x="3026308" y="2864389"/>
+            <a:ext cx="831816" cy="524254"/>
+          </a:xfrm>
+          <a:prstGeom prst="rect">
+            <a:avLst/>
+          </a:prstGeom>
+        </p:spPr>
+      </p:pic>
+      <p:sp>
+        <p:nvSpPr>
+          <p:cNvPr id="36" name="TextBox 35">
+            <a:extLst>
+              <a:ext uri="{FF2B5EF4-FFF2-40B4-BE49-F238E27FC236}">
+                <a16:creationId xmlns:a16="http://schemas.microsoft.com/office/drawing/2014/main" id="{52134947-5515-E041-A6AE-3139B95DE3F1}"/>
+              </a:ext>
+            </a:extLst>
+          </p:cNvPr>
+          <p:cNvSpPr txBox="1"/>
+          <p:nvPr/>
+        </p:nvSpPr>
+        <p:spPr>
+          <a:xfrm>
+            <a:off x="2973557" y="3893182"/>
+            <a:ext cx="1506878" cy="448679"/>
+          </a:xfrm>
+          <a:prstGeom prst="rect">
+            <a:avLst/>
+          </a:prstGeom>
+          <a:noFill/>
+          <a:ln w="3175" cap="flat">
+            <a:noFill/>
+            <a:miter lim="400000"/>
+          </a:ln>
+          <a:effectLst/>
+        </p:spPr>
+        <p:style>
+          <a:lnRef idx="0">
+            <a:scrgbClr r="0" g="0" b="0"/>
+          </a:lnRef>
+          <a:fillRef idx="0">
+            <a:scrgbClr r="0" g="0" b="0"/>
+          </a:fillRef>
+          <a:effectRef idx="0">
+            <a:scrgbClr r="0" g="0" b="0"/>
+          </a:effectRef>
+          <a:fontRef idx="none"/>
+        </p:style>
+        <p:txBody>
+          <a:bodyPr rot="0" spcFirstLastPara="1" vertOverflow="overflow" horzOverflow="overflow" vert="horz" wrap="square" lIns="39290" tIns="39290" rIns="39290" bIns="39290" numCol="1" spcCol="38100" rtlCol="0" anchor="ctr">
+            <a:spAutoFit/>
+          </a:bodyPr>
+          <a:lstStyle/>
+          <a:p>
+            <a:pPr marL="0" marR="0" indent="0" defTabSz="584200" rtl="0" fontAlgn="auto" latinLnBrk="1" hangingPunct="0">
+              <a:lnSpc>
+                <a:spcPct val="100000"/>
+              </a:lnSpc>
+              <a:spcBef>
+                <a:spcPts val="0"/>
+              </a:spcBef>
+              <a:spcAft>
+                <a:spcPts val="0"/>
+              </a:spcAft>
+              <a:buClrTx/>
+              <a:buSzTx/>
+              <a:buFontTx/>
+              <a:buNone/>
+              <a:tabLst/>
+            </a:pPr>
+            <a:r>
+              <a:rPr lang="en-US" sz="1200">
+                <a:solidFill>
+                  <a:srgbClr val="000000"/>
+                </a:solidFill>
+                <a:latin typeface="Arial"/>
+                <a:cs typeface="Arial"/>
+              </a:rPr>
+              <a:t>Web-API</a:t>
+            </a:r>
+            <a:endParaRPr kumimoji="0" lang="en-US" sz="1200" b="0" i="0" u="none" strike="noStrike" cap="none" spc="0" normalizeH="0" baseline="0">
+              <a:ln>
+                <a:noFill/>
+              </a:ln>
+              <a:solidFill>
+                <a:srgbClr val="000000"/>
+              </a:solidFill>
+              <a:effectLst/>
+              <a:uFillTx/>
+              <a:latin typeface="Arial"/>
+              <a:ea typeface="+mn-ea"/>
+              <a:cs typeface="Arial"/>
+              <a:sym typeface="Helvetica Light"/>
+            </a:endParaRPr>
+          </a:p>
+          <a:p>
+            <a:pPr marL="0" marR="0" indent="0" defTabSz="584200" rtl="0" fontAlgn="auto" latinLnBrk="1" hangingPunct="0">
+              <a:lnSpc>
+                <a:spcPct val="100000"/>
+              </a:lnSpc>
+              <a:spcBef>
+                <a:spcPts val="0"/>
+              </a:spcBef>
+              <a:spcAft>
+                <a:spcPts val="0"/>
+              </a:spcAft>
+              <a:buClrTx/>
+              <a:buSzTx/>
+              <a:buFontTx/>
+              <a:buNone/>
+              <a:tabLst/>
+            </a:pPr>
+            <a:r>
+              <a:rPr lang="en-US" sz="1200">
+                <a:solidFill>
+                  <a:srgbClr val="000000"/>
+                </a:solidFill>
+                <a:latin typeface="Arial"/>
+                <a:cs typeface="Arial"/>
+              </a:rPr>
+              <a:t>v2</a:t>
+            </a:r>
+            <a:endParaRPr kumimoji="0" lang="en-US" sz="1200" b="0" i="0" u="none" strike="noStrike" cap="none" spc="0" normalizeH="0" baseline="0">
+              <a:ln>
+                <a:noFill/>
+              </a:ln>
+              <a:solidFill>
+                <a:srgbClr val="000000"/>
+              </a:solidFill>
+              <a:effectLst/>
+              <a:uFillTx/>
+              <a:latin typeface="Arial"/>
+              <a:ea typeface="+mn-ea"/>
+              <a:cs typeface="Arial"/>
+              <a:sym typeface="Helvetica Light"/>
+            </a:endParaRPr>
+          </a:p>
+        </p:txBody>
+      </p:sp>
+      <p:cxnSp>
+        <p:nvCxnSpPr>
+          <p:cNvPr id="37" name="Straight Arrow Connector 62">
+            <a:extLst>
+              <a:ext uri="{FF2B5EF4-FFF2-40B4-BE49-F238E27FC236}">
+                <a16:creationId xmlns:a16="http://schemas.microsoft.com/office/drawing/2014/main" id="{37D7CE5B-5073-5B42-9DA9-863545A03E03}"/>
+              </a:ext>
+            </a:extLst>
+          </p:cNvPr>
+          <p:cNvCxnSpPr>
+            <a:cxnSpLocks/>
+            <a:stCxn id="34" idx="3"/>
+          </p:cNvCxnSpPr>
+          <p:nvPr/>
+        </p:nvCxnSpPr>
+        <p:spPr>
+          <a:xfrm>
+            <a:off x="4144630" y="3577972"/>
+            <a:ext cx="1429391" cy="0"/>
+          </a:xfrm>
+          <a:prstGeom prst="straightConnector1">
+            <a:avLst/>
+          </a:prstGeom>
+          <a:noFill/>
+          <a:ln w="38100" cap="flat" cmpd="sng">
+            <a:solidFill>
+              <a:schemeClr val="bg1">
+                <a:lumMod val="85000"/>
+              </a:schemeClr>
+            </a:solidFill>
+            <a:prstDash val="solid"/>
+            <a:miter lim="400000"/>
+            <a:headEnd type="none"/>
+            <a:tailEnd type="none"/>
+          </a:ln>
+          <a:effectLst/>
+        </p:spPr>
+        <p:style>
+          <a:lnRef idx="0">
+            <a:scrgbClr r="0" g="0" b="0"/>
+          </a:lnRef>
+          <a:fillRef idx="0">
+            <a:scrgbClr r="0" g="0" b="0"/>
+          </a:fillRef>
+          <a:effectRef idx="0">
+            <a:scrgbClr r="0" g="0" b="0"/>
+          </a:effectRef>
+          <a:fontRef idx="none"/>
+        </p:style>
+      </p:cxnSp>
+    </p:spTree>
+    <p:extLst>
+      <p:ext uri="{BB962C8B-B14F-4D97-AF65-F5344CB8AC3E}">
+        <p14:creationId xmlns:p14="http://schemas.microsoft.com/office/powerpoint/2010/main" val="1124237325"/>
+      </p:ext>
+    </p:extLst>
+  </p:cSld>
+  <p:clrMapOvr>
+    <a:masterClrMapping/>
+  </p:clrMapOvr>
+  <p:transition spd="med"/>
+</p:sld>
+</file>
+
+<file path=ppt/slides/slide18.xml><?xml version="1.0" encoding="utf-8"?>
+<p:sld xmlns:a="http://schemas.openxmlformats.org/drawingml/2006/main" xmlns:r="http://schemas.openxmlformats.org/officeDocument/2006/relationships" xmlns:p="http://schemas.openxmlformats.org/presentationml/2006/main">
+  <p:cSld>
+    <p:spTree>
+      <p:nvGrpSpPr>
+        <p:cNvPr id="1" name=""/>
+        <p:cNvGrpSpPr/>
+        <p:nvPr/>
+      </p:nvGrpSpPr>
+      <p:grpSpPr>
+        <a:xfrm>
+          <a:off x="0" y="0"/>
+          <a:ext cx="0" cy="0"/>
+          <a:chOff x="0" y="0"/>
+          <a:chExt cx="0" cy="0"/>
+        </a:xfrm>
+      </p:grpSpPr>
+      <p:cxnSp>
+        <p:nvCxnSpPr>
+          <p:cNvPr id="176" name="Straight Arrow Connector 62"/>
+          <p:cNvCxnSpPr>
+            <a:cxnSpLocks/>
+            <a:endCxn id="216" idx="3"/>
+          </p:cNvCxnSpPr>
+          <p:nvPr/>
+        </p:nvCxnSpPr>
+        <p:spPr>
+          <a:xfrm flipH="1" flipV="1">
+            <a:off x="4150946" y="2135550"/>
+            <a:ext cx="1771451" cy="24863"/>
+          </a:xfrm>
+          <a:prstGeom prst="straightConnector1">
+            <a:avLst/>
+          </a:prstGeom>
+          <a:noFill/>
+          <a:ln w="12700" cap="flat" cmpd="sng">
+            <a:solidFill>
+              <a:schemeClr val="bg1">
+                <a:lumMod val="85000"/>
+              </a:schemeClr>
+            </a:solidFill>
+            <a:prstDash val="solid"/>
+            <a:miter lim="400000"/>
+            <a:headEnd type="none"/>
+            <a:tailEnd type="none"/>
+          </a:ln>
+          <a:effectLst/>
+        </p:spPr>
+        <p:style>
+          <a:lnRef idx="0">
+            <a:scrgbClr r="0" g="0" b="0"/>
+          </a:lnRef>
+          <a:fillRef idx="0">
+            <a:scrgbClr r="0" g="0" b="0"/>
+          </a:fillRef>
+          <a:effectRef idx="0">
+            <a:scrgbClr r="0" g="0" b="0"/>
+          </a:effectRef>
+          <a:fontRef idx="none"/>
+        </p:style>
+      </p:cxnSp>
+      <p:cxnSp>
+        <p:nvCxnSpPr>
+          <p:cNvPr id="40" name="Straight Arrow Connector 62">
+            <a:extLst>
+              <a:ext uri="{FF2B5EF4-FFF2-40B4-BE49-F238E27FC236}">
+                <a16:creationId xmlns:a16="http://schemas.microsoft.com/office/drawing/2014/main" id="{7B023E2D-265B-F240-A125-F9C874733F83}"/>
+              </a:ext>
+            </a:extLst>
+          </p:cNvPr>
+          <p:cNvCxnSpPr>
+            <a:cxnSpLocks/>
+            <a:stCxn id="34" idx="3"/>
+          </p:cNvCxnSpPr>
+          <p:nvPr/>
+        </p:nvCxnSpPr>
+        <p:spPr>
+          <a:xfrm flipV="1">
+            <a:off x="4144630" y="2135550"/>
+            <a:ext cx="1839176" cy="1442422"/>
+          </a:xfrm>
+          <a:prstGeom prst="straightConnector1">
+            <a:avLst/>
+          </a:prstGeom>
+          <a:noFill/>
+          <a:ln w="12700" cap="flat" cmpd="sng">
+            <a:solidFill>
+              <a:schemeClr val="bg1">
+                <a:lumMod val="85000"/>
+              </a:schemeClr>
+            </a:solidFill>
+            <a:prstDash val="solid"/>
+            <a:miter lim="400000"/>
+            <a:headEnd type="none"/>
+            <a:tailEnd type="none"/>
+          </a:ln>
+          <a:effectLst/>
+        </p:spPr>
+        <p:style>
+          <a:lnRef idx="0">
+            <a:scrgbClr r="0" g="0" b="0"/>
+          </a:lnRef>
+          <a:fillRef idx="0">
+            <a:scrgbClr r="0" g="0" b="0"/>
+          </a:fillRef>
+          <a:effectRef idx="0">
+            <a:scrgbClr r="0" g="0" b="0"/>
+          </a:effectRef>
+          <a:fontRef idx="none"/>
+        </p:style>
+      </p:cxnSp>
+      <p:cxnSp>
+        <p:nvCxnSpPr>
+          <p:cNvPr id="189" name="Straight Arrow Connector 62"/>
+          <p:cNvCxnSpPr>
+            <a:cxnSpLocks/>
+            <a:stCxn id="216" idx="3"/>
+          </p:cNvCxnSpPr>
+          <p:nvPr/>
+        </p:nvCxnSpPr>
+        <p:spPr>
+          <a:xfrm>
+            <a:off x="4150946" y="2135550"/>
+            <a:ext cx="1795300" cy="1442421"/>
+          </a:xfrm>
+          <a:prstGeom prst="straightConnector1">
+            <a:avLst/>
+          </a:prstGeom>
+          <a:noFill/>
+          <a:ln w="12700" cap="flat" cmpd="sng">
+            <a:solidFill>
+              <a:schemeClr val="bg1">
+                <a:lumMod val="85000"/>
+              </a:schemeClr>
+            </a:solidFill>
+            <a:prstDash val="solid"/>
+            <a:miter lim="400000"/>
+            <a:headEnd type="none"/>
+            <a:tailEnd type="none"/>
+          </a:ln>
+          <a:effectLst/>
+        </p:spPr>
+        <p:style>
+          <a:lnRef idx="0">
+            <a:scrgbClr r="0" g="0" b="0"/>
+          </a:lnRef>
+          <a:fillRef idx="0">
+            <a:scrgbClr r="0" g="0" b="0"/>
+          </a:fillRef>
+          <a:effectRef idx="0">
+            <a:scrgbClr r="0" g="0" b="0"/>
+          </a:effectRef>
+          <a:fontRef idx="none"/>
+        </p:style>
+      </p:cxnSp>
+      <p:cxnSp>
+        <p:nvCxnSpPr>
+          <p:cNvPr id="45" name="Straight Arrow Connector 62">
+            <a:extLst>
+              <a:ext uri="{FF2B5EF4-FFF2-40B4-BE49-F238E27FC236}">
+                <a16:creationId xmlns:a16="http://schemas.microsoft.com/office/drawing/2014/main" id="{7EF09460-0275-DC45-A79F-7FCF290FE086}"/>
+              </a:ext>
+            </a:extLst>
+          </p:cNvPr>
+          <p:cNvCxnSpPr>
+            <a:cxnSpLocks/>
+            <a:endCxn id="34" idx="1"/>
+          </p:cNvCxnSpPr>
+          <p:nvPr/>
+        </p:nvCxnSpPr>
+        <p:spPr>
+          <a:xfrm flipV="1">
+            <a:off x="1884810" y="3577972"/>
+            <a:ext cx="1363881" cy="14446"/>
+          </a:xfrm>
+          <a:prstGeom prst="straightConnector1">
+            <a:avLst/>
+          </a:prstGeom>
+          <a:noFill/>
+          <a:ln w="12700" cap="flat" cmpd="sng">
+            <a:solidFill>
+              <a:schemeClr val="bg1">
+                <a:lumMod val="85000"/>
+              </a:schemeClr>
+            </a:solidFill>
+            <a:prstDash val="solid"/>
+            <a:miter lim="400000"/>
+            <a:headEnd type="none"/>
+            <a:tailEnd type="none"/>
+          </a:ln>
+          <a:effectLst/>
+        </p:spPr>
+        <p:style>
+          <a:lnRef idx="0">
+            <a:scrgbClr r="0" g="0" b="0"/>
+          </a:lnRef>
+          <a:fillRef idx="0">
+            <a:scrgbClr r="0" g="0" b="0"/>
+          </a:fillRef>
+          <a:effectRef idx="0">
+            <a:scrgbClr r="0" g="0" b="0"/>
+          </a:effectRef>
+          <a:fontRef idx="none"/>
+        </p:style>
+      </p:cxnSp>
+      <p:sp>
+        <p:nvSpPr>
+          <p:cNvPr id="148" name="Shape 62"/>
+          <p:cNvSpPr/>
+          <p:nvPr/>
+        </p:nvSpPr>
+        <p:spPr>
+          <a:xfrm flipV="1">
+            <a:off x="1848138" y="776062"/>
+            <a:ext cx="0" cy="6667098"/>
+          </a:xfrm>
+          <a:prstGeom prst="line">
+            <a:avLst/>
+          </a:prstGeom>
+          <a:ln w="25400">
+            <a:solidFill>
+              <a:schemeClr val="bg1">
+                <a:lumMod val="85000"/>
+              </a:schemeClr>
+            </a:solidFill>
+            <a:miter lim="400000"/>
+          </a:ln>
+        </p:spPr>
+        <p:txBody>
+          <a:bodyPr lIns="0" tIns="0" rIns="0" bIns="0" anchor="ctr"/>
+          <a:lstStyle/>
+          <a:p>
+            <a:pPr lvl="0">
+              <a:defRPr sz="1800"/>
+            </a:pPr>
+            <a:endParaRPr/>
+          </a:p>
+        </p:txBody>
+      </p:sp>
+      <p:sp>
+        <p:nvSpPr>
+          <p:cNvPr id="210" name="Shape 64"/>
+          <p:cNvSpPr/>
+          <p:nvPr/>
+        </p:nvSpPr>
+        <p:spPr>
+          <a:xfrm>
+            <a:off x="1979114" y="781579"/>
+            <a:ext cx="5676030" cy="246221"/>
+          </a:xfrm>
+          <a:prstGeom prst="rect">
+            <a:avLst/>
+          </a:prstGeom>
+          <a:ln w="3175">
+            <a:miter lim="400000"/>
+          </a:ln>
+          <a:extLst>
+            <a:ext uri="{C572A759-6A51-4108-AA02-DFA0A04FC94B}">
+              <ma14:wrappingTextBoxFlag xmlns="" xmlns:ma14="http://schemas.microsoft.com/office/mac/drawingml/2011/main" val="1"/>
+            </a:ext>
+          </a:extLst>
+        </p:spPr>
+        <p:txBody>
+          <a:bodyPr wrap="square" lIns="0" tIns="0" rIns="0" bIns="0">
+            <a:spAutoFit/>
+          </a:bodyPr>
+          <a:lstStyle>
+            <a:lvl1pPr algn="l">
+              <a:defRPr sz="1000" b="1">
+                <a:solidFill>
+                  <a:srgbClr val="4277BB"/>
+                </a:solidFill>
+                <a:latin typeface="Helvetica"/>
+                <a:ea typeface="Helvetica"/>
+                <a:cs typeface="Helvetica"/>
+                <a:sym typeface="Helvetica"/>
+              </a:defRPr>
+            </a:lvl1pPr>
+          </a:lstStyle>
+          <a:p>
+            <a:pPr lvl="0" algn="ctr">
+              <a:defRPr sz="1800" b="0">
+                <a:solidFill>
+                  <a:srgbClr val="000000"/>
+                </a:solidFill>
+              </a:defRPr>
+            </a:pPr>
+            <a:r>
+              <a:rPr lang="de-DE" sz="1600" b="1">
+                <a:solidFill>
+                  <a:srgbClr val="000000"/>
+                </a:solidFill>
+                <a:latin typeface="Arial"/>
+                <a:cs typeface="Arial"/>
+              </a:rPr>
+              <a:t>Kubernetes with Istio</a:t>
+            </a:r>
+            <a:endParaRPr sz="1600">
+              <a:solidFill>
+                <a:srgbClr val="000000"/>
+              </a:solidFill>
+              <a:latin typeface="Arial"/>
+              <a:cs typeface="Arial"/>
+            </a:endParaRPr>
+          </a:p>
+        </p:txBody>
+      </p:sp>
+      <p:pic>
+        <p:nvPicPr>
+          <p:cNvPr id="211" name="Picture 210"/>
+          <p:cNvPicPr>
+            <a:picLocks noChangeAspect="1"/>
+          </p:cNvPicPr>
+          <p:nvPr/>
+        </p:nvPicPr>
+        <p:blipFill>
+          <a:blip r:embed="rId2"/>
+          <a:stretch>
+            <a:fillRect/>
+          </a:stretch>
+        </p:blipFill>
+        <p:spPr>
+          <a:xfrm>
+            <a:off x="275704" y="3280190"/>
+            <a:ext cx="803034" cy="701972"/>
+          </a:xfrm>
+          <a:prstGeom prst="rect">
+            <a:avLst/>
+          </a:prstGeom>
+        </p:spPr>
+      </p:pic>
+      <p:sp>
+        <p:nvSpPr>
+          <p:cNvPr id="212" name="TextBox 211"/>
+          <p:cNvSpPr txBox="1"/>
+          <p:nvPr/>
+        </p:nvSpPr>
+        <p:spPr>
+          <a:xfrm>
+            <a:off x="91289" y="3989911"/>
+            <a:ext cx="1181319" cy="264013"/>
+          </a:xfrm>
+          <a:prstGeom prst="rect">
+            <a:avLst/>
+          </a:prstGeom>
+          <a:noFill/>
+          <a:ln w="3175" cap="flat">
+            <a:noFill/>
+            <a:miter lim="400000"/>
+          </a:ln>
+          <a:effectLst/>
+        </p:spPr>
+        <p:style>
+          <a:lnRef idx="0">
+            <a:scrgbClr r="0" g="0" b="0"/>
+          </a:lnRef>
+          <a:fillRef idx="0">
+            <a:scrgbClr r="0" g="0" b="0"/>
+          </a:fillRef>
+          <a:effectRef idx="0">
+            <a:scrgbClr r="0" g="0" b="0"/>
+          </a:effectRef>
+          <a:fontRef idx="none"/>
+        </p:style>
+        <p:txBody>
+          <a:bodyPr rot="0" spcFirstLastPara="1" vertOverflow="overflow" horzOverflow="overflow" vert="horz" wrap="square" lIns="39290" tIns="39290" rIns="39290" bIns="39290" numCol="1" spcCol="38100" rtlCol="0" anchor="ctr">
+            <a:spAutoFit/>
+          </a:bodyPr>
+          <a:lstStyle/>
+          <a:p>
+            <a:pPr rtl="0" latinLnBrk="1" hangingPunct="0"/>
+            <a:r>
+              <a:rPr lang="en-US" sz="1200">
+                <a:solidFill>
+                  <a:srgbClr val="000000"/>
+                </a:solidFill>
+                <a:latin typeface="Arial"/>
+                <a:cs typeface="Arial"/>
+              </a:rPr>
+              <a:t>Web-App</a:t>
+            </a:r>
+          </a:p>
+        </p:txBody>
+      </p:sp>
+      <p:pic>
+        <p:nvPicPr>
+          <p:cNvPr id="216" name="Picture 215"/>
+          <p:cNvPicPr>
+            <a:picLocks noChangeAspect="1"/>
+          </p:cNvPicPr>
+          <p:nvPr/>
+        </p:nvPicPr>
+        <p:blipFill>
           <a:blip r:embed="rId3"/>
           <a:stretch>
             <a:fillRect/>
@@ -18034,7 +19967,7 @@
           </a:ln>
           <a:extLst>
             <a:ext uri="{C572A759-6A51-4108-AA02-DFA0A04FC94B}">
-              <ma14:wrappingTextBoxFlag xmlns:ma14="http://schemas.microsoft.com/office/mac/drawingml/2011/main" xmlns="" val="1"/>
+              <ma14:wrappingTextBoxFlag xmlns="" xmlns:ma14="http://schemas.microsoft.com/office/mac/drawingml/2011/main" val="1"/>
             </a:ext>
           </a:extLst>
         </p:spPr>
@@ -19513,7 +21446,7 @@
 </p:sld>
 </file>
 
-<file path=ppt/slides/slide18.xml><?xml version="1.0" encoding="utf-8"?>
+<file path=ppt/slides/slide19.xml><?xml version="1.0" encoding="utf-8"?>
 <p:sld xmlns:a="http://schemas.openxmlformats.org/drawingml/2006/main" xmlns:r="http://schemas.openxmlformats.org/officeDocument/2006/relationships" xmlns:p="http://schemas.openxmlformats.org/presentationml/2006/main">
   <p:cSld>
     <p:spTree>
@@ -21798,1407 +23731,6 @@
 </p:sld>
 </file>
 
-<file path=ppt/slides/slide19.xml><?xml version="1.0" encoding="utf-8"?>
-<p:sld xmlns:a="http://schemas.openxmlformats.org/drawingml/2006/main" xmlns:r="http://schemas.openxmlformats.org/officeDocument/2006/relationships" xmlns:p="http://schemas.openxmlformats.org/presentationml/2006/main">
-  <p:cSld>
-    <p:spTree>
-      <p:nvGrpSpPr>
-        <p:cNvPr id="1" name=""/>
-        <p:cNvGrpSpPr/>
-        <p:nvPr/>
-      </p:nvGrpSpPr>
-      <p:grpSpPr>
-        <a:xfrm>
-          <a:off x="0" y="0"/>
-          <a:ext cx="0" cy="0"/>
-          <a:chOff x="0" y="0"/>
-          <a:chExt cx="0" cy="0"/>
-        </a:xfrm>
-      </p:grpSpPr>
-      <p:sp>
-        <p:nvSpPr>
-          <p:cNvPr id="6" name="Rounded Rectangle 5">
-            <a:extLst>
-              <a:ext uri="{FF2B5EF4-FFF2-40B4-BE49-F238E27FC236}">
-                <a16:creationId xmlns:a16="http://schemas.microsoft.com/office/drawing/2014/main" id="{6DDECBDE-463B-D642-8BCB-66C7D546A3FA}"/>
-              </a:ext>
-            </a:extLst>
-          </p:cNvPr>
-          <p:cNvSpPr/>
-          <p:nvPr/>
-        </p:nvSpPr>
-        <p:spPr>
-          <a:xfrm>
-            <a:off x="6079901" y="2264929"/>
-            <a:ext cx="2171700" cy="2426676"/>
-          </a:xfrm>
-          <a:prstGeom prst="roundRect">
-            <a:avLst/>
-          </a:prstGeom>
-          <a:ln w="25400">
-            <a:solidFill>
-              <a:srgbClr val="4277BB"/>
-            </a:solidFill>
-            <a:miter lim="400000"/>
-          </a:ln>
-        </p:spPr>
-        <p:txBody>
-          <a:bodyPr lIns="0" tIns="0" rIns="0" bIns="0" rtlCol="0" anchor="ctr"/>
-          <a:lstStyle/>
-          <a:p>
-            <a:pPr algn="ctr"/>
-            <a:endParaRPr lang="en-US" sz="1800">
-              <a:solidFill>
-                <a:srgbClr val="4277BB"/>
-              </a:solidFill>
-            </a:endParaRPr>
-          </a:p>
-        </p:txBody>
-      </p:sp>
-      <p:pic>
-        <p:nvPicPr>
-          <p:cNvPr id="4" name="Picture 3">
-            <a:extLst>
-              <a:ext uri="{FF2B5EF4-FFF2-40B4-BE49-F238E27FC236}">
-                <a16:creationId xmlns:a16="http://schemas.microsoft.com/office/drawing/2014/main" id="{230E9969-4B67-3240-85AD-1302C355084D}"/>
-              </a:ext>
-            </a:extLst>
-          </p:cNvPr>
-          <p:cNvPicPr>
-            <a:picLocks noChangeAspect="1"/>
-          </p:cNvPicPr>
-          <p:nvPr/>
-        </p:nvPicPr>
-        <p:blipFill>
-          <a:blip r:embed="rId2"/>
-          <a:stretch>
-            <a:fillRect/>
-          </a:stretch>
-        </p:blipFill>
-        <p:spPr>
-          <a:xfrm>
-            <a:off x="5571901" y="1964036"/>
-            <a:ext cx="1016000" cy="1270000"/>
-          </a:xfrm>
-          <a:prstGeom prst="rect">
-            <a:avLst/>
-          </a:prstGeom>
-        </p:spPr>
-      </p:pic>
-      <p:sp>
-        <p:nvSpPr>
-          <p:cNvPr id="31" name="TextBox 30">
-            <a:extLst>
-              <a:ext uri="{FF2B5EF4-FFF2-40B4-BE49-F238E27FC236}">
-                <a16:creationId xmlns:a16="http://schemas.microsoft.com/office/drawing/2014/main" id="{C2FD3D45-3F06-9A4A-8497-DA1173D6B480}"/>
-              </a:ext>
-            </a:extLst>
-          </p:cNvPr>
-          <p:cNvSpPr txBox="1"/>
-          <p:nvPr/>
-        </p:nvSpPr>
-        <p:spPr>
-          <a:xfrm>
-            <a:off x="100797" y="59377"/>
-            <a:ext cx="1776928" cy="510235"/>
-          </a:xfrm>
-          <a:prstGeom prst="rect">
-            <a:avLst/>
-          </a:prstGeom>
-          <a:noFill/>
-          <a:ln w="3175" cap="flat">
-            <a:noFill/>
-            <a:miter lim="400000"/>
-          </a:ln>
-          <a:effectLst/>
-        </p:spPr>
-        <p:style>
-          <a:lnRef idx="0">
-            <a:scrgbClr r="0" g="0" b="0"/>
-          </a:lnRef>
-          <a:fillRef idx="0">
-            <a:scrgbClr r="0" g="0" b="0"/>
-          </a:fillRef>
-          <a:effectRef idx="0">
-            <a:scrgbClr r="0" g="0" b="0"/>
-          </a:effectRef>
-          <a:fontRef idx="none"/>
-        </p:style>
-        <p:txBody>
-          <a:bodyPr rot="0" spcFirstLastPara="1" vertOverflow="overflow" horzOverflow="overflow" vert="horz" wrap="none" lIns="39290" tIns="39290" rIns="39290" bIns="39290" numCol="1" spcCol="38100" rtlCol="0" anchor="ctr">
-            <a:spAutoFit/>
-          </a:bodyPr>
-          <a:lstStyle/>
-          <a:p>
-            <a:pPr marL="0" marR="0" indent="0" algn="ctr" defTabSz="584200" rtl="0" fontAlgn="auto" latinLnBrk="1" hangingPunct="0">
-              <a:lnSpc>
-                <a:spcPct val="100000"/>
-              </a:lnSpc>
-              <a:spcBef>
-                <a:spcPts val="0"/>
-              </a:spcBef>
-              <a:spcAft>
-                <a:spcPts val="0"/>
-              </a:spcAft>
-              <a:buClrTx/>
-              <a:buSzTx/>
-              <a:buFontTx/>
-              <a:buNone/>
-              <a:tabLst/>
-            </a:pPr>
-            <a:r>
-              <a:rPr kumimoji="0" lang="en-US" sz="2800" b="1" i="0" u="none" strike="noStrike" cap="none" spc="0" normalizeH="0" baseline="0">
-                <a:ln>
-                  <a:noFill/>
-                </a:ln>
-                <a:solidFill>
-                  <a:srgbClr val="000000"/>
-                </a:solidFill>
-                <a:effectLst/>
-                <a:uFillTx/>
-                <a:latin typeface="+mn-lt"/>
-                <a:ea typeface="+mn-ea"/>
-                <a:cs typeface="+mn-cs"/>
-                <a:sym typeface="Helvetica Light"/>
-              </a:rPr>
-              <a:t>IBM Cloud</a:t>
-            </a:r>
-          </a:p>
-        </p:txBody>
-      </p:sp>
-      <p:sp>
-        <p:nvSpPr>
-          <p:cNvPr id="58" name="Rounded Rectangle 57">
-            <a:extLst>
-              <a:ext uri="{FF2B5EF4-FFF2-40B4-BE49-F238E27FC236}">
-                <a16:creationId xmlns:a16="http://schemas.microsoft.com/office/drawing/2014/main" id="{74AC6CAB-6CF0-064E-82A7-C042A402770F}"/>
-              </a:ext>
-            </a:extLst>
-          </p:cNvPr>
-          <p:cNvSpPr/>
-          <p:nvPr/>
-        </p:nvSpPr>
-        <p:spPr>
-          <a:xfrm>
-            <a:off x="6578647" y="3068552"/>
-            <a:ext cx="1547917" cy="1262314"/>
-          </a:xfrm>
-          <a:prstGeom prst="roundRect">
-            <a:avLst/>
-          </a:prstGeom>
-          <a:solidFill>
-            <a:srgbClr val="FFFFFF"/>
-          </a:solidFill>
-          <a:ln w="25400">
-            <a:solidFill>
-              <a:srgbClr val="4277BB"/>
-            </a:solidFill>
-            <a:miter lim="400000"/>
-          </a:ln>
-        </p:spPr>
-        <p:txBody>
-          <a:bodyPr lIns="0" tIns="0" rIns="0" bIns="0" rtlCol="0" anchor="ctr"/>
-          <a:lstStyle/>
-          <a:p>
-            <a:pPr algn="ctr"/>
-            <a:endParaRPr lang="en-US" sz="1800">
-              <a:solidFill>
-                <a:srgbClr val="4277BB"/>
-              </a:solidFill>
-            </a:endParaRPr>
-          </a:p>
-        </p:txBody>
-      </p:sp>
-      <p:sp>
-        <p:nvSpPr>
-          <p:cNvPr id="66" name="Rounded Rectangle 65">
-            <a:extLst>
-              <a:ext uri="{FF2B5EF4-FFF2-40B4-BE49-F238E27FC236}">
-                <a16:creationId xmlns:a16="http://schemas.microsoft.com/office/drawing/2014/main" id="{C4D50543-9EFD-2B42-9F96-9784F0AFD273}"/>
-              </a:ext>
-            </a:extLst>
-          </p:cNvPr>
-          <p:cNvSpPr/>
-          <p:nvPr/>
-        </p:nvSpPr>
-        <p:spPr>
-          <a:xfrm>
-            <a:off x="1362692" y="1627490"/>
-            <a:ext cx="3692834" cy="3656051"/>
-          </a:xfrm>
-          <a:prstGeom prst="roundRect">
-            <a:avLst/>
-          </a:prstGeom>
-          <a:ln w="25400">
-            <a:solidFill>
-              <a:srgbClr val="4277BB"/>
-            </a:solidFill>
-            <a:miter lim="400000"/>
-          </a:ln>
-        </p:spPr>
-        <p:txBody>
-          <a:bodyPr lIns="0" tIns="0" rIns="0" bIns="0" rtlCol="0" anchor="ctr"/>
-          <a:lstStyle/>
-          <a:p>
-            <a:pPr algn="ctr"/>
-            <a:endParaRPr lang="en-US" sz="1800">
-              <a:solidFill>
-                <a:srgbClr val="4277BB"/>
-              </a:solidFill>
-            </a:endParaRPr>
-          </a:p>
-        </p:txBody>
-      </p:sp>
-      <p:sp>
-        <p:nvSpPr>
-          <p:cNvPr id="68" name="Rounded Rectangle 67">
-            <a:extLst>
-              <a:ext uri="{FF2B5EF4-FFF2-40B4-BE49-F238E27FC236}">
-                <a16:creationId xmlns:a16="http://schemas.microsoft.com/office/drawing/2014/main" id="{7D22E891-E651-C343-B98D-45B362624281}"/>
-              </a:ext>
-            </a:extLst>
-          </p:cNvPr>
-          <p:cNvSpPr/>
-          <p:nvPr/>
-        </p:nvSpPr>
-        <p:spPr>
-          <a:xfrm>
-            <a:off x="3103761" y="2503347"/>
-            <a:ext cx="1747977" cy="1655049"/>
-          </a:xfrm>
-          <a:prstGeom prst="roundRect">
-            <a:avLst/>
-          </a:prstGeom>
-          <a:ln w="25400">
-            <a:solidFill>
-              <a:srgbClr val="4277BB"/>
-            </a:solidFill>
-            <a:miter lim="400000"/>
-          </a:ln>
-        </p:spPr>
-        <p:txBody>
-          <a:bodyPr lIns="0" tIns="0" rIns="0" bIns="0" rtlCol="0" anchor="ctr"/>
-          <a:lstStyle/>
-          <a:p>
-            <a:pPr algn="ctr"/>
-            <a:endParaRPr lang="en-US" sz="1800">
-              <a:solidFill>
-                <a:srgbClr val="4277BB"/>
-              </a:solidFill>
-            </a:endParaRPr>
-          </a:p>
-        </p:txBody>
-      </p:sp>
-      <p:sp>
-        <p:nvSpPr>
-          <p:cNvPr id="71" name="TextBox 70">
-            <a:extLst>
-              <a:ext uri="{FF2B5EF4-FFF2-40B4-BE49-F238E27FC236}">
-                <a16:creationId xmlns:a16="http://schemas.microsoft.com/office/drawing/2014/main" id="{8B311B05-6EBE-454F-B94C-E5CC8C1AE15B}"/>
-              </a:ext>
-            </a:extLst>
-          </p:cNvPr>
-          <p:cNvSpPr txBox="1"/>
-          <p:nvPr/>
-        </p:nvSpPr>
-        <p:spPr>
-          <a:xfrm>
-            <a:off x="3071035" y="2581906"/>
-            <a:ext cx="718946" cy="325569"/>
-          </a:xfrm>
-          <a:prstGeom prst="rect">
-            <a:avLst/>
-          </a:prstGeom>
-          <a:noFill/>
-          <a:ln w="3175" cap="flat">
-            <a:noFill/>
-            <a:miter lim="400000"/>
-          </a:ln>
-          <a:effectLst/>
-        </p:spPr>
-        <p:style>
-          <a:lnRef idx="0">
-            <a:scrgbClr r="0" g="0" b="0"/>
-          </a:lnRef>
-          <a:fillRef idx="0">
-            <a:scrgbClr r="0" g="0" b="0"/>
-          </a:fillRef>
-          <a:effectRef idx="0">
-            <a:scrgbClr r="0" g="0" b="0"/>
-          </a:effectRef>
-          <a:fontRef idx="none"/>
-        </p:style>
-        <p:txBody>
-          <a:bodyPr rot="0" spcFirstLastPara="1" vertOverflow="overflow" horzOverflow="overflow" vert="horz" wrap="square" lIns="39290" tIns="39290" rIns="39290" bIns="39290" numCol="1" spcCol="38100" rtlCol="0" anchor="ctr">
-            <a:spAutoFit/>
-          </a:bodyPr>
-          <a:lstStyle/>
-          <a:p>
-            <a:pPr marL="0" marR="0" indent="0" algn="ctr" defTabSz="584200" rtl="0" fontAlgn="auto" latinLnBrk="1" hangingPunct="0">
-              <a:lnSpc>
-                <a:spcPct val="100000"/>
-              </a:lnSpc>
-              <a:spcBef>
-                <a:spcPts val="0"/>
-              </a:spcBef>
-              <a:spcAft>
-                <a:spcPts val="0"/>
-              </a:spcAft>
-              <a:buClrTx/>
-              <a:buSzTx/>
-              <a:buFontTx/>
-              <a:buNone/>
-              <a:tabLst/>
-            </a:pPr>
-            <a:r>
-              <a:rPr lang="en-US" sz="1600" dirty="0">
-                <a:solidFill>
-                  <a:srgbClr val="000000"/>
-                </a:solidFill>
-              </a:rPr>
-              <a:t>P</a:t>
-            </a:r>
-            <a:r>
-              <a:rPr kumimoji="0" lang="en-US" sz="1600" b="0" i="0" u="none" strike="noStrike" cap="none" spc="0" normalizeH="0" baseline="0" dirty="0">
-                <a:ln>
-                  <a:noFill/>
-                </a:ln>
-                <a:solidFill>
-                  <a:srgbClr val="000000"/>
-                </a:solidFill>
-                <a:effectLst/>
-                <a:uFillTx/>
-                <a:latin typeface="+mn-lt"/>
-                <a:ea typeface="+mn-ea"/>
-                <a:cs typeface="+mn-cs"/>
-                <a:sym typeface="Helvetica Light"/>
-              </a:rPr>
-              <a:t>od</a:t>
-            </a:r>
-          </a:p>
-        </p:txBody>
-      </p:sp>
-      <p:sp>
-        <p:nvSpPr>
-          <p:cNvPr id="74" name="TextBox 73">
-            <a:extLst>
-              <a:ext uri="{FF2B5EF4-FFF2-40B4-BE49-F238E27FC236}">
-                <a16:creationId xmlns:a16="http://schemas.microsoft.com/office/drawing/2014/main" id="{9598825F-B14D-C748-AB12-175AD309F87E}"/>
-              </a:ext>
-            </a:extLst>
-          </p:cNvPr>
-          <p:cNvSpPr txBox="1"/>
-          <p:nvPr/>
-        </p:nvSpPr>
-        <p:spPr>
-          <a:xfrm>
-            <a:off x="3106708" y="2858231"/>
-            <a:ext cx="1240887" cy="325569"/>
-          </a:xfrm>
-          <a:prstGeom prst="rect">
-            <a:avLst/>
-          </a:prstGeom>
-          <a:noFill/>
-          <a:ln w="3175" cap="flat">
-            <a:noFill/>
-            <a:miter lim="400000"/>
-          </a:ln>
-          <a:effectLst/>
-        </p:spPr>
-        <p:style>
-          <a:lnRef idx="0">
-            <a:scrgbClr r="0" g="0" b="0"/>
-          </a:lnRef>
-          <a:fillRef idx="0">
-            <a:scrgbClr r="0" g="0" b="0"/>
-          </a:fillRef>
-          <a:effectRef idx="0">
-            <a:scrgbClr r="0" g="0" b="0"/>
-          </a:effectRef>
-          <a:fontRef idx="none"/>
-        </p:style>
-        <p:txBody>
-          <a:bodyPr rot="0" spcFirstLastPara="1" vertOverflow="overflow" horzOverflow="overflow" vert="horz" wrap="square" lIns="39290" tIns="39290" rIns="39290" bIns="39290" numCol="1" spcCol="38100" rtlCol="0" anchor="ctr">
-            <a:spAutoFit/>
-          </a:bodyPr>
-          <a:lstStyle/>
-          <a:p>
-            <a:pPr rtl="0" latinLnBrk="1" hangingPunct="0"/>
-            <a:r>
-              <a:rPr lang="en-US" sz="1600" b="1" dirty="0">
-                <a:solidFill>
-                  <a:schemeClr val="accent1"/>
-                </a:solidFill>
-              </a:rPr>
-              <a:t>Authors v1  </a:t>
-            </a:r>
-            <a:endParaRPr kumimoji="0" lang="en-US" sz="1050" b="1" i="0" u="none" strike="noStrike" cap="none" spc="0" normalizeH="0" baseline="0" dirty="0">
-              <a:ln>
-                <a:noFill/>
-              </a:ln>
-              <a:solidFill>
-                <a:schemeClr val="accent1"/>
-              </a:solidFill>
-              <a:effectLst/>
-              <a:uFillTx/>
-              <a:sym typeface="Helvetica Light"/>
-            </a:endParaRPr>
-          </a:p>
-        </p:txBody>
-      </p:sp>
-      <p:pic>
-        <p:nvPicPr>
-          <p:cNvPr id="76" name="Picture 75">
-            <a:extLst>
-              <a:ext uri="{FF2B5EF4-FFF2-40B4-BE49-F238E27FC236}">
-                <a16:creationId xmlns:a16="http://schemas.microsoft.com/office/drawing/2014/main" id="{F85C06C8-3222-8644-8A74-8D8D1E49740C}"/>
-              </a:ext>
-            </a:extLst>
-          </p:cNvPr>
-          <p:cNvPicPr>
-            <a:picLocks noChangeAspect="1"/>
-          </p:cNvPicPr>
-          <p:nvPr/>
-        </p:nvPicPr>
-        <p:blipFill>
-          <a:blip r:embed="rId3">
-            <a:extLst>
-              <a:ext uri="{28A0092B-C50C-407E-A947-70E740481C1C}">
-                <a14:useLocalDpi xmlns:a14="http://schemas.microsoft.com/office/drawing/2010/main" val="0"/>
-              </a:ext>
-            </a:extLst>
-          </a:blip>
-          <a:stretch>
-            <a:fillRect/>
-          </a:stretch>
-        </p:blipFill>
-        <p:spPr>
-          <a:xfrm>
-            <a:off x="4356502" y="1756688"/>
-            <a:ext cx="452515" cy="452515"/>
-          </a:xfrm>
-          <a:prstGeom prst="rect">
-            <a:avLst/>
-          </a:prstGeom>
-        </p:spPr>
-      </p:pic>
-      <p:sp>
-        <p:nvSpPr>
-          <p:cNvPr id="77" name="TextBox 76">
-            <a:extLst>
-              <a:ext uri="{FF2B5EF4-FFF2-40B4-BE49-F238E27FC236}">
-                <a16:creationId xmlns:a16="http://schemas.microsoft.com/office/drawing/2014/main" id="{167E1B1A-4B2A-3849-876C-BB7C8DA5D2D1}"/>
-              </a:ext>
-            </a:extLst>
-          </p:cNvPr>
-          <p:cNvSpPr txBox="1"/>
-          <p:nvPr/>
-        </p:nvSpPr>
-        <p:spPr>
-          <a:xfrm>
-            <a:off x="3974188" y="1879904"/>
-            <a:ext cx="537249" cy="240930"/>
-          </a:xfrm>
-          <a:prstGeom prst="rect">
-            <a:avLst/>
-          </a:prstGeom>
-          <a:noFill/>
-          <a:ln w="3175" cap="flat">
-            <a:noFill/>
-            <a:miter lim="400000"/>
-          </a:ln>
-          <a:effectLst/>
-        </p:spPr>
-        <p:style>
-          <a:lnRef idx="0">
-            <a:scrgbClr r="0" g="0" b="0"/>
-          </a:lnRef>
-          <a:fillRef idx="0">
-            <a:scrgbClr r="0" g="0" b="0"/>
-          </a:fillRef>
-          <a:effectRef idx="0">
-            <a:scrgbClr r="0" g="0" b="0"/>
-          </a:effectRef>
-          <a:fontRef idx="none"/>
-        </p:style>
-        <p:txBody>
-          <a:bodyPr rot="0" spcFirstLastPara="1" vertOverflow="overflow" horzOverflow="overflow" vert="horz" wrap="square" lIns="39290" tIns="39290" rIns="39290" bIns="39290" numCol="1" spcCol="38100" rtlCol="0" anchor="ctr">
-            <a:spAutoFit/>
-          </a:bodyPr>
-          <a:lstStyle/>
-          <a:p>
-            <a:pPr marL="0" marR="0" indent="0" algn="ctr" defTabSz="584200" rtl="0" fontAlgn="auto" latinLnBrk="1" hangingPunct="0">
-              <a:lnSpc>
-                <a:spcPct val="100000"/>
-              </a:lnSpc>
-              <a:spcBef>
-                <a:spcPts val="0"/>
-              </a:spcBef>
-              <a:spcAft>
-                <a:spcPts val="0"/>
-              </a:spcAft>
-              <a:buClrTx/>
-              <a:buSzTx/>
-              <a:buFontTx/>
-              <a:buNone/>
-              <a:tabLst/>
-            </a:pPr>
-            <a:r>
-              <a:rPr kumimoji="0" lang="en-US" sz="1050" b="1" i="0" u="none" strike="noStrike" cap="none" spc="0" normalizeH="0" baseline="0" dirty="0">
-                <a:ln>
-                  <a:noFill/>
-                </a:ln>
-                <a:solidFill>
-                  <a:srgbClr val="000000"/>
-                </a:solidFill>
-                <a:effectLst/>
-                <a:uFillTx/>
-                <a:latin typeface="+mn-lt"/>
-                <a:ea typeface="+mn-ea"/>
-                <a:cs typeface="+mn-cs"/>
-                <a:sym typeface="Helvetica Light"/>
-              </a:rPr>
-              <a:t>Istio</a:t>
-            </a:r>
-          </a:p>
-        </p:txBody>
-      </p:sp>
-      <p:sp>
-        <p:nvSpPr>
-          <p:cNvPr id="78" name="Rounded Rectangle 77">
-            <a:extLst>
-              <a:ext uri="{FF2B5EF4-FFF2-40B4-BE49-F238E27FC236}">
-                <a16:creationId xmlns:a16="http://schemas.microsoft.com/office/drawing/2014/main" id="{714F1710-3C67-B647-BA99-3320569DAACB}"/>
-              </a:ext>
-            </a:extLst>
-          </p:cNvPr>
-          <p:cNvSpPr/>
-          <p:nvPr/>
-        </p:nvSpPr>
-        <p:spPr>
-          <a:xfrm>
-            <a:off x="1636100" y="1779890"/>
-            <a:ext cx="3283624" cy="3338559"/>
-          </a:xfrm>
-          <a:prstGeom prst="roundRect">
-            <a:avLst/>
-          </a:prstGeom>
-          <a:ln w="25400">
-            <a:solidFill>
-              <a:srgbClr val="4277BB"/>
-            </a:solidFill>
-            <a:miter lim="400000"/>
-          </a:ln>
-        </p:spPr>
-        <p:txBody>
-          <a:bodyPr lIns="0" tIns="0" rIns="0" bIns="0" rtlCol="0" anchor="ctr"/>
-          <a:lstStyle/>
-          <a:p>
-            <a:pPr algn="ctr"/>
-            <a:endParaRPr lang="en-US" sz="1800">
-              <a:solidFill>
-                <a:srgbClr val="4277BB"/>
-              </a:solidFill>
-            </a:endParaRPr>
-          </a:p>
-        </p:txBody>
-      </p:sp>
-      <p:sp>
-        <p:nvSpPr>
-          <p:cNvPr id="79" name="TextBox 78">
-            <a:extLst>
-              <a:ext uri="{FF2B5EF4-FFF2-40B4-BE49-F238E27FC236}">
-                <a16:creationId xmlns:a16="http://schemas.microsoft.com/office/drawing/2014/main" id="{58ED2E94-5A33-7D4C-A624-94C2B1A96506}"/>
-              </a:ext>
-            </a:extLst>
-          </p:cNvPr>
-          <p:cNvSpPr txBox="1"/>
-          <p:nvPr/>
-        </p:nvSpPr>
-        <p:spPr>
-          <a:xfrm>
-            <a:off x="1778265" y="1837585"/>
-            <a:ext cx="740965" cy="325569"/>
-          </a:xfrm>
-          <a:prstGeom prst="rect">
-            <a:avLst/>
-          </a:prstGeom>
-          <a:noFill/>
-          <a:ln w="3175" cap="flat">
-            <a:noFill/>
-            <a:miter lim="400000"/>
-          </a:ln>
-          <a:effectLst/>
-        </p:spPr>
-        <p:style>
-          <a:lnRef idx="0">
-            <a:scrgbClr r="0" g="0" b="0"/>
-          </a:lnRef>
-          <a:fillRef idx="0">
-            <a:scrgbClr r="0" g="0" b="0"/>
-          </a:fillRef>
-          <a:effectRef idx="0">
-            <a:scrgbClr r="0" g="0" b="0"/>
-          </a:effectRef>
-          <a:fontRef idx="none"/>
-        </p:style>
-        <p:txBody>
-          <a:bodyPr rot="0" spcFirstLastPara="1" vertOverflow="overflow" horzOverflow="overflow" vert="horz" wrap="square" lIns="39290" tIns="39290" rIns="39290" bIns="39290" numCol="1" spcCol="38100" rtlCol="0" anchor="ctr">
-            <a:spAutoFit/>
-          </a:bodyPr>
-          <a:lstStyle/>
-          <a:p>
-            <a:pPr marL="0" marR="0" indent="0" algn="ctr" defTabSz="584200" rtl="0" fontAlgn="auto" latinLnBrk="1" hangingPunct="0">
-              <a:lnSpc>
-                <a:spcPct val="100000"/>
-              </a:lnSpc>
-              <a:spcBef>
-                <a:spcPts val="0"/>
-              </a:spcBef>
-              <a:spcAft>
-                <a:spcPts val="0"/>
-              </a:spcAft>
-              <a:buClrTx/>
-              <a:buSzTx/>
-              <a:buFontTx/>
-              <a:buNone/>
-              <a:tabLst/>
-            </a:pPr>
-            <a:r>
-              <a:rPr lang="en-US" sz="1600" b="1">
-                <a:solidFill>
-                  <a:srgbClr val="000000"/>
-                </a:solidFill>
-              </a:rPr>
-              <a:t>Cluster</a:t>
-            </a:r>
-            <a:endParaRPr kumimoji="0" lang="en-US" sz="1050" b="1" i="0" u="none" strike="noStrike" cap="none" spc="0" normalizeH="0" baseline="0">
-              <a:ln>
-                <a:noFill/>
-              </a:ln>
-              <a:solidFill>
-                <a:srgbClr val="000000"/>
-              </a:solidFill>
-              <a:effectLst/>
-              <a:uFillTx/>
-              <a:latin typeface="+mn-lt"/>
-              <a:ea typeface="+mn-ea"/>
-              <a:cs typeface="+mn-cs"/>
-              <a:sym typeface="Helvetica Light"/>
-            </a:endParaRPr>
-          </a:p>
-        </p:txBody>
-      </p:sp>
-      <p:pic>
-        <p:nvPicPr>
-          <p:cNvPr id="56" name="Picture 55">
-            <a:extLst>
-              <a:ext uri="{FF2B5EF4-FFF2-40B4-BE49-F238E27FC236}">
-                <a16:creationId xmlns:a16="http://schemas.microsoft.com/office/drawing/2014/main" id="{C0183C11-0E80-B040-817D-E0A4E9722D51}"/>
-              </a:ext>
-            </a:extLst>
-          </p:cNvPr>
-          <p:cNvPicPr>
-            <a:picLocks noChangeAspect="1"/>
-          </p:cNvPicPr>
-          <p:nvPr/>
-        </p:nvPicPr>
-        <p:blipFill>
-          <a:blip r:embed="rId4">
-            <a:extLst>
-              <a:ext uri="{28A0092B-C50C-407E-A947-70E740481C1C}">
-                <a14:useLocalDpi xmlns:a14="http://schemas.microsoft.com/office/drawing/2010/main" val="0"/>
-              </a:ext>
-            </a:extLst>
-          </a:blip>
-          <a:stretch>
-            <a:fillRect/>
-          </a:stretch>
-        </p:blipFill>
-        <p:spPr>
-          <a:xfrm>
-            <a:off x="7129892" y="3799356"/>
-            <a:ext cx="379633" cy="143417"/>
-          </a:xfrm>
-          <a:prstGeom prst="rect">
-            <a:avLst/>
-          </a:prstGeom>
-        </p:spPr>
-      </p:pic>
-      <p:pic>
-        <p:nvPicPr>
-          <p:cNvPr id="59" name="Picture 58">
-            <a:extLst>
-              <a:ext uri="{FF2B5EF4-FFF2-40B4-BE49-F238E27FC236}">
-                <a16:creationId xmlns:a16="http://schemas.microsoft.com/office/drawing/2014/main" id="{4D4E38D8-A746-0E4B-B7EA-DCAFD394CD60}"/>
-              </a:ext>
-            </a:extLst>
-          </p:cNvPr>
-          <p:cNvPicPr>
-            <a:picLocks noChangeAspect="1"/>
-          </p:cNvPicPr>
-          <p:nvPr/>
-        </p:nvPicPr>
-        <p:blipFill>
-          <a:blip r:embed="rId5">
-            <a:extLst>
-              <a:ext uri="{28A0092B-C50C-407E-A947-70E740481C1C}">
-                <a14:useLocalDpi xmlns:a14="http://schemas.microsoft.com/office/drawing/2010/main" val="0"/>
-              </a:ext>
-            </a:extLst>
-          </a:blip>
-          <a:stretch>
-            <a:fillRect/>
-          </a:stretch>
-        </p:blipFill>
-        <p:spPr>
-          <a:xfrm>
-            <a:off x="6985238" y="3989886"/>
-            <a:ext cx="617329" cy="108624"/>
-          </a:xfrm>
-          <a:prstGeom prst="rect">
-            <a:avLst/>
-          </a:prstGeom>
-        </p:spPr>
-      </p:pic>
-      <p:pic>
-        <p:nvPicPr>
-          <p:cNvPr id="60" name="Picture 59">
-            <a:extLst>
-              <a:ext uri="{FF2B5EF4-FFF2-40B4-BE49-F238E27FC236}">
-                <a16:creationId xmlns:a16="http://schemas.microsoft.com/office/drawing/2014/main" id="{085D4D38-8CCC-4A49-B790-9C68A10736DC}"/>
-              </a:ext>
-            </a:extLst>
-          </p:cNvPr>
-          <p:cNvPicPr>
-            <a:picLocks noChangeAspect="1"/>
-          </p:cNvPicPr>
-          <p:nvPr/>
-        </p:nvPicPr>
-        <p:blipFill>
-          <a:blip r:embed="rId6">
-            <a:extLst>
-              <a:ext uri="{28A0092B-C50C-407E-A947-70E740481C1C}">
-                <a14:useLocalDpi xmlns:a14="http://schemas.microsoft.com/office/drawing/2010/main" val="0"/>
-              </a:ext>
-            </a:extLst>
-          </a:blip>
-          <a:stretch>
-            <a:fillRect/>
-          </a:stretch>
-        </p:blipFill>
-        <p:spPr>
-          <a:xfrm>
-            <a:off x="7103096" y="4067754"/>
-            <a:ext cx="433226" cy="231054"/>
-          </a:xfrm>
-          <a:prstGeom prst="rect">
-            <a:avLst/>
-          </a:prstGeom>
-        </p:spPr>
-      </p:pic>
-      <p:sp>
-        <p:nvSpPr>
-          <p:cNvPr id="3" name="Rectangle 2">
-            <a:extLst>
-              <a:ext uri="{FF2B5EF4-FFF2-40B4-BE49-F238E27FC236}">
-                <a16:creationId xmlns:a16="http://schemas.microsoft.com/office/drawing/2014/main" id="{34336906-E4A9-A844-8ADC-B2C3D8F5F9D2}"/>
-              </a:ext>
-            </a:extLst>
-          </p:cNvPr>
-          <p:cNvSpPr/>
-          <p:nvPr/>
-        </p:nvSpPr>
-        <p:spPr>
-          <a:xfrm>
-            <a:off x="6688470" y="3479931"/>
-            <a:ext cx="1287532" cy="369332"/>
-          </a:xfrm>
-          <a:prstGeom prst="rect">
-            <a:avLst/>
-          </a:prstGeom>
-        </p:spPr>
-        <p:txBody>
-          <a:bodyPr wrap="none">
-            <a:spAutoFit/>
-          </a:bodyPr>
-          <a:lstStyle/>
-          <a:p>
-            <a:r>
-              <a:rPr lang="en-US" sz="1800" b="1" dirty="0">
-                <a:solidFill>
-                  <a:srgbClr val="000000"/>
-                </a:solidFill>
-              </a:rPr>
-              <a:t>Authors:v1</a:t>
-            </a:r>
-            <a:endParaRPr lang="en-US" sz="1800" dirty="0"/>
-          </a:p>
-        </p:txBody>
-      </p:sp>
-      <p:sp>
-        <p:nvSpPr>
-          <p:cNvPr id="5" name="TextBox 4">
-            <a:extLst>
-              <a:ext uri="{FF2B5EF4-FFF2-40B4-BE49-F238E27FC236}">
-                <a16:creationId xmlns:a16="http://schemas.microsoft.com/office/drawing/2014/main" id="{40839A99-2FB2-EB47-B02E-6BBA11DA87E3}"/>
-              </a:ext>
-            </a:extLst>
-          </p:cNvPr>
-          <p:cNvSpPr txBox="1"/>
-          <p:nvPr/>
-        </p:nvSpPr>
-        <p:spPr>
-          <a:xfrm>
-            <a:off x="3159721" y="3330872"/>
-            <a:ext cx="895276" cy="294791"/>
-          </a:xfrm>
-          <a:prstGeom prst="rect">
-            <a:avLst/>
-          </a:prstGeom>
-          <a:noFill/>
-          <a:ln w="3175" cap="flat">
-            <a:noFill/>
-            <a:miter lim="400000"/>
-          </a:ln>
-          <a:effectLst/>
-        </p:spPr>
-        <p:style>
-          <a:lnRef idx="0">
-            <a:scrgbClr r="0" g="0" b="0"/>
-          </a:lnRef>
-          <a:fillRef idx="0">
-            <a:scrgbClr r="0" g="0" b="0"/>
-          </a:fillRef>
-          <a:effectRef idx="0">
-            <a:scrgbClr r="0" g="0" b="0"/>
-          </a:effectRef>
-          <a:fontRef idx="none"/>
-        </p:style>
-        <p:txBody>
-          <a:bodyPr rot="0" spcFirstLastPara="1" vertOverflow="overflow" horzOverflow="overflow" vert="horz" wrap="none" lIns="39290" tIns="39290" rIns="39290" bIns="39290" numCol="1" spcCol="38100" rtlCol="0" anchor="ctr">
-            <a:spAutoFit/>
-          </a:bodyPr>
-          <a:lstStyle/>
-          <a:p>
-            <a:pPr marL="0" marR="0" indent="0" algn="ctr" defTabSz="584200" rtl="0" fontAlgn="auto" latinLnBrk="1" hangingPunct="0">
-              <a:lnSpc>
-                <a:spcPct val="100000"/>
-              </a:lnSpc>
-              <a:spcBef>
-                <a:spcPts val="0"/>
-              </a:spcBef>
-              <a:spcAft>
-                <a:spcPts val="0"/>
-              </a:spcAft>
-              <a:buClrTx/>
-              <a:buSzTx/>
-              <a:buFontTx/>
-              <a:buNone/>
-              <a:tabLst/>
-            </a:pPr>
-            <a:r>
-              <a:rPr kumimoji="0" lang="en-US" sz="1400" b="1" i="0" u="none" strike="noStrike" cap="none" spc="0" normalizeH="0" baseline="0" dirty="0">
-                <a:ln>
-                  <a:noFill/>
-                </a:ln>
-                <a:solidFill>
-                  <a:schemeClr val="accent2"/>
-                </a:solidFill>
-                <a:effectLst/>
-                <a:uFillTx/>
-                <a:latin typeface="+mn-lt"/>
-                <a:ea typeface="+mn-ea"/>
-                <a:cs typeface="+mn-cs"/>
-                <a:sym typeface="Helvetica Light"/>
-              </a:rPr>
-              <a:t>Port: 3000</a:t>
-            </a:r>
-          </a:p>
-        </p:txBody>
-      </p:sp>
-      <p:pic>
-        <p:nvPicPr>
-          <p:cNvPr id="44" name="Picture 43">
-            <a:extLst>
-              <a:ext uri="{FF2B5EF4-FFF2-40B4-BE49-F238E27FC236}">
-                <a16:creationId xmlns:a16="http://schemas.microsoft.com/office/drawing/2014/main" id="{036FC222-EBD8-B749-9959-72A0B9B7EECA}"/>
-              </a:ext>
-            </a:extLst>
-          </p:cNvPr>
-          <p:cNvPicPr>
-            <a:picLocks noChangeAspect="1"/>
-          </p:cNvPicPr>
-          <p:nvPr/>
-        </p:nvPicPr>
-        <p:blipFill>
-          <a:blip r:embed="rId7"/>
-          <a:stretch>
-            <a:fillRect/>
-          </a:stretch>
-        </p:blipFill>
-        <p:spPr>
-          <a:xfrm>
-            <a:off x="597908" y="980052"/>
-            <a:ext cx="1067513" cy="1147863"/>
-          </a:xfrm>
-          <a:prstGeom prst="rect">
-            <a:avLst/>
-          </a:prstGeom>
-        </p:spPr>
-      </p:pic>
-      <p:sp>
-        <p:nvSpPr>
-          <p:cNvPr id="50" name="Rounded Rectangle 49">
-            <a:extLst>
-              <a:ext uri="{FF2B5EF4-FFF2-40B4-BE49-F238E27FC236}">
-                <a16:creationId xmlns:a16="http://schemas.microsoft.com/office/drawing/2014/main" id="{A8008F2C-D459-5448-8414-53BF6A345107}"/>
-              </a:ext>
-            </a:extLst>
-          </p:cNvPr>
-          <p:cNvSpPr/>
-          <p:nvPr/>
-        </p:nvSpPr>
-        <p:spPr>
-          <a:xfrm>
-            <a:off x="1991258" y="2919983"/>
-            <a:ext cx="815837" cy="852554"/>
-          </a:xfrm>
-          <a:prstGeom prst="roundRect">
-            <a:avLst/>
-          </a:prstGeom>
-          <a:ln w="25400">
-            <a:solidFill>
-              <a:srgbClr val="4277BB"/>
-            </a:solidFill>
-            <a:miter lim="400000"/>
-          </a:ln>
-        </p:spPr>
-        <p:txBody>
-          <a:bodyPr lIns="0" tIns="0" rIns="0" bIns="0" rtlCol="0" anchor="ctr"/>
-          <a:lstStyle/>
-          <a:p>
-            <a:pPr algn="l"/>
-            <a:endParaRPr lang="en-US" sz="1800" dirty="0">
-              <a:solidFill>
-                <a:schemeClr val="tx1"/>
-              </a:solidFill>
-            </a:endParaRPr>
-          </a:p>
-        </p:txBody>
-      </p:sp>
-      <p:sp>
-        <p:nvSpPr>
-          <p:cNvPr id="52" name="TextBox 51">
-            <a:extLst>
-              <a:ext uri="{FF2B5EF4-FFF2-40B4-BE49-F238E27FC236}">
-                <a16:creationId xmlns:a16="http://schemas.microsoft.com/office/drawing/2014/main" id="{CBA7EC6E-A269-244C-8A74-5B50C19BE42C}"/>
-              </a:ext>
-            </a:extLst>
-          </p:cNvPr>
-          <p:cNvSpPr txBox="1"/>
-          <p:nvPr/>
-        </p:nvSpPr>
-        <p:spPr>
-          <a:xfrm>
-            <a:off x="1931836" y="2940453"/>
-            <a:ext cx="876190" cy="325569"/>
-          </a:xfrm>
-          <a:prstGeom prst="rect">
-            <a:avLst/>
-          </a:prstGeom>
-          <a:noFill/>
-          <a:ln w="3175" cap="flat">
-            <a:noFill/>
-            <a:miter lim="400000"/>
-          </a:ln>
-          <a:effectLst/>
-        </p:spPr>
-        <p:style>
-          <a:lnRef idx="0">
-            <a:scrgbClr r="0" g="0" b="0"/>
-          </a:lnRef>
-          <a:fillRef idx="0">
-            <a:scrgbClr r="0" g="0" b="0"/>
-          </a:fillRef>
-          <a:effectRef idx="0">
-            <a:scrgbClr r="0" g="0" b="0"/>
-          </a:effectRef>
-          <a:fontRef idx="none"/>
-        </p:style>
-        <p:txBody>
-          <a:bodyPr rot="0" spcFirstLastPara="1" vertOverflow="overflow" horzOverflow="overflow" vert="horz" wrap="square" lIns="39290" tIns="39290" rIns="39290" bIns="39290" numCol="1" spcCol="38100" rtlCol="0" anchor="ctr">
-            <a:spAutoFit/>
-          </a:bodyPr>
-          <a:lstStyle>
-            <a:lvl1pPr marL="0" marR="0" indent="0" rtl="0" fontAlgn="auto" latinLnBrk="1" hangingPunct="0">
-              <a:lnSpc>
-                <a:spcPct val="100000"/>
-              </a:lnSpc>
-              <a:spcBef>
-                <a:spcPts val="0"/>
-              </a:spcBef>
-              <a:spcAft>
-                <a:spcPts val="0"/>
-              </a:spcAft>
-              <a:buClrTx/>
-              <a:buSzTx/>
-              <a:buFontTx/>
-              <a:buNone/>
-              <a:tabLst/>
-              <a:defRPr sz="1600">
-                <a:solidFill>
-                  <a:srgbClr val="000000"/>
-                </a:solidFill>
-              </a:defRPr>
-            </a:lvl1pPr>
-          </a:lstStyle>
-          <a:p>
-            <a:r>
-              <a:rPr lang="en-US" dirty="0"/>
-              <a:t>Service</a:t>
-            </a:r>
-          </a:p>
-        </p:txBody>
-      </p:sp>
-      <p:cxnSp>
-        <p:nvCxnSpPr>
-          <p:cNvPr id="55" name="Straight Arrow Connector 62">
-            <a:extLst>
-              <a:ext uri="{FF2B5EF4-FFF2-40B4-BE49-F238E27FC236}">
-                <a16:creationId xmlns:a16="http://schemas.microsoft.com/office/drawing/2014/main" id="{E84B3238-CEC5-EE4D-A088-92B39E1B102B}"/>
-              </a:ext>
-            </a:extLst>
-          </p:cNvPr>
-          <p:cNvCxnSpPr>
-            <a:cxnSpLocks/>
-            <a:stCxn id="50" idx="3"/>
-            <a:endCxn id="68" idx="1"/>
-          </p:cNvCxnSpPr>
-          <p:nvPr/>
-        </p:nvCxnSpPr>
-        <p:spPr>
-          <a:xfrm flipV="1">
-            <a:off x="2807095" y="3330872"/>
-            <a:ext cx="296666" cy="15388"/>
-          </a:xfrm>
-          <a:prstGeom prst="straightConnector1">
-            <a:avLst/>
-          </a:prstGeom>
-          <a:noFill/>
-          <a:ln w="38100" cap="flat" cmpd="sng">
-            <a:solidFill>
-              <a:schemeClr val="bg1">
-                <a:lumMod val="85000"/>
-              </a:schemeClr>
-            </a:solidFill>
-            <a:prstDash val="solid"/>
-            <a:miter lim="400000"/>
-            <a:headEnd type="none"/>
-            <a:tailEnd type="triangle"/>
-          </a:ln>
-          <a:effectLst/>
-        </p:spPr>
-        <p:style>
-          <a:lnRef idx="0">
-            <a:scrgbClr r="0" g="0" b="0"/>
-          </a:lnRef>
-          <a:fillRef idx="0">
-            <a:scrgbClr r="0" g="0" b="0"/>
-          </a:fillRef>
-          <a:effectRef idx="0">
-            <a:scrgbClr r="0" g="0" b="0"/>
-          </a:effectRef>
-          <a:fontRef idx="none"/>
-        </p:style>
-      </p:cxnSp>
-      <p:sp>
-        <p:nvSpPr>
-          <p:cNvPr id="57" name="TextBox 56">
-            <a:extLst>
-              <a:ext uri="{FF2B5EF4-FFF2-40B4-BE49-F238E27FC236}">
-                <a16:creationId xmlns:a16="http://schemas.microsoft.com/office/drawing/2014/main" id="{10B9255A-02D4-7543-A810-E55B2DAAB2F5}"/>
-              </a:ext>
-            </a:extLst>
-          </p:cNvPr>
-          <p:cNvSpPr txBox="1"/>
-          <p:nvPr/>
-        </p:nvSpPr>
-        <p:spPr>
-          <a:xfrm>
-            <a:off x="3167110" y="3554913"/>
-            <a:ext cx="637192" cy="294791"/>
-          </a:xfrm>
-          <a:prstGeom prst="rect">
-            <a:avLst/>
-          </a:prstGeom>
-          <a:noFill/>
-          <a:ln w="3175" cap="flat">
-            <a:noFill/>
-            <a:miter lim="400000"/>
-          </a:ln>
-          <a:effectLst/>
-        </p:spPr>
-        <p:style>
-          <a:lnRef idx="0">
-            <a:scrgbClr r="0" g="0" b="0"/>
-          </a:lnRef>
-          <a:fillRef idx="0">
-            <a:scrgbClr r="0" g="0" b="0"/>
-          </a:fillRef>
-          <a:effectRef idx="0">
-            <a:scrgbClr r="0" g="0" b="0"/>
-          </a:effectRef>
-          <a:fontRef idx="none"/>
-        </p:style>
-        <p:txBody>
-          <a:bodyPr rot="0" spcFirstLastPara="1" vertOverflow="overflow" horzOverflow="overflow" vert="horz" wrap="none" lIns="39290" tIns="39290" rIns="39290" bIns="39290" numCol="1" spcCol="38100" rtlCol="0" anchor="ctr">
-            <a:spAutoFit/>
-          </a:bodyPr>
-          <a:lstStyle/>
-          <a:p>
-            <a:pPr marL="0" marR="0" indent="0" algn="ctr" defTabSz="584200" rtl="0" fontAlgn="auto" latinLnBrk="1" hangingPunct="0">
-              <a:lnSpc>
-                <a:spcPct val="100000"/>
-              </a:lnSpc>
-              <a:spcBef>
-                <a:spcPts val="0"/>
-              </a:spcBef>
-              <a:spcAft>
-                <a:spcPts val="0"/>
-              </a:spcAft>
-              <a:buClrTx/>
-              <a:buSzTx/>
-              <a:buFontTx/>
-              <a:buNone/>
-              <a:tabLst/>
-            </a:pPr>
-            <a:r>
-              <a:rPr kumimoji="0" lang="en-US" sz="1400" b="1" i="0" u="none" strike="noStrike" cap="none" spc="0" normalizeH="0" baseline="0" dirty="0">
-                <a:ln>
-                  <a:noFill/>
-                </a:ln>
-                <a:solidFill>
-                  <a:schemeClr val="accent2"/>
-                </a:solidFill>
-                <a:effectLst/>
-                <a:uFillTx/>
-                <a:latin typeface="+mn-lt"/>
-                <a:ea typeface="+mn-ea"/>
-                <a:cs typeface="+mn-cs"/>
-                <a:sym typeface="Helvetica Light"/>
-              </a:rPr>
-              <a:t>Image:</a:t>
-            </a:r>
-          </a:p>
-        </p:txBody>
-      </p:sp>
-      <p:cxnSp>
-        <p:nvCxnSpPr>
-          <p:cNvPr id="67" name="Straight Arrow Connector 62">
-            <a:extLst>
-              <a:ext uri="{FF2B5EF4-FFF2-40B4-BE49-F238E27FC236}">
-                <a16:creationId xmlns:a16="http://schemas.microsoft.com/office/drawing/2014/main" id="{7A688BFC-4BFA-0F44-8FBD-C3E664514EC6}"/>
-              </a:ext>
-            </a:extLst>
-          </p:cNvPr>
-          <p:cNvCxnSpPr>
-            <a:cxnSpLocks/>
-          </p:cNvCxnSpPr>
-          <p:nvPr/>
-        </p:nvCxnSpPr>
-        <p:spPr>
-          <a:xfrm>
-            <a:off x="3974188" y="3692024"/>
-            <a:ext cx="2559428" cy="7685"/>
-          </a:xfrm>
-          <a:prstGeom prst="straightConnector1">
-            <a:avLst/>
-          </a:prstGeom>
-          <a:noFill/>
-          <a:ln w="38100" cap="flat" cmpd="sng">
-            <a:solidFill>
-              <a:schemeClr val="bg1">
-                <a:lumMod val="85000"/>
-              </a:schemeClr>
-            </a:solidFill>
-            <a:prstDash val="solid"/>
-            <a:miter lim="400000"/>
-            <a:headEnd type="none"/>
-            <a:tailEnd type="triangle"/>
-          </a:ln>
-          <a:effectLst/>
-        </p:spPr>
-        <p:style>
-          <a:lnRef idx="0">
-            <a:scrgbClr r="0" g="0" b="0"/>
-          </a:lnRef>
-          <a:fillRef idx="0">
-            <a:scrgbClr r="0" g="0" b="0"/>
-          </a:fillRef>
-          <a:effectRef idx="0">
-            <a:scrgbClr r="0" g="0" b="0"/>
-          </a:effectRef>
-          <a:fontRef idx="none"/>
-        </p:style>
-      </p:cxnSp>
-      <p:sp>
-        <p:nvSpPr>
-          <p:cNvPr id="14" name="Rectangle 13">
-            <a:extLst>
-              <a:ext uri="{FF2B5EF4-FFF2-40B4-BE49-F238E27FC236}">
-                <a16:creationId xmlns:a16="http://schemas.microsoft.com/office/drawing/2014/main" id="{5580F972-AFD8-DF42-87D0-94A8D3E30D50}"/>
-              </a:ext>
-            </a:extLst>
-          </p:cNvPr>
-          <p:cNvSpPr/>
-          <p:nvPr/>
-        </p:nvSpPr>
-        <p:spPr>
-          <a:xfrm>
-            <a:off x="1922582" y="3221032"/>
-            <a:ext cx="950901" cy="325569"/>
-          </a:xfrm>
-          <a:prstGeom prst="rect">
-            <a:avLst/>
-          </a:prstGeom>
-          <a:noFill/>
-          <a:ln w="3175" cap="flat">
-            <a:noFill/>
-            <a:miter lim="400000"/>
-          </a:ln>
-          <a:effectLst/>
-        </p:spPr>
-        <p:style>
-          <a:lnRef idx="0">
-            <a:scrgbClr r="0" g="0" b="0"/>
-          </a:lnRef>
-          <a:fillRef idx="0">
-            <a:scrgbClr r="0" g="0" b="0"/>
-          </a:fillRef>
-          <a:effectRef idx="0">
-            <a:scrgbClr r="0" g="0" b="0"/>
-          </a:effectRef>
-          <a:fontRef idx="none"/>
-        </p:style>
-        <p:txBody>
-          <a:bodyPr rot="0" spcFirstLastPara="1" vertOverflow="overflow" horzOverflow="overflow" vert="horz" wrap="square" lIns="39290" tIns="39290" rIns="39290" bIns="39290" numCol="1" spcCol="38100" rtlCol="0" anchor="ctr">
-            <a:spAutoFit/>
-          </a:bodyPr>
-          <a:lstStyle/>
-          <a:p>
-            <a:pPr rtl="0" latinLnBrk="1" hangingPunct="0"/>
-            <a:r>
-              <a:rPr lang="en-US" sz="1600" b="1" dirty="0">
-                <a:solidFill>
-                  <a:schemeClr val="accent1"/>
-                </a:solidFill>
-              </a:rPr>
-              <a:t>Authors </a:t>
-            </a:r>
-          </a:p>
-        </p:txBody>
-      </p:sp>
-      <p:sp>
-        <p:nvSpPr>
-          <p:cNvPr id="69" name="TextBox 68">
-            <a:extLst>
-              <a:ext uri="{FF2B5EF4-FFF2-40B4-BE49-F238E27FC236}">
-                <a16:creationId xmlns:a16="http://schemas.microsoft.com/office/drawing/2014/main" id="{98B6EE73-010D-6746-B172-D1F7A822431C}"/>
-              </a:ext>
-            </a:extLst>
-          </p:cNvPr>
-          <p:cNvSpPr txBox="1"/>
-          <p:nvPr/>
-        </p:nvSpPr>
-        <p:spPr>
-          <a:xfrm>
-            <a:off x="6578646" y="3134609"/>
-            <a:ext cx="1125536" cy="325569"/>
-          </a:xfrm>
-          <a:prstGeom prst="rect">
-            <a:avLst/>
-          </a:prstGeom>
-          <a:noFill/>
-          <a:ln w="3175" cap="flat">
-            <a:noFill/>
-            <a:miter lim="400000"/>
-          </a:ln>
-          <a:effectLst/>
-        </p:spPr>
-        <p:style>
-          <a:lnRef idx="0">
-            <a:scrgbClr r="0" g="0" b="0"/>
-          </a:lnRef>
-          <a:fillRef idx="0">
-            <a:scrgbClr r="0" g="0" b="0"/>
-          </a:fillRef>
-          <a:effectRef idx="0">
-            <a:scrgbClr r="0" g="0" b="0"/>
-          </a:effectRef>
-          <a:fontRef idx="none"/>
-        </p:style>
-        <p:txBody>
-          <a:bodyPr rot="0" spcFirstLastPara="1" vertOverflow="overflow" horzOverflow="overflow" vert="horz" wrap="square" lIns="39290" tIns="39290" rIns="39290" bIns="39290" numCol="1" spcCol="38100" rtlCol="0" anchor="ctr">
-            <a:spAutoFit/>
-          </a:bodyPr>
-          <a:lstStyle/>
-          <a:p>
-            <a:pPr marL="0" marR="0" indent="0" algn="ctr" defTabSz="584200" rtl="0" fontAlgn="auto" latinLnBrk="1" hangingPunct="0">
-              <a:lnSpc>
-                <a:spcPct val="100000"/>
-              </a:lnSpc>
-              <a:spcBef>
-                <a:spcPts val="0"/>
-              </a:spcBef>
-              <a:spcAft>
-                <a:spcPts val="0"/>
-              </a:spcAft>
-              <a:buClrTx/>
-              <a:buSzTx/>
-              <a:buFontTx/>
-              <a:buNone/>
-              <a:tabLst/>
-            </a:pPr>
-            <a:r>
-              <a:rPr lang="en-US" sz="1600" dirty="0">
-                <a:solidFill>
-                  <a:srgbClr val="000000"/>
-                </a:solidFill>
-              </a:rPr>
-              <a:t>Container</a:t>
-            </a:r>
-            <a:endParaRPr kumimoji="0" lang="en-US" sz="1600" b="0" i="0" u="none" strike="noStrike" cap="none" spc="0" normalizeH="0" baseline="0" dirty="0">
-              <a:ln>
-                <a:noFill/>
-              </a:ln>
-              <a:solidFill>
-                <a:srgbClr val="000000"/>
-              </a:solidFill>
-              <a:effectLst/>
-              <a:uFillTx/>
-              <a:latin typeface="+mn-lt"/>
-              <a:ea typeface="+mn-ea"/>
-              <a:cs typeface="+mn-cs"/>
-              <a:sym typeface="Helvetica Light"/>
-            </a:endParaRPr>
-          </a:p>
-        </p:txBody>
-      </p:sp>
-    </p:spTree>
-    <p:extLst>
-      <p:ext uri="{BB962C8B-B14F-4D97-AF65-F5344CB8AC3E}">
-        <p14:creationId xmlns:p14="http://schemas.microsoft.com/office/powerpoint/2010/main" val="3099527967"/>
-      </p:ext>
-    </p:extLst>
-  </p:cSld>
-  <p:clrMapOvr>
-    <a:masterClrMapping/>
-  </p:clrMapOvr>
-  <p:transition spd="med"/>
-</p:sld>
-</file>
-
 <file path=ppt/slides/slide2.xml><?xml version="1.0" encoding="utf-8"?>
 <p:sld xmlns:a="http://schemas.openxmlformats.org/drawingml/2006/main" xmlns:r="http://schemas.openxmlformats.org/officeDocument/2006/relationships" xmlns:p="http://schemas.openxmlformats.org/presentationml/2006/main">
   <p:cSld>
@@ -26812,6 +27344,1407 @@
                   <a:srgbClr val="000000"/>
                 </a:solidFill>
               </a:rPr>
+              <a:t>Authors:v1</a:t>
+            </a:r>
+            <a:endParaRPr lang="en-US" sz="1800" dirty="0"/>
+          </a:p>
+        </p:txBody>
+      </p:sp>
+      <p:sp>
+        <p:nvSpPr>
+          <p:cNvPr id="5" name="TextBox 4">
+            <a:extLst>
+              <a:ext uri="{FF2B5EF4-FFF2-40B4-BE49-F238E27FC236}">
+                <a16:creationId xmlns:a16="http://schemas.microsoft.com/office/drawing/2014/main" id="{40839A99-2FB2-EB47-B02E-6BBA11DA87E3}"/>
+              </a:ext>
+            </a:extLst>
+          </p:cNvPr>
+          <p:cNvSpPr txBox="1"/>
+          <p:nvPr/>
+        </p:nvSpPr>
+        <p:spPr>
+          <a:xfrm>
+            <a:off x="3159721" y="3330872"/>
+            <a:ext cx="895276" cy="294791"/>
+          </a:xfrm>
+          <a:prstGeom prst="rect">
+            <a:avLst/>
+          </a:prstGeom>
+          <a:noFill/>
+          <a:ln w="3175" cap="flat">
+            <a:noFill/>
+            <a:miter lim="400000"/>
+          </a:ln>
+          <a:effectLst/>
+        </p:spPr>
+        <p:style>
+          <a:lnRef idx="0">
+            <a:scrgbClr r="0" g="0" b="0"/>
+          </a:lnRef>
+          <a:fillRef idx="0">
+            <a:scrgbClr r="0" g="0" b="0"/>
+          </a:fillRef>
+          <a:effectRef idx="0">
+            <a:scrgbClr r="0" g="0" b="0"/>
+          </a:effectRef>
+          <a:fontRef idx="none"/>
+        </p:style>
+        <p:txBody>
+          <a:bodyPr rot="0" spcFirstLastPara="1" vertOverflow="overflow" horzOverflow="overflow" vert="horz" wrap="none" lIns="39290" tIns="39290" rIns="39290" bIns="39290" numCol="1" spcCol="38100" rtlCol="0" anchor="ctr">
+            <a:spAutoFit/>
+          </a:bodyPr>
+          <a:lstStyle/>
+          <a:p>
+            <a:pPr marL="0" marR="0" indent="0" algn="ctr" defTabSz="584200" rtl="0" fontAlgn="auto" latinLnBrk="1" hangingPunct="0">
+              <a:lnSpc>
+                <a:spcPct val="100000"/>
+              </a:lnSpc>
+              <a:spcBef>
+                <a:spcPts val="0"/>
+              </a:spcBef>
+              <a:spcAft>
+                <a:spcPts val="0"/>
+              </a:spcAft>
+              <a:buClrTx/>
+              <a:buSzTx/>
+              <a:buFontTx/>
+              <a:buNone/>
+              <a:tabLst/>
+            </a:pPr>
+            <a:r>
+              <a:rPr kumimoji="0" lang="en-US" sz="1400" b="1" i="0" u="none" strike="noStrike" cap="none" spc="0" normalizeH="0" baseline="0" dirty="0">
+                <a:ln>
+                  <a:noFill/>
+                </a:ln>
+                <a:solidFill>
+                  <a:schemeClr val="accent2"/>
+                </a:solidFill>
+                <a:effectLst/>
+                <a:uFillTx/>
+                <a:latin typeface="+mn-lt"/>
+                <a:ea typeface="+mn-ea"/>
+                <a:cs typeface="+mn-cs"/>
+                <a:sym typeface="Helvetica Light"/>
+              </a:rPr>
+              <a:t>Port: 3000</a:t>
+            </a:r>
+          </a:p>
+        </p:txBody>
+      </p:sp>
+      <p:pic>
+        <p:nvPicPr>
+          <p:cNvPr id="44" name="Picture 43">
+            <a:extLst>
+              <a:ext uri="{FF2B5EF4-FFF2-40B4-BE49-F238E27FC236}">
+                <a16:creationId xmlns:a16="http://schemas.microsoft.com/office/drawing/2014/main" id="{036FC222-EBD8-B749-9959-72A0B9B7EECA}"/>
+              </a:ext>
+            </a:extLst>
+          </p:cNvPr>
+          <p:cNvPicPr>
+            <a:picLocks noChangeAspect="1"/>
+          </p:cNvPicPr>
+          <p:nvPr/>
+        </p:nvPicPr>
+        <p:blipFill>
+          <a:blip r:embed="rId7"/>
+          <a:stretch>
+            <a:fillRect/>
+          </a:stretch>
+        </p:blipFill>
+        <p:spPr>
+          <a:xfrm>
+            <a:off x="597908" y="980052"/>
+            <a:ext cx="1067513" cy="1147863"/>
+          </a:xfrm>
+          <a:prstGeom prst="rect">
+            <a:avLst/>
+          </a:prstGeom>
+        </p:spPr>
+      </p:pic>
+      <p:sp>
+        <p:nvSpPr>
+          <p:cNvPr id="50" name="Rounded Rectangle 49">
+            <a:extLst>
+              <a:ext uri="{FF2B5EF4-FFF2-40B4-BE49-F238E27FC236}">
+                <a16:creationId xmlns:a16="http://schemas.microsoft.com/office/drawing/2014/main" id="{A8008F2C-D459-5448-8414-53BF6A345107}"/>
+              </a:ext>
+            </a:extLst>
+          </p:cNvPr>
+          <p:cNvSpPr/>
+          <p:nvPr/>
+        </p:nvSpPr>
+        <p:spPr>
+          <a:xfrm>
+            <a:off x="1991258" y="2919983"/>
+            <a:ext cx="815837" cy="852554"/>
+          </a:xfrm>
+          <a:prstGeom prst="roundRect">
+            <a:avLst/>
+          </a:prstGeom>
+          <a:ln w="25400">
+            <a:solidFill>
+              <a:srgbClr val="4277BB"/>
+            </a:solidFill>
+            <a:miter lim="400000"/>
+          </a:ln>
+        </p:spPr>
+        <p:txBody>
+          <a:bodyPr lIns="0" tIns="0" rIns="0" bIns="0" rtlCol="0" anchor="ctr"/>
+          <a:lstStyle/>
+          <a:p>
+            <a:pPr algn="l"/>
+            <a:endParaRPr lang="en-US" sz="1800" dirty="0">
+              <a:solidFill>
+                <a:schemeClr val="tx1"/>
+              </a:solidFill>
+            </a:endParaRPr>
+          </a:p>
+        </p:txBody>
+      </p:sp>
+      <p:sp>
+        <p:nvSpPr>
+          <p:cNvPr id="52" name="TextBox 51">
+            <a:extLst>
+              <a:ext uri="{FF2B5EF4-FFF2-40B4-BE49-F238E27FC236}">
+                <a16:creationId xmlns:a16="http://schemas.microsoft.com/office/drawing/2014/main" id="{CBA7EC6E-A269-244C-8A74-5B50C19BE42C}"/>
+              </a:ext>
+            </a:extLst>
+          </p:cNvPr>
+          <p:cNvSpPr txBox="1"/>
+          <p:nvPr/>
+        </p:nvSpPr>
+        <p:spPr>
+          <a:xfrm>
+            <a:off x="1931836" y="2940453"/>
+            <a:ext cx="876190" cy="325569"/>
+          </a:xfrm>
+          <a:prstGeom prst="rect">
+            <a:avLst/>
+          </a:prstGeom>
+          <a:noFill/>
+          <a:ln w="3175" cap="flat">
+            <a:noFill/>
+            <a:miter lim="400000"/>
+          </a:ln>
+          <a:effectLst/>
+        </p:spPr>
+        <p:style>
+          <a:lnRef idx="0">
+            <a:scrgbClr r="0" g="0" b="0"/>
+          </a:lnRef>
+          <a:fillRef idx="0">
+            <a:scrgbClr r="0" g="0" b="0"/>
+          </a:fillRef>
+          <a:effectRef idx="0">
+            <a:scrgbClr r="0" g="0" b="0"/>
+          </a:effectRef>
+          <a:fontRef idx="none"/>
+        </p:style>
+        <p:txBody>
+          <a:bodyPr rot="0" spcFirstLastPara="1" vertOverflow="overflow" horzOverflow="overflow" vert="horz" wrap="square" lIns="39290" tIns="39290" rIns="39290" bIns="39290" numCol="1" spcCol="38100" rtlCol="0" anchor="ctr">
+            <a:spAutoFit/>
+          </a:bodyPr>
+          <a:lstStyle>
+            <a:lvl1pPr marL="0" marR="0" indent="0" rtl="0" fontAlgn="auto" latinLnBrk="1" hangingPunct="0">
+              <a:lnSpc>
+                <a:spcPct val="100000"/>
+              </a:lnSpc>
+              <a:spcBef>
+                <a:spcPts val="0"/>
+              </a:spcBef>
+              <a:spcAft>
+                <a:spcPts val="0"/>
+              </a:spcAft>
+              <a:buClrTx/>
+              <a:buSzTx/>
+              <a:buFontTx/>
+              <a:buNone/>
+              <a:tabLst/>
+              <a:defRPr sz="1600">
+                <a:solidFill>
+                  <a:srgbClr val="000000"/>
+                </a:solidFill>
+              </a:defRPr>
+            </a:lvl1pPr>
+          </a:lstStyle>
+          <a:p>
+            <a:r>
+              <a:rPr lang="en-US" dirty="0"/>
+              <a:t>Service</a:t>
+            </a:r>
+          </a:p>
+        </p:txBody>
+      </p:sp>
+      <p:cxnSp>
+        <p:nvCxnSpPr>
+          <p:cNvPr id="55" name="Straight Arrow Connector 62">
+            <a:extLst>
+              <a:ext uri="{FF2B5EF4-FFF2-40B4-BE49-F238E27FC236}">
+                <a16:creationId xmlns:a16="http://schemas.microsoft.com/office/drawing/2014/main" id="{E84B3238-CEC5-EE4D-A088-92B39E1B102B}"/>
+              </a:ext>
+            </a:extLst>
+          </p:cNvPr>
+          <p:cNvCxnSpPr>
+            <a:cxnSpLocks/>
+            <a:stCxn id="50" idx="3"/>
+            <a:endCxn id="68" idx="1"/>
+          </p:cNvCxnSpPr>
+          <p:nvPr/>
+        </p:nvCxnSpPr>
+        <p:spPr>
+          <a:xfrm flipV="1">
+            <a:off x="2807095" y="3330872"/>
+            <a:ext cx="296666" cy="15388"/>
+          </a:xfrm>
+          <a:prstGeom prst="straightConnector1">
+            <a:avLst/>
+          </a:prstGeom>
+          <a:noFill/>
+          <a:ln w="38100" cap="flat" cmpd="sng">
+            <a:solidFill>
+              <a:schemeClr val="bg1">
+                <a:lumMod val="85000"/>
+              </a:schemeClr>
+            </a:solidFill>
+            <a:prstDash val="solid"/>
+            <a:miter lim="400000"/>
+            <a:headEnd type="none"/>
+            <a:tailEnd type="triangle"/>
+          </a:ln>
+          <a:effectLst/>
+        </p:spPr>
+        <p:style>
+          <a:lnRef idx="0">
+            <a:scrgbClr r="0" g="0" b="0"/>
+          </a:lnRef>
+          <a:fillRef idx="0">
+            <a:scrgbClr r="0" g="0" b="0"/>
+          </a:fillRef>
+          <a:effectRef idx="0">
+            <a:scrgbClr r="0" g="0" b="0"/>
+          </a:effectRef>
+          <a:fontRef idx="none"/>
+        </p:style>
+      </p:cxnSp>
+      <p:sp>
+        <p:nvSpPr>
+          <p:cNvPr id="57" name="TextBox 56">
+            <a:extLst>
+              <a:ext uri="{FF2B5EF4-FFF2-40B4-BE49-F238E27FC236}">
+                <a16:creationId xmlns:a16="http://schemas.microsoft.com/office/drawing/2014/main" id="{10B9255A-02D4-7543-A810-E55B2DAAB2F5}"/>
+              </a:ext>
+            </a:extLst>
+          </p:cNvPr>
+          <p:cNvSpPr txBox="1"/>
+          <p:nvPr/>
+        </p:nvSpPr>
+        <p:spPr>
+          <a:xfrm>
+            <a:off x="3167110" y="3554913"/>
+            <a:ext cx="637192" cy="294791"/>
+          </a:xfrm>
+          <a:prstGeom prst="rect">
+            <a:avLst/>
+          </a:prstGeom>
+          <a:noFill/>
+          <a:ln w="3175" cap="flat">
+            <a:noFill/>
+            <a:miter lim="400000"/>
+          </a:ln>
+          <a:effectLst/>
+        </p:spPr>
+        <p:style>
+          <a:lnRef idx="0">
+            <a:scrgbClr r="0" g="0" b="0"/>
+          </a:lnRef>
+          <a:fillRef idx="0">
+            <a:scrgbClr r="0" g="0" b="0"/>
+          </a:fillRef>
+          <a:effectRef idx="0">
+            <a:scrgbClr r="0" g="0" b="0"/>
+          </a:effectRef>
+          <a:fontRef idx="none"/>
+        </p:style>
+        <p:txBody>
+          <a:bodyPr rot="0" spcFirstLastPara="1" vertOverflow="overflow" horzOverflow="overflow" vert="horz" wrap="none" lIns="39290" tIns="39290" rIns="39290" bIns="39290" numCol="1" spcCol="38100" rtlCol="0" anchor="ctr">
+            <a:spAutoFit/>
+          </a:bodyPr>
+          <a:lstStyle/>
+          <a:p>
+            <a:pPr marL="0" marR="0" indent="0" algn="ctr" defTabSz="584200" rtl="0" fontAlgn="auto" latinLnBrk="1" hangingPunct="0">
+              <a:lnSpc>
+                <a:spcPct val="100000"/>
+              </a:lnSpc>
+              <a:spcBef>
+                <a:spcPts val="0"/>
+              </a:spcBef>
+              <a:spcAft>
+                <a:spcPts val="0"/>
+              </a:spcAft>
+              <a:buClrTx/>
+              <a:buSzTx/>
+              <a:buFontTx/>
+              <a:buNone/>
+              <a:tabLst/>
+            </a:pPr>
+            <a:r>
+              <a:rPr kumimoji="0" lang="en-US" sz="1400" b="1" i="0" u="none" strike="noStrike" cap="none" spc="0" normalizeH="0" baseline="0" dirty="0">
+                <a:ln>
+                  <a:noFill/>
+                </a:ln>
+                <a:solidFill>
+                  <a:schemeClr val="accent2"/>
+                </a:solidFill>
+                <a:effectLst/>
+                <a:uFillTx/>
+                <a:latin typeface="+mn-lt"/>
+                <a:ea typeface="+mn-ea"/>
+                <a:cs typeface="+mn-cs"/>
+                <a:sym typeface="Helvetica Light"/>
+              </a:rPr>
+              <a:t>Image:</a:t>
+            </a:r>
+          </a:p>
+        </p:txBody>
+      </p:sp>
+      <p:cxnSp>
+        <p:nvCxnSpPr>
+          <p:cNvPr id="67" name="Straight Arrow Connector 62">
+            <a:extLst>
+              <a:ext uri="{FF2B5EF4-FFF2-40B4-BE49-F238E27FC236}">
+                <a16:creationId xmlns:a16="http://schemas.microsoft.com/office/drawing/2014/main" id="{7A688BFC-4BFA-0F44-8FBD-C3E664514EC6}"/>
+              </a:ext>
+            </a:extLst>
+          </p:cNvPr>
+          <p:cNvCxnSpPr>
+            <a:cxnSpLocks/>
+          </p:cNvCxnSpPr>
+          <p:nvPr/>
+        </p:nvCxnSpPr>
+        <p:spPr>
+          <a:xfrm>
+            <a:off x="3974188" y="3692024"/>
+            <a:ext cx="2559428" cy="7685"/>
+          </a:xfrm>
+          <a:prstGeom prst="straightConnector1">
+            <a:avLst/>
+          </a:prstGeom>
+          <a:noFill/>
+          <a:ln w="38100" cap="flat" cmpd="sng">
+            <a:solidFill>
+              <a:schemeClr val="bg1">
+                <a:lumMod val="85000"/>
+              </a:schemeClr>
+            </a:solidFill>
+            <a:prstDash val="solid"/>
+            <a:miter lim="400000"/>
+            <a:headEnd type="none"/>
+            <a:tailEnd type="triangle"/>
+          </a:ln>
+          <a:effectLst/>
+        </p:spPr>
+        <p:style>
+          <a:lnRef idx="0">
+            <a:scrgbClr r="0" g="0" b="0"/>
+          </a:lnRef>
+          <a:fillRef idx="0">
+            <a:scrgbClr r="0" g="0" b="0"/>
+          </a:fillRef>
+          <a:effectRef idx="0">
+            <a:scrgbClr r="0" g="0" b="0"/>
+          </a:effectRef>
+          <a:fontRef idx="none"/>
+        </p:style>
+      </p:cxnSp>
+      <p:sp>
+        <p:nvSpPr>
+          <p:cNvPr id="14" name="Rectangle 13">
+            <a:extLst>
+              <a:ext uri="{FF2B5EF4-FFF2-40B4-BE49-F238E27FC236}">
+                <a16:creationId xmlns:a16="http://schemas.microsoft.com/office/drawing/2014/main" id="{5580F972-AFD8-DF42-87D0-94A8D3E30D50}"/>
+              </a:ext>
+            </a:extLst>
+          </p:cNvPr>
+          <p:cNvSpPr/>
+          <p:nvPr/>
+        </p:nvSpPr>
+        <p:spPr>
+          <a:xfrm>
+            <a:off x="1922582" y="3221032"/>
+            <a:ext cx="950901" cy="325569"/>
+          </a:xfrm>
+          <a:prstGeom prst="rect">
+            <a:avLst/>
+          </a:prstGeom>
+          <a:noFill/>
+          <a:ln w="3175" cap="flat">
+            <a:noFill/>
+            <a:miter lim="400000"/>
+          </a:ln>
+          <a:effectLst/>
+        </p:spPr>
+        <p:style>
+          <a:lnRef idx="0">
+            <a:scrgbClr r="0" g="0" b="0"/>
+          </a:lnRef>
+          <a:fillRef idx="0">
+            <a:scrgbClr r="0" g="0" b="0"/>
+          </a:fillRef>
+          <a:effectRef idx="0">
+            <a:scrgbClr r="0" g="0" b="0"/>
+          </a:effectRef>
+          <a:fontRef idx="none"/>
+        </p:style>
+        <p:txBody>
+          <a:bodyPr rot="0" spcFirstLastPara="1" vertOverflow="overflow" horzOverflow="overflow" vert="horz" wrap="square" lIns="39290" tIns="39290" rIns="39290" bIns="39290" numCol="1" spcCol="38100" rtlCol="0" anchor="ctr">
+            <a:spAutoFit/>
+          </a:bodyPr>
+          <a:lstStyle/>
+          <a:p>
+            <a:pPr rtl="0" latinLnBrk="1" hangingPunct="0"/>
+            <a:r>
+              <a:rPr lang="en-US" sz="1600" b="1" dirty="0">
+                <a:solidFill>
+                  <a:schemeClr val="accent1"/>
+                </a:solidFill>
+              </a:rPr>
+              <a:t>Authors </a:t>
+            </a:r>
+          </a:p>
+        </p:txBody>
+      </p:sp>
+      <p:sp>
+        <p:nvSpPr>
+          <p:cNvPr id="69" name="TextBox 68">
+            <a:extLst>
+              <a:ext uri="{FF2B5EF4-FFF2-40B4-BE49-F238E27FC236}">
+                <a16:creationId xmlns:a16="http://schemas.microsoft.com/office/drawing/2014/main" id="{98B6EE73-010D-6746-B172-D1F7A822431C}"/>
+              </a:ext>
+            </a:extLst>
+          </p:cNvPr>
+          <p:cNvSpPr txBox="1"/>
+          <p:nvPr/>
+        </p:nvSpPr>
+        <p:spPr>
+          <a:xfrm>
+            <a:off x="6578646" y="3134609"/>
+            <a:ext cx="1125536" cy="325569"/>
+          </a:xfrm>
+          <a:prstGeom prst="rect">
+            <a:avLst/>
+          </a:prstGeom>
+          <a:noFill/>
+          <a:ln w="3175" cap="flat">
+            <a:noFill/>
+            <a:miter lim="400000"/>
+          </a:ln>
+          <a:effectLst/>
+        </p:spPr>
+        <p:style>
+          <a:lnRef idx="0">
+            <a:scrgbClr r="0" g="0" b="0"/>
+          </a:lnRef>
+          <a:fillRef idx="0">
+            <a:scrgbClr r="0" g="0" b="0"/>
+          </a:fillRef>
+          <a:effectRef idx="0">
+            <a:scrgbClr r="0" g="0" b="0"/>
+          </a:effectRef>
+          <a:fontRef idx="none"/>
+        </p:style>
+        <p:txBody>
+          <a:bodyPr rot="0" spcFirstLastPara="1" vertOverflow="overflow" horzOverflow="overflow" vert="horz" wrap="square" lIns="39290" tIns="39290" rIns="39290" bIns="39290" numCol="1" spcCol="38100" rtlCol="0" anchor="ctr">
+            <a:spAutoFit/>
+          </a:bodyPr>
+          <a:lstStyle/>
+          <a:p>
+            <a:pPr marL="0" marR="0" indent="0" algn="ctr" defTabSz="584200" rtl="0" fontAlgn="auto" latinLnBrk="1" hangingPunct="0">
+              <a:lnSpc>
+                <a:spcPct val="100000"/>
+              </a:lnSpc>
+              <a:spcBef>
+                <a:spcPts val="0"/>
+              </a:spcBef>
+              <a:spcAft>
+                <a:spcPts val="0"/>
+              </a:spcAft>
+              <a:buClrTx/>
+              <a:buSzTx/>
+              <a:buFontTx/>
+              <a:buNone/>
+              <a:tabLst/>
+            </a:pPr>
+            <a:r>
+              <a:rPr lang="en-US" sz="1600" dirty="0">
+                <a:solidFill>
+                  <a:srgbClr val="000000"/>
+                </a:solidFill>
+              </a:rPr>
+              <a:t>Container</a:t>
+            </a:r>
+            <a:endParaRPr kumimoji="0" lang="en-US" sz="1600" b="0" i="0" u="none" strike="noStrike" cap="none" spc="0" normalizeH="0" baseline="0" dirty="0">
+              <a:ln>
+                <a:noFill/>
+              </a:ln>
+              <a:solidFill>
+                <a:srgbClr val="000000"/>
+              </a:solidFill>
+              <a:effectLst/>
+              <a:uFillTx/>
+              <a:latin typeface="+mn-lt"/>
+              <a:ea typeface="+mn-ea"/>
+              <a:cs typeface="+mn-cs"/>
+              <a:sym typeface="Helvetica Light"/>
+            </a:endParaRPr>
+          </a:p>
+        </p:txBody>
+      </p:sp>
+    </p:spTree>
+    <p:extLst>
+      <p:ext uri="{BB962C8B-B14F-4D97-AF65-F5344CB8AC3E}">
+        <p14:creationId xmlns:p14="http://schemas.microsoft.com/office/powerpoint/2010/main" val="3099527967"/>
+      </p:ext>
+    </p:extLst>
+  </p:cSld>
+  <p:clrMapOvr>
+    <a:masterClrMapping/>
+  </p:clrMapOvr>
+  <p:transition spd="med"/>
+</p:sld>
+</file>
+
+<file path=ppt/slides/slide21.xml><?xml version="1.0" encoding="utf-8"?>
+<p:sld xmlns:a="http://schemas.openxmlformats.org/drawingml/2006/main" xmlns:r="http://schemas.openxmlformats.org/officeDocument/2006/relationships" xmlns:p="http://schemas.openxmlformats.org/presentationml/2006/main">
+  <p:cSld>
+    <p:spTree>
+      <p:nvGrpSpPr>
+        <p:cNvPr id="1" name=""/>
+        <p:cNvGrpSpPr/>
+        <p:nvPr/>
+      </p:nvGrpSpPr>
+      <p:grpSpPr>
+        <a:xfrm>
+          <a:off x="0" y="0"/>
+          <a:ext cx="0" cy="0"/>
+          <a:chOff x="0" y="0"/>
+          <a:chExt cx="0" cy="0"/>
+        </a:xfrm>
+      </p:grpSpPr>
+      <p:sp>
+        <p:nvSpPr>
+          <p:cNvPr id="6" name="Rounded Rectangle 5">
+            <a:extLst>
+              <a:ext uri="{FF2B5EF4-FFF2-40B4-BE49-F238E27FC236}">
+                <a16:creationId xmlns:a16="http://schemas.microsoft.com/office/drawing/2014/main" id="{6DDECBDE-463B-D642-8BCB-66C7D546A3FA}"/>
+              </a:ext>
+            </a:extLst>
+          </p:cNvPr>
+          <p:cNvSpPr/>
+          <p:nvPr/>
+        </p:nvSpPr>
+        <p:spPr>
+          <a:xfrm>
+            <a:off x="6079901" y="2264929"/>
+            <a:ext cx="2171700" cy="2426676"/>
+          </a:xfrm>
+          <a:prstGeom prst="roundRect">
+            <a:avLst/>
+          </a:prstGeom>
+          <a:ln w="25400">
+            <a:solidFill>
+              <a:srgbClr val="4277BB"/>
+            </a:solidFill>
+            <a:miter lim="400000"/>
+          </a:ln>
+        </p:spPr>
+        <p:txBody>
+          <a:bodyPr lIns="0" tIns="0" rIns="0" bIns="0" rtlCol="0" anchor="ctr"/>
+          <a:lstStyle/>
+          <a:p>
+            <a:pPr algn="ctr"/>
+            <a:endParaRPr lang="en-US" sz="1800">
+              <a:solidFill>
+                <a:srgbClr val="4277BB"/>
+              </a:solidFill>
+            </a:endParaRPr>
+          </a:p>
+        </p:txBody>
+      </p:sp>
+      <p:pic>
+        <p:nvPicPr>
+          <p:cNvPr id="4" name="Picture 3">
+            <a:extLst>
+              <a:ext uri="{FF2B5EF4-FFF2-40B4-BE49-F238E27FC236}">
+                <a16:creationId xmlns:a16="http://schemas.microsoft.com/office/drawing/2014/main" id="{230E9969-4B67-3240-85AD-1302C355084D}"/>
+              </a:ext>
+            </a:extLst>
+          </p:cNvPr>
+          <p:cNvPicPr>
+            <a:picLocks noChangeAspect="1"/>
+          </p:cNvPicPr>
+          <p:nvPr/>
+        </p:nvPicPr>
+        <p:blipFill>
+          <a:blip r:embed="rId2"/>
+          <a:stretch>
+            <a:fillRect/>
+          </a:stretch>
+        </p:blipFill>
+        <p:spPr>
+          <a:xfrm>
+            <a:off x="5571901" y="1964036"/>
+            <a:ext cx="1016000" cy="1270000"/>
+          </a:xfrm>
+          <a:prstGeom prst="rect">
+            <a:avLst/>
+          </a:prstGeom>
+        </p:spPr>
+      </p:pic>
+      <p:sp>
+        <p:nvSpPr>
+          <p:cNvPr id="31" name="TextBox 30">
+            <a:extLst>
+              <a:ext uri="{FF2B5EF4-FFF2-40B4-BE49-F238E27FC236}">
+                <a16:creationId xmlns:a16="http://schemas.microsoft.com/office/drawing/2014/main" id="{C2FD3D45-3F06-9A4A-8497-DA1173D6B480}"/>
+              </a:ext>
+            </a:extLst>
+          </p:cNvPr>
+          <p:cNvSpPr txBox="1"/>
+          <p:nvPr/>
+        </p:nvSpPr>
+        <p:spPr>
+          <a:xfrm>
+            <a:off x="100797" y="59377"/>
+            <a:ext cx="1776928" cy="510235"/>
+          </a:xfrm>
+          <a:prstGeom prst="rect">
+            <a:avLst/>
+          </a:prstGeom>
+          <a:noFill/>
+          <a:ln w="3175" cap="flat">
+            <a:noFill/>
+            <a:miter lim="400000"/>
+          </a:ln>
+          <a:effectLst/>
+        </p:spPr>
+        <p:style>
+          <a:lnRef idx="0">
+            <a:scrgbClr r="0" g="0" b="0"/>
+          </a:lnRef>
+          <a:fillRef idx="0">
+            <a:scrgbClr r="0" g="0" b="0"/>
+          </a:fillRef>
+          <a:effectRef idx="0">
+            <a:scrgbClr r="0" g="0" b="0"/>
+          </a:effectRef>
+          <a:fontRef idx="none"/>
+        </p:style>
+        <p:txBody>
+          <a:bodyPr rot="0" spcFirstLastPara="1" vertOverflow="overflow" horzOverflow="overflow" vert="horz" wrap="none" lIns="39290" tIns="39290" rIns="39290" bIns="39290" numCol="1" spcCol="38100" rtlCol="0" anchor="ctr">
+            <a:spAutoFit/>
+          </a:bodyPr>
+          <a:lstStyle/>
+          <a:p>
+            <a:pPr marL="0" marR="0" indent="0" algn="ctr" defTabSz="584200" rtl="0" fontAlgn="auto" latinLnBrk="1" hangingPunct="0">
+              <a:lnSpc>
+                <a:spcPct val="100000"/>
+              </a:lnSpc>
+              <a:spcBef>
+                <a:spcPts val="0"/>
+              </a:spcBef>
+              <a:spcAft>
+                <a:spcPts val="0"/>
+              </a:spcAft>
+              <a:buClrTx/>
+              <a:buSzTx/>
+              <a:buFontTx/>
+              <a:buNone/>
+              <a:tabLst/>
+            </a:pPr>
+            <a:r>
+              <a:rPr kumimoji="0" lang="en-US" sz="2800" b="1" i="0" u="none" strike="noStrike" cap="none" spc="0" normalizeH="0" baseline="0">
+                <a:ln>
+                  <a:noFill/>
+                </a:ln>
+                <a:solidFill>
+                  <a:srgbClr val="000000"/>
+                </a:solidFill>
+                <a:effectLst/>
+                <a:uFillTx/>
+                <a:latin typeface="+mn-lt"/>
+                <a:ea typeface="+mn-ea"/>
+                <a:cs typeface="+mn-cs"/>
+                <a:sym typeface="Helvetica Light"/>
+              </a:rPr>
+              <a:t>IBM Cloud</a:t>
+            </a:r>
+          </a:p>
+        </p:txBody>
+      </p:sp>
+      <p:sp>
+        <p:nvSpPr>
+          <p:cNvPr id="58" name="Rounded Rectangle 57">
+            <a:extLst>
+              <a:ext uri="{FF2B5EF4-FFF2-40B4-BE49-F238E27FC236}">
+                <a16:creationId xmlns:a16="http://schemas.microsoft.com/office/drawing/2014/main" id="{74AC6CAB-6CF0-064E-82A7-C042A402770F}"/>
+              </a:ext>
+            </a:extLst>
+          </p:cNvPr>
+          <p:cNvSpPr/>
+          <p:nvPr/>
+        </p:nvSpPr>
+        <p:spPr>
+          <a:xfrm>
+            <a:off x="6578647" y="3068552"/>
+            <a:ext cx="1547917" cy="1262314"/>
+          </a:xfrm>
+          <a:prstGeom prst="roundRect">
+            <a:avLst/>
+          </a:prstGeom>
+          <a:solidFill>
+            <a:srgbClr val="FFFFFF"/>
+          </a:solidFill>
+          <a:ln w="25400">
+            <a:solidFill>
+              <a:srgbClr val="4277BB"/>
+            </a:solidFill>
+            <a:miter lim="400000"/>
+          </a:ln>
+        </p:spPr>
+        <p:txBody>
+          <a:bodyPr lIns="0" tIns="0" rIns="0" bIns="0" rtlCol="0" anchor="ctr"/>
+          <a:lstStyle/>
+          <a:p>
+            <a:pPr algn="ctr"/>
+            <a:endParaRPr lang="en-US" sz="1800">
+              <a:solidFill>
+                <a:srgbClr val="4277BB"/>
+              </a:solidFill>
+            </a:endParaRPr>
+          </a:p>
+        </p:txBody>
+      </p:sp>
+      <p:sp>
+        <p:nvSpPr>
+          <p:cNvPr id="66" name="Rounded Rectangle 65">
+            <a:extLst>
+              <a:ext uri="{FF2B5EF4-FFF2-40B4-BE49-F238E27FC236}">
+                <a16:creationId xmlns:a16="http://schemas.microsoft.com/office/drawing/2014/main" id="{C4D50543-9EFD-2B42-9F96-9784F0AFD273}"/>
+              </a:ext>
+            </a:extLst>
+          </p:cNvPr>
+          <p:cNvSpPr/>
+          <p:nvPr/>
+        </p:nvSpPr>
+        <p:spPr>
+          <a:xfrm>
+            <a:off x="1362692" y="1627490"/>
+            <a:ext cx="3692834" cy="3656051"/>
+          </a:xfrm>
+          <a:prstGeom prst="roundRect">
+            <a:avLst/>
+          </a:prstGeom>
+          <a:ln w="25400">
+            <a:solidFill>
+              <a:srgbClr val="4277BB"/>
+            </a:solidFill>
+            <a:miter lim="400000"/>
+          </a:ln>
+        </p:spPr>
+        <p:txBody>
+          <a:bodyPr lIns="0" tIns="0" rIns="0" bIns="0" rtlCol="0" anchor="ctr"/>
+          <a:lstStyle/>
+          <a:p>
+            <a:pPr algn="ctr"/>
+            <a:endParaRPr lang="en-US" sz="1800">
+              <a:solidFill>
+                <a:srgbClr val="4277BB"/>
+              </a:solidFill>
+            </a:endParaRPr>
+          </a:p>
+        </p:txBody>
+      </p:sp>
+      <p:sp>
+        <p:nvSpPr>
+          <p:cNvPr id="68" name="Rounded Rectangle 67">
+            <a:extLst>
+              <a:ext uri="{FF2B5EF4-FFF2-40B4-BE49-F238E27FC236}">
+                <a16:creationId xmlns:a16="http://schemas.microsoft.com/office/drawing/2014/main" id="{7D22E891-E651-C343-B98D-45B362624281}"/>
+              </a:ext>
+            </a:extLst>
+          </p:cNvPr>
+          <p:cNvSpPr/>
+          <p:nvPr/>
+        </p:nvSpPr>
+        <p:spPr>
+          <a:xfrm>
+            <a:off x="3103761" y="2503347"/>
+            <a:ext cx="1747977" cy="1655049"/>
+          </a:xfrm>
+          <a:prstGeom prst="roundRect">
+            <a:avLst/>
+          </a:prstGeom>
+          <a:ln w="25400">
+            <a:solidFill>
+              <a:srgbClr val="4277BB"/>
+            </a:solidFill>
+            <a:miter lim="400000"/>
+          </a:ln>
+        </p:spPr>
+        <p:txBody>
+          <a:bodyPr lIns="0" tIns="0" rIns="0" bIns="0" rtlCol="0" anchor="ctr"/>
+          <a:lstStyle/>
+          <a:p>
+            <a:pPr algn="ctr"/>
+            <a:endParaRPr lang="en-US" sz="1800">
+              <a:solidFill>
+                <a:srgbClr val="4277BB"/>
+              </a:solidFill>
+            </a:endParaRPr>
+          </a:p>
+        </p:txBody>
+      </p:sp>
+      <p:sp>
+        <p:nvSpPr>
+          <p:cNvPr id="71" name="TextBox 70">
+            <a:extLst>
+              <a:ext uri="{FF2B5EF4-FFF2-40B4-BE49-F238E27FC236}">
+                <a16:creationId xmlns:a16="http://schemas.microsoft.com/office/drawing/2014/main" id="{8B311B05-6EBE-454F-B94C-E5CC8C1AE15B}"/>
+              </a:ext>
+            </a:extLst>
+          </p:cNvPr>
+          <p:cNvSpPr txBox="1"/>
+          <p:nvPr/>
+        </p:nvSpPr>
+        <p:spPr>
+          <a:xfrm>
+            <a:off x="3071035" y="2581906"/>
+            <a:ext cx="718946" cy="325569"/>
+          </a:xfrm>
+          <a:prstGeom prst="rect">
+            <a:avLst/>
+          </a:prstGeom>
+          <a:noFill/>
+          <a:ln w="3175" cap="flat">
+            <a:noFill/>
+            <a:miter lim="400000"/>
+          </a:ln>
+          <a:effectLst/>
+        </p:spPr>
+        <p:style>
+          <a:lnRef idx="0">
+            <a:scrgbClr r="0" g="0" b="0"/>
+          </a:lnRef>
+          <a:fillRef idx="0">
+            <a:scrgbClr r="0" g="0" b="0"/>
+          </a:fillRef>
+          <a:effectRef idx="0">
+            <a:scrgbClr r="0" g="0" b="0"/>
+          </a:effectRef>
+          <a:fontRef idx="none"/>
+        </p:style>
+        <p:txBody>
+          <a:bodyPr rot="0" spcFirstLastPara="1" vertOverflow="overflow" horzOverflow="overflow" vert="horz" wrap="square" lIns="39290" tIns="39290" rIns="39290" bIns="39290" numCol="1" spcCol="38100" rtlCol="0" anchor="ctr">
+            <a:spAutoFit/>
+          </a:bodyPr>
+          <a:lstStyle/>
+          <a:p>
+            <a:pPr marL="0" marR="0" indent="0" algn="ctr" defTabSz="584200" rtl="0" fontAlgn="auto" latinLnBrk="1" hangingPunct="0">
+              <a:lnSpc>
+                <a:spcPct val="100000"/>
+              </a:lnSpc>
+              <a:spcBef>
+                <a:spcPts val="0"/>
+              </a:spcBef>
+              <a:spcAft>
+                <a:spcPts val="0"/>
+              </a:spcAft>
+              <a:buClrTx/>
+              <a:buSzTx/>
+              <a:buFontTx/>
+              <a:buNone/>
+              <a:tabLst/>
+            </a:pPr>
+            <a:r>
+              <a:rPr lang="en-US" sz="1600" dirty="0">
+                <a:solidFill>
+                  <a:srgbClr val="000000"/>
+                </a:solidFill>
+              </a:rPr>
+              <a:t>P</a:t>
+            </a:r>
+            <a:r>
+              <a:rPr kumimoji="0" lang="en-US" sz="1600" b="0" i="0" u="none" strike="noStrike" cap="none" spc="0" normalizeH="0" baseline="0" dirty="0">
+                <a:ln>
+                  <a:noFill/>
+                </a:ln>
+                <a:solidFill>
+                  <a:srgbClr val="000000"/>
+                </a:solidFill>
+                <a:effectLst/>
+                <a:uFillTx/>
+                <a:latin typeface="+mn-lt"/>
+                <a:ea typeface="+mn-ea"/>
+                <a:cs typeface="+mn-cs"/>
+                <a:sym typeface="Helvetica Light"/>
+              </a:rPr>
+              <a:t>od</a:t>
+            </a:r>
+          </a:p>
+        </p:txBody>
+      </p:sp>
+      <p:sp>
+        <p:nvSpPr>
+          <p:cNvPr id="74" name="TextBox 73">
+            <a:extLst>
+              <a:ext uri="{FF2B5EF4-FFF2-40B4-BE49-F238E27FC236}">
+                <a16:creationId xmlns:a16="http://schemas.microsoft.com/office/drawing/2014/main" id="{9598825F-B14D-C748-AB12-175AD309F87E}"/>
+              </a:ext>
+            </a:extLst>
+          </p:cNvPr>
+          <p:cNvSpPr txBox="1"/>
+          <p:nvPr/>
+        </p:nvSpPr>
+        <p:spPr>
+          <a:xfrm>
+            <a:off x="3106708" y="2858231"/>
+            <a:ext cx="1240887" cy="325569"/>
+          </a:xfrm>
+          <a:prstGeom prst="rect">
+            <a:avLst/>
+          </a:prstGeom>
+          <a:noFill/>
+          <a:ln w="3175" cap="flat">
+            <a:noFill/>
+            <a:miter lim="400000"/>
+          </a:ln>
+          <a:effectLst/>
+        </p:spPr>
+        <p:style>
+          <a:lnRef idx="0">
+            <a:scrgbClr r="0" g="0" b="0"/>
+          </a:lnRef>
+          <a:fillRef idx="0">
+            <a:scrgbClr r="0" g="0" b="0"/>
+          </a:fillRef>
+          <a:effectRef idx="0">
+            <a:scrgbClr r="0" g="0" b="0"/>
+          </a:effectRef>
+          <a:fontRef idx="none"/>
+        </p:style>
+        <p:txBody>
+          <a:bodyPr rot="0" spcFirstLastPara="1" vertOverflow="overflow" horzOverflow="overflow" vert="horz" wrap="square" lIns="39290" tIns="39290" rIns="39290" bIns="39290" numCol="1" spcCol="38100" rtlCol="0" anchor="ctr">
+            <a:spAutoFit/>
+          </a:bodyPr>
+          <a:lstStyle/>
+          <a:p>
+            <a:pPr rtl="0" latinLnBrk="1" hangingPunct="0"/>
+            <a:r>
+              <a:rPr lang="en-US" sz="1600" b="1" dirty="0">
+                <a:solidFill>
+                  <a:schemeClr val="accent1"/>
+                </a:solidFill>
+              </a:rPr>
+              <a:t>Authors v1  </a:t>
+            </a:r>
+            <a:endParaRPr kumimoji="0" lang="en-US" sz="1050" b="1" i="0" u="none" strike="noStrike" cap="none" spc="0" normalizeH="0" baseline="0" dirty="0">
+              <a:ln>
+                <a:noFill/>
+              </a:ln>
+              <a:solidFill>
+                <a:schemeClr val="accent1"/>
+              </a:solidFill>
+              <a:effectLst/>
+              <a:uFillTx/>
+              <a:sym typeface="Helvetica Light"/>
+            </a:endParaRPr>
+          </a:p>
+        </p:txBody>
+      </p:sp>
+      <p:pic>
+        <p:nvPicPr>
+          <p:cNvPr id="76" name="Picture 75">
+            <a:extLst>
+              <a:ext uri="{FF2B5EF4-FFF2-40B4-BE49-F238E27FC236}">
+                <a16:creationId xmlns:a16="http://schemas.microsoft.com/office/drawing/2014/main" id="{F85C06C8-3222-8644-8A74-8D8D1E49740C}"/>
+              </a:ext>
+            </a:extLst>
+          </p:cNvPr>
+          <p:cNvPicPr>
+            <a:picLocks noChangeAspect="1"/>
+          </p:cNvPicPr>
+          <p:nvPr/>
+        </p:nvPicPr>
+        <p:blipFill>
+          <a:blip r:embed="rId3">
+            <a:extLst>
+              <a:ext uri="{28A0092B-C50C-407E-A947-70E740481C1C}">
+                <a14:useLocalDpi xmlns:a14="http://schemas.microsoft.com/office/drawing/2010/main" val="0"/>
+              </a:ext>
+            </a:extLst>
+          </a:blip>
+          <a:stretch>
+            <a:fillRect/>
+          </a:stretch>
+        </p:blipFill>
+        <p:spPr>
+          <a:xfrm>
+            <a:off x="4356502" y="1756688"/>
+            <a:ext cx="452515" cy="452515"/>
+          </a:xfrm>
+          <a:prstGeom prst="rect">
+            <a:avLst/>
+          </a:prstGeom>
+        </p:spPr>
+      </p:pic>
+      <p:sp>
+        <p:nvSpPr>
+          <p:cNvPr id="77" name="TextBox 76">
+            <a:extLst>
+              <a:ext uri="{FF2B5EF4-FFF2-40B4-BE49-F238E27FC236}">
+                <a16:creationId xmlns:a16="http://schemas.microsoft.com/office/drawing/2014/main" id="{167E1B1A-4B2A-3849-876C-BB7C8DA5D2D1}"/>
+              </a:ext>
+            </a:extLst>
+          </p:cNvPr>
+          <p:cNvSpPr txBox="1"/>
+          <p:nvPr/>
+        </p:nvSpPr>
+        <p:spPr>
+          <a:xfrm>
+            <a:off x="3974188" y="1879904"/>
+            <a:ext cx="537249" cy="240930"/>
+          </a:xfrm>
+          <a:prstGeom prst="rect">
+            <a:avLst/>
+          </a:prstGeom>
+          <a:noFill/>
+          <a:ln w="3175" cap="flat">
+            <a:noFill/>
+            <a:miter lim="400000"/>
+          </a:ln>
+          <a:effectLst/>
+        </p:spPr>
+        <p:style>
+          <a:lnRef idx="0">
+            <a:scrgbClr r="0" g="0" b="0"/>
+          </a:lnRef>
+          <a:fillRef idx="0">
+            <a:scrgbClr r="0" g="0" b="0"/>
+          </a:fillRef>
+          <a:effectRef idx="0">
+            <a:scrgbClr r="0" g="0" b="0"/>
+          </a:effectRef>
+          <a:fontRef idx="none"/>
+        </p:style>
+        <p:txBody>
+          <a:bodyPr rot="0" spcFirstLastPara="1" vertOverflow="overflow" horzOverflow="overflow" vert="horz" wrap="square" lIns="39290" tIns="39290" rIns="39290" bIns="39290" numCol="1" spcCol="38100" rtlCol="0" anchor="ctr">
+            <a:spAutoFit/>
+          </a:bodyPr>
+          <a:lstStyle/>
+          <a:p>
+            <a:pPr marL="0" marR="0" indent="0" algn="ctr" defTabSz="584200" rtl="0" fontAlgn="auto" latinLnBrk="1" hangingPunct="0">
+              <a:lnSpc>
+                <a:spcPct val="100000"/>
+              </a:lnSpc>
+              <a:spcBef>
+                <a:spcPts val="0"/>
+              </a:spcBef>
+              <a:spcAft>
+                <a:spcPts val="0"/>
+              </a:spcAft>
+              <a:buClrTx/>
+              <a:buSzTx/>
+              <a:buFontTx/>
+              <a:buNone/>
+              <a:tabLst/>
+            </a:pPr>
+            <a:r>
+              <a:rPr kumimoji="0" lang="en-US" sz="1050" b="1" i="0" u="none" strike="noStrike" cap="none" spc="0" normalizeH="0" baseline="0" dirty="0">
+                <a:ln>
+                  <a:noFill/>
+                </a:ln>
+                <a:solidFill>
+                  <a:srgbClr val="000000"/>
+                </a:solidFill>
+                <a:effectLst/>
+                <a:uFillTx/>
+                <a:latin typeface="+mn-lt"/>
+                <a:ea typeface="+mn-ea"/>
+                <a:cs typeface="+mn-cs"/>
+                <a:sym typeface="Helvetica Light"/>
+              </a:rPr>
+              <a:t>Istio</a:t>
+            </a:r>
+          </a:p>
+        </p:txBody>
+      </p:sp>
+      <p:sp>
+        <p:nvSpPr>
+          <p:cNvPr id="78" name="Rounded Rectangle 77">
+            <a:extLst>
+              <a:ext uri="{FF2B5EF4-FFF2-40B4-BE49-F238E27FC236}">
+                <a16:creationId xmlns:a16="http://schemas.microsoft.com/office/drawing/2014/main" id="{714F1710-3C67-B647-BA99-3320569DAACB}"/>
+              </a:ext>
+            </a:extLst>
+          </p:cNvPr>
+          <p:cNvSpPr/>
+          <p:nvPr/>
+        </p:nvSpPr>
+        <p:spPr>
+          <a:xfrm>
+            <a:off x="1636100" y="1779890"/>
+            <a:ext cx="3283624" cy="3338559"/>
+          </a:xfrm>
+          <a:prstGeom prst="roundRect">
+            <a:avLst/>
+          </a:prstGeom>
+          <a:ln w="25400">
+            <a:solidFill>
+              <a:srgbClr val="4277BB"/>
+            </a:solidFill>
+            <a:miter lim="400000"/>
+          </a:ln>
+        </p:spPr>
+        <p:txBody>
+          <a:bodyPr lIns="0" tIns="0" rIns="0" bIns="0" rtlCol="0" anchor="ctr"/>
+          <a:lstStyle/>
+          <a:p>
+            <a:pPr algn="ctr"/>
+            <a:endParaRPr lang="en-US" sz="1800">
+              <a:solidFill>
+                <a:srgbClr val="4277BB"/>
+              </a:solidFill>
+            </a:endParaRPr>
+          </a:p>
+        </p:txBody>
+      </p:sp>
+      <p:sp>
+        <p:nvSpPr>
+          <p:cNvPr id="79" name="TextBox 78">
+            <a:extLst>
+              <a:ext uri="{FF2B5EF4-FFF2-40B4-BE49-F238E27FC236}">
+                <a16:creationId xmlns:a16="http://schemas.microsoft.com/office/drawing/2014/main" id="{58ED2E94-5A33-7D4C-A624-94C2B1A96506}"/>
+              </a:ext>
+            </a:extLst>
+          </p:cNvPr>
+          <p:cNvSpPr txBox="1"/>
+          <p:nvPr/>
+        </p:nvSpPr>
+        <p:spPr>
+          <a:xfrm>
+            <a:off x="1778265" y="1837585"/>
+            <a:ext cx="740965" cy="325569"/>
+          </a:xfrm>
+          <a:prstGeom prst="rect">
+            <a:avLst/>
+          </a:prstGeom>
+          <a:noFill/>
+          <a:ln w="3175" cap="flat">
+            <a:noFill/>
+            <a:miter lim="400000"/>
+          </a:ln>
+          <a:effectLst/>
+        </p:spPr>
+        <p:style>
+          <a:lnRef idx="0">
+            <a:scrgbClr r="0" g="0" b="0"/>
+          </a:lnRef>
+          <a:fillRef idx="0">
+            <a:scrgbClr r="0" g="0" b="0"/>
+          </a:fillRef>
+          <a:effectRef idx="0">
+            <a:scrgbClr r="0" g="0" b="0"/>
+          </a:effectRef>
+          <a:fontRef idx="none"/>
+        </p:style>
+        <p:txBody>
+          <a:bodyPr rot="0" spcFirstLastPara="1" vertOverflow="overflow" horzOverflow="overflow" vert="horz" wrap="square" lIns="39290" tIns="39290" rIns="39290" bIns="39290" numCol="1" spcCol="38100" rtlCol="0" anchor="ctr">
+            <a:spAutoFit/>
+          </a:bodyPr>
+          <a:lstStyle/>
+          <a:p>
+            <a:pPr marL="0" marR="0" indent="0" algn="ctr" defTabSz="584200" rtl="0" fontAlgn="auto" latinLnBrk="1" hangingPunct="0">
+              <a:lnSpc>
+                <a:spcPct val="100000"/>
+              </a:lnSpc>
+              <a:spcBef>
+                <a:spcPts val="0"/>
+              </a:spcBef>
+              <a:spcAft>
+                <a:spcPts val="0"/>
+              </a:spcAft>
+              <a:buClrTx/>
+              <a:buSzTx/>
+              <a:buFontTx/>
+              <a:buNone/>
+              <a:tabLst/>
+            </a:pPr>
+            <a:r>
+              <a:rPr lang="en-US" sz="1600" b="1">
+                <a:solidFill>
+                  <a:srgbClr val="000000"/>
+                </a:solidFill>
+              </a:rPr>
+              <a:t>Cluster</a:t>
+            </a:r>
+            <a:endParaRPr kumimoji="0" lang="en-US" sz="1050" b="1" i="0" u="none" strike="noStrike" cap="none" spc="0" normalizeH="0" baseline="0">
+              <a:ln>
+                <a:noFill/>
+              </a:ln>
+              <a:solidFill>
+                <a:srgbClr val="000000"/>
+              </a:solidFill>
+              <a:effectLst/>
+              <a:uFillTx/>
+              <a:latin typeface="+mn-lt"/>
+              <a:ea typeface="+mn-ea"/>
+              <a:cs typeface="+mn-cs"/>
+              <a:sym typeface="Helvetica Light"/>
+            </a:endParaRPr>
+          </a:p>
+        </p:txBody>
+      </p:sp>
+      <p:pic>
+        <p:nvPicPr>
+          <p:cNvPr id="56" name="Picture 55">
+            <a:extLst>
+              <a:ext uri="{FF2B5EF4-FFF2-40B4-BE49-F238E27FC236}">
+                <a16:creationId xmlns:a16="http://schemas.microsoft.com/office/drawing/2014/main" id="{C0183C11-0E80-B040-817D-E0A4E9722D51}"/>
+              </a:ext>
+            </a:extLst>
+          </p:cNvPr>
+          <p:cNvPicPr>
+            <a:picLocks noChangeAspect="1"/>
+          </p:cNvPicPr>
+          <p:nvPr/>
+        </p:nvPicPr>
+        <p:blipFill>
+          <a:blip r:embed="rId4">
+            <a:extLst>
+              <a:ext uri="{28A0092B-C50C-407E-A947-70E740481C1C}">
+                <a14:useLocalDpi xmlns:a14="http://schemas.microsoft.com/office/drawing/2010/main" val="0"/>
+              </a:ext>
+            </a:extLst>
+          </a:blip>
+          <a:stretch>
+            <a:fillRect/>
+          </a:stretch>
+        </p:blipFill>
+        <p:spPr>
+          <a:xfrm>
+            <a:off x="7129892" y="3799356"/>
+            <a:ext cx="379633" cy="143417"/>
+          </a:xfrm>
+          <a:prstGeom prst="rect">
+            <a:avLst/>
+          </a:prstGeom>
+        </p:spPr>
+      </p:pic>
+      <p:pic>
+        <p:nvPicPr>
+          <p:cNvPr id="59" name="Picture 58">
+            <a:extLst>
+              <a:ext uri="{FF2B5EF4-FFF2-40B4-BE49-F238E27FC236}">
+                <a16:creationId xmlns:a16="http://schemas.microsoft.com/office/drawing/2014/main" id="{4D4E38D8-A746-0E4B-B7EA-DCAFD394CD60}"/>
+              </a:ext>
+            </a:extLst>
+          </p:cNvPr>
+          <p:cNvPicPr>
+            <a:picLocks noChangeAspect="1"/>
+          </p:cNvPicPr>
+          <p:nvPr/>
+        </p:nvPicPr>
+        <p:blipFill>
+          <a:blip r:embed="rId5">
+            <a:extLst>
+              <a:ext uri="{28A0092B-C50C-407E-A947-70E740481C1C}">
+                <a14:useLocalDpi xmlns:a14="http://schemas.microsoft.com/office/drawing/2010/main" val="0"/>
+              </a:ext>
+            </a:extLst>
+          </a:blip>
+          <a:stretch>
+            <a:fillRect/>
+          </a:stretch>
+        </p:blipFill>
+        <p:spPr>
+          <a:xfrm>
+            <a:off x="6985238" y="3989886"/>
+            <a:ext cx="617329" cy="108624"/>
+          </a:xfrm>
+          <a:prstGeom prst="rect">
+            <a:avLst/>
+          </a:prstGeom>
+        </p:spPr>
+      </p:pic>
+      <p:pic>
+        <p:nvPicPr>
+          <p:cNvPr id="60" name="Picture 59">
+            <a:extLst>
+              <a:ext uri="{FF2B5EF4-FFF2-40B4-BE49-F238E27FC236}">
+                <a16:creationId xmlns:a16="http://schemas.microsoft.com/office/drawing/2014/main" id="{085D4D38-8CCC-4A49-B790-9C68A10736DC}"/>
+              </a:ext>
+            </a:extLst>
+          </p:cNvPr>
+          <p:cNvPicPr>
+            <a:picLocks noChangeAspect="1"/>
+          </p:cNvPicPr>
+          <p:nvPr/>
+        </p:nvPicPr>
+        <p:blipFill>
+          <a:blip r:embed="rId6">
+            <a:extLst>
+              <a:ext uri="{28A0092B-C50C-407E-A947-70E740481C1C}">
+                <a14:useLocalDpi xmlns:a14="http://schemas.microsoft.com/office/drawing/2010/main" val="0"/>
+              </a:ext>
+            </a:extLst>
+          </a:blip>
+          <a:stretch>
+            <a:fillRect/>
+          </a:stretch>
+        </p:blipFill>
+        <p:spPr>
+          <a:xfrm>
+            <a:off x="7103096" y="4067754"/>
+            <a:ext cx="433226" cy="231054"/>
+          </a:xfrm>
+          <a:prstGeom prst="rect">
+            <a:avLst/>
+          </a:prstGeom>
+        </p:spPr>
+      </p:pic>
+      <p:sp>
+        <p:nvSpPr>
+          <p:cNvPr id="3" name="Rectangle 2">
+            <a:extLst>
+              <a:ext uri="{FF2B5EF4-FFF2-40B4-BE49-F238E27FC236}">
+                <a16:creationId xmlns:a16="http://schemas.microsoft.com/office/drawing/2014/main" id="{34336906-E4A9-A844-8ADC-B2C3D8F5F9D2}"/>
+              </a:ext>
+            </a:extLst>
+          </p:cNvPr>
+          <p:cNvSpPr/>
+          <p:nvPr/>
+        </p:nvSpPr>
+        <p:spPr>
+          <a:xfrm>
+            <a:off x="6688470" y="3479931"/>
+            <a:ext cx="1287532" cy="369332"/>
+          </a:xfrm>
+          <a:prstGeom prst="rect">
+            <a:avLst/>
+          </a:prstGeom>
+        </p:spPr>
+        <p:txBody>
+          <a:bodyPr wrap="none">
+            <a:spAutoFit/>
+          </a:bodyPr>
+          <a:lstStyle/>
+          <a:p>
+            <a:r>
+              <a:rPr lang="en-US" sz="1800" b="1" dirty="0">
+                <a:solidFill>
+                  <a:srgbClr val="000000"/>
+                </a:solidFill>
+              </a:rPr>
               <a:t>Authors:v2</a:t>
             </a:r>
             <a:endParaRPr lang="en-US" sz="1800" dirty="0"/>
@@ -27159,7 +29092,7 @@
 </p:sld>
 </file>
 
-<file path=ppt/slides/slide21.xml><?xml version="1.0" encoding="utf-8"?>
+<file path=ppt/slides/slide22.xml><?xml version="1.0" encoding="utf-8"?>
 <p:sld xmlns:a="http://schemas.openxmlformats.org/drawingml/2006/main" xmlns:r="http://schemas.openxmlformats.org/officeDocument/2006/relationships" xmlns:p="http://schemas.openxmlformats.org/presentationml/2006/main">
   <p:cSld>
     <p:spTree>
@@ -28751,7 +30684,7 @@
           </a:ln>
           <a:extLst>
             <a:ext uri="{C572A759-6A51-4108-AA02-DFA0A04FC94B}">
-              <ma14:wrappingTextBoxFlag xmlns:ma14="http://schemas.microsoft.com/office/mac/drawingml/2011/main" xmlns="" val="1"/>
+              <ma14:wrappingTextBoxFlag xmlns="" xmlns:ma14="http://schemas.microsoft.com/office/mac/drawingml/2011/main" val="1"/>
             </a:ext>
           </a:extLst>
         </p:spPr>
@@ -28920,7 +30853,7 @@
           </a:ln>
           <a:extLst>
             <a:ext uri="{C572A759-6A51-4108-AA02-DFA0A04FC94B}">
-              <ma14:wrappingTextBoxFlag xmlns:ma14="http://schemas.microsoft.com/office/mac/drawingml/2011/main" xmlns="" val="1"/>
+              <ma14:wrappingTextBoxFlag xmlns="" xmlns:ma14="http://schemas.microsoft.com/office/mac/drawingml/2011/main" val="1"/>
             </a:ext>
           </a:extLst>
         </p:spPr>
@@ -30233,7 +32166,7 @@
           </a:ln>
           <a:extLst>
             <a:ext uri="{C572A759-6A51-4108-AA02-DFA0A04FC94B}">
-              <ma14:wrappingTextBoxFlag xmlns:ma14="http://schemas.microsoft.com/office/mac/drawingml/2011/main" xmlns="" val="1"/>
+              <ma14:wrappingTextBoxFlag xmlns="" xmlns:ma14="http://schemas.microsoft.com/office/mac/drawingml/2011/main" val="1"/>
             </a:ext>
           </a:extLst>
         </p:spPr>
@@ -30402,7 +32335,7 @@
           </a:ln>
           <a:extLst>
             <a:ext uri="{C572A759-6A51-4108-AA02-DFA0A04FC94B}">
-              <ma14:wrappingTextBoxFlag xmlns:ma14="http://schemas.microsoft.com/office/mac/drawingml/2011/main" xmlns="" val="1"/>
+              <ma14:wrappingTextBoxFlag xmlns="" xmlns:ma14="http://schemas.microsoft.com/office/mac/drawingml/2011/main" val="1"/>
             </a:ext>
           </a:extLst>
         </p:spPr>
@@ -31675,7 +33608,7 @@
           </a:ln>
           <a:extLst>
             <a:ext uri="{C572A759-6A51-4108-AA02-DFA0A04FC94B}">
-              <ma14:wrappingTextBoxFlag xmlns:ma14="http://schemas.microsoft.com/office/mac/drawingml/2011/main" xmlns="" val="1"/>
+              <ma14:wrappingTextBoxFlag xmlns="" xmlns:ma14="http://schemas.microsoft.com/office/mac/drawingml/2011/main" val="1"/>
             </a:ext>
           </a:extLst>
         </p:spPr>
@@ -31844,7 +33777,7 @@
           </a:ln>
           <a:extLst>
             <a:ext uri="{C572A759-6A51-4108-AA02-DFA0A04FC94B}">
-              <ma14:wrappingTextBoxFlag xmlns:ma14="http://schemas.microsoft.com/office/mac/drawingml/2011/main" xmlns="" val="1"/>
+              <ma14:wrappingTextBoxFlag xmlns="" xmlns:ma14="http://schemas.microsoft.com/office/mac/drawingml/2011/main" val="1"/>
             </a:ext>
           </a:extLst>
         </p:spPr>
@@ -34689,7 +36622,7 @@
           </a:ln>
           <a:extLst>
             <a:ext uri="{C572A759-6A51-4108-AA02-DFA0A04FC94B}">
-              <ma14:wrappingTextBoxFlag xmlns:ma14="http://schemas.microsoft.com/office/mac/drawingml/2011/main" xmlns="" val="1"/>
+              <ma14:wrappingTextBoxFlag xmlns="" xmlns:ma14="http://schemas.microsoft.com/office/mac/drawingml/2011/main" val="1"/>
             </a:ext>
           </a:extLst>
         </p:spPr>
@@ -34878,7 +36811,7 @@
           </a:ln>
           <a:extLst>
             <a:ext uri="{C572A759-6A51-4108-AA02-DFA0A04FC94B}">
-              <ma14:wrappingTextBoxFlag xmlns:ma14="http://schemas.microsoft.com/office/mac/drawingml/2011/main" xmlns="" val="1"/>
+              <ma14:wrappingTextBoxFlag xmlns="" xmlns:ma14="http://schemas.microsoft.com/office/mac/drawingml/2011/main" val="1"/>
             </a:ext>
           </a:extLst>
         </p:spPr>
@@ -37563,7 +39496,7 @@
           </a:ln>
           <a:extLst>
             <a:ext uri="{C572A759-6A51-4108-AA02-DFA0A04FC94B}">
-              <ma14:wrappingTextBoxFlag xmlns:ma14="http://schemas.microsoft.com/office/mac/drawingml/2011/main" xmlns="" val="1"/>
+              <ma14:wrappingTextBoxFlag xmlns="" xmlns:ma14="http://schemas.microsoft.com/office/mac/drawingml/2011/main" val="1"/>
             </a:ext>
           </a:extLst>
         </p:spPr>
@@ -37752,7 +39685,7 @@
           </a:ln>
           <a:extLst>
             <a:ext uri="{C572A759-6A51-4108-AA02-DFA0A04FC94B}">
-              <ma14:wrappingTextBoxFlag xmlns:ma14="http://schemas.microsoft.com/office/mac/drawingml/2011/main" xmlns="" val="1"/>
+              <ma14:wrappingTextBoxFlag xmlns="" xmlns:ma14="http://schemas.microsoft.com/office/mac/drawingml/2011/main" val="1"/>
             </a:ext>
           </a:extLst>
         </p:spPr>
@@ -40487,7 +42420,7 @@
           </a:ln>
           <a:extLst>
             <a:ext uri="{C572A759-6A51-4108-AA02-DFA0A04FC94B}">
-              <ma14:wrappingTextBoxFlag xmlns:ma14="http://schemas.microsoft.com/office/mac/drawingml/2011/main" xmlns="" val="1"/>
+              <ma14:wrappingTextBoxFlag xmlns="" xmlns:ma14="http://schemas.microsoft.com/office/mac/drawingml/2011/main" val="1"/>
             </a:ext>
           </a:extLst>
         </p:spPr>
@@ -40652,7 +42585,7 @@
           </a:ln>
           <a:extLst>
             <a:ext uri="{C572A759-6A51-4108-AA02-DFA0A04FC94B}">
-              <ma14:wrappingTextBoxFlag xmlns:ma14="http://schemas.microsoft.com/office/mac/drawingml/2011/main" xmlns="" val="1"/>
+              <ma14:wrappingTextBoxFlag xmlns="" xmlns:ma14="http://schemas.microsoft.com/office/mac/drawingml/2011/main" val="1"/>
             </a:ext>
           </a:extLst>
         </p:spPr>
@@ -42384,7 +44317,7 @@
           </a:ln>
           <a:extLst>
             <a:ext uri="{C572A759-6A51-4108-AA02-DFA0A04FC94B}">
-              <ma14:wrappingTextBoxFlag xmlns:ma14="http://schemas.microsoft.com/office/mac/drawingml/2011/main" xmlns="" val="1"/>
+              <ma14:wrappingTextBoxFlag xmlns="" xmlns:ma14="http://schemas.microsoft.com/office/mac/drawingml/2011/main" val="1"/>
             </a:ext>
           </a:extLst>
         </p:spPr>
@@ -42553,7 +44486,7 @@
           </a:ln>
           <a:extLst>
             <a:ext uri="{C572A759-6A51-4108-AA02-DFA0A04FC94B}">
-              <ma14:wrappingTextBoxFlag xmlns:ma14="http://schemas.microsoft.com/office/mac/drawingml/2011/main" xmlns="" val="1"/>
+              <ma14:wrappingTextBoxFlag xmlns="" xmlns:ma14="http://schemas.microsoft.com/office/mac/drawingml/2011/main" val="1"/>
             </a:ext>
           </a:extLst>
         </p:spPr>

--- a/workshop/images/architecture.pptx
+++ b/workshop/images/architecture.pptx
@@ -43860,8 +43860,8 @@
         </p:nvSpPr>
         <p:spPr>
           <a:xfrm>
-            <a:off x="4462654" y="4534246"/>
-            <a:ext cx="1431591" cy="448679"/>
+            <a:off x="4462654" y="4626579"/>
+            <a:ext cx="1431591" cy="264013"/>
           </a:xfrm>
           <a:prstGeom prst="rect">
             <a:avLst/>
@@ -43917,25 +43917,6 @@
               </a:rPr>
               <a:t>Envoy Proxy</a:t>
             </a:r>
-            <a:br>
-              <a:rPr lang="en-US" sz="1200" b="1" dirty="0">
-                <a:solidFill>
-                  <a:srgbClr val="000000"/>
-                </a:solidFill>
-                <a:latin typeface="Arial"/>
-                <a:cs typeface="Arial"/>
-              </a:rPr>
-            </a:br>
-            <a:r>
-              <a:rPr lang="en-US" sz="1200" b="1" dirty="0">
-                <a:solidFill>
-                  <a:srgbClr val="000000"/>
-                </a:solidFill>
-                <a:latin typeface="Arial"/>
-                <a:cs typeface="Arial"/>
-              </a:rPr>
-              <a:t> Sidecar</a:t>
-            </a:r>
             <a:endParaRPr kumimoji="0" lang="en-US" sz="1200" b="1" i="0" u="none" strike="noStrike" cap="none" spc="0" normalizeH="0" baseline="0" dirty="0">
               <a:ln>
                 <a:noFill/>
@@ -44052,8 +44033,8 @@
         </p:nvSpPr>
         <p:spPr>
           <a:xfrm>
-            <a:off x="4500838" y="2278232"/>
-            <a:ext cx="1431591" cy="448679"/>
+            <a:off x="4500838" y="2370565"/>
+            <a:ext cx="1431591" cy="264013"/>
           </a:xfrm>
           <a:prstGeom prst="rect">
             <a:avLst/>
@@ -44109,25 +44090,6 @@
               </a:rPr>
               <a:t>Envoy Proxy</a:t>
             </a:r>
-            <a:br>
-              <a:rPr lang="en-US" sz="1200" b="1" dirty="0">
-                <a:solidFill>
-                  <a:srgbClr val="000000"/>
-                </a:solidFill>
-                <a:latin typeface="Arial"/>
-                <a:cs typeface="Arial"/>
-              </a:rPr>
-            </a:br>
-            <a:r>
-              <a:rPr lang="en-US" sz="1200" b="1" dirty="0">
-                <a:solidFill>
-                  <a:srgbClr val="000000"/>
-                </a:solidFill>
-                <a:latin typeface="Arial"/>
-                <a:cs typeface="Arial"/>
-              </a:rPr>
-              <a:t> Sidecar</a:t>
-            </a:r>
             <a:endParaRPr kumimoji="0" lang="en-US" sz="1200" b="1" i="0" u="none" strike="noStrike" cap="none" spc="0" normalizeH="0" baseline="0" dirty="0">
               <a:ln>
                 <a:noFill/>
@@ -44141,6 +44103,86 @@
               <a:ea typeface="+mn-ea"/>
               <a:cs typeface="Arial"/>
               <a:sym typeface="Helvetica Light"/>
+            </a:endParaRPr>
+          </a:p>
+        </p:txBody>
+      </p:sp>
+      <p:sp>
+        <p:nvSpPr>
+          <p:cNvPr id="35" name="Rounded Rectangle 34">
+            <a:extLst>
+              <a:ext uri="{FF2B5EF4-FFF2-40B4-BE49-F238E27FC236}">
+                <a16:creationId xmlns:a16="http://schemas.microsoft.com/office/drawing/2014/main" id="{03B3203D-85D9-6545-B423-9D81096F49AD}"/>
+              </a:ext>
+            </a:extLst>
+          </p:cNvPr>
+          <p:cNvSpPr/>
+          <p:nvPr/>
+        </p:nvSpPr>
+        <p:spPr>
+          <a:xfrm>
+            <a:off x="4604311" y="4479462"/>
+            <a:ext cx="1500291" cy="542100"/>
+          </a:xfrm>
+          <a:prstGeom prst="roundRect">
+            <a:avLst/>
+          </a:prstGeom>
+          <a:ln w="25400">
+            <a:solidFill>
+              <a:srgbClr val="4277BB"/>
+            </a:solidFill>
+            <a:miter lim="400000"/>
+          </a:ln>
+        </p:spPr>
+        <p:txBody>
+          <a:bodyPr lIns="0" tIns="0" rIns="0" bIns="0" rtlCol="0" anchor="ctr"/>
+          <a:lstStyle/>
+          <a:p>
+            <a:pPr algn="ctr"/>
+            <a:endParaRPr lang="en-US" sz="1800">
+              <a:solidFill>
+                <a:srgbClr val="4277BB"/>
+              </a:solidFill>
+            </a:endParaRPr>
+          </a:p>
+        </p:txBody>
+      </p:sp>
+      <p:sp>
+        <p:nvSpPr>
+          <p:cNvPr id="36" name="Rounded Rectangle 35">
+            <a:extLst>
+              <a:ext uri="{FF2B5EF4-FFF2-40B4-BE49-F238E27FC236}">
+                <a16:creationId xmlns:a16="http://schemas.microsoft.com/office/drawing/2014/main" id="{B0283675-909E-6E47-B8E8-CD4544C475F6}"/>
+              </a:ext>
+            </a:extLst>
+          </p:cNvPr>
+          <p:cNvSpPr/>
+          <p:nvPr/>
+        </p:nvSpPr>
+        <p:spPr>
+          <a:xfrm>
+            <a:off x="4589314" y="2243228"/>
+            <a:ext cx="1500291" cy="542100"/>
+          </a:xfrm>
+          <a:prstGeom prst="roundRect">
+            <a:avLst/>
+          </a:prstGeom>
+          <a:ln w="25400">
+            <a:solidFill>
+              <a:srgbClr val="4277BB"/>
+            </a:solidFill>
+            <a:miter lim="400000"/>
+          </a:ln>
+        </p:spPr>
+        <p:txBody>
+          <a:bodyPr lIns="0" tIns="0" rIns="0" bIns="0" rtlCol="0" anchor="ctr"/>
+          <a:lstStyle/>
+          <a:p>
+            <a:pPr algn="ctr"/>
+            <a:endParaRPr lang="en-US" sz="1800">
+              <a:solidFill>
+                <a:srgbClr val="4277BB"/>
+              </a:solidFill>
             </a:endParaRPr>
           </a:p>
         </p:txBody>

--- a/workshop/images/architecture.pptx
+++ b/workshop/images/architecture.pptx
@@ -5,7 +5,7 @@
     <p:sldMasterId id="2147483648" r:id="rId1"/>
   </p:sldMasterIdLst>
   <p:notesMasterIdLst>
-    <p:notesMasterId r:id="rId27"/>
+    <p:notesMasterId r:id="rId29"/>
   </p:notesMasterIdLst>
   <p:sldIdLst>
     <p:sldId id="365" r:id="rId2"/>
@@ -33,6 +33,8 @@
     <p:sldId id="386" r:id="rId24"/>
     <p:sldId id="387" r:id="rId25"/>
     <p:sldId id="388" r:id="rId26"/>
+    <p:sldId id="394" r:id="rId27"/>
+    <p:sldId id="395" r:id="rId28"/>
   </p:sldIdLst>
   <p:sldSz cx="10058400" cy="7772400"/>
   <p:notesSz cx="6858000" cy="9144000"/>
@@ -1300,7 +1302,7 @@
           </a:ln>
           <a:extLst>
             <a:ext uri="{C572A759-6A51-4108-AA02-DFA0A04FC94B}">
-              <ma14:wrappingTextBoxFlag xmlns:ma14="http://schemas.microsoft.com/office/mac/drawingml/2011/main" xmlns="" val="1"/>
+              <ma14:wrappingTextBoxFlag xmlns="" xmlns:ma14="http://schemas.microsoft.com/office/mac/drawingml/2011/main" val="1"/>
             </a:ext>
           </a:extLst>
         </p:spPr>
@@ -1353,7 +1355,7 @@
           </a:ln>
           <a:extLst>
             <a:ext uri="{C572A759-6A51-4108-AA02-DFA0A04FC94B}">
-              <ma14:wrappingTextBoxFlag xmlns:ma14="http://schemas.microsoft.com/office/mac/drawingml/2011/main" xmlns="" val="1"/>
+              <ma14:wrappingTextBoxFlag xmlns="" xmlns:ma14="http://schemas.microsoft.com/office/mac/drawingml/2011/main" val="1"/>
             </a:ext>
           </a:extLst>
         </p:spPr>
@@ -1401,7 +1403,7 @@
           </a:ln>
           <a:extLst>
             <a:ext uri="{C572A759-6A51-4108-AA02-DFA0A04FC94B}">
-              <ma14:wrappingTextBoxFlag xmlns:ma14="http://schemas.microsoft.com/office/mac/drawingml/2011/main" xmlns="" val="1"/>
+              <ma14:wrappingTextBoxFlag xmlns="" xmlns:ma14="http://schemas.microsoft.com/office/mac/drawingml/2011/main" val="1"/>
             </a:ext>
           </a:extLst>
         </p:spPr>
@@ -1565,7 +1567,7 @@
           </a:ln>
           <a:extLst>
             <a:ext uri="{C572A759-6A51-4108-AA02-DFA0A04FC94B}">
-              <ma14:wrappingTextBoxFlag xmlns:ma14="http://schemas.microsoft.com/office/mac/drawingml/2011/main" xmlns="" val="1"/>
+              <ma14:wrappingTextBoxFlag xmlns="" xmlns:ma14="http://schemas.microsoft.com/office/mac/drawingml/2011/main" val="1"/>
             </a:ext>
           </a:extLst>
         </p:spPr>
@@ -1618,7 +1620,7 @@
           </a:ln>
           <a:extLst>
             <a:ext uri="{C572A759-6A51-4108-AA02-DFA0A04FC94B}">
-              <ma14:wrappingTextBoxFlag xmlns:ma14="http://schemas.microsoft.com/office/mac/drawingml/2011/main" xmlns="" val="1"/>
+              <ma14:wrappingTextBoxFlag xmlns="" xmlns:ma14="http://schemas.microsoft.com/office/mac/drawingml/2011/main" val="1"/>
             </a:ext>
           </a:extLst>
         </p:spPr>
@@ -1666,7 +1668,7 @@
           </a:ln>
           <a:extLst>
             <a:ext uri="{C572A759-6A51-4108-AA02-DFA0A04FC94B}">
-              <ma14:wrappingTextBoxFlag xmlns:ma14="http://schemas.microsoft.com/office/mac/drawingml/2011/main" xmlns="" val="1"/>
+              <ma14:wrappingTextBoxFlag xmlns="" xmlns:ma14="http://schemas.microsoft.com/office/mac/drawingml/2011/main" val="1"/>
             </a:ext>
           </a:extLst>
         </p:spPr>
@@ -1856,7 +1858,7 @@
           </a:ln>
           <a:extLst>
             <a:ext uri="{C572A759-6A51-4108-AA02-DFA0A04FC94B}">
-              <ma14:wrappingTextBoxFlag xmlns:ma14="http://schemas.microsoft.com/office/mac/drawingml/2011/main" xmlns="" val="1"/>
+              <ma14:wrappingTextBoxFlag xmlns="" xmlns:ma14="http://schemas.microsoft.com/office/mac/drawingml/2011/main" val="1"/>
             </a:ext>
           </a:extLst>
         </p:spPr>
@@ -1994,7 +1996,7 @@
           </a:ln>
           <a:extLst>
             <a:ext uri="{C572A759-6A51-4108-AA02-DFA0A04FC94B}">
-              <ma14:wrappingTextBoxFlag xmlns:ma14="http://schemas.microsoft.com/office/mac/drawingml/2011/main" xmlns="" val="1"/>
+              <ma14:wrappingTextBoxFlag xmlns="" xmlns:ma14="http://schemas.microsoft.com/office/mac/drawingml/2011/main" val="1"/>
             </a:ext>
           </a:extLst>
         </p:spPr>
@@ -2047,7 +2049,7 @@
           </a:ln>
           <a:extLst>
             <a:ext uri="{C572A759-6A51-4108-AA02-DFA0A04FC94B}">
-              <ma14:wrappingTextBoxFlag xmlns:ma14="http://schemas.microsoft.com/office/mac/drawingml/2011/main" xmlns="" val="1"/>
+              <ma14:wrappingTextBoxFlag xmlns="" xmlns:ma14="http://schemas.microsoft.com/office/mac/drawingml/2011/main" val="1"/>
             </a:ext>
           </a:extLst>
         </p:spPr>
@@ -2980,7 +2982,7 @@
           </a:ln>
           <a:extLst>
             <a:ext uri="{C572A759-6A51-4108-AA02-DFA0A04FC94B}">
-              <ma14:wrappingTextBoxFlag xmlns:ma14="http://schemas.microsoft.com/office/mac/drawingml/2011/main" xmlns="" val="1"/>
+              <ma14:wrappingTextBoxFlag xmlns="" xmlns:ma14="http://schemas.microsoft.com/office/mac/drawingml/2011/main" val="1"/>
             </a:ext>
           </a:extLst>
         </p:spPr>
@@ -3033,7 +3035,7 @@
           </a:ln>
           <a:extLst>
             <a:ext uri="{C572A759-6A51-4108-AA02-DFA0A04FC94B}">
-              <ma14:wrappingTextBoxFlag xmlns:ma14="http://schemas.microsoft.com/office/mac/drawingml/2011/main" xmlns="" val="1"/>
+              <ma14:wrappingTextBoxFlag xmlns="" xmlns:ma14="http://schemas.microsoft.com/office/mac/drawingml/2011/main" val="1"/>
             </a:ext>
           </a:extLst>
         </p:spPr>
@@ -3081,7 +3083,7 @@
           </a:ln>
           <a:extLst>
             <a:ext uri="{C572A759-6A51-4108-AA02-DFA0A04FC94B}">
-              <ma14:wrappingTextBoxFlag xmlns:ma14="http://schemas.microsoft.com/office/mac/drawingml/2011/main" xmlns="" val="1"/>
+              <ma14:wrappingTextBoxFlag xmlns="" xmlns:ma14="http://schemas.microsoft.com/office/mac/drawingml/2011/main" val="1"/>
             </a:ext>
           </a:extLst>
         </p:spPr>
@@ -3181,7 +3183,7 @@
           </a:ln>
           <a:extLst>
             <a:ext uri="{C572A759-6A51-4108-AA02-DFA0A04FC94B}">
-              <ma14:wrappingTextBoxFlag xmlns:ma14="http://schemas.microsoft.com/office/mac/drawingml/2011/main" xmlns="" val="1"/>
+              <ma14:wrappingTextBoxFlag xmlns="" xmlns:ma14="http://schemas.microsoft.com/office/mac/drawingml/2011/main" val="1"/>
             </a:ext>
           </a:extLst>
         </p:spPr>
@@ -3224,7 +3226,7 @@
           </a:ln>
           <a:extLst>
             <a:ext uri="{C572A759-6A51-4108-AA02-DFA0A04FC94B}">
-              <ma14:wrappingTextBoxFlag xmlns:ma14="http://schemas.microsoft.com/office/mac/drawingml/2011/main" xmlns="" val="1"/>
+              <ma14:wrappingTextBoxFlag xmlns="" xmlns:ma14="http://schemas.microsoft.com/office/mac/drawingml/2011/main" val="1"/>
             </a:ext>
           </a:extLst>
         </p:spPr>
@@ -4245,7 +4247,7 @@
           </a:ln>
           <a:extLst>
             <a:ext uri="{C572A759-6A51-4108-AA02-DFA0A04FC94B}">
-              <ma14:wrappingTextBoxFlag xmlns:ma14="http://schemas.microsoft.com/office/mac/drawingml/2011/main" xmlns="" val="1"/>
+              <ma14:wrappingTextBoxFlag xmlns="" xmlns:ma14="http://schemas.microsoft.com/office/mac/drawingml/2011/main" val="1"/>
             </a:ext>
           </a:extLst>
         </p:spPr>
@@ -4434,7 +4436,7 @@
           </a:ln>
           <a:extLst>
             <a:ext uri="{C572A759-6A51-4108-AA02-DFA0A04FC94B}">
-              <ma14:wrappingTextBoxFlag xmlns:ma14="http://schemas.microsoft.com/office/mac/drawingml/2011/main" xmlns="" val="1"/>
+              <ma14:wrappingTextBoxFlag xmlns="" xmlns:ma14="http://schemas.microsoft.com/office/mac/drawingml/2011/main" val="1"/>
             </a:ext>
           </a:extLst>
         </p:spPr>
@@ -7169,7 +7171,7 @@
           </a:ln>
           <a:extLst>
             <a:ext uri="{C572A759-6A51-4108-AA02-DFA0A04FC94B}">
-              <ma14:wrappingTextBoxFlag xmlns:ma14="http://schemas.microsoft.com/office/mac/drawingml/2011/main" xmlns="" val="1"/>
+              <ma14:wrappingTextBoxFlag xmlns="" xmlns:ma14="http://schemas.microsoft.com/office/mac/drawingml/2011/main" val="1"/>
             </a:ext>
           </a:extLst>
         </p:spPr>
@@ -7334,7 +7336,7 @@
           </a:ln>
           <a:extLst>
             <a:ext uri="{C572A759-6A51-4108-AA02-DFA0A04FC94B}">
-              <ma14:wrappingTextBoxFlag xmlns:ma14="http://schemas.microsoft.com/office/mac/drawingml/2011/main" xmlns="" val="1"/>
+              <ma14:wrappingTextBoxFlag xmlns="" xmlns:ma14="http://schemas.microsoft.com/office/mac/drawingml/2011/main" val="1"/>
             </a:ext>
           </a:extLst>
         </p:spPr>
@@ -9108,7 +9110,7 @@
           </a:ln>
           <a:extLst>
             <a:ext uri="{C572A759-6A51-4108-AA02-DFA0A04FC94B}">
-              <ma14:wrappingTextBoxFlag xmlns:ma14="http://schemas.microsoft.com/office/mac/drawingml/2011/main" xmlns="" val="1"/>
+              <ma14:wrappingTextBoxFlag xmlns="" xmlns:ma14="http://schemas.microsoft.com/office/mac/drawingml/2011/main" val="1"/>
             </a:ext>
           </a:extLst>
         </p:spPr>
@@ -9277,7 +9279,7 @@
           </a:ln>
           <a:extLst>
             <a:ext uri="{C572A759-6A51-4108-AA02-DFA0A04FC94B}">
-              <ma14:wrappingTextBoxFlag xmlns:ma14="http://schemas.microsoft.com/office/mac/drawingml/2011/main" xmlns="" val="1"/>
+              <ma14:wrappingTextBoxFlag xmlns="" xmlns:ma14="http://schemas.microsoft.com/office/mac/drawingml/2011/main" val="1"/>
             </a:ext>
           </a:extLst>
         </p:spPr>
@@ -10734,7 +10736,7 @@
           </a:ln>
           <a:extLst>
             <a:ext uri="{C572A759-6A51-4108-AA02-DFA0A04FC94B}">
-              <ma14:wrappingTextBoxFlag xmlns:ma14="http://schemas.microsoft.com/office/mac/drawingml/2011/main" xmlns="" val="1"/>
+              <ma14:wrappingTextBoxFlag xmlns="" xmlns:ma14="http://schemas.microsoft.com/office/mac/drawingml/2011/main" val="1"/>
             </a:ext>
           </a:extLst>
         </p:spPr>
@@ -10903,7 +10905,7 @@
           </a:ln>
           <a:extLst>
             <a:ext uri="{C572A759-6A51-4108-AA02-DFA0A04FC94B}">
-              <ma14:wrappingTextBoxFlag xmlns:ma14="http://schemas.microsoft.com/office/mac/drawingml/2011/main" xmlns="" val="1"/>
+              <ma14:wrappingTextBoxFlag xmlns="" xmlns:ma14="http://schemas.microsoft.com/office/mac/drawingml/2011/main" val="1"/>
             </a:ext>
           </a:extLst>
         </p:spPr>
@@ -12640,7 +12642,7 @@
           </a:ln>
           <a:extLst>
             <a:ext uri="{C572A759-6A51-4108-AA02-DFA0A04FC94B}">
-              <ma14:wrappingTextBoxFlag xmlns:ma14="http://schemas.microsoft.com/office/mac/drawingml/2011/main" xmlns="" val="1"/>
+              <ma14:wrappingTextBoxFlag xmlns="" xmlns:ma14="http://schemas.microsoft.com/office/mac/drawingml/2011/main" val="1"/>
             </a:ext>
           </a:extLst>
         </p:spPr>
@@ -12809,7 +12811,7 @@
           </a:ln>
           <a:extLst>
             <a:ext uri="{C572A759-6A51-4108-AA02-DFA0A04FC94B}">
-              <ma14:wrappingTextBoxFlag xmlns:ma14="http://schemas.microsoft.com/office/mac/drawingml/2011/main" xmlns="" val="1"/>
+              <ma14:wrappingTextBoxFlag xmlns="" xmlns:ma14="http://schemas.microsoft.com/office/mac/drawingml/2011/main" val="1"/>
             </a:ext>
           </a:extLst>
         </p:spPr>
@@ -14586,7 +14588,7 @@
           </a:ln>
           <a:extLst>
             <a:ext uri="{C572A759-6A51-4108-AA02-DFA0A04FC94B}">
-              <ma14:wrappingTextBoxFlag xmlns:ma14="http://schemas.microsoft.com/office/mac/drawingml/2011/main" xmlns="" val="1"/>
+              <ma14:wrappingTextBoxFlag xmlns="" xmlns:ma14="http://schemas.microsoft.com/office/mac/drawingml/2011/main" val="1"/>
             </a:ext>
           </a:extLst>
         </p:spPr>
@@ -14755,7 +14757,7 @@
           </a:ln>
           <a:extLst>
             <a:ext uri="{C572A759-6A51-4108-AA02-DFA0A04FC94B}">
-              <ma14:wrappingTextBoxFlag xmlns:ma14="http://schemas.microsoft.com/office/mac/drawingml/2011/main" xmlns="" val="1"/>
+              <ma14:wrappingTextBoxFlag xmlns="" xmlns:ma14="http://schemas.microsoft.com/office/mac/drawingml/2011/main" val="1"/>
             </a:ext>
           </a:extLst>
         </p:spPr>
@@ -16532,7 +16534,7 @@
           </a:ln>
           <a:extLst>
             <a:ext uri="{C572A759-6A51-4108-AA02-DFA0A04FC94B}">
-              <ma14:wrappingTextBoxFlag xmlns:ma14="http://schemas.microsoft.com/office/mac/drawingml/2011/main" xmlns="" val="1"/>
+              <ma14:wrappingTextBoxFlag xmlns="" xmlns:ma14="http://schemas.microsoft.com/office/mac/drawingml/2011/main" val="1"/>
             </a:ext>
           </a:extLst>
         </p:spPr>
@@ -16701,7 +16703,7 @@
           </a:ln>
           <a:extLst>
             <a:ext uri="{C572A759-6A51-4108-AA02-DFA0A04FC94B}">
-              <ma14:wrappingTextBoxFlag xmlns:ma14="http://schemas.microsoft.com/office/mac/drawingml/2011/main" xmlns="" val="1"/>
+              <ma14:wrappingTextBoxFlag xmlns="" xmlns:ma14="http://schemas.microsoft.com/office/mac/drawingml/2011/main" val="1"/>
             </a:ext>
           </a:extLst>
         </p:spPr>
@@ -18438,7 +18440,7 @@
           </a:ln>
           <a:extLst>
             <a:ext uri="{C572A759-6A51-4108-AA02-DFA0A04FC94B}">
-              <ma14:wrappingTextBoxFlag xmlns:ma14="http://schemas.microsoft.com/office/mac/drawingml/2011/main" xmlns="" val="1"/>
+              <ma14:wrappingTextBoxFlag xmlns="" xmlns:ma14="http://schemas.microsoft.com/office/mac/drawingml/2011/main" val="1"/>
             </a:ext>
           </a:extLst>
         </p:spPr>
@@ -18607,7 +18609,7 @@
           </a:ln>
           <a:extLst>
             <a:ext uri="{C572A759-6A51-4108-AA02-DFA0A04FC94B}">
-              <ma14:wrappingTextBoxFlag xmlns:ma14="http://schemas.microsoft.com/office/mac/drawingml/2011/main" xmlns="" val="1"/>
+              <ma14:wrappingTextBoxFlag xmlns="" xmlns:ma14="http://schemas.microsoft.com/office/mac/drawingml/2011/main" val="1"/>
             </a:ext>
           </a:extLst>
         </p:spPr>
@@ -20384,7 +20386,7 @@
           </a:ln>
           <a:extLst>
             <a:ext uri="{C572A759-6A51-4108-AA02-DFA0A04FC94B}">
-              <ma14:wrappingTextBoxFlag xmlns:ma14="http://schemas.microsoft.com/office/mac/drawingml/2011/main" xmlns="" val="1"/>
+              <ma14:wrappingTextBoxFlag xmlns="" xmlns:ma14="http://schemas.microsoft.com/office/mac/drawingml/2011/main" val="1"/>
             </a:ext>
           </a:extLst>
         </p:spPr>
@@ -20553,7 +20555,7 @@
           </a:ln>
           <a:extLst>
             <a:ext uri="{C572A759-6A51-4108-AA02-DFA0A04FC94B}">
-              <ma14:wrappingTextBoxFlag xmlns:ma14="http://schemas.microsoft.com/office/mac/drawingml/2011/main" xmlns="" val="1"/>
+              <ma14:wrappingTextBoxFlag xmlns="" xmlns:ma14="http://schemas.microsoft.com/office/mac/drawingml/2011/main" val="1"/>
             </a:ext>
           </a:extLst>
         </p:spPr>
@@ -22330,7 +22332,7 @@
           </a:ln>
           <a:extLst>
             <a:ext uri="{C572A759-6A51-4108-AA02-DFA0A04FC94B}">
-              <ma14:wrappingTextBoxFlag xmlns:ma14="http://schemas.microsoft.com/office/mac/drawingml/2011/main" xmlns="" val="1"/>
+              <ma14:wrappingTextBoxFlag xmlns="" xmlns:ma14="http://schemas.microsoft.com/office/mac/drawingml/2011/main" val="1"/>
             </a:ext>
           </a:extLst>
         </p:spPr>
@@ -22499,7 +22501,7 @@
           </a:ln>
           <a:extLst>
             <a:ext uri="{C572A759-6A51-4108-AA02-DFA0A04FC94B}">
-              <ma14:wrappingTextBoxFlag xmlns:ma14="http://schemas.microsoft.com/office/mac/drawingml/2011/main" xmlns="" val="1"/>
+              <ma14:wrappingTextBoxFlag xmlns="" xmlns:ma14="http://schemas.microsoft.com/office/mac/drawingml/2011/main" val="1"/>
             </a:ext>
           </a:extLst>
         </p:spPr>
@@ -27017,7 +27019,7 @@
           </a:ln>
           <a:extLst>
             <a:ext uri="{C572A759-6A51-4108-AA02-DFA0A04FC94B}">
-              <ma14:wrappingTextBoxFlag xmlns:ma14="http://schemas.microsoft.com/office/mac/drawingml/2011/main" xmlns="" val="1"/>
+              <ma14:wrappingTextBoxFlag xmlns="" xmlns:ma14="http://schemas.microsoft.com/office/mac/drawingml/2011/main" val="1"/>
             </a:ext>
           </a:extLst>
         </p:spPr>
@@ -27186,7 +27188,7 @@
           </a:ln>
           <a:extLst>
             <a:ext uri="{C572A759-6A51-4108-AA02-DFA0A04FC94B}">
-              <ma14:wrappingTextBoxFlag xmlns:ma14="http://schemas.microsoft.com/office/mac/drawingml/2011/main" xmlns="" val="1"/>
+              <ma14:wrappingTextBoxFlag xmlns="" xmlns:ma14="http://schemas.microsoft.com/office/mac/drawingml/2011/main" val="1"/>
             </a:ext>
           </a:extLst>
         </p:spPr>
@@ -28883,7 +28885,7 @@
           </a:ln>
           <a:extLst>
             <a:ext uri="{C572A759-6A51-4108-AA02-DFA0A04FC94B}">
-              <ma14:wrappingTextBoxFlag xmlns:ma14="http://schemas.microsoft.com/office/mac/drawingml/2011/main" xmlns="" val="1"/>
+              <ma14:wrappingTextBoxFlag xmlns="" xmlns:ma14="http://schemas.microsoft.com/office/mac/drawingml/2011/main" val="1"/>
             </a:ext>
           </a:extLst>
         </p:spPr>
@@ -29052,7 +29054,7 @@
           </a:ln>
           <a:extLst>
             <a:ext uri="{C572A759-6A51-4108-AA02-DFA0A04FC94B}">
-              <ma14:wrappingTextBoxFlag xmlns:ma14="http://schemas.microsoft.com/office/mac/drawingml/2011/main" xmlns="" val="1"/>
+              <ma14:wrappingTextBoxFlag xmlns="" xmlns:ma14="http://schemas.microsoft.com/office/mac/drawingml/2011/main" val="1"/>
             </a:ext>
           </a:extLst>
         </p:spPr>
@@ -36832,6 +36834,2387 @@
 </p:sld>
 </file>
 
+<file path=ppt/slides/slide26.xml><?xml version="1.0" encoding="utf-8"?>
+<p:sld xmlns:a="http://schemas.openxmlformats.org/drawingml/2006/main" xmlns:r="http://schemas.openxmlformats.org/officeDocument/2006/relationships" xmlns:p="http://schemas.openxmlformats.org/presentationml/2006/main">
+  <p:cSld>
+    <p:spTree>
+      <p:nvGrpSpPr>
+        <p:cNvPr id="1" name=""/>
+        <p:cNvGrpSpPr/>
+        <p:nvPr/>
+      </p:nvGrpSpPr>
+      <p:grpSpPr>
+        <a:xfrm>
+          <a:off x="0" y="0"/>
+          <a:ext cx="0" cy="0"/>
+          <a:chOff x="0" y="0"/>
+          <a:chExt cx="0" cy="0"/>
+        </a:xfrm>
+      </p:grpSpPr>
+      <p:sp>
+        <p:nvSpPr>
+          <p:cNvPr id="6" name="Rounded Rectangle 5">
+            <a:extLst>
+              <a:ext uri="{FF2B5EF4-FFF2-40B4-BE49-F238E27FC236}">
+                <a16:creationId xmlns:a16="http://schemas.microsoft.com/office/drawing/2014/main" id="{6DDECBDE-463B-D642-8BCB-66C7D546A3FA}"/>
+              </a:ext>
+            </a:extLst>
+          </p:cNvPr>
+          <p:cNvSpPr/>
+          <p:nvPr/>
+        </p:nvSpPr>
+        <p:spPr>
+          <a:xfrm>
+            <a:off x="7165753" y="2764047"/>
+            <a:ext cx="2171700" cy="2426676"/>
+          </a:xfrm>
+          <a:prstGeom prst="roundRect">
+            <a:avLst/>
+          </a:prstGeom>
+          <a:ln w="25400">
+            <a:solidFill>
+              <a:srgbClr val="4277BB"/>
+            </a:solidFill>
+            <a:miter lim="400000"/>
+          </a:ln>
+        </p:spPr>
+        <p:txBody>
+          <a:bodyPr lIns="0" tIns="0" rIns="0" bIns="0" rtlCol="0" anchor="ctr"/>
+          <a:lstStyle/>
+          <a:p>
+            <a:pPr algn="ctr"/>
+            <a:endParaRPr lang="en-US" sz="1800">
+              <a:solidFill>
+                <a:srgbClr val="4277BB"/>
+              </a:solidFill>
+            </a:endParaRPr>
+          </a:p>
+        </p:txBody>
+      </p:sp>
+      <p:pic>
+        <p:nvPicPr>
+          <p:cNvPr id="4" name="Picture 3">
+            <a:extLst>
+              <a:ext uri="{FF2B5EF4-FFF2-40B4-BE49-F238E27FC236}">
+                <a16:creationId xmlns:a16="http://schemas.microsoft.com/office/drawing/2014/main" id="{230E9969-4B67-3240-85AD-1302C355084D}"/>
+              </a:ext>
+            </a:extLst>
+          </p:cNvPr>
+          <p:cNvPicPr>
+            <a:picLocks noChangeAspect="1"/>
+          </p:cNvPicPr>
+          <p:nvPr/>
+        </p:nvPicPr>
+        <p:blipFill>
+          <a:blip r:embed="rId2"/>
+          <a:stretch>
+            <a:fillRect/>
+          </a:stretch>
+        </p:blipFill>
+        <p:spPr>
+          <a:xfrm>
+            <a:off x="6657753" y="2463154"/>
+            <a:ext cx="1016000" cy="1270000"/>
+          </a:xfrm>
+          <a:prstGeom prst="rect">
+            <a:avLst/>
+          </a:prstGeom>
+        </p:spPr>
+      </p:pic>
+      <p:sp>
+        <p:nvSpPr>
+          <p:cNvPr id="31" name="TextBox 30">
+            <a:extLst>
+              <a:ext uri="{FF2B5EF4-FFF2-40B4-BE49-F238E27FC236}">
+                <a16:creationId xmlns:a16="http://schemas.microsoft.com/office/drawing/2014/main" id="{C2FD3D45-3F06-9A4A-8497-DA1173D6B480}"/>
+              </a:ext>
+            </a:extLst>
+          </p:cNvPr>
+          <p:cNvSpPr txBox="1"/>
+          <p:nvPr/>
+        </p:nvSpPr>
+        <p:spPr>
+          <a:xfrm>
+            <a:off x="7140173" y="585603"/>
+            <a:ext cx="1776928" cy="510235"/>
+          </a:xfrm>
+          <a:prstGeom prst="rect">
+            <a:avLst/>
+          </a:prstGeom>
+          <a:noFill/>
+          <a:ln w="3175" cap="flat">
+            <a:noFill/>
+            <a:miter lim="400000"/>
+          </a:ln>
+          <a:effectLst/>
+        </p:spPr>
+        <p:style>
+          <a:lnRef idx="0">
+            <a:scrgbClr r="0" g="0" b="0"/>
+          </a:lnRef>
+          <a:fillRef idx="0">
+            <a:scrgbClr r="0" g="0" b="0"/>
+          </a:fillRef>
+          <a:effectRef idx="0">
+            <a:scrgbClr r="0" g="0" b="0"/>
+          </a:effectRef>
+          <a:fontRef idx="none"/>
+        </p:style>
+        <p:txBody>
+          <a:bodyPr rot="0" spcFirstLastPara="1" vertOverflow="overflow" horzOverflow="overflow" vert="horz" wrap="none" lIns="39290" tIns="39290" rIns="39290" bIns="39290" numCol="1" spcCol="38100" rtlCol="0" anchor="ctr">
+            <a:spAutoFit/>
+          </a:bodyPr>
+          <a:lstStyle/>
+          <a:p>
+            <a:pPr marL="0" marR="0" indent="0" algn="ctr" defTabSz="584200" rtl="0" fontAlgn="auto" latinLnBrk="1" hangingPunct="0">
+              <a:lnSpc>
+                <a:spcPct val="100000"/>
+              </a:lnSpc>
+              <a:spcBef>
+                <a:spcPts val="0"/>
+              </a:spcBef>
+              <a:spcAft>
+                <a:spcPts val="0"/>
+              </a:spcAft>
+              <a:buClrTx/>
+              <a:buSzTx/>
+              <a:buFontTx/>
+              <a:buNone/>
+              <a:tabLst/>
+            </a:pPr>
+            <a:r>
+              <a:rPr kumimoji="0" lang="en-US" sz="2800" b="1" i="0" u="none" strike="noStrike" cap="none" spc="0" normalizeH="0" baseline="0" dirty="0">
+                <a:ln>
+                  <a:noFill/>
+                </a:ln>
+                <a:solidFill>
+                  <a:srgbClr val="000000"/>
+                </a:solidFill>
+                <a:effectLst/>
+                <a:uFillTx/>
+                <a:latin typeface="+mn-lt"/>
+                <a:ea typeface="+mn-ea"/>
+                <a:cs typeface="+mn-cs"/>
+                <a:sym typeface="Helvetica Light"/>
+              </a:rPr>
+              <a:t>IBM Cloud</a:t>
+            </a:r>
+          </a:p>
+        </p:txBody>
+      </p:sp>
+      <p:sp>
+        <p:nvSpPr>
+          <p:cNvPr id="66" name="Rounded Rectangle 65">
+            <a:extLst>
+              <a:ext uri="{FF2B5EF4-FFF2-40B4-BE49-F238E27FC236}">
+                <a16:creationId xmlns:a16="http://schemas.microsoft.com/office/drawing/2014/main" id="{C4D50543-9EFD-2B42-9F96-9784F0AFD273}"/>
+              </a:ext>
+            </a:extLst>
+          </p:cNvPr>
+          <p:cNvSpPr/>
+          <p:nvPr/>
+        </p:nvSpPr>
+        <p:spPr>
+          <a:xfrm>
+            <a:off x="860079" y="1627490"/>
+            <a:ext cx="4195447" cy="3656051"/>
+          </a:xfrm>
+          <a:prstGeom prst="roundRect">
+            <a:avLst/>
+          </a:prstGeom>
+          <a:ln w="25400">
+            <a:solidFill>
+              <a:srgbClr val="4277BB"/>
+            </a:solidFill>
+            <a:miter lim="400000"/>
+          </a:ln>
+        </p:spPr>
+        <p:txBody>
+          <a:bodyPr lIns="0" tIns="0" rIns="0" bIns="0" rtlCol="0" anchor="ctr"/>
+          <a:lstStyle/>
+          <a:p>
+            <a:pPr algn="ctr"/>
+            <a:endParaRPr lang="en-US" sz="1800" dirty="0">
+              <a:solidFill>
+                <a:srgbClr val="4277BB"/>
+              </a:solidFill>
+            </a:endParaRPr>
+          </a:p>
+        </p:txBody>
+      </p:sp>
+      <p:sp>
+        <p:nvSpPr>
+          <p:cNvPr id="68" name="Rounded Rectangle 67">
+            <a:extLst>
+              <a:ext uri="{FF2B5EF4-FFF2-40B4-BE49-F238E27FC236}">
+                <a16:creationId xmlns:a16="http://schemas.microsoft.com/office/drawing/2014/main" id="{7D22E891-E651-C343-B98D-45B362624281}"/>
+              </a:ext>
+            </a:extLst>
+          </p:cNvPr>
+          <p:cNvSpPr/>
+          <p:nvPr/>
+        </p:nvSpPr>
+        <p:spPr>
+          <a:xfrm>
+            <a:off x="1478121" y="2658171"/>
+            <a:ext cx="2777356" cy="1833581"/>
+          </a:xfrm>
+          <a:prstGeom prst="roundRect">
+            <a:avLst/>
+          </a:prstGeom>
+          <a:ln w="25400">
+            <a:solidFill>
+              <a:srgbClr val="4277BB"/>
+            </a:solidFill>
+            <a:miter lim="400000"/>
+          </a:ln>
+        </p:spPr>
+        <p:txBody>
+          <a:bodyPr lIns="0" tIns="0" rIns="0" bIns="0" rtlCol="0" anchor="ctr"/>
+          <a:lstStyle/>
+          <a:p>
+            <a:pPr algn="ctr"/>
+            <a:endParaRPr lang="en-US" sz="1800">
+              <a:solidFill>
+                <a:srgbClr val="4277BB"/>
+              </a:solidFill>
+            </a:endParaRPr>
+          </a:p>
+        </p:txBody>
+      </p:sp>
+      <p:sp>
+        <p:nvSpPr>
+          <p:cNvPr id="71" name="TextBox 70">
+            <a:extLst>
+              <a:ext uri="{FF2B5EF4-FFF2-40B4-BE49-F238E27FC236}">
+                <a16:creationId xmlns:a16="http://schemas.microsoft.com/office/drawing/2014/main" id="{8B311B05-6EBE-454F-B94C-E5CC8C1AE15B}"/>
+              </a:ext>
+            </a:extLst>
+          </p:cNvPr>
+          <p:cNvSpPr txBox="1"/>
+          <p:nvPr/>
+        </p:nvSpPr>
+        <p:spPr>
+          <a:xfrm>
+            <a:off x="1280115" y="2274873"/>
+            <a:ext cx="898626" cy="325569"/>
+          </a:xfrm>
+          <a:prstGeom prst="rect">
+            <a:avLst/>
+          </a:prstGeom>
+          <a:noFill/>
+          <a:ln w="3175" cap="flat">
+            <a:noFill/>
+            <a:miter lim="400000"/>
+          </a:ln>
+          <a:effectLst/>
+        </p:spPr>
+        <p:style>
+          <a:lnRef idx="0">
+            <a:scrgbClr r="0" g="0" b="0"/>
+          </a:lnRef>
+          <a:fillRef idx="0">
+            <a:scrgbClr r="0" g="0" b="0"/>
+          </a:fillRef>
+          <a:effectRef idx="0">
+            <a:scrgbClr r="0" g="0" b="0"/>
+          </a:effectRef>
+          <a:fontRef idx="none"/>
+        </p:style>
+        <p:txBody>
+          <a:bodyPr rot="0" spcFirstLastPara="1" vertOverflow="overflow" horzOverflow="overflow" vert="horz" wrap="square" lIns="39290" tIns="39290" rIns="39290" bIns="39290" numCol="1" spcCol="38100" rtlCol="0" anchor="ctr">
+            <a:spAutoFit/>
+          </a:bodyPr>
+          <a:lstStyle/>
+          <a:p>
+            <a:pPr marL="0" marR="0" indent="0" algn="ctr" defTabSz="584200" rtl="0" fontAlgn="auto" latinLnBrk="1" hangingPunct="0">
+              <a:lnSpc>
+                <a:spcPct val="100000"/>
+              </a:lnSpc>
+              <a:spcBef>
+                <a:spcPts val="0"/>
+              </a:spcBef>
+              <a:spcAft>
+                <a:spcPts val="0"/>
+              </a:spcAft>
+              <a:buClrTx/>
+              <a:buSzTx/>
+              <a:buFontTx/>
+              <a:buNone/>
+              <a:tabLst/>
+            </a:pPr>
+            <a:r>
+              <a:rPr lang="en-US" sz="1600" dirty="0">
+                <a:solidFill>
+                  <a:srgbClr val="000000"/>
+                </a:solidFill>
+              </a:rPr>
+              <a:t>Hyper-V</a:t>
+            </a:r>
+            <a:endParaRPr kumimoji="0" lang="en-US" sz="1600" b="0" i="0" u="none" strike="noStrike" cap="none" spc="0" normalizeH="0" baseline="0" dirty="0">
+              <a:ln>
+                <a:noFill/>
+              </a:ln>
+              <a:solidFill>
+                <a:srgbClr val="000000"/>
+              </a:solidFill>
+              <a:effectLst/>
+              <a:uFillTx/>
+              <a:latin typeface="+mn-lt"/>
+              <a:ea typeface="+mn-ea"/>
+              <a:cs typeface="+mn-cs"/>
+              <a:sym typeface="Helvetica Light"/>
+            </a:endParaRPr>
+          </a:p>
+        </p:txBody>
+      </p:sp>
+      <p:sp>
+        <p:nvSpPr>
+          <p:cNvPr id="74" name="TextBox 73">
+            <a:extLst>
+              <a:ext uri="{FF2B5EF4-FFF2-40B4-BE49-F238E27FC236}">
+                <a16:creationId xmlns:a16="http://schemas.microsoft.com/office/drawing/2014/main" id="{9598825F-B14D-C748-AB12-175AD309F87E}"/>
+              </a:ext>
+            </a:extLst>
+          </p:cNvPr>
+          <p:cNvSpPr txBox="1"/>
+          <p:nvPr/>
+        </p:nvSpPr>
+        <p:spPr>
+          <a:xfrm>
+            <a:off x="1567002" y="2802642"/>
+            <a:ext cx="1508559" cy="325569"/>
+          </a:xfrm>
+          <a:prstGeom prst="rect">
+            <a:avLst/>
+          </a:prstGeom>
+          <a:noFill/>
+          <a:ln w="3175" cap="flat">
+            <a:noFill/>
+            <a:miter lim="400000"/>
+          </a:ln>
+          <a:effectLst/>
+        </p:spPr>
+        <p:style>
+          <a:lnRef idx="0">
+            <a:scrgbClr r="0" g="0" b="0"/>
+          </a:lnRef>
+          <a:fillRef idx="0">
+            <a:scrgbClr r="0" g="0" b="0"/>
+          </a:fillRef>
+          <a:effectRef idx="0">
+            <a:scrgbClr r="0" g="0" b="0"/>
+          </a:effectRef>
+          <a:fontRef idx="none"/>
+        </p:style>
+        <p:txBody>
+          <a:bodyPr rot="0" spcFirstLastPara="1" vertOverflow="overflow" horzOverflow="overflow" vert="horz" wrap="square" lIns="39290" tIns="39290" rIns="39290" bIns="39290" numCol="1" spcCol="38100" rtlCol="0" anchor="ctr">
+            <a:spAutoFit/>
+          </a:bodyPr>
+          <a:lstStyle/>
+          <a:p>
+            <a:pPr rtl="0" latinLnBrk="1" hangingPunct="0"/>
+            <a:r>
+              <a:rPr lang="en-US" sz="1600" b="1" dirty="0">
+                <a:solidFill>
+                  <a:schemeClr val="accent1"/>
+                </a:solidFill>
+              </a:rPr>
+              <a:t>Docker (Linux)  </a:t>
+            </a:r>
+            <a:endParaRPr kumimoji="0" lang="en-US" sz="1050" b="1" i="0" u="none" strike="noStrike" cap="none" spc="0" normalizeH="0" baseline="0" dirty="0">
+              <a:ln>
+                <a:noFill/>
+              </a:ln>
+              <a:solidFill>
+                <a:schemeClr val="accent1"/>
+              </a:solidFill>
+              <a:effectLst/>
+              <a:uFillTx/>
+              <a:sym typeface="Helvetica Light"/>
+            </a:endParaRPr>
+          </a:p>
+        </p:txBody>
+      </p:sp>
+      <p:sp>
+        <p:nvSpPr>
+          <p:cNvPr id="79" name="TextBox 78">
+            <a:extLst>
+              <a:ext uri="{FF2B5EF4-FFF2-40B4-BE49-F238E27FC236}">
+                <a16:creationId xmlns:a16="http://schemas.microsoft.com/office/drawing/2014/main" id="{58ED2E94-5A33-7D4C-A624-94C2B1A96506}"/>
+              </a:ext>
+            </a:extLst>
+          </p:cNvPr>
+          <p:cNvSpPr txBox="1"/>
+          <p:nvPr/>
+        </p:nvSpPr>
+        <p:spPr>
+          <a:xfrm>
+            <a:off x="962309" y="1777347"/>
+            <a:ext cx="1534238" cy="325569"/>
+          </a:xfrm>
+          <a:prstGeom prst="rect">
+            <a:avLst/>
+          </a:prstGeom>
+          <a:noFill/>
+          <a:ln w="3175" cap="flat">
+            <a:noFill/>
+            <a:miter lim="400000"/>
+          </a:ln>
+          <a:effectLst/>
+        </p:spPr>
+        <p:style>
+          <a:lnRef idx="0">
+            <a:scrgbClr r="0" g="0" b="0"/>
+          </a:lnRef>
+          <a:fillRef idx="0">
+            <a:scrgbClr r="0" g="0" b="0"/>
+          </a:fillRef>
+          <a:effectRef idx="0">
+            <a:scrgbClr r="0" g="0" b="0"/>
+          </a:effectRef>
+          <a:fontRef idx="none"/>
+        </p:style>
+        <p:txBody>
+          <a:bodyPr rot="0" spcFirstLastPara="1" vertOverflow="overflow" horzOverflow="overflow" vert="horz" wrap="square" lIns="39290" tIns="39290" rIns="39290" bIns="39290" numCol="1" spcCol="38100" rtlCol="0" anchor="ctr">
+            <a:spAutoFit/>
+          </a:bodyPr>
+          <a:lstStyle/>
+          <a:p>
+            <a:pPr marL="0" marR="0" indent="0" algn="ctr" defTabSz="584200" rtl="0" fontAlgn="auto" latinLnBrk="1" hangingPunct="0">
+              <a:lnSpc>
+                <a:spcPct val="100000"/>
+              </a:lnSpc>
+              <a:spcBef>
+                <a:spcPts val="0"/>
+              </a:spcBef>
+              <a:spcAft>
+                <a:spcPts val="0"/>
+              </a:spcAft>
+              <a:buClrTx/>
+              <a:buSzTx/>
+              <a:buFontTx/>
+              <a:buNone/>
+              <a:tabLst/>
+            </a:pPr>
+            <a:r>
+              <a:rPr lang="en-US" sz="1600" b="1" dirty="0">
+                <a:solidFill>
+                  <a:srgbClr val="000000"/>
+                </a:solidFill>
+              </a:rPr>
+              <a:t>Windows 10</a:t>
+            </a:r>
+            <a:endParaRPr kumimoji="0" lang="en-US" sz="1050" b="1" i="0" u="none" strike="noStrike" cap="none" spc="0" normalizeH="0" baseline="0" dirty="0">
+              <a:ln>
+                <a:noFill/>
+              </a:ln>
+              <a:solidFill>
+                <a:srgbClr val="000000"/>
+              </a:solidFill>
+              <a:effectLst/>
+              <a:uFillTx/>
+              <a:latin typeface="+mn-lt"/>
+              <a:ea typeface="+mn-ea"/>
+              <a:cs typeface="+mn-cs"/>
+              <a:sym typeface="Helvetica Light"/>
+            </a:endParaRPr>
+          </a:p>
+        </p:txBody>
+      </p:sp>
+      <p:sp>
+        <p:nvSpPr>
+          <p:cNvPr id="50" name="Rounded Rectangle 49">
+            <a:extLst>
+              <a:ext uri="{FF2B5EF4-FFF2-40B4-BE49-F238E27FC236}">
+                <a16:creationId xmlns:a16="http://schemas.microsoft.com/office/drawing/2014/main" id="{A8008F2C-D459-5448-8414-53BF6A345107}"/>
+              </a:ext>
+            </a:extLst>
+          </p:cNvPr>
+          <p:cNvSpPr/>
+          <p:nvPr/>
+        </p:nvSpPr>
+        <p:spPr>
+          <a:xfrm>
+            <a:off x="1137139" y="2197135"/>
+            <a:ext cx="3447660" cy="2585879"/>
+          </a:xfrm>
+          <a:prstGeom prst="roundRect">
+            <a:avLst/>
+          </a:prstGeom>
+          <a:ln w="25400">
+            <a:solidFill>
+              <a:srgbClr val="4277BB"/>
+            </a:solidFill>
+            <a:miter lim="400000"/>
+          </a:ln>
+        </p:spPr>
+        <p:txBody>
+          <a:bodyPr lIns="0" tIns="0" rIns="0" bIns="0" rtlCol="0" anchor="ctr"/>
+          <a:lstStyle/>
+          <a:p>
+            <a:pPr algn="l"/>
+            <a:endParaRPr lang="en-US" sz="1800" dirty="0">
+              <a:solidFill>
+                <a:schemeClr val="tx1"/>
+              </a:solidFill>
+            </a:endParaRPr>
+          </a:p>
+        </p:txBody>
+      </p:sp>
+      <p:sp>
+        <p:nvSpPr>
+          <p:cNvPr id="33" name="Rounded Rectangle 32">
+            <a:extLst>
+              <a:ext uri="{FF2B5EF4-FFF2-40B4-BE49-F238E27FC236}">
+                <a16:creationId xmlns:a16="http://schemas.microsoft.com/office/drawing/2014/main" id="{940970D1-3B6E-B043-B99B-B47A6A2D2F8E}"/>
+              </a:ext>
+            </a:extLst>
+          </p:cNvPr>
+          <p:cNvSpPr/>
+          <p:nvPr/>
+        </p:nvSpPr>
+        <p:spPr>
+          <a:xfrm>
+            <a:off x="1711569" y="3228649"/>
+            <a:ext cx="2321169" cy="1107366"/>
+          </a:xfrm>
+          <a:prstGeom prst="roundRect">
+            <a:avLst/>
+          </a:prstGeom>
+          <a:solidFill>
+            <a:srgbClr val="FFFFFF"/>
+          </a:solidFill>
+          <a:ln w="25400">
+            <a:solidFill>
+              <a:srgbClr val="4277BB"/>
+            </a:solidFill>
+            <a:miter lim="400000"/>
+          </a:ln>
+        </p:spPr>
+        <p:txBody>
+          <a:bodyPr lIns="0" tIns="0" rIns="0" bIns="0" rtlCol="0" anchor="ctr"/>
+          <a:lstStyle/>
+          <a:p>
+            <a:pPr algn="ctr"/>
+            <a:endParaRPr lang="en-US" sz="1800">
+              <a:solidFill>
+                <a:srgbClr val="4277BB"/>
+              </a:solidFill>
+            </a:endParaRPr>
+          </a:p>
+        </p:txBody>
+      </p:sp>
+      <p:sp>
+        <p:nvSpPr>
+          <p:cNvPr id="34" name="TextBox 33">
+            <a:extLst>
+              <a:ext uri="{FF2B5EF4-FFF2-40B4-BE49-F238E27FC236}">
+                <a16:creationId xmlns:a16="http://schemas.microsoft.com/office/drawing/2014/main" id="{FF95A818-EC61-A244-AE01-08D940047107}"/>
+              </a:ext>
+            </a:extLst>
+          </p:cNvPr>
+          <p:cNvSpPr txBox="1"/>
+          <p:nvPr/>
+        </p:nvSpPr>
+        <p:spPr>
+          <a:xfrm>
+            <a:off x="1811880" y="3267188"/>
+            <a:ext cx="2098177" cy="325569"/>
+          </a:xfrm>
+          <a:prstGeom prst="rect">
+            <a:avLst/>
+          </a:prstGeom>
+          <a:noFill/>
+          <a:ln w="3175" cap="flat">
+            <a:noFill/>
+            <a:miter lim="400000"/>
+          </a:ln>
+          <a:effectLst/>
+        </p:spPr>
+        <p:style>
+          <a:lnRef idx="0">
+            <a:scrgbClr r="0" g="0" b="0"/>
+          </a:lnRef>
+          <a:fillRef idx="0">
+            <a:scrgbClr r="0" g="0" b="0"/>
+          </a:fillRef>
+          <a:effectRef idx="0">
+            <a:scrgbClr r="0" g="0" b="0"/>
+          </a:effectRef>
+          <a:fontRef idx="none"/>
+        </p:style>
+        <p:txBody>
+          <a:bodyPr rot="0" spcFirstLastPara="1" vertOverflow="overflow" horzOverflow="overflow" vert="horz" wrap="square" lIns="39290" tIns="39290" rIns="39290" bIns="39290" numCol="1" spcCol="38100" rtlCol="0" anchor="ctr">
+            <a:spAutoFit/>
+          </a:bodyPr>
+          <a:lstStyle/>
+          <a:p>
+            <a:pPr rtl="0" latinLnBrk="1" hangingPunct="0"/>
+            <a:r>
+              <a:rPr lang="en-US" sz="1600" b="1" dirty="0">
+                <a:solidFill>
+                  <a:schemeClr val="accent1"/>
+                </a:solidFill>
+              </a:rPr>
+              <a:t>Ubuntu Docker image</a:t>
+            </a:r>
+            <a:endParaRPr kumimoji="0" lang="en-US" sz="1050" b="1" i="0" u="none" strike="noStrike" cap="none" spc="0" normalizeH="0" baseline="0" dirty="0">
+              <a:ln>
+                <a:noFill/>
+              </a:ln>
+              <a:solidFill>
+                <a:schemeClr val="accent1"/>
+              </a:solidFill>
+              <a:effectLst/>
+              <a:uFillTx/>
+              <a:sym typeface="Helvetica Light"/>
+            </a:endParaRPr>
+          </a:p>
+        </p:txBody>
+      </p:sp>
+      <p:sp>
+        <p:nvSpPr>
+          <p:cNvPr id="15" name="TextBox 14">
+            <a:extLst>
+              <a:ext uri="{FF2B5EF4-FFF2-40B4-BE49-F238E27FC236}">
+                <a16:creationId xmlns:a16="http://schemas.microsoft.com/office/drawing/2014/main" id="{98B0420B-D7DC-FD4E-BCEF-ADC2036C9D2F}"/>
+              </a:ext>
+            </a:extLst>
+          </p:cNvPr>
+          <p:cNvSpPr txBox="1"/>
+          <p:nvPr/>
+        </p:nvSpPr>
+        <p:spPr>
+          <a:xfrm>
+            <a:off x="5004734" y="3608937"/>
+            <a:ext cx="2060659" cy="325569"/>
+          </a:xfrm>
+          <a:prstGeom prst="rect">
+            <a:avLst/>
+          </a:prstGeom>
+          <a:noFill/>
+          <a:ln w="3175" cap="flat">
+            <a:noFill/>
+            <a:miter lim="400000"/>
+          </a:ln>
+          <a:effectLst/>
+        </p:spPr>
+        <p:style>
+          <a:lnRef idx="0">
+            <a:scrgbClr r="0" g="0" b="0"/>
+          </a:lnRef>
+          <a:fillRef idx="0">
+            <a:scrgbClr r="0" g="0" b="0"/>
+          </a:fillRef>
+          <a:effectRef idx="0">
+            <a:scrgbClr r="0" g="0" b="0"/>
+          </a:effectRef>
+          <a:fontRef idx="none"/>
+        </p:style>
+        <p:txBody>
+          <a:bodyPr rot="0" spcFirstLastPara="1" vertOverflow="overflow" horzOverflow="overflow" vert="horz" wrap="none" lIns="39290" tIns="39290" rIns="39290" bIns="39290" numCol="1" spcCol="38100" rtlCol="0" anchor="ctr">
+            <a:spAutoFit/>
+          </a:bodyPr>
+          <a:lstStyle/>
+          <a:p>
+            <a:pPr marL="0" marR="0" indent="0" algn="ctr" defTabSz="584200" rtl="0" fontAlgn="auto" latinLnBrk="1" hangingPunct="0">
+              <a:lnSpc>
+                <a:spcPct val="100000"/>
+              </a:lnSpc>
+              <a:spcBef>
+                <a:spcPts val="0"/>
+              </a:spcBef>
+              <a:spcAft>
+                <a:spcPts val="0"/>
+              </a:spcAft>
+              <a:buClrTx/>
+              <a:buSzTx/>
+              <a:buFontTx/>
+              <a:buNone/>
+              <a:tabLst/>
+            </a:pPr>
+            <a:r>
+              <a:rPr lang="en-US" sz="1600" dirty="0">
+                <a:solidFill>
+                  <a:srgbClr val="000000"/>
+                </a:solidFill>
+              </a:rPr>
+              <a:t>s</a:t>
+            </a:r>
+            <a:r>
+              <a:rPr kumimoji="0" lang="en-US" sz="1600" b="0" i="0" u="none" strike="noStrike" cap="none" spc="0" normalizeH="0" baseline="0" dirty="0">
+                <a:ln>
+                  <a:noFill/>
+                </a:ln>
+                <a:solidFill>
+                  <a:srgbClr val="000000"/>
+                </a:solidFill>
+                <a:effectLst/>
+                <a:uFillTx/>
+                <a:latin typeface="+mn-lt"/>
+                <a:ea typeface="+mn-ea"/>
+                <a:cs typeface="+mn-cs"/>
+                <a:sym typeface="Helvetica Light"/>
+              </a:rPr>
+              <a:t>ending build context</a:t>
+            </a:r>
+          </a:p>
+        </p:txBody>
+      </p:sp>
+      <p:sp>
+        <p:nvSpPr>
+          <p:cNvPr id="39" name="TextBox 38">
+            <a:extLst>
+              <a:ext uri="{FF2B5EF4-FFF2-40B4-BE49-F238E27FC236}">
+                <a16:creationId xmlns:a16="http://schemas.microsoft.com/office/drawing/2014/main" id="{1153A045-5651-C546-A867-A5BF2FC7B690}"/>
+              </a:ext>
+            </a:extLst>
+          </p:cNvPr>
+          <p:cNvSpPr txBox="1"/>
+          <p:nvPr/>
+        </p:nvSpPr>
+        <p:spPr>
+          <a:xfrm>
+            <a:off x="998584" y="668746"/>
+            <a:ext cx="1539684" cy="510235"/>
+          </a:xfrm>
+          <a:prstGeom prst="rect">
+            <a:avLst/>
+          </a:prstGeom>
+          <a:noFill/>
+          <a:ln w="3175" cap="flat">
+            <a:noFill/>
+            <a:miter lim="400000"/>
+          </a:ln>
+          <a:effectLst/>
+        </p:spPr>
+        <p:style>
+          <a:lnRef idx="0">
+            <a:scrgbClr r="0" g="0" b="0"/>
+          </a:lnRef>
+          <a:fillRef idx="0">
+            <a:scrgbClr r="0" g="0" b="0"/>
+          </a:fillRef>
+          <a:effectRef idx="0">
+            <a:scrgbClr r="0" g="0" b="0"/>
+          </a:effectRef>
+          <a:fontRef idx="none"/>
+        </p:style>
+        <p:txBody>
+          <a:bodyPr rot="0" spcFirstLastPara="1" vertOverflow="overflow" horzOverflow="overflow" vert="horz" wrap="none" lIns="39290" tIns="39290" rIns="39290" bIns="39290" numCol="1" spcCol="38100" rtlCol="0" anchor="ctr">
+            <a:spAutoFit/>
+          </a:bodyPr>
+          <a:lstStyle/>
+          <a:p>
+            <a:pPr marL="0" marR="0" indent="0" algn="ctr" defTabSz="584200" rtl="0" fontAlgn="auto" latinLnBrk="1" hangingPunct="0">
+              <a:lnSpc>
+                <a:spcPct val="100000"/>
+              </a:lnSpc>
+              <a:spcBef>
+                <a:spcPts val="0"/>
+              </a:spcBef>
+              <a:spcAft>
+                <a:spcPts val="0"/>
+              </a:spcAft>
+              <a:buClrTx/>
+              <a:buSzTx/>
+              <a:buFontTx/>
+              <a:buNone/>
+              <a:tabLst/>
+            </a:pPr>
+            <a:r>
+              <a:rPr kumimoji="0" lang="en-US" sz="2800" b="1" i="0" u="none" strike="noStrike" cap="none" spc="0" normalizeH="0" baseline="0" dirty="0">
+                <a:ln>
+                  <a:noFill/>
+                </a:ln>
+                <a:solidFill>
+                  <a:srgbClr val="000000"/>
+                </a:solidFill>
+                <a:effectLst/>
+                <a:uFillTx/>
+                <a:latin typeface="+mn-lt"/>
+                <a:ea typeface="+mn-ea"/>
+                <a:cs typeface="+mn-cs"/>
+                <a:sym typeface="Helvetica Light"/>
+              </a:rPr>
+              <a:t>Local PC</a:t>
+            </a:r>
+          </a:p>
+        </p:txBody>
+      </p:sp>
+      <p:cxnSp>
+        <p:nvCxnSpPr>
+          <p:cNvPr id="67" name="Straight Arrow Connector 62">
+            <a:extLst>
+              <a:ext uri="{FF2B5EF4-FFF2-40B4-BE49-F238E27FC236}">
+                <a16:creationId xmlns:a16="http://schemas.microsoft.com/office/drawing/2014/main" id="{7A688BFC-4BFA-0F44-8FBD-C3E664514EC6}"/>
+              </a:ext>
+            </a:extLst>
+          </p:cNvPr>
+          <p:cNvCxnSpPr>
+            <a:cxnSpLocks/>
+          </p:cNvCxnSpPr>
+          <p:nvPr/>
+        </p:nvCxnSpPr>
+        <p:spPr>
+          <a:xfrm>
+            <a:off x="3380365" y="3942774"/>
+            <a:ext cx="4001876" cy="11083"/>
+          </a:xfrm>
+          <a:prstGeom prst="straightConnector1">
+            <a:avLst/>
+          </a:prstGeom>
+          <a:noFill/>
+          <a:ln w="38100" cap="flat" cmpd="sng">
+            <a:solidFill>
+              <a:schemeClr val="bg1">
+                <a:lumMod val="85000"/>
+              </a:schemeClr>
+            </a:solidFill>
+            <a:prstDash val="solid"/>
+            <a:miter lim="400000"/>
+            <a:headEnd type="none"/>
+            <a:tailEnd type="triangle"/>
+          </a:ln>
+          <a:effectLst/>
+        </p:spPr>
+        <p:style>
+          <a:lnRef idx="0">
+            <a:scrgbClr r="0" g="0" b="0"/>
+          </a:lnRef>
+          <a:fillRef idx="0">
+            <a:scrgbClr r="0" g="0" b="0"/>
+          </a:fillRef>
+          <a:effectRef idx="0">
+            <a:scrgbClr r="0" g="0" b="0"/>
+          </a:effectRef>
+          <a:fontRef idx="none"/>
+        </p:style>
+      </p:cxnSp>
+      <p:sp>
+        <p:nvSpPr>
+          <p:cNvPr id="18" name="TextBox 17">
+            <a:extLst>
+              <a:ext uri="{FF2B5EF4-FFF2-40B4-BE49-F238E27FC236}">
+                <a16:creationId xmlns:a16="http://schemas.microsoft.com/office/drawing/2014/main" id="{3B514748-AF90-FA49-8704-1CD18771CD1A}"/>
+              </a:ext>
+            </a:extLst>
+          </p:cNvPr>
+          <p:cNvSpPr txBox="1"/>
+          <p:nvPr/>
+        </p:nvSpPr>
+        <p:spPr>
+          <a:xfrm>
+            <a:off x="1916453" y="3875370"/>
+            <a:ext cx="1336102" cy="264013"/>
+          </a:xfrm>
+          <a:prstGeom prst="rect">
+            <a:avLst/>
+          </a:prstGeom>
+          <a:noFill/>
+          <a:ln w="3175" cap="flat">
+            <a:noFill/>
+            <a:miter lim="400000"/>
+          </a:ln>
+          <a:effectLst/>
+        </p:spPr>
+        <p:style>
+          <a:lnRef idx="0">
+            <a:scrgbClr r="0" g="0" b="0"/>
+          </a:lnRef>
+          <a:fillRef idx="0">
+            <a:scrgbClr r="0" g="0" b="0"/>
+          </a:fillRef>
+          <a:effectRef idx="0">
+            <a:scrgbClr r="0" g="0" b="0"/>
+          </a:effectRef>
+          <a:fontRef idx="none"/>
+        </p:style>
+        <p:txBody>
+          <a:bodyPr rot="0" spcFirstLastPara="1" vertOverflow="overflow" horzOverflow="overflow" vert="horz" wrap="none" lIns="39290" tIns="39290" rIns="39290" bIns="39290" numCol="1" spcCol="38100" rtlCol="0" anchor="ctr">
+            <a:spAutoFit/>
+          </a:bodyPr>
+          <a:lstStyle/>
+          <a:p>
+            <a:pPr marL="0" marR="0" indent="0" algn="ctr" defTabSz="584200" rtl="0" fontAlgn="auto" latinLnBrk="1" hangingPunct="0">
+              <a:lnSpc>
+                <a:spcPct val="100000"/>
+              </a:lnSpc>
+              <a:spcBef>
+                <a:spcPts val="0"/>
+              </a:spcBef>
+              <a:spcAft>
+                <a:spcPts val="0"/>
+              </a:spcAft>
+              <a:buClrTx/>
+              <a:buSzTx/>
+              <a:buFontTx/>
+              <a:buNone/>
+              <a:tabLst/>
+            </a:pPr>
+            <a:r>
+              <a:rPr lang="en-US" sz="1200" dirty="0" err="1">
+                <a:solidFill>
+                  <a:srgbClr val="000000"/>
+                </a:solidFill>
+              </a:rPr>
+              <a:t>i</a:t>
+            </a:r>
+            <a:r>
+              <a:rPr kumimoji="0" lang="en-US" sz="1200" b="0" i="0" u="none" strike="noStrike" cap="none" spc="0" normalizeH="0" baseline="0" dirty="0" err="1">
+                <a:ln>
+                  <a:noFill/>
+                </a:ln>
+                <a:solidFill>
+                  <a:srgbClr val="000000"/>
+                </a:solidFill>
+                <a:effectLst/>
+                <a:uFillTx/>
+                <a:latin typeface="+mn-lt"/>
+                <a:ea typeface="+mn-ea"/>
+                <a:cs typeface="+mn-cs"/>
+                <a:sym typeface="Helvetica Light"/>
+              </a:rPr>
+              <a:t>bmcloud</a:t>
+            </a:r>
+            <a:r>
+              <a:rPr kumimoji="0" lang="en-US" sz="1200" b="0" i="0" u="none" strike="noStrike" cap="none" spc="0" normalizeH="0" baseline="0" dirty="0">
+                <a:ln>
+                  <a:noFill/>
+                </a:ln>
+                <a:solidFill>
+                  <a:srgbClr val="000000"/>
+                </a:solidFill>
+                <a:effectLst/>
+                <a:uFillTx/>
+                <a:latin typeface="+mn-lt"/>
+                <a:ea typeface="+mn-ea"/>
+                <a:cs typeface="+mn-cs"/>
+                <a:sym typeface="Helvetica Light"/>
+              </a:rPr>
+              <a:t> </a:t>
+            </a:r>
+            <a:r>
+              <a:rPr kumimoji="0" lang="en-US" sz="1200" b="0" i="0" u="none" strike="noStrike" cap="none" spc="0" normalizeH="0" baseline="0" dirty="0" err="1">
+                <a:ln>
+                  <a:noFill/>
+                </a:ln>
+                <a:solidFill>
+                  <a:srgbClr val="000000"/>
+                </a:solidFill>
+                <a:effectLst/>
+                <a:uFillTx/>
+                <a:latin typeface="+mn-lt"/>
+                <a:ea typeface="+mn-ea"/>
+                <a:cs typeface="+mn-cs"/>
+                <a:sym typeface="Helvetica Light"/>
+              </a:rPr>
+              <a:t>cr</a:t>
+            </a:r>
+            <a:r>
+              <a:rPr kumimoji="0" lang="en-US" sz="1200" b="0" i="0" u="none" strike="noStrike" cap="none" spc="0" normalizeH="0" baseline="0" dirty="0">
+                <a:ln>
+                  <a:noFill/>
+                </a:ln>
+                <a:solidFill>
+                  <a:srgbClr val="000000"/>
+                </a:solidFill>
+                <a:effectLst/>
+                <a:uFillTx/>
+                <a:latin typeface="+mn-lt"/>
+                <a:ea typeface="+mn-ea"/>
+                <a:cs typeface="+mn-cs"/>
+                <a:sym typeface="Helvetica Light"/>
+              </a:rPr>
+              <a:t> build </a:t>
+            </a:r>
+          </a:p>
+        </p:txBody>
+      </p:sp>
+      <p:sp>
+        <p:nvSpPr>
+          <p:cNvPr id="42" name="TextBox 41">
+            <a:extLst>
+              <a:ext uri="{FF2B5EF4-FFF2-40B4-BE49-F238E27FC236}">
+                <a16:creationId xmlns:a16="http://schemas.microsoft.com/office/drawing/2014/main" id="{04B18974-CE3C-C948-B1FD-90A030367EC4}"/>
+              </a:ext>
+            </a:extLst>
+          </p:cNvPr>
+          <p:cNvSpPr txBox="1"/>
+          <p:nvPr/>
+        </p:nvSpPr>
+        <p:spPr>
+          <a:xfrm>
+            <a:off x="1802498" y="3594587"/>
+            <a:ext cx="1916389" cy="264013"/>
+          </a:xfrm>
+          <a:prstGeom prst="rect">
+            <a:avLst/>
+          </a:prstGeom>
+          <a:noFill/>
+          <a:ln w="3175" cap="flat">
+            <a:noFill/>
+            <a:miter lim="400000"/>
+          </a:ln>
+          <a:effectLst/>
+        </p:spPr>
+        <p:style>
+          <a:lnRef idx="0">
+            <a:scrgbClr r="0" g="0" b="0"/>
+          </a:lnRef>
+          <a:fillRef idx="0">
+            <a:scrgbClr r="0" g="0" b="0"/>
+          </a:fillRef>
+          <a:effectRef idx="0">
+            <a:scrgbClr r="0" g="0" b="0"/>
+          </a:effectRef>
+          <a:fontRef idx="none"/>
+        </p:style>
+        <p:txBody>
+          <a:bodyPr rot="0" spcFirstLastPara="1" vertOverflow="overflow" horzOverflow="overflow" vert="horz" wrap="none" lIns="39290" tIns="39290" rIns="39290" bIns="39290" numCol="1" spcCol="38100" rtlCol="0" anchor="ctr">
+            <a:spAutoFit/>
+          </a:bodyPr>
+          <a:lstStyle/>
+          <a:p>
+            <a:pPr marL="0" marR="0" indent="0" algn="ctr" defTabSz="584200" rtl="0" fontAlgn="auto" latinLnBrk="1" hangingPunct="0">
+              <a:lnSpc>
+                <a:spcPct val="100000"/>
+              </a:lnSpc>
+              <a:spcBef>
+                <a:spcPts val="0"/>
+              </a:spcBef>
+              <a:spcAft>
+                <a:spcPts val="0"/>
+              </a:spcAft>
+              <a:buClrTx/>
+              <a:buSzTx/>
+              <a:buFontTx/>
+              <a:buNone/>
+              <a:tabLst/>
+            </a:pPr>
+            <a:r>
+              <a:rPr lang="en-US" sz="1200" b="1" dirty="0">
+                <a:solidFill>
+                  <a:srgbClr val="000000"/>
+                </a:solidFill>
+              </a:rPr>
+              <a:t>Bash script and CLI usage</a:t>
+            </a:r>
+            <a:endParaRPr kumimoji="0" lang="en-US" sz="1200" b="1" i="0" u="none" strike="noStrike" cap="none" spc="0" normalizeH="0" baseline="0" dirty="0">
+              <a:ln>
+                <a:noFill/>
+              </a:ln>
+              <a:solidFill>
+                <a:srgbClr val="000000"/>
+              </a:solidFill>
+              <a:effectLst/>
+              <a:uFillTx/>
+              <a:latin typeface="+mn-lt"/>
+              <a:ea typeface="+mn-ea"/>
+              <a:cs typeface="+mn-cs"/>
+              <a:sym typeface="Helvetica Light"/>
+            </a:endParaRPr>
+          </a:p>
+        </p:txBody>
+      </p:sp>
+      <p:sp>
+        <p:nvSpPr>
+          <p:cNvPr id="43" name="TextBox 42">
+            <a:extLst>
+              <a:ext uri="{FF2B5EF4-FFF2-40B4-BE49-F238E27FC236}">
+                <a16:creationId xmlns:a16="http://schemas.microsoft.com/office/drawing/2014/main" id="{5CE24A8B-AFC5-F64A-86DD-BCA7871913F5}"/>
+              </a:ext>
+            </a:extLst>
+          </p:cNvPr>
+          <p:cNvSpPr txBox="1"/>
+          <p:nvPr/>
+        </p:nvSpPr>
+        <p:spPr>
+          <a:xfrm>
+            <a:off x="7456645" y="3583689"/>
+            <a:ext cx="1579759" cy="264013"/>
+          </a:xfrm>
+          <a:prstGeom prst="rect">
+            <a:avLst/>
+          </a:prstGeom>
+          <a:noFill/>
+          <a:ln w="3175" cap="flat">
+            <a:noFill/>
+            <a:miter lim="400000"/>
+          </a:ln>
+          <a:effectLst/>
+        </p:spPr>
+        <p:style>
+          <a:lnRef idx="0">
+            <a:scrgbClr r="0" g="0" b="0"/>
+          </a:lnRef>
+          <a:fillRef idx="0">
+            <a:scrgbClr r="0" g="0" b="0"/>
+          </a:fillRef>
+          <a:effectRef idx="0">
+            <a:scrgbClr r="0" g="0" b="0"/>
+          </a:effectRef>
+          <a:fontRef idx="none"/>
+        </p:style>
+        <p:txBody>
+          <a:bodyPr rot="0" spcFirstLastPara="1" vertOverflow="overflow" horzOverflow="overflow" vert="horz" wrap="none" lIns="39290" tIns="39290" rIns="39290" bIns="39290" numCol="1" spcCol="38100" rtlCol="0" anchor="ctr">
+            <a:spAutoFit/>
+          </a:bodyPr>
+          <a:lstStyle/>
+          <a:p>
+            <a:pPr marL="0" marR="0" indent="0" algn="ctr" defTabSz="584200" rtl="0" fontAlgn="auto" latinLnBrk="1" hangingPunct="0">
+              <a:lnSpc>
+                <a:spcPct val="100000"/>
+              </a:lnSpc>
+              <a:spcBef>
+                <a:spcPts val="0"/>
+              </a:spcBef>
+              <a:spcAft>
+                <a:spcPts val="0"/>
+              </a:spcAft>
+              <a:buClrTx/>
+              <a:buSzTx/>
+              <a:buFontTx/>
+              <a:buNone/>
+              <a:tabLst/>
+            </a:pPr>
+            <a:r>
+              <a:rPr lang="en-US" sz="1200" b="1" dirty="0">
+                <a:solidFill>
+                  <a:srgbClr val="000000"/>
+                </a:solidFill>
+              </a:rPr>
+              <a:t>Build </a:t>
+            </a:r>
+            <a:r>
+              <a:rPr lang="en-US" sz="1200" dirty="0">
+                <a:solidFill>
+                  <a:srgbClr val="000000"/>
+                </a:solidFill>
+              </a:rPr>
+              <a:t>container image</a:t>
+            </a:r>
+            <a:endParaRPr kumimoji="0" lang="en-US" sz="1200" i="0" u="none" strike="noStrike" cap="none" spc="0" normalizeH="0" baseline="0" dirty="0">
+              <a:ln>
+                <a:noFill/>
+              </a:ln>
+              <a:solidFill>
+                <a:srgbClr val="000000"/>
+              </a:solidFill>
+              <a:effectLst/>
+              <a:uFillTx/>
+              <a:latin typeface="+mn-lt"/>
+              <a:ea typeface="+mn-ea"/>
+              <a:cs typeface="+mn-cs"/>
+              <a:sym typeface="Helvetica Light"/>
+            </a:endParaRPr>
+          </a:p>
+        </p:txBody>
+      </p:sp>
+      <p:sp>
+        <p:nvSpPr>
+          <p:cNvPr id="45" name="TextBox 44">
+            <a:extLst>
+              <a:ext uri="{FF2B5EF4-FFF2-40B4-BE49-F238E27FC236}">
+                <a16:creationId xmlns:a16="http://schemas.microsoft.com/office/drawing/2014/main" id="{9A124563-844E-E148-A1FE-78B2863B64CE}"/>
+              </a:ext>
+            </a:extLst>
+          </p:cNvPr>
+          <p:cNvSpPr txBox="1"/>
+          <p:nvPr/>
+        </p:nvSpPr>
+        <p:spPr>
+          <a:xfrm>
+            <a:off x="7460651" y="3934506"/>
+            <a:ext cx="1571744" cy="264013"/>
+          </a:xfrm>
+          <a:prstGeom prst="rect">
+            <a:avLst/>
+          </a:prstGeom>
+          <a:noFill/>
+          <a:ln w="3175" cap="flat">
+            <a:noFill/>
+            <a:miter lim="400000"/>
+          </a:ln>
+          <a:effectLst/>
+        </p:spPr>
+        <p:style>
+          <a:lnRef idx="0">
+            <a:scrgbClr r="0" g="0" b="0"/>
+          </a:lnRef>
+          <a:fillRef idx="0">
+            <a:scrgbClr r="0" g="0" b="0"/>
+          </a:fillRef>
+          <a:effectRef idx="0">
+            <a:scrgbClr r="0" g="0" b="0"/>
+          </a:effectRef>
+          <a:fontRef idx="none"/>
+        </p:style>
+        <p:txBody>
+          <a:bodyPr rot="0" spcFirstLastPara="1" vertOverflow="overflow" horzOverflow="overflow" vert="horz" wrap="none" lIns="39290" tIns="39290" rIns="39290" bIns="39290" numCol="1" spcCol="38100" rtlCol="0" anchor="ctr">
+            <a:spAutoFit/>
+          </a:bodyPr>
+          <a:lstStyle/>
+          <a:p>
+            <a:pPr marL="0" marR="0" indent="0" algn="ctr" defTabSz="584200" rtl="0" fontAlgn="auto" latinLnBrk="1" hangingPunct="0">
+              <a:lnSpc>
+                <a:spcPct val="100000"/>
+              </a:lnSpc>
+              <a:spcBef>
+                <a:spcPts val="0"/>
+              </a:spcBef>
+              <a:spcAft>
+                <a:spcPts val="0"/>
+              </a:spcAft>
+              <a:buClrTx/>
+              <a:buSzTx/>
+              <a:buFontTx/>
+              <a:buNone/>
+              <a:tabLst/>
+            </a:pPr>
+            <a:r>
+              <a:rPr lang="en-US" sz="1200" b="1" dirty="0">
+                <a:solidFill>
+                  <a:srgbClr val="000000"/>
+                </a:solidFill>
+              </a:rPr>
+              <a:t>Save </a:t>
+            </a:r>
+            <a:r>
+              <a:rPr lang="en-US" sz="1200" dirty="0">
+                <a:solidFill>
+                  <a:srgbClr val="000000"/>
+                </a:solidFill>
+              </a:rPr>
+              <a:t>container image</a:t>
+            </a:r>
+            <a:endParaRPr kumimoji="0" lang="en-US" sz="1200" i="0" u="none" strike="noStrike" cap="none" spc="0" normalizeH="0" baseline="0" dirty="0">
+              <a:ln>
+                <a:noFill/>
+              </a:ln>
+              <a:solidFill>
+                <a:srgbClr val="000000"/>
+              </a:solidFill>
+              <a:effectLst/>
+              <a:uFillTx/>
+              <a:latin typeface="+mn-lt"/>
+              <a:ea typeface="+mn-ea"/>
+              <a:cs typeface="+mn-cs"/>
+              <a:sym typeface="Helvetica Light"/>
+            </a:endParaRPr>
+          </a:p>
+        </p:txBody>
+      </p:sp>
+    </p:spTree>
+    <p:extLst>
+      <p:ext uri="{BB962C8B-B14F-4D97-AF65-F5344CB8AC3E}">
+        <p14:creationId xmlns:p14="http://schemas.microsoft.com/office/powerpoint/2010/main" val="3802750002"/>
+      </p:ext>
+    </p:extLst>
+  </p:cSld>
+  <p:clrMapOvr>
+    <a:masterClrMapping/>
+  </p:clrMapOvr>
+  <p:transition spd="med"/>
+</p:sld>
+</file>
+
+<file path=ppt/slides/slide27.xml><?xml version="1.0" encoding="utf-8"?>
+<p:sld xmlns:a="http://schemas.openxmlformats.org/drawingml/2006/main" xmlns:r="http://schemas.openxmlformats.org/officeDocument/2006/relationships" xmlns:p="http://schemas.openxmlformats.org/presentationml/2006/main">
+  <p:cSld>
+    <p:spTree>
+      <p:nvGrpSpPr>
+        <p:cNvPr id="1" name=""/>
+        <p:cNvGrpSpPr/>
+        <p:nvPr/>
+      </p:nvGrpSpPr>
+      <p:grpSpPr>
+        <a:xfrm>
+          <a:off x="0" y="0"/>
+          <a:ext cx="0" cy="0"/>
+          <a:chOff x="0" y="0"/>
+          <a:chExt cx="0" cy="0"/>
+        </a:xfrm>
+      </p:grpSpPr>
+      <p:sp>
+        <p:nvSpPr>
+          <p:cNvPr id="66" name="Rounded Rectangle 65">
+            <a:extLst>
+              <a:ext uri="{FF2B5EF4-FFF2-40B4-BE49-F238E27FC236}">
+                <a16:creationId xmlns:a16="http://schemas.microsoft.com/office/drawing/2014/main" id="{C4D50543-9EFD-2B42-9F96-9784F0AFD273}"/>
+              </a:ext>
+            </a:extLst>
+          </p:cNvPr>
+          <p:cNvSpPr/>
+          <p:nvPr/>
+        </p:nvSpPr>
+        <p:spPr>
+          <a:xfrm>
+            <a:off x="860079" y="1627490"/>
+            <a:ext cx="6361336" cy="4867095"/>
+          </a:xfrm>
+          <a:prstGeom prst="roundRect">
+            <a:avLst/>
+          </a:prstGeom>
+          <a:ln w="25400">
+            <a:solidFill>
+              <a:srgbClr val="4277BB"/>
+            </a:solidFill>
+            <a:miter lim="400000"/>
+          </a:ln>
+        </p:spPr>
+        <p:txBody>
+          <a:bodyPr lIns="0" tIns="0" rIns="0" bIns="0" rtlCol="0" anchor="ctr"/>
+          <a:lstStyle/>
+          <a:p>
+            <a:pPr algn="ctr"/>
+            <a:endParaRPr lang="en-US" sz="1800" dirty="0">
+              <a:solidFill>
+                <a:srgbClr val="4277BB"/>
+              </a:solidFill>
+            </a:endParaRPr>
+          </a:p>
+        </p:txBody>
+      </p:sp>
+      <p:sp>
+        <p:nvSpPr>
+          <p:cNvPr id="68" name="Rounded Rectangle 67">
+            <a:extLst>
+              <a:ext uri="{FF2B5EF4-FFF2-40B4-BE49-F238E27FC236}">
+                <a16:creationId xmlns:a16="http://schemas.microsoft.com/office/drawing/2014/main" id="{7D22E891-E651-C343-B98D-45B362624281}"/>
+              </a:ext>
+            </a:extLst>
+          </p:cNvPr>
+          <p:cNvSpPr/>
+          <p:nvPr/>
+        </p:nvSpPr>
+        <p:spPr>
+          <a:xfrm>
+            <a:off x="1478120" y="2658171"/>
+            <a:ext cx="4418588" cy="2324137"/>
+          </a:xfrm>
+          <a:prstGeom prst="roundRect">
+            <a:avLst/>
+          </a:prstGeom>
+          <a:ln w="25400">
+            <a:solidFill>
+              <a:srgbClr val="4277BB"/>
+            </a:solidFill>
+            <a:miter lim="400000"/>
+          </a:ln>
+        </p:spPr>
+        <p:txBody>
+          <a:bodyPr lIns="0" tIns="0" rIns="0" bIns="0" rtlCol="0" anchor="ctr"/>
+          <a:lstStyle/>
+          <a:p>
+            <a:pPr algn="ctr"/>
+            <a:endParaRPr lang="en-US" sz="1800">
+              <a:solidFill>
+                <a:srgbClr val="4277BB"/>
+              </a:solidFill>
+            </a:endParaRPr>
+          </a:p>
+        </p:txBody>
+      </p:sp>
+      <p:sp>
+        <p:nvSpPr>
+          <p:cNvPr id="71" name="TextBox 70">
+            <a:extLst>
+              <a:ext uri="{FF2B5EF4-FFF2-40B4-BE49-F238E27FC236}">
+                <a16:creationId xmlns:a16="http://schemas.microsoft.com/office/drawing/2014/main" id="{8B311B05-6EBE-454F-B94C-E5CC8C1AE15B}"/>
+              </a:ext>
+            </a:extLst>
+          </p:cNvPr>
+          <p:cNvSpPr txBox="1"/>
+          <p:nvPr/>
+        </p:nvSpPr>
+        <p:spPr>
+          <a:xfrm>
+            <a:off x="1280115" y="2274873"/>
+            <a:ext cx="898626" cy="325569"/>
+          </a:xfrm>
+          <a:prstGeom prst="rect">
+            <a:avLst/>
+          </a:prstGeom>
+          <a:noFill/>
+          <a:ln w="3175" cap="flat">
+            <a:noFill/>
+            <a:miter lim="400000"/>
+          </a:ln>
+          <a:effectLst/>
+        </p:spPr>
+        <p:style>
+          <a:lnRef idx="0">
+            <a:scrgbClr r="0" g="0" b="0"/>
+          </a:lnRef>
+          <a:fillRef idx="0">
+            <a:scrgbClr r="0" g="0" b="0"/>
+          </a:fillRef>
+          <a:effectRef idx="0">
+            <a:scrgbClr r="0" g="0" b="0"/>
+          </a:effectRef>
+          <a:fontRef idx="none"/>
+        </p:style>
+        <p:txBody>
+          <a:bodyPr rot="0" spcFirstLastPara="1" vertOverflow="overflow" horzOverflow="overflow" vert="horz" wrap="square" lIns="39290" tIns="39290" rIns="39290" bIns="39290" numCol="1" spcCol="38100" rtlCol="0" anchor="ctr">
+            <a:spAutoFit/>
+          </a:bodyPr>
+          <a:lstStyle/>
+          <a:p>
+            <a:pPr marL="0" marR="0" indent="0" algn="ctr" defTabSz="584200" rtl="0" fontAlgn="auto" latinLnBrk="1" hangingPunct="0">
+              <a:lnSpc>
+                <a:spcPct val="100000"/>
+              </a:lnSpc>
+              <a:spcBef>
+                <a:spcPts val="0"/>
+              </a:spcBef>
+              <a:spcAft>
+                <a:spcPts val="0"/>
+              </a:spcAft>
+              <a:buClrTx/>
+              <a:buSzTx/>
+              <a:buFontTx/>
+              <a:buNone/>
+              <a:tabLst/>
+            </a:pPr>
+            <a:r>
+              <a:rPr lang="en-US" sz="1600" dirty="0">
+                <a:solidFill>
+                  <a:srgbClr val="000000"/>
+                </a:solidFill>
+              </a:rPr>
+              <a:t>Hyper-V</a:t>
+            </a:r>
+            <a:endParaRPr kumimoji="0" lang="en-US" sz="1600" b="0" i="0" u="none" strike="noStrike" cap="none" spc="0" normalizeH="0" baseline="0" dirty="0">
+              <a:ln>
+                <a:noFill/>
+              </a:ln>
+              <a:solidFill>
+                <a:srgbClr val="000000"/>
+              </a:solidFill>
+              <a:effectLst/>
+              <a:uFillTx/>
+              <a:latin typeface="+mn-lt"/>
+              <a:ea typeface="+mn-ea"/>
+              <a:cs typeface="+mn-cs"/>
+              <a:sym typeface="Helvetica Light"/>
+            </a:endParaRPr>
+          </a:p>
+        </p:txBody>
+      </p:sp>
+      <p:sp>
+        <p:nvSpPr>
+          <p:cNvPr id="74" name="TextBox 73">
+            <a:extLst>
+              <a:ext uri="{FF2B5EF4-FFF2-40B4-BE49-F238E27FC236}">
+                <a16:creationId xmlns:a16="http://schemas.microsoft.com/office/drawing/2014/main" id="{9598825F-B14D-C748-AB12-175AD309F87E}"/>
+              </a:ext>
+            </a:extLst>
+          </p:cNvPr>
+          <p:cNvSpPr txBox="1"/>
+          <p:nvPr/>
+        </p:nvSpPr>
+        <p:spPr>
+          <a:xfrm>
+            <a:off x="1567002" y="2802642"/>
+            <a:ext cx="1508559" cy="325569"/>
+          </a:xfrm>
+          <a:prstGeom prst="rect">
+            <a:avLst/>
+          </a:prstGeom>
+          <a:noFill/>
+          <a:ln w="3175" cap="flat">
+            <a:noFill/>
+            <a:miter lim="400000"/>
+          </a:ln>
+          <a:effectLst/>
+        </p:spPr>
+        <p:style>
+          <a:lnRef idx="0">
+            <a:scrgbClr r="0" g="0" b="0"/>
+          </a:lnRef>
+          <a:fillRef idx="0">
+            <a:scrgbClr r="0" g="0" b="0"/>
+          </a:fillRef>
+          <a:effectRef idx="0">
+            <a:scrgbClr r="0" g="0" b="0"/>
+          </a:effectRef>
+          <a:fontRef idx="none"/>
+        </p:style>
+        <p:txBody>
+          <a:bodyPr rot="0" spcFirstLastPara="1" vertOverflow="overflow" horzOverflow="overflow" vert="horz" wrap="square" lIns="39290" tIns="39290" rIns="39290" bIns="39290" numCol="1" spcCol="38100" rtlCol="0" anchor="ctr">
+            <a:spAutoFit/>
+          </a:bodyPr>
+          <a:lstStyle/>
+          <a:p>
+            <a:pPr rtl="0" latinLnBrk="1" hangingPunct="0"/>
+            <a:r>
+              <a:rPr lang="en-US" sz="1600" b="1" dirty="0">
+                <a:solidFill>
+                  <a:schemeClr val="accent1"/>
+                </a:solidFill>
+              </a:rPr>
+              <a:t>Docker (Linux)  </a:t>
+            </a:r>
+            <a:endParaRPr kumimoji="0" lang="en-US" sz="1050" b="1" i="0" u="none" strike="noStrike" cap="none" spc="0" normalizeH="0" baseline="0" dirty="0">
+              <a:ln>
+                <a:noFill/>
+              </a:ln>
+              <a:solidFill>
+                <a:schemeClr val="accent1"/>
+              </a:solidFill>
+              <a:effectLst/>
+              <a:uFillTx/>
+              <a:sym typeface="Helvetica Light"/>
+            </a:endParaRPr>
+          </a:p>
+        </p:txBody>
+      </p:sp>
+      <p:sp>
+        <p:nvSpPr>
+          <p:cNvPr id="79" name="TextBox 78">
+            <a:extLst>
+              <a:ext uri="{FF2B5EF4-FFF2-40B4-BE49-F238E27FC236}">
+                <a16:creationId xmlns:a16="http://schemas.microsoft.com/office/drawing/2014/main" id="{58ED2E94-5A33-7D4C-A624-94C2B1A96506}"/>
+              </a:ext>
+            </a:extLst>
+          </p:cNvPr>
+          <p:cNvSpPr txBox="1"/>
+          <p:nvPr/>
+        </p:nvSpPr>
+        <p:spPr>
+          <a:xfrm>
+            <a:off x="962309" y="1777347"/>
+            <a:ext cx="1534238" cy="325569"/>
+          </a:xfrm>
+          <a:prstGeom prst="rect">
+            <a:avLst/>
+          </a:prstGeom>
+          <a:noFill/>
+          <a:ln w="3175" cap="flat">
+            <a:noFill/>
+            <a:miter lim="400000"/>
+          </a:ln>
+          <a:effectLst/>
+        </p:spPr>
+        <p:style>
+          <a:lnRef idx="0">
+            <a:scrgbClr r="0" g="0" b="0"/>
+          </a:lnRef>
+          <a:fillRef idx="0">
+            <a:scrgbClr r="0" g="0" b="0"/>
+          </a:fillRef>
+          <a:effectRef idx="0">
+            <a:scrgbClr r="0" g="0" b="0"/>
+          </a:effectRef>
+          <a:fontRef idx="none"/>
+        </p:style>
+        <p:txBody>
+          <a:bodyPr rot="0" spcFirstLastPara="1" vertOverflow="overflow" horzOverflow="overflow" vert="horz" wrap="square" lIns="39290" tIns="39290" rIns="39290" bIns="39290" numCol="1" spcCol="38100" rtlCol="0" anchor="ctr">
+            <a:spAutoFit/>
+          </a:bodyPr>
+          <a:lstStyle/>
+          <a:p>
+            <a:pPr marL="0" marR="0" indent="0" algn="ctr" defTabSz="584200" rtl="0" fontAlgn="auto" latinLnBrk="1" hangingPunct="0">
+              <a:lnSpc>
+                <a:spcPct val="100000"/>
+              </a:lnSpc>
+              <a:spcBef>
+                <a:spcPts val="0"/>
+              </a:spcBef>
+              <a:spcAft>
+                <a:spcPts val="0"/>
+              </a:spcAft>
+              <a:buClrTx/>
+              <a:buSzTx/>
+              <a:buFontTx/>
+              <a:buNone/>
+              <a:tabLst/>
+            </a:pPr>
+            <a:r>
+              <a:rPr lang="en-US" sz="1600" b="1" dirty="0">
+                <a:solidFill>
+                  <a:srgbClr val="000000"/>
+                </a:solidFill>
+              </a:rPr>
+              <a:t>Windows 10</a:t>
+            </a:r>
+            <a:endParaRPr kumimoji="0" lang="en-US" sz="1050" b="1" i="0" u="none" strike="noStrike" cap="none" spc="0" normalizeH="0" baseline="0" dirty="0">
+              <a:ln>
+                <a:noFill/>
+              </a:ln>
+              <a:solidFill>
+                <a:srgbClr val="000000"/>
+              </a:solidFill>
+              <a:effectLst/>
+              <a:uFillTx/>
+              <a:latin typeface="+mn-lt"/>
+              <a:ea typeface="+mn-ea"/>
+              <a:cs typeface="+mn-cs"/>
+              <a:sym typeface="Helvetica Light"/>
+            </a:endParaRPr>
+          </a:p>
+        </p:txBody>
+      </p:sp>
+      <p:sp>
+        <p:nvSpPr>
+          <p:cNvPr id="50" name="Rounded Rectangle 49">
+            <a:extLst>
+              <a:ext uri="{FF2B5EF4-FFF2-40B4-BE49-F238E27FC236}">
+                <a16:creationId xmlns:a16="http://schemas.microsoft.com/office/drawing/2014/main" id="{A8008F2C-D459-5448-8414-53BF6A345107}"/>
+              </a:ext>
+            </a:extLst>
+          </p:cNvPr>
+          <p:cNvSpPr/>
+          <p:nvPr/>
+        </p:nvSpPr>
+        <p:spPr>
+          <a:xfrm>
+            <a:off x="1137139" y="2197135"/>
+            <a:ext cx="5556738" cy="3472350"/>
+          </a:xfrm>
+          <a:prstGeom prst="roundRect">
+            <a:avLst/>
+          </a:prstGeom>
+          <a:ln w="25400">
+            <a:solidFill>
+              <a:srgbClr val="4277BB"/>
+            </a:solidFill>
+            <a:miter lim="400000"/>
+          </a:ln>
+        </p:spPr>
+        <p:txBody>
+          <a:bodyPr lIns="0" tIns="0" rIns="0" bIns="0" rtlCol="0" anchor="ctr"/>
+          <a:lstStyle/>
+          <a:p>
+            <a:pPr algn="l"/>
+            <a:endParaRPr lang="en-US" sz="1800" dirty="0">
+              <a:solidFill>
+                <a:schemeClr val="tx1"/>
+              </a:solidFill>
+            </a:endParaRPr>
+          </a:p>
+        </p:txBody>
+      </p:sp>
+      <p:sp>
+        <p:nvSpPr>
+          <p:cNvPr id="33" name="Rounded Rectangle 32">
+            <a:extLst>
+              <a:ext uri="{FF2B5EF4-FFF2-40B4-BE49-F238E27FC236}">
+                <a16:creationId xmlns:a16="http://schemas.microsoft.com/office/drawing/2014/main" id="{940970D1-3B6E-B043-B99B-B47A6A2D2F8E}"/>
+              </a:ext>
+            </a:extLst>
+          </p:cNvPr>
+          <p:cNvSpPr/>
+          <p:nvPr/>
+        </p:nvSpPr>
+        <p:spPr>
+          <a:xfrm>
+            <a:off x="1711568" y="3267187"/>
+            <a:ext cx="3059723" cy="953121"/>
+          </a:xfrm>
+          <a:prstGeom prst="roundRect">
+            <a:avLst/>
+          </a:prstGeom>
+          <a:solidFill>
+            <a:srgbClr val="FFFFFF"/>
+          </a:solidFill>
+          <a:ln w="25400">
+            <a:solidFill>
+              <a:srgbClr val="4277BB"/>
+            </a:solidFill>
+            <a:miter lim="400000"/>
+          </a:ln>
+        </p:spPr>
+        <p:txBody>
+          <a:bodyPr lIns="0" tIns="0" rIns="0" bIns="0" rtlCol="0" anchor="ctr"/>
+          <a:lstStyle/>
+          <a:p>
+            <a:pPr algn="ctr"/>
+            <a:endParaRPr lang="en-US" sz="1800">
+              <a:solidFill>
+                <a:srgbClr val="4277BB"/>
+              </a:solidFill>
+            </a:endParaRPr>
+          </a:p>
+        </p:txBody>
+      </p:sp>
+      <p:sp>
+        <p:nvSpPr>
+          <p:cNvPr id="34" name="TextBox 33">
+            <a:extLst>
+              <a:ext uri="{FF2B5EF4-FFF2-40B4-BE49-F238E27FC236}">
+                <a16:creationId xmlns:a16="http://schemas.microsoft.com/office/drawing/2014/main" id="{FF95A818-EC61-A244-AE01-08D940047107}"/>
+              </a:ext>
+            </a:extLst>
+          </p:cNvPr>
+          <p:cNvSpPr txBox="1"/>
+          <p:nvPr/>
+        </p:nvSpPr>
+        <p:spPr>
+          <a:xfrm>
+            <a:off x="1835326" y="3268369"/>
+            <a:ext cx="2098177" cy="325569"/>
+          </a:xfrm>
+          <a:prstGeom prst="rect">
+            <a:avLst/>
+          </a:prstGeom>
+          <a:noFill/>
+          <a:ln w="3175" cap="flat">
+            <a:noFill/>
+            <a:miter lim="400000"/>
+          </a:ln>
+          <a:effectLst/>
+        </p:spPr>
+        <p:style>
+          <a:lnRef idx="0">
+            <a:scrgbClr r="0" g="0" b="0"/>
+          </a:lnRef>
+          <a:fillRef idx="0">
+            <a:scrgbClr r="0" g="0" b="0"/>
+          </a:fillRef>
+          <a:effectRef idx="0">
+            <a:scrgbClr r="0" g="0" b="0"/>
+          </a:effectRef>
+          <a:fontRef idx="none"/>
+        </p:style>
+        <p:txBody>
+          <a:bodyPr rot="0" spcFirstLastPara="1" vertOverflow="overflow" horzOverflow="overflow" vert="horz" wrap="square" lIns="39290" tIns="39290" rIns="39290" bIns="39290" numCol="1" spcCol="38100" rtlCol="0" anchor="ctr">
+            <a:spAutoFit/>
+          </a:bodyPr>
+          <a:lstStyle/>
+          <a:p>
+            <a:pPr rtl="0" latinLnBrk="1" hangingPunct="0"/>
+            <a:r>
+              <a:rPr lang="en-US" sz="1600" b="1" dirty="0">
+                <a:solidFill>
+                  <a:schemeClr val="accent1"/>
+                </a:solidFill>
+              </a:rPr>
+              <a:t>Ubuntu Docker image</a:t>
+            </a:r>
+            <a:endParaRPr kumimoji="0" lang="en-US" sz="1050" b="1" i="0" u="none" strike="noStrike" cap="none" spc="0" normalizeH="0" baseline="0" dirty="0">
+              <a:ln>
+                <a:noFill/>
+              </a:ln>
+              <a:solidFill>
+                <a:schemeClr val="accent1"/>
+              </a:solidFill>
+              <a:effectLst/>
+              <a:uFillTx/>
+              <a:sym typeface="Helvetica Light"/>
+            </a:endParaRPr>
+          </a:p>
+        </p:txBody>
+      </p:sp>
+      <p:sp>
+        <p:nvSpPr>
+          <p:cNvPr id="39" name="TextBox 38">
+            <a:extLst>
+              <a:ext uri="{FF2B5EF4-FFF2-40B4-BE49-F238E27FC236}">
+                <a16:creationId xmlns:a16="http://schemas.microsoft.com/office/drawing/2014/main" id="{1153A045-5651-C546-A867-A5BF2FC7B690}"/>
+              </a:ext>
+            </a:extLst>
+          </p:cNvPr>
+          <p:cNvSpPr txBox="1"/>
+          <p:nvPr/>
+        </p:nvSpPr>
+        <p:spPr>
+          <a:xfrm>
+            <a:off x="998584" y="668746"/>
+            <a:ext cx="1539684" cy="510235"/>
+          </a:xfrm>
+          <a:prstGeom prst="rect">
+            <a:avLst/>
+          </a:prstGeom>
+          <a:noFill/>
+          <a:ln w="3175" cap="flat">
+            <a:noFill/>
+            <a:miter lim="400000"/>
+          </a:ln>
+          <a:effectLst/>
+        </p:spPr>
+        <p:style>
+          <a:lnRef idx="0">
+            <a:scrgbClr r="0" g="0" b="0"/>
+          </a:lnRef>
+          <a:fillRef idx="0">
+            <a:scrgbClr r="0" g="0" b="0"/>
+          </a:fillRef>
+          <a:effectRef idx="0">
+            <a:scrgbClr r="0" g="0" b="0"/>
+          </a:effectRef>
+          <a:fontRef idx="none"/>
+        </p:style>
+        <p:txBody>
+          <a:bodyPr rot="0" spcFirstLastPara="1" vertOverflow="overflow" horzOverflow="overflow" vert="horz" wrap="none" lIns="39290" tIns="39290" rIns="39290" bIns="39290" numCol="1" spcCol="38100" rtlCol="0" anchor="ctr">
+            <a:spAutoFit/>
+          </a:bodyPr>
+          <a:lstStyle/>
+          <a:p>
+            <a:pPr marL="0" marR="0" indent="0" algn="ctr" defTabSz="584200" rtl="0" fontAlgn="auto" latinLnBrk="1" hangingPunct="0">
+              <a:lnSpc>
+                <a:spcPct val="100000"/>
+              </a:lnSpc>
+              <a:spcBef>
+                <a:spcPts val="0"/>
+              </a:spcBef>
+              <a:spcAft>
+                <a:spcPts val="0"/>
+              </a:spcAft>
+              <a:buClrTx/>
+              <a:buSzTx/>
+              <a:buFontTx/>
+              <a:buNone/>
+              <a:tabLst/>
+            </a:pPr>
+            <a:r>
+              <a:rPr kumimoji="0" lang="en-US" sz="2800" b="1" i="0" u="none" strike="noStrike" cap="none" spc="0" normalizeH="0" baseline="0" dirty="0">
+                <a:ln>
+                  <a:noFill/>
+                </a:ln>
+                <a:solidFill>
+                  <a:srgbClr val="000000"/>
+                </a:solidFill>
+                <a:effectLst/>
+                <a:uFillTx/>
+                <a:latin typeface="+mn-lt"/>
+                <a:ea typeface="+mn-ea"/>
+                <a:cs typeface="+mn-cs"/>
+                <a:sym typeface="Helvetica Light"/>
+              </a:rPr>
+              <a:t>Local PC</a:t>
+            </a:r>
+          </a:p>
+        </p:txBody>
+      </p:sp>
+      <p:sp>
+        <p:nvSpPr>
+          <p:cNvPr id="20" name="TextBox 19">
+            <a:extLst>
+              <a:ext uri="{FF2B5EF4-FFF2-40B4-BE49-F238E27FC236}">
+                <a16:creationId xmlns:a16="http://schemas.microsoft.com/office/drawing/2014/main" id="{AD06E22C-0C8B-3646-8A60-72F467AF9020}"/>
+              </a:ext>
+            </a:extLst>
+          </p:cNvPr>
+          <p:cNvSpPr txBox="1"/>
+          <p:nvPr/>
+        </p:nvSpPr>
+        <p:spPr>
+          <a:xfrm>
+            <a:off x="1835326" y="3836325"/>
+            <a:ext cx="2206822" cy="325569"/>
+          </a:xfrm>
+          <a:prstGeom prst="rect">
+            <a:avLst/>
+          </a:prstGeom>
+          <a:noFill/>
+          <a:ln w="3175" cap="flat">
+            <a:noFill/>
+            <a:miter lim="400000"/>
+          </a:ln>
+          <a:effectLst/>
+        </p:spPr>
+        <p:style>
+          <a:lnRef idx="0">
+            <a:scrgbClr r="0" g="0" b="0"/>
+          </a:lnRef>
+          <a:fillRef idx="0">
+            <a:scrgbClr r="0" g="0" b="0"/>
+          </a:fillRef>
+          <a:effectRef idx="0">
+            <a:scrgbClr r="0" g="0" b="0"/>
+          </a:effectRef>
+          <a:fontRef idx="none"/>
+        </p:style>
+        <p:txBody>
+          <a:bodyPr rot="0" spcFirstLastPara="1" vertOverflow="overflow" horzOverflow="overflow" vert="horz" wrap="square" lIns="39290" tIns="39290" rIns="39290" bIns="39290" numCol="1" spcCol="38100" rtlCol="0" anchor="ctr">
+            <a:spAutoFit/>
+          </a:bodyPr>
+          <a:lstStyle/>
+          <a:p>
+            <a:pPr rtl="0" latinLnBrk="1" hangingPunct="0"/>
+            <a:r>
+              <a:rPr lang="en-US" sz="1600" b="1" dirty="0">
+                <a:solidFill>
+                  <a:schemeClr val="accent1"/>
+                </a:solidFill>
+              </a:rPr>
+              <a:t>local </a:t>
+            </a:r>
+            <a:r>
+              <a:rPr lang="en-US" sz="1600" b="1" dirty="0">
+                <a:solidFill>
+                  <a:schemeClr val="tx1"/>
+                </a:solidFill>
+              </a:rPr>
+              <a:t>port</a:t>
+            </a:r>
+            <a:r>
+              <a:rPr lang="en-US" sz="1600" b="1" dirty="0">
+                <a:solidFill>
+                  <a:schemeClr val="accent1"/>
+                </a:solidFill>
+              </a:rPr>
+              <a:t> </a:t>
+            </a:r>
+            <a:r>
+              <a:rPr lang="en-US" sz="1600" b="1" dirty="0">
+                <a:solidFill>
+                  <a:schemeClr val="tx1"/>
+                </a:solidFill>
+              </a:rPr>
+              <a:t>2001</a:t>
+            </a:r>
+            <a:r>
+              <a:rPr lang="en-US" sz="1600" b="1" dirty="0">
+                <a:solidFill>
+                  <a:schemeClr val="accent1"/>
+                </a:solidFill>
+              </a:rPr>
+              <a:t> forward</a:t>
+            </a:r>
+            <a:endParaRPr kumimoji="0" lang="en-US" sz="1050" b="1" i="0" u="none" strike="noStrike" cap="none" spc="0" normalizeH="0" baseline="0" dirty="0">
+              <a:ln>
+                <a:noFill/>
+              </a:ln>
+              <a:solidFill>
+                <a:schemeClr val="accent1"/>
+              </a:solidFill>
+              <a:effectLst/>
+              <a:uFillTx/>
+              <a:sym typeface="Helvetica Light"/>
+            </a:endParaRPr>
+          </a:p>
+        </p:txBody>
+      </p:sp>
+      <p:sp>
+        <p:nvSpPr>
+          <p:cNvPr id="21" name="TextBox 20">
+            <a:extLst>
+              <a:ext uri="{FF2B5EF4-FFF2-40B4-BE49-F238E27FC236}">
+                <a16:creationId xmlns:a16="http://schemas.microsoft.com/office/drawing/2014/main" id="{3E8EFA7B-13B5-6843-80BB-1554504D13FC}"/>
+              </a:ext>
+            </a:extLst>
+          </p:cNvPr>
+          <p:cNvSpPr txBox="1"/>
+          <p:nvPr/>
+        </p:nvSpPr>
+        <p:spPr>
+          <a:xfrm>
+            <a:off x="1618712" y="4446456"/>
+            <a:ext cx="3961474" cy="325569"/>
+          </a:xfrm>
+          <a:prstGeom prst="rect">
+            <a:avLst/>
+          </a:prstGeom>
+          <a:noFill/>
+          <a:ln w="3175" cap="flat">
+            <a:noFill/>
+            <a:miter lim="400000"/>
+          </a:ln>
+          <a:effectLst/>
+        </p:spPr>
+        <p:style>
+          <a:lnRef idx="0">
+            <a:scrgbClr r="0" g="0" b="0"/>
+          </a:lnRef>
+          <a:fillRef idx="0">
+            <a:scrgbClr r="0" g="0" b="0"/>
+          </a:fillRef>
+          <a:effectRef idx="0">
+            <a:scrgbClr r="0" g="0" b="0"/>
+          </a:effectRef>
+          <a:fontRef idx="none"/>
+        </p:style>
+        <p:txBody>
+          <a:bodyPr rot="0" spcFirstLastPara="1" vertOverflow="overflow" horzOverflow="overflow" vert="horz" wrap="square" lIns="39290" tIns="39290" rIns="39290" bIns="39290" numCol="1" spcCol="38100" rtlCol="0" anchor="ctr">
+            <a:spAutoFit/>
+          </a:bodyPr>
+          <a:lstStyle/>
+          <a:p>
+            <a:pPr rtl="0" latinLnBrk="1" hangingPunct="0"/>
+            <a:r>
+              <a:rPr lang="en-US" sz="1600" b="1" dirty="0">
+                <a:solidFill>
+                  <a:schemeClr val="accent1"/>
+                </a:solidFill>
+              </a:rPr>
+              <a:t>Ubuntu Docker image exposed </a:t>
+            </a:r>
+            <a:r>
+              <a:rPr lang="en-US" sz="1600" b="1" dirty="0">
+                <a:solidFill>
+                  <a:schemeClr val="tx1"/>
+                </a:solidFill>
+              </a:rPr>
+              <a:t>port</a:t>
+            </a:r>
+            <a:r>
+              <a:rPr lang="en-US" sz="1600" b="1" dirty="0">
+                <a:solidFill>
+                  <a:schemeClr val="accent1"/>
+                </a:solidFill>
+              </a:rPr>
+              <a:t> </a:t>
+            </a:r>
+            <a:r>
+              <a:rPr lang="en-US" sz="1600" b="1" dirty="0">
+                <a:solidFill>
+                  <a:schemeClr val="tx1"/>
+                </a:solidFill>
+              </a:rPr>
+              <a:t>2001</a:t>
+            </a:r>
+            <a:r>
+              <a:rPr lang="en-US" sz="1600" b="1" dirty="0">
+                <a:solidFill>
+                  <a:schemeClr val="accent1"/>
+                </a:solidFill>
+              </a:rPr>
+              <a:t> </a:t>
+            </a:r>
+            <a:endParaRPr kumimoji="0" lang="en-US" sz="1050" b="1" i="0" u="none" strike="noStrike" cap="none" spc="0" normalizeH="0" baseline="0" dirty="0">
+              <a:ln>
+                <a:noFill/>
+              </a:ln>
+              <a:solidFill>
+                <a:schemeClr val="tx1"/>
+              </a:solidFill>
+              <a:effectLst/>
+              <a:uFillTx/>
+              <a:sym typeface="Helvetica Light"/>
+            </a:endParaRPr>
+          </a:p>
+        </p:txBody>
+      </p:sp>
+      <p:sp>
+        <p:nvSpPr>
+          <p:cNvPr id="22" name="TextBox 21">
+            <a:extLst>
+              <a:ext uri="{FF2B5EF4-FFF2-40B4-BE49-F238E27FC236}">
+                <a16:creationId xmlns:a16="http://schemas.microsoft.com/office/drawing/2014/main" id="{D12C69BB-D133-154F-A65B-24D4D305CA0C}"/>
+              </a:ext>
+            </a:extLst>
+          </p:cNvPr>
+          <p:cNvSpPr txBox="1"/>
+          <p:nvPr/>
+        </p:nvSpPr>
+        <p:spPr>
+          <a:xfrm>
+            <a:off x="1478120" y="5235882"/>
+            <a:ext cx="4922680" cy="325569"/>
+          </a:xfrm>
+          <a:prstGeom prst="rect">
+            <a:avLst/>
+          </a:prstGeom>
+          <a:noFill/>
+          <a:ln w="3175" cap="flat">
+            <a:noFill/>
+            <a:miter lim="400000"/>
+          </a:ln>
+          <a:effectLst/>
+        </p:spPr>
+        <p:style>
+          <a:lnRef idx="0">
+            <a:scrgbClr r="0" g="0" b="0"/>
+          </a:lnRef>
+          <a:fillRef idx="0">
+            <a:scrgbClr r="0" g="0" b="0"/>
+          </a:fillRef>
+          <a:effectRef idx="0">
+            <a:scrgbClr r="0" g="0" b="0"/>
+          </a:effectRef>
+          <a:fontRef idx="none"/>
+        </p:style>
+        <p:txBody>
+          <a:bodyPr rot="0" spcFirstLastPara="1" vertOverflow="overflow" horzOverflow="overflow" vert="horz" wrap="square" lIns="39290" tIns="39290" rIns="39290" bIns="39290" numCol="1" spcCol="38100" rtlCol="0" anchor="ctr">
+            <a:spAutoFit/>
+          </a:bodyPr>
+          <a:lstStyle/>
+          <a:p>
+            <a:pPr rtl="0" latinLnBrk="1" hangingPunct="0"/>
+            <a:r>
+              <a:rPr lang="en-US" sz="1600" b="1" dirty="0">
+                <a:solidFill>
+                  <a:schemeClr val="accent1"/>
+                </a:solidFill>
+              </a:rPr>
+              <a:t>Docker (Linux) </a:t>
+            </a:r>
+            <a:r>
+              <a:rPr lang="en-US" sz="1600" b="1" dirty="0">
+                <a:solidFill>
+                  <a:schemeClr val="tx1"/>
+                </a:solidFill>
+              </a:rPr>
+              <a:t>port 2001 </a:t>
+            </a:r>
+            <a:r>
+              <a:rPr lang="en-US" sz="1600" b="1" dirty="0">
+                <a:solidFill>
+                  <a:schemeClr val="accent1"/>
+                </a:solidFill>
+              </a:rPr>
+              <a:t>to be exposed by Hyper-V </a:t>
+            </a:r>
+            <a:endParaRPr kumimoji="0" lang="en-US" sz="1050" b="1" i="0" u="none" strike="noStrike" cap="none" spc="0" normalizeH="0" baseline="0" dirty="0">
+              <a:ln>
+                <a:noFill/>
+              </a:ln>
+              <a:solidFill>
+                <a:schemeClr val="accent1"/>
+              </a:solidFill>
+              <a:effectLst/>
+              <a:uFillTx/>
+              <a:sym typeface="Helvetica Light"/>
+            </a:endParaRPr>
+          </a:p>
+        </p:txBody>
+      </p:sp>
+      <p:sp>
+        <p:nvSpPr>
+          <p:cNvPr id="23" name="TextBox 22">
+            <a:extLst>
+              <a:ext uri="{FF2B5EF4-FFF2-40B4-BE49-F238E27FC236}">
+                <a16:creationId xmlns:a16="http://schemas.microsoft.com/office/drawing/2014/main" id="{31278105-1B1A-B143-B2A7-AAC011F1BA65}"/>
+              </a:ext>
+            </a:extLst>
+          </p:cNvPr>
+          <p:cNvSpPr txBox="1"/>
+          <p:nvPr/>
+        </p:nvSpPr>
+        <p:spPr>
+          <a:xfrm>
+            <a:off x="1763595" y="5982125"/>
+            <a:ext cx="4554304" cy="325569"/>
+          </a:xfrm>
+          <a:prstGeom prst="rect">
+            <a:avLst/>
+          </a:prstGeom>
+          <a:noFill/>
+          <a:ln w="3175" cap="flat">
+            <a:noFill/>
+            <a:miter lim="400000"/>
+          </a:ln>
+          <a:effectLst/>
+        </p:spPr>
+        <p:style>
+          <a:lnRef idx="0">
+            <a:scrgbClr r="0" g="0" b="0"/>
+          </a:lnRef>
+          <a:fillRef idx="0">
+            <a:scrgbClr r="0" g="0" b="0"/>
+          </a:fillRef>
+          <a:effectRef idx="0">
+            <a:scrgbClr r="0" g="0" b="0"/>
+          </a:effectRef>
+          <a:fontRef idx="none"/>
+        </p:style>
+        <p:txBody>
+          <a:bodyPr rot="0" spcFirstLastPara="1" vertOverflow="overflow" horzOverflow="overflow" vert="horz" wrap="square" lIns="39290" tIns="39290" rIns="39290" bIns="39290" numCol="1" spcCol="38100" rtlCol="0" anchor="ctr">
+            <a:spAutoFit/>
+          </a:bodyPr>
+          <a:lstStyle/>
+          <a:p>
+            <a:pPr rtl="0" latinLnBrk="1" hangingPunct="0"/>
+            <a:r>
+              <a:rPr lang="en-US" sz="1600" b="1" dirty="0">
+                <a:solidFill>
+                  <a:schemeClr val="accent1"/>
+                </a:solidFill>
+              </a:rPr>
+              <a:t>Use of the </a:t>
+            </a:r>
+            <a:r>
+              <a:rPr lang="en-US" sz="1600" b="1" dirty="0">
+                <a:solidFill>
+                  <a:schemeClr val="tx1"/>
+                </a:solidFill>
+              </a:rPr>
+              <a:t>port 2001 </a:t>
+            </a:r>
+            <a:r>
+              <a:rPr lang="en-US" sz="1600" b="1" dirty="0">
+                <a:solidFill>
+                  <a:schemeClr val="accent1"/>
+                </a:solidFill>
+              </a:rPr>
+              <a:t>in a browser</a:t>
+            </a:r>
+            <a:endParaRPr kumimoji="0" lang="en-US" sz="1050" b="1" i="0" u="none" strike="noStrike" cap="none" spc="0" normalizeH="0" baseline="0" dirty="0">
+              <a:ln>
+                <a:noFill/>
+              </a:ln>
+              <a:solidFill>
+                <a:schemeClr val="accent1"/>
+              </a:solidFill>
+              <a:effectLst/>
+              <a:uFillTx/>
+              <a:sym typeface="Helvetica Light"/>
+            </a:endParaRPr>
+          </a:p>
+        </p:txBody>
+      </p:sp>
+      <p:cxnSp>
+        <p:nvCxnSpPr>
+          <p:cNvPr id="7" name="Curved Connector 6">
+            <a:extLst>
+              <a:ext uri="{FF2B5EF4-FFF2-40B4-BE49-F238E27FC236}">
+                <a16:creationId xmlns:a16="http://schemas.microsoft.com/office/drawing/2014/main" id="{DA7D48EB-6381-A344-A375-5E9669BD3245}"/>
+              </a:ext>
+            </a:extLst>
+          </p:cNvPr>
+          <p:cNvCxnSpPr>
+            <a:stCxn id="20" idx="0"/>
+          </p:cNvCxnSpPr>
+          <p:nvPr/>
+        </p:nvCxnSpPr>
+        <p:spPr>
+          <a:xfrm rot="16200000" flipH="1">
+            <a:off x="3543104" y="3231958"/>
+            <a:ext cx="623820" cy="1832554"/>
+          </a:xfrm>
+          <a:prstGeom prst="curvedConnector4">
+            <a:avLst>
+              <a:gd name="adj1" fmla="val -36645"/>
+              <a:gd name="adj2" fmla="val 98658"/>
+            </a:avLst>
+          </a:prstGeom>
+          <a:noFill/>
+          <a:ln w="60325" cap="flat">
+            <a:solidFill>
+              <a:schemeClr val="accent2"/>
+            </a:solidFill>
+            <a:prstDash val="solid"/>
+            <a:miter lim="400000"/>
+            <a:tailEnd type="triangle"/>
+          </a:ln>
+          <a:effectLst/>
+        </p:spPr>
+        <p:style>
+          <a:lnRef idx="0">
+            <a:scrgbClr r="0" g="0" b="0"/>
+          </a:lnRef>
+          <a:fillRef idx="0">
+            <a:scrgbClr r="0" g="0" b="0"/>
+          </a:fillRef>
+          <a:effectRef idx="0">
+            <a:scrgbClr r="0" g="0" b="0"/>
+          </a:effectRef>
+          <a:fontRef idx="none"/>
+        </p:style>
+      </p:cxnSp>
+      <p:cxnSp>
+        <p:nvCxnSpPr>
+          <p:cNvPr id="29" name="Curved Connector 28">
+            <a:extLst>
+              <a:ext uri="{FF2B5EF4-FFF2-40B4-BE49-F238E27FC236}">
+                <a16:creationId xmlns:a16="http://schemas.microsoft.com/office/drawing/2014/main" id="{1E8A0936-D37F-5B4E-871C-6B4799A6F566}"/>
+              </a:ext>
+            </a:extLst>
+          </p:cNvPr>
+          <p:cNvCxnSpPr>
+            <a:cxnSpLocks/>
+          </p:cNvCxnSpPr>
+          <p:nvPr/>
+        </p:nvCxnSpPr>
+        <p:spPr>
+          <a:xfrm rot="10800000" flipV="1">
+            <a:off x="3349813" y="4636666"/>
+            <a:ext cx="2230373" cy="571790"/>
+          </a:xfrm>
+          <a:prstGeom prst="curvedConnector3">
+            <a:avLst>
+              <a:gd name="adj1" fmla="val -15176"/>
+            </a:avLst>
+          </a:prstGeom>
+          <a:noFill/>
+          <a:ln w="60325" cap="flat">
+            <a:solidFill>
+              <a:schemeClr val="accent2"/>
+            </a:solidFill>
+            <a:prstDash val="solid"/>
+            <a:miter lim="400000"/>
+            <a:tailEnd type="triangle"/>
+          </a:ln>
+          <a:effectLst/>
+        </p:spPr>
+        <p:style>
+          <a:lnRef idx="0">
+            <a:scrgbClr r="0" g="0" b="0"/>
+          </a:lnRef>
+          <a:fillRef idx="0">
+            <a:scrgbClr r="0" g="0" b="0"/>
+          </a:fillRef>
+          <a:effectRef idx="0">
+            <a:scrgbClr r="0" g="0" b="0"/>
+          </a:effectRef>
+          <a:fontRef idx="none"/>
+        </p:style>
+      </p:cxnSp>
+      <p:cxnSp>
+        <p:nvCxnSpPr>
+          <p:cNvPr id="35" name="Curved Connector 34">
+            <a:extLst>
+              <a:ext uri="{FF2B5EF4-FFF2-40B4-BE49-F238E27FC236}">
+                <a16:creationId xmlns:a16="http://schemas.microsoft.com/office/drawing/2014/main" id="{A9E93D9B-E354-8A49-BCC8-1808EA3C5F27}"/>
+              </a:ext>
+            </a:extLst>
+          </p:cNvPr>
+          <p:cNvCxnSpPr>
+            <a:cxnSpLocks/>
+            <a:endCxn id="23" idx="0"/>
+          </p:cNvCxnSpPr>
+          <p:nvPr/>
+        </p:nvCxnSpPr>
+        <p:spPr>
+          <a:xfrm>
+            <a:off x="3349814" y="5588878"/>
+            <a:ext cx="690933" cy="393247"/>
+          </a:xfrm>
+          <a:prstGeom prst="curvedConnector2">
+            <a:avLst/>
+          </a:prstGeom>
+          <a:noFill/>
+          <a:ln w="60325" cap="flat">
+            <a:solidFill>
+              <a:schemeClr val="accent2"/>
+            </a:solidFill>
+            <a:prstDash val="solid"/>
+            <a:miter lim="400000"/>
+            <a:tailEnd type="triangle"/>
+          </a:ln>
+          <a:effectLst/>
+        </p:spPr>
+        <p:style>
+          <a:lnRef idx="0">
+            <a:scrgbClr r="0" g="0" b="0"/>
+          </a:lnRef>
+          <a:fillRef idx="0">
+            <a:scrgbClr r="0" g="0" b="0"/>
+          </a:fillRef>
+          <a:effectRef idx="0">
+            <a:scrgbClr r="0" g="0" b="0"/>
+          </a:effectRef>
+          <a:fontRef idx="none"/>
+        </p:style>
+      </p:cxnSp>
+    </p:spTree>
+    <p:extLst>
+      <p:ext uri="{BB962C8B-B14F-4D97-AF65-F5344CB8AC3E}">
+        <p14:creationId xmlns:p14="http://schemas.microsoft.com/office/powerpoint/2010/main" val="2856690516"/>
+      </p:ext>
+    </p:extLst>
+  </p:cSld>
+  <p:clrMapOvr>
+    <a:masterClrMapping/>
+  </p:clrMapOvr>
+  <p:transition spd="med"/>
+</p:sld>
+</file>
+
 <file path=ppt/slides/slide3.xml><?xml version="1.0" encoding="utf-8"?>
 <p:sld xmlns:a="http://schemas.openxmlformats.org/drawingml/2006/main" xmlns:r="http://schemas.openxmlformats.org/officeDocument/2006/relationships" xmlns:p="http://schemas.openxmlformats.org/presentationml/2006/main">
   <p:cSld>
@@ -41945,7 +44328,7 @@
           </a:ln>
           <a:extLst>
             <a:ext uri="{C572A759-6A51-4108-AA02-DFA0A04FC94B}">
-              <ma14:wrappingTextBoxFlag xmlns:ma14="http://schemas.microsoft.com/office/mac/drawingml/2011/main" xmlns="" val="1"/>
+              <ma14:wrappingTextBoxFlag xmlns="" xmlns:ma14="http://schemas.microsoft.com/office/mac/drawingml/2011/main" val="1"/>
             </a:ext>
           </a:extLst>
         </p:spPr>
@@ -42114,7 +44497,7 @@
           </a:ln>
           <a:extLst>
             <a:ext uri="{C572A759-6A51-4108-AA02-DFA0A04FC94B}">
-              <ma14:wrappingTextBoxFlag xmlns:ma14="http://schemas.microsoft.com/office/mac/drawingml/2011/main" xmlns="" val="1"/>
+              <ma14:wrappingTextBoxFlag xmlns="" xmlns:ma14="http://schemas.microsoft.com/office/mac/drawingml/2011/main" val="1"/>
             </a:ext>
           </a:extLst>
         </p:spPr>
@@ -43427,7 +45810,7 @@
           </a:ln>
           <a:extLst>
             <a:ext uri="{C572A759-6A51-4108-AA02-DFA0A04FC94B}">
-              <ma14:wrappingTextBoxFlag xmlns:ma14="http://schemas.microsoft.com/office/mac/drawingml/2011/main" xmlns="" val="1"/>
+              <ma14:wrappingTextBoxFlag xmlns="" xmlns:ma14="http://schemas.microsoft.com/office/mac/drawingml/2011/main" val="1"/>
             </a:ext>
           </a:extLst>
         </p:spPr>
@@ -43596,7 +45979,7 @@
           </a:ln>
           <a:extLst>
             <a:ext uri="{C572A759-6A51-4108-AA02-DFA0A04FC94B}">
-              <ma14:wrappingTextBoxFlag xmlns:ma14="http://schemas.microsoft.com/office/mac/drawingml/2011/main" xmlns="" val="1"/>
+              <ma14:wrappingTextBoxFlag xmlns="" xmlns:ma14="http://schemas.microsoft.com/office/mac/drawingml/2011/main" val="1"/>
             </a:ext>
           </a:extLst>
         </p:spPr>
@@ -44869,7 +47252,7 @@
           </a:ln>
           <a:extLst>
             <a:ext uri="{C572A759-6A51-4108-AA02-DFA0A04FC94B}">
-              <ma14:wrappingTextBoxFlag xmlns:ma14="http://schemas.microsoft.com/office/mac/drawingml/2011/main" xmlns="" val="1"/>
+              <ma14:wrappingTextBoxFlag xmlns="" xmlns:ma14="http://schemas.microsoft.com/office/mac/drawingml/2011/main" val="1"/>
             </a:ext>
           </a:extLst>
         </p:spPr>
@@ -45038,7 +47421,7 @@
           </a:ln>
           <a:extLst>
             <a:ext uri="{C572A759-6A51-4108-AA02-DFA0A04FC94B}">
-              <ma14:wrappingTextBoxFlag xmlns:ma14="http://schemas.microsoft.com/office/mac/drawingml/2011/main" xmlns="" val="1"/>
+              <ma14:wrappingTextBoxFlag xmlns="" xmlns:ma14="http://schemas.microsoft.com/office/mac/drawingml/2011/main" val="1"/>
             </a:ext>
           </a:extLst>
         </p:spPr>
@@ -47883,7 +50266,7 @@
           </a:ln>
           <a:extLst>
             <a:ext uri="{C572A759-6A51-4108-AA02-DFA0A04FC94B}">
-              <ma14:wrappingTextBoxFlag xmlns:ma14="http://schemas.microsoft.com/office/mac/drawingml/2011/main" xmlns="" val="1"/>
+              <ma14:wrappingTextBoxFlag xmlns="" xmlns:ma14="http://schemas.microsoft.com/office/mac/drawingml/2011/main" val="1"/>
             </a:ext>
           </a:extLst>
         </p:spPr>
@@ -48072,7 +50455,7 @@
           </a:ln>
           <a:extLst>
             <a:ext uri="{C572A759-6A51-4108-AA02-DFA0A04FC94B}">
-              <ma14:wrappingTextBoxFlag xmlns:ma14="http://schemas.microsoft.com/office/mac/drawingml/2011/main" xmlns="" val="1"/>
+              <ma14:wrappingTextBoxFlag xmlns="" xmlns:ma14="http://schemas.microsoft.com/office/mac/drawingml/2011/main" val="1"/>
             </a:ext>
           </a:extLst>
         </p:spPr>
